--- a/Demo Poster/Demo_Poster_SMW43219667.pptx
+++ b/Demo Poster/Demo_Poster_SMW43219667.pptx
@@ -2338,7 +2338,7 @@
           <a:lstStyle/>
           <a:p>
             <a:r>
-              <a:rPr lang="en-US" sz="1800">
+              <a:rPr lang="en-US" sz="1800" dirty="0">
                 <a:latin typeface="Bodoni MT" charset="0"/>
                 <a:cs typeface="Helvetica Neue" charset="0"/>
               </a:rPr>
@@ -2346,14 +2346,14 @@
             </a:r>
           </a:p>
           <a:p>
-            <a:endParaRPr lang="en-US" sz="1600">
+            <a:endParaRPr lang="en-US" sz="1600" dirty="0">
               <a:latin typeface="Bodoni MT" charset="0"/>
               <a:cs typeface="Helvetica Neue" charset="0"/>
             </a:endParaRPr>
           </a:p>
           <a:p>
             <a:r>
-              <a:rPr lang="en-US" b="1">
+              <a:rPr lang="en-US" b="1" dirty="0">
                 <a:latin typeface="Helvetica Neue" charset="0"/>
                 <a:cs typeface="Helvetica Neue" charset="0"/>
               </a:rPr>
@@ -2362,7 +2362,7 @@
           </a:p>
           <a:p>
             <a:r>
-              <a:rPr lang="en-US">
+              <a:rPr lang="en-US" dirty="0">
                 <a:latin typeface="Helvetica Neue" charset="0"/>
                 <a:cs typeface="Helvetica Neue" charset="0"/>
               </a:rPr>
@@ -2370,14 +2370,14 @@
             </a:r>
           </a:p>
           <a:p>
-            <a:endParaRPr lang="en-US">
+            <a:endParaRPr lang="en-US" dirty="0">
               <a:latin typeface="Helvetica Neue" charset="0"/>
               <a:cs typeface="Helvetica Neue" charset="0"/>
             </a:endParaRPr>
           </a:p>
           <a:p>
             <a:r>
-              <a:rPr lang="en-US" b="1">
+              <a:rPr lang="en-US" b="1" dirty="0">
                 <a:latin typeface="Helvetica Neue" charset="0"/>
                 <a:cs typeface="Helvetica Neue" charset="0"/>
               </a:rPr>
@@ -2386,7 +2386,7 @@
           </a:p>
           <a:p>
             <a:r>
-              <a:rPr lang="en-US">
+              <a:rPr lang="en-US" dirty="0">
                 <a:latin typeface="Helvetica Neue" charset="0"/>
                 <a:cs typeface="Helvetica Neue" charset="0"/>
               </a:rPr>
@@ -2395,7 +2395,7 @@
           </a:p>
           <a:p>
             <a:r>
-              <a:rPr lang="en-US">
+              <a:rPr lang="en-US" dirty="0">
                 <a:latin typeface="Didot" charset="0"/>
                 <a:cs typeface="Helvetica Neue" charset="0"/>
               </a:rPr>
@@ -2404,7 +2404,7 @@
           </a:p>
           <a:p>
             <a:r>
-              <a:rPr lang="en-US">
+              <a:rPr lang="en-US" dirty="0">
                 <a:latin typeface="Times New Roman" charset="0"/>
                 <a:cs typeface="Times New Roman" charset="0"/>
               </a:rPr>
@@ -2412,14 +2412,14 @@
             </a:r>
           </a:p>
           <a:p>
-            <a:endParaRPr lang="en-US">
+            <a:endParaRPr lang="en-US" dirty="0">
               <a:latin typeface="Helvetica Neue" charset="0"/>
               <a:cs typeface="Helvetica Neue" charset="0"/>
             </a:endParaRPr>
           </a:p>
           <a:p>
             <a:r>
-              <a:rPr lang="en-US">
+              <a:rPr lang="en-US" dirty="0">
                 <a:latin typeface="Helvetica Neue" charset="0"/>
                 <a:cs typeface="Helvetica Neue" charset="0"/>
               </a:rPr>
@@ -2428,7 +2428,7 @@
           </a:p>
           <a:p>
             <a:r>
-              <a:rPr lang="en-US">
+              <a:rPr lang="en-US" dirty="0">
                 <a:latin typeface="Helvetica" charset="0"/>
                 <a:cs typeface="Helvetica" charset="0"/>
               </a:rPr>
@@ -2437,7 +2437,7 @@
           </a:p>
           <a:p>
             <a:r>
-              <a:rPr lang="en-US">
+              <a:rPr lang="en-US" dirty="0">
                 <a:latin typeface="Arial" charset="0"/>
                 <a:cs typeface="Arial" charset="0"/>
               </a:rPr>
@@ -2445,7 +2445,7 @@
             </a:r>
           </a:p>
           <a:p>
-            <a:endParaRPr lang="en-US">
+            <a:endParaRPr lang="en-US" dirty="0">
               <a:latin typeface="Helvetica Neue" charset="0"/>
               <a:cs typeface="Helvetica Neue" charset="0"/>
             </a:endParaRPr>
@@ -2539,7 +2539,7 @@
           <a:lstStyle/>
           <a:p>
             <a:r>
-              <a:rPr lang="en-US" b="1">
+              <a:rPr lang="en-US" b="1" dirty="0">
                 <a:latin typeface="Helvetica Neue" charset="0"/>
                 <a:cs typeface="Helvetica Neue" charset="0"/>
               </a:rPr>
@@ -2548,151 +2548,179 @@
           </a:p>
           <a:p>
             <a:r>
-              <a:rPr lang="en-US" b="1" i="1">
+              <a:rPr lang="en-US" b="1" i="1" dirty="0">
                 <a:latin typeface="Helvetica Neue" charset="0"/>
                 <a:cs typeface="Helvetica Neue" charset="0"/>
               </a:rPr>
               <a:t>Do not </a:t>
             </a:r>
             <a:r>
-              <a:rPr lang="en-US">
+              <a:rPr lang="en-US" dirty="0">
                 <a:latin typeface="Helvetica Neue" charset="0"/>
                 <a:cs typeface="Helvetica Neue" charset="0"/>
               </a:rPr>
-              <a:t>change the colour/size/logos/positioning of the Slide Master.</a:t>
-            </a:r>
-          </a:p>
-          <a:p>
-            <a:r>
-              <a:rPr lang="en-US">
+              <a:t>change the </a:t>
+            </a:r>
+            <a:r>
+              <a:rPr lang="en-US" dirty="0" err="1">
                 <a:latin typeface="Helvetica Neue" charset="0"/>
                 <a:cs typeface="Helvetica Neue" charset="0"/>
               </a:rPr>
-              <a:t>This is a standard format across all Innovation Expo posters.</a:t>
-            </a:r>
-          </a:p>
-          <a:p>
-            <a:r>
-              <a:rPr lang="en-US" b="1" i="1">
+              <a:t>colour</a:t>
+            </a:r>
+            <a:r>
+              <a:rPr lang="en-US" dirty="0">
                 <a:latin typeface="Helvetica Neue" charset="0"/>
                 <a:cs typeface="Helvetica Neue" charset="0"/>
               </a:rPr>
-              <a:t>Do not </a:t>
-            </a:r>
-            <a:r>
-              <a:rPr lang="en-US">
+              <a:t>/size/logos/positioning of the Slide Master.</a:t>
+            </a:r>
+          </a:p>
+          <a:p>
+            <a:r>
+              <a:rPr lang="en-US" dirty="0">
                 <a:latin typeface="Helvetica Neue" charset="0"/>
                 <a:cs typeface="Helvetica Neue" charset="0"/>
               </a:rPr>
-              <a:t>add other corporate logos. This is an infringement of copyright, unless you have express permission to do so.</a:t>
-            </a:r>
-          </a:p>
-          <a:p>
-            <a:r>
-              <a:rPr lang="en-US" b="1" i="1">
+              <a:t>This is a standard format across all Innovation Expo posters.</a:t>
+            </a:r>
+          </a:p>
+          <a:p>
+            <a:r>
+              <a:rPr lang="en-US" b="1" i="1" dirty="0">
                 <a:latin typeface="Helvetica Neue" charset="0"/>
                 <a:cs typeface="Helvetica Neue" charset="0"/>
               </a:rPr>
-              <a:t>Do</a:t>
-            </a:r>
-            <a:r>
-              <a:rPr lang="en-US">
+              <a:t>Do not </a:t>
+            </a:r>
+            <a:r>
+              <a:rPr lang="en-US" dirty="0">
                 <a:latin typeface="Helvetica Neue" charset="0"/>
                 <a:cs typeface="Helvetica Neue" charset="0"/>
               </a:rPr>
-              <a:t> use this space as creatively as you wish.</a:t>
-            </a:r>
-          </a:p>
-          <a:p>
-            <a:r>
-              <a:rPr lang="en-US" b="1" i="1">
+              <a:t>add other corporate logos. This is an infringement of copyright, unless you have express permission to do so.</a:t>
+            </a:r>
+          </a:p>
+          <a:p>
+            <a:r>
+              <a:rPr lang="en-US" b="1" i="1" dirty="0">
                 <a:latin typeface="Helvetica Neue" charset="0"/>
                 <a:cs typeface="Helvetica Neue" charset="0"/>
               </a:rPr>
-              <a:t>Avoid </a:t>
-            </a:r>
-            <a:r>
-              <a:rPr lang="en-US">
+              <a:t>Do</a:t>
+            </a:r>
+            <a:r>
+              <a:rPr lang="en-US" dirty="0">
                 <a:latin typeface="Helvetica Neue" charset="0"/>
                 <a:cs typeface="Helvetica Neue" charset="0"/>
               </a:rPr>
-              <a:t>using large background colours – doesn’t print well.</a:t>
-            </a:r>
-          </a:p>
-          <a:p>
-            <a:r>
-              <a:rPr lang="en-US" b="1" i="1">
+              <a:t> use this space as creatively as you wish.</a:t>
+            </a:r>
+          </a:p>
+          <a:p>
+            <a:r>
+              <a:rPr lang="en-US" b="1" i="1" dirty="0">
                 <a:latin typeface="Helvetica Neue" charset="0"/>
                 <a:cs typeface="Helvetica Neue" charset="0"/>
               </a:rPr>
-              <a:t>Stick to </a:t>
-            </a:r>
-            <a:r>
-              <a:rPr lang="en-US">
+              <a:t>Avoid </a:t>
+            </a:r>
+            <a:r>
+              <a:rPr lang="en-US" dirty="0">
                 <a:latin typeface="Helvetica Neue" charset="0"/>
                 <a:cs typeface="Helvetica Neue" charset="0"/>
               </a:rPr>
-              <a:t>the basic fonts &amp; sizes (left) – these read clearly. If you need to reduce the text size, you are trying to put too much on your poster.</a:t>
-            </a:r>
-          </a:p>
-          <a:p>
-            <a:r>
-              <a:rPr lang="en-US" b="1" i="1">
+              <a:t>using large background </a:t>
+            </a:r>
+            <a:r>
+              <a:rPr lang="en-US" dirty="0" err="1">
                 <a:latin typeface="Helvetica Neue" charset="0"/>
                 <a:cs typeface="Helvetica Neue" charset="0"/>
               </a:rPr>
-              <a:t>As a check</a:t>
-            </a:r>
-            <a:r>
-              <a:rPr lang="en-US">
+              <a:t>colours</a:t>
+            </a:r>
+            <a:r>
+              <a:rPr lang="en-US" dirty="0">
                 <a:latin typeface="Helvetica Neue" charset="0"/>
                 <a:cs typeface="Helvetica Neue" charset="0"/>
               </a:rPr>
-              <a:t>, print “scaled to fit” onto A4 and read at arms length.</a:t>
-            </a:r>
-          </a:p>
-          <a:p>
-            <a:r>
-              <a:rPr lang="en-US" b="1" i="1">
+              <a:t> – doesn’t print well.</a:t>
+            </a:r>
+          </a:p>
+          <a:p>
+            <a:r>
+              <a:rPr lang="en-US" b="1" i="1" dirty="0">
                 <a:latin typeface="Helvetica Neue" charset="0"/>
                 <a:cs typeface="Helvetica Neue" charset="0"/>
               </a:rPr>
-              <a:t>Save </a:t>
-            </a:r>
-            <a:r>
-              <a:rPr lang="en-US">
+              <a:t>Stick to </a:t>
+            </a:r>
+            <a:r>
+              <a:rPr lang="en-US" dirty="0">
                 <a:latin typeface="Helvetica Neue" charset="0"/>
                 <a:cs typeface="Helvetica Neue" charset="0"/>
               </a:rPr>
-              <a:t>your poster as you work on it.</a:t>
-            </a:r>
-          </a:p>
-          <a:p>
-            <a:r>
-              <a:rPr lang="en-US" b="1" i="1">
+              <a:t>the basic fonts &amp; sizes (left) – these read clearly. If you need to reduce the text size, you are trying to put too much on your poster.</a:t>
+            </a:r>
+          </a:p>
+          <a:p>
+            <a:r>
+              <a:rPr lang="en-US" b="1" i="1" dirty="0">
                 <a:latin typeface="Helvetica Neue" charset="0"/>
                 <a:cs typeface="Helvetica Neue" charset="0"/>
               </a:rPr>
-              <a:t>You shouldn’t</a:t>
-            </a:r>
-            <a:r>
-              <a:rPr lang="en-US">
+              <a:t>As a check</a:t>
+            </a:r>
+            <a:r>
+              <a:rPr lang="en-US" dirty="0">
                 <a:latin typeface="Helvetica Neue" charset="0"/>
                 <a:cs typeface="Helvetica Neue" charset="0"/>
               </a:rPr>
-              <a:t> need to change the sizing of this file, it should already be landscape format with width: 41cm and height: 28.7 cm (A3 with 5 mm borders all around).</a:t>
-            </a:r>
-          </a:p>
-          <a:p>
-            <a:r>
-              <a:rPr lang="en-US" b="1" i="1">
+              <a:t>, print “scaled to fit” onto A4 and read at arms length.</a:t>
+            </a:r>
+          </a:p>
+          <a:p>
+            <a:r>
+              <a:rPr lang="en-US" b="1" i="1" dirty="0">
                 <a:latin typeface="Helvetica Neue" charset="0"/>
                 <a:cs typeface="Helvetica Neue" charset="0"/>
               </a:rPr>
+              <a:t>Save </a:t>
+            </a:r>
+            <a:r>
+              <a:rPr lang="en-US" dirty="0">
+                <a:latin typeface="Helvetica Neue" charset="0"/>
+                <a:cs typeface="Helvetica Neue" charset="0"/>
+              </a:rPr>
+              <a:t>your poster as you work on it.</a:t>
+            </a:r>
+          </a:p>
+          <a:p>
+            <a:r>
+              <a:rPr lang="en-US" b="1" i="1" dirty="0">
+                <a:latin typeface="Helvetica Neue" charset="0"/>
+                <a:cs typeface="Helvetica Neue" charset="0"/>
+              </a:rPr>
+              <a:t>You shouldn’t</a:t>
+            </a:r>
+            <a:r>
+              <a:rPr lang="en-US" dirty="0">
+                <a:latin typeface="Helvetica Neue" charset="0"/>
+                <a:cs typeface="Helvetica Neue" charset="0"/>
+              </a:rPr>
+              <a:t> need to change the sizing of this file, it should already be landscape format with width: 41cm and height: 28.7 cm (A3 with 5 mm borders all around).</a:t>
+            </a:r>
+          </a:p>
+          <a:p>
+            <a:r>
+              <a:rPr lang="en-US" b="1" i="1" dirty="0">
+                <a:latin typeface="Helvetica Neue" charset="0"/>
+                <a:cs typeface="Helvetica Neue" charset="0"/>
+              </a:rPr>
               <a:t>The title </a:t>
             </a:r>
             <a:r>
-              <a:rPr lang="en-US">
+              <a:rPr lang="en-US" dirty="0">
                 <a:latin typeface="Helvetica Neue" charset="0"/>
                 <a:cs typeface="Helvetica Neue" charset="0"/>
               </a:rPr>
@@ -2722,7 +2750,7 @@
           <a:bodyPr/>
           <a:lstStyle/>
           <a:p>
-            <a:endParaRPr lang="en-US">
+            <a:endParaRPr lang="en-US" dirty="0">
               <a:latin typeface="Helvetica Neue" charset="0"/>
               <a:cs typeface="Helvetica Neue" charset="0"/>
             </a:endParaRPr>

--- a/Demo Poster/Demo_Poster_SMW43219667.pptx
+++ b/Demo Poster/Demo_Poster_SMW43219667.pptx
@@ -253,7 +253,7 @@
               <a:pPr>
                 <a:defRPr/>
               </a:pPr>
-              <a:t>5/14/2018</a:t>
+              <a:t>5/19/2018</a:t>
             </a:fld>
             <a:endParaRPr lang="en-US"/>
           </a:p>
@@ -763,7 +763,7 @@
               <a:pPr>
                 <a:defRPr/>
               </a:pPr>
-              <a:t>5/14/2018</a:t>
+              <a:t>5/19/2018</a:t>
             </a:fld>
             <a:endParaRPr lang="en-US"/>
           </a:p>
@@ -1789,7 +1789,7 @@
               <a:pPr>
                 <a:defRPr/>
               </a:pPr>
-              <a:t>5/14/2018</a:t>
+              <a:t>5/19/2018</a:t>
             </a:fld>
             <a:endParaRPr lang="en-US"/>
           </a:p>
@@ -2338,114 +2338,57 @@
           <a:lstStyle/>
           <a:p>
             <a:r>
-              <a:rPr lang="en-US" sz="1800" dirty="0">
+              <a:rPr lang="en-AU" sz="1800" dirty="0">
                 <a:latin typeface="Bodoni MT" charset="0"/>
-                <a:cs typeface="Helvetica Neue" charset="0"/>
               </a:rPr>
-              <a:t>MAIN HEADINGS – BODONI MT 18PT ALL CAPS</a:t>
-            </a:r>
-          </a:p>
-          <a:p>
-            <a:endParaRPr lang="en-US" sz="1600" dirty="0">
-              <a:latin typeface="Bodoni MT" charset="0"/>
-              <a:cs typeface="Helvetica Neue" charset="0"/>
-            </a:endParaRPr>
-          </a:p>
-          <a:p>
-            <a:r>
-              <a:rPr lang="en-US" b="1" dirty="0">
+              <a:t>Goals</a:t>
+            </a:r>
+          </a:p>
+          <a:p>
+            <a:r>
+              <a:rPr lang="en-AU" dirty="0">
                 <a:latin typeface="Helvetica Neue" charset="0"/>
                 <a:cs typeface="Helvetica Neue" charset="0"/>
               </a:rPr>
-              <a:t>Subheadings – Helvetica Neue Bold 14pt</a:t>
-            </a:r>
-          </a:p>
-          <a:p>
-            <a:r>
-              <a:rPr lang="en-US" dirty="0">
+              <a:t>Proof of concept for a powered exoskeleton control system using proximity and position rather than force to control operation. </a:t>
+            </a:r>
+          </a:p>
+          <a:p>
+            <a:r>
+              <a:rPr lang="en-AU" b="1" dirty="0">
+                <a:latin typeface="Helvetica Neue" charset="0"/>
+              </a:rPr>
+              <a:t>Powered Exoskeleton</a:t>
+            </a:r>
+          </a:p>
+          <a:p>
+            <a:r>
+              <a:rPr lang="en-AU" dirty="0">
                 <a:latin typeface="Helvetica Neue" charset="0"/>
                 <a:cs typeface="Helvetica Neue" charset="0"/>
               </a:rPr>
-              <a:t>Body Text – Helvetica Neue 14pt (min 12pt)</a:t>
-            </a:r>
-          </a:p>
-          <a:p>
-            <a:endParaRPr lang="en-US" dirty="0">
-              <a:latin typeface="Helvetica Neue" charset="0"/>
-              <a:cs typeface="Helvetica Neue" charset="0"/>
-            </a:endParaRPr>
-          </a:p>
-          <a:p>
-            <a:r>
-              <a:rPr lang="en-US" b="1" dirty="0">
+              <a:t>A wearable mobile machine controlled by a pilot to amplify their strength and reduce the exertion (Metabolic Equivalent of Task (MET)) required to complete physical tasks.</a:t>
+            </a:r>
+          </a:p>
+          <a:p>
+            <a:r>
+              <a:rPr lang="en-AU" sz="1800" dirty="0">
+                <a:latin typeface="Bodoni MT" charset="0"/>
+              </a:rPr>
+              <a:t>Scope</a:t>
+            </a:r>
+          </a:p>
+          <a:p>
+            <a:r>
+              <a:rPr lang="en-AU" dirty="0">
                 <a:latin typeface="Helvetica Neue" charset="0"/>
                 <a:cs typeface="Helvetica Neue" charset="0"/>
               </a:rPr>
-              <a:t>Don’t have the above fonts installed?</a:t>
-            </a:r>
-          </a:p>
-          <a:p>
-            <a:r>
-              <a:rPr lang="en-US" dirty="0">
-                <a:latin typeface="Helvetica Neue" charset="0"/>
-                <a:cs typeface="Helvetica Neue" charset="0"/>
-              </a:rPr>
-              <a:t>Substitutes for Bodoni MT:</a:t>
-            </a:r>
-          </a:p>
-          <a:p>
-            <a:r>
-              <a:rPr lang="en-US" dirty="0">
-                <a:latin typeface="Didot" charset="0"/>
-                <a:cs typeface="Helvetica Neue" charset="0"/>
-              </a:rPr>
-              <a:t>Didot on Apple</a:t>
-            </a:r>
-          </a:p>
-          <a:p>
-            <a:r>
-              <a:rPr lang="en-US" dirty="0">
-                <a:latin typeface="Times New Roman" charset="0"/>
-                <a:cs typeface="Times New Roman" charset="0"/>
-              </a:rPr>
-              <a:t>or Times New Roman (Apple &amp; Windows)</a:t>
-            </a:r>
-          </a:p>
-          <a:p>
-            <a:endParaRPr lang="en-US" dirty="0">
-              <a:latin typeface="Helvetica Neue" charset="0"/>
-              <a:cs typeface="Helvetica Neue" charset="0"/>
-            </a:endParaRPr>
-          </a:p>
-          <a:p>
-            <a:r>
-              <a:rPr lang="en-US" dirty="0">
-                <a:latin typeface="Helvetica Neue" charset="0"/>
-                <a:cs typeface="Helvetica Neue" charset="0"/>
-              </a:rPr>
-              <a:t>Substitutes for Helvetica Neue:</a:t>
-            </a:r>
-          </a:p>
-          <a:p>
-            <a:r>
-              <a:rPr lang="en-US" dirty="0">
-                <a:latin typeface="Helvetica" charset="0"/>
-                <a:cs typeface="Helvetica" charset="0"/>
-              </a:rPr>
-              <a:t>Helvetica (Apple)</a:t>
-            </a:r>
-          </a:p>
-          <a:p>
-            <a:r>
-              <a:rPr lang="en-US" dirty="0">
-                <a:latin typeface="Arial" charset="0"/>
-                <a:cs typeface="Arial" charset="0"/>
-              </a:rPr>
-              <a:t>or Arial (Apple &amp; Windows)</a:t>
-            </a:r>
-          </a:p>
-          <a:p>
-            <a:endParaRPr lang="en-US" dirty="0">
+              <a:t>Creating of a lower extremity exoskeleton suit to demonstrate functionality in a finite set of specific movements. Scope limited to perception and control systems, excluding structural and actuation systems (handled by others).</a:t>
+            </a:r>
+          </a:p>
+          <a:p>
+            <a:endParaRPr lang="en-AU" dirty="0">
               <a:latin typeface="Helvetica Neue" charset="0"/>
               <a:cs typeface="Helvetica Neue" charset="0"/>
             </a:endParaRPr>

--- a/Demo Poster/Demo_Poster_SMW43219667.pptx
+++ b/Demo Poster/Demo_Poster_SMW43219667.pptx
@@ -2728,6 +2728,3042 @@
           </a:p>
         </p:txBody>
       </p:sp>
+      <p:grpSp>
+        <p:nvGrpSpPr>
+          <p:cNvPr id="8" name="Group 7">
+            <a:extLst>
+              <a:ext uri="{FF2B5EF4-FFF2-40B4-BE49-F238E27FC236}">
+                <a16:creationId xmlns:a16="http://schemas.microsoft.com/office/drawing/2014/main" id="{77180633-1FD4-4B65-AB3D-C0A5CD36A80C}"/>
+              </a:ext>
+            </a:extLst>
+          </p:cNvPr>
+          <p:cNvGrpSpPr/>
+          <p:nvPr/>
+        </p:nvGrpSpPr>
+        <p:grpSpPr>
+          <a:xfrm>
+            <a:off x="9881839" y="1299350"/>
+            <a:ext cx="4761261" cy="7442910"/>
+            <a:chOff x="-1424336" y="213603"/>
+            <a:chExt cx="4761261" cy="7442910"/>
+          </a:xfrm>
+        </p:grpSpPr>
+        <p:sp>
+          <p:nvSpPr>
+            <p:cNvPr id="9" name="Rectangle 8">
+              <a:extLst>
+                <a:ext uri="{FF2B5EF4-FFF2-40B4-BE49-F238E27FC236}">
+                  <a16:creationId xmlns:a16="http://schemas.microsoft.com/office/drawing/2014/main" id="{F6167A20-8161-452E-B121-8D765946C0EF}"/>
+                </a:ext>
+              </a:extLst>
+            </p:cNvPr>
+            <p:cNvSpPr/>
+            <p:nvPr/>
+          </p:nvSpPr>
+          <p:spPr>
+            <a:xfrm>
+              <a:off x="0" y="7434943"/>
+              <a:ext cx="3336925" cy="221570"/>
+            </a:xfrm>
+            <a:prstGeom prst="rect">
+              <a:avLst/>
+            </a:prstGeom>
+            <a:noFill/>
+            <a:ln>
+              <a:noFill/>
+            </a:ln>
+          </p:spPr>
+          <p:style>
+            <a:lnRef idx="2">
+              <a:schemeClr val="dk1"/>
+            </a:lnRef>
+            <a:fillRef idx="1">
+              <a:schemeClr val="lt1"/>
+            </a:fillRef>
+            <a:effectRef idx="0">
+              <a:schemeClr val="dk1"/>
+            </a:effectRef>
+            <a:fontRef idx="minor">
+              <a:schemeClr val="dk1"/>
+            </a:fontRef>
+          </p:style>
+          <p:txBody>
+            <a:bodyPr lIns="3600" tIns="3600" rIns="3600" bIns="3600" rtlCol="0" anchor="b" anchorCtr="0"/>
+            <a:lstStyle/>
+            <a:p>
+              <a:r>
+                <a:rPr lang="en-US" sz="1200" u="sng" dirty="0">
+                  <a:latin typeface="Helvetica Neue"/>
+                  <a:cs typeface="Helvetica Neue" charset="0"/>
+                </a:rPr>
+                <a:t>Notes</a:t>
+              </a:r>
+            </a:p>
+            <a:p>
+              <a:r>
+                <a:rPr lang="en-US" sz="1200" dirty="0">
+                  <a:latin typeface="Helvetica Neue"/>
+                  <a:cs typeface="Helvetica Neue" charset="0"/>
+                </a:rPr>
+                <a:t>P</a:t>
+              </a:r>
+              <a:r>
+                <a:rPr lang="en-US" sz="1200" b="1" dirty="0">
+                  <a:latin typeface="Helvetica Neue"/>
+                  <a:cs typeface="Helvetica Neue" charset="0"/>
+                </a:rPr>
+                <a:t>XY</a:t>
+              </a:r>
+              <a:r>
+                <a:rPr lang="en-US" sz="1200" dirty="0">
+                  <a:latin typeface="Helvetica Neue"/>
+                  <a:cs typeface="Helvetica Neue" charset="0"/>
+                </a:rPr>
+                <a:t> = GPIO Port </a:t>
+              </a:r>
+              <a:r>
+                <a:rPr lang="en-US" sz="1200" b="1" dirty="0">
+                  <a:latin typeface="Helvetica Neue"/>
+                  <a:cs typeface="Helvetica Neue" charset="0"/>
+                </a:rPr>
+                <a:t>X </a:t>
+              </a:r>
+              <a:r>
+                <a:rPr lang="en-US" sz="1200" dirty="0">
+                  <a:latin typeface="Helvetica Neue"/>
+                  <a:cs typeface="Helvetica Neue" charset="0"/>
+                </a:rPr>
+                <a:t>Pin </a:t>
+              </a:r>
+              <a:r>
+                <a:rPr lang="en-US" sz="1200" b="1" dirty="0">
+                  <a:latin typeface="Helvetica Neue"/>
+                  <a:cs typeface="Helvetica Neue" charset="0"/>
+                </a:rPr>
+                <a:t>Y</a:t>
+              </a:r>
+            </a:p>
+            <a:p>
+              <a:r>
+                <a:rPr lang="en-US" sz="1200" dirty="0" err="1">
+                  <a:latin typeface="Helvetica Neue"/>
+                </a:rPr>
+                <a:t>Nucleo</a:t>
+              </a:r>
+              <a:r>
+                <a:rPr lang="en-US" sz="1200" dirty="0">
+                  <a:latin typeface="Helvetica Neue"/>
+                </a:rPr>
+                <a:t> = STM32 Nucleo-32 development board (</a:t>
+              </a:r>
+              <a:r>
+                <a:rPr lang="en-AU" sz="1200" dirty="0">
+                  <a:latin typeface="Helvetica Neue"/>
+                </a:rPr>
+                <a:t>NUCLEO-F303K8)</a:t>
+              </a:r>
+              <a:endParaRPr lang="en-US" sz="1200" dirty="0">
+                <a:latin typeface="Helvetica Neue"/>
+              </a:endParaRPr>
+            </a:p>
+            <a:p>
+              <a:r>
+                <a:rPr lang="en-US" sz="1200" dirty="0">
+                  <a:latin typeface="Helvetica Neue"/>
+                </a:rPr>
+                <a:t>IR Sensor = Vishay TRC500L</a:t>
+              </a:r>
+            </a:p>
+            <a:p>
+              <a:r>
+                <a:rPr lang="en-US" sz="1200" dirty="0">
+                  <a:latin typeface="Helvetica Neue"/>
+                </a:rPr>
+                <a:t>Op Amp = LM358AD Op Amp</a:t>
+              </a:r>
+            </a:p>
+            <a:p>
+              <a:r>
+                <a:rPr lang="en-US" sz="1200" dirty="0">
+                  <a:latin typeface="Helvetica Neue"/>
+                </a:rPr>
+                <a:t>Load Cell = </a:t>
+              </a:r>
+              <a:r>
+                <a:rPr lang="en-AU" sz="1200" dirty="0">
+                  <a:latin typeface="Helvetica Neue"/>
+                </a:rPr>
+                <a:t>YZC-161B 50kg Load Cell</a:t>
+              </a:r>
+              <a:endParaRPr lang="en-US" sz="1200" dirty="0">
+                <a:latin typeface="Helvetica Neue"/>
+              </a:endParaRPr>
+            </a:p>
+            <a:p>
+              <a:r>
+                <a:rPr lang="en-US" sz="1200" dirty="0">
+                  <a:latin typeface="Helvetica Neue"/>
+                </a:rPr>
+                <a:t>Int Amp = INA125PA Instrumentation Amp</a:t>
+              </a:r>
+            </a:p>
+          </p:txBody>
+        </p:sp>
+        <p:sp>
+          <p:nvSpPr>
+            <p:cNvPr id="10" name="Rectangle 9">
+              <a:extLst>
+                <a:ext uri="{FF2B5EF4-FFF2-40B4-BE49-F238E27FC236}">
+                  <a16:creationId xmlns:a16="http://schemas.microsoft.com/office/drawing/2014/main" id="{5A62EAD3-B496-492E-B1FD-AA5A8DE66151}"/>
+                </a:ext>
+              </a:extLst>
+            </p:cNvPr>
+            <p:cNvSpPr/>
+            <p:nvPr/>
+          </p:nvSpPr>
+          <p:spPr>
+            <a:xfrm>
+              <a:off x="2451229" y="5773238"/>
+              <a:ext cx="628533" cy="270000"/>
+            </a:xfrm>
+            <a:prstGeom prst="rect">
+              <a:avLst/>
+            </a:prstGeom>
+            <a:ln/>
+          </p:spPr>
+          <p:style>
+            <a:lnRef idx="2">
+              <a:schemeClr val="dk1"/>
+            </a:lnRef>
+            <a:fillRef idx="1">
+              <a:schemeClr val="lt1"/>
+            </a:fillRef>
+            <a:effectRef idx="0">
+              <a:schemeClr val="dk1"/>
+            </a:effectRef>
+            <a:fontRef idx="minor">
+              <a:schemeClr val="dk1"/>
+            </a:fontRef>
+          </p:style>
+          <p:txBody>
+            <a:bodyPr lIns="3600" tIns="3600" rIns="3600" bIns="3600" rtlCol="0" anchor="ctr" anchorCtr="1"/>
+            <a:lstStyle/>
+            <a:p>
+              <a:pPr algn="ctr"/>
+              <a:r>
+                <a:rPr lang="en-US" sz="1400" dirty="0">
+                  <a:latin typeface="Helvetica Neue"/>
+                  <a:cs typeface="Helvetica Neue" charset="0"/>
+                </a:rPr>
+                <a:t>Servo</a:t>
+              </a:r>
+              <a:endParaRPr lang="en-AU" sz="1400" dirty="0">
+                <a:latin typeface="Helvetica Neue"/>
+              </a:endParaRPr>
+            </a:p>
+          </p:txBody>
+        </p:sp>
+        <p:sp>
+          <p:nvSpPr>
+            <p:cNvPr id="11" name="Rectangle 10">
+              <a:extLst>
+                <a:ext uri="{FF2B5EF4-FFF2-40B4-BE49-F238E27FC236}">
+                  <a16:creationId xmlns:a16="http://schemas.microsoft.com/office/drawing/2014/main" id="{4F7A1006-3B95-4632-AFA5-FDE72238DF7C}"/>
+                </a:ext>
+              </a:extLst>
+            </p:cNvPr>
+            <p:cNvSpPr/>
+            <p:nvPr/>
+          </p:nvSpPr>
+          <p:spPr>
+            <a:xfrm>
+              <a:off x="2451228" y="4677377"/>
+              <a:ext cx="628533" cy="251256"/>
+            </a:xfrm>
+            <a:prstGeom prst="rect">
+              <a:avLst/>
+            </a:prstGeom>
+            <a:ln/>
+          </p:spPr>
+          <p:style>
+            <a:lnRef idx="2">
+              <a:schemeClr val="dk1"/>
+            </a:lnRef>
+            <a:fillRef idx="1">
+              <a:schemeClr val="lt1"/>
+            </a:fillRef>
+            <a:effectRef idx="0">
+              <a:schemeClr val="dk1"/>
+            </a:effectRef>
+            <a:fontRef idx="minor">
+              <a:schemeClr val="dk1"/>
+            </a:fontRef>
+          </p:style>
+          <p:txBody>
+            <a:bodyPr lIns="3600" tIns="3600" rIns="3600" bIns="3600" rtlCol="0" anchor="ctr" anchorCtr="1"/>
+            <a:lstStyle/>
+            <a:p>
+              <a:pPr algn="ctr"/>
+              <a:r>
+                <a:rPr lang="en-US" sz="1400" dirty="0">
+                  <a:latin typeface="Helvetica Neue"/>
+                  <a:cs typeface="Helvetica Neue" charset="0"/>
+                </a:rPr>
+                <a:t>PB4</a:t>
+              </a:r>
+              <a:endParaRPr lang="en-AU" sz="1400" dirty="0">
+                <a:latin typeface="Helvetica Neue"/>
+              </a:endParaRPr>
+            </a:p>
+          </p:txBody>
+        </p:sp>
+        <p:sp>
+          <p:nvSpPr>
+            <p:cNvPr id="12" name="Rectangle 11">
+              <a:extLst>
+                <a:ext uri="{FF2B5EF4-FFF2-40B4-BE49-F238E27FC236}">
+                  <a16:creationId xmlns:a16="http://schemas.microsoft.com/office/drawing/2014/main" id="{6D421647-A3FD-4606-91E2-40685AAF3100}"/>
+                </a:ext>
+              </a:extLst>
+            </p:cNvPr>
+            <p:cNvSpPr/>
+            <p:nvPr/>
+          </p:nvSpPr>
+          <p:spPr>
+            <a:xfrm>
+              <a:off x="2724627" y="5192777"/>
+              <a:ext cx="612298" cy="330406"/>
+            </a:xfrm>
+            <a:prstGeom prst="rect">
+              <a:avLst/>
+            </a:prstGeom>
+            <a:noFill/>
+            <a:ln>
+              <a:noFill/>
+            </a:ln>
+          </p:spPr>
+          <p:style>
+            <a:lnRef idx="2">
+              <a:schemeClr val="dk1"/>
+            </a:lnRef>
+            <a:fillRef idx="1">
+              <a:schemeClr val="lt1"/>
+            </a:fillRef>
+            <a:effectRef idx="0">
+              <a:schemeClr val="dk1"/>
+            </a:effectRef>
+            <a:fontRef idx="minor">
+              <a:schemeClr val="dk1"/>
+            </a:fontRef>
+          </p:style>
+          <p:txBody>
+            <a:bodyPr lIns="3600" tIns="3600" rIns="3600" bIns="3600" rtlCol="0" anchor="ctr" anchorCtr="1"/>
+            <a:lstStyle/>
+            <a:p>
+              <a:pPr algn="ctr"/>
+              <a:r>
+                <a:rPr lang="en-US" sz="1200" dirty="0">
+                  <a:latin typeface="Helvetica Neue"/>
+                  <a:cs typeface="Helvetica Neue" charset="0"/>
+                </a:rPr>
+                <a:t>Voltage</a:t>
+              </a:r>
+            </a:p>
+            <a:p>
+              <a:pPr algn="ctr"/>
+              <a:r>
+                <a:rPr lang="en-US" sz="1200" dirty="0">
+                  <a:latin typeface="Helvetica Neue"/>
+                </a:rPr>
+                <a:t>50 Hz</a:t>
+              </a:r>
+              <a:endParaRPr lang="en-AU" sz="1200" dirty="0">
+                <a:latin typeface="Helvetica Neue"/>
+              </a:endParaRPr>
+            </a:p>
+          </p:txBody>
+        </p:sp>
+        <p:sp>
+          <p:nvSpPr>
+            <p:cNvPr id="13" name="Rectangle 12">
+              <a:extLst>
+                <a:ext uri="{FF2B5EF4-FFF2-40B4-BE49-F238E27FC236}">
+                  <a16:creationId xmlns:a16="http://schemas.microsoft.com/office/drawing/2014/main" id="{95797E7F-972C-4818-9A86-A17D326A8853}"/>
+                </a:ext>
+              </a:extLst>
+            </p:cNvPr>
+            <p:cNvSpPr/>
+            <p:nvPr/>
+          </p:nvSpPr>
+          <p:spPr>
+            <a:xfrm>
+              <a:off x="2514496" y="3486141"/>
+              <a:ext cx="57474" cy="57474"/>
+            </a:xfrm>
+            <a:prstGeom prst="rect">
+              <a:avLst/>
+            </a:prstGeom>
+          </p:spPr>
+          <p:style>
+            <a:lnRef idx="2">
+              <a:schemeClr val="accent1">
+                <a:shade val="50000"/>
+              </a:schemeClr>
+            </a:lnRef>
+            <a:fillRef idx="1">
+              <a:schemeClr val="accent1"/>
+            </a:fillRef>
+            <a:effectRef idx="0">
+              <a:schemeClr val="accent1"/>
+            </a:effectRef>
+            <a:fontRef idx="minor">
+              <a:schemeClr val="lt1"/>
+            </a:fontRef>
+          </p:style>
+          <p:txBody>
+            <a:bodyPr rtlCol="0" anchor="ctr"/>
+            <a:lstStyle/>
+            <a:p>
+              <a:pPr algn="ctr"/>
+              <a:endParaRPr lang="en-AU"/>
+            </a:p>
+          </p:txBody>
+        </p:sp>
+        <p:sp>
+          <p:nvSpPr>
+            <p:cNvPr id="14" name="Rectangle 13">
+              <a:extLst>
+                <a:ext uri="{FF2B5EF4-FFF2-40B4-BE49-F238E27FC236}">
+                  <a16:creationId xmlns:a16="http://schemas.microsoft.com/office/drawing/2014/main" id="{72AE2E90-481C-4043-9A67-5C0BBF909285}"/>
+                </a:ext>
+              </a:extLst>
+            </p:cNvPr>
+            <p:cNvSpPr/>
+            <p:nvPr/>
+          </p:nvSpPr>
+          <p:spPr>
+            <a:xfrm>
+              <a:off x="2736757" y="3486141"/>
+              <a:ext cx="57474" cy="57474"/>
+            </a:xfrm>
+            <a:prstGeom prst="rect">
+              <a:avLst/>
+            </a:prstGeom>
+          </p:spPr>
+          <p:style>
+            <a:lnRef idx="2">
+              <a:schemeClr val="accent1">
+                <a:shade val="50000"/>
+              </a:schemeClr>
+            </a:lnRef>
+            <a:fillRef idx="1">
+              <a:schemeClr val="accent1"/>
+            </a:fillRef>
+            <a:effectRef idx="0">
+              <a:schemeClr val="accent1"/>
+            </a:effectRef>
+            <a:fontRef idx="minor">
+              <a:schemeClr val="lt1"/>
+            </a:fontRef>
+          </p:style>
+          <p:txBody>
+            <a:bodyPr rtlCol="0" anchor="ctr"/>
+            <a:lstStyle/>
+            <a:p>
+              <a:pPr algn="ctr"/>
+              <a:endParaRPr lang="en-AU"/>
+            </a:p>
+          </p:txBody>
+        </p:sp>
+        <p:sp>
+          <p:nvSpPr>
+            <p:cNvPr id="15" name="Rectangle: Rounded Corners 14">
+              <a:extLst>
+                <a:ext uri="{FF2B5EF4-FFF2-40B4-BE49-F238E27FC236}">
+                  <a16:creationId xmlns:a16="http://schemas.microsoft.com/office/drawing/2014/main" id="{618E6908-4808-4733-BE3B-BF3BF4E407E4}"/>
+                </a:ext>
+              </a:extLst>
+            </p:cNvPr>
+            <p:cNvSpPr/>
+            <p:nvPr/>
+          </p:nvSpPr>
+          <p:spPr>
+            <a:xfrm>
+              <a:off x="2314259" y="3486141"/>
+              <a:ext cx="902470" cy="436884"/>
+            </a:xfrm>
+            <a:prstGeom prst="roundRect">
+              <a:avLst>
+                <a:gd name="adj" fmla="val 50000"/>
+              </a:avLst>
+            </a:prstGeom>
+            <a:ln/>
+          </p:spPr>
+          <p:style>
+            <a:lnRef idx="2">
+              <a:schemeClr val="dk1"/>
+            </a:lnRef>
+            <a:fillRef idx="1">
+              <a:schemeClr val="lt1"/>
+            </a:fillRef>
+            <a:effectRef idx="0">
+              <a:schemeClr val="dk1"/>
+            </a:effectRef>
+            <a:fontRef idx="minor">
+              <a:schemeClr val="dk1"/>
+            </a:fontRef>
+          </p:style>
+          <p:txBody>
+            <a:bodyPr lIns="3600" tIns="3600" rIns="3600" bIns="3600" rtlCol="0" anchor="ctr" anchorCtr="1"/>
+            <a:lstStyle/>
+            <a:p>
+              <a:pPr algn="ctr"/>
+              <a:r>
+                <a:rPr lang="en-US" sz="1400" dirty="0">
+                  <a:latin typeface="Helvetica Neue"/>
+                  <a:cs typeface="Helvetica Neue" charset="0"/>
+                </a:rPr>
+                <a:t>PWM Interface</a:t>
+              </a:r>
+              <a:endParaRPr lang="en-AU" sz="1400" dirty="0">
+                <a:latin typeface="Helvetica Neue"/>
+              </a:endParaRPr>
+            </a:p>
+          </p:txBody>
+        </p:sp>
+        <p:cxnSp>
+          <p:nvCxnSpPr>
+            <p:cNvPr id="16" name="Straight Arrow Connector 15">
+              <a:extLst>
+                <a:ext uri="{FF2B5EF4-FFF2-40B4-BE49-F238E27FC236}">
+                  <a16:creationId xmlns:a16="http://schemas.microsoft.com/office/drawing/2014/main" id="{1B51F5D2-A3E7-4655-A30B-001C07FC9416}"/>
+                </a:ext>
+              </a:extLst>
+            </p:cNvPr>
+            <p:cNvCxnSpPr>
+              <a:cxnSpLocks/>
+              <a:stCxn id="11" idx="2"/>
+              <a:endCxn id="10" idx="0"/>
+            </p:cNvCxnSpPr>
+            <p:nvPr/>
+          </p:nvCxnSpPr>
+          <p:spPr>
+            <a:xfrm>
+              <a:off x="2765495" y="4928633"/>
+              <a:ext cx="1" cy="844605"/>
+            </a:xfrm>
+            <a:prstGeom prst="straightConnector1">
+              <a:avLst/>
+            </a:prstGeom>
+            <a:ln w="12700">
+              <a:tailEnd type="triangle"/>
+            </a:ln>
+          </p:spPr>
+          <p:style>
+            <a:lnRef idx="1">
+              <a:schemeClr val="dk1"/>
+            </a:lnRef>
+            <a:fillRef idx="0">
+              <a:schemeClr val="dk1"/>
+            </a:fillRef>
+            <a:effectRef idx="0">
+              <a:schemeClr val="dk1"/>
+            </a:effectRef>
+            <a:fontRef idx="minor">
+              <a:schemeClr val="tx1"/>
+            </a:fontRef>
+          </p:style>
+        </p:cxnSp>
+        <p:sp>
+          <p:nvSpPr>
+            <p:cNvPr id="17" name="Rectangle 16">
+              <a:extLst>
+                <a:ext uri="{FF2B5EF4-FFF2-40B4-BE49-F238E27FC236}">
+                  <a16:creationId xmlns:a16="http://schemas.microsoft.com/office/drawing/2014/main" id="{4E1E197D-01B3-4108-95C5-64906685C4D2}"/>
+                </a:ext>
+              </a:extLst>
+            </p:cNvPr>
+            <p:cNvSpPr/>
+            <p:nvPr/>
+          </p:nvSpPr>
+          <p:spPr>
+            <a:xfrm>
+              <a:off x="0" y="3487425"/>
+              <a:ext cx="628533" cy="435600"/>
+            </a:xfrm>
+            <a:prstGeom prst="rect">
+              <a:avLst/>
+            </a:prstGeom>
+            <a:ln/>
+          </p:spPr>
+          <p:style>
+            <a:lnRef idx="2">
+              <a:schemeClr val="dk1"/>
+            </a:lnRef>
+            <a:fillRef idx="1">
+              <a:schemeClr val="lt1"/>
+            </a:fillRef>
+            <a:effectRef idx="0">
+              <a:schemeClr val="dk1"/>
+            </a:effectRef>
+            <a:fontRef idx="minor">
+              <a:schemeClr val="dk1"/>
+            </a:fontRef>
+          </p:style>
+          <p:txBody>
+            <a:bodyPr lIns="3600" tIns="3600" rIns="3600" bIns="3600" rtlCol="0" anchor="ctr" anchorCtr="1"/>
+            <a:lstStyle/>
+            <a:p>
+              <a:pPr algn="ctr"/>
+              <a:r>
+                <a:rPr lang="en-US" sz="1400" dirty="0">
+                  <a:latin typeface="Helvetica Neue"/>
+                  <a:cs typeface="Helvetica Neue" charset="0"/>
+                </a:rPr>
+                <a:t>PA0,</a:t>
+              </a:r>
+            </a:p>
+            <a:p>
+              <a:pPr algn="ctr"/>
+              <a:r>
+                <a:rPr lang="en-US" sz="1400" dirty="0">
+                  <a:latin typeface="Helvetica Neue"/>
+                </a:rPr>
+                <a:t>PA1</a:t>
+              </a:r>
+              <a:endParaRPr lang="en-AU" sz="1400" dirty="0">
+                <a:latin typeface="Helvetica Neue"/>
+              </a:endParaRPr>
+            </a:p>
+          </p:txBody>
+        </p:sp>
+        <p:sp>
+          <p:nvSpPr>
+            <p:cNvPr id="18" name="Rectangle 17">
+              <a:extLst>
+                <a:ext uri="{FF2B5EF4-FFF2-40B4-BE49-F238E27FC236}">
+                  <a16:creationId xmlns:a16="http://schemas.microsoft.com/office/drawing/2014/main" id="{43EE8095-4A86-496E-A145-A915B45C6AA3}"/>
+                </a:ext>
+              </a:extLst>
+            </p:cNvPr>
+            <p:cNvSpPr/>
+            <p:nvPr/>
+          </p:nvSpPr>
+          <p:spPr>
+            <a:xfrm>
+              <a:off x="0" y="5690438"/>
+              <a:ext cx="628533" cy="435600"/>
+            </a:xfrm>
+            <a:prstGeom prst="rect">
+              <a:avLst/>
+            </a:prstGeom>
+            <a:ln/>
+          </p:spPr>
+          <p:style>
+            <a:lnRef idx="2">
+              <a:schemeClr val="dk1"/>
+            </a:lnRef>
+            <a:fillRef idx="1">
+              <a:schemeClr val="lt1"/>
+            </a:fillRef>
+            <a:effectRef idx="0">
+              <a:schemeClr val="dk1"/>
+            </a:effectRef>
+            <a:fontRef idx="minor">
+              <a:schemeClr val="dk1"/>
+            </a:fontRef>
+          </p:style>
+          <p:txBody>
+            <a:bodyPr lIns="3600" tIns="3600" rIns="3600" bIns="3600" rtlCol="0" anchor="ctr" anchorCtr="1"/>
+            <a:lstStyle/>
+            <a:p>
+              <a:pPr algn="ctr"/>
+              <a:r>
+                <a:rPr lang="en-US" sz="1400" dirty="0">
+                  <a:latin typeface="Helvetica Neue"/>
+                  <a:cs typeface="Helvetica Neue" charset="0"/>
+                </a:rPr>
+                <a:t>Load Cell x8</a:t>
+              </a:r>
+              <a:endParaRPr lang="en-AU" sz="1400" dirty="0">
+                <a:latin typeface="Helvetica Neue"/>
+              </a:endParaRPr>
+            </a:p>
+          </p:txBody>
+        </p:sp>
+        <p:sp>
+          <p:nvSpPr>
+            <p:cNvPr id="19" name="Rectangle 18">
+              <a:extLst>
+                <a:ext uri="{FF2B5EF4-FFF2-40B4-BE49-F238E27FC236}">
+                  <a16:creationId xmlns:a16="http://schemas.microsoft.com/office/drawing/2014/main" id="{DD430D6B-80D7-4A1C-9FAC-EE15A7707B8F}"/>
+                </a:ext>
+              </a:extLst>
+            </p:cNvPr>
+            <p:cNvSpPr/>
+            <p:nvPr/>
+          </p:nvSpPr>
+          <p:spPr>
+            <a:xfrm>
+              <a:off x="0" y="4585205"/>
+              <a:ext cx="628533" cy="435600"/>
+            </a:xfrm>
+            <a:prstGeom prst="rect">
+              <a:avLst/>
+            </a:prstGeom>
+            <a:ln/>
+          </p:spPr>
+          <p:style>
+            <a:lnRef idx="2">
+              <a:schemeClr val="dk1"/>
+            </a:lnRef>
+            <a:fillRef idx="1">
+              <a:schemeClr val="lt1"/>
+            </a:fillRef>
+            <a:effectRef idx="0">
+              <a:schemeClr val="dk1"/>
+            </a:effectRef>
+            <a:fontRef idx="minor">
+              <a:schemeClr val="dk1"/>
+            </a:fontRef>
+          </p:style>
+          <p:txBody>
+            <a:bodyPr lIns="3600" tIns="3600" rIns="3600" bIns="3600" rtlCol="0" anchor="ctr" anchorCtr="1"/>
+            <a:lstStyle/>
+            <a:p>
+              <a:pPr algn="ctr"/>
+              <a:r>
+                <a:rPr lang="en-US" sz="1400" dirty="0">
+                  <a:latin typeface="Helvetica Neue"/>
+                  <a:cs typeface="Helvetica Neue" charset="0"/>
+                </a:rPr>
+                <a:t>Int </a:t>
+              </a:r>
+            </a:p>
+            <a:p>
+              <a:pPr algn="ctr"/>
+              <a:r>
+                <a:rPr lang="en-US" sz="1400" dirty="0">
+                  <a:latin typeface="Helvetica Neue"/>
+                  <a:cs typeface="Helvetica Neue" charset="0"/>
+                </a:rPr>
+                <a:t>Amp</a:t>
+              </a:r>
+              <a:endParaRPr lang="en-AU" sz="1400" dirty="0">
+                <a:latin typeface="Helvetica Neue"/>
+              </a:endParaRPr>
+            </a:p>
+          </p:txBody>
+        </p:sp>
+        <p:grpSp>
+          <p:nvGrpSpPr>
+            <p:cNvPr id="20" name="Group 19">
+              <a:extLst>
+                <a:ext uri="{FF2B5EF4-FFF2-40B4-BE49-F238E27FC236}">
+                  <a16:creationId xmlns:a16="http://schemas.microsoft.com/office/drawing/2014/main" id="{B49010D2-B0D3-4083-819C-5F8DDF254599}"/>
+                </a:ext>
+              </a:extLst>
+            </p:cNvPr>
+            <p:cNvGrpSpPr/>
+            <p:nvPr/>
+          </p:nvGrpSpPr>
+          <p:grpSpPr>
+            <a:xfrm>
+              <a:off x="154191" y="5020805"/>
+              <a:ext cx="1092147" cy="669633"/>
+              <a:chOff x="3699296" y="5253153"/>
+              <a:chExt cx="1092147" cy="669633"/>
+            </a:xfrm>
+          </p:grpSpPr>
+          <p:sp>
+            <p:nvSpPr>
+              <p:cNvPr id="68" name="Rectangle 67">
+                <a:extLst>
+                  <a:ext uri="{FF2B5EF4-FFF2-40B4-BE49-F238E27FC236}">
+                    <a16:creationId xmlns:a16="http://schemas.microsoft.com/office/drawing/2014/main" id="{2402730F-A48A-4834-ABE7-0A39A6284136}"/>
+                  </a:ext>
+                </a:extLst>
+              </p:cNvPr>
+              <p:cNvSpPr/>
+              <p:nvPr/>
+            </p:nvSpPr>
+            <p:spPr>
+              <a:xfrm>
+                <a:off x="3952103" y="5253153"/>
+                <a:ext cx="839340" cy="669633"/>
+              </a:xfrm>
+              <a:prstGeom prst="rect">
+                <a:avLst/>
+              </a:prstGeom>
+              <a:noFill/>
+              <a:ln>
+                <a:noFill/>
+              </a:ln>
+            </p:spPr>
+            <p:style>
+              <a:lnRef idx="2">
+                <a:schemeClr val="dk1"/>
+              </a:lnRef>
+              <a:fillRef idx="1">
+                <a:schemeClr val="lt1"/>
+              </a:fillRef>
+              <a:effectRef idx="0">
+                <a:schemeClr val="dk1"/>
+              </a:effectRef>
+              <a:fontRef idx="minor">
+                <a:schemeClr val="dk1"/>
+              </a:fontRef>
+            </p:style>
+            <p:txBody>
+              <a:bodyPr lIns="3600" tIns="3600" rIns="3600" bIns="3600" rtlCol="0" anchor="ctr" anchorCtr="1"/>
+              <a:lstStyle/>
+              <a:p>
+                <a:r>
+                  <a:rPr lang="en-US" sz="1200" dirty="0">
+                    <a:latin typeface="Helvetica Neue"/>
+                    <a:cs typeface="Helvetica Neue" charset="0"/>
+                  </a:rPr>
+                  <a:t>Signal (T1..T4, B1..B4)</a:t>
+                </a:r>
+                <a:endParaRPr lang="en-AU" sz="1200" dirty="0">
+                  <a:latin typeface="Helvetica Neue"/>
+                </a:endParaRPr>
+              </a:p>
+            </p:txBody>
+          </p:sp>
+          <p:sp>
+            <p:nvSpPr>
+              <p:cNvPr id="69" name="Arrow: Down 68">
+                <a:extLst>
+                  <a:ext uri="{FF2B5EF4-FFF2-40B4-BE49-F238E27FC236}">
+                    <a16:creationId xmlns:a16="http://schemas.microsoft.com/office/drawing/2014/main" id="{A90487DF-BB3B-450E-8988-CE4439B97E18}"/>
+                  </a:ext>
+                </a:extLst>
+              </p:cNvPr>
+              <p:cNvSpPr/>
+              <p:nvPr/>
+            </p:nvSpPr>
+            <p:spPr>
+              <a:xfrm rot="10800000">
+                <a:off x="3699296" y="5298167"/>
+                <a:ext cx="289431" cy="584323"/>
+              </a:xfrm>
+              <a:prstGeom prst="downArrow">
+                <a:avLst/>
+              </a:prstGeom>
+              <a:ln w="12700"/>
+            </p:spPr>
+            <p:style>
+              <a:lnRef idx="2">
+                <a:schemeClr val="dk1"/>
+              </a:lnRef>
+              <a:fillRef idx="1">
+                <a:schemeClr val="lt1"/>
+              </a:fillRef>
+              <a:effectRef idx="0">
+                <a:schemeClr val="dk1"/>
+              </a:effectRef>
+              <a:fontRef idx="minor">
+                <a:schemeClr val="dk1"/>
+              </a:fontRef>
+            </p:style>
+            <p:txBody>
+              <a:bodyPr rtlCol="0" anchor="ctr"/>
+              <a:lstStyle/>
+              <a:p>
+                <a:pPr algn="ctr"/>
+                <a:endParaRPr lang="en-AU" sz="1200"/>
+              </a:p>
+            </p:txBody>
+          </p:sp>
+        </p:grpSp>
+        <p:grpSp>
+          <p:nvGrpSpPr>
+            <p:cNvPr id="21" name="Group 20">
+              <a:extLst>
+                <a:ext uri="{FF2B5EF4-FFF2-40B4-BE49-F238E27FC236}">
+                  <a16:creationId xmlns:a16="http://schemas.microsoft.com/office/drawing/2014/main" id="{B56E66F9-FBD4-42EC-85A7-A4DDE72387B2}"/>
+                </a:ext>
+              </a:extLst>
+            </p:cNvPr>
+            <p:cNvGrpSpPr/>
+            <p:nvPr/>
+          </p:nvGrpSpPr>
+          <p:grpSpPr>
+            <a:xfrm>
+              <a:off x="154191" y="3915572"/>
+              <a:ext cx="1200567" cy="669633"/>
+              <a:chOff x="3699296" y="5253153"/>
+              <a:chExt cx="1200567" cy="669633"/>
+            </a:xfrm>
+          </p:grpSpPr>
+          <p:sp>
+            <p:nvSpPr>
+              <p:cNvPr id="66" name="Rectangle 65">
+                <a:extLst>
+                  <a:ext uri="{FF2B5EF4-FFF2-40B4-BE49-F238E27FC236}">
+                    <a16:creationId xmlns:a16="http://schemas.microsoft.com/office/drawing/2014/main" id="{18F9BDDE-691F-465C-B9C9-31AEED2685A0}"/>
+                  </a:ext>
+                </a:extLst>
+              </p:cNvPr>
+              <p:cNvSpPr/>
+              <p:nvPr/>
+            </p:nvSpPr>
+            <p:spPr>
+              <a:xfrm>
+                <a:off x="4010073" y="5253153"/>
+                <a:ext cx="889790" cy="669633"/>
+              </a:xfrm>
+              <a:prstGeom prst="rect">
+                <a:avLst/>
+              </a:prstGeom>
+              <a:noFill/>
+              <a:ln>
+                <a:noFill/>
+              </a:ln>
+            </p:spPr>
+            <p:style>
+              <a:lnRef idx="2">
+                <a:schemeClr val="dk1"/>
+              </a:lnRef>
+              <a:fillRef idx="1">
+                <a:schemeClr val="lt1"/>
+              </a:fillRef>
+              <a:effectRef idx="0">
+                <a:schemeClr val="dk1"/>
+              </a:effectRef>
+              <a:fontRef idx="minor">
+                <a:schemeClr val="dk1"/>
+              </a:fontRef>
+            </p:style>
+            <p:txBody>
+              <a:bodyPr lIns="3600" tIns="3600" rIns="3600" bIns="3600" rtlCol="0" anchor="ctr" anchorCtr="1"/>
+              <a:lstStyle/>
+              <a:p>
+                <a:r>
+                  <a:rPr lang="en-US" sz="1200" dirty="0">
+                    <a:latin typeface="Helvetica Neue"/>
+                    <a:cs typeface="Helvetica Neue" charset="0"/>
+                  </a:rPr>
+                  <a:t>Load (Top, Bottom)</a:t>
+                </a:r>
+              </a:p>
+              <a:p>
+                <a:r>
+                  <a:rPr lang="en-US" sz="1200" dirty="0">
+                    <a:latin typeface="Helvetica Neue"/>
+                  </a:rPr>
+                  <a:t>0-5V</a:t>
+                </a:r>
+                <a:endParaRPr lang="en-AU" sz="1200" dirty="0">
+                  <a:latin typeface="Helvetica Neue"/>
+                </a:endParaRPr>
+              </a:p>
+            </p:txBody>
+          </p:sp>
+          <p:sp>
+            <p:nvSpPr>
+              <p:cNvPr id="67" name="Arrow: Down 66">
+                <a:extLst>
+                  <a:ext uri="{FF2B5EF4-FFF2-40B4-BE49-F238E27FC236}">
+                    <a16:creationId xmlns:a16="http://schemas.microsoft.com/office/drawing/2014/main" id="{BA89500F-D5F6-4925-A38B-DD3CA98E1666}"/>
+                  </a:ext>
+                </a:extLst>
+              </p:cNvPr>
+              <p:cNvSpPr/>
+              <p:nvPr/>
+            </p:nvSpPr>
+            <p:spPr>
+              <a:xfrm rot="10800000">
+                <a:off x="3699296" y="5298167"/>
+                <a:ext cx="289431" cy="584323"/>
+              </a:xfrm>
+              <a:prstGeom prst="downArrow">
+                <a:avLst/>
+              </a:prstGeom>
+              <a:ln w="12700"/>
+            </p:spPr>
+            <p:style>
+              <a:lnRef idx="2">
+                <a:schemeClr val="dk1"/>
+              </a:lnRef>
+              <a:fillRef idx="1">
+                <a:schemeClr val="lt1"/>
+              </a:fillRef>
+              <a:effectRef idx="0">
+                <a:schemeClr val="dk1"/>
+              </a:effectRef>
+              <a:fontRef idx="minor">
+                <a:schemeClr val="dk1"/>
+              </a:fontRef>
+            </p:style>
+            <p:txBody>
+              <a:bodyPr rtlCol="0" anchor="ctr"/>
+              <a:lstStyle/>
+              <a:p>
+                <a:pPr algn="ctr"/>
+                <a:endParaRPr lang="en-AU" sz="1200"/>
+              </a:p>
+            </p:txBody>
+          </p:sp>
+        </p:grpSp>
+        <p:sp>
+          <p:nvSpPr>
+            <p:cNvPr id="22" name="Rectangle 21">
+              <a:extLst>
+                <a:ext uri="{FF2B5EF4-FFF2-40B4-BE49-F238E27FC236}">
+                  <a16:creationId xmlns:a16="http://schemas.microsoft.com/office/drawing/2014/main" id="{B7D06FA6-C04F-4954-BBE7-CAE3707927C5}"/>
+                </a:ext>
+              </a:extLst>
+            </p:cNvPr>
+            <p:cNvSpPr/>
+            <p:nvPr/>
+          </p:nvSpPr>
+          <p:spPr>
+            <a:xfrm>
+              <a:off x="1225614" y="3487425"/>
+              <a:ext cx="628533" cy="435600"/>
+            </a:xfrm>
+            <a:prstGeom prst="rect">
+              <a:avLst/>
+            </a:prstGeom>
+            <a:ln/>
+          </p:spPr>
+          <p:style>
+            <a:lnRef idx="2">
+              <a:schemeClr val="dk1"/>
+            </a:lnRef>
+            <a:fillRef idx="1">
+              <a:schemeClr val="lt1"/>
+            </a:fillRef>
+            <a:effectRef idx="0">
+              <a:schemeClr val="dk1"/>
+            </a:effectRef>
+            <a:fontRef idx="minor">
+              <a:schemeClr val="dk1"/>
+            </a:fontRef>
+          </p:style>
+          <p:txBody>
+            <a:bodyPr lIns="3600" tIns="3600" rIns="3600" bIns="3600" rtlCol="0" anchor="ctr" anchorCtr="1"/>
+            <a:lstStyle/>
+            <a:p>
+              <a:pPr algn="ctr"/>
+              <a:r>
+                <a:rPr lang="en-US" sz="1400" dirty="0">
+                  <a:latin typeface="Helvetica Neue"/>
+                  <a:cs typeface="Helvetica Neue" charset="0"/>
+                </a:rPr>
+                <a:t>PA4..PA7</a:t>
+              </a:r>
+              <a:endParaRPr lang="en-AU" sz="1400" dirty="0">
+                <a:latin typeface="Helvetica Neue"/>
+              </a:endParaRPr>
+            </a:p>
+          </p:txBody>
+        </p:sp>
+        <p:sp>
+          <p:nvSpPr>
+            <p:cNvPr id="23" name="Rectangle 22">
+              <a:extLst>
+                <a:ext uri="{FF2B5EF4-FFF2-40B4-BE49-F238E27FC236}">
+                  <a16:creationId xmlns:a16="http://schemas.microsoft.com/office/drawing/2014/main" id="{81FC7A42-3D56-40B1-A158-2AADCFD9B014}"/>
+                </a:ext>
+              </a:extLst>
+            </p:cNvPr>
+            <p:cNvSpPr/>
+            <p:nvPr/>
+          </p:nvSpPr>
+          <p:spPr>
+            <a:xfrm>
+              <a:off x="1130639" y="5690438"/>
+              <a:ext cx="818484" cy="435600"/>
+            </a:xfrm>
+            <a:prstGeom prst="rect">
+              <a:avLst/>
+            </a:prstGeom>
+            <a:ln/>
+          </p:spPr>
+          <p:style>
+            <a:lnRef idx="2">
+              <a:schemeClr val="dk1"/>
+            </a:lnRef>
+            <a:fillRef idx="1">
+              <a:schemeClr val="lt1"/>
+            </a:fillRef>
+            <a:effectRef idx="0">
+              <a:schemeClr val="dk1"/>
+            </a:effectRef>
+            <a:fontRef idx="minor">
+              <a:schemeClr val="dk1"/>
+            </a:fontRef>
+          </p:style>
+          <p:txBody>
+            <a:bodyPr lIns="3600" tIns="3600" rIns="3600" bIns="3600" rtlCol="0" anchor="ctr" anchorCtr="1"/>
+            <a:lstStyle/>
+            <a:p>
+              <a:pPr algn="ctr"/>
+              <a:r>
+                <a:rPr lang="en-US" sz="1400" dirty="0">
+                  <a:latin typeface="Helvetica Neue"/>
+                  <a:cs typeface="Helvetica Neue" charset="0"/>
+                </a:rPr>
+                <a:t>IR Sensor x4</a:t>
+              </a:r>
+              <a:endParaRPr lang="en-AU" sz="1400" dirty="0">
+                <a:latin typeface="Helvetica Neue"/>
+              </a:endParaRPr>
+            </a:p>
+          </p:txBody>
+        </p:sp>
+        <p:sp>
+          <p:nvSpPr>
+            <p:cNvPr id="24" name="Rectangle 23">
+              <a:extLst>
+                <a:ext uri="{FF2B5EF4-FFF2-40B4-BE49-F238E27FC236}">
+                  <a16:creationId xmlns:a16="http://schemas.microsoft.com/office/drawing/2014/main" id="{32C81C88-BAAC-4D04-B705-4DE53C8F37A2}"/>
+                </a:ext>
+              </a:extLst>
+            </p:cNvPr>
+            <p:cNvSpPr/>
+            <p:nvPr/>
+          </p:nvSpPr>
+          <p:spPr>
+            <a:xfrm>
+              <a:off x="1225614" y="4585205"/>
+              <a:ext cx="628533" cy="435600"/>
+            </a:xfrm>
+            <a:prstGeom prst="rect">
+              <a:avLst/>
+            </a:prstGeom>
+            <a:ln/>
+          </p:spPr>
+          <p:style>
+            <a:lnRef idx="2">
+              <a:schemeClr val="dk1"/>
+            </a:lnRef>
+            <a:fillRef idx="1">
+              <a:schemeClr val="lt1"/>
+            </a:fillRef>
+            <a:effectRef idx="0">
+              <a:schemeClr val="dk1"/>
+            </a:effectRef>
+            <a:fontRef idx="minor">
+              <a:schemeClr val="dk1"/>
+            </a:fontRef>
+          </p:style>
+          <p:txBody>
+            <a:bodyPr lIns="3600" tIns="3600" rIns="3600" bIns="3600" rtlCol="0" anchor="ctr" anchorCtr="1"/>
+            <a:lstStyle/>
+            <a:p>
+              <a:pPr algn="ctr"/>
+              <a:r>
+                <a:rPr lang="en-US" sz="1400" dirty="0">
+                  <a:latin typeface="Helvetica Neue"/>
+                  <a:cs typeface="Helvetica Neue" charset="0"/>
+                </a:rPr>
+                <a:t>Op Amp</a:t>
+              </a:r>
+              <a:endParaRPr lang="en-AU" sz="1400" dirty="0">
+                <a:latin typeface="Helvetica Neue"/>
+              </a:endParaRPr>
+            </a:p>
+          </p:txBody>
+        </p:sp>
+        <p:grpSp>
+          <p:nvGrpSpPr>
+            <p:cNvPr id="25" name="Group 24">
+              <a:extLst>
+                <a:ext uri="{FF2B5EF4-FFF2-40B4-BE49-F238E27FC236}">
+                  <a16:creationId xmlns:a16="http://schemas.microsoft.com/office/drawing/2014/main" id="{2E0BE512-B67B-4A47-9CE8-D4BD58E2C4D1}"/>
+                </a:ext>
+              </a:extLst>
+            </p:cNvPr>
+            <p:cNvGrpSpPr/>
+            <p:nvPr/>
+          </p:nvGrpSpPr>
+          <p:grpSpPr>
+            <a:xfrm>
+              <a:off x="1379805" y="5020805"/>
+              <a:ext cx="1092147" cy="669633"/>
+              <a:chOff x="3699296" y="5253153"/>
+              <a:chExt cx="1092147" cy="669633"/>
+            </a:xfrm>
+          </p:grpSpPr>
+          <p:sp>
+            <p:nvSpPr>
+              <p:cNvPr id="64" name="Rectangle 63">
+                <a:extLst>
+                  <a:ext uri="{FF2B5EF4-FFF2-40B4-BE49-F238E27FC236}">
+                    <a16:creationId xmlns:a16="http://schemas.microsoft.com/office/drawing/2014/main" id="{3DDCBC5F-E140-4A60-9975-6985B983E5EA}"/>
+                  </a:ext>
+                </a:extLst>
+              </p:cNvPr>
+              <p:cNvSpPr/>
+              <p:nvPr/>
+            </p:nvSpPr>
+            <p:spPr>
+              <a:xfrm>
+                <a:off x="3952103" y="5253153"/>
+                <a:ext cx="839340" cy="669633"/>
+              </a:xfrm>
+              <a:prstGeom prst="rect">
+                <a:avLst/>
+              </a:prstGeom>
+              <a:noFill/>
+              <a:ln>
+                <a:noFill/>
+              </a:ln>
+            </p:spPr>
+            <p:style>
+              <a:lnRef idx="2">
+                <a:schemeClr val="dk1"/>
+              </a:lnRef>
+              <a:fillRef idx="1">
+                <a:schemeClr val="lt1"/>
+              </a:fillRef>
+              <a:effectRef idx="0">
+                <a:schemeClr val="dk1"/>
+              </a:effectRef>
+              <a:fontRef idx="minor">
+                <a:schemeClr val="dk1"/>
+              </a:fontRef>
+            </p:style>
+            <p:txBody>
+              <a:bodyPr lIns="3600" tIns="3600" rIns="3600" bIns="3600" rtlCol="0" anchor="ctr" anchorCtr="1"/>
+              <a:lstStyle/>
+              <a:p>
+                <a:r>
+                  <a:rPr lang="en-US" sz="1200" dirty="0">
+                    <a:latin typeface="Helvetica Neue"/>
+                    <a:cs typeface="Helvetica Neue" charset="0"/>
+                  </a:rPr>
+                  <a:t>Signal (P1..P4)</a:t>
+                </a:r>
+              </a:p>
+              <a:p>
+                <a:r>
+                  <a:rPr lang="en-US" sz="1200" dirty="0">
+                    <a:latin typeface="Helvetica Neue"/>
+                  </a:rPr>
+                  <a:t>0-5V</a:t>
+                </a:r>
+                <a:endParaRPr lang="en-AU" sz="1200" dirty="0">
+                  <a:latin typeface="Helvetica Neue"/>
+                </a:endParaRPr>
+              </a:p>
+            </p:txBody>
+          </p:sp>
+          <p:sp>
+            <p:nvSpPr>
+              <p:cNvPr id="65" name="Arrow: Down 64">
+                <a:extLst>
+                  <a:ext uri="{FF2B5EF4-FFF2-40B4-BE49-F238E27FC236}">
+                    <a16:creationId xmlns:a16="http://schemas.microsoft.com/office/drawing/2014/main" id="{FF47DE33-3175-4850-8E7D-D6B58EECA617}"/>
+                  </a:ext>
+                </a:extLst>
+              </p:cNvPr>
+              <p:cNvSpPr/>
+              <p:nvPr/>
+            </p:nvSpPr>
+            <p:spPr>
+              <a:xfrm rot="10800000">
+                <a:off x="3699296" y="5298167"/>
+                <a:ext cx="289431" cy="584323"/>
+              </a:xfrm>
+              <a:prstGeom prst="downArrow">
+                <a:avLst/>
+              </a:prstGeom>
+              <a:ln w="12700"/>
+            </p:spPr>
+            <p:style>
+              <a:lnRef idx="2">
+                <a:schemeClr val="dk1"/>
+              </a:lnRef>
+              <a:fillRef idx="1">
+                <a:schemeClr val="lt1"/>
+              </a:fillRef>
+              <a:effectRef idx="0">
+                <a:schemeClr val="dk1"/>
+              </a:effectRef>
+              <a:fontRef idx="minor">
+                <a:schemeClr val="dk1"/>
+              </a:fontRef>
+            </p:style>
+            <p:txBody>
+              <a:bodyPr rtlCol="0" anchor="ctr"/>
+              <a:lstStyle/>
+              <a:p>
+                <a:pPr algn="ctr"/>
+                <a:endParaRPr lang="en-AU" sz="1200"/>
+              </a:p>
+            </p:txBody>
+          </p:sp>
+        </p:grpSp>
+        <p:grpSp>
+          <p:nvGrpSpPr>
+            <p:cNvPr id="26" name="Group 25">
+              <a:extLst>
+                <a:ext uri="{FF2B5EF4-FFF2-40B4-BE49-F238E27FC236}">
+                  <a16:creationId xmlns:a16="http://schemas.microsoft.com/office/drawing/2014/main" id="{48EB8309-39F8-4C45-AB08-3940D75E02C2}"/>
+                </a:ext>
+              </a:extLst>
+            </p:cNvPr>
+            <p:cNvGrpSpPr/>
+            <p:nvPr/>
+          </p:nvGrpSpPr>
+          <p:grpSpPr>
+            <a:xfrm>
+              <a:off x="1379805" y="3915572"/>
+              <a:ext cx="1200567" cy="669633"/>
+              <a:chOff x="3699296" y="5253153"/>
+              <a:chExt cx="1200567" cy="669633"/>
+            </a:xfrm>
+          </p:grpSpPr>
+          <p:sp>
+            <p:nvSpPr>
+              <p:cNvPr id="62" name="Rectangle 61">
+                <a:extLst>
+                  <a:ext uri="{FF2B5EF4-FFF2-40B4-BE49-F238E27FC236}">
+                    <a16:creationId xmlns:a16="http://schemas.microsoft.com/office/drawing/2014/main" id="{B23FD3CF-418B-4BAF-AB41-8749337CFA0B}"/>
+                  </a:ext>
+                </a:extLst>
+              </p:cNvPr>
+              <p:cNvSpPr/>
+              <p:nvPr/>
+            </p:nvSpPr>
+            <p:spPr>
+              <a:xfrm>
+                <a:off x="4010073" y="5253153"/>
+                <a:ext cx="889790" cy="669633"/>
+              </a:xfrm>
+              <a:prstGeom prst="rect">
+                <a:avLst/>
+              </a:prstGeom>
+              <a:noFill/>
+              <a:ln>
+                <a:noFill/>
+              </a:ln>
+            </p:spPr>
+            <p:style>
+              <a:lnRef idx="2">
+                <a:schemeClr val="dk1"/>
+              </a:lnRef>
+              <a:fillRef idx="1">
+                <a:schemeClr val="lt1"/>
+              </a:fillRef>
+              <a:effectRef idx="0">
+                <a:schemeClr val="dk1"/>
+              </a:effectRef>
+              <a:fontRef idx="minor">
+                <a:schemeClr val="dk1"/>
+              </a:fontRef>
+            </p:style>
+            <p:txBody>
+              <a:bodyPr lIns="3600" tIns="3600" rIns="3600" bIns="3600" rtlCol="0" anchor="ctr" anchorCtr="1"/>
+              <a:lstStyle/>
+              <a:p>
+                <a:r>
+                  <a:rPr lang="en-US" sz="1200" dirty="0">
+                    <a:latin typeface="Helvetica Neue"/>
+                    <a:cs typeface="Helvetica Neue" charset="0"/>
+                  </a:rPr>
+                  <a:t>Proximity (P1..P4)</a:t>
+                </a:r>
+              </a:p>
+              <a:p>
+                <a:r>
+                  <a:rPr lang="en-US" sz="1200" dirty="0">
+                    <a:latin typeface="Helvetica Neue"/>
+                  </a:rPr>
+                  <a:t>0-5V</a:t>
+                </a:r>
+                <a:endParaRPr lang="en-AU" sz="1200" dirty="0">
+                  <a:latin typeface="Helvetica Neue"/>
+                </a:endParaRPr>
+              </a:p>
+            </p:txBody>
+          </p:sp>
+          <p:sp>
+            <p:nvSpPr>
+              <p:cNvPr id="63" name="Arrow: Down 62">
+                <a:extLst>
+                  <a:ext uri="{FF2B5EF4-FFF2-40B4-BE49-F238E27FC236}">
+                    <a16:creationId xmlns:a16="http://schemas.microsoft.com/office/drawing/2014/main" id="{CC5B8FB9-AB2A-4901-97F5-CEE45572A279}"/>
+                  </a:ext>
+                </a:extLst>
+              </p:cNvPr>
+              <p:cNvSpPr/>
+              <p:nvPr/>
+            </p:nvSpPr>
+            <p:spPr>
+              <a:xfrm rot="10800000">
+                <a:off x="3699296" y="5298167"/>
+                <a:ext cx="289431" cy="584323"/>
+              </a:xfrm>
+              <a:prstGeom prst="downArrow">
+                <a:avLst/>
+              </a:prstGeom>
+              <a:ln w="12700"/>
+            </p:spPr>
+            <p:style>
+              <a:lnRef idx="2">
+                <a:schemeClr val="dk1"/>
+              </a:lnRef>
+              <a:fillRef idx="1">
+                <a:schemeClr val="lt1"/>
+              </a:fillRef>
+              <a:effectRef idx="0">
+                <a:schemeClr val="dk1"/>
+              </a:effectRef>
+              <a:fontRef idx="minor">
+                <a:schemeClr val="dk1"/>
+              </a:fontRef>
+            </p:style>
+            <p:txBody>
+              <a:bodyPr rtlCol="0" anchor="ctr"/>
+              <a:lstStyle/>
+              <a:p>
+                <a:pPr algn="ctr"/>
+                <a:endParaRPr lang="en-AU" sz="1200"/>
+              </a:p>
+            </p:txBody>
+          </p:sp>
+        </p:grpSp>
+        <p:sp>
+          <p:nvSpPr>
+            <p:cNvPr id="27" name="Rectangle: Rounded Corners 26">
+              <a:extLst>
+                <a:ext uri="{FF2B5EF4-FFF2-40B4-BE49-F238E27FC236}">
+                  <a16:creationId xmlns:a16="http://schemas.microsoft.com/office/drawing/2014/main" id="{D89CFCA6-3554-4C8A-A31D-E96388CBA4BA}"/>
+                </a:ext>
+              </a:extLst>
+            </p:cNvPr>
+            <p:cNvSpPr/>
+            <p:nvPr/>
+          </p:nvSpPr>
+          <p:spPr>
+            <a:xfrm>
+              <a:off x="0" y="2338253"/>
+              <a:ext cx="1854147" cy="436884"/>
+            </a:xfrm>
+            <a:prstGeom prst="roundRect">
+              <a:avLst>
+                <a:gd name="adj" fmla="val 50000"/>
+              </a:avLst>
+            </a:prstGeom>
+            <a:ln/>
+          </p:spPr>
+          <p:style>
+            <a:lnRef idx="2">
+              <a:schemeClr val="dk1"/>
+            </a:lnRef>
+            <a:fillRef idx="1">
+              <a:schemeClr val="lt1"/>
+            </a:fillRef>
+            <a:effectRef idx="0">
+              <a:schemeClr val="dk1"/>
+            </a:effectRef>
+            <a:fontRef idx="minor">
+              <a:schemeClr val="dk1"/>
+            </a:fontRef>
+          </p:style>
+          <p:txBody>
+            <a:bodyPr lIns="3600" tIns="3600" rIns="3600" bIns="3600" rtlCol="0" anchor="ctr" anchorCtr="1"/>
+            <a:lstStyle/>
+            <a:p>
+              <a:pPr algn="ctr"/>
+              <a:r>
+                <a:rPr lang="en-US" sz="1400" dirty="0">
+                  <a:latin typeface="Helvetica Neue"/>
+                  <a:cs typeface="Helvetica Neue" charset="0"/>
+                </a:rPr>
+                <a:t>Controller Software</a:t>
+              </a:r>
+              <a:endParaRPr lang="en-AU" sz="1400" dirty="0">
+                <a:latin typeface="Helvetica Neue"/>
+              </a:endParaRPr>
+            </a:p>
+          </p:txBody>
+        </p:sp>
+        <p:grpSp>
+          <p:nvGrpSpPr>
+            <p:cNvPr id="28" name="Group 27">
+              <a:extLst>
+                <a:ext uri="{FF2B5EF4-FFF2-40B4-BE49-F238E27FC236}">
+                  <a16:creationId xmlns:a16="http://schemas.microsoft.com/office/drawing/2014/main" id="{A0A97471-C697-4B46-B2C0-9C39DDE87C36}"/>
+                </a:ext>
+              </a:extLst>
+            </p:cNvPr>
+            <p:cNvGrpSpPr/>
+            <p:nvPr/>
+          </p:nvGrpSpPr>
+          <p:grpSpPr>
+            <a:xfrm>
+              <a:off x="154190" y="2772778"/>
+              <a:ext cx="1200567" cy="669633"/>
+              <a:chOff x="3699296" y="5253153"/>
+              <a:chExt cx="1200567" cy="669633"/>
+            </a:xfrm>
+          </p:grpSpPr>
+          <p:sp>
+            <p:nvSpPr>
+              <p:cNvPr id="60" name="Rectangle 59">
+                <a:extLst>
+                  <a:ext uri="{FF2B5EF4-FFF2-40B4-BE49-F238E27FC236}">
+                    <a16:creationId xmlns:a16="http://schemas.microsoft.com/office/drawing/2014/main" id="{79511226-8370-48BE-9E44-24820750ABEC}"/>
+                  </a:ext>
+                </a:extLst>
+              </p:cNvPr>
+              <p:cNvSpPr/>
+              <p:nvPr/>
+            </p:nvSpPr>
+            <p:spPr>
+              <a:xfrm>
+                <a:off x="4010073" y="5253153"/>
+                <a:ext cx="889790" cy="669633"/>
+              </a:xfrm>
+              <a:prstGeom prst="rect">
+                <a:avLst/>
+              </a:prstGeom>
+              <a:noFill/>
+              <a:ln>
+                <a:noFill/>
+              </a:ln>
+            </p:spPr>
+            <p:style>
+              <a:lnRef idx="2">
+                <a:schemeClr val="dk1"/>
+              </a:lnRef>
+              <a:fillRef idx="1">
+                <a:schemeClr val="lt1"/>
+              </a:fillRef>
+              <a:effectRef idx="0">
+                <a:schemeClr val="dk1"/>
+              </a:effectRef>
+              <a:fontRef idx="minor">
+                <a:schemeClr val="dk1"/>
+              </a:fontRef>
+            </p:style>
+            <p:txBody>
+              <a:bodyPr lIns="3600" tIns="3600" rIns="3600" bIns="3600" rtlCol="0" anchor="ctr" anchorCtr="1"/>
+              <a:lstStyle/>
+              <a:p>
+                <a:r>
+                  <a:rPr lang="en-US" sz="1200" dirty="0">
+                    <a:latin typeface="Helvetica Neue"/>
+                    <a:cs typeface="Helvetica Neue" charset="0"/>
+                  </a:rPr>
+                  <a:t>Load (Top, Bottom)</a:t>
+                </a:r>
+                <a:endParaRPr lang="en-AU" sz="1200" dirty="0">
+                  <a:latin typeface="Helvetica Neue"/>
+                </a:endParaRPr>
+              </a:p>
+            </p:txBody>
+          </p:sp>
+          <p:sp>
+            <p:nvSpPr>
+              <p:cNvPr id="61" name="Arrow: Down 60">
+                <a:extLst>
+                  <a:ext uri="{FF2B5EF4-FFF2-40B4-BE49-F238E27FC236}">
+                    <a16:creationId xmlns:a16="http://schemas.microsoft.com/office/drawing/2014/main" id="{C09DE899-819F-4E46-9526-9A263FD38685}"/>
+                  </a:ext>
+                </a:extLst>
+              </p:cNvPr>
+              <p:cNvSpPr/>
+              <p:nvPr/>
+            </p:nvSpPr>
+            <p:spPr>
+              <a:xfrm rot="10800000">
+                <a:off x="3699296" y="5298167"/>
+                <a:ext cx="289431" cy="584323"/>
+              </a:xfrm>
+              <a:prstGeom prst="downArrow">
+                <a:avLst/>
+              </a:prstGeom>
+              <a:ln w="12700"/>
+            </p:spPr>
+            <p:style>
+              <a:lnRef idx="2">
+                <a:schemeClr val="dk1"/>
+              </a:lnRef>
+              <a:fillRef idx="1">
+                <a:schemeClr val="lt1"/>
+              </a:fillRef>
+              <a:effectRef idx="0">
+                <a:schemeClr val="dk1"/>
+              </a:effectRef>
+              <a:fontRef idx="minor">
+                <a:schemeClr val="dk1"/>
+              </a:fontRef>
+            </p:style>
+            <p:txBody>
+              <a:bodyPr rtlCol="0" anchor="ctr"/>
+              <a:lstStyle/>
+              <a:p>
+                <a:pPr algn="ctr"/>
+                <a:endParaRPr lang="en-AU" sz="1200"/>
+              </a:p>
+            </p:txBody>
+          </p:sp>
+        </p:grpSp>
+        <p:grpSp>
+          <p:nvGrpSpPr>
+            <p:cNvPr id="29" name="Group 28">
+              <a:extLst>
+                <a:ext uri="{FF2B5EF4-FFF2-40B4-BE49-F238E27FC236}">
+                  <a16:creationId xmlns:a16="http://schemas.microsoft.com/office/drawing/2014/main" id="{04A766FF-0104-4CBC-88B4-7324BEC66E05}"/>
+                </a:ext>
+              </a:extLst>
+            </p:cNvPr>
+            <p:cNvGrpSpPr/>
+            <p:nvPr/>
+          </p:nvGrpSpPr>
+          <p:grpSpPr>
+            <a:xfrm>
+              <a:off x="1348839" y="2772778"/>
+              <a:ext cx="1200567" cy="669633"/>
+              <a:chOff x="3699296" y="5253153"/>
+              <a:chExt cx="1200567" cy="669633"/>
+            </a:xfrm>
+          </p:grpSpPr>
+          <p:sp>
+            <p:nvSpPr>
+              <p:cNvPr id="58" name="Rectangle 57">
+                <a:extLst>
+                  <a:ext uri="{FF2B5EF4-FFF2-40B4-BE49-F238E27FC236}">
+                    <a16:creationId xmlns:a16="http://schemas.microsoft.com/office/drawing/2014/main" id="{FE2459D0-63AD-4181-BA6F-860868254231}"/>
+                  </a:ext>
+                </a:extLst>
+              </p:cNvPr>
+              <p:cNvSpPr/>
+              <p:nvPr/>
+            </p:nvSpPr>
+            <p:spPr>
+              <a:xfrm>
+                <a:off x="4010073" y="5253153"/>
+                <a:ext cx="889790" cy="669633"/>
+              </a:xfrm>
+              <a:prstGeom prst="rect">
+                <a:avLst/>
+              </a:prstGeom>
+              <a:noFill/>
+              <a:ln>
+                <a:noFill/>
+              </a:ln>
+            </p:spPr>
+            <p:style>
+              <a:lnRef idx="2">
+                <a:schemeClr val="dk1"/>
+              </a:lnRef>
+              <a:fillRef idx="1">
+                <a:schemeClr val="lt1"/>
+              </a:fillRef>
+              <a:effectRef idx="0">
+                <a:schemeClr val="dk1"/>
+              </a:effectRef>
+              <a:fontRef idx="minor">
+                <a:schemeClr val="dk1"/>
+              </a:fontRef>
+            </p:style>
+            <p:txBody>
+              <a:bodyPr lIns="3600" tIns="3600" rIns="3600" bIns="3600" rtlCol="0" anchor="ctr" anchorCtr="1"/>
+              <a:lstStyle/>
+              <a:p>
+                <a:r>
+                  <a:rPr lang="en-US" sz="1200" dirty="0">
+                    <a:latin typeface="Helvetica Neue"/>
+                    <a:cs typeface="Helvetica Neue" charset="0"/>
+                  </a:rPr>
+                  <a:t>Proximity (P1..P4)</a:t>
+                </a:r>
+              </a:p>
+            </p:txBody>
+          </p:sp>
+          <p:sp>
+            <p:nvSpPr>
+              <p:cNvPr id="59" name="Arrow: Down 58">
+                <a:extLst>
+                  <a:ext uri="{FF2B5EF4-FFF2-40B4-BE49-F238E27FC236}">
+                    <a16:creationId xmlns:a16="http://schemas.microsoft.com/office/drawing/2014/main" id="{DA91F984-9002-46F8-84AE-3277937F8C7A}"/>
+                  </a:ext>
+                </a:extLst>
+              </p:cNvPr>
+              <p:cNvSpPr/>
+              <p:nvPr/>
+            </p:nvSpPr>
+            <p:spPr>
+              <a:xfrm rot="10800000">
+                <a:off x="3699296" y="5298167"/>
+                <a:ext cx="289431" cy="584323"/>
+              </a:xfrm>
+              <a:prstGeom prst="downArrow">
+                <a:avLst/>
+              </a:prstGeom>
+              <a:ln w="12700"/>
+            </p:spPr>
+            <p:style>
+              <a:lnRef idx="2">
+                <a:schemeClr val="dk1"/>
+              </a:lnRef>
+              <a:fillRef idx="1">
+                <a:schemeClr val="lt1"/>
+              </a:fillRef>
+              <a:effectRef idx="0">
+                <a:schemeClr val="dk1"/>
+              </a:effectRef>
+              <a:fontRef idx="minor">
+                <a:schemeClr val="dk1"/>
+              </a:fontRef>
+            </p:style>
+            <p:txBody>
+              <a:bodyPr rtlCol="0" anchor="ctr"/>
+              <a:lstStyle/>
+              <a:p>
+                <a:pPr algn="ctr"/>
+                <a:endParaRPr lang="en-AU" sz="1200"/>
+              </a:p>
+            </p:txBody>
+          </p:sp>
+        </p:grpSp>
+        <p:sp>
+          <p:nvSpPr>
+            <p:cNvPr id="30" name="Rectangle 29">
+              <a:extLst>
+                <a:ext uri="{FF2B5EF4-FFF2-40B4-BE49-F238E27FC236}">
+                  <a16:creationId xmlns:a16="http://schemas.microsoft.com/office/drawing/2014/main" id="{DD5A1C1D-8CA0-450D-B409-BB9C4A330CFC}"/>
+                </a:ext>
+              </a:extLst>
+            </p:cNvPr>
+            <p:cNvSpPr/>
+            <p:nvPr/>
+          </p:nvSpPr>
+          <p:spPr>
+            <a:xfrm>
+              <a:off x="2724627" y="4137416"/>
+              <a:ext cx="612298" cy="330406"/>
+            </a:xfrm>
+            <a:prstGeom prst="rect">
+              <a:avLst/>
+            </a:prstGeom>
+            <a:noFill/>
+            <a:ln>
+              <a:noFill/>
+            </a:ln>
+          </p:spPr>
+          <p:style>
+            <a:lnRef idx="2">
+              <a:schemeClr val="dk1"/>
+            </a:lnRef>
+            <a:fillRef idx="1">
+              <a:schemeClr val="lt1"/>
+            </a:fillRef>
+            <a:effectRef idx="0">
+              <a:schemeClr val="dk1"/>
+            </a:effectRef>
+            <a:fontRef idx="minor">
+              <a:schemeClr val="dk1"/>
+            </a:fontRef>
+          </p:style>
+          <p:txBody>
+            <a:bodyPr lIns="3600" tIns="3600" rIns="3600" bIns="3600" rtlCol="0" anchor="ctr" anchorCtr="1"/>
+            <a:lstStyle/>
+            <a:p>
+              <a:pPr algn="ctr"/>
+              <a:r>
+                <a:rPr lang="en-US" sz="1200" dirty="0">
+                  <a:latin typeface="Helvetica Neue"/>
+                  <a:cs typeface="Helvetica Neue" charset="0"/>
+                </a:rPr>
+                <a:t>Digital</a:t>
+              </a:r>
+            </a:p>
+            <a:p>
+              <a:pPr algn="ctr"/>
+              <a:r>
+                <a:rPr lang="en-US" sz="1200" dirty="0">
+                  <a:latin typeface="Helvetica Neue"/>
+                </a:rPr>
+                <a:t>Control</a:t>
+              </a:r>
+              <a:endParaRPr lang="en-AU" sz="1200" dirty="0">
+                <a:latin typeface="Helvetica Neue"/>
+              </a:endParaRPr>
+            </a:p>
+          </p:txBody>
+        </p:sp>
+        <p:cxnSp>
+          <p:nvCxnSpPr>
+            <p:cNvPr id="31" name="Straight Arrow Connector 30">
+              <a:extLst>
+                <a:ext uri="{FF2B5EF4-FFF2-40B4-BE49-F238E27FC236}">
+                  <a16:creationId xmlns:a16="http://schemas.microsoft.com/office/drawing/2014/main" id="{6F13D5C7-C1F6-4FC7-9830-8CC88F60BDA1}"/>
+                </a:ext>
+              </a:extLst>
+            </p:cNvPr>
+            <p:cNvCxnSpPr>
+              <a:cxnSpLocks/>
+              <a:stCxn id="15" idx="2"/>
+              <a:endCxn id="11" idx="0"/>
+            </p:cNvCxnSpPr>
+            <p:nvPr/>
+          </p:nvCxnSpPr>
+          <p:spPr>
+            <a:xfrm>
+              <a:off x="2765494" y="3923025"/>
+              <a:ext cx="1" cy="754352"/>
+            </a:xfrm>
+            <a:prstGeom prst="straightConnector1">
+              <a:avLst/>
+            </a:prstGeom>
+            <a:ln w="12700">
+              <a:tailEnd type="triangle"/>
+            </a:ln>
+          </p:spPr>
+          <p:style>
+            <a:lnRef idx="1">
+              <a:schemeClr val="dk1"/>
+            </a:lnRef>
+            <a:fillRef idx="0">
+              <a:schemeClr val="dk1"/>
+            </a:fillRef>
+            <a:effectRef idx="0">
+              <a:schemeClr val="dk1"/>
+            </a:effectRef>
+            <a:fontRef idx="minor">
+              <a:schemeClr val="tx1"/>
+            </a:fontRef>
+          </p:style>
+        </p:cxnSp>
+        <p:cxnSp>
+          <p:nvCxnSpPr>
+            <p:cNvPr id="32" name="Connector: Elbow 31">
+              <a:extLst>
+                <a:ext uri="{FF2B5EF4-FFF2-40B4-BE49-F238E27FC236}">
+                  <a16:creationId xmlns:a16="http://schemas.microsoft.com/office/drawing/2014/main" id="{CA1B1D74-B841-446C-BAE8-AD3D18E962DC}"/>
+                </a:ext>
+              </a:extLst>
+            </p:cNvPr>
+            <p:cNvCxnSpPr>
+              <a:cxnSpLocks/>
+              <a:stCxn id="27" idx="3"/>
+              <a:endCxn id="13" idx="0"/>
+            </p:cNvCxnSpPr>
+            <p:nvPr/>
+          </p:nvCxnSpPr>
+          <p:spPr>
+            <a:xfrm>
+              <a:off x="1854147" y="2556695"/>
+              <a:ext cx="689086" cy="929446"/>
+            </a:xfrm>
+            <a:prstGeom prst="bentConnector2">
+              <a:avLst/>
+            </a:prstGeom>
+            <a:ln w="12700">
+              <a:tailEnd type="triangle"/>
+            </a:ln>
+          </p:spPr>
+          <p:style>
+            <a:lnRef idx="1">
+              <a:schemeClr val="dk1"/>
+            </a:lnRef>
+            <a:fillRef idx="0">
+              <a:schemeClr val="dk1"/>
+            </a:fillRef>
+            <a:effectRef idx="0">
+              <a:schemeClr val="dk1"/>
+            </a:effectRef>
+            <a:fontRef idx="minor">
+              <a:schemeClr val="tx1"/>
+            </a:fontRef>
+          </p:style>
+        </p:cxnSp>
+        <p:sp>
+          <p:nvSpPr>
+            <p:cNvPr id="33" name="Rectangle 32">
+              <a:extLst>
+                <a:ext uri="{FF2B5EF4-FFF2-40B4-BE49-F238E27FC236}">
+                  <a16:creationId xmlns:a16="http://schemas.microsoft.com/office/drawing/2014/main" id="{D783C49E-BFB8-41E6-B864-636267EB5766}"/>
+                </a:ext>
+              </a:extLst>
+            </p:cNvPr>
+            <p:cNvSpPr/>
+            <p:nvPr/>
+          </p:nvSpPr>
+          <p:spPr>
+            <a:xfrm>
+              <a:off x="2314259" y="2042189"/>
+              <a:ext cx="902470" cy="436884"/>
+            </a:xfrm>
+            <a:prstGeom prst="rect">
+              <a:avLst/>
+            </a:prstGeom>
+            <a:ln/>
+          </p:spPr>
+          <p:style>
+            <a:lnRef idx="2">
+              <a:schemeClr val="dk1"/>
+            </a:lnRef>
+            <a:fillRef idx="1">
+              <a:schemeClr val="lt1"/>
+            </a:fillRef>
+            <a:effectRef idx="0">
+              <a:schemeClr val="dk1"/>
+            </a:effectRef>
+            <a:fontRef idx="minor">
+              <a:schemeClr val="dk1"/>
+            </a:fontRef>
+          </p:style>
+          <p:txBody>
+            <a:bodyPr lIns="3600" tIns="3600" rIns="3600" bIns="3600" rtlCol="0" anchor="ctr" anchorCtr="1"/>
+            <a:lstStyle/>
+            <a:p>
+              <a:pPr algn="ctr"/>
+              <a:r>
+                <a:rPr lang="en-US" sz="1400" dirty="0">
+                  <a:latin typeface="Helvetica Neue"/>
+                  <a:cs typeface="Helvetica Neue" charset="0"/>
+                </a:rPr>
+                <a:t>Timer 3</a:t>
+              </a:r>
+            </a:p>
+            <a:p>
+              <a:pPr algn="ctr"/>
+              <a:r>
+                <a:rPr lang="en-US" sz="1400" dirty="0">
+                  <a:latin typeface="Helvetica Neue"/>
+                </a:rPr>
+                <a:t>Channel 1</a:t>
+              </a:r>
+              <a:endParaRPr lang="en-AU" sz="1400" dirty="0">
+                <a:latin typeface="Helvetica Neue"/>
+              </a:endParaRPr>
+            </a:p>
+          </p:txBody>
+        </p:sp>
+        <p:sp>
+          <p:nvSpPr>
+            <p:cNvPr id="34" name="Rectangle 33">
+              <a:extLst>
+                <a:ext uri="{FF2B5EF4-FFF2-40B4-BE49-F238E27FC236}">
+                  <a16:creationId xmlns:a16="http://schemas.microsoft.com/office/drawing/2014/main" id="{F2BB9E54-36AD-427F-9D2D-2C4C76BE57EE}"/>
+                </a:ext>
+              </a:extLst>
+            </p:cNvPr>
+            <p:cNvSpPr/>
+            <p:nvPr/>
+          </p:nvSpPr>
+          <p:spPr>
+            <a:xfrm>
+              <a:off x="2760959" y="2616753"/>
+              <a:ext cx="539633" cy="293237"/>
+            </a:xfrm>
+            <a:prstGeom prst="rect">
+              <a:avLst/>
+            </a:prstGeom>
+            <a:noFill/>
+            <a:ln>
+              <a:noFill/>
+            </a:ln>
+          </p:spPr>
+          <p:style>
+            <a:lnRef idx="2">
+              <a:schemeClr val="dk1"/>
+            </a:lnRef>
+            <a:fillRef idx="1">
+              <a:schemeClr val="lt1"/>
+            </a:fillRef>
+            <a:effectRef idx="0">
+              <a:schemeClr val="dk1"/>
+            </a:effectRef>
+            <a:fontRef idx="minor">
+              <a:schemeClr val="dk1"/>
+            </a:fontRef>
+          </p:style>
+          <p:txBody>
+            <a:bodyPr lIns="3600" tIns="3600" rIns="3600" bIns="3600" rtlCol="0" anchor="ctr" anchorCtr="1"/>
+            <a:lstStyle/>
+            <a:p>
+              <a:pPr algn="ctr"/>
+              <a:r>
+                <a:rPr lang="en-US" sz="1200" dirty="0">
+                  <a:latin typeface="Helvetica Neue"/>
+                  <a:cs typeface="Helvetica Neue" charset="0"/>
+                </a:rPr>
+                <a:t>50kHz</a:t>
+              </a:r>
+              <a:endParaRPr lang="en-AU" sz="1200" dirty="0">
+                <a:latin typeface="Helvetica Neue"/>
+              </a:endParaRPr>
+            </a:p>
+          </p:txBody>
+        </p:sp>
+        <p:sp>
+          <p:nvSpPr>
+            <p:cNvPr id="35" name="Rectangle 34">
+              <a:extLst>
+                <a:ext uri="{FF2B5EF4-FFF2-40B4-BE49-F238E27FC236}">
+                  <a16:creationId xmlns:a16="http://schemas.microsoft.com/office/drawing/2014/main" id="{6A9F9BED-0046-4F30-8B15-F2B8E2753B17}"/>
+                </a:ext>
+              </a:extLst>
+            </p:cNvPr>
+            <p:cNvSpPr/>
+            <p:nvPr/>
+          </p:nvSpPr>
+          <p:spPr>
+            <a:xfrm>
+              <a:off x="1865660" y="2586555"/>
+              <a:ext cx="648836" cy="293237"/>
+            </a:xfrm>
+            <a:prstGeom prst="rect">
+              <a:avLst/>
+            </a:prstGeom>
+            <a:noFill/>
+            <a:ln>
+              <a:noFill/>
+            </a:ln>
+          </p:spPr>
+          <p:style>
+            <a:lnRef idx="2">
+              <a:schemeClr val="dk1"/>
+            </a:lnRef>
+            <a:fillRef idx="1">
+              <a:schemeClr val="lt1"/>
+            </a:fillRef>
+            <a:effectRef idx="0">
+              <a:schemeClr val="dk1"/>
+            </a:effectRef>
+            <a:fontRef idx="minor">
+              <a:schemeClr val="dk1"/>
+            </a:fontRef>
+          </p:style>
+          <p:txBody>
+            <a:bodyPr lIns="3600" tIns="3600" rIns="3600" bIns="3600" rtlCol="0" anchor="t" anchorCtr="1"/>
+            <a:lstStyle/>
+            <a:p>
+              <a:pPr algn="ctr"/>
+              <a:r>
+                <a:rPr lang="en-US" sz="1200" dirty="0">
+                  <a:latin typeface="Helvetica Neue"/>
+                </a:rPr>
+                <a:t>Control</a:t>
+              </a:r>
+              <a:endParaRPr lang="en-AU" sz="1200" dirty="0">
+                <a:latin typeface="Helvetica Neue"/>
+              </a:endParaRPr>
+            </a:p>
+          </p:txBody>
+        </p:sp>
+        <p:sp>
+          <p:nvSpPr>
+            <p:cNvPr id="36" name="Rectangle 35">
+              <a:extLst>
+                <a:ext uri="{FF2B5EF4-FFF2-40B4-BE49-F238E27FC236}">
+                  <a16:creationId xmlns:a16="http://schemas.microsoft.com/office/drawing/2014/main" id="{47287E19-7E55-47B5-AAC3-40993C1E0C02}"/>
+                </a:ext>
+              </a:extLst>
+            </p:cNvPr>
+            <p:cNvSpPr/>
+            <p:nvPr/>
+          </p:nvSpPr>
+          <p:spPr>
+            <a:xfrm>
+              <a:off x="583" y="1449293"/>
+              <a:ext cx="902470" cy="436884"/>
+            </a:xfrm>
+            <a:prstGeom prst="rect">
+              <a:avLst/>
+            </a:prstGeom>
+            <a:ln/>
+          </p:spPr>
+          <p:style>
+            <a:lnRef idx="2">
+              <a:schemeClr val="dk1"/>
+            </a:lnRef>
+            <a:fillRef idx="1">
+              <a:schemeClr val="lt1"/>
+            </a:fillRef>
+            <a:effectRef idx="0">
+              <a:schemeClr val="dk1"/>
+            </a:effectRef>
+            <a:fontRef idx="minor">
+              <a:schemeClr val="dk1"/>
+            </a:fontRef>
+          </p:style>
+          <p:txBody>
+            <a:bodyPr lIns="3600" tIns="3600" rIns="3600" bIns="3600" rtlCol="0" anchor="ctr" anchorCtr="1"/>
+            <a:lstStyle/>
+            <a:p>
+              <a:pPr algn="ctr"/>
+              <a:r>
+                <a:rPr lang="en-US" sz="1400" dirty="0">
+                  <a:latin typeface="Helvetica Neue"/>
+                  <a:cs typeface="Helvetica Neue" charset="0"/>
+                </a:rPr>
+                <a:t>Memory</a:t>
+              </a:r>
+              <a:endParaRPr lang="en-AU" sz="1400" dirty="0">
+                <a:latin typeface="Helvetica Neue"/>
+              </a:endParaRPr>
+            </a:p>
+          </p:txBody>
+        </p:sp>
+        <p:sp>
+          <p:nvSpPr>
+            <p:cNvPr id="37" name="Rectangle 36">
+              <a:extLst>
+                <a:ext uri="{FF2B5EF4-FFF2-40B4-BE49-F238E27FC236}">
+                  <a16:creationId xmlns:a16="http://schemas.microsoft.com/office/drawing/2014/main" id="{09BC6360-355E-4119-9F39-C6743B1BB5C7}"/>
+                </a:ext>
+              </a:extLst>
+            </p:cNvPr>
+            <p:cNvSpPr/>
+            <p:nvPr/>
+          </p:nvSpPr>
+          <p:spPr>
+            <a:xfrm>
+              <a:off x="583" y="708781"/>
+              <a:ext cx="902470" cy="436884"/>
+            </a:xfrm>
+            <a:prstGeom prst="rect">
+              <a:avLst/>
+            </a:prstGeom>
+            <a:ln/>
+          </p:spPr>
+          <p:style>
+            <a:lnRef idx="2">
+              <a:schemeClr val="dk1"/>
+            </a:lnRef>
+            <a:fillRef idx="1">
+              <a:schemeClr val="lt1"/>
+            </a:fillRef>
+            <a:effectRef idx="0">
+              <a:schemeClr val="dk1"/>
+            </a:effectRef>
+            <a:fontRef idx="minor">
+              <a:schemeClr val="dk1"/>
+            </a:fontRef>
+          </p:style>
+          <p:txBody>
+            <a:bodyPr lIns="3600" tIns="3600" rIns="3600" bIns="3600" rtlCol="0" anchor="ctr" anchorCtr="1"/>
+            <a:lstStyle/>
+            <a:p>
+              <a:pPr algn="ctr"/>
+              <a:r>
+                <a:rPr lang="en-US" sz="1400" dirty="0">
+                  <a:latin typeface="Helvetica Neue"/>
+                  <a:cs typeface="Helvetica Neue" charset="0"/>
+                </a:rPr>
+                <a:t>UART1</a:t>
+              </a:r>
+              <a:endParaRPr lang="en-AU" sz="1400" dirty="0">
+                <a:latin typeface="Helvetica Neue"/>
+              </a:endParaRPr>
+            </a:p>
+          </p:txBody>
+        </p:sp>
+        <p:sp>
+          <p:nvSpPr>
+            <p:cNvPr id="38" name="Rectangle 37">
+              <a:extLst>
+                <a:ext uri="{FF2B5EF4-FFF2-40B4-BE49-F238E27FC236}">
+                  <a16:creationId xmlns:a16="http://schemas.microsoft.com/office/drawing/2014/main" id="{C51DC32B-7640-4A84-8A15-EE5CE1577303}"/>
+                </a:ext>
+              </a:extLst>
+            </p:cNvPr>
+            <p:cNvSpPr/>
+            <p:nvPr/>
+          </p:nvSpPr>
+          <p:spPr>
+            <a:xfrm>
+              <a:off x="2309724" y="708781"/>
+              <a:ext cx="902470" cy="436884"/>
+            </a:xfrm>
+            <a:prstGeom prst="rect">
+              <a:avLst/>
+            </a:prstGeom>
+            <a:ln/>
+          </p:spPr>
+          <p:style>
+            <a:lnRef idx="2">
+              <a:schemeClr val="dk1"/>
+            </a:lnRef>
+            <a:fillRef idx="1">
+              <a:schemeClr val="lt1"/>
+            </a:fillRef>
+            <a:effectRef idx="0">
+              <a:schemeClr val="dk1"/>
+            </a:effectRef>
+            <a:fontRef idx="minor">
+              <a:schemeClr val="dk1"/>
+            </a:fontRef>
+          </p:style>
+          <p:txBody>
+            <a:bodyPr lIns="3600" tIns="3600" rIns="3600" bIns="3600" rtlCol="0" anchor="ctr" anchorCtr="1"/>
+            <a:lstStyle/>
+            <a:p>
+              <a:pPr algn="ctr"/>
+              <a:r>
+                <a:rPr lang="en-US" sz="1400" dirty="0">
+                  <a:latin typeface="Helvetica Neue"/>
+                  <a:cs typeface="Helvetica Neue" charset="0"/>
+                </a:rPr>
+                <a:t>UART2</a:t>
+              </a:r>
+              <a:endParaRPr lang="en-AU" sz="1400" dirty="0">
+                <a:latin typeface="Helvetica Neue"/>
+              </a:endParaRPr>
+            </a:p>
+          </p:txBody>
+        </p:sp>
+        <p:sp>
+          <p:nvSpPr>
+            <p:cNvPr id="39" name="Rectangle 38">
+              <a:extLst>
+                <a:ext uri="{FF2B5EF4-FFF2-40B4-BE49-F238E27FC236}">
+                  <a16:creationId xmlns:a16="http://schemas.microsoft.com/office/drawing/2014/main" id="{486E9434-9B83-4A78-A6E4-55528E2F10DE}"/>
+                </a:ext>
+              </a:extLst>
+            </p:cNvPr>
+            <p:cNvSpPr/>
+            <p:nvPr/>
+          </p:nvSpPr>
+          <p:spPr>
+            <a:xfrm>
+              <a:off x="583" y="213603"/>
+              <a:ext cx="902470" cy="435600"/>
+            </a:xfrm>
+            <a:prstGeom prst="rect">
+              <a:avLst/>
+            </a:prstGeom>
+            <a:ln/>
+          </p:spPr>
+          <p:style>
+            <a:lnRef idx="2">
+              <a:schemeClr val="dk1"/>
+            </a:lnRef>
+            <a:fillRef idx="1">
+              <a:schemeClr val="lt1"/>
+            </a:fillRef>
+            <a:effectRef idx="0">
+              <a:schemeClr val="dk1"/>
+            </a:effectRef>
+            <a:fontRef idx="minor">
+              <a:schemeClr val="dk1"/>
+            </a:fontRef>
+          </p:style>
+          <p:txBody>
+            <a:bodyPr lIns="3600" tIns="3600" rIns="3600" bIns="3600" rtlCol="0" anchor="ctr" anchorCtr="1"/>
+            <a:lstStyle/>
+            <a:p>
+              <a:pPr algn="ctr"/>
+              <a:r>
+                <a:rPr lang="en-US" sz="1400" dirty="0">
+                  <a:latin typeface="Helvetica Neue"/>
+                  <a:cs typeface="Helvetica Neue" charset="0"/>
+                </a:rPr>
+                <a:t>RX(PA3), TX(PA2)</a:t>
+              </a:r>
+              <a:endParaRPr lang="en-AU" sz="1400" dirty="0">
+                <a:latin typeface="Helvetica Neue"/>
+              </a:endParaRPr>
+            </a:p>
+          </p:txBody>
+        </p:sp>
+        <p:sp>
+          <p:nvSpPr>
+            <p:cNvPr id="40" name="Rectangle 39">
+              <a:extLst>
+                <a:ext uri="{FF2B5EF4-FFF2-40B4-BE49-F238E27FC236}">
+                  <a16:creationId xmlns:a16="http://schemas.microsoft.com/office/drawing/2014/main" id="{E10B76B5-4A02-4CC6-BFDD-A23AE2C37811}"/>
+                </a:ext>
+              </a:extLst>
+            </p:cNvPr>
+            <p:cNvSpPr/>
+            <p:nvPr/>
+          </p:nvSpPr>
+          <p:spPr>
+            <a:xfrm>
+              <a:off x="2280265" y="213603"/>
+              <a:ext cx="902470" cy="435600"/>
+            </a:xfrm>
+            <a:prstGeom prst="rect">
+              <a:avLst/>
+            </a:prstGeom>
+            <a:ln/>
+          </p:spPr>
+          <p:style>
+            <a:lnRef idx="2">
+              <a:schemeClr val="dk1"/>
+            </a:lnRef>
+            <a:fillRef idx="1">
+              <a:schemeClr val="lt1"/>
+            </a:fillRef>
+            <a:effectRef idx="0">
+              <a:schemeClr val="dk1"/>
+            </a:effectRef>
+            <a:fontRef idx="minor">
+              <a:schemeClr val="dk1"/>
+            </a:fontRef>
+          </p:style>
+          <p:txBody>
+            <a:bodyPr lIns="3600" tIns="3600" rIns="3600" bIns="3600" rtlCol="0" anchor="ctr" anchorCtr="1"/>
+            <a:lstStyle/>
+            <a:p>
+              <a:pPr algn="ctr"/>
+              <a:r>
+                <a:rPr lang="en-US" sz="1400" dirty="0">
+                  <a:latin typeface="Helvetica Neue"/>
+                  <a:cs typeface="Helvetica Neue" charset="0"/>
+                </a:rPr>
+                <a:t>RX(PA10), TX(PA9)</a:t>
+              </a:r>
+              <a:endParaRPr lang="en-AU" sz="1400" dirty="0">
+                <a:latin typeface="Helvetica Neue"/>
+              </a:endParaRPr>
+            </a:p>
+          </p:txBody>
+        </p:sp>
+        <p:sp>
+          <p:nvSpPr>
+            <p:cNvPr id="41" name="Rectangle 40">
+              <a:extLst>
+                <a:ext uri="{FF2B5EF4-FFF2-40B4-BE49-F238E27FC236}">
+                  <a16:creationId xmlns:a16="http://schemas.microsoft.com/office/drawing/2014/main" id="{D07ACC16-AD8D-474D-8913-067A5A51BF58}"/>
+                </a:ext>
+              </a:extLst>
+            </p:cNvPr>
+            <p:cNvSpPr/>
+            <p:nvPr/>
+          </p:nvSpPr>
+          <p:spPr>
+            <a:xfrm>
+              <a:off x="365122" y="2338253"/>
+              <a:ext cx="173393" cy="173393"/>
+            </a:xfrm>
+            <a:prstGeom prst="rect">
+              <a:avLst/>
+            </a:prstGeom>
+          </p:spPr>
+          <p:style>
+            <a:lnRef idx="2">
+              <a:schemeClr val="accent1">
+                <a:shade val="50000"/>
+              </a:schemeClr>
+            </a:lnRef>
+            <a:fillRef idx="1">
+              <a:schemeClr val="accent1"/>
+            </a:fillRef>
+            <a:effectRef idx="0">
+              <a:schemeClr val="accent1"/>
+            </a:effectRef>
+            <a:fontRef idx="minor">
+              <a:schemeClr val="lt1"/>
+            </a:fontRef>
+          </p:style>
+          <p:txBody>
+            <a:bodyPr rtlCol="0" anchor="ctr"/>
+            <a:lstStyle/>
+            <a:p>
+              <a:pPr algn="ctr"/>
+              <a:endParaRPr lang="en-AU"/>
+            </a:p>
+          </p:txBody>
+        </p:sp>
+        <p:sp>
+          <p:nvSpPr>
+            <p:cNvPr id="42" name="Rectangle 41">
+              <a:extLst>
+                <a:ext uri="{FF2B5EF4-FFF2-40B4-BE49-F238E27FC236}">
+                  <a16:creationId xmlns:a16="http://schemas.microsoft.com/office/drawing/2014/main" id="{106CFEC9-7704-4947-B05D-13F8C481F6F0}"/>
+                </a:ext>
+              </a:extLst>
+            </p:cNvPr>
+            <p:cNvSpPr/>
+            <p:nvPr/>
+          </p:nvSpPr>
+          <p:spPr>
+            <a:xfrm>
+              <a:off x="1548160" y="2338253"/>
+              <a:ext cx="173393" cy="173393"/>
+            </a:xfrm>
+            <a:prstGeom prst="rect">
+              <a:avLst/>
+            </a:prstGeom>
+          </p:spPr>
+          <p:style>
+            <a:lnRef idx="2">
+              <a:schemeClr val="accent1">
+                <a:shade val="50000"/>
+              </a:schemeClr>
+            </a:lnRef>
+            <a:fillRef idx="1">
+              <a:schemeClr val="accent1"/>
+            </a:fillRef>
+            <a:effectRef idx="0">
+              <a:schemeClr val="accent1"/>
+            </a:effectRef>
+            <a:fontRef idx="minor">
+              <a:schemeClr val="lt1"/>
+            </a:fontRef>
+          </p:style>
+          <p:txBody>
+            <a:bodyPr rtlCol="0" anchor="ctr"/>
+            <a:lstStyle/>
+            <a:p>
+              <a:pPr algn="ctr"/>
+              <a:endParaRPr lang="en-AU"/>
+            </a:p>
+          </p:txBody>
+        </p:sp>
+        <p:cxnSp>
+          <p:nvCxnSpPr>
+            <p:cNvPr id="43" name="Connector: Elbow 42">
+              <a:extLst>
+                <a:ext uri="{FF2B5EF4-FFF2-40B4-BE49-F238E27FC236}">
+                  <a16:creationId xmlns:a16="http://schemas.microsoft.com/office/drawing/2014/main" id="{31F21098-67BF-4488-9DBA-59A91C7392F0}"/>
+                </a:ext>
+              </a:extLst>
+            </p:cNvPr>
+            <p:cNvCxnSpPr>
+              <a:stCxn id="37" idx="2"/>
+              <a:endCxn id="56" idx="0"/>
+            </p:cNvCxnSpPr>
+            <p:nvPr/>
+          </p:nvCxnSpPr>
+          <p:spPr>
+            <a:xfrm rot="16200000" flipH="1">
+              <a:off x="1399287" y="198196"/>
+              <a:ext cx="293700" cy="2188638"/>
+            </a:xfrm>
+            <a:prstGeom prst="bentConnector3">
+              <a:avLst/>
+            </a:prstGeom>
+            <a:ln w="12700">
+              <a:headEnd type="triangle" w="med" len="med"/>
+              <a:tailEnd type="triangle" w="med" len="med"/>
+            </a:ln>
+          </p:spPr>
+          <p:style>
+            <a:lnRef idx="1">
+              <a:schemeClr val="dk1"/>
+            </a:lnRef>
+            <a:fillRef idx="0">
+              <a:schemeClr val="dk1"/>
+            </a:fillRef>
+            <a:effectRef idx="0">
+              <a:schemeClr val="dk1"/>
+            </a:effectRef>
+            <a:fontRef idx="minor">
+              <a:schemeClr val="tx1"/>
+            </a:fontRef>
+          </p:style>
+        </p:cxnSp>
+        <p:cxnSp>
+          <p:nvCxnSpPr>
+            <p:cNvPr id="44" name="Connector: Elbow 43">
+              <a:extLst>
+                <a:ext uri="{FF2B5EF4-FFF2-40B4-BE49-F238E27FC236}">
+                  <a16:creationId xmlns:a16="http://schemas.microsoft.com/office/drawing/2014/main" id="{0C2D34B8-D139-4021-9616-047B26962E71}"/>
+                </a:ext>
+              </a:extLst>
+            </p:cNvPr>
+            <p:cNvCxnSpPr>
+              <a:stCxn id="38" idx="2"/>
+              <a:endCxn id="57" idx="0"/>
+            </p:cNvCxnSpPr>
+            <p:nvPr/>
+          </p:nvCxnSpPr>
+          <p:spPr>
+            <a:xfrm rot="16200000" flipH="1">
+              <a:off x="2638028" y="1268596"/>
+              <a:ext cx="293700" cy="47838"/>
+            </a:xfrm>
+            <a:prstGeom prst="bentConnector3">
+              <a:avLst/>
+            </a:prstGeom>
+            <a:ln w="12700">
+              <a:headEnd type="triangle" w="med" len="med"/>
+              <a:tailEnd type="triangle" w="med" len="med"/>
+            </a:ln>
+          </p:spPr>
+          <p:style>
+            <a:lnRef idx="1">
+              <a:schemeClr val="dk1"/>
+            </a:lnRef>
+            <a:fillRef idx="0">
+              <a:schemeClr val="dk1"/>
+            </a:fillRef>
+            <a:effectRef idx="0">
+              <a:schemeClr val="dk1"/>
+            </a:effectRef>
+            <a:fontRef idx="minor">
+              <a:schemeClr val="tx1"/>
+            </a:fontRef>
+          </p:style>
+        </p:cxnSp>
+        <p:grpSp>
+          <p:nvGrpSpPr>
+            <p:cNvPr id="45" name="Group 44">
+              <a:extLst>
+                <a:ext uri="{FF2B5EF4-FFF2-40B4-BE49-F238E27FC236}">
+                  <a16:creationId xmlns:a16="http://schemas.microsoft.com/office/drawing/2014/main" id="{68434C8A-B791-43AE-A9E3-B338E8843FC9}"/>
+                </a:ext>
+              </a:extLst>
+            </p:cNvPr>
+            <p:cNvGrpSpPr/>
+            <p:nvPr/>
+          </p:nvGrpSpPr>
+          <p:grpSpPr>
+            <a:xfrm>
+              <a:off x="2410360" y="1439365"/>
+              <a:ext cx="628533" cy="436884"/>
+              <a:chOff x="1320590" y="1676073"/>
+              <a:chExt cx="628533" cy="436884"/>
+            </a:xfrm>
+          </p:grpSpPr>
+          <p:grpSp>
+            <p:nvGrpSpPr>
+              <p:cNvPr id="54" name="Group 53">
+                <a:extLst>
+                  <a:ext uri="{FF2B5EF4-FFF2-40B4-BE49-F238E27FC236}">
+                    <a16:creationId xmlns:a16="http://schemas.microsoft.com/office/drawing/2014/main" id="{CC57DF36-F943-4BD8-B0A5-7AA5B5807534}"/>
+                  </a:ext>
+                </a:extLst>
+              </p:cNvPr>
+              <p:cNvGrpSpPr/>
+              <p:nvPr/>
+            </p:nvGrpSpPr>
+            <p:grpSpPr>
+              <a:xfrm>
+                <a:off x="1513073" y="1676073"/>
+                <a:ext cx="243567" cy="173393"/>
+                <a:chOff x="-1233622" y="1989910"/>
+                <a:chExt cx="561412" cy="173393"/>
+              </a:xfrm>
+            </p:grpSpPr>
+            <p:sp>
+              <p:nvSpPr>
+                <p:cNvPr id="56" name="Rectangle 55">
+                  <a:extLst>
+                    <a:ext uri="{FF2B5EF4-FFF2-40B4-BE49-F238E27FC236}">
+                      <a16:creationId xmlns:a16="http://schemas.microsoft.com/office/drawing/2014/main" id="{7A58D39F-5906-4943-B8DB-21C0E81F8C48}"/>
+                    </a:ext>
+                  </a:extLst>
+                </p:cNvPr>
+                <p:cNvSpPr/>
+                <p:nvPr/>
+              </p:nvSpPr>
+              <p:spPr>
+                <a:xfrm>
+                  <a:off x="-1233622" y="1989910"/>
+                  <a:ext cx="173393" cy="173393"/>
+                </a:xfrm>
+                <a:prstGeom prst="rect">
+                  <a:avLst/>
+                </a:prstGeom>
+              </p:spPr>
+              <p:style>
+                <a:lnRef idx="2">
+                  <a:schemeClr val="accent1">
+                    <a:shade val="50000"/>
+                  </a:schemeClr>
+                </a:lnRef>
+                <a:fillRef idx="1">
+                  <a:schemeClr val="accent1"/>
+                </a:fillRef>
+                <a:effectRef idx="0">
+                  <a:schemeClr val="accent1"/>
+                </a:effectRef>
+                <a:fontRef idx="minor">
+                  <a:schemeClr val="lt1"/>
+                </a:fontRef>
+              </p:style>
+              <p:txBody>
+                <a:bodyPr rtlCol="0" anchor="ctr"/>
+                <a:lstStyle/>
+                <a:p>
+                  <a:pPr algn="ctr"/>
+                  <a:endParaRPr lang="en-AU"/>
+                </a:p>
+              </p:txBody>
+            </p:sp>
+            <p:sp>
+              <p:nvSpPr>
+                <p:cNvPr id="57" name="Rectangle 56">
+                  <a:extLst>
+                    <a:ext uri="{FF2B5EF4-FFF2-40B4-BE49-F238E27FC236}">
+                      <a16:creationId xmlns:a16="http://schemas.microsoft.com/office/drawing/2014/main" id="{B60F40C2-DE8D-4920-8640-C97898162D0D}"/>
+                    </a:ext>
+                  </a:extLst>
+                </p:cNvPr>
+                <p:cNvSpPr/>
+                <p:nvPr/>
+              </p:nvSpPr>
+              <p:spPr>
+                <a:xfrm>
+                  <a:off x="-845603" y="1989910"/>
+                  <a:ext cx="173393" cy="173393"/>
+                </a:xfrm>
+                <a:prstGeom prst="rect">
+                  <a:avLst/>
+                </a:prstGeom>
+              </p:spPr>
+              <p:style>
+                <a:lnRef idx="2">
+                  <a:schemeClr val="accent1">
+                    <a:shade val="50000"/>
+                  </a:schemeClr>
+                </a:lnRef>
+                <a:fillRef idx="1">
+                  <a:schemeClr val="accent1"/>
+                </a:fillRef>
+                <a:effectRef idx="0">
+                  <a:schemeClr val="accent1"/>
+                </a:effectRef>
+                <a:fontRef idx="minor">
+                  <a:schemeClr val="lt1"/>
+                </a:fontRef>
+              </p:style>
+              <p:txBody>
+                <a:bodyPr rtlCol="0" anchor="ctr"/>
+                <a:lstStyle/>
+                <a:p>
+                  <a:pPr algn="ctr"/>
+                  <a:endParaRPr lang="en-AU"/>
+                </a:p>
+              </p:txBody>
+            </p:sp>
+          </p:grpSp>
+          <p:sp>
+            <p:nvSpPr>
+              <p:cNvPr id="55" name="Rectangle: Rounded Corners 54">
+                <a:extLst>
+                  <a:ext uri="{FF2B5EF4-FFF2-40B4-BE49-F238E27FC236}">
+                    <a16:creationId xmlns:a16="http://schemas.microsoft.com/office/drawing/2014/main" id="{DE8868AB-036F-47BE-81A4-26A9B034AD01}"/>
+                  </a:ext>
+                </a:extLst>
+              </p:cNvPr>
+              <p:cNvSpPr/>
+              <p:nvPr/>
+            </p:nvSpPr>
+            <p:spPr>
+              <a:xfrm>
+                <a:off x="1320590" y="1676073"/>
+                <a:ext cx="628533" cy="436884"/>
+              </a:xfrm>
+              <a:prstGeom prst="roundRect">
+                <a:avLst>
+                  <a:gd name="adj" fmla="val 50000"/>
+                </a:avLst>
+              </a:prstGeom>
+              <a:ln/>
+            </p:spPr>
+            <p:style>
+              <a:lnRef idx="2">
+                <a:schemeClr val="dk1"/>
+              </a:lnRef>
+              <a:fillRef idx="1">
+                <a:schemeClr val="lt1"/>
+              </a:fillRef>
+              <a:effectRef idx="0">
+                <a:schemeClr val="dk1"/>
+              </a:effectRef>
+              <a:fontRef idx="minor">
+                <a:schemeClr val="dk1"/>
+              </a:fontRef>
+            </p:style>
+            <p:txBody>
+              <a:bodyPr lIns="3600" tIns="3600" rIns="3600" bIns="3600" rtlCol="0" anchor="ctr" anchorCtr="1"/>
+              <a:lstStyle/>
+              <a:p>
+                <a:pPr algn="ctr"/>
+                <a:r>
+                  <a:rPr lang="en-US" sz="1400" dirty="0">
+                    <a:latin typeface="Helvetica Neue"/>
+                    <a:cs typeface="Helvetica Neue" charset="0"/>
+                  </a:rPr>
+                  <a:t>DMA</a:t>
+                </a:r>
+                <a:endParaRPr lang="en-AU" sz="1400" dirty="0">
+                  <a:latin typeface="Helvetica Neue"/>
+                </a:endParaRPr>
+              </a:p>
+            </p:txBody>
+          </p:sp>
+        </p:grpSp>
+        <p:sp>
+          <p:nvSpPr>
+            <p:cNvPr id="46" name="TextBox 45">
+              <a:extLst>
+                <a:ext uri="{FF2B5EF4-FFF2-40B4-BE49-F238E27FC236}">
+                  <a16:creationId xmlns:a16="http://schemas.microsoft.com/office/drawing/2014/main" id="{D561BE68-B76C-4974-9245-8879735872A6}"/>
+                </a:ext>
+              </a:extLst>
+            </p:cNvPr>
+            <p:cNvSpPr txBox="1"/>
+            <p:nvPr/>
+          </p:nvSpPr>
+          <p:spPr>
+            <a:xfrm>
+              <a:off x="418768" y="1862884"/>
+              <a:ext cx="1124026" cy="461665"/>
+            </a:xfrm>
+            <a:prstGeom prst="rect">
+              <a:avLst/>
+            </a:prstGeom>
+            <a:noFill/>
+          </p:spPr>
+          <p:txBody>
+            <a:bodyPr wrap="none" rtlCol="0">
+              <a:spAutoFit/>
+            </a:bodyPr>
+            <a:lstStyle/>
+            <a:p>
+              <a:r>
+                <a:rPr lang="en-AU" sz="1200" dirty="0">
+                  <a:solidFill>
+                    <a:schemeClr val="dk1"/>
+                  </a:solidFill>
+                  <a:latin typeface="Helvetica Neue"/>
+                </a:rPr>
+                <a:t>In &amp; Outgoing</a:t>
+              </a:r>
+            </a:p>
+            <a:p>
+              <a:r>
+                <a:rPr lang="en-AU" sz="1200" dirty="0">
+                  <a:solidFill>
+                    <a:schemeClr val="dk1"/>
+                  </a:solidFill>
+                  <a:latin typeface="Helvetica Neue"/>
+                </a:rPr>
+                <a:t>Messages</a:t>
+              </a:r>
+            </a:p>
+          </p:txBody>
+        </p:sp>
+        <p:cxnSp>
+          <p:nvCxnSpPr>
+            <p:cNvPr id="47" name="Connector: Elbow 46">
+              <a:extLst>
+                <a:ext uri="{FF2B5EF4-FFF2-40B4-BE49-F238E27FC236}">
+                  <a16:creationId xmlns:a16="http://schemas.microsoft.com/office/drawing/2014/main" id="{7F3E25C4-4D73-498F-AF03-35DA16CB453B}"/>
+                </a:ext>
+              </a:extLst>
+            </p:cNvPr>
+            <p:cNvCxnSpPr>
+              <a:stCxn id="36" idx="2"/>
+              <a:endCxn id="41" idx="0"/>
+            </p:cNvCxnSpPr>
+            <p:nvPr/>
+          </p:nvCxnSpPr>
+          <p:spPr>
+            <a:xfrm rot="16200000" flipH="1">
+              <a:off x="225780" y="2112214"/>
+              <a:ext cx="452076" cy="1"/>
+            </a:xfrm>
+            <a:prstGeom prst="bentConnector3">
+              <a:avLst/>
+            </a:prstGeom>
+            <a:ln w="12700">
+              <a:headEnd type="triangle" w="med" len="med"/>
+              <a:tailEnd type="triangle" w="med" len="med"/>
+            </a:ln>
+          </p:spPr>
+          <p:style>
+            <a:lnRef idx="1">
+              <a:schemeClr val="dk1"/>
+            </a:lnRef>
+            <a:fillRef idx="0">
+              <a:schemeClr val="dk1"/>
+            </a:fillRef>
+            <a:effectRef idx="0">
+              <a:schemeClr val="dk1"/>
+            </a:effectRef>
+            <a:fontRef idx="minor">
+              <a:schemeClr val="tx1"/>
+            </a:fontRef>
+          </p:style>
+        </p:cxnSp>
+        <p:sp>
+          <p:nvSpPr>
+            <p:cNvPr id="48" name="TextBox 47">
+              <a:extLst>
+                <a:ext uri="{FF2B5EF4-FFF2-40B4-BE49-F238E27FC236}">
+                  <a16:creationId xmlns:a16="http://schemas.microsoft.com/office/drawing/2014/main" id="{7254426E-5F8F-42E3-B460-F99A2C232D88}"/>
+                </a:ext>
+              </a:extLst>
+            </p:cNvPr>
+            <p:cNvSpPr txBox="1"/>
+            <p:nvPr/>
+          </p:nvSpPr>
+          <p:spPr>
+            <a:xfrm>
+              <a:off x="1601874" y="1951941"/>
+              <a:ext cx="678391" cy="276999"/>
+            </a:xfrm>
+            <a:prstGeom prst="rect">
+              <a:avLst/>
+            </a:prstGeom>
+            <a:noFill/>
+          </p:spPr>
+          <p:txBody>
+            <a:bodyPr wrap="none" rtlCol="0">
+              <a:spAutoFit/>
+            </a:bodyPr>
+            <a:lstStyle/>
+            <a:p>
+              <a:r>
+                <a:rPr lang="en-AU" sz="1200" dirty="0">
+                  <a:solidFill>
+                    <a:schemeClr val="dk1"/>
+                  </a:solidFill>
+                  <a:latin typeface="Helvetica Neue"/>
+                </a:rPr>
+                <a:t>Control</a:t>
+              </a:r>
+            </a:p>
+          </p:txBody>
+        </p:sp>
+        <p:cxnSp>
+          <p:nvCxnSpPr>
+            <p:cNvPr id="49" name="Straight Arrow Connector 48">
+              <a:extLst>
+                <a:ext uri="{FF2B5EF4-FFF2-40B4-BE49-F238E27FC236}">
+                  <a16:creationId xmlns:a16="http://schemas.microsoft.com/office/drawing/2014/main" id="{DF1AA0D6-F966-4877-8321-233422E6343D}"/>
+                </a:ext>
+              </a:extLst>
+            </p:cNvPr>
+            <p:cNvCxnSpPr>
+              <a:cxnSpLocks/>
+              <a:stCxn id="33" idx="2"/>
+              <a:endCxn id="15" idx="0"/>
+            </p:cNvCxnSpPr>
+            <p:nvPr/>
+          </p:nvCxnSpPr>
+          <p:spPr>
+            <a:xfrm>
+              <a:off x="2765494" y="2479073"/>
+              <a:ext cx="0" cy="1007068"/>
+            </a:xfrm>
+            <a:prstGeom prst="straightConnector1">
+              <a:avLst/>
+            </a:prstGeom>
+            <a:ln w="12700">
+              <a:tailEnd type="triangle"/>
+            </a:ln>
+          </p:spPr>
+          <p:style>
+            <a:lnRef idx="1">
+              <a:schemeClr val="dk1"/>
+            </a:lnRef>
+            <a:fillRef idx="0">
+              <a:schemeClr val="dk1"/>
+            </a:fillRef>
+            <a:effectRef idx="0">
+              <a:schemeClr val="dk1"/>
+            </a:effectRef>
+            <a:fontRef idx="minor">
+              <a:schemeClr val="tx1"/>
+            </a:fontRef>
+          </p:style>
+        </p:cxnSp>
+        <p:sp>
+          <p:nvSpPr>
+            <p:cNvPr id="50" name="TextBox 49">
+              <a:extLst>
+                <a:ext uri="{FF2B5EF4-FFF2-40B4-BE49-F238E27FC236}">
+                  <a16:creationId xmlns:a16="http://schemas.microsoft.com/office/drawing/2014/main" id="{24CAAB8A-AD88-4940-A5C9-F98C7334B2DB}"/>
+                </a:ext>
+              </a:extLst>
+            </p:cNvPr>
+            <p:cNvSpPr txBox="1"/>
+            <p:nvPr/>
+          </p:nvSpPr>
+          <p:spPr>
+            <a:xfrm>
+              <a:off x="-1424336" y="1145665"/>
+              <a:ext cx="885785" cy="646331"/>
+            </a:xfrm>
+            <a:prstGeom prst="rect">
+              <a:avLst/>
+            </a:prstGeom>
+            <a:noFill/>
+          </p:spPr>
+          <p:txBody>
+            <a:bodyPr wrap="square" rtlCol="0">
+              <a:spAutoFit/>
+            </a:bodyPr>
+            <a:lstStyle/>
+            <a:p>
+              <a:pPr algn="ctr"/>
+              <a:r>
+                <a:rPr lang="en-AU" sz="1200" dirty="0">
+                  <a:solidFill>
+                    <a:schemeClr val="dk1"/>
+                  </a:solidFill>
+                  <a:latin typeface="Helvetica Neue"/>
+                </a:rPr>
+                <a:t>In &amp; Outgoing</a:t>
+              </a:r>
+            </a:p>
+            <a:p>
+              <a:pPr algn="ctr"/>
+              <a:r>
+                <a:rPr lang="en-AU" sz="1200" dirty="0">
+                  <a:solidFill>
+                    <a:schemeClr val="dk1"/>
+                  </a:solidFill>
+                  <a:latin typeface="Helvetica Neue"/>
+                </a:rPr>
+                <a:t>Messages</a:t>
+              </a:r>
+            </a:p>
+          </p:txBody>
+        </p:sp>
+        <p:cxnSp>
+          <p:nvCxnSpPr>
+            <p:cNvPr id="51" name="Connector: Elbow 50">
+              <a:extLst>
+                <a:ext uri="{FF2B5EF4-FFF2-40B4-BE49-F238E27FC236}">
+                  <a16:creationId xmlns:a16="http://schemas.microsoft.com/office/drawing/2014/main" id="{E77EFCCA-86F7-42C5-923E-90579F85E547}"/>
+                </a:ext>
+              </a:extLst>
+            </p:cNvPr>
+            <p:cNvCxnSpPr>
+              <a:cxnSpLocks/>
+              <a:stCxn id="55" idx="2"/>
+              <a:endCxn id="42" idx="0"/>
+            </p:cNvCxnSpPr>
+            <p:nvPr/>
+          </p:nvCxnSpPr>
+          <p:spPr>
+            <a:xfrm rot="5400000">
+              <a:off x="1948740" y="1562366"/>
+              <a:ext cx="462004" cy="1089770"/>
+            </a:xfrm>
+            <a:prstGeom prst="bentConnector3">
+              <a:avLst>
+                <a:gd name="adj1" fmla="val 25414"/>
+              </a:avLst>
+            </a:prstGeom>
+            <a:ln w="12700">
+              <a:headEnd type="triangle" w="med" len="med"/>
+              <a:tailEnd type="triangle" w="med" len="med"/>
+            </a:ln>
+          </p:spPr>
+          <p:style>
+            <a:lnRef idx="1">
+              <a:schemeClr val="dk1"/>
+            </a:lnRef>
+            <a:fillRef idx="0">
+              <a:schemeClr val="dk1"/>
+            </a:fillRef>
+            <a:effectRef idx="0">
+              <a:schemeClr val="dk1"/>
+            </a:effectRef>
+            <a:fontRef idx="minor">
+              <a:schemeClr val="tx1"/>
+            </a:fontRef>
+          </p:style>
+        </p:cxnSp>
+        <p:cxnSp>
+          <p:nvCxnSpPr>
+            <p:cNvPr id="52" name="Straight Arrow Connector 51">
+              <a:extLst>
+                <a:ext uri="{FF2B5EF4-FFF2-40B4-BE49-F238E27FC236}">
+                  <a16:creationId xmlns:a16="http://schemas.microsoft.com/office/drawing/2014/main" id="{C4704A71-900E-4661-96FA-74FEC5544847}"/>
+                </a:ext>
+              </a:extLst>
+            </p:cNvPr>
+            <p:cNvCxnSpPr>
+              <a:cxnSpLocks/>
+              <a:stCxn id="36" idx="3"/>
+              <a:endCxn id="55" idx="1"/>
+            </p:cNvCxnSpPr>
+            <p:nvPr/>
+          </p:nvCxnSpPr>
+          <p:spPr>
+            <a:xfrm flipV="1">
+              <a:off x="903053" y="1657807"/>
+              <a:ext cx="1507307" cy="9928"/>
+            </a:xfrm>
+            <a:prstGeom prst="straightConnector1">
+              <a:avLst/>
+            </a:prstGeom>
+            <a:ln w="12700">
+              <a:headEnd type="triangle" w="med" len="med"/>
+              <a:tailEnd type="triangle" w="med" len="med"/>
+            </a:ln>
+          </p:spPr>
+          <p:style>
+            <a:lnRef idx="1">
+              <a:schemeClr val="dk1"/>
+            </a:lnRef>
+            <a:fillRef idx="0">
+              <a:schemeClr val="dk1"/>
+            </a:fillRef>
+            <a:effectRef idx="0">
+              <a:schemeClr val="dk1"/>
+            </a:effectRef>
+            <a:fontRef idx="minor">
+              <a:schemeClr val="tx1"/>
+            </a:fontRef>
+          </p:style>
+        </p:cxnSp>
+        <p:sp>
+          <p:nvSpPr>
+            <p:cNvPr id="53" name="TextBox 52">
+              <a:extLst>
+                <a:ext uri="{FF2B5EF4-FFF2-40B4-BE49-F238E27FC236}">
+                  <a16:creationId xmlns:a16="http://schemas.microsoft.com/office/drawing/2014/main" id="{6749A0AA-3752-4A44-A5B0-8EF81AC91061}"/>
+                </a:ext>
+              </a:extLst>
+            </p:cNvPr>
+            <p:cNvSpPr txBox="1"/>
+            <p:nvPr/>
+          </p:nvSpPr>
+          <p:spPr>
+            <a:xfrm>
+              <a:off x="1495213" y="1161216"/>
+              <a:ext cx="1687522" cy="461665"/>
+            </a:xfrm>
+            <a:prstGeom prst="rect">
+              <a:avLst/>
+            </a:prstGeom>
+            <a:noFill/>
+          </p:spPr>
+          <p:txBody>
+            <a:bodyPr wrap="square" rtlCol="0">
+              <a:spAutoFit/>
+            </a:bodyPr>
+            <a:lstStyle/>
+            <a:p>
+              <a:r>
+                <a:rPr lang="en-AU" sz="1200" dirty="0">
+                  <a:solidFill>
+                    <a:schemeClr val="dk1"/>
+                  </a:solidFill>
+                  <a:latin typeface="Helvetica Neue"/>
+                </a:rPr>
+                <a:t>In &amp; Outgoing</a:t>
+              </a:r>
+            </a:p>
+            <a:p>
+              <a:r>
+                <a:rPr lang="en-AU" sz="1200" dirty="0">
+                  <a:solidFill>
+                    <a:schemeClr val="dk1"/>
+                  </a:solidFill>
+                  <a:latin typeface="Helvetica Neue"/>
+                </a:rPr>
+                <a:t>Messages</a:t>
+              </a:r>
+            </a:p>
+          </p:txBody>
+        </p:sp>
+      </p:grpSp>
     </p:spTree>
   </p:cSld>
   <p:clrMapOvr>

--- a/Demo Poster/Demo_Poster_SMW43219667.pptx
+++ b/Demo Poster/Demo_Poster_SMW43219667.pptx
@@ -2550,15 +2550,6 @@
           </a:p>
           <a:p>
             <a:r>
-              <a:rPr lang="en-AU" dirty="0">
-                <a:latin typeface="Helvetica Neue" charset="0"/>
-                <a:cs typeface="Helvetica Neue" charset="0"/>
-              </a:rPr>
-              <a:t>Motor firmware interface extends scope.</a:t>
-            </a:r>
-          </a:p>
-          <a:p>
-            <a:r>
               <a:rPr lang="en-AU" b="1" dirty="0">
                 <a:latin typeface="Helvetica Neue" charset="0"/>
               </a:rPr>
@@ -2586,15 +2577,87 @@
               <a:rPr lang="en-AU" dirty="0">
                 <a:latin typeface="Helvetica Neue" charset="0"/>
               </a:rPr>
-              <a:t>Proximity sensors attached to the periphery of the thigh, shin, and foot measure the position of the user (and desired position of the suit).</a:t>
-            </a:r>
-          </a:p>
-          <a:p>
+              <a:t>Proof of concept requires:</a:t>
+            </a:r>
+          </a:p>
+          <a:p>
+            <a:pPr marL="285750" indent="-285750">
+              <a:buFont typeface="Arial" panose="020B0604020202020204" pitchFamily="34" charset="0"/>
+              <a:buChar char="•"/>
+            </a:pPr>
             <a:r>
               <a:rPr lang="en-AU" dirty="0">
                 <a:latin typeface="Helvetica Neue" charset="0"/>
               </a:rPr>
-              <a:t>Load cells attached to the feet and thigh measure and regulate force output.</a:t>
+              <a:t>Stability while static (standing)</a:t>
+            </a:r>
+          </a:p>
+          <a:p>
+            <a:pPr marL="285750" indent="-285750">
+              <a:buFont typeface="Arial" panose="020B0604020202020204" pitchFamily="34" charset="0"/>
+              <a:buChar char="•"/>
+            </a:pPr>
+            <a:r>
+              <a:rPr lang="en-AU" dirty="0">
+                <a:latin typeface="Helvetica Neue" charset="0"/>
+              </a:rPr>
+              <a:t>Movement (walking)</a:t>
+            </a:r>
+          </a:p>
+          <a:p>
+            <a:pPr marL="285750" indent="-285750">
+              <a:buFont typeface="Arial" panose="020B0604020202020204" pitchFamily="34" charset="0"/>
+              <a:buChar char="•"/>
+            </a:pPr>
+            <a:r>
+              <a:rPr lang="en-AU" dirty="0">
+                <a:latin typeface="Helvetica Neue" charset="0"/>
+              </a:rPr>
+              <a:t>Regulated force application (sitting)</a:t>
+            </a:r>
+          </a:p>
+          <a:p>
+            <a:r>
+              <a:rPr lang="en-AU" dirty="0">
+                <a:latin typeface="Helvetica Neue" charset="0"/>
+              </a:rPr>
+              <a:t>Accomplished by controlling the:</a:t>
+            </a:r>
+          </a:p>
+          <a:p>
+            <a:pPr marL="285750" indent="-285750">
+              <a:buFont typeface="Arial" panose="020B0604020202020204" pitchFamily="34" charset="0"/>
+              <a:buChar char="•"/>
+            </a:pPr>
+            <a:r>
+              <a:rPr lang="en-AU" dirty="0">
+                <a:latin typeface="Helvetica Neue" charset="0"/>
+              </a:rPr>
+              <a:t>position of the pilot and the suit;</a:t>
+            </a:r>
+          </a:p>
+          <a:p>
+            <a:pPr marL="285750" indent="-285750">
+              <a:buFont typeface="Arial" panose="020B0604020202020204" pitchFamily="34" charset="0"/>
+              <a:buChar char="•"/>
+            </a:pPr>
+            <a:r>
+              <a:rPr lang="en-AU" dirty="0">
+                <a:latin typeface="Helvetica Neue" charset="0"/>
+              </a:rPr>
+              <a:t>force applied by the pilot; and, </a:t>
+            </a:r>
+          </a:p>
+          <a:p>
+            <a:pPr marL="285750" indent="-285750">
+              <a:buFont typeface="Arial" panose="020B0604020202020204" pitchFamily="34" charset="0"/>
+              <a:buChar char="•"/>
+            </a:pPr>
+            <a:r>
+              <a:rPr lang="en-AU" dirty="0">
+                <a:latin typeface="Helvetica Neue" charset="0"/>
+              </a:rPr>
+              <a:t>force applied by the suit kt.</a:t>
             </a:r>
           </a:p>
         </p:txBody>
@@ -3333,12 +3396,38 @@
                 </a:r>
               </a:p>
               <a:p>
+                <a:endParaRPr lang="en-US" dirty="0">
+                  <a:latin typeface="Helvetica Neue" charset="0"/>
+                </a:endParaRPr>
+              </a:p>
+              <a:p>
                 <a:r>
                   <a:rPr lang="en-US" b="1" dirty="0">
                     <a:latin typeface="Helvetica Neue" charset="0"/>
                   </a:rPr>
                   <a:t>Get PID response graphs</a:t>
                 </a:r>
+              </a:p>
+              <a:p>
+                <a:r>
+                  <a:rPr lang="en-AU" dirty="0">
+                    <a:latin typeface="Helvetica Neue" charset="0"/>
+                  </a:rPr>
+                  <a:t>Proximity sensors attached to the periphery of the thigh, shin, and foot measure the position of the user (and desired position of the suit).</a:t>
+                </a:r>
+              </a:p>
+              <a:p>
+                <a:r>
+                  <a:rPr lang="en-AU" dirty="0">
+                    <a:latin typeface="Helvetica Neue" charset="0"/>
+                  </a:rPr>
+                  <a:t>Load cells attached to the feet and thigh measure and regulate force output. </a:t>
+                </a:r>
+              </a:p>
+              <a:p>
+                <a:endParaRPr lang="en-US" b="1" dirty="0">
+                  <a:latin typeface="Helvetica Neue" charset="0"/>
+                </a:endParaRPr>
               </a:p>
             </p:txBody>
           </p:sp>
@@ -3409,6 +3498,92 @@
               </a:rPr>
               <a:t>Project Achievements </a:t>
             </a:r>
+          </a:p>
+          <a:p>
+            <a:r>
+              <a:rPr lang="en-US" b="1" dirty="0">
+                <a:latin typeface="Helvetica Neue" charset="0"/>
+              </a:rPr>
+              <a:t>Proximity Sensors</a:t>
+            </a:r>
+            <a:r>
+              <a:rPr lang="en-US" dirty="0">
+                <a:latin typeface="Helvetica Neue" charset="0"/>
+              </a:rPr>
+              <a:t>: </a:t>
+            </a:r>
+            <a:r>
+              <a:rPr lang="en-US" i="1" dirty="0">
+                <a:latin typeface="Helvetica Neue" charset="0"/>
+              </a:rPr>
+              <a:t>TRCT5000 IR Transceiver s</a:t>
+            </a:r>
+            <a:r>
+              <a:rPr lang="en-US" dirty="0">
+                <a:latin typeface="Helvetica Neue" charset="0"/>
+              </a:rPr>
+              <a:t>elected and implemented. Firmware written, tested, and commissioned. Signal amplified by  </a:t>
+            </a:r>
+            <a:r>
+              <a:rPr lang="en-US" i="1" dirty="0">
+                <a:latin typeface="Helvetica Neue" charset="0"/>
+              </a:rPr>
+              <a:t>LM358AD Op Amp </a:t>
+            </a:r>
+            <a:r>
+              <a:rPr lang="en-US" dirty="0">
+                <a:latin typeface="Helvetica Neue" charset="0"/>
+              </a:rPr>
+              <a:t>before being read by 12-Bit ADC of </a:t>
+            </a:r>
+            <a:r>
+              <a:rPr lang="en-AU" i="1" dirty="0"/>
+              <a:t>NUCLEO-F303K8.</a:t>
+            </a:r>
+            <a:endParaRPr lang="en-AU" dirty="0"/>
+          </a:p>
+          <a:p>
+            <a:r>
+              <a:rPr lang="en-AU" dirty="0">
+                <a:latin typeface="Helvetica Neue" charset="0"/>
+              </a:rPr>
+              <a:t>Position of pilot relative to the suit, and control error (angle) measurable.</a:t>
+            </a:r>
+          </a:p>
+          <a:p>
+            <a:r>
+              <a:rPr lang="en-AU" b="1" dirty="0">
+                <a:latin typeface="Helvetica Neue" charset="0"/>
+              </a:rPr>
+              <a:t>Force Sensors</a:t>
+            </a:r>
+            <a:r>
+              <a:rPr lang="en-AU" dirty="0">
+                <a:latin typeface="Helvetica Neue" charset="0"/>
+              </a:rPr>
+              <a:t>: Load Cells (YZC-161B 50kg) in </a:t>
+            </a:r>
+            <a:r>
+              <a:rPr lang="en-AU" dirty="0" err="1">
+                <a:latin typeface="Helvetica Neue" charset="0"/>
+              </a:rPr>
+              <a:t>wheatstone</a:t>
+            </a:r>
+            <a:r>
+              <a:rPr lang="en-AU" dirty="0">
+                <a:latin typeface="Helvetica Neue" charset="0"/>
+              </a:rPr>
+              <a:t> </a:t>
+            </a:r>
+            <a:r>
+              <a:rPr lang="en-AU">
+                <a:latin typeface="Helvetica Neue" charset="0"/>
+              </a:rPr>
+              <a:t>bridge configuration applied by INA </a:t>
+            </a:r>
+            <a:endParaRPr lang="en-US" b="1" dirty="0">
+              <a:latin typeface="Helvetica Neue" charset="0"/>
+            </a:endParaRPr>
           </a:p>
         </p:txBody>
       </p:sp>

--- a/Demo Poster/Demo_Poster_SMW43219667.pptx
+++ b/Demo Poster/Demo_Poster_SMW43219667.pptx
@@ -210,7 +210,7 @@
             <a:pPr>
               <a:defRPr/>
             </a:pPr>
-            <a:endParaRPr lang="en-US"/>
+            <a:endParaRPr lang="en-US" dirty="0"/>
           </a:p>
         </p:txBody>
       </p:sp>
@@ -255,7 +255,7 @@
               </a:pPr>
               <a:t>5/20/2018</a:t>
             </a:fld>
-            <a:endParaRPr lang="en-US"/>
+            <a:endParaRPr lang="en-US" dirty="0"/>
           </a:p>
         </p:txBody>
       </p:sp>
@@ -289,7 +289,7 @@
           <a:lstStyle/>
           <a:p>
             <a:pPr lvl="0"/>
-            <a:endParaRPr lang="en-US" noProof="0"/>
+            <a:endParaRPr lang="en-US" noProof="0" dirty="0"/>
           </a:p>
         </p:txBody>
       </p:sp>
@@ -390,7 +390,7 @@
             <a:pPr>
               <a:defRPr/>
             </a:pPr>
-            <a:endParaRPr lang="en-US"/>
+            <a:endParaRPr lang="en-US" dirty="0"/>
           </a:p>
         </p:txBody>
       </p:sp>
@@ -435,7 +435,7 @@
               </a:pPr>
               <a:t>‹#›</a:t>
             </a:fld>
-            <a:endParaRPr lang="en-US"/>
+            <a:endParaRPr lang="en-US" dirty="0"/>
           </a:p>
         </p:txBody>
       </p:sp>
@@ -645,7 +645,7 @@
               </a:pPr>
               <a:t>1</a:t>
             </a:fld>
-            <a:endParaRPr lang="en-US"/>
+            <a:endParaRPr lang="en-US" dirty="0"/>
           </a:p>
         </p:txBody>
       </p:sp>
@@ -855,7 +855,7 @@
               </a:pPr>
               <a:t>5/20/2018</a:t>
             </a:fld>
-            <a:endParaRPr lang="en-US"/>
+            <a:endParaRPr lang="en-US" dirty="0"/>
           </a:p>
         </p:txBody>
       </p:sp>
@@ -881,7 +881,7 @@
             <a:pPr>
               <a:defRPr/>
             </a:pPr>
-            <a:endParaRPr lang="en-US"/>
+            <a:endParaRPr lang="en-US" dirty="0"/>
           </a:p>
         </p:txBody>
       </p:sp>
@@ -914,7 +914,7 @@
               </a:pPr>
               <a:t>‹#›</a:t>
             </a:fld>
-            <a:endParaRPr lang="en-US"/>
+            <a:endParaRPr lang="en-US" dirty="0"/>
           </a:p>
         </p:txBody>
       </p:sp>
@@ -1881,7 +1881,7 @@
               </a:pPr>
               <a:t>5/20/2018</a:t>
             </a:fld>
-            <a:endParaRPr lang="en-US"/>
+            <a:endParaRPr lang="en-US" dirty="0"/>
           </a:p>
         </p:txBody>
       </p:sp>
@@ -1930,7 +1930,7 @@
             <a:pPr>
               <a:defRPr/>
             </a:pPr>
-            <a:endParaRPr lang="en-US"/>
+            <a:endParaRPr lang="en-US" dirty="0"/>
           </a:p>
         </p:txBody>
       </p:sp>
@@ -1980,7 +1980,7 @@
               </a:pPr>
               <a:t>‹#›</a:t>
             </a:fld>
-            <a:endParaRPr lang="en-US"/>
+            <a:endParaRPr lang="en-US" dirty="0"/>
           </a:p>
         </p:txBody>
       </p:sp>
@@ -2463,7 +2463,7 @@
               <a:rPr lang="en-US" dirty="0">
                 <a:latin typeface="Helvetica Neue" charset="0"/>
               </a:rPr>
-              <a:t> is a variation to scope.</a:t>
+              <a:t> extends original scope.</a:t>
             </a:r>
           </a:p>
         </p:txBody>
@@ -2502,7 +2502,48 @@
                 <a:latin typeface="Helvetica Neue" charset="0"/>
                 <a:cs typeface="Helvetica Neue" charset="0"/>
               </a:rPr>
-              <a:t>Proof of concept for a novel powered exoskeleton control system.</a:t>
+              <a:t>Proof of concept for a position based exoskeleton control system.</a:t>
+            </a:r>
+          </a:p>
+          <a:p>
+            <a:pPr algn="ctr"/>
+            <a:r>
+              <a:rPr lang="en-AU" i="1" dirty="0">
+                <a:latin typeface="Helvetica Neue" charset="0"/>
+              </a:rPr>
+              <a:t>Exoskeleton: </a:t>
+            </a:r>
+            <a:r>
+              <a:rPr lang="en-AU" i="1" dirty="0">
+                <a:latin typeface="Helvetica Neue" charset="0"/>
+                <a:cs typeface="Helvetica Neue" charset="0"/>
+              </a:rPr>
+              <a:t>A wearable machine used to augment the pilot’s physicality.</a:t>
+            </a:r>
+            <a:endParaRPr lang="en-AU" dirty="0">
+              <a:latin typeface="Helvetica Neue" charset="0"/>
+              <a:cs typeface="Helvetica Neue" charset="0"/>
+            </a:endParaRPr>
+          </a:p>
+          <a:p>
+            <a:endParaRPr lang="en-AU" b="1" dirty="0">
+              <a:latin typeface="Helvetica Neue" charset="0"/>
+            </a:endParaRPr>
+          </a:p>
+          <a:p>
+            <a:r>
+              <a:rPr lang="en-AU" b="1" dirty="0">
+                <a:latin typeface="Helvetica Neue" charset="0"/>
+              </a:rPr>
+              <a:t>Background</a:t>
+            </a:r>
+          </a:p>
+          <a:p>
+            <a:r>
+              <a:rPr lang="en-AU" dirty="0">
+                <a:latin typeface="Helvetica Neue" charset="0"/>
+              </a:rPr>
+              <a:t>Conventional exoskeletons use force based sensing to perceive the pilot’s desired position. Force based methods can be unstable and physically taxing.</a:t>
             </a:r>
           </a:p>
           <a:p>
@@ -2510,50 +2551,7 @@
               <a:rPr lang="en-AU" b="1" dirty="0">
                 <a:latin typeface="Helvetica Neue" charset="0"/>
               </a:rPr>
-              <a:t>Powered Exoskeleton</a:t>
-            </a:r>
-          </a:p>
-          <a:p>
-            <a:r>
-              <a:rPr lang="en-AU" dirty="0">
-                <a:latin typeface="Helvetica Neue" charset="0"/>
-                <a:cs typeface="Helvetica Neue" charset="0"/>
-              </a:rPr>
-              <a:t>A wearable mobile machine controlled by a pilot to amplify their strength and reduce the exertion required to complete physical tasks.</a:t>
-            </a:r>
-          </a:p>
-          <a:p>
-            <a:r>
-              <a:rPr lang="en-AU" b="1" dirty="0">
-                <a:latin typeface="Helvetica Neue" charset="0"/>
-              </a:rPr>
-              <a:t>Scope</a:t>
-            </a:r>
-          </a:p>
-          <a:p>
-            <a:r>
-              <a:rPr lang="en-AU" dirty="0">
-                <a:latin typeface="Helvetica Neue" charset="0"/>
-                <a:cs typeface="Helvetica Neue" charset="0"/>
-              </a:rPr>
-              <a:t>Creation of a lower extremity exoskeleton suit to demonstrate functionality in a finite set of specific movements. </a:t>
-            </a:r>
-          </a:p>
-          <a:p>
-            <a:r>
-              <a:rPr lang="en-AU" dirty="0">
-                <a:latin typeface="Helvetica Neue" charset="0"/>
-                <a:cs typeface="Helvetica Neue" charset="0"/>
-              </a:rPr>
-              <a:t>Scope limited to perception and control systems, excluding structural and actuation systems (handled by others).</a:t>
-            </a:r>
-          </a:p>
-          <a:p>
-            <a:r>
-              <a:rPr lang="en-AU" b="1" dirty="0">
-                <a:latin typeface="Helvetica Neue" charset="0"/>
-              </a:rPr>
-              <a:t>Premise</a:t>
+              <a:t>Control can be accomplished by maintaining a constant offset between the suit and pilot.</a:t>
             </a:r>
           </a:p>
           <a:p>
@@ -2561,23 +2559,7 @@
               <a:rPr lang="en-AU" dirty="0">
                 <a:latin typeface="Helvetica Neue" charset="0"/>
               </a:rPr>
-              <a:t>Conventional exoskeletons use force based sensing to perceive the pilot’s desired position. Force based methods are often unstable and physically taxing.</a:t>
-            </a:r>
-          </a:p>
-          <a:p>
-            <a:r>
-              <a:rPr lang="en-AU" dirty="0">
-                <a:latin typeface="Helvetica Neue" charset="0"/>
-              </a:rPr>
-              <a:t>Control can be accomplished by maintaining a constant offset from the pilot by sensing proximity and position.</a:t>
-            </a:r>
-          </a:p>
-          <a:p>
-            <a:r>
-              <a:rPr lang="en-AU" dirty="0">
-                <a:latin typeface="Helvetica Neue" charset="0"/>
-              </a:rPr>
-              <a:t>Proof of concept requires:</a:t>
+              <a:t>Final proof of concept requires:</a:t>
             </a:r>
           </a:p>
           <a:p>
@@ -2621,7 +2603,7 @@
               <a:rPr lang="en-AU" dirty="0">
                 <a:latin typeface="Helvetica Neue" charset="0"/>
               </a:rPr>
-              <a:t>Accomplished by controlling the:</a:t>
+              <a:t>Accomplished by measuring and controlling the:</a:t>
             </a:r>
           </a:p>
           <a:p>
@@ -2645,7 +2627,7 @@
               <a:rPr lang="en-AU" dirty="0">
                 <a:latin typeface="Helvetica Neue" charset="0"/>
               </a:rPr>
-              <a:t>force applied by the pilot; and, </a:t>
+              <a:t>force applied by suit and pilot to suit;</a:t>
             </a:r>
           </a:p>
           <a:p>
@@ -2657,8 +2639,112 @@
               <a:rPr lang="en-AU" dirty="0">
                 <a:latin typeface="Helvetica Neue" charset="0"/>
               </a:rPr>
-              <a:t>force applied by the suit kt.</a:t>
+              <a:t>actuator position and torque.</a:t>
             </a:r>
+          </a:p>
+          <a:p>
+            <a:endParaRPr lang="en-AU" b="1" dirty="0">
+              <a:latin typeface="Helvetica Neue" charset="0"/>
+            </a:endParaRPr>
+          </a:p>
+          <a:p>
+            <a:r>
+              <a:rPr lang="en-AU" b="1" dirty="0">
+                <a:latin typeface="Helvetica Neue" charset="0"/>
+              </a:rPr>
+              <a:t>Scope</a:t>
+            </a:r>
+          </a:p>
+          <a:p>
+            <a:r>
+              <a:rPr lang="en-AU" dirty="0">
+                <a:latin typeface="Helvetica Neue" charset="0"/>
+                <a:cs typeface="Helvetica Neue" charset="0"/>
+              </a:rPr>
+              <a:t>Creation of a lower extremity exoskeleton to demonstrate functionality. </a:t>
+            </a:r>
+          </a:p>
+          <a:p>
+            <a:r>
+              <a:rPr lang="en-AU" dirty="0">
+                <a:latin typeface="Helvetica Neue" charset="0"/>
+                <a:cs typeface="Helvetica Neue" charset="0"/>
+              </a:rPr>
+              <a:t>Scope limited to perception and control.</a:t>
+            </a:r>
+          </a:p>
+          <a:p>
+            <a:r>
+              <a:rPr lang="en-AU" dirty="0">
+                <a:latin typeface="Helvetica Neue" charset="0"/>
+                <a:cs typeface="Helvetica Neue" charset="0"/>
+              </a:rPr>
+              <a:t>System to measure </a:t>
+            </a:r>
+            <a:r>
+              <a:rPr lang="en-AU" b="1" dirty="0">
+                <a:latin typeface="Helvetica Neue" charset="0"/>
+                <a:cs typeface="Helvetica Neue" charset="0"/>
+              </a:rPr>
+              <a:t>suit force</a:t>
+            </a:r>
+            <a:r>
+              <a:rPr lang="en-AU" dirty="0">
+                <a:latin typeface="Helvetica Neue" charset="0"/>
+                <a:cs typeface="Helvetica Neue" charset="0"/>
+              </a:rPr>
+              <a:t>, and </a:t>
+            </a:r>
+            <a:r>
+              <a:rPr lang="en-AU" b="1" dirty="0">
+                <a:latin typeface="Helvetica Neue" charset="0"/>
+                <a:cs typeface="Helvetica Neue" charset="0"/>
+              </a:rPr>
+              <a:t>pilot force</a:t>
+            </a:r>
+            <a:r>
+              <a:rPr lang="en-AU" dirty="0">
+                <a:latin typeface="Helvetica Neue" charset="0"/>
+                <a:cs typeface="Helvetica Neue" charset="0"/>
+              </a:rPr>
+              <a:t> and </a:t>
+            </a:r>
+            <a:r>
+              <a:rPr lang="en-AU" b="1" dirty="0">
+                <a:latin typeface="Helvetica Neue" charset="0"/>
+                <a:cs typeface="Helvetica Neue" charset="0"/>
+              </a:rPr>
+              <a:t>position</a:t>
+            </a:r>
+            <a:r>
+              <a:rPr lang="en-AU" dirty="0">
+                <a:latin typeface="Helvetica Neue" charset="0"/>
+                <a:cs typeface="Helvetica Neue" charset="0"/>
+              </a:rPr>
+              <a:t> </a:t>
+            </a:r>
+            <a:r>
+              <a:rPr lang="en-AU" dirty="0">
+                <a:latin typeface="Helvetica Neue" charset="0"/>
+              </a:rPr>
+              <a:t>to </a:t>
+            </a:r>
+            <a:r>
+              <a:rPr lang="en-AU" b="1" dirty="0">
+                <a:latin typeface="Helvetica Neue" charset="0"/>
+              </a:rPr>
+              <a:t>determine torque</a:t>
+            </a:r>
+            <a:r>
+              <a:rPr lang="en-AU" dirty="0">
+                <a:latin typeface="Helvetica Neue" charset="0"/>
+              </a:rPr>
+              <a:t> required by actuators to maintain offset.</a:t>
+            </a:r>
+            <a:endParaRPr lang="en-AU" dirty="0">
+              <a:latin typeface="Helvetica Neue" charset="0"/>
+              <a:cs typeface="Helvetica Neue" charset="0"/>
+            </a:endParaRPr>
           </a:p>
         </p:txBody>
       </p:sp>
@@ -2753,6 +2839,67 @@
                 <a:r>
                   <a:rPr lang="en-US" sz="1800" dirty="0">
                     <a:latin typeface="Bodoni MT" charset="0"/>
+                  </a:rPr>
+                  <a:t>Design &amp; Implementation</a:t>
+                </a:r>
+              </a:p>
+              <a:p>
+                <a:r>
+                  <a:rPr lang="en-US" b="1" dirty="0">
+                    <a:latin typeface="Helvetica Neue" charset="0"/>
+                  </a:rPr>
+                  <a:t>Position Sensing</a:t>
+                </a:r>
+              </a:p>
+              <a:p>
+                <a:r>
+                  <a:rPr lang="en-AU" dirty="0">
+                    <a:latin typeface="Helvetica Neue" charset="0"/>
+                  </a:rPr>
+                  <a:t>Proximity sensors attached to the periphery of the thigh, shin, and foot measure the position of the user (and desired position of the suit).</a:t>
+                </a:r>
+              </a:p>
+              <a:p>
+                <a:r>
+                  <a:rPr lang="en-AU" dirty="0">
+                    <a:latin typeface="Helvetica Neue" charset="0"/>
+                  </a:rPr>
+                  <a:t>IR emitters and receivers measure proximity. Two pairs of sensors per periphery increase emitter signal and compensate for pilot’s variable shape.</a:t>
+                </a:r>
+              </a:p>
+              <a:p>
+                <a:endParaRPr lang="en-US" sz="1800" dirty="0">
+                  <a:latin typeface="Bodoni MT" charset="0"/>
+                </a:endParaRPr>
+              </a:p>
+              <a:p>
+                <a:r>
+                  <a:rPr lang="en-US" b="1" dirty="0">
+                    <a:latin typeface="Helvetica Neue" charset="0"/>
+                  </a:rPr>
+                  <a:t>Force Sensing</a:t>
+                </a:r>
+                <a:endParaRPr lang="en-AU" dirty="0">
+                  <a:latin typeface="Helvetica Neue" charset="0"/>
+                </a:endParaRPr>
+              </a:p>
+              <a:p>
+                <a:r>
+                  <a:rPr lang="en-AU" dirty="0">
+                    <a:latin typeface="Helvetica Neue" charset="0"/>
+                  </a:rPr>
+                  <a:t>Load cells attached to feet and thighs measure and regulate force output. Sensors attached to either side of rigid plate fixed to suit decouples internal and external sensors.</a:t>
+                </a:r>
+              </a:p>
+              <a:p>
+                <a:endParaRPr lang="en-US" dirty="0">
+                  <a:latin typeface="Helvetica Neue" charset="0"/>
+                </a:endParaRPr>
+              </a:p>
+              <a:p>
+                <a:r>
+                  <a:rPr lang="en-US" b="1" dirty="0">
+                    <a:latin typeface="Helvetica Neue" charset="0"/>
                   </a:rPr>
                   <a:t>Control</a:t>
                 </a:r>
@@ -3384,7 +3531,7 @@
                   <a:rPr lang="en-US" dirty="0">
                     <a:latin typeface="Helvetica Neue" charset="0"/>
                   </a:rPr>
-                  <a:t>Transfer function was found and transformed into the Laplace domain.</a:t>
+                  <a:t>General transfer function for 3 DOF RRR manipulator was found.</a:t>
                 </a:r>
               </a:p>
               <a:p>
@@ -3392,42 +3539,8 @@
                   <a:rPr lang="en-US" dirty="0">
                     <a:latin typeface="Helvetica Neue" charset="0"/>
                   </a:rPr>
-                  <a:t>PID parameters for the (stable) system were found.</a:t>
+                  <a:t>PID Tuner used to find PIDF values.</a:t>
                 </a:r>
-              </a:p>
-              <a:p>
-                <a:endParaRPr lang="en-US" dirty="0">
-                  <a:latin typeface="Helvetica Neue" charset="0"/>
-                </a:endParaRPr>
-              </a:p>
-              <a:p>
-                <a:r>
-                  <a:rPr lang="en-US" b="1" dirty="0">
-                    <a:latin typeface="Helvetica Neue" charset="0"/>
-                  </a:rPr>
-                  <a:t>Get PID response graphs</a:t>
-                </a:r>
-              </a:p>
-              <a:p>
-                <a:r>
-                  <a:rPr lang="en-AU" dirty="0">
-                    <a:latin typeface="Helvetica Neue" charset="0"/>
-                  </a:rPr>
-                  <a:t>Proximity sensors attached to the periphery of the thigh, shin, and foot measure the position of the user (and desired position of the suit).</a:t>
-                </a:r>
-              </a:p>
-              <a:p>
-                <a:r>
-                  <a:rPr lang="en-AU" dirty="0">
-                    <a:latin typeface="Helvetica Neue" charset="0"/>
-                  </a:rPr>
-                  <a:t>Load cells attached to the feet and thigh measure and regulate force output. </a:t>
-                </a:r>
-              </a:p>
-              <a:p>
-                <a:endParaRPr lang="en-US" b="1" dirty="0">
-                  <a:latin typeface="Helvetica Neue" charset="0"/>
-                </a:endParaRPr>
               </a:p>
             </p:txBody>
           </p:sp>
@@ -3451,7 +3564,7 @@
               <a:blipFill>
                 <a:blip r:embed="rId3"/>
                 <a:stretch>
-                  <a:fillRect t="-80"/>
+                  <a:fillRect t="-80" r="-348"/>
                 </a:stretch>
               </a:blipFill>
               <a:ln/>
@@ -3504,7 +3617,7 @@
               <a:rPr lang="en-US" b="1" dirty="0">
                 <a:latin typeface="Helvetica Neue" charset="0"/>
               </a:rPr>
-              <a:t>Proximity Sensors</a:t>
+              <a:t>Position Sensors</a:t>
             </a:r>
             <a:r>
               <a:rPr lang="en-US" dirty="0">
@@ -3547,8 +3660,13 @@
               <a:rPr lang="en-AU" dirty="0">
                 <a:latin typeface="Helvetica Neue" charset="0"/>
               </a:rPr>
-              <a:t>Position of pilot relative to the suit, and control error (angle) measurable.</a:t>
+              <a:t>Position of pilot relative to the suit, and control error (angle) is measurable.</a:t>
             </a:r>
+          </a:p>
+          <a:p>
+            <a:endParaRPr lang="en-AU" b="1" dirty="0">
+              <a:latin typeface="Helvetica Neue" charset="0"/>
+            </a:endParaRPr>
           </a:p>
           <a:p>
             <a:r>
@@ -3561,25 +3679,100 @@
               <a:rPr lang="en-AU" dirty="0">
                 <a:latin typeface="Helvetica Neue" charset="0"/>
               </a:rPr>
-              <a:t>: Load Cells (YZC-161B 50kg) in </a:t>
+              <a:t>: Load Cells (</a:t>
             </a:r>
             <a:r>
-              <a:rPr lang="en-AU" dirty="0" err="1">
+              <a:rPr lang="en-AU" i="1" dirty="0">
                 <a:latin typeface="Helvetica Neue" charset="0"/>
               </a:rPr>
-              <a:t>wheatstone</a:t>
+              <a:t>YZC-161B 50kg</a:t>
             </a:r>
             <a:r>
               <a:rPr lang="en-AU" dirty="0">
                 <a:latin typeface="Helvetica Neue" charset="0"/>
               </a:rPr>
-              <a:t> </a:t>
+              <a:t>) in Wheatstone bridge configuration amplified by </a:t>
             </a:r>
             <a:r>
-              <a:rPr lang="en-AU">
+              <a:rPr lang="en-AU" i="1" dirty="0">
                 <a:latin typeface="Helvetica Neue" charset="0"/>
               </a:rPr>
-              <a:t>bridge configuration applied by INA </a:t>
+              <a:t>INA125PA Instrumentation Amplified</a:t>
+            </a:r>
+            <a:r>
+              <a:rPr lang="en-AU" dirty="0">
+                <a:latin typeface="Helvetica Neue" charset="0"/>
+              </a:rPr>
+              <a:t> calibrated and </a:t>
+            </a:r>
+            <a:r>
+              <a:rPr lang="en-US" dirty="0">
+                <a:latin typeface="Helvetica Neue" charset="0"/>
+              </a:rPr>
+              <a:t>commissioned.</a:t>
+            </a:r>
+          </a:p>
+          <a:p>
+            <a:r>
+              <a:rPr lang="en-US" dirty="0">
+                <a:latin typeface="Helvetica Neue" charset="0"/>
+              </a:rPr>
+              <a:t>Force applied by pilot to the suit and force applied by the suit to the environment measurable. </a:t>
+            </a:r>
+            <a:r>
+              <a:rPr lang="en-AU" dirty="0">
+                <a:latin typeface="Helvetica Neue" charset="0"/>
+              </a:rPr>
+              <a:t>Control error (force) is measurable</a:t>
+            </a:r>
+            <a:endParaRPr lang="en-US" dirty="0">
+              <a:latin typeface="Helvetica Neue" charset="0"/>
+            </a:endParaRPr>
+          </a:p>
+          <a:p>
+            <a:endParaRPr lang="en-US" b="1" dirty="0">
+              <a:latin typeface="Helvetica Neue" charset="0"/>
+            </a:endParaRPr>
+          </a:p>
+          <a:p>
+            <a:r>
+              <a:rPr lang="en-US" b="1" dirty="0">
+                <a:latin typeface="Helvetica Neue" charset="0"/>
+              </a:rPr>
+              <a:t>Control: </a:t>
+            </a:r>
+            <a:r>
+              <a:rPr lang="en-US" dirty="0">
+                <a:latin typeface="Helvetica Neue" charset="0"/>
+              </a:rPr>
+              <a:t>Control variables and parameters (PIDF) found using MATLAB PID Tuner for all three leg segments. General equations of motion and transfer functions found for 3 DOF RRR system (e.g. arms and legs).</a:t>
+            </a:r>
+          </a:p>
+          <a:p>
+            <a:endParaRPr lang="en-US" b="1" dirty="0">
+              <a:latin typeface="Helvetica Neue" charset="0"/>
+            </a:endParaRPr>
+          </a:p>
+          <a:p>
+            <a:r>
+              <a:rPr lang="en-US" b="1" dirty="0">
+                <a:latin typeface="Helvetica Neue" charset="0"/>
+              </a:rPr>
+              <a:t>Communications:</a:t>
+            </a:r>
+            <a:r>
+              <a:rPr lang="en-US" dirty="0">
+                <a:latin typeface="Helvetica Neue" charset="0"/>
+              </a:rPr>
+              <a:t> Two UART channels per </a:t>
+            </a:r>
+            <a:r>
+              <a:rPr lang="en-AU" i="1" dirty="0"/>
+              <a:t>NUCLEO-F303K8</a:t>
+            </a:r>
+            <a:r>
+              <a:rPr lang="en-AU" dirty="0"/>
+              <a:t> used to connect boards. Required boards (six) daisy chained and transmitting along the chain. System may be extended to any number of boards (e.g. full body suit).</a:t>
             </a:r>
             <a:endParaRPr lang="en-US" b="1" dirty="0">
               <a:latin typeface="Helvetica Neue" charset="0"/>
@@ -3587,36 +3780,8727 @@
           </a:p>
         </p:txBody>
       </p:sp>
-      <p:pic>
-        <p:nvPicPr>
-          <p:cNvPr id="3086" name="Picture 3085">
+      <p:grpSp>
+        <p:nvGrpSpPr>
+          <p:cNvPr id="14" name="Group 13">
             <a:extLst>
               <a:ext uri="{FF2B5EF4-FFF2-40B4-BE49-F238E27FC236}">
-                <a16:creationId xmlns:a16="http://schemas.microsoft.com/office/drawing/2014/main" id="{BAF51A32-B58B-47E2-B697-F846D32301E1}"/>
+                <a16:creationId xmlns:a16="http://schemas.microsoft.com/office/drawing/2014/main" id="{FBFDBFB8-12D3-45F1-9107-3C7B181E3496}"/>
               </a:ext>
             </a:extLst>
           </p:cNvPr>
-          <p:cNvPicPr>
-            <a:picLocks noChangeAspect="1"/>
-          </p:cNvPicPr>
+          <p:cNvGrpSpPr/>
           <p:nvPr/>
-        </p:nvPicPr>
-        <p:blipFill>
-          <a:blip r:embed="rId4"/>
-          <a:stretch>
-            <a:fillRect/>
-          </a:stretch>
-        </p:blipFill>
-        <p:spPr>
+        </p:nvGrpSpPr>
+        <p:grpSpPr>
           <a:xfrm>
-            <a:off x="7454557" y="1915504"/>
-            <a:ext cx="3511600" cy="7011008"/>
+            <a:off x="7629232" y="2068748"/>
+            <a:ext cx="3336925" cy="6857764"/>
+            <a:chOff x="0" y="798749"/>
+            <a:chExt cx="3336925" cy="6857764"/>
           </a:xfrm>
-          <a:prstGeom prst="rect">
-            <a:avLst/>
-          </a:prstGeom>
-        </p:spPr>
-      </p:pic>
+        </p:grpSpPr>
+        <p:grpSp>
+          <p:nvGrpSpPr>
+            <p:cNvPr id="15" name="Group 14">
+              <a:extLst>
+                <a:ext uri="{FF2B5EF4-FFF2-40B4-BE49-F238E27FC236}">
+                  <a16:creationId xmlns:a16="http://schemas.microsoft.com/office/drawing/2014/main" id="{6A047FED-1F2F-4A20-B674-A29A78AEAF51}"/>
+                </a:ext>
+              </a:extLst>
+            </p:cNvPr>
+            <p:cNvGrpSpPr/>
+            <p:nvPr/>
+          </p:nvGrpSpPr>
+          <p:grpSpPr>
+            <a:xfrm>
+              <a:off x="668651" y="1427413"/>
+              <a:ext cx="228600" cy="114300"/>
+              <a:chOff x="3488871" y="2942096"/>
+              <a:chExt cx="228600" cy="114300"/>
+            </a:xfrm>
+            <a:solidFill>
+              <a:sysClr val="window" lastClr="FFFFFF"/>
+            </a:solidFill>
+          </p:grpSpPr>
+          <p:sp>
+            <p:nvSpPr>
+              <p:cNvPr id="157" name="Rectangle 156">
+                <a:extLst>
+                  <a:ext uri="{FF2B5EF4-FFF2-40B4-BE49-F238E27FC236}">
+                    <a16:creationId xmlns:a16="http://schemas.microsoft.com/office/drawing/2014/main" id="{26EC5720-F485-4E86-BEDB-92FD0FA3E5EF}"/>
+                  </a:ext>
+                </a:extLst>
+              </p:cNvPr>
+              <p:cNvSpPr/>
+              <p:nvPr/>
+            </p:nvSpPr>
+            <p:spPr>
+              <a:xfrm>
+                <a:off x="3488871" y="2942096"/>
+                <a:ext cx="114300" cy="114300"/>
+              </a:xfrm>
+              <a:prstGeom prst="rect">
+                <a:avLst/>
+              </a:prstGeom>
+              <a:grpFill/>
+              <a:ln w="12700" cap="flat" cmpd="sng" algn="ctr">
+                <a:noFill/>
+                <a:prstDash val="solid"/>
+                <a:miter lim="800000"/>
+              </a:ln>
+              <a:effectLst/>
+            </p:spPr>
+            <p:txBody>
+              <a:bodyPr rtlCol="0" anchor="ctr"/>
+              <a:lstStyle/>
+              <a:p>
+                <a:pPr marL="0" marR="0" lvl="0" indent="0" algn="ctr" defTabSz="457200" eaLnBrk="1" fontAlgn="auto" latinLnBrk="0" hangingPunct="1">
+                  <a:lnSpc>
+                    <a:spcPct val="100000"/>
+                  </a:lnSpc>
+                  <a:spcBef>
+                    <a:spcPts val="0"/>
+                  </a:spcBef>
+                  <a:spcAft>
+                    <a:spcPts val="0"/>
+                  </a:spcAft>
+                  <a:buClrTx/>
+                  <a:buSzTx/>
+                  <a:buFontTx/>
+                  <a:buNone/>
+                  <a:tabLst/>
+                  <a:defRPr/>
+                </a:pPr>
+                <a:endParaRPr kumimoji="0" lang="en-AU" sz="1800" b="0" i="0" u="none" strike="noStrike" kern="0" cap="none" spc="0" normalizeH="0" baseline="0" noProof="0" dirty="0">
+                  <a:ln>
+                    <a:noFill/>
+                  </a:ln>
+                  <a:solidFill>
+                    <a:prstClr val="white"/>
+                  </a:solidFill>
+                  <a:effectLst/>
+                  <a:uLnTx/>
+                  <a:uFillTx/>
+                  <a:latin typeface="Calibri" panose="020F0502020204030204"/>
+                  <a:ea typeface="+mn-ea"/>
+                  <a:cs typeface="+mn-cs"/>
+                </a:endParaRPr>
+              </a:p>
+            </p:txBody>
+          </p:sp>
+          <p:sp>
+            <p:nvSpPr>
+              <p:cNvPr id="158" name="Rectangle 157">
+                <a:extLst>
+                  <a:ext uri="{FF2B5EF4-FFF2-40B4-BE49-F238E27FC236}">
+                    <a16:creationId xmlns:a16="http://schemas.microsoft.com/office/drawing/2014/main" id="{8078B03E-E672-4A7B-93AE-C35638219577}"/>
+                  </a:ext>
+                </a:extLst>
+              </p:cNvPr>
+              <p:cNvSpPr/>
+              <p:nvPr/>
+            </p:nvSpPr>
+            <p:spPr>
+              <a:xfrm>
+                <a:off x="3603171" y="2942096"/>
+                <a:ext cx="114300" cy="114300"/>
+              </a:xfrm>
+              <a:prstGeom prst="rect">
+                <a:avLst/>
+              </a:prstGeom>
+              <a:grpFill/>
+              <a:ln w="12700" cap="flat" cmpd="sng" algn="ctr">
+                <a:noFill/>
+                <a:prstDash val="solid"/>
+                <a:miter lim="800000"/>
+              </a:ln>
+              <a:effectLst/>
+            </p:spPr>
+            <p:txBody>
+              <a:bodyPr rtlCol="0" anchor="ctr"/>
+              <a:lstStyle/>
+              <a:p>
+                <a:pPr marL="0" marR="0" lvl="0" indent="0" algn="ctr" defTabSz="457200" eaLnBrk="1" fontAlgn="auto" latinLnBrk="0" hangingPunct="1">
+                  <a:lnSpc>
+                    <a:spcPct val="100000"/>
+                  </a:lnSpc>
+                  <a:spcBef>
+                    <a:spcPts val="0"/>
+                  </a:spcBef>
+                  <a:spcAft>
+                    <a:spcPts val="0"/>
+                  </a:spcAft>
+                  <a:buClrTx/>
+                  <a:buSzTx/>
+                  <a:buFontTx/>
+                  <a:buNone/>
+                  <a:tabLst/>
+                  <a:defRPr/>
+                </a:pPr>
+                <a:endParaRPr kumimoji="0" lang="en-AU" sz="1800" b="0" i="0" u="none" strike="noStrike" kern="0" cap="none" spc="0" normalizeH="0" baseline="0" noProof="0" dirty="0">
+                  <a:ln>
+                    <a:noFill/>
+                  </a:ln>
+                  <a:solidFill>
+                    <a:prstClr val="white"/>
+                  </a:solidFill>
+                  <a:effectLst/>
+                  <a:uLnTx/>
+                  <a:uFillTx/>
+                  <a:latin typeface="Calibri" panose="020F0502020204030204"/>
+                  <a:ea typeface="+mn-ea"/>
+                  <a:cs typeface="+mn-cs"/>
+                </a:endParaRPr>
+              </a:p>
+            </p:txBody>
+          </p:sp>
+        </p:grpSp>
+        <p:grpSp>
+          <p:nvGrpSpPr>
+            <p:cNvPr id="16" name="Group 15">
+              <a:extLst>
+                <a:ext uri="{FF2B5EF4-FFF2-40B4-BE49-F238E27FC236}">
+                  <a16:creationId xmlns:a16="http://schemas.microsoft.com/office/drawing/2014/main" id="{85375811-3803-4438-82A8-43A9EFC4E98D}"/>
+                </a:ext>
+              </a:extLst>
+            </p:cNvPr>
+            <p:cNvGrpSpPr/>
+            <p:nvPr/>
+          </p:nvGrpSpPr>
+          <p:grpSpPr>
+            <a:xfrm>
+              <a:off x="2389979" y="1427413"/>
+              <a:ext cx="228600" cy="114300"/>
+              <a:chOff x="3488871" y="2942096"/>
+              <a:chExt cx="228600" cy="114300"/>
+            </a:xfrm>
+            <a:solidFill>
+              <a:sysClr val="window" lastClr="FFFFFF"/>
+            </a:solidFill>
+          </p:grpSpPr>
+          <p:sp>
+            <p:nvSpPr>
+              <p:cNvPr id="155" name="Rectangle 154">
+                <a:extLst>
+                  <a:ext uri="{FF2B5EF4-FFF2-40B4-BE49-F238E27FC236}">
+                    <a16:creationId xmlns:a16="http://schemas.microsoft.com/office/drawing/2014/main" id="{0DACD136-012C-44E5-834F-2596CC026C7D}"/>
+                  </a:ext>
+                </a:extLst>
+              </p:cNvPr>
+              <p:cNvSpPr/>
+              <p:nvPr/>
+            </p:nvSpPr>
+            <p:spPr>
+              <a:xfrm>
+                <a:off x="3488871" y="2942096"/>
+                <a:ext cx="114300" cy="114300"/>
+              </a:xfrm>
+              <a:prstGeom prst="rect">
+                <a:avLst/>
+              </a:prstGeom>
+              <a:grpFill/>
+              <a:ln w="12700" cap="flat" cmpd="sng" algn="ctr">
+                <a:noFill/>
+                <a:prstDash val="solid"/>
+                <a:miter lim="800000"/>
+              </a:ln>
+              <a:effectLst/>
+            </p:spPr>
+            <p:txBody>
+              <a:bodyPr rtlCol="0" anchor="ctr"/>
+              <a:lstStyle/>
+              <a:p>
+                <a:pPr marL="0" marR="0" lvl="0" indent="0" algn="ctr" defTabSz="457200" eaLnBrk="1" fontAlgn="auto" latinLnBrk="0" hangingPunct="1">
+                  <a:lnSpc>
+                    <a:spcPct val="100000"/>
+                  </a:lnSpc>
+                  <a:spcBef>
+                    <a:spcPts val="0"/>
+                  </a:spcBef>
+                  <a:spcAft>
+                    <a:spcPts val="0"/>
+                  </a:spcAft>
+                  <a:buClrTx/>
+                  <a:buSzTx/>
+                  <a:buFontTx/>
+                  <a:buNone/>
+                  <a:tabLst/>
+                  <a:defRPr/>
+                </a:pPr>
+                <a:endParaRPr kumimoji="0" lang="en-AU" sz="1800" b="0" i="0" u="none" strike="noStrike" kern="0" cap="none" spc="0" normalizeH="0" baseline="0" noProof="0" dirty="0">
+                  <a:ln>
+                    <a:noFill/>
+                  </a:ln>
+                  <a:solidFill>
+                    <a:prstClr val="white"/>
+                  </a:solidFill>
+                  <a:effectLst/>
+                  <a:uLnTx/>
+                  <a:uFillTx/>
+                  <a:latin typeface="Calibri" panose="020F0502020204030204"/>
+                  <a:ea typeface="+mn-ea"/>
+                  <a:cs typeface="+mn-cs"/>
+                </a:endParaRPr>
+              </a:p>
+            </p:txBody>
+          </p:sp>
+          <p:sp>
+            <p:nvSpPr>
+              <p:cNvPr id="156" name="Rectangle 155">
+                <a:extLst>
+                  <a:ext uri="{FF2B5EF4-FFF2-40B4-BE49-F238E27FC236}">
+                    <a16:creationId xmlns:a16="http://schemas.microsoft.com/office/drawing/2014/main" id="{1FDD4043-400C-49F5-9E20-63B369788833}"/>
+                  </a:ext>
+                </a:extLst>
+              </p:cNvPr>
+              <p:cNvSpPr/>
+              <p:nvPr/>
+            </p:nvSpPr>
+            <p:spPr>
+              <a:xfrm>
+                <a:off x="3603171" y="2942096"/>
+                <a:ext cx="114300" cy="114300"/>
+              </a:xfrm>
+              <a:prstGeom prst="rect">
+                <a:avLst/>
+              </a:prstGeom>
+              <a:grpFill/>
+              <a:ln w="12700" cap="flat" cmpd="sng" algn="ctr">
+                <a:noFill/>
+                <a:prstDash val="solid"/>
+                <a:miter lim="800000"/>
+              </a:ln>
+              <a:effectLst/>
+            </p:spPr>
+            <p:txBody>
+              <a:bodyPr rtlCol="0" anchor="ctr"/>
+              <a:lstStyle/>
+              <a:p>
+                <a:pPr marL="0" marR="0" lvl="0" indent="0" algn="ctr" defTabSz="457200" eaLnBrk="1" fontAlgn="auto" latinLnBrk="0" hangingPunct="1">
+                  <a:lnSpc>
+                    <a:spcPct val="100000"/>
+                  </a:lnSpc>
+                  <a:spcBef>
+                    <a:spcPts val="0"/>
+                  </a:spcBef>
+                  <a:spcAft>
+                    <a:spcPts val="0"/>
+                  </a:spcAft>
+                  <a:buClrTx/>
+                  <a:buSzTx/>
+                  <a:buFontTx/>
+                  <a:buNone/>
+                  <a:tabLst/>
+                  <a:defRPr/>
+                </a:pPr>
+                <a:endParaRPr kumimoji="0" lang="en-AU" sz="1800" b="0" i="0" u="none" strike="noStrike" kern="0" cap="none" spc="0" normalizeH="0" baseline="0" noProof="0" dirty="0">
+                  <a:ln>
+                    <a:noFill/>
+                  </a:ln>
+                  <a:solidFill>
+                    <a:prstClr val="white"/>
+                  </a:solidFill>
+                  <a:effectLst/>
+                  <a:uLnTx/>
+                  <a:uFillTx/>
+                  <a:latin typeface="Calibri" panose="020F0502020204030204"/>
+                  <a:ea typeface="+mn-ea"/>
+                  <a:cs typeface="+mn-cs"/>
+                </a:endParaRPr>
+              </a:p>
+            </p:txBody>
+          </p:sp>
+        </p:grpSp>
+        <p:sp>
+          <p:nvSpPr>
+            <p:cNvPr id="17" name="Rectangle 16">
+              <a:extLst>
+                <a:ext uri="{FF2B5EF4-FFF2-40B4-BE49-F238E27FC236}">
+                  <a16:creationId xmlns:a16="http://schemas.microsoft.com/office/drawing/2014/main" id="{1E4211E5-7F1F-4AFA-A12E-0510029DABE7}"/>
+                </a:ext>
+              </a:extLst>
+            </p:cNvPr>
+            <p:cNvSpPr/>
+            <p:nvPr/>
+          </p:nvSpPr>
+          <p:spPr>
+            <a:xfrm rot="5400000">
+              <a:off x="1762254" y="4149091"/>
+              <a:ext cx="156823" cy="156823"/>
+            </a:xfrm>
+            <a:prstGeom prst="rect">
+              <a:avLst/>
+            </a:prstGeom>
+            <a:solidFill>
+              <a:sysClr val="window" lastClr="FFFFFF"/>
+            </a:solidFill>
+            <a:ln w="12700" cap="flat" cmpd="sng" algn="ctr">
+              <a:noFill/>
+              <a:prstDash val="solid"/>
+              <a:miter lim="800000"/>
+            </a:ln>
+            <a:effectLst/>
+          </p:spPr>
+          <p:txBody>
+            <a:bodyPr rtlCol="0" anchor="ctr"/>
+            <a:lstStyle/>
+            <a:p>
+              <a:pPr marL="0" marR="0" lvl="0" indent="0" algn="ctr" defTabSz="457200" eaLnBrk="1" fontAlgn="auto" latinLnBrk="0" hangingPunct="1">
+                <a:lnSpc>
+                  <a:spcPct val="100000"/>
+                </a:lnSpc>
+                <a:spcBef>
+                  <a:spcPts val="0"/>
+                </a:spcBef>
+                <a:spcAft>
+                  <a:spcPts val="0"/>
+                </a:spcAft>
+                <a:buClrTx/>
+                <a:buSzTx/>
+                <a:buFontTx/>
+                <a:buNone/>
+                <a:tabLst/>
+                <a:defRPr/>
+              </a:pPr>
+              <a:endParaRPr kumimoji="0" lang="en-AU" sz="1800" b="0" i="0" u="none" strike="noStrike" kern="0" cap="none" spc="0" normalizeH="0" baseline="0" noProof="0" dirty="0">
+                <a:ln>
+                  <a:noFill/>
+                </a:ln>
+                <a:solidFill>
+                  <a:prstClr val="white"/>
+                </a:solidFill>
+                <a:effectLst/>
+                <a:uLnTx/>
+                <a:uFillTx/>
+                <a:latin typeface="Calibri" panose="020F0502020204030204"/>
+                <a:ea typeface="+mn-ea"/>
+                <a:cs typeface="+mn-cs"/>
+              </a:endParaRPr>
+            </a:p>
+          </p:txBody>
+        </p:sp>
+        <p:grpSp>
+          <p:nvGrpSpPr>
+            <p:cNvPr id="18" name="Group 17">
+              <a:extLst>
+                <a:ext uri="{FF2B5EF4-FFF2-40B4-BE49-F238E27FC236}">
+                  <a16:creationId xmlns:a16="http://schemas.microsoft.com/office/drawing/2014/main" id="{5B796E65-F759-48B1-9762-7BC9343E944B}"/>
+                </a:ext>
+              </a:extLst>
+            </p:cNvPr>
+            <p:cNvGrpSpPr/>
+            <p:nvPr/>
+          </p:nvGrpSpPr>
+          <p:grpSpPr>
+            <a:xfrm>
+              <a:off x="1217120" y="3883097"/>
+              <a:ext cx="1626921" cy="1912531"/>
+              <a:chOff x="1217120" y="3900313"/>
+              <a:chExt cx="1626921" cy="1912531"/>
+            </a:xfrm>
+          </p:grpSpPr>
+          <p:cxnSp>
+            <p:nvCxnSpPr>
+              <p:cNvPr id="152" name="Straight Arrow Connector 151">
+                <a:extLst>
+                  <a:ext uri="{FF2B5EF4-FFF2-40B4-BE49-F238E27FC236}">
+                    <a16:creationId xmlns:a16="http://schemas.microsoft.com/office/drawing/2014/main" id="{9E0DE303-0D80-47B9-AF28-E42E25D773D3}"/>
+                  </a:ext>
+                </a:extLst>
+              </p:cNvPr>
+              <p:cNvCxnSpPr>
+                <a:stCxn id="109" idx="0"/>
+                <a:endCxn id="108" idx="2"/>
+              </p:cNvCxnSpPr>
+              <p:nvPr/>
+            </p:nvCxnSpPr>
+            <p:spPr>
+              <a:xfrm flipV="1">
+                <a:off x="2844040" y="4017952"/>
+                <a:ext cx="0" cy="685272"/>
+              </a:xfrm>
+              <a:prstGeom prst="straightConnector1">
+                <a:avLst/>
+              </a:prstGeom>
+              <a:noFill/>
+              <a:ln w="101600" cap="flat" cmpd="dbl" algn="ctr">
+                <a:solidFill>
+                  <a:srgbClr val="FFC000"/>
+                </a:solidFill>
+                <a:prstDash val="solid"/>
+                <a:miter lim="800000"/>
+                <a:tailEnd type="triangle" w="sm" len="sm"/>
+              </a:ln>
+              <a:effectLst/>
+            </p:spPr>
+          </p:cxnSp>
+          <p:cxnSp>
+            <p:nvCxnSpPr>
+              <p:cNvPr id="153" name="Straight Arrow Connector 152">
+                <a:extLst>
+                  <a:ext uri="{FF2B5EF4-FFF2-40B4-BE49-F238E27FC236}">
+                    <a16:creationId xmlns:a16="http://schemas.microsoft.com/office/drawing/2014/main" id="{1615F753-A12E-4CD4-838D-05A5DB346A1A}"/>
+                  </a:ext>
+                </a:extLst>
+              </p:cNvPr>
+              <p:cNvCxnSpPr>
+                <a:cxnSpLocks/>
+                <a:stCxn id="107" idx="0"/>
+                <a:endCxn id="109" idx="2"/>
+              </p:cNvCxnSpPr>
+              <p:nvPr/>
+            </p:nvCxnSpPr>
+            <p:spPr>
+              <a:xfrm flipH="1" flipV="1">
+                <a:off x="2844040" y="5141382"/>
+                <a:ext cx="1" cy="671462"/>
+              </a:xfrm>
+              <a:prstGeom prst="straightConnector1">
+                <a:avLst/>
+              </a:prstGeom>
+              <a:noFill/>
+              <a:ln w="101600" cap="flat" cmpd="dbl" algn="ctr">
+                <a:solidFill>
+                  <a:srgbClr val="FFC000"/>
+                </a:solidFill>
+                <a:prstDash val="solid"/>
+                <a:miter lim="800000"/>
+                <a:tailEnd type="triangle" w="sm" len="sm"/>
+              </a:ln>
+              <a:effectLst/>
+            </p:spPr>
+          </p:cxnSp>
+          <p:cxnSp>
+            <p:nvCxnSpPr>
+              <p:cNvPr id="154" name="Connector: Elbow 153">
+                <a:extLst>
+                  <a:ext uri="{FF2B5EF4-FFF2-40B4-BE49-F238E27FC236}">
+                    <a16:creationId xmlns:a16="http://schemas.microsoft.com/office/drawing/2014/main" id="{76C2D357-530D-43A8-A61C-C535BBD43F4C}"/>
+                  </a:ext>
+                </a:extLst>
+              </p:cNvPr>
+              <p:cNvCxnSpPr>
+                <a:cxnSpLocks/>
+                <a:stCxn id="108" idx="1"/>
+              </p:cNvCxnSpPr>
+              <p:nvPr/>
+            </p:nvCxnSpPr>
+            <p:spPr>
+              <a:xfrm rot="10800000">
+                <a:off x="1217120" y="3900313"/>
+                <a:ext cx="1247093" cy="6282"/>
+              </a:xfrm>
+              <a:prstGeom prst="bentConnector3">
+                <a:avLst>
+                  <a:gd name="adj1" fmla="val 50000"/>
+                </a:avLst>
+              </a:prstGeom>
+              <a:noFill/>
+              <a:ln w="101600" cap="flat" cmpd="dbl" algn="ctr">
+                <a:solidFill>
+                  <a:srgbClr val="FFC000"/>
+                </a:solidFill>
+                <a:prstDash val="solid"/>
+                <a:miter lim="800000"/>
+                <a:tailEnd type="triangle" w="sm" len="sm"/>
+              </a:ln>
+              <a:effectLst/>
+            </p:spPr>
+          </p:cxnSp>
+        </p:grpSp>
+        <p:cxnSp>
+          <p:nvCxnSpPr>
+            <p:cNvPr id="19" name="Connector: Elbow 18">
+              <a:extLst>
+                <a:ext uri="{FF2B5EF4-FFF2-40B4-BE49-F238E27FC236}">
+                  <a16:creationId xmlns:a16="http://schemas.microsoft.com/office/drawing/2014/main" id="{456F627F-2E35-4DAB-BA2C-E0E41117014B}"/>
+                </a:ext>
+              </a:extLst>
+            </p:cNvPr>
+            <p:cNvCxnSpPr>
+              <a:cxnSpLocks/>
+              <a:stCxn id="32" idx="2"/>
+              <a:endCxn id="127" idx="2"/>
+            </p:cNvCxnSpPr>
+            <p:nvPr/>
+          </p:nvCxnSpPr>
+          <p:spPr>
+            <a:xfrm rot="5400000">
+              <a:off x="1588825" y="1846834"/>
+              <a:ext cx="432517" cy="1284093"/>
+            </a:xfrm>
+            <a:prstGeom prst="bentConnector2">
+              <a:avLst/>
+            </a:prstGeom>
+            <a:noFill/>
+            <a:ln w="12700" cap="flat" cmpd="sng" algn="ctr">
+              <a:solidFill>
+                <a:srgbClr val="ED7D31"/>
+              </a:solidFill>
+              <a:prstDash val="solid"/>
+              <a:miter lim="800000"/>
+              <a:headEnd type="none" w="med" len="med"/>
+              <a:tailEnd type="triangle" w="med" len="med"/>
+            </a:ln>
+            <a:effectLst/>
+          </p:spPr>
+        </p:cxnSp>
+        <p:cxnSp>
+          <p:nvCxnSpPr>
+            <p:cNvPr id="20" name="Connector: Elbow 19">
+              <a:extLst>
+                <a:ext uri="{FF2B5EF4-FFF2-40B4-BE49-F238E27FC236}">
+                  <a16:creationId xmlns:a16="http://schemas.microsoft.com/office/drawing/2014/main" id="{2509A382-6C81-40B1-85A4-837BC4115C48}"/>
+                </a:ext>
+              </a:extLst>
+            </p:cNvPr>
+            <p:cNvCxnSpPr>
+              <a:cxnSpLocks/>
+              <a:stCxn id="126" idx="2"/>
+              <a:endCxn id="33" idx="2"/>
+            </p:cNvCxnSpPr>
+            <p:nvPr/>
+          </p:nvCxnSpPr>
+          <p:spPr>
+            <a:xfrm flipV="1">
+              <a:off x="1163036" y="2272622"/>
+              <a:ext cx="1398393" cy="518535"/>
+            </a:xfrm>
+            <a:prstGeom prst="bentConnector2">
+              <a:avLst/>
+            </a:prstGeom>
+            <a:noFill/>
+            <a:ln w="12700" cap="flat" cmpd="sng" algn="ctr">
+              <a:solidFill>
+                <a:srgbClr val="ED7D31"/>
+              </a:solidFill>
+              <a:prstDash val="solid"/>
+              <a:miter lim="800000"/>
+              <a:headEnd type="none" w="med" len="med"/>
+              <a:tailEnd type="triangle" w="med" len="med"/>
+            </a:ln>
+            <a:effectLst/>
+          </p:spPr>
+        </p:cxnSp>
+        <p:grpSp>
+          <p:nvGrpSpPr>
+            <p:cNvPr id="21" name="Group 20">
+              <a:extLst>
+                <a:ext uri="{FF2B5EF4-FFF2-40B4-BE49-F238E27FC236}">
+                  <a16:creationId xmlns:a16="http://schemas.microsoft.com/office/drawing/2014/main" id="{9B3FD48A-D7B8-42AF-B2B1-754836A9BC9C}"/>
+                </a:ext>
+              </a:extLst>
+            </p:cNvPr>
+            <p:cNvGrpSpPr/>
+            <p:nvPr/>
+          </p:nvGrpSpPr>
+          <p:grpSpPr>
+            <a:xfrm>
+              <a:off x="668651" y="2049908"/>
+              <a:ext cx="228600" cy="114300"/>
+              <a:chOff x="3488871" y="2942096"/>
+              <a:chExt cx="228600" cy="114300"/>
+            </a:xfrm>
+            <a:solidFill>
+              <a:sysClr val="window" lastClr="FFFFFF"/>
+            </a:solidFill>
+          </p:grpSpPr>
+          <p:sp>
+            <p:nvSpPr>
+              <p:cNvPr id="150" name="Rectangle 149">
+                <a:extLst>
+                  <a:ext uri="{FF2B5EF4-FFF2-40B4-BE49-F238E27FC236}">
+                    <a16:creationId xmlns:a16="http://schemas.microsoft.com/office/drawing/2014/main" id="{99DD4C58-6726-4FC4-972C-B08739CED20D}"/>
+                  </a:ext>
+                </a:extLst>
+              </p:cNvPr>
+              <p:cNvSpPr/>
+              <p:nvPr/>
+            </p:nvSpPr>
+            <p:spPr>
+              <a:xfrm>
+                <a:off x="3488871" y="2942096"/>
+                <a:ext cx="114300" cy="114300"/>
+              </a:xfrm>
+              <a:prstGeom prst="rect">
+                <a:avLst/>
+              </a:prstGeom>
+              <a:grpFill/>
+              <a:ln w="12700" cap="flat" cmpd="sng" algn="ctr">
+                <a:noFill/>
+                <a:prstDash val="solid"/>
+                <a:miter lim="800000"/>
+              </a:ln>
+              <a:effectLst/>
+            </p:spPr>
+            <p:txBody>
+              <a:bodyPr rtlCol="0" anchor="ctr"/>
+              <a:lstStyle/>
+              <a:p>
+                <a:pPr marL="0" marR="0" lvl="0" indent="0" algn="ctr" defTabSz="457200" eaLnBrk="1" fontAlgn="auto" latinLnBrk="0" hangingPunct="1">
+                  <a:lnSpc>
+                    <a:spcPct val="100000"/>
+                  </a:lnSpc>
+                  <a:spcBef>
+                    <a:spcPts val="0"/>
+                  </a:spcBef>
+                  <a:spcAft>
+                    <a:spcPts val="0"/>
+                  </a:spcAft>
+                  <a:buClrTx/>
+                  <a:buSzTx/>
+                  <a:buFontTx/>
+                  <a:buNone/>
+                  <a:tabLst/>
+                  <a:defRPr/>
+                </a:pPr>
+                <a:endParaRPr kumimoji="0" lang="en-AU" sz="1800" b="0" i="0" u="none" strike="noStrike" kern="0" cap="none" spc="0" normalizeH="0" baseline="0" noProof="0" dirty="0">
+                  <a:ln>
+                    <a:noFill/>
+                  </a:ln>
+                  <a:solidFill>
+                    <a:prstClr val="white"/>
+                  </a:solidFill>
+                  <a:effectLst/>
+                  <a:uLnTx/>
+                  <a:uFillTx/>
+                  <a:latin typeface="Calibri" panose="020F0502020204030204"/>
+                  <a:ea typeface="+mn-ea"/>
+                  <a:cs typeface="+mn-cs"/>
+                </a:endParaRPr>
+              </a:p>
+            </p:txBody>
+          </p:sp>
+          <p:sp>
+            <p:nvSpPr>
+              <p:cNvPr id="151" name="Rectangle 150">
+                <a:extLst>
+                  <a:ext uri="{FF2B5EF4-FFF2-40B4-BE49-F238E27FC236}">
+                    <a16:creationId xmlns:a16="http://schemas.microsoft.com/office/drawing/2014/main" id="{1132C47C-DEA0-4642-9F34-999279B774C7}"/>
+                  </a:ext>
+                </a:extLst>
+              </p:cNvPr>
+              <p:cNvSpPr/>
+              <p:nvPr/>
+            </p:nvSpPr>
+            <p:spPr>
+              <a:xfrm>
+                <a:off x="3603171" y="2942096"/>
+                <a:ext cx="114300" cy="114300"/>
+              </a:xfrm>
+              <a:prstGeom prst="rect">
+                <a:avLst/>
+              </a:prstGeom>
+              <a:grpFill/>
+              <a:ln w="12700" cap="flat" cmpd="sng" algn="ctr">
+                <a:noFill/>
+                <a:prstDash val="solid"/>
+                <a:miter lim="800000"/>
+              </a:ln>
+              <a:effectLst/>
+            </p:spPr>
+            <p:txBody>
+              <a:bodyPr rtlCol="0" anchor="ctr"/>
+              <a:lstStyle/>
+              <a:p>
+                <a:pPr marL="0" marR="0" lvl="0" indent="0" algn="ctr" defTabSz="457200" eaLnBrk="1" fontAlgn="auto" latinLnBrk="0" hangingPunct="1">
+                  <a:lnSpc>
+                    <a:spcPct val="100000"/>
+                  </a:lnSpc>
+                  <a:spcBef>
+                    <a:spcPts val="0"/>
+                  </a:spcBef>
+                  <a:spcAft>
+                    <a:spcPts val="0"/>
+                  </a:spcAft>
+                  <a:buClrTx/>
+                  <a:buSzTx/>
+                  <a:buFontTx/>
+                  <a:buNone/>
+                  <a:tabLst/>
+                  <a:defRPr/>
+                </a:pPr>
+                <a:endParaRPr kumimoji="0" lang="en-AU" sz="1800" b="0" i="0" u="none" strike="noStrike" kern="0" cap="none" spc="0" normalizeH="0" baseline="0" noProof="0" dirty="0">
+                  <a:ln>
+                    <a:noFill/>
+                  </a:ln>
+                  <a:solidFill>
+                    <a:prstClr val="white"/>
+                  </a:solidFill>
+                  <a:effectLst/>
+                  <a:uLnTx/>
+                  <a:uFillTx/>
+                  <a:latin typeface="Calibri" panose="020F0502020204030204"/>
+                  <a:ea typeface="+mn-ea"/>
+                  <a:cs typeface="+mn-cs"/>
+                </a:endParaRPr>
+              </a:p>
+            </p:txBody>
+          </p:sp>
+        </p:grpSp>
+        <p:cxnSp>
+          <p:nvCxnSpPr>
+            <p:cNvPr id="22" name="Straight Arrow Connector 21">
+              <a:extLst>
+                <a:ext uri="{FF2B5EF4-FFF2-40B4-BE49-F238E27FC236}">
+                  <a16:creationId xmlns:a16="http://schemas.microsoft.com/office/drawing/2014/main" id="{F84F9D42-1563-4F64-9275-92A30363C36E}"/>
+                </a:ext>
+              </a:extLst>
+            </p:cNvPr>
+            <p:cNvCxnSpPr>
+              <a:cxnSpLocks/>
+              <a:stCxn id="149" idx="2"/>
+              <a:endCxn id="151" idx="0"/>
+            </p:cNvCxnSpPr>
+            <p:nvPr/>
+          </p:nvCxnSpPr>
+          <p:spPr>
+            <a:xfrm>
+              <a:off x="840101" y="1643958"/>
+              <a:ext cx="0" cy="405950"/>
+            </a:xfrm>
+            <a:prstGeom prst="straightConnector1">
+              <a:avLst/>
+            </a:prstGeom>
+            <a:noFill/>
+            <a:ln w="12700" cap="flat" cmpd="sng" algn="ctr">
+              <a:solidFill>
+                <a:srgbClr val="ED7D31"/>
+              </a:solidFill>
+              <a:prstDash val="solid"/>
+              <a:miter lim="800000"/>
+              <a:headEnd type="triangle" w="med" len="med"/>
+              <a:tailEnd type="none" w="med" len="med"/>
+            </a:ln>
+            <a:effectLst/>
+          </p:spPr>
+        </p:cxnSp>
+        <p:cxnSp>
+          <p:nvCxnSpPr>
+            <p:cNvPr id="23" name="Straight Arrow Connector 22">
+              <a:extLst>
+                <a:ext uri="{FF2B5EF4-FFF2-40B4-BE49-F238E27FC236}">
+                  <a16:creationId xmlns:a16="http://schemas.microsoft.com/office/drawing/2014/main" id="{557CBE99-A5F2-45D8-B97A-BA007BB1FF93}"/>
+                </a:ext>
+              </a:extLst>
+            </p:cNvPr>
+            <p:cNvCxnSpPr>
+              <a:cxnSpLocks/>
+              <a:stCxn id="148" idx="2"/>
+              <a:endCxn id="150" idx="0"/>
+            </p:cNvCxnSpPr>
+            <p:nvPr/>
+          </p:nvCxnSpPr>
+          <p:spPr>
+            <a:xfrm>
+              <a:off x="725801" y="1643958"/>
+              <a:ext cx="0" cy="405950"/>
+            </a:xfrm>
+            <a:prstGeom prst="straightConnector1">
+              <a:avLst/>
+            </a:prstGeom>
+            <a:noFill/>
+            <a:ln w="12700" cap="flat" cmpd="sng" algn="ctr">
+              <a:solidFill>
+                <a:srgbClr val="ED7D31"/>
+              </a:solidFill>
+              <a:prstDash val="solid"/>
+              <a:miter lim="800000"/>
+              <a:headEnd type="none" w="med" len="med"/>
+              <a:tailEnd type="triangle" w="med" len="med"/>
+            </a:ln>
+            <a:effectLst/>
+          </p:spPr>
+        </p:cxnSp>
+        <p:grpSp>
+          <p:nvGrpSpPr>
+            <p:cNvPr id="24" name="Group 23">
+              <a:extLst>
+                <a:ext uri="{FF2B5EF4-FFF2-40B4-BE49-F238E27FC236}">
+                  <a16:creationId xmlns:a16="http://schemas.microsoft.com/office/drawing/2014/main" id="{F8BFE1FC-E24B-4BE0-8232-7AB4E3B3ED2A}"/>
+                </a:ext>
+              </a:extLst>
+            </p:cNvPr>
+            <p:cNvGrpSpPr/>
+            <p:nvPr/>
+          </p:nvGrpSpPr>
+          <p:grpSpPr>
+            <a:xfrm>
+              <a:off x="668651" y="1529658"/>
+              <a:ext cx="228600" cy="114300"/>
+              <a:chOff x="3488871" y="2942096"/>
+              <a:chExt cx="228600" cy="114300"/>
+            </a:xfrm>
+            <a:solidFill>
+              <a:sysClr val="window" lastClr="FFFFFF"/>
+            </a:solidFill>
+          </p:grpSpPr>
+          <p:sp>
+            <p:nvSpPr>
+              <p:cNvPr id="148" name="Rectangle 147">
+                <a:extLst>
+                  <a:ext uri="{FF2B5EF4-FFF2-40B4-BE49-F238E27FC236}">
+                    <a16:creationId xmlns:a16="http://schemas.microsoft.com/office/drawing/2014/main" id="{9118D962-56A0-4D1F-ACED-253DE15DF11E}"/>
+                  </a:ext>
+                </a:extLst>
+              </p:cNvPr>
+              <p:cNvSpPr/>
+              <p:nvPr/>
+            </p:nvSpPr>
+            <p:spPr>
+              <a:xfrm>
+                <a:off x="3488871" y="2942096"/>
+                <a:ext cx="114300" cy="114300"/>
+              </a:xfrm>
+              <a:prstGeom prst="rect">
+                <a:avLst/>
+              </a:prstGeom>
+              <a:grpFill/>
+              <a:ln w="12700" cap="flat" cmpd="sng" algn="ctr">
+                <a:noFill/>
+                <a:prstDash val="solid"/>
+                <a:miter lim="800000"/>
+              </a:ln>
+              <a:effectLst/>
+            </p:spPr>
+            <p:txBody>
+              <a:bodyPr rtlCol="0" anchor="ctr"/>
+              <a:lstStyle/>
+              <a:p>
+                <a:pPr marL="0" marR="0" lvl="0" indent="0" algn="ctr" defTabSz="457200" eaLnBrk="1" fontAlgn="auto" latinLnBrk="0" hangingPunct="1">
+                  <a:lnSpc>
+                    <a:spcPct val="100000"/>
+                  </a:lnSpc>
+                  <a:spcBef>
+                    <a:spcPts val="0"/>
+                  </a:spcBef>
+                  <a:spcAft>
+                    <a:spcPts val="0"/>
+                  </a:spcAft>
+                  <a:buClrTx/>
+                  <a:buSzTx/>
+                  <a:buFontTx/>
+                  <a:buNone/>
+                  <a:tabLst/>
+                  <a:defRPr/>
+                </a:pPr>
+                <a:endParaRPr kumimoji="0" lang="en-AU" sz="1800" b="0" i="0" u="none" strike="noStrike" kern="0" cap="none" spc="0" normalizeH="0" baseline="0" noProof="0" dirty="0">
+                  <a:ln>
+                    <a:noFill/>
+                  </a:ln>
+                  <a:solidFill>
+                    <a:prstClr val="white"/>
+                  </a:solidFill>
+                  <a:effectLst/>
+                  <a:uLnTx/>
+                  <a:uFillTx/>
+                  <a:latin typeface="Calibri" panose="020F0502020204030204"/>
+                  <a:ea typeface="+mn-ea"/>
+                  <a:cs typeface="+mn-cs"/>
+                </a:endParaRPr>
+              </a:p>
+            </p:txBody>
+          </p:sp>
+          <p:sp>
+            <p:nvSpPr>
+              <p:cNvPr id="149" name="Rectangle 148">
+                <a:extLst>
+                  <a:ext uri="{FF2B5EF4-FFF2-40B4-BE49-F238E27FC236}">
+                    <a16:creationId xmlns:a16="http://schemas.microsoft.com/office/drawing/2014/main" id="{C77ACD5B-023C-4501-B95B-8808C3FF3F21}"/>
+                  </a:ext>
+                </a:extLst>
+              </p:cNvPr>
+              <p:cNvSpPr/>
+              <p:nvPr/>
+            </p:nvSpPr>
+            <p:spPr>
+              <a:xfrm>
+                <a:off x="3603171" y="2942096"/>
+                <a:ext cx="114300" cy="114300"/>
+              </a:xfrm>
+              <a:prstGeom prst="rect">
+                <a:avLst/>
+              </a:prstGeom>
+              <a:grpFill/>
+              <a:ln w="12700" cap="flat" cmpd="sng" algn="ctr">
+                <a:noFill/>
+                <a:prstDash val="solid"/>
+                <a:miter lim="800000"/>
+              </a:ln>
+              <a:effectLst/>
+            </p:spPr>
+            <p:txBody>
+              <a:bodyPr rtlCol="0" anchor="ctr"/>
+              <a:lstStyle/>
+              <a:p>
+                <a:pPr marL="0" marR="0" lvl="0" indent="0" algn="ctr" defTabSz="457200" eaLnBrk="1" fontAlgn="auto" latinLnBrk="0" hangingPunct="1">
+                  <a:lnSpc>
+                    <a:spcPct val="100000"/>
+                  </a:lnSpc>
+                  <a:spcBef>
+                    <a:spcPts val="0"/>
+                  </a:spcBef>
+                  <a:spcAft>
+                    <a:spcPts val="0"/>
+                  </a:spcAft>
+                  <a:buClrTx/>
+                  <a:buSzTx/>
+                  <a:buFontTx/>
+                  <a:buNone/>
+                  <a:tabLst/>
+                  <a:defRPr/>
+                </a:pPr>
+                <a:endParaRPr kumimoji="0" lang="en-AU" sz="1800" b="0" i="0" u="none" strike="noStrike" kern="0" cap="none" spc="0" normalizeH="0" baseline="0" noProof="0" dirty="0">
+                  <a:ln>
+                    <a:noFill/>
+                  </a:ln>
+                  <a:solidFill>
+                    <a:prstClr val="white"/>
+                  </a:solidFill>
+                  <a:effectLst/>
+                  <a:uLnTx/>
+                  <a:uFillTx/>
+                  <a:latin typeface="Calibri" panose="020F0502020204030204"/>
+                  <a:ea typeface="+mn-ea"/>
+                  <a:cs typeface="+mn-cs"/>
+                </a:endParaRPr>
+              </a:p>
+            </p:txBody>
+          </p:sp>
+        </p:grpSp>
+        <p:cxnSp>
+          <p:nvCxnSpPr>
+            <p:cNvPr id="25" name="Straight Arrow Connector 24">
+              <a:extLst>
+                <a:ext uri="{FF2B5EF4-FFF2-40B4-BE49-F238E27FC236}">
+                  <a16:creationId xmlns:a16="http://schemas.microsoft.com/office/drawing/2014/main" id="{CEE0BC17-B861-4945-8608-C21D0636404F}"/>
+                </a:ext>
+              </a:extLst>
+            </p:cNvPr>
+            <p:cNvCxnSpPr>
+              <a:cxnSpLocks/>
+              <a:stCxn id="145" idx="2"/>
+              <a:endCxn id="147" idx="0"/>
+            </p:cNvCxnSpPr>
+            <p:nvPr/>
+          </p:nvCxnSpPr>
+          <p:spPr>
+            <a:xfrm>
+              <a:off x="2561429" y="1643958"/>
+              <a:ext cx="0" cy="405950"/>
+            </a:xfrm>
+            <a:prstGeom prst="straightConnector1">
+              <a:avLst/>
+            </a:prstGeom>
+            <a:noFill/>
+            <a:ln w="12700" cap="flat" cmpd="sng" algn="ctr">
+              <a:solidFill>
+                <a:srgbClr val="ED7D31"/>
+              </a:solidFill>
+              <a:prstDash val="solid"/>
+              <a:miter lim="800000"/>
+              <a:headEnd type="triangle" w="med" len="med"/>
+              <a:tailEnd type="none" w="med" len="med"/>
+            </a:ln>
+            <a:effectLst/>
+          </p:spPr>
+        </p:cxnSp>
+        <p:cxnSp>
+          <p:nvCxnSpPr>
+            <p:cNvPr id="26" name="Straight Arrow Connector 25">
+              <a:extLst>
+                <a:ext uri="{FF2B5EF4-FFF2-40B4-BE49-F238E27FC236}">
+                  <a16:creationId xmlns:a16="http://schemas.microsoft.com/office/drawing/2014/main" id="{0B0F20FB-E38A-4D24-8D7A-95DD0E30AC0E}"/>
+                </a:ext>
+              </a:extLst>
+            </p:cNvPr>
+            <p:cNvCxnSpPr>
+              <a:cxnSpLocks/>
+              <a:stCxn id="144" idx="2"/>
+              <a:endCxn id="146" idx="0"/>
+            </p:cNvCxnSpPr>
+            <p:nvPr/>
+          </p:nvCxnSpPr>
+          <p:spPr>
+            <a:xfrm>
+              <a:off x="2447129" y="1643958"/>
+              <a:ext cx="0" cy="405950"/>
+            </a:xfrm>
+            <a:prstGeom prst="straightConnector1">
+              <a:avLst/>
+            </a:prstGeom>
+            <a:noFill/>
+            <a:ln w="12700" cap="flat" cmpd="sng" algn="ctr">
+              <a:solidFill>
+                <a:srgbClr val="ED7D31"/>
+              </a:solidFill>
+              <a:prstDash val="solid"/>
+              <a:miter lim="800000"/>
+              <a:headEnd type="none" w="med" len="med"/>
+              <a:tailEnd type="triangle" w="med" len="med"/>
+            </a:ln>
+            <a:effectLst/>
+          </p:spPr>
+        </p:cxnSp>
+        <p:grpSp>
+          <p:nvGrpSpPr>
+            <p:cNvPr id="27" name="Group 26">
+              <a:extLst>
+                <a:ext uri="{FF2B5EF4-FFF2-40B4-BE49-F238E27FC236}">
+                  <a16:creationId xmlns:a16="http://schemas.microsoft.com/office/drawing/2014/main" id="{31F7DAF4-D6D4-4FBC-9165-ADE9D1D4C7F2}"/>
+                </a:ext>
+              </a:extLst>
+            </p:cNvPr>
+            <p:cNvGrpSpPr/>
+            <p:nvPr/>
+          </p:nvGrpSpPr>
+          <p:grpSpPr>
+            <a:xfrm>
+              <a:off x="2389979" y="2049908"/>
+              <a:ext cx="228600" cy="114300"/>
+              <a:chOff x="3488871" y="2942096"/>
+              <a:chExt cx="228600" cy="114300"/>
+            </a:xfrm>
+            <a:solidFill>
+              <a:sysClr val="window" lastClr="FFFFFF"/>
+            </a:solidFill>
+          </p:grpSpPr>
+          <p:sp>
+            <p:nvSpPr>
+              <p:cNvPr id="146" name="Rectangle 145">
+                <a:extLst>
+                  <a:ext uri="{FF2B5EF4-FFF2-40B4-BE49-F238E27FC236}">
+                    <a16:creationId xmlns:a16="http://schemas.microsoft.com/office/drawing/2014/main" id="{2BBD98A2-EC9F-4236-AF7D-1D4CC1B5EF37}"/>
+                  </a:ext>
+                </a:extLst>
+              </p:cNvPr>
+              <p:cNvSpPr/>
+              <p:nvPr/>
+            </p:nvSpPr>
+            <p:spPr>
+              <a:xfrm>
+                <a:off x="3488871" y="2942096"/>
+                <a:ext cx="114300" cy="114300"/>
+              </a:xfrm>
+              <a:prstGeom prst="rect">
+                <a:avLst/>
+              </a:prstGeom>
+              <a:grpFill/>
+              <a:ln w="12700" cap="flat" cmpd="sng" algn="ctr">
+                <a:noFill/>
+                <a:prstDash val="solid"/>
+                <a:miter lim="800000"/>
+              </a:ln>
+              <a:effectLst/>
+            </p:spPr>
+            <p:txBody>
+              <a:bodyPr rtlCol="0" anchor="ctr"/>
+              <a:lstStyle/>
+              <a:p>
+                <a:pPr marL="0" marR="0" lvl="0" indent="0" algn="ctr" defTabSz="457200" eaLnBrk="1" fontAlgn="auto" latinLnBrk="0" hangingPunct="1">
+                  <a:lnSpc>
+                    <a:spcPct val="100000"/>
+                  </a:lnSpc>
+                  <a:spcBef>
+                    <a:spcPts val="0"/>
+                  </a:spcBef>
+                  <a:spcAft>
+                    <a:spcPts val="0"/>
+                  </a:spcAft>
+                  <a:buClrTx/>
+                  <a:buSzTx/>
+                  <a:buFontTx/>
+                  <a:buNone/>
+                  <a:tabLst/>
+                  <a:defRPr/>
+                </a:pPr>
+                <a:endParaRPr kumimoji="0" lang="en-AU" sz="1800" b="0" i="0" u="none" strike="noStrike" kern="0" cap="none" spc="0" normalizeH="0" baseline="0" noProof="0" dirty="0">
+                  <a:ln>
+                    <a:noFill/>
+                  </a:ln>
+                  <a:solidFill>
+                    <a:prstClr val="white"/>
+                  </a:solidFill>
+                  <a:effectLst/>
+                  <a:uLnTx/>
+                  <a:uFillTx/>
+                  <a:latin typeface="Calibri" panose="020F0502020204030204"/>
+                  <a:ea typeface="+mn-ea"/>
+                  <a:cs typeface="+mn-cs"/>
+                </a:endParaRPr>
+              </a:p>
+            </p:txBody>
+          </p:sp>
+          <p:sp>
+            <p:nvSpPr>
+              <p:cNvPr id="147" name="Rectangle 146">
+                <a:extLst>
+                  <a:ext uri="{FF2B5EF4-FFF2-40B4-BE49-F238E27FC236}">
+                    <a16:creationId xmlns:a16="http://schemas.microsoft.com/office/drawing/2014/main" id="{79ECC156-D211-4A89-A43B-F700BEFC065A}"/>
+                  </a:ext>
+                </a:extLst>
+              </p:cNvPr>
+              <p:cNvSpPr/>
+              <p:nvPr/>
+            </p:nvSpPr>
+            <p:spPr>
+              <a:xfrm>
+                <a:off x="3603171" y="2942096"/>
+                <a:ext cx="114300" cy="114300"/>
+              </a:xfrm>
+              <a:prstGeom prst="rect">
+                <a:avLst/>
+              </a:prstGeom>
+              <a:grpFill/>
+              <a:ln w="12700" cap="flat" cmpd="sng" algn="ctr">
+                <a:noFill/>
+                <a:prstDash val="solid"/>
+                <a:miter lim="800000"/>
+              </a:ln>
+              <a:effectLst/>
+            </p:spPr>
+            <p:txBody>
+              <a:bodyPr rtlCol="0" anchor="ctr"/>
+              <a:lstStyle/>
+              <a:p>
+                <a:pPr marL="0" marR="0" lvl="0" indent="0" algn="ctr" defTabSz="457200" eaLnBrk="1" fontAlgn="auto" latinLnBrk="0" hangingPunct="1">
+                  <a:lnSpc>
+                    <a:spcPct val="100000"/>
+                  </a:lnSpc>
+                  <a:spcBef>
+                    <a:spcPts val="0"/>
+                  </a:spcBef>
+                  <a:spcAft>
+                    <a:spcPts val="0"/>
+                  </a:spcAft>
+                  <a:buClrTx/>
+                  <a:buSzTx/>
+                  <a:buFontTx/>
+                  <a:buNone/>
+                  <a:tabLst/>
+                  <a:defRPr/>
+                </a:pPr>
+                <a:endParaRPr kumimoji="0" lang="en-AU" sz="1800" b="0" i="0" u="none" strike="noStrike" kern="0" cap="none" spc="0" normalizeH="0" baseline="0" noProof="0" dirty="0">
+                  <a:ln>
+                    <a:noFill/>
+                  </a:ln>
+                  <a:solidFill>
+                    <a:prstClr val="white"/>
+                  </a:solidFill>
+                  <a:effectLst/>
+                  <a:uLnTx/>
+                  <a:uFillTx/>
+                  <a:latin typeface="Calibri" panose="020F0502020204030204"/>
+                  <a:ea typeface="+mn-ea"/>
+                  <a:cs typeface="+mn-cs"/>
+                </a:endParaRPr>
+              </a:p>
+            </p:txBody>
+          </p:sp>
+        </p:grpSp>
+        <p:grpSp>
+          <p:nvGrpSpPr>
+            <p:cNvPr id="28" name="Group 27">
+              <a:extLst>
+                <a:ext uri="{FF2B5EF4-FFF2-40B4-BE49-F238E27FC236}">
+                  <a16:creationId xmlns:a16="http://schemas.microsoft.com/office/drawing/2014/main" id="{96D3EEEE-6B0C-4CBD-8834-AB7333FCA728}"/>
+                </a:ext>
+              </a:extLst>
+            </p:cNvPr>
+            <p:cNvGrpSpPr/>
+            <p:nvPr/>
+          </p:nvGrpSpPr>
+          <p:grpSpPr>
+            <a:xfrm>
+              <a:off x="2389979" y="1529658"/>
+              <a:ext cx="228600" cy="114300"/>
+              <a:chOff x="3488871" y="2942096"/>
+              <a:chExt cx="228600" cy="114300"/>
+            </a:xfrm>
+            <a:solidFill>
+              <a:sysClr val="window" lastClr="FFFFFF"/>
+            </a:solidFill>
+          </p:grpSpPr>
+          <p:sp>
+            <p:nvSpPr>
+              <p:cNvPr id="144" name="Rectangle 143">
+                <a:extLst>
+                  <a:ext uri="{FF2B5EF4-FFF2-40B4-BE49-F238E27FC236}">
+                    <a16:creationId xmlns:a16="http://schemas.microsoft.com/office/drawing/2014/main" id="{5D4380D2-4D85-442D-8757-5AFEB88EAA29}"/>
+                  </a:ext>
+                </a:extLst>
+              </p:cNvPr>
+              <p:cNvSpPr/>
+              <p:nvPr/>
+            </p:nvSpPr>
+            <p:spPr>
+              <a:xfrm>
+                <a:off x="3488871" y="2942096"/>
+                <a:ext cx="114300" cy="114300"/>
+              </a:xfrm>
+              <a:prstGeom prst="rect">
+                <a:avLst/>
+              </a:prstGeom>
+              <a:grpFill/>
+              <a:ln w="12700" cap="flat" cmpd="sng" algn="ctr">
+                <a:noFill/>
+                <a:prstDash val="solid"/>
+                <a:miter lim="800000"/>
+              </a:ln>
+              <a:effectLst/>
+            </p:spPr>
+            <p:txBody>
+              <a:bodyPr rtlCol="0" anchor="ctr"/>
+              <a:lstStyle/>
+              <a:p>
+                <a:pPr marL="0" marR="0" lvl="0" indent="0" algn="ctr" defTabSz="457200" eaLnBrk="1" fontAlgn="auto" latinLnBrk="0" hangingPunct="1">
+                  <a:lnSpc>
+                    <a:spcPct val="100000"/>
+                  </a:lnSpc>
+                  <a:spcBef>
+                    <a:spcPts val="0"/>
+                  </a:spcBef>
+                  <a:spcAft>
+                    <a:spcPts val="0"/>
+                  </a:spcAft>
+                  <a:buClrTx/>
+                  <a:buSzTx/>
+                  <a:buFontTx/>
+                  <a:buNone/>
+                  <a:tabLst/>
+                  <a:defRPr/>
+                </a:pPr>
+                <a:endParaRPr kumimoji="0" lang="en-AU" sz="1800" b="0" i="0" u="none" strike="noStrike" kern="0" cap="none" spc="0" normalizeH="0" baseline="0" noProof="0" dirty="0">
+                  <a:ln>
+                    <a:noFill/>
+                  </a:ln>
+                  <a:solidFill>
+                    <a:prstClr val="white"/>
+                  </a:solidFill>
+                  <a:effectLst/>
+                  <a:uLnTx/>
+                  <a:uFillTx/>
+                  <a:latin typeface="Calibri" panose="020F0502020204030204"/>
+                  <a:ea typeface="+mn-ea"/>
+                  <a:cs typeface="+mn-cs"/>
+                </a:endParaRPr>
+              </a:p>
+            </p:txBody>
+          </p:sp>
+          <p:sp>
+            <p:nvSpPr>
+              <p:cNvPr id="145" name="Rectangle 144">
+                <a:extLst>
+                  <a:ext uri="{FF2B5EF4-FFF2-40B4-BE49-F238E27FC236}">
+                    <a16:creationId xmlns:a16="http://schemas.microsoft.com/office/drawing/2014/main" id="{5EA800C3-7B24-4138-AD9C-6B2D92CD2BDD}"/>
+                  </a:ext>
+                </a:extLst>
+              </p:cNvPr>
+              <p:cNvSpPr/>
+              <p:nvPr/>
+            </p:nvSpPr>
+            <p:spPr>
+              <a:xfrm>
+                <a:off x="3603171" y="2942096"/>
+                <a:ext cx="114300" cy="114300"/>
+              </a:xfrm>
+              <a:prstGeom prst="rect">
+                <a:avLst/>
+              </a:prstGeom>
+              <a:grpFill/>
+              <a:ln w="12700" cap="flat" cmpd="sng" algn="ctr">
+                <a:noFill/>
+                <a:prstDash val="solid"/>
+                <a:miter lim="800000"/>
+              </a:ln>
+              <a:effectLst/>
+            </p:spPr>
+            <p:txBody>
+              <a:bodyPr rtlCol="0" anchor="ctr"/>
+              <a:lstStyle/>
+              <a:p>
+                <a:pPr marL="0" marR="0" lvl="0" indent="0" algn="ctr" defTabSz="457200" eaLnBrk="1" fontAlgn="auto" latinLnBrk="0" hangingPunct="1">
+                  <a:lnSpc>
+                    <a:spcPct val="100000"/>
+                  </a:lnSpc>
+                  <a:spcBef>
+                    <a:spcPts val="0"/>
+                  </a:spcBef>
+                  <a:spcAft>
+                    <a:spcPts val="0"/>
+                  </a:spcAft>
+                  <a:buClrTx/>
+                  <a:buSzTx/>
+                  <a:buFontTx/>
+                  <a:buNone/>
+                  <a:tabLst/>
+                  <a:defRPr/>
+                </a:pPr>
+                <a:endParaRPr kumimoji="0" lang="en-AU" sz="1800" b="0" i="0" u="none" strike="noStrike" kern="0" cap="none" spc="0" normalizeH="0" baseline="0" noProof="0" dirty="0">
+                  <a:ln>
+                    <a:noFill/>
+                  </a:ln>
+                  <a:solidFill>
+                    <a:prstClr val="white"/>
+                  </a:solidFill>
+                  <a:effectLst/>
+                  <a:uLnTx/>
+                  <a:uFillTx/>
+                  <a:latin typeface="Calibri" panose="020F0502020204030204"/>
+                  <a:ea typeface="+mn-ea"/>
+                  <a:cs typeface="+mn-cs"/>
+                </a:endParaRPr>
+              </a:p>
+            </p:txBody>
+          </p:sp>
+        </p:grpSp>
+        <p:cxnSp>
+          <p:nvCxnSpPr>
+            <p:cNvPr id="29" name="Straight Arrow Connector 28">
+              <a:extLst>
+                <a:ext uri="{FF2B5EF4-FFF2-40B4-BE49-F238E27FC236}">
+                  <a16:creationId xmlns:a16="http://schemas.microsoft.com/office/drawing/2014/main" id="{A610AD4C-3D01-4411-858B-4902D7E6CD6B}"/>
+                </a:ext>
+              </a:extLst>
+            </p:cNvPr>
+            <p:cNvCxnSpPr>
+              <a:cxnSpLocks/>
+              <a:stCxn id="143" idx="2"/>
+              <a:endCxn id="123" idx="0"/>
+            </p:cNvCxnSpPr>
+            <p:nvPr/>
+          </p:nvCxnSpPr>
+          <p:spPr>
+            <a:xfrm>
+              <a:off x="840101" y="2272622"/>
+              <a:ext cx="0" cy="389508"/>
+            </a:xfrm>
+            <a:prstGeom prst="straightConnector1">
+              <a:avLst/>
+            </a:prstGeom>
+            <a:noFill/>
+            <a:ln w="12700" cap="flat" cmpd="sng" algn="ctr">
+              <a:solidFill>
+                <a:srgbClr val="ED7D31"/>
+              </a:solidFill>
+              <a:prstDash val="solid"/>
+              <a:miter lim="800000"/>
+              <a:headEnd type="triangle" w="med" len="med"/>
+              <a:tailEnd type="none" w="med" len="med"/>
+            </a:ln>
+            <a:effectLst/>
+          </p:spPr>
+        </p:cxnSp>
+        <p:cxnSp>
+          <p:nvCxnSpPr>
+            <p:cNvPr id="30" name="Straight Arrow Connector 29">
+              <a:extLst>
+                <a:ext uri="{FF2B5EF4-FFF2-40B4-BE49-F238E27FC236}">
+                  <a16:creationId xmlns:a16="http://schemas.microsoft.com/office/drawing/2014/main" id="{76CAF7EF-2065-4502-BA92-0784611271F6}"/>
+                </a:ext>
+              </a:extLst>
+            </p:cNvPr>
+            <p:cNvCxnSpPr>
+              <a:cxnSpLocks/>
+              <a:stCxn id="142" idx="2"/>
+              <a:endCxn id="122" idx="0"/>
+            </p:cNvCxnSpPr>
+            <p:nvPr/>
+          </p:nvCxnSpPr>
+          <p:spPr>
+            <a:xfrm>
+              <a:off x="725801" y="2272622"/>
+              <a:ext cx="0" cy="389508"/>
+            </a:xfrm>
+            <a:prstGeom prst="straightConnector1">
+              <a:avLst/>
+            </a:prstGeom>
+            <a:noFill/>
+            <a:ln w="12700" cap="flat" cmpd="sng" algn="ctr">
+              <a:solidFill>
+                <a:srgbClr val="ED7D31"/>
+              </a:solidFill>
+              <a:prstDash val="solid"/>
+              <a:miter lim="800000"/>
+              <a:headEnd type="none" w="med" len="med"/>
+              <a:tailEnd type="triangle" w="med" len="med"/>
+            </a:ln>
+            <a:effectLst/>
+          </p:spPr>
+        </p:cxnSp>
+        <p:grpSp>
+          <p:nvGrpSpPr>
+            <p:cNvPr id="31" name="Group 30">
+              <a:extLst>
+                <a:ext uri="{FF2B5EF4-FFF2-40B4-BE49-F238E27FC236}">
+                  <a16:creationId xmlns:a16="http://schemas.microsoft.com/office/drawing/2014/main" id="{8D6D10B9-4D29-4AF5-AE89-7692C4F72863}"/>
+                </a:ext>
+              </a:extLst>
+            </p:cNvPr>
+            <p:cNvGrpSpPr/>
+            <p:nvPr/>
+          </p:nvGrpSpPr>
+          <p:grpSpPr>
+            <a:xfrm>
+              <a:off x="668651" y="2158322"/>
+              <a:ext cx="228600" cy="114300"/>
+              <a:chOff x="3488871" y="2942096"/>
+              <a:chExt cx="228600" cy="114300"/>
+            </a:xfrm>
+            <a:solidFill>
+              <a:sysClr val="window" lastClr="FFFFFF"/>
+            </a:solidFill>
+          </p:grpSpPr>
+          <p:sp>
+            <p:nvSpPr>
+              <p:cNvPr id="142" name="Rectangle 141">
+                <a:extLst>
+                  <a:ext uri="{FF2B5EF4-FFF2-40B4-BE49-F238E27FC236}">
+                    <a16:creationId xmlns:a16="http://schemas.microsoft.com/office/drawing/2014/main" id="{660E6396-B5AE-44C3-8E8A-4034C3FA5F23}"/>
+                  </a:ext>
+                </a:extLst>
+              </p:cNvPr>
+              <p:cNvSpPr/>
+              <p:nvPr/>
+            </p:nvSpPr>
+            <p:spPr>
+              <a:xfrm>
+                <a:off x="3488871" y="2942096"/>
+                <a:ext cx="114300" cy="114300"/>
+              </a:xfrm>
+              <a:prstGeom prst="rect">
+                <a:avLst/>
+              </a:prstGeom>
+              <a:grpFill/>
+              <a:ln w="12700" cap="flat" cmpd="sng" algn="ctr">
+                <a:noFill/>
+                <a:prstDash val="solid"/>
+                <a:miter lim="800000"/>
+              </a:ln>
+              <a:effectLst/>
+            </p:spPr>
+            <p:txBody>
+              <a:bodyPr rtlCol="0" anchor="ctr"/>
+              <a:lstStyle/>
+              <a:p>
+                <a:pPr marL="0" marR="0" lvl="0" indent="0" algn="ctr" defTabSz="457200" eaLnBrk="1" fontAlgn="auto" latinLnBrk="0" hangingPunct="1">
+                  <a:lnSpc>
+                    <a:spcPct val="100000"/>
+                  </a:lnSpc>
+                  <a:spcBef>
+                    <a:spcPts val="0"/>
+                  </a:spcBef>
+                  <a:spcAft>
+                    <a:spcPts val="0"/>
+                  </a:spcAft>
+                  <a:buClrTx/>
+                  <a:buSzTx/>
+                  <a:buFontTx/>
+                  <a:buNone/>
+                  <a:tabLst/>
+                  <a:defRPr/>
+                </a:pPr>
+                <a:endParaRPr kumimoji="0" lang="en-AU" sz="1800" b="0" i="0" u="none" strike="noStrike" kern="0" cap="none" spc="0" normalizeH="0" baseline="0" noProof="0" dirty="0">
+                  <a:ln>
+                    <a:noFill/>
+                  </a:ln>
+                  <a:solidFill>
+                    <a:prstClr val="white"/>
+                  </a:solidFill>
+                  <a:effectLst/>
+                  <a:uLnTx/>
+                  <a:uFillTx/>
+                  <a:latin typeface="Calibri" panose="020F0502020204030204"/>
+                  <a:ea typeface="+mn-ea"/>
+                  <a:cs typeface="+mn-cs"/>
+                </a:endParaRPr>
+              </a:p>
+            </p:txBody>
+          </p:sp>
+          <p:sp>
+            <p:nvSpPr>
+              <p:cNvPr id="143" name="Rectangle 142">
+                <a:extLst>
+                  <a:ext uri="{FF2B5EF4-FFF2-40B4-BE49-F238E27FC236}">
+                    <a16:creationId xmlns:a16="http://schemas.microsoft.com/office/drawing/2014/main" id="{D4FF6936-9C7B-4ABF-9874-A7E5DCD31348}"/>
+                  </a:ext>
+                </a:extLst>
+              </p:cNvPr>
+              <p:cNvSpPr/>
+              <p:nvPr/>
+            </p:nvSpPr>
+            <p:spPr>
+              <a:xfrm>
+                <a:off x="3603171" y="2942096"/>
+                <a:ext cx="114300" cy="114300"/>
+              </a:xfrm>
+              <a:prstGeom prst="rect">
+                <a:avLst/>
+              </a:prstGeom>
+              <a:grpFill/>
+              <a:ln w="12700" cap="flat" cmpd="sng" algn="ctr">
+                <a:noFill/>
+                <a:prstDash val="solid"/>
+                <a:miter lim="800000"/>
+              </a:ln>
+              <a:effectLst/>
+            </p:spPr>
+            <p:txBody>
+              <a:bodyPr rtlCol="0" anchor="ctr"/>
+              <a:lstStyle/>
+              <a:p>
+                <a:pPr marL="0" marR="0" lvl="0" indent="0" algn="ctr" defTabSz="457200" eaLnBrk="1" fontAlgn="auto" latinLnBrk="0" hangingPunct="1">
+                  <a:lnSpc>
+                    <a:spcPct val="100000"/>
+                  </a:lnSpc>
+                  <a:spcBef>
+                    <a:spcPts val="0"/>
+                  </a:spcBef>
+                  <a:spcAft>
+                    <a:spcPts val="0"/>
+                  </a:spcAft>
+                  <a:buClrTx/>
+                  <a:buSzTx/>
+                  <a:buFontTx/>
+                  <a:buNone/>
+                  <a:tabLst/>
+                  <a:defRPr/>
+                </a:pPr>
+                <a:endParaRPr kumimoji="0" lang="en-AU" sz="1800" b="0" i="0" u="none" strike="noStrike" kern="0" cap="none" spc="0" normalizeH="0" baseline="0" noProof="0" dirty="0">
+                  <a:ln>
+                    <a:noFill/>
+                  </a:ln>
+                  <a:solidFill>
+                    <a:prstClr val="white"/>
+                  </a:solidFill>
+                  <a:effectLst/>
+                  <a:uLnTx/>
+                  <a:uFillTx/>
+                  <a:latin typeface="Calibri" panose="020F0502020204030204"/>
+                  <a:ea typeface="+mn-ea"/>
+                  <a:cs typeface="+mn-cs"/>
+                </a:endParaRPr>
+              </a:p>
+            </p:txBody>
+          </p:sp>
+        </p:grpSp>
+        <p:sp>
+          <p:nvSpPr>
+            <p:cNvPr id="32" name="Rectangle 31">
+              <a:extLst>
+                <a:ext uri="{FF2B5EF4-FFF2-40B4-BE49-F238E27FC236}">
+                  <a16:creationId xmlns:a16="http://schemas.microsoft.com/office/drawing/2014/main" id="{08146ED8-A605-4DDE-B03E-7070122E4F19}"/>
+                </a:ext>
+              </a:extLst>
+            </p:cNvPr>
+            <p:cNvSpPr/>
+            <p:nvPr/>
+          </p:nvSpPr>
+          <p:spPr>
+            <a:xfrm>
+              <a:off x="2389979" y="2158322"/>
+              <a:ext cx="114300" cy="114300"/>
+            </a:xfrm>
+            <a:prstGeom prst="rect">
+              <a:avLst/>
+            </a:prstGeom>
+            <a:solidFill>
+              <a:sysClr val="window" lastClr="FFFFFF"/>
+            </a:solidFill>
+            <a:ln w="12700" cap="flat" cmpd="sng" algn="ctr">
+              <a:noFill/>
+              <a:prstDash val="solid"/>
+              <a:miter lim="800000"/>
+            </a:ln>
+            <a:effectLst/>
+          </p:spPr>
+          <p:txBody>
+            <a:bodyPr rtlCol="0" anchor="ctr"/>
+            <a:lstStyle/>
+            <a:p>
+              <a:pPr marL="0" marR="0" lvl="0" indent="0" algn="ctr" defTabSz="457200" eaLnBrk="1" fontAlgn="auto" latinLnBrk="0" hangingPunct="1">
+                <a:lnSpc>
+                  <a:spcPct val="100000"/>
+                </a:lnSpc>
+                <a:spcBef>
+                  <a:spcPts val="0"/>
+                </a:spcBef>
+                <a:spcAft>
+                  <a:spcPts val="0"/>
+                </a:spcAft>
+                <a:buClrTx/>
+                <a:buSzTx/>
+                <a:buFontTx/>
+                <a:buNone/>
+                <a:tabLst/>
+                <a:defRPr/>
+              </a:pPr>
+              <a:endParaRPr kumimoji="0" lang="en-AU" sz="1800" b="0" i="0" u="none" strike="noStrike" kern="0" cap="none" spc="0" normalizeH="0" baseline="0" noProof="0" dirty="0">
+                <a:ln>
+                  <a:noFill/>
+                </a:ln>
+                <a:solidFill>
+                  <a:prstClr val="white"/>
+                </a:solidFill>
+                <a:effectLst/>
+                <a:uLnTx/>
+                <a:uFillTx/>
+                <a:latin typeface="Calibri" panose="020F0502020204030204"/>
+                <a:ea typeface="+mn-ea"/>
+                <a:cs typeface="+mn-cs"/>
+              </a:endParaRPr>
+            </a:p>
+          </p:txBody>
+        </p:sp>
+        <p:sp>
+          <p:nvSpPr>
+            <p:cNvPr id="33" name="Rectangle 32">
+              <a:extLst>
+                <a:ext uri="{FF2B5EF4-FFF2-40B4-BE49-F238E27FC236}">
+                  <a16:creationId xmlns:a16="http://schemas.microsoft.com/office/drawing/2014/main" id="{52882822-FE6E-4651-8475-29BBA6BD8A13}"/>
+                </a:ext>
+              </a:extLst>
+            </p:cNvPr>
+            <p:cNvSpPr/>
+            <p:nvPr/>
+          </p:nvSpPr>
+          <p:spPr>
+            <a:xfrm>
+              <a:off x="2504279" y="2158322"/>
+              <a:ext cx="114300" cy="114300"/>
+            </a:xfrm>
+            <a:prstGeom prst="rect">
+              <a:avLst/>
+            </a:prstGeom>
+            <a:solidFill>
+              <a:sysClr val="window" lastClr="FFFFFF"/>
+            </a:solidFill>
+            <a:ln w="12700" cap="flat" cmpd="sng" algn="ctr">
+              <a:noFill/>
+              <a:prstDash val="solid"/>
+              <a:miter lim="800000"/>
+            </a:ln>
+            <a:effectLst/>
+          </p:spPr>
+          <p:txBody>
+            <a:bodyPr rtlCol="0" anchor="ctr"/>
+            <a:lstStyle/>
+            <a:p>
+              <a:pPr marL="0" marR="0" lvl="0" indent="0" algn="ctr" defTabSz="457200" eaLnBrk="1" fontAlgn="auto" latinLnBrk="0" hangingPunct="1">
+                <a:lnSpc>
+                  <a:spcPct val="100000"/>
+                </a:lnSpc>
+                <a:spcBef>
+                  <a:spcPts val="0"/>
+                </a:spcBef>
+                <a:spcAft>
+                  <a:spcPts val="0"/>
+                </a:spcAft>
+                <a:buClrTx/>
+                <a:buSzTx/>
+                <a:buFontTx/>
+                <a:buNone/>
+                <a:tabLst/>
+                <a:defRPr/>
+              </a:pPr>
+              <a:endParaRPr kumimoji="0" lang="en-AU" sz="1800" b="0" i="0" u="none" strike="noStrike" kern="0" cap="none" spc="0" normalizeH="0" baseline="0" noProof="0" dirty="0">
+                <a:ln>
+                  <a:noFill/>
+                </a:ln>
+                <a:solidFill>
+                  <a:prstClr val="white"/>
+                </a:solidFill>
+                <a:effectLst/>
+                <a:uLnTx/>
+                <a:uFillTx/>
+                <a:latin typeface="Calibri" panose="020F0502020204030204"/>
+                <a:ea typeface="+mn-ea"/>
+                <a:cs typeface="+mn-cs"/>
+              </a:endParaRPr>
+            </a:p>
+          </p:txBody>
+        </p:sp>
+        <p:grpSp>
+          <p:nvGrpSpPr>
+            <p:cNvPr id="34" name="Group 33">
+              <a:extLst>
+                <a:ext uri="{FF2B5EF4-FFF2-40B4-BE49-F238E27FC236}">
+                  <a16:creationId xmlns:a16="http://schemas.microsoft.com/office/drawing/2014/main" id="{31C6BB33-3DFB-40DF-93A3-F6D2DA94457F}"/>
+                </a:ext>
+              </a:extLst>
+            </p:cNvPr>
+            <p:cNvGrpSpPr/>
+            <p:nvPr/>
+          </p:nvGrpSpPr>
+          <p:grpSpPr>
+            <a:xfrm>
+              <a:off x="583390" y="3402349"/>
+              <a:ext cx="228600" cy="114300"/>
+              <a:chOff x="3488871" y="2942096"/>
+              <a:chExt cx="228600" cy="114300"/>
+            </a:xfrm>
+            <a:solidFill>
+              <a:sysClr val="window" lastClr="FFFFFF"/>
+            </a:solidFill>
+          </p:grpSpPr>
+          <p:sp>
+            <p:nvSpPr>
+              <p:cNvPr id="140" name="Rectangle 139">
+                <a:extLst>
+                  <a:ext uri="{FF2B5EF4-FFF2-40B4-BE49-F238E27FC236}">
+                    <a16:creationId xmlns:a16="http://schemas.microsoft.com/office/drawing/2014/main" id="{074A39D1-7736-44EE-AD6A-497621B2F7B0}"/>
+                  </a:ext>
+                </a:extLst>
+              </p:cNvPr>
+              <p:cNvSpPr/>
+              <p:nvPr/>
+            </p:nvSpPr>
+            <p:spPr>
+              <a:xfrm>
+                <a:off x="3488871" y="2942096"/>
+                <a:ext cx="114300" cy="114300"/>
+              </a:xfrm>
+              <a:prstGeom prst="rect">
+                <a:avLst/>
+              </a:prstGeom>
+              <a:grpFill/>
+              <a:ln w="12700" cap="flat" cmpd="sng" algn="ctr">
+                <a:noFill/>
+                <a:prstDash val="solid"/>
+                <a:miter lim="800000"/>
+              </a:ln>
+              <a:effectLst/>
+            </p:spPr>
+            <p:txBody>
+              <a:bodyPr rtlCol="0" anchor="ctr"/>
+              <a:lstStyle/>
+              <a:p>
+                <a:pPr marL="0" marR="0" lvl="0" indent="0" algn="ctr" defTabSz="457200" eaLnBrk="1" fontAlgn="auto" latinLnBrk="0" hangingPunct="1">
+                  <a:lnSpc>
+                    <a:spcPct val="100000"/>
+                  </a:lnSpc>
+                  <a:spcBef>
+                    <a:spcPts val="0"/>
+                  </a:spcBef>
+                  <a:spcAft>
+                    <a:spcPts val="0"/>
+                  </a:spcAft>
+                  <a:buClrTx/>
+                  <a:buSzTx/>
+                  <a:buFontTx/>
+                  <a:buNone/>
+                  <a:tabLst/>
+                  <a:defRPr/>
+                </a:pPr>
+                <a:endParaRPr kumimoji="0" lang="en-AU" sz="1800" b="0" i="0" u="none" strike="noStrike" kern="0" cap="none" spc="0" normalizeH="0" baseline="0" noProof="0" dirty="0">
+                  <a:ln>
+                    <a:noFill/>
+                  </a:ln>
+                  <a:solidFill>
+                    <a:prstClr val="white"/>
+                  </a:solidFill>
+                  <a:effectLst/>
+                  <a:uLnTx/>
+                  <a:uFillTx/>
+                  <a:latin typeface="Calibri" panose="020F0502020204030204"/>
+                  <a:ea typeface="+mn-ea"/>
+                  <a:cs typeface="+mn-cs"/>
+                </a:endParaRPr>
+              </a:p>
+            </p:txBody>
+          </p:sp>
+          <p:sp>
+            <p:nvSpPr>
+              <p:cNvPr id="141" name="Rectangle 140">
+                <a:extLst>
+                  <a:ext uri="{FF2B5EF4-FFF2-40B4-BE49-F238E27FC236}">
+                    <a16:creationId xmlns:a16="http://schemas.microsoft.com/office/drawing/2014/main" id="{57239669-7385-43F6-B750-A9F82ECC8740}"/>
+                  </a:ext>
+                </a:extLst>
+              </p:cNvPr>
+              <p:cNvSpPr/>
+              <p:nvPr/>
+            </p:nvSpPr>
+            <p:spPr>
+              <a:xfrm>
+                <a:off x="3603171" y="2942096"/>
+                <a:ext cx="114300" cy="114300"/>
+              </a:xfrm>
+              <a:prstGeom prst="rect">
+                <a:avLst/>
+              </a:prstGeom>
+              <a:grpFill/>
+              <a:ln w="12700" cap="flat" cmpd="sng" algn="ctr">
+                <a:noFill/>
+                <a:prstDash val="solid"/>
+                <a:miter lim="800000"/>
+              </a:ln>
+              <a:effectLst/>
+            </p:spPr>
+            <p:txBody>
+              <a:bodyPr rtlCol="0" anchor="ctr"/>
+              <a:lstStyle/>
+              <a:p>
+                <a:pPr marL="0" marR="0" lvl="0" indent="0" algn="ctr" defTabSz="457200" eaLnBrk="1" fontAlgn="auto" latinLnBrk="0" hangingPunct="1">
+                  <a:lnSpc>
+                    <a:spcPct val="100000"/>
+                  </a:lnSpc>
+                  <a:spcBef>
+                    <a:spcPts val="0"/>
+                  </a:spcBef>
+                  <a:spcAft>
+                    <a:spcPts val="0"/>
+                  </a:spcAft>
+                  <a:buClrTx/>
+                  <a:buSzTx/>
+                  <a:buFontTx/>
+                  <a:buNone/>
+                  <a:tabLst/>
+                  <a:defRPr/>
+                </a:pPr>
+                <a:endParaRPr kumimoji="0" lang="en-AU" sz="1800" b="0" i="0" u="none" strike="noStrike" kern="0" cap="none" spc="0" normalizeH="0" baseline="0" noProof="0" dirty="0">
+                  <a:ln>
+                    <a:noFill/>
+                  </a:ln>
+                  <a:solidFill>
+                    <a:prstClr val="white"/>
+                  </a:solidFill>
+                  <a:effectLst/>
+                  <a:uLnTx/>
+                  <a:uFillTx/>
+                  <a:latin typeface="Calibri" panose="020F0502020204030204"/>
+                  <a:ea typeface="+mn-ea"/>
+                  <a:cs typeface="+mn-cs"/>
+                </a:endParaRPr>
+              </a:p>
+            </p:txBody>
+          </p:sp>
+        </p:grpSp>
+        <p:cxnSp>
+          <p:nvCxnSpPr>
+            <p:cNvPr id="35" name="Straight Arrow Connector 34">
+              <a:extLst>
+                <a:ext uri="{FF2B5EF4-FFF2-40B4-BE49-F238E27FC236}">
+                  <a16:creationId xmlns:a16="http://schemas.microsoft.com/office/drawing/2014/main" id="{6B9FDD89-224D-4C41-80C2-1F3542152FA9}"/>
+                </a:ext>
+              </a:extLst>
+            </p:cNvPr>
+            <p:cNvCxnSpPr>
+              <a:cxnSpLocks/>
+              <a:stCxn id="121" idx="2"/>
+              <a:endCxn id="141" idx="0"/>
+            </p:cNvCxnSpPr>
+            <p:nvPr/>
+          </p:nvCxnSpPr>
+          <p:spPr>
+            <a:xfrm>
+              <a:off x="754840" y="3008462"/>
+              <a:ext cx="0" cy="393887"/>
+            </a:xfrm>
+            <a:prstGeom prst="straightConnector1">
+              <a:avLst/>
+            </a:prstGeom>
+            <a:noFill/>
+            <a:ln w="12700" cap="flat" cmpd="sng" algn="ctr">
+              <a:solidFill>
+                <a:srgbClr val="4472C4"/>
+              </a:solidFill>
+              <a:prstDash val="solid"/>
+              <a:miter lim="800000"/>
+              <a:headEnd type="triangle" w="med" len="med"/>
+              <a:tailEnd type="none" w="med" len="med"/>
+            </a:ln>
+            <a:effectLst/>
+          </p:spPr>
+        </p:cxnSp>
+        <p:cxnSp>
+          <p:nvCxnSpPr>
+            <p:cNvPr id="36" name="Straight Arrow Connector 35">
+              <a:extLst>
+                <a:ext uri="{FF2B5EF4-FFF2-40B4-BE49-F238E27FC236}">
+                  <a16:creationId xmlns:a16="http://schemas.microsoft.com/office/drawing/2014/main" id="{FF6DCB75-FBF4-4E63-9C98-8C96F51C5A93}"/>
+                </a:ext>
+              </a:extLst>
+            </p:cNvPr>
+            <p:cNvCxnSpPr>
+              <a:cxnSpLocks/>
+              <a:stCxn id="120" idx="2"/>
+              <a:endCxn id="140" idx="0"/>
+            </p:cNvCxnSpPr>
+            <p:nvPr/>
+          </p:nvCxnSpPr>
+          <p:spPr>
+            <a:xfrm>
+              <a:off x="640540" y="3008462"/>
+              <a:ext cx="0" cy="393887"/>
+            </a:xfrm>
+            <a:prstGeom prst="straightConnector1">
+              <a:avLst/>
+            </a:prstGeom>
+            <a:noFill/>
+            <a:ln w="12700" cap="flat" cmpd="sng" algn="ctr">
+              <a:solidFill>
+                <a:srgbClr val="4472C4"/>
+              </a:solidFill>
+              <a:prstDash val="solid"/>
+              <a:miter lim="800000"/>
+              <a:headEnd type="none" w="med" len="med"/>
+              <a:tailEnd type="triangle" w="med" len="med"/>
+            </a:ln>
+            <a:effectLst/>
+          </p:spPr>
+        </p:cxnSp>
+        <p:cxnSp>
+          <p:nvCxnSpPr>
+            <p:cNvPr id="37" name="Connector: Elbow 36">
+              <a:extLst>
+                <a:ext uri="{FF2B5EF4-FFF2-40B4-BE49-F238E27FC236}">
+                  <a16:creationId xmlns:a16="http://schemas.microsoft.com/office/drawing/2014/main" id="{18816A8E-42E3-4518-AACA-4BCCE37C69F6}"/>
+                </a:ext>
+              </a:extLst>
+            </p:cNvPr>
+            <p:cNvCxnSpPr>
+              <a:cxnSpLocks/>
+              <a:stCxn id="136" idx="2"/>
+              <a:endCxn id="133" idx="2"/>
+            </p:cNvCxnSpPr>
+            <p:nvPr/>
+          </p:nvCxnSpPr>
+          <p:spPr>
+            <a:xfrm flipV="1">
+              <a:off x="1066650" y="3379586"/>
+              <a:ext cx="1967873" cy="263032"/>
+            </a:xfrm>
+            <a:prstGeom prst="bentConnector2">
+              <a:avLst/>
+            </a:prstGeom>
+            <a:noFill/>
+            <a:ln w="12700" cap="flat" cmpd="sng" algn="ctr">
+              <a:solidFill>
+                <a:srgbClr val="4472C4"/>
+              </a:solidFill>
+              <a:prstDash val="solid"/>
+              <a:miter lim="800000"/>
+              <a:headEnd type="none" w="med" len="med"/>
+              <a:tailEnd type="triangle" w="med" len="med"/>
+            </a:ln>
+            <a:effectLst/>
+          </p:spPr>
+        </p:cxnSp>
+        <p:grpSp>
+          <p:nvGrpSpPr>
+            <p:cNvPr id="38" name="Group 37">
+              <a:extLst>
+                <a:ext uri="{FF2B5EF4-FFF2-40B4-BE49-F238E27FC236}">
+                  <a16:creationId xmlns:a16="http://schemas.microsoft.com/office/drawing/2014/main" id="{B025FF27-42DC-4170-87E3-E61481CAE4E3}"/>
+                </a:ext>
+              </a:extLst>
+            </p:cNvPr>
+            <p:cNvGrpSpPr/>
+            <p:nvPr/>
+          </p:nvGrpSpPr>
+          <p:grpSpPr>
+            <a:xfrm rot="16200000">
+              <a:off x="2650733" y="2882314"/>
+              <a:ext cx="114300" cy="114300"/>
+              <a:chOff x="3488871" y="2942096"/>
+              <a:chExt cx="228600" cy="114300"/>
+            </a:xfrm>
+            <a:solidFill>
+              <a:sysClr val="window" lastClr="FFFFFF"/>
+            </a:solidFill>
+          </p:grpSpPr>
+          <p:sp>
+            <p:nvSpPr>
+              <p:cNvPr id="138" name="Rectangle 137">
+                <a:extLst>
+                  <a:ext uri="{FF2B5EF4-FFF2-40B4-BE49-F238E27FC236}">
+                    <a16:creationId xmlns:a16="http://schemas.microsoft.com/office/drawing/2014/main" id="{0E9C81A8-CFAD-42EB-A5EC-D72AB60A5009}"/>
+                  </a:ext>
+                </a:extLst>
+              </p:cNvPr>
+              <p:cNvSpPr/>
+              <p:nvPr/>
+            </p:nvSpPr>
+            <p:spPr>
+              <a:xfrm>
+                <a:off x="3488871" y="2942096"/>
+                <a:ext cx="114300" cy="114300"/>
+              </a:xfrm>
+              <a:prstGeom prst="rect">
+                <a:avLst/>
+              </a:prstGeom>
+              <a:grpFill/>
+              <a:ln w="12700" cap="flat" cmpd="sng" algn="ctr">
+                <a:noFill/>
+                <a:prstDash val="solid"/>
+                <a:miter lim="800000"/>
+              </a:ln>
+              <a:effectLst/>
+            </p:spPr>
+            <p:txBody>
+              <a:bodyPr rtlCol="0" anchor="ctr"/>
+              <a:lstStyle/>
+              <a:p>
+                <a:pPr marL="0" marR="0" lvl="0" indent="0" algn="ctr" defTabSz="457200" eaLnBrk="1" fontAlgn="auto" latinLnBrk="0" hangingPunct="1">
+                  <a:lnSpc>
+                    <a:spcPct val="100000"/>
+                  </a:lnSpc>
+                  <a:spcBef>
+                    <a:spcPts val="0"/>
+                  </a:spcBef>
+                  <a:spcAft>
+                    <a:spcPts val="0"/>
+                  </a:spcAft>
+                  <a:buClrTx/>
+                  <a:buSzTx/>
+                  <a:buFontTx/>
+                  <a:buNone/>
+                  <a:tabLst/>
+                  <a:defRPr/>
+                </a:pPr>
+                <a:endParaRPr kumimoji="0" lang="en-AU" sz="1800" b="0" i="0" u="none" strike="noStrike" kern="0" cap="none" spc="0" normalizeH="0" baseline="0" noProof="0" dirty="0">
+                  <a:ln>
+                    <a:noFill/>
+                  </a:ln>
+                  <a:solidFill>
+                    <a:prstClr val="white"/>
+                  </a:solidFill>
+                  <a:effectLst/>
+                  <a:uLnTx/>
+                  <a:uFillTx/>
+                  <a:latin typeface="Calibri" panose="020F0502020204030204"/>
+                  <a:ea typeface="+mn-ea"/>
+                  <a:cs typeface="+mn-cs"/>
+                </a:endParaRPr>
+              </a:p>
+            </p:txBody>
+          </p:sp>
+          <p:sp>
+            <p:nvSpPr>
+              <p:cNvPr id="139" name="Rectangle 138">
+                <a:extLst>
+                  <a:ext uri="{FF2B5EF4-FFF2-40B4-BE49-F238E27FC236}">
+                    <a16:creationId xmlns:a16="http://schemas.microsoft.com/office/drawing/2014/main" id="{E42C3EDB-322A-4CE2-993E-831B5D4DC78C}"/>
+                  </a:ext>
+                </a:extLst>
+              </p:cNvPr>
+              <p:cNvSpPr/>
+              <p:nvPr/>
+            </p:nvSpPr>
+            <p:spPr>
+              <a:xfrm>
+                <a:off x="3603171" y="2942096"/>
+                <a:ext cx="114300" cy="114300"/>
+              </a:xfrm>
+              <a:prstGeom prst="rect">
+                <a:avLst/>
+              </a:prstGeom>
+              <a:grpFill/>
+              <a:ln w="12700" cap="flat" cmpd="sng" algn="ctr">
+                <a:noFill/>
+                <a:prstDash val="solid"/>
+                <a:miter lim="800000"/>
+              </a:ln>
+              <a:effectLst/>
+            </p:spPr>
+            <p:txBody>
+              <a:bodyPr rtlCol="0" anchor="ctr"/>
+              <a:lstStyle/>
+              <a:p>
+                <a:pPr marL="0" marR="0" lvl="0" indent="0" algn="ctr" defTabSz="457200" eaLnBrk="1" fontAlgn="auto" latinLnBrk="0" hangingPunct="1">
+                  <a:lnSpc>
+                    <a:spcPct val="100000"/>
+                  </a:lnSpc>
+                  <a:spcBef>
+                    <a:spcPts val="0"/>
+                  </a:spcBef>
+                  <a:spcAft>
+                    <a:spcPts val="0"/>
+                  </a:spcAft>
+                  <a:buClrTx/>
+                  <a:buSzTx/>
+                  <a:buFontTx/>
+                  <a:buNone/>
+                  <a:tabLst/>
+                  <a:defRPr/>
+                </a:pPr>
+                <a:endParaRPr kumimoji="0" lang="en-AU" sz="1800" b="0" i="0" u="none" strike="noStrike" kern="0" cap="none" spc="0" normalizeH="0" baseline="0" noProof="0" dirty="0">
+                  <a:ln>
+                    <a:noFill/>
+                  </a:ln>
+                  <a:solidFill>
+                    <a:prstClr val="white"/>
+                  </a:solidFill>
+                  <a:effectLst/>
+                  <a:uLnTx/>
+                  <a:uFillTx/>
+                  <a:latin typeface="Calibri" panose="020F0502020204030204"/>
+                  <a:ea typeface="+mn-ea"/>
+                  <a:cs typeface="+mn-cs"/>
+                </a:endParaRPr>
+              </a:p>
+            </p:txBody>
+          </p:sp>
+        </p:grpSp>
+        <p:grpSp>
+          <p:nvGrpSpPr>
+            <p:cNvPr id="39" name="Group 38">
+              <a:extLst>
+                <a:ext uri="{FF2B5EF4-FFF2-40B4-BE49-F238E27FC236}">
+                  <a16:creationId xmlns:a16="http://schemas.microsoft.com/office/drawing/2014/main" id="{E07EDD10-5F31-4303-8442-9A70E4F51B59}"/>
+                </a:ext>
+              </a:extLst>
+            </p:cNvPr>
+            <p:cNvGrpSpPr/>
+            <p:nvPr/>
+          </p:nvGrpSpPr>
+          <p:grpSpPr>
+            <a:xfrm rot="16200000">
+              <a:off x="895200" y="3528318"/>
+              <a:ext cx="228600" cy="114300"/>
+              <a:chOff x="3488871" y="2942096"/>
+              <a:chExt cx="228600" cy="114300"/>
+            </a:xfrm>
+            <a:solidFill>
+              <a:sysClr val="window" lastClr="FFFFFF"/>
+            </a:solidFill>
+          </p:grpSpPr>
+          <p:sp>
+            <p:nvSpPr>
+              <p:cNvPr id="136" name="Rectangle 135">
+                <a:extLst>
+                  <a:ext uri="{FF2B5EF4-FFF2-40B4-BE49-F238E27FC236}">
+                    <a16:creationId xmlns:a16="http://schemas.microsoft.com/office/drawing/2014/main" id="{3C5989FF-8089-48C4-B5E1-BC257E9CF3B4}"/>
+                  </a:ext>
+                </a:extLst>
+              </p:cNvPr>
+              <p:cNvSpPr/>
+              <p:nvPr/>
+            </p:nvSpPr>
+            <p:spPr>
+              <a:xfrm>
+                <a:off x="3488871" y="2942096"/>
+                <a:ext cx="114300" cy="114300"/>
+              </a:xfrm>
+              <a:prstGeom prst="rect">
+                <a:avLst/>
+              </a:prstGeom>
+              <a:grpFill/>
+              <a:ln w="12700" cap="flat" cmpd="sng" algn="ctr">
+                <a:noFill/>
+                <a:prstDash val="solid"/>
+                <a:miter lim="800000"/>
+              </a:ln>
+              <a:effectLst/>
+            </p:spPr>
+            <p:txBody>
+              <a:bodyPr rtlCol="0" anchor="ctr"/>
+              <a:lstStyle/>
+              <a:p>
+                <a:pPr marL="0" marR="0" lvl="0" indent="0" algn="ctr" defTabSz="457200" eaLnBrk="1" fontAlgn="auto" latinLnBrk="0" hangingPunct="1">
+                  <a:lnSpc>
+                    <a:spcPct val="100000"/>
+                  </a:lnSpc>
+                  <a:spcBef>
+                    <a:spcPts val="0"/>
+                  </a:spcBef>
+                  <a:spcAft>
+                    <a:spcPts val="0"/>
+                  </a:spcAft>
+                  <a:buClrTx/>
+                  <a:buSzTx/>
+                  <a:buFontTx/>
+                  <a:buNone/>
+                  <a:tabLst/>
+                  <a:defRPr/>
+                </a:pPr>
+                <a:endParaRPr kumimoji="0" lang="en-AU" sz="1800" b="0" i="0" u="none" strike="noStrike" kern="0" cap="none" spc="0" normalizeH="0" baseline="0" noProof="0" dirty="0">
+                  <a:ln>
+                    <a:noFill/>
+                  </a:ln>
+                  <a:solidFill>
+                    <a:prstClr val="white"/>
+                  </a:solidFill>
+                  <a:effectLst/>
+                  <a:uLnTx/>
+                  <a:uFillTx/>
+                  <a:latin typeface="Calibri" panose="020F0502020204030204"/>
+                  <a:ea typeface="+mn-ea"/>
+                  <a:cs typeface="+mn-cs"/>
+                </a:endParaRPr>
+              </a:p>
+            </p:txBody>
+          </p:sp>
+          <p:sp>
+            <p:nvSpPr>
+              <p:cNvPr id="137" name="Rectangle 136">
+                <a:extLst>
+                  <a:ext uri="{FF2B5EF4-FFF2-40B4-BE49-F238E27FC236}">
+                    <a16:creationId xmlns:a16="http://schemas.microsoft.com/office/drawing/2014/main" id="{3B96548C-AAD7-4522-8598-73B446CF5F7F}"/>
+                  </a:ext>
+                </a:extLst>
+              </p:cNvPr>
+              <p:cNvSpPr/>
+              <p:nvPr/>
+            </p:nvSpPr>
+            <p:spPr>
+              <a:xfrm>
+                <a:off x="3603171" y="2942096"/>
+                <a:ext cx="114300" cy="114300"/>
+              </a:xfrm>
+              <a:prstGeom prst="rect">
+                <a:avLst/>
+              </a:prstGeom>
+              <a:grpFill/>
+              <a:ln w="12700" cap="flat" cmpd="sng" algn="ctr">
+                <a:noFill/>
+                <a:prstDash val="solid"/>
+                <a:miter lim="800000"/>
+              </a:ln>
+              <a:effectLst/>
+            </p:spPr>
+            <p:txBody>
+              <a:bodyPr rtlCol="0" anchor="ctr"/>
+              <a:lstStyle/>
+              <a:p>
+                <a:pPr marL="0" marR="0" lvl="0" indent="0" algn="ctr" defTabSz="457200" eaLnBrk="1" fontAlgn="auto" latinLnBrk="0" hangingPunct="1">
+                  <a:lnSpc>
+                    <a:spcPct val="100000"/>
+                  </a:lnSpc>
+                  <a:spcBef>
+                    <a:spcPts val="0"/>
+                  </a:spcBef>
+                  <a:spcAft>
+                    <a:spcPts val="0"/>
+                  </a:spcAft>
+                  <a:buClrTx/>
+                  <a:buSzTx/>
+                  <a:buFontTx/>
+                  <a:buNone/>
+                  <a:tabLst/>
+                  <a:defRPr/>
+                </a:pPr>
+                <a:endParaRPr kumimoji="0" lang="en-AU" sz="1800" b="0" i="0" u="none" strike="noStrike" kern="0" cap="none" spc="0" normalizeH="0" baseline="0" noProof="0" dirty="0">
+                  <a:ln>
+                    <a:noFill/>
+                  </a:ln>
+                  <a:solidFill>
+                    <a:prstClr val="white"/>
+                  </a:solidFill>
+                  <a:effectLst/>
+                  <a:uLnTx/>
+                  <a:uFillTx/>
+                  <a:latin typeface="Calibri" panose="020F0502020204030204"/>
+                  <a:ea typeface="+mn-ea"/>
+                  <a:cs typeface="+mn-cs"/>
+                </a:endParaRPr>
+              </a:p>
+            </p:txBody>
+          </p:sp>
+        </p:grpSp>
+        <p:sp>
+          <p:nvSpPr>
+            <p:cNvPr id="40" name="Rectangle 39">
+              <a:extLst>
+                <a:ext uri="{FF2B5EF4-FFF2-40B4-BE49-F238E27FC236}">
+                  <a16:creationId xmlns:a16="http://schemas.microsoft.com/office/drawing/2014/main" id="{7E652541-7B8B-442E-82BB-1EDDFFE20189}"/>
+                </a:ext>
+              </a:extLst>
+            </p:cNvPr>
+            <p:cNvSpPr/>
+            <p:nvPr/>
+          </p:nvSpPr>
+          <p:spPr>
+            <a:xfrm>
+              <a:off x="1656553" y="6501739"/>
+              <a:ext cx="234042" cy="164447"/>
+            </a:xfrm>
+            <a:prstGeom prst="rect">
+              <a:avLst/>
+            </a:prstGeom>
+            <a:solidFill>
+              <a:srgbClr val="4472C4"/>
+            </a:solidFill>
+            <a:ln w="12700" cap="flat" cmpd="sng" algn="ctr">
+              <a:solidFill>
+                <a:srgbClr val="4472C4">
+                  <a:shade val="50000"/>
+                </a:srgbClr>
+              </a:solidFill>
+              <a:prstDash val="solid"/>
+              <a:miter lim="800000"/>
+            </a:ln>
+            <a:effectLst/>
+          </p:spPr>
+          <p:txBody>
+            <a:bodyPr rtlCol="0" anchor="ctr"/>
+            <a:lstStyle/>
+            <a:p>
+              <a:pPr marL="0" marR="0" lvl="0" indent="0" algn="ctr" defTabSz="457200" eaLnBrk="1" fontAlgn="auto" latinLnBrk="0" hangingPunct="1">
+                <a:lnSpc>
+                  <a:spcPct val="100000"/>
+                </a:lnSpc>
+                <a:spcBef>
+                  <a:spcPts val="0"/>
+                </a:spcBef>
+                <a:spcAft>
+                  <a:spcPts val="0"/>
+                </a:spcAft>
+                <a:buClrTx/>
+                <a:buSzTx/>
+                <a:buFontTx/>
+                <a:buNone/>
+                <a:tabLst/>
+                <a:defRPr/>
+              </a:pPr>
+              <a:endParaRPr kumimoji="0" lang="en-AU" sz="1800" b="0" i="0" u="none" strike="noStrike" kern="0" cap="none" spc="0" normalizeH="0" baseline="0" noProof="0" dirty="0">
+                <a:ln>
+                  <a:noFill/>
+                </a:ln>
+                <a:solidFill>
+                  <a:prstClr val="white"/>
+                </a:solidFill>
+                <a:effectLst/>
+                <a:uLnTx/>
+                <a:uFillTx/>
+                <a:latin typeface="Calibri" panose="020F0502020204030204"/>
+                <a:ea typeface="+mn-ea"/>
+                <a:cs typeface="+mn-cs"/>
+              </a:endParaRPr>
+            </a:p>
+          </p:txBody>
+        </p:sp>
+        <p:sp>
+          <p:nvSpPr>
+            <p:cNvPr id="41" name="Rectangle 40">
+              <a:extLst>
+                <a:ext uri="{FF2B5EF4-FFF2-40B4-BE49-F238E27FC236}">
+                  <a16:creationId xmlns:a16="http://schemas.microsoft.com/office/drawing/2014/main" id="{3ABA985C-AB17-41C1-BE42-362E51C9D59F}"/>
+                </a:ext>
+              </a:extLst>
+            </p:cNvPr>
+            <p:cNvSpPr/>
+            <p:nvPr/>
+          </p:nvSpPr>
+          <p:spPr>
+            <a:xfrm>
+              <a:off x="3090299" y="7218355"/>
+              <a:ext cx="119743" cy="119743"/>
+            </a:xfrm>
+            <a:prstGeom prst="rect">
+              <a:avLst/>
+            </a:prstGeom>
+            <a:solidFill>
+              <a:srgbClr val="4472C4"/>
+            </a:solidFill>
+            <a:ln w="12700" cap="flat" cmpd="sng" algn="ctr">
+              <a:solidFill>
+                <a:srgbClr val="4472C4">
+                  <a:shade val="50000"/>
+                </a:srgbClr>
+              </a:solidFill>
+              <a:prstDash val="solid"/>
+              <a:miter lim="800000"/>
+            </a:ln>
+            <a:effectLst/>
+          </p:spPr>
+          <p:txBody>
+            <a:bodyPr rtlCol="0" anchor="ctr"/>
+            <a:lstStyle/>
+            <a:p>
+              <a:pPr marL="0" marR="0" lvl="0" indent="0" algn="ctr" defTabSz="457200" eaLnBrk="1" fontAlgn="auto" latinLnBrk="0" hangingPunct="1">
+                <a:lnSpc>
+                  <a:spcPct val="100000"/>
+                </a:lnSpc>
+                <a:spcBef>
+                  <a:spcPts val="0"/>
+                </a:spcBef>
+                <a:spcAft>
+                  <a:spcPts val="0"/>
+                </a:spcAft>
+                <a:buClrTx/>
+                <a:buSzTx/>
+                <a:buFontTx/>
+                <a:buNone/>
+                <a:tabLst/>
+                <a:defRPr/>
+              </a:pPr>
+              <a:endParaRPr kumimoji="0" lang="en-AU" sz="1800" b="0" i="0" u="none" strike="noStrike" kern="0" cap="none" spc="0" normalizeH="0" baseline="0" noProof="0" dirty="0">
+                <a:ln>
+                  <a:noFill/>
+                </a:ln>
+                <a:solidFill>
+                  <a:prstClr val="white"/>
+                </a:solidFill>
+                <a:effectLst/>
+                <a:uLnTx/>
+                <a:uFillTx/>
+                <a:latin typeface="Calibri" panose="020F0502020204030204"/>
+                <a:ea typeface="+mn-ea"/>
+                <a:cs typeface="+mn-cs"/>
+              </a:endParaRPr>
+            </a:p>
+          </p:txBody>
+        </p:sp>
+        <p:sp>
+          <p:nvSpPr>
+            <p:cNvPr id="42" name="Rectangle 41">
+              <a:extLst>
+                <a:ext uri="{FF2B5EF4-FFF2-40B4-BE49-F238E27FC236}">
+                  <a16:creationId xmlns:a16="http://schemas.microsoft.com/office/drawing/2014/main" id="{350EFCF8-B165-404A-9C56-FFE499E0A805}"/>
+                </a:ext>
+              </a:extLst>
+            </p:cNvPr>
+            <p:cNvSpPr/>
+            <p:nvPr/>
+          </p:nvSpPr>
+          <p:spPr>
+            <a:xfrm rot="5400000">
+              <a:off x="915174" y="4149091"/>
+              <a:ext cx="156823" cy="156823"/>
+            </a:xfrm>
+            <a:prstGeom prst="rect">
+              <a:avLst/>
+            </a:prstGeom>
+            <a:solidFill>
+              <a:sysClr val="window" lastClr="FFFFFF"/>
+            </a:solidFill>
+            <a:ln w="12700" cap="flat" cmpd="sng" algn="ctr">
+              <a:noFill/>
+              <a:prstDash val="solid"/>
+              <a:miter lim="800000"/>
+            </a:ln>
+            <a:effectLst/>
+          </p:spPr>
+          <p:txBody>
+            <a:bodyPr rtlCol="0" anchor="ctr"/>
+            <a:lstStyle/>
+            <a:p>
+              <a:pPr marL="0" marR="0" lvl="0" indent="0" algn="ctr" defTabSz="457200" eaLnBrk="1" fontAlgn="auto" latinLnBrk="0" hangingPunct="1">
+                <a:lnSpc>
+                  <a:spcPct val="100000"/>
+                </a:lnSpc>
+                <a:spcBef>
+                  <a:spcPts val="0"/>
+                </a:spcBef>
+                <a:spcAft>
+                  <a:spcPts val="0"/>
+                </a:spcAft>
+                <a:buClrTx/>
+                <a:buSzTx/>
+                <a:buFontTx/>
+                <a:buNone/>
+                <a:tabLst/>
+                <a:defRPr/>
+              </a:pPr>
+              <a:endParaRPr kumimoji="0" lang="en-AU" sz="1800" b="0" i="0" u="none" strike="noStrike" kern="0" cap="none" spc="0" normalizeH="0" baseline="0" noProof="0" dirty="0">
+                <a:ln>
+                  <a:noFill/>
+                </a:ln>
+                <a:solidFill>
+                  <a:prstClr val="white"/>
+                </a:solidFill>
+                <a:effectLst/>
+                <a:uLnTx/>
+                <a:uFillTx/>
+                <a:latin typeface="Calibri" panose="020F0502020204030204"/>
+                <a:ea typeface="+mn-ea"/>
+                <a:cs typeface="+mn-cs"/>
+              </a:endParaRPr>
+            </a:p>
+          </p:txBody>
+        </p:sp>
+        <p:sp>
+          <p:nvSpPr>
+            <p:cNvPr id="43" name="Rectangle 42">
+              <a:extLst>
+                <a:ext uri="{FF2B5EF4-FFF2-40B4-BE49-F238E27FC236}">
+                  <a16:creationId xmlns:a16="http://schemas.microsoft.com/office/drawing/2014/main" id="{3DA6C35A-8F4E-4D29-A527-30E62C42B600}"/>
+                </a:ext>
+              </a:extLst>
+            </p:cNvPr>
+            <p:cNvSpPr/>
+            <p:nvPr/>
+          </p:nvSpPr>
+          <p:spPr>
+            <a:xfrm>
+              <a:off x="704540" y="3402349"/>
+              <a:ext cx="156823" cy="156823"/>
+            </a:xfrm>
+            <a:prstGeom prst="rect">
+              <a:avLst/>
+            </a:prstGeom>
+            <a:solidFill>
+              <a:sysClr val="window" lastClr="FFFFFF"/>
+            </a:solidFill>
+            <a:ln w="12700" cap="flat" cmpd="sng" algn="ctr">
+              <a:noFill/>
+              <a:prstDash val="solid"/>
+              <a:miter lim="800000"/>
+            </a:ln>
+            <a:effectLst/>
+          </p:spPr>
+          <p:txBody>
+            <a:bodyPr rtlCol="0" anchor="ctr"/>
+            <a:lstStyle/>
+            <a:p>
+              <a:pPr marL="0" marR="0" lvl="0" indent="0" algn="ctr" defTabSz="457200" eaLnBrk="1" fontAlgn="auto" latinLnBrk="0" hangingPunct="1">
+                <a:lnSpc>
+                  <a:spcPct val="100000"/>
+                </a:lnSpc>
+                <a:spcBef>
+                  <a:spcPts val="0"/>
+                </a:spcBef>
+                <a:spcAft>
+                  <a:spcPts val="0"/>
+                </a:spcAft>
+                <a:buClrTx/>
+                <a:buSzTx/>
+                <a:buFontTx/>
+                <a:buNone/>
+                <a:tabLst/>
+                <a:defRPr/>
+              </a:pPr>
+              <a:endParaRPr kumimoji="0" lang="en-AU" sz="1800" b="0" i="0" u="none" strike="noStrike" kern="0" cap="none" spc="0" normalizeH="0" baseline="0" noProof="0" dirty="0">
+                <a:ln>
+                  <a:noFill/>
+                </a:ln>
+                <a:solidFill>
+                  <a:prstClr val="white"/>
+                </a:solidFill>
+                <a:effectLst/>
+                <a:uLnTx/>
+                <a:uFillTx/>
+                <a:latin typeface="Calibri" panose="020F0502020204030204"/>
+                <a:ea typeface="+mn-ea"/>
+                <a:cs typeface="+mn-cs"/>
+              </a:endParaRPr>
+            </a:p>
+          </p:txBody>
+        </p:sp>
+        <p:sp>
+          <p:nvSpPr>
+            <p:cNvPr id="44" name="TextBox 43">
+              <a:extLst>
+                <a:ext uri="{FF2B5EF4-FFF2-40B4-BE49-F238E27FC236}">
+                  <a16:creationId xmlns:a16="http://schemas.microsoft.com/office/drawing/2014/main" id="{0797BF7B-273F-417F-86DB-B5EF241285C6}"/>
+                </a:ext>
+              </a:extLst>
+            </p:cNvPr>
+            <p:cNvSpPr txBox="1"/>
+            <p:nvPr/>
+          </p:nvSpPr>
+          <p:spPr>
+            <a:xfrm>
+              <a:off x="1393746" y="5606327"/>
+              <a:ext cx="759656" cy="222714"/>
+            </a:xfrm>
+            <a:prstGeom prst="rect">
+              <a:avLst/>
+            </a:prstGeom>
+            <a:solidFill>
+              <a:sysClr val="window" lastClr="FFFFFF"/>
+            </a:solidFill>
+            <a:ln w="12700" cap="flat" cmpd="sng" algn="ctr">
+              <a:solidFill>
+                <a:srgbClr val="70AD47"/>
+              </a:solidFill>
+              <a:prstDash val="solid"/>
+              <a:miter lim="800000"/>
+            </a:ln>
+            <a:effectLst/>
+          </p:spPr>
+          <p:txBody>
+            <a:bodyPr wrap="none" lIns="3600" tIns="3600" rIns="3600" bIns="3600" rtlCol="0" anchor="ctr" anchorCtr="1">
+              <a:spAutoFit/>
+            </a:bodyPr>
+            <a:lstStyle/>
+            <a:p>
+              <a:pPr marL="0" marR="0" lvl="0" indent="0" algn="ctr" defTabSz="457200" eaLnBrk="1" fontAlgn="auto" latinLnBrk="0" hangingPunct="1">
+                <a:lnSpc>
+                  <a:spcPct val="100000"/>
+                </a:lnSpc>
+                <a:spcBef>
+                  <a:spcPts val="0"/>
+                </a:spcBef>
+                <a:spcAft>
+                  <a:spcPts val="0"/>
+                </a:spcAft>
+                <a:buClrTx/>
+                <a:buSzTx/>
+                <a:buFontTx/>
+                <a:buNone/>
+                <a:tabLst/>
+                <a:defRPr/>
+              </a:pPr>
+              <a:r>
+                <a:rPr kumimoji="0" lang="en-US" sz="1400" b="0" i="0" u="none" strike="noStrike" kern="0" cap="none" spc="0" normalizeH="0" baseline="0" noProof="0" dirty="0">
+                  <a:ln>
+                    <a:noFill/>
+                  </a:ln>
+                  <a:solidFill>
+                    <a:srgbClr val="70AD47"/>
+                  </a:solidFill>
+                  <a:effectLst/>
+                  <a:uLnTx/>
+                  <a:uFillTx/>
+                  <a:latin typeface="Helvetica Neue"/>
+                  <a:ea typeface="+mn-ea"/>
+                  <a:cs typeface="Helvetica Neue" charset="0"/>
+                </a:rPr>
+                <a:t>PA0, </a:t>
+              </a:r>
+              <a:r>
+                <a:rPr kumimoji="0" lang="en-US" sz="1400" b="0" i="0" u="none" strike="noStrike" kern="0" cap="none" spc="0" normalizeH="0" baseline="0" noProof="0" dirty="0">
+                  <a:ln>
+                    <a:noFill/>
+                  </a:ln>
+                  <a:solidFill>
+                    <a:srgbClr val="70AD47"/>
+                  </a:solidFill>
+                  <a:effectLst/>
+                  <a:uLnTx/>
+                  <a:uFillTx/>
+                  <a:latin typeface="Helvetica Neue"/>
+                  <a:ea typeface="+mn-ea"/>
+                  <a:cs typeface="+mn-cs"/>
+                </a:rPr>
+                <a:t>PA1</a:t>
+              </a:r>
+              <a:endParaRPr kumimoji="0" lang="en-AU" sz="1400" b="0" i="0" u="none" strike="noStrike" kern="0" cap="none" spc="0" normalizeH="0" baseline="0" noProof="0" dirty="0">
+                <a:ln>
+                  <a:noFill/>
+                </a:ln>
+                <a:solidFill>
+                  <a:srgbClr val="70AD47"/>
+                </a:solidFill>
+                <a:effectLst/>
+                <a:uLnTx/>
+                <a:uFillTx/>
+                <a:latin typeface="Helvetica Neue"/>
+                <a:ea typeface="+mn-ea"/>
+                <a:cs typeface="+mn-cs"/>
+              </a:endParaRPr>
+            </a:p>
+          </p:txBody>
+        </p:sp>
+        <p:sp>
+          <p:nvSpPr>
+            <p:cNvPr id="45" name="TextBox 44">
+              <a:extLst>
+                <a:ext uri="{FF2B5EF4-FFF2-40B4-BE49-F238E27FC236}">
+                  <a16:creationId xmlns:a16="http://schemas.microsoft.com/office/drawing/2014/main" id="{B2DD630B-D221-4350-9E97-057E6413FB1A}"/>
+                </a:ext>
+              </a:extLst>
+            </p:cNvPr>
+            <p:cNvSpPr txBox="1"/>
+            <p:nvPr/>
+          </p:nvSpPr>
+          <p:spPr>
+            <a:xfrm>
+              <a:off x="1123285" y="6501739"/>
+              <a:ext cx="1658009" cy="438158"/>
+            </a:xfrm>
+            <a:prstGeom prst="rect">
+              <a:avLst/>
+            </a:prstGeom>
+            <a:solidFill>
+              <a:sysClr val="window" lastClr="FFFFFF"/>
+            </a:solidFill>
+            <a:ln w="12700" cap="flat" cmpd="sng" algn="ctr">
+              <a:solidFill>
+                <a:srgbClr val="70AD47"/>
+              </a:solidFill>
+              <a:prstDash val="solid"/>
+              <a:miter lim="800000"/>
+            </a:ln>
+            <a:effectLst/>
+          </p:spPr>
+          <p:txBody>
+            <a:bodyPr wrap="square" lIns="3600" tIns="3600" rIns="3600" bIns="3600" rtlCol="0" anchor="ctr" anchorCtr="1">
+              <a:spAutoFit/>
+            </a:bodyPr>
+            <a:lstStyle/>
+            <a:p>
+              <a:pPr marL="0" marR="0" lvl="0" indent="0" algn="ctr" defTabSz="457200" eaLnBrk="1" fontAlgn="auto" latinLnBrk="0" hangingPunct="1">
+                <a:lnSpc>
+                  <a:spcPct val="100000"/>
+                </a:lnSpc>
+                <a:spcBef>
+                  <a:spcPts val="0"/>
+                </a:spcBef>
+                <a:spcAft>
+                  <a:spcPts val="0"/>
+                </a:spcAft>
+                <a:buClrTx/>
+                <a:buSzTx/>
+                <a:buFontTx/>
+                <a:buNone/>
+                <a:tabLst/>
+                <a:defRPr/>
+              </a:pPr>
+              <a:r>
+                <a:rPr kumimoji="0" lang="en-US" sz="1400" b="0" i="0" u="none" strike="noStrike" kern="0" cap="none" spc="0" normalizeH="0" baseline="0" noProof="0" dirty="0">
+                  <a:ln>
+                    <a:noFill/>
+                  </a:ln>
+                  <a:solidFill>
+                    <a:srgbClr val="70AD47"/>
+                  </a:solidFill>
+                  <a:effectLst/>
+                  <a:uLnTx/>
+                  <a:uFillTx/>
+                  <a:latin typeface="Helvetica Neue"/>
+                  <a:ea typeface="+mn-ea"/>
+                  <a:cs typeface="Helvetica Neue" charset="0"/>
+                </a:rPr>
+                <a:t>2x INA125PA </a:t>
+              </a:r>
+            </a:p>
+            <a:p>
+              <a:pPr marL="0" marR="0" lvl="0" indent="0" algn="ctr" defTabSz="457200" eaLnBrk="1" fontAlgn="auto" latinLnBrk="0" hangingPunct="1">
+                <a:lnSpc>
+                  <a:spcPct val="100000"/>
+                </a:lnSpc>
+                <a:spcBef>
+                  <a:spcPts val="0"/>
+                </a:spcBef>
+                <a:spcAft>
+                  <a:spcPts val="0"/>
+                </a:spcAft>
+                <a:buClrTx/>
+                <a:buSzTx/>
+                <a:buFontTx/>
+                <a:buNone/>
+                <a:tabLst/>
+                <a:defRPr/>
+              </a:pPr>
+              <a:r>
+                <a:rPr kumimoji="0" lang="en-US" sz="1400" b="0" i="0" u="none" strike="noStrike" kern="0" cap="none" spc="0" normalizeH="0" baseline="0" noProof="0" dirty="0">
+                  <a:ln>
+                    <a:noFill/>
+                  </a:ln>
+                  <a:solidFill>
+                    <a:srgbClr val="70AD47"/>
+                  </a:solidFill>
+                  <a:effectLst/>
+                  <a:uLnTx/>
+                  <a:uFillTx/>
+                  <a:latin typeface="Helvetica Neue"/>
+                  <a:ea typeface="+mn-ea"/>
+                  <a:cs typeface="Helvetica Neue" charset="0"/>
+                </a:rPr>
+                <a:t>Instrumentation Amp</a:t>
+              </a:r>
+              <a:endParaRPr kumimoji="0" lang="en-AU" sz="1400" b="0" i="0" u="none" strike="noStrike" kern="0" cap="none" spc="0" normalizeH="0" baseline="0" noProof="0" dirty="0">
+                <a:ln>
+                  <a:noFill/>
+                </a:ln>
+                <a:solidFill>
+                  <a:srgbClr val="70AD47"/>
+                </a:solidFill>
+                <a:effectLst/>
+                <a:uLnTx/>
+                <a:uFillTx/>
+                <a:latin typeface="Helvetica Neue"/>
+                <a:ea typeface="+mn-ea"/>
+                <a:cs typeface="+mn-cs"/>
+              </a:endParaRPr>
+            </a:p>
+          </p:txBody>
+        </p:sp>
+        <p:grpSp>
+          <p:nvGrpSpPr>
+            <p:cNvPr id="46" name="Group 45">
+              <a:extLst>
+                <a:ext uri="{FF2B5EF4-FFF2-40B4-BE49-F238E27FC236}">
+                  <a16:creationId xmlns:a16="http://schemas.microsoft.com/office/drawing/2014/main" id="{232D6E5C-8F31-4747-83A2-70AC3FF77367}"/>
+                </a:ext>
+              </a:extLst>
+            </p:cNvPr>
+            <p:cNvGrpSpPr/>
+            <p:nvPr/>
+          </p:nvGrpSpPr>
+          <p:grpSpPr>
+            <a:xfrm rot="10800000">
+              <a:off x="2863074" y="3156872"/>
+              <a:ext cx="228600" cy="114300"/>
+              <a:chOff x="3488871" y="2942096"/>
+              <a:chExt cx="228600" cy="114300"/>
+            </a:xfrm>
+          </p:grpSpPr>
+          <p:sp>
+            <p:nvSpPr>
+              <p:cNvPr id="134" name="Rectangle 133">
+                <a:extLst>
+                  <a:ext uri="{FF2B5EF4-FFF2-40B4-BE49-F238E27FC236}">
+                    <a16:creationId xmlns:a16="http://schemas.microsoft.com/office/drawing/2014/main" id="{4C248011-DA4D-4353-AA1C-005586DB0C9A}"/>
+                  </a:ext>
+                </a:extLst>
+              </p:cNvPr>
+              <p:cNvSpPr/>
+              <p:nvPr/>
+            </p:nvSpPr>
+            <p:spPr>
+              <a:xfrm>
+                <a:off x="3488871" y="2942096"/>
+                <a:ext cx="114300" cy="114300"/>
+              </a:xfrm>
+              <a:prstGeom prst="rect">
+                <a:avLst/>
+              </a:prstGeom>
+              <a:solidFill>
+                <a:srgbClr val="4472C4"/>
+              </a:solidFill>
+              <a:ln w="12700" cap="flat" cmpd="sng" algn="ctr">
+                <a:solidFill>
+                  <a:srgbClr val="4472C4">
+                    <a:shade val="50000"/>
+                  </a:srgbClr>
+                </a:solidFill>
+                <a:prstDash val="solid"/>
+                <a:miter lim="800000"/>
+              </a:ln>
+              <a:effectLst/>
+            </p:spPr>
+            <p:txBody>
+              <a:bodyPr rtlCol="0" anchor="ctr"/>
+              <a:lstStyle/>
+              <a:p>
+                <a:pPr marL="0" marR="0" lvl="0" indent="0" algn="ctr" defTabSz="457200" eaLnBrk="1" fontAlgn="auto" latinLnBrk="0" hangingPunct="1">
+                  <a:lnSpc>
+                    <a:spcPct val="100000"/>
+                  </a:lnSpc>
+                  <a:spcBef>
+                    <a:spcPts val="0"/>
+                  </a:spcBef>
+                  <a:spcAft>
+                    <a:spcPts val="0"/>
+                  </a:spcAft>
+                  <a:buClrTx/>
+                  <a:buSzTx/>
+                  <a:buFontTx/>
+                  <a:buNone/>
+                  <a:tabLst/>
+                  <a:defRPr/>
+                </a:pPr>
+                <a:endParaRPr kumimoji="0" lang="en-AU" sz="1800" b="0" i="0" u="none" strike="noStrike" kern="0" cap="none" spc="0" normalizeH="0" baseline="0" noProof="0" dirty="0">
+                  <a:ln>
+                    <a:noFill/>
+                  </a:ln>
+                  <a:solidFill>
+                    <a:prstClr val="white"/>
+                  </a:solidFill>
+                  <a:effectLst/>
+                  <a:uLnTx/>
+                  <a:uFillTx/>
+                  <a:latin typeface="Calibri" panose="020F0502020204030204"/>
+                  <a:ea typeface="+mn-ea"/>
+                  <a:cs typeface="+mn-cs"/>
+                </a:endParaRPr>
+              </a:p>
+            </p:txBody>
+          </p:sp>
+          <p:sp>
+            <p:nvSpPr>
+              <p:cNvPr id="135" name="Rectangle 134">
+                <a:extLst>
+                  <a:ext uri="{FF2B5EF4-FFF2-40B4-BE49-F238E27FC236}">
+                    <a16:creationId xmlns:a16="http://schemas.microsoft.com/office/drawing/2014/main" id="{8C0CD56E-3DDC-43B7-9AB9-133370F44498}"/>
+                  </a:ext>
+                </a:extLst>
+              </p:cNvPr>
+              <p:cNvSpPr/>
+              <p:nvPr/>
+            </p:nvSpPr>
+            <p:spPr>
+              <a:xfrm>
+                <a:off x="3603171" y="2942096"/>
+                <a:ext cx="114300" cy="114300"/>
+              </a:xfrm>
+              <a:prstGeom prst="rect">
+                <a:avLst/>
+              </a:prstGeom>
+              <a:solidFill>
+                <a:srgbClr val="4472C4"/>
+              </a:solidFill>
+              <a:ln w="12700" cap="flat" cmpd="sng" algn="ctr">
+                <a:solidFill>
+                  <a:srgbClr val="4472C4">
+                    <a:shade val="50000"/>
+                  </a:srgbClr>
+                </a:solidFill>
+                <a:prstDash val="solid"/>
+                <a:miter lim="800000"/>
+              </a:ln>
+              <a:effectLst/>
+            </p:spPr>
+            <p:txBody>
+              <a:bodyPr rtlCol="0" anchor="ctr"/>
+              <a:lstStyle/>
+              <a:p>
+                <a:pPr marL="0" marR="0" lvl="0" indent="0" algn="ctr" defTabSz="457200" eaLnBrk="1" fontAlgn="auto" latinLnBrk="0" hangingPunct="1">
+                  <a:lnSpc>
+                    <a:spcPct val="100000"/>
+                  </a:lnSpc>
+                  <a:spcBef>
+                    <a:spcPts val="0"/>
+                  </a:spcBef>
+                  <a:spcAft>
+                    <a:spcPts val="0"/>
+                  </a:spcAft>
+                  <a:buClrTx/>
+                  <a:buSzTx/>
+                  <a:buFontTx/>
+                  <a:buNone/>
+                  <a:tabLst/>
+                  <a:defRPr/>
+                </a:pPr>
+                <a:endParaRPr kumimoji="0" lang="en-AU" sz="1800" b="0" i="0" u="none" strike="noStrike" kern="0" cap="none" spc="0" normalizeH="0" baseline="0" noProof="0" dirty="0">
+                  <a:ln>
+                    <a:noFill/>
+                  </a:ln>
+                  <a:solidFill>
+                    <a:prstClr val="white"/>
+                  </a:solidFill>
+                  <a:effectLst/>
+                  <a:uLnTx/>
+                  <a:uFillTx/>
+                  <a:latin typeface="Calibri" panose="020F0502020204030204"/>
+                  <a:ea typeface="+mn-ea"/>
+                  <a:cs typeface="+mn-cs"/>
+                </a:endParaRPr>
+              </a:p>
+            </p:txBody>
+          </p:sp>
+        </p:grpSp>
+        <p:grpSp>
+          <p:nvGrpSpPr>
+            <p:cNvPr id="47" name="Group 46">
+              <a:extLst>
+                <a:ext uri="{FF2B5EF4-FFF2-40B4-BE49-F238E27FC236}">
+                  <a16:creationId xmlns:a16="http://schemas.microsoft.com/office/drawing/2014/main" id="{13430ADD-CD76-4BA8-882B-B968B4E108CB}"/>
+                </a:ext>
+              </a:extLst>
+            </p:cNvPr>
+            <p:cNvGrpSpPr/>
+            <p:nvPr/>
+          </p:nvGrpSpPr>
+          <p:grpSpPr>
+            <a:xfrm>
+              <a:off x="2863073" y="3265286"/>
+              <a:ext cx="228600" cy="114300"/>
+              <a:chOff x="3488871" y="2942096"/>
+              <a:chExt cx="228600" cy="114300"/>
+            </a:xfrm>
+          </p:grpSpPr>
+          <p:sp>
+            <p:nvSpPr>
+              <p:cNvPr id="132" name="Rectangle 131">
+                <a:extLst>
+                  <a:ext uri="{FF2B5EF4-FFF2-40B4-BE49-F238E27FC236}">
+                    <a16:creationId xmlns:a16="http://schemas.microsoft.com/office/drawing/2014/main" id="{FC5DF3B8-F375-4A7B-84FD-69209CA79AFA}"/>
+                  </a:ext>
+                </a:extLst>
+              </p:cNvPr>
+              <p:cNvSpPr/>
+              <p:nvPr/>
+            </p:nvSpPr>
+            <p:spPr>
+              <a:xfrm>
+                <a:off x="3488871" y="2942096"/>
+                <a:ext cx="114300" cy="114300"/>
+              </a:xfrm>
+              <a:prstGeom prst="rect">
+                <a:avLst/>
+              </a:prstGeom>
+              <a:solidFill>
+                <a:srgbClr val="4472C4"/>
+              </a:solidFill>
+              <a:ln w="12700" cap="flat" cmpd="sng" algn="ctr">
+                <a:solidFill>
+                  <a:srgbClr val="4472C4">
+                    <a:shade val="50000"/>
+                  </a:srgbClr>
+                </a:solidFill>
+                <a:prstDash val="solid"/>
+                <a:miter lim="800000"/>
+              </a:ln>
+              <a:effectLst/>
+            </p:spPr>
+            <p:txBody>
+              <a:bodyPr rtlCol="0" anchor="ctr"/>
+              <a:lstStyle/>
+              <a:p>
+                <a:pPr marL="0" marR="0" lvl="0" indent="0" algn="ctr" defTabSz="457200" eaLnBrk="1" fontAlgn="auto" latinLnBrk="0" hangingPunct="1">
+                  <a:lnSpc>
+                    <a:spcPct val="100000"/>
+                  </a:lnSpc>
+                  <a:spcBef>
+                    <a:spcPts val="0"/>
+                  </a:spcBef>
+                  <a:spcAft>
+                    <a:spcPts val="0"/>
+                  </a:spcAft>
+                  <a:buClrTx/>
+                  <a:buSzTx/>
+                  <a:buFontTx/>
+                  <a:buNone/>
+                  <a:tabLst/>
+                  <a:defRPr/>
+                </a:pPr>
+                <a:endParaRPr kumimoji="0" lang="en-AU" sz="1800" b="0" i="0" u="none" strike="noStrike" kern="0" cap="none" spc="0" normalizeH="0" baseline="0" noProof="0" dirty="0">
+                  <a:ln>
+                    <a:noFill/>
+                  </a:ln>
+                  <a:solidFill>
+                    <a:prstClr val="white"/>
+                  </a:solidFill>
+                  <a:effectLst/>
+                  <a:uLnTx/>
+                  <a:uFillTx/>
+                  <a:latin typeface="Calibri" panose="020F0502020204030204"/>
+                  <a:ea typeface="+mn-ea"/>
+                  <a:cs typeface="+mn-cs"/>
+                </a:endParaRPr>
+              </a:p>
+            </p:txBody>
+          </p:sp>
+          <p:sp>
+            <p:nvSpPr>
+              <p:cNvPr id="133" name="Rectangle 132">
+                <a:extLst>
+                  <a:ext uri="{FF2B5EF4-FFF2-40B4-BE49-F238E27FC236}">
+                    <a16:creationId xmlns:a16="http://schemas.microsoft.com/office/drawing/2014/main" id="{79749B7D-AA95-4556-90C5-FE769FFC0B5C}"/>
+                  </a:ext>
+                </a:extLst>
+              </p:cNvPr>
+              <p:cNvSpPr/>
+              <p:nvPr/>
+            </p:nvSpPr>
+            <p:spPr>
+              <a:xfrm>
+                <a:off x="3603171" y="2942096"/>
+                <a:ext cx="114300" cy="114300"/>
+              </a:xfrm>
+              <a:prstGeom prst="rect">
+                <a:avLst/>
+              </a:prstGeom>
+              <a:solidFill>
+                <a:srgbClr val="4472C4"/>
+              </a:solidFill>
+              <a:ln w="12700" cap="flat" cmpd="sng" algn="ctr">
+                <a:solidFill>
+                  <a:srgbClr val="4472C4">
+                    <a:shade val="50000"/>
+                  </a:srgbClr>
+                </a:solidFill>
+                <a:prstDash val="solid"/>
+                <a:miter lim="800000"/>
+              </a:ln>
+              <a:effectLst/>
+            </p:spPr>
+            <p:txBody>
+              <a:bodyPr rtlCol="0" anchor="ctr"/>
+              <a:lstStyle/>
+              <a:p>
+                <a:pPr marL="0" marR="0" lvl="0" indent="0" algn="ctr" defTabSz="457200" eaLnBrk="1" fontAlgn="auto" latinLnBrk="0" hangingPunct="1">
+                  <a:lnSpc>
+                    <a:spcPct val="100000"/>
+                  </a:lnSpc>
+                  <a:spcBef>
+                    <a:spcPts val="0"/>
+                  </a:spcBef>
+                  <a:spcAft>
+                    <a:spcPts val="0"/>
+                  </a:spcAft>
+                  <a:buClrTx/>
+                  <a:buSzTx/>
+                  <a:buFontTx/>
+                  <a:buNone/>
+                  <a:tabLst/>
+                  <a:defRPr/>
+                </a:pPr>
+                <a:endParaRPr kumimoji="0" lang="en-AU" sz="1800" b="0" i="0" u="none" strike="noStrike" kern="0" cap="none" spc="0" normalizeH="0" baseline="0" noProof="0" dirty="0">
+                  <a:ln>
+                    <a:noFill/>
+                  </a:ln>
+                  <a:solidFill>
+                    <a:prstClr val="white"/>
+                  </a:solidFill>
+                  <a:effectLst/>
+                  <a:uLnTx/>
+                  <a:uFillTx/>
+                  <a:latin typeface="Calibri" panose="020F0502020204030204"/>
+                  <a:ea typeface="+mn-ea"/>
+                  <a:cs typeface="+mn-cs"/>
+                </a:endParaRPr>
+              </a:p>
+            </p:txBody>
+          </p:sp>
+        </p:grpSp>
+        <p:grpSp>
+          <p:nvGrpSpPr>
+            <p:cNvPr id="48" name="Group 47">
+              <a:extLst>
+                <a:ext uri="{FF2B5EF4-FFF2-40B4-BE49-F238E27FC236}">
+                  <a16:creationId xmlns:a16="http://schemas.microsoft.com/office/drawing/2014/main" id="{AB04E4AE-B1DB-4BC8-877A-3C2E0FA91D66}"/>
+                </a:ext>
+              </a:extLst>
+            </p:cNvPr>
+            <p:cNvGrpSpPr/>
+            <p:nvPr/>
+          </p:nvGrpSpPr>
+          <p:grpSpPr>
+            <a:xfrm>
+              <a:off x="2650733" y="3156872"/>
+              <a:ext cx="653280" cy="222714"/>
+              <a:chOff x="2650733" y="2791116"/>
+              <a:chExt cx="653280" cy="222714"/>
+            </a:xfrm>
+          </p:grpSpPr>
+          <p:grpSp>
+            <p:nvGrpSpPr>
+              <p:cNvPr id="128" name="Group 127">
+                <a:extLst>
+                  <a:ext uri="{FF2B5EF4-FFF2-40B4-BE49-F238E27FC236}">
+                    <a16:creationId xmlns:a16="http://schemas.microsoft.com/office/drawing/2014/main" id="{BF79A6E7-8BFA-44A5-A6E4-0F00ACD9E5DE}"/>
+                  </a:ext>
+                </a:extLst>
+              </p:cNvPr>
+              <p:cNvGrpSpPr/>
+              <p:nvPr/>
+            </p:nvGrpSpPr>
+            <p:grpSpPr>
+              <a:xfrm>
+                <a:off x="2650733" y="2791116"/>
+                <a:ext cx="71734" cy="222714"/>
+                <a:chOff x="1428843" y="2791116"/>
+                <a:chExt cx="71734" cy="222714"/>
+              </a:xfrm>
+              <a:solidFill>
+                <a:sysClr val="window" lastClr="FFFFFF"/>
+              </a:solidFill>
+            </p:grpSpPr>
+            <p:sp>
+              <p:nvSpPr>
+                <p:cNvPr id="130" name="Rectangle 129">
+                  <a:extLst>
+                    <a:ext uri="{FF2B5EF4-FFF2-40B4-BE49-F238E27FC236}">
+                      <a16:creationId xmlns:a16="http://schemas.microsoft.com/office/drawing/2014/main" id="{8830683B-90C3-4992-93BB-EDEFE4FB0A44}"/>
+                    </a:ext>
+                  </a:extLst>
+                </p:cNvPr>
+                <p:cNvSpPr/>
+                <p:nvPr/>
+              </p:nvSpPr>
+              <p:spPr>
+                <a:xfrm>
+                  <a:off x="1428843" y="2791116"/>
+                  <a:ext cx="71734" cy="71734"/>
+                </a:xfrm>
+                <a:prstGeom prst="rect">
+                  <a:avLst/>
+                </a:prstGeom>
+                <a:grpFill/>
+                <a:ln w="12700" cap="flat" cmpd="sng" algn="ctr">
+                  <a:solidFill>
+                    <a:srgbClr val="4472C4"/>
+                  </a:solidFill>
+                  <a:prstDash val="solid"/>
+                  <a:miter lim="800000"/>
+                </a:ln>
+                <a:effectLst/>
+              </p:spPr>
+              <p:txBody>
+                <a:bodyPr rtlCol="0" anchor="ctr"/>
+                <a:lstStyle/>
+                <a:p>
+                  <a:pPr marL="0" marR="0" lvl="0" indent="0" algn="ctr" defTabSz="457200" eaLnBrk="1" fontAlgn="auto" latinLnBrk="0" hangingPunct="1">
+                    <a:lnSpc>
+                      <a:spcPct val="100000"/>
+                    </a:lnSpc>
+                    <a:spcBef>
+                      <a:spcPts val="0"/>
+                    </a:spcBef>
+                    <a:spcAft>
+                      <a:spcPts val="0"/>
+                    </a:spcAft>
+                    <a:buClrTx/>
+                    <a:buSzTx/>
+                    <a:buFontTx/>
+                    <a:buNone/>
+                    <a:tabLst/>
+                    <a:defRPr/>
+                  </a:pPr>
+                  <a:endParaRPr kumimoji="0" lang="en-AU" sz="1800" b="0" i="0" u="none" strike="noStrike" kern="0" cap="none" spc="0" normalizeH="0" baseline="0" noProof="0" dirty="0">
+                    <a:ln>
+                      <a:noFill/>
+                    </a:ln>
+                    <a:solidFill>
+                      <a:srgbClr val="4472C4"/>
+                    </a:solidFill>
+                    <a:effectLst/>
+                    <a:uLnTx/>
+                    <a:uFillTx/>
+                    <a:latin typeface="Calibri" panose="020F0502020204030204"/>
+                    <a:ea typeface="+mn-ea"/>
+                    <a:cs typeface="+mn-cs"/>
+                  </a:endParaRPr>
+                </a:p>
+              </p:txBody>
+            </p:sp>
+            <p:sp>
+              <p:nvSpPr>
+                <p:cNvPr id="131" name="Rectangle 130">
+                  <a:extLst>
+                    <a:ext uri="{FF2B5EF4-FFF2-40B4-BE49-F238E27FC236}">
+                      <a16:creationId xmlns:a16="http://schemas.microsoft.com/office/drawing/2014/main" id="{FC768797-8FDD-4376-AEC0-FC05FC4A7C34}"/>
+                    </a:ext>
+                  </a:extLst>
+                </p:cNvPr>
+                <p:cNvSpPr/>
+                <p:nvPr/>
+              </p:nvSpPr>
+              <p:spPr>
+                <a:xfrm>
+                  <a:off x="1428843" y="2942096"/>
+                  <a:ext cx="71734" cy="71734"/>
+                </a:xfrm>
+                <a:prstGeom prst="rect">
+                  <a:avLst/>
+                </a:prstGeom>
+                <a:grpFill/>
+                <a:ln w="12700" cap="flat" cmpd="sng" algn="ctr">
+                  <a:solidFill>
+                    <a:srgbClr val="4472C4"/>
+                  </a:solidFill>
+                  <a:prstDash val="solid"/>
+                  <a:miter lim="800000"/>
+                </a:ln>
+                <a:effectLst/>
+              </p:spPr>
+              <p:txBody>
+                <a:bodyPr rtlCol="0" anchor="ctr"/>
+                <a:lstStyle/>
+                <a:p>
+                  <a:pPr marL="0" marR="0" lvl="0" indent="0" algn="ctr" defTabSz="457200" eaLnBrk="1" fontAlgn="auto" latinLnBrk="0" hangingPunct="1">
+                    <a:lnSpc>
+                      <a:spcPct val="100000"/>
+                    </a:lnSpc>
+                    <a:spcBef>
+                      <a:spcPts val="0"/>
+                    </a:spcBef>
+                    <a:spcAft>
+                      <a:spcPts val="0"/>
+                    </a:spcAft>
+                    <a:buClrTx/>
+                    <a:buSzTx/>
+                    <a:buFontTx/>
+                    <a:buNone/>
+                    <a:tabLst/>
+                    <a:defRPr/>
+                  </a:pPr>
+                  <a:endParaRPr kumimoji="0" lang="en-AU" sz="1800" b="0" i="0" u="none" strike="noStrike" kern="0" cap="none" spc="0" normalizeH="0" baseline="0" noProof="0" dirty="0">
+                    <a:ln>
+                      <a:noFill/>
+                    </a:ln>
+                    <a:solidFill>
+                      <a:srgbClr val="4472C4"/>
+                    </a:solidFill>
+                    <a:effectLst/>
+                    <a:uLnTx/>
+                    <a:uFillTx/>
+                    <a:latin typeface="Calibri" panose="020F0502020204030204"/>
+                    <a:ea typeface="+mn-ea"/>
+                    <a:cs typeface="+mn-cs"/>
+                  </a:endParaRPr>
+                </a:p>
+              </p:txBody>
+            </p:sp>
+          </p:grpSp>
+          <p:sp>
+            <p:nvSpPr>
+              <p:cNvPr id="129" name="TextBox 128">
+                <a:extLst>
+                  <a:ext uri="{FF2B5EF4-FFF2-40B4-BE49-F238E27FC236}">
+                    <a16:creationId xmlns:a16="http://schemas.microsoft.com/office/drawing/2014/main" id="{395F048C-805A-45F8-A64C-DE7752275CF7}"/>
+                  </a:ext>
+                </a:extLst>
+              </p:cNvPr>
+              <p:cNvSpPr txBox="1"/>
+              <p:nvPr/>
+            </p:nvSpPr>
+            <p:spPr>
+              <a:xfrm>
+                <a:off x="2650733" y="2791116"/>
+                <a:ext cx="653280" cy="222714"/>
+              </a:xfrm>
+              <a:prstGeom prst="rect">
+                <a:avLst/>
+              </a:prstGeom>
+              <a:solidFill>
+                <a:sysClr val="window" lastClr="FFFFFF"/>
+              </a:solidFill>
+              <a:ln w="12700" cap="flat" cmpd="sng" algn="ctr">
+                <a:solidFill>
+                  <a:srgbClr val="4472C4"/>
+                </a:solidFill>
+                <a:prstDash val="solid"/>
+                <a:miter lim="800000"/>
+              </a:ln>
+              <a:effectLst/>
+            </p:spPr>
+            <p:txBody>
+              <a:bodyPr wrap="none" lIns="3600" tIns="3600" rIns="3600" bIns="3600" rtlCol="0" anchor="ctr" anchorCtr="1">
+                <a:spAutoFit/>
+              </a:bodyPr>
+              <a:lstStyle/>
+              <a:p>
+                <a:pPr marL="0" marR="0" lvl="0" indent="0" algn="ctr" defTabSz="457200" eaLnBrk="1" fontAlgn="auto" latinLnBrk="0" hangingPunct="1">
+                  <a:lnSpc>
+                    <a:spcPct val="100000"/>
+                  </a:lnSpc>
+                  <a:spcBef>
+                    <a:spcPts val="0"/>
+                  </a:spcBef>
+                  <a:spcAft>
+                    <a:spcPts val="0"/>
+                  </a:spcAft>
+                  <a:buClrTx/>
+                  <a:buSzTx/>
+                  <a:buFontTx/>
+                  <a:buNone/>
+                  <a:tabLst/>
+                  <a:defRPr/>
+                </a:pPr>
+                <a:r>
+                  <a:rPr kumimoji="0" lang="en-US" sz="1400" b="0" i="0" u="none" strike="noStrike" kern="0" cap="none" spc="0" normalizeH="0" baseline="0" noProof="0" dirty="0">
+                    <a:ln>
+                      <a:noFill/>
+                    </a:ln>
+                    <a:solidFill>
+                      <a:srgbClr val="4472C4"/>
+                    </a:solidFill>
+                    <a:effectLst/>
+                    <a:uLnTx/>
+                    <a:uFillTx/>
+                    <a:latin typeface="Helvetica Neue"/>
+                    <a:ea typeface="+mn-ea"/>
+                    <a:cs typeface="Helvetica Neue" charset="0"/>
+                  </a:rPr>
+                  <a:t>Memory</a:t>
+                </a:r>
+                <a:endParaRPr kumimoji="0" lang="en-AU" sz="1400" b="0" i="0" u="none" strike="noStrike" kern="0" cap="none" spc="0" normalizeH="0" baseline="0" noProof="0" dirty="0">
+                  <a:ln>
+                    <a:noFill/>
+                  </a:ln>
+                  <a:solidFill>
+                    <a:srgbClr val="4472C4"/>
+                  </a:solidFill>
+                  <a:effectLst/>
+                  <a:uLnTx/>
+                  <a:uFillTx/>
+                  <a:latin typeface="Helvetica Neue"/>
+                  <a:ea typeface="+mn-ea"/>
+                  <a:cs typeface="+mn-cs"/>
+                </a:endParaRPr>
+              </a:p>
+            </p:txBody>
+          </p:sp>
+        </p:grpSp>
+        <p:sp>
+          <p:nvSpPr>
+            <p:cNvPr id="49" name="TextBox 48">
+              <a:extLst>
+                <a:ext uri="{FF2B5EF4-FFF2-40B4-BE49-F238E27FC236}">
+                  <a16:creationId xmlns:a16="http://schemas.microsoft.com/office/drawing/2014/main" id="{9BA3F6CD-7504-4637-878C-7947EE480A49}"/>
+                </a:ext>
+              </a:extLst>
+            </p:cNvPr>
+            <p:cNvSpPr txBox="1"/>
+            <p:nvPr/>
+          </p:nvSpPr>
+          <p:spPr>
+            <a:xfrm>
+              <a:off x="2208128" y="2049908"/>
+              <a:ext cx="592303" cy="222714"/>
+            </a:xfrm>
+            <a:prstGeom prst="rect">
+              <a:avLst/>
+            </a:prstGeom>
+            <a:solidFill>
+              <a:sysClr val="window" lastClr="FFFFFF"/>
+            </a:solidFill>
+            <a:ln w="12700" cap="flat" cmpd="sng" algn="ctr">
+              <a:solidFill>
+                <a:srgbClr val="ED7D31"/>
+              </a:solidFill>
+              <a:prstDash val="solid"/>
+              <a:miter lim="800000"/>
+            </a:ln>
+            <a:effectLst/>
+          </p:spPr>
+          <p:txBody>
+            <a:bodyPr wrap="none" lIns="3600" tIns="3600" rIns="3600" bIns="3600" rtlCol="0" anchor="ctr" anchorCtr="1">
+              <a:spAutoFit/>
+            </a:bodyPr>
+            <a:lstStyle/>
+            <a:p>
+              <a:pPr marL="0" marR="0" lvl="0" indent="0" algn="ctr" defTabSz="457200" eaLnBrk="1" fontAlgn="auto" latinLnBrk="0" hangingPunct="1">
+                <a:lnSpc>
+                  <a:spcPct val="100000"/>
+                </a:lnSpc>
+                <a:spcBef>
+                  <a:spcPts val="0"/>
+                </a:spcBef>
+                <a:spcAft>
+                  <a:spcPts val="0"/>
+                </a:spcAft>
+                <a:buClrTx/>
+                <a:buSzTx/>
+                <a:buFontTx/>
+                <a:buNone/>
+                <a:tabLst/>
+                <a:defRPr/>
+              </a:pPr>
+              <a:r>
+                <a:rPr kumimoji="0" lang="en-US" sz="1400" b="0" i="0" u="none" strike="noStrike" kern="0" cap="none" spc="0" normalizeH="0" baseline="0" noProof="0" dirty="0">
+                  <a:ln>
+                    <a:noFill/>
+                  </a:ln>
+                  <a:solidFill>
+                    <a:srgbClr val="ED7D31"/>
+                  </a:solidFill>
+                  <a:effectLst/>
+                  <a:uLnTx/>
+                  <a:uFillTx/>
+                  <a:latin typeface="Helvetica Neue"/>
+                  <a:ea typeface="+mn-ea"/>
+                  <a:cs typeface="Helvetica Neue" charset="0"/>
+                </a:rPr>
+                <a:t>UART2</a:t>
+              </a:r>
+              <a:endParaRPr kumimoji="0" lang="en-AU" sz="1400" b="0" i="0" u="none" strike="noStrike" kern="0" cap="none" spc="0" normalizeH="0" baseline="0" noProof="0" dirty="0">
+                <a:ln>
+                  <a:noFill/>
+                </a:ln>
+                <a:solidFill>
+                  <a:srgbClr val="ED7D31"/>
+                </a:solidFill>
+                <a:effectLst/>
+                <a:uLnTx/>
+                <a:uFillTx/>
+                <a:latin typeface="Helvetica Neue"/>
+                <a:ea typeface="+mn-ea"/>
+                <a:cs typeface="+mn-cs"/>
+              </a:endParaRPr>
+            </a:p>
+          </p:txBody>
+        </p:sp>
+        <p:sp>
+          <p:nvSpPr>
+            <p:cNvPr id="50" name="TextBox 49">
+              <a:extLst>
+                <a:ext uri="{FF2B5EF4-FFF2-40B4-BE49-F238E27FC236}">
+                  <a16:creationId xmlns:a16="http://schemas.microsoft.com/office/drawing/2014/main" id="{D0303CD8-344C-4296-A872-1E0890A84836}"/>
+                </a:ext>
+              </a:extLst>
+            </p:cNvPr>
+            <p:cNvSpPr txBox="1"/>
+            <p:nvPr/>
+          </p:nvSpPr>
+          <p:spPr>
+            <a:xfrm>
+              <a:off x="486800" y="2049908"/>
+              <a:ext cx="592303" cy="222714"/>
+            </a:xfrm>
+            <a:prstGeom prst="rect">
+              <a:avLst/>
+            </a:prstGeom>
+            <a:solidFill>
+              <a:sysClr val="window" lastClr="FFFFFF"/>
+            </a:solidFill>
+            <a:ln w="12700" cap="flat" cmpd="sng" algn="ctr">
+              <a:solidFill>
+                <a:srgbClr val="ED7D31"/>
+              </a:solidFill>
+              <a:prstDash val="solid"/>
+              <a:miter lim="800000"/>
+            </a:ln>
+            <a:effectLst/>
+          </p:spPr>
+          <p:txBody>
+            <a:bodyPr wrap="none" lIns="3600" tIns="3600" rIns="3600" bIns="3600" rtlCol="0" anchor="ctr" anchorCtr="1">
+              <a:spAutoFit/>
+            </a:bodyPr>
+            <a:lstStyle/>
+            <a:p>
+              <a:pPr marL="0" marR="0" lvl="0" indent="0" algn="ctr" defTabSz="457200" eaLnBrk="1" fontAlgn="auto" latinLnBrk="0" hangingPunct="1">
+                <a:lnSpc>
+                  <a:spcPct val="100000"/>
+                </a:lnSpc>
+                <a:spcBef>
+                  <a:spcPts val="0"/>
+                </a:spcBef>
+                <a:spcAft>
+                  <a:spcPts val="0"/>
+                </a:spcAft>
+                <a:buClrTx/>
+                <a:buSzTx/>
+                <a:buFontTx/>
+                <a:buNone/>
+                <a:tabLst/>
+                <a:defRPr/>
+              </a:pPr>
+              <a:r>
+                <a:rPr kumimoji="0" lang="en-US" sz="1400" b="0" i="0" u="none" strike="noStrike" kern="0" cap="none" spc="0" normalizeH="0" baseline="0" noProof="0" dirty="0">
+                  <a:ln>
+                    <a:noFill/>
+                  </a:ln>
+                  <a:solidFill>
+                    <a:srgbClr val="ED7D31"/>
+                  </a:solidFill>
+                  <a:effectLst/>
+                  <a:uLnTx/>
+                  <a:uFillTx/>
+                  <a:latin typeface="Helvetica Neue"/>
+                  <a:ea typeface="+mn-ea"/>
+                  <a:cs typeface="Helvetica Neue" charset="0"/>
+                </a:rPr>
+                <a:t>UART1</a:t>
+              </a:r>
+              <a:endParaRPr kumimoji="0" lang="en-AU" sz="1400" b="0" i="0" u="none" strike="noStrike" kern="0" cap="none" spc="0" normalizeH="0" baseline="0" noProof="0" dirty="0">
+                <a:ln>
+                  <a:noFill/>
+                </a:ln>
+                <a:solidFill>
+                  <a:srgbClr val="ED7D31"/>
+                </a:solidFill>
+                <a:effectLst/>
+                <a:uLnTx/>
+                <a:uFillTx/>
+                <a:latin typeface="Helvetica Neue"/>
+                <a:ea typeface="+mn-ea"/>
+                <a:cs typeface="+mn-cs"/>
+              </a:endParaRPr>
+            </a:p>
+          </p:txBody>
+        </p:sp>
+        <p:grpSp>
+          <p:nvGrpSpPr>
+            <p:cNvPr id="51" name="Group 50">
+              <a:extLst>
+                <a:ext uri="{FF2B5EF4-FFF2-40B4-BE49-F238E27FC236}">
+                  <a16:creationId xmlns:a16="http://schemas.microsoft.com/office/drawing/2014/main" id="{68553256-1340-45F7-8363-E0929317B5BC}"/>
+                </a:ext>
+              </a:extLst>
+            </p:cNvPr>
+            <p:cNvGrpSpPr/>
+            <p:nvPr/>
+          </p:nvGrpSpPr>
+          <p:grpSpPr>
+            <a:xfrm>
+              <a:off x="402867" y="2662130"/>
+              <a:ext cx="760169" cy="346332"/>
+              <a:chOff x="402867" y="2779270"/>
+              <a:chExt cx="760169" cy="246407"/>
+            </a:xfrm>
+          </p:grpSpPr>
+          <p:grpSp>
+            <p:nvGrpSpPr>
+              <p:cNvPr id="112" name="Group 111">
+                <a:extLst>
+                  <a:ext uri="{FF2B5EF4-FFF2-40B4-BE49-F238E27FC236}">
+                    <a16:creationId xmlns:a16="http://schemas.microsoft.com/office/drawing/2014/main" id="{C07F74F6-7EA5-4ED9-AEA6-654D08B54C05}"/>
+                  </a:ext>
+                </a:extLst>
+              </p:cNvPr>
+              <p:cNvGrpSpPr/>
+              <p:nvPr/>
+            </p:nvGrpSpPr>
+            <p:grpSpPr>
+              <a:xfrm>
+                <a:off x="1048736" y="2779270"/>
+                <a:ext cx="114300" cy="244800"/>
+                <a:chOff x="3441985" y="3075554"/>
+                <a:chExt cx="114300" cy="1393032"/>
+              </a:xfrm>
+            </p:grpSpPr>
+            <p:sp>
+              <p:nvSpPr>
+                <p:cNvPr id="124" name="Rectangle 123">
+                  <a:extLst>
+                    <a:ext uri="{FF2B5EF4-FFF2-40B4-BE49-F238E27FC236}">
+                      <a16:creationId xmlns:a16="http://schemas.microsoft.com/office/drawing/2014/main" id="{60D8844C-1830-4BC2-87FF-540886918A05}"/>
+                    </a:ext>
+                  </a:extLst>
+                </p:cNvPr>
+                <p:cNvSpPr/>
+                <p:nvPr/>
+              </p:nvSpPr>
+              <p:spPr>
+                <a:xfrm rot="16200000">
+                  <a:off x="3325006" y="4237307"/>
+                  <a:ext cx="348258" cy="114300"/>
+                </a:xfrm>
+                <a:prstGeom prst="rect">
+                  <a:avLst/>
+                </a:prstGeom>
+                <a:solidFill>
+                  <a:sysClr val="window" lastClr="FFFFFF"/>
+                </a:solidFill>
+                <a:ln w="12700" cap="flat" cmpd="sng" algn="ctr">
+                  <a:noFill/>
+                  <a:prstDash val="solid"/>
+                  <a:miter lim="800000"/>
+                </a:ln>
+                <a:effectLst/>
+              </p:spPr>
+              <p:txBody>
+                <a:bodyPr rtlCol="0" anchor="ctr"/>
+                <a:lstStyle/>
+                <a:p>
+                  <a:pPr marL="0" marR="0" lvl="0" indent="0" algn="ctr" defTabSz="457200" eaLnBrk="1" fontAlgn="auto" latinLnBrk="0" hangingPunct="1">
+                    <a:lnSpc>
+                      <a:spcPct val="100000"/>
+                    </a:lnSpc>
+                    <a:spcBef>
+                      <a:spcPts val="0"/>
+                    </a:spcBef>
+                    <a:spcAft>
+                      <a:spcPts val="0"/>
+                    </a:spcAft>
+                    <a:buClrTx/>
+                    <a:buSzTx/>
+                    <a:buFontTx/>
+                    <a:buNone/>
+                    <a:tabLst/>
+                    <a:defRPr/>
+                  </a:pPr>
+                  <a:endParaRPr kumimoji="0" lang="en-AU" sz="1800" b="0" i="0" u="none" strike="noStrike" kern="0" cap="none" spc="0" normalizeH="0" baseline="0" noProof="0" dirty="0">
+                    <a:ln>
+                      <a:noFill/>
+                    </a:ln>
+                    <a:solidFill>
+                      <a:prstClr val="white"/>
+                    </a:solidFill>
+                    <a:effectLst/>
+                    <a:uLnTx/>
+                    <a:uFillTx/>
+                    <a:latin typeface="Calibri" panose="020F0502020204030204"/>
+                    <a:ea typeface="+mn-ea"/>
+                    <a:cs typeface="+mn-cs"/>
+                  </a:endParaRPr>
+                </a:p>
+              </p:txBody>
+            </p:sp>
+            <p:sp>
+              <p:nvSpPr>
+                <p:cNvPr id="125" name="Rectangle 124">
+                  <a:extLst>
+                    <a:ext uri="{FF2B5EF4-FFF2-40B4-BE49-F238E27FC236}">
+                      <a16:creationId xmlns:a16="http://schemas.microsoft.com/office/drawing/2014/main" id="{A577D422-ECE2-4BE7-9CF5-236EC6971E74}"/>
+                    </a:ext>
+                  </a:extLst>
+                </p:cNvPr>
+                <p:cNvSpPr/>
+                <p:nvPr/>
+              </p:nvSpPr>
+              <p:spPr>
+                <a:xfrm rot="16200000">
+                  <a:off x="3325006" y="3889049"/>
+                  <a:ext cx="348258" cy="114300"/>
+                </a:xfrm>
+                <a:prstGeom prst="rect">
+                  <a:avLst/>
+                </a:prstGeom>
+                <a:solidFill>
+                  <a:sysClr val="window" lastClr="FFFFFF"/>
+                </a:solidFill>
+                <a:ln w="12700" cap="flat" cmpd="sng" algn="ctr">
+                  <a:noFill/>
+                  <a:prstDash val="solid"/>
+                  <a:miter lim="800000"/>
+                </a:ln>
+                <a:effectLst/>
+              </p:spPr>
+              <p:txBody>
+                <a:bodyPr rtlCol="0" anchor="ctr"/>
+                <a:lstStyle/>
+                <a:p>
+                  <a:pPr marL="0" marR="0" lvl="0" indent="0" algn="ctr" defTabSz="457200" eaLnBrk="1" fontAlgn="auto" latinLnBrk="0" hangingPunct="1">
+                    <a:lnSpc>
+                      <a:spcPct val="100000"/>
+                    </a:lnSpc>
+                    <a:spcBef>
+                      <a:spcPts val="0"/>
+                    </a:spcBef>
+                    <a:spcAft>
+                      <a:spcPts val="0"/>
+                    </a:spcAft>
+                    <a:buClrTx/>
+                    <a:buSzTx/>
+                    <a:buFontTx/>
+                    <a:buNone/>
+                    <a:tabLst/>
+                    <a:defRPr/>
+                  </a:pPr>
+                  <a:endParaRPr kumimoji="0" lang="en-AU" sz="1800" b="0" i="0" u="none" strike="noStrike" kern="0" cap="none" spc="0" normalizeH="0" baseline="0" noProof="0" dirty="0">
+                    <a:ln>
+                      <a:noFill/>
+                    </a:ln>
+                    <a:solidFill>
+                      <a:prstClr val="white"/>
+                    </a:solidFill>
+                    <a:effectLst/>
+                    <a:uLnTx/>
+                    <a:uFillTx/>
+                    <a:latin typeface="Calibri" panose="020F0502020204030204"/>
+                    <a:ea typeface="+mn-ea"/>
+                    <a:cs typeface="+mn-cs"/>
+                  </a:endParaRPr>
+                </a:p>
+              </p:txBody>
+            </p:sp>
+            <p:sp>
+              <p:nvSpPr>
+                <p:cNvPr id="126" name="Rectangle 125">
+                  <a:extLst>
+                    <a:ext uri="{FF2B5EF4-FFF2-40B4-BE49-F238E27FC236}">
+                      <a16:creationId xmlns:a16="http://schemas.microsoft.com/office/drawing/2014/main" id="{6152BC19-69E5-4274-9ABA-325A34D1162F}"/>
+                    </a:ext>
+                  </a:extLst>
+                </p:cNvPr>
+                <p:cNvSpPr/>
+                <p:nvPr/>
+              </p:nvSpPr>
+              <p:spPr>
+                <a:xfrm rot="16200000">
+                  <a:off x="3325006" y="3540791"/>
+                  <a:ext cx="348258" cy="114300"/>
+                </a:xfrm>
+                <a:prstGeom prst="rect">
+                  <a:avLst/>
+                </a:prstGeom>
+                <a:solidFill>
+                  <a:sysClr val="window" lastClr="FFFFFF"/>
+                </a:solidFill>
+                <a:ln w="12700" cap="flat" cmpd="sng" algn="ctr">
+                  <a:noFill/>
+                  <a:prstDash val="solid"/>
+                  <a:miter lim="800000"/>
+                </a:ln>
+                <a:effectLst/>
+              </p:spPr>
+              <p:txBody>
+                <a:bodyPr rtlCol="0" anchor="ctr"/>
+                <a:lstStyle/>
+                <a:p>
+                  <a:pPr marL="0" marR="0" lvl="0" indent="0" algn="ctr" defTabSz="457200" eaLnBrk="1" fontAlgn="auto" latinLnBrk="0" hangingPunct="1">
+                    <a:lnSpc>
+                      <a:spcPct val="100000"/>
+                    </a:lnSpc>
+                    <a:spcBef>
+                      <a:spcPts val="0"/>
+                    </a:spcBef>
+                    <a:spcAft>
+                      <a:spcPts val="0"/>
+                    </a:spcAft>
+                    <a:buClrTx/>
+                    <a:buSzTx/>
+                    <a:buFontTx/>
+                    <a:buNone/>
+                    <a:tabLst/>
+                    <a:defRPr/>
+                  </a:pPr>
+                  <a:endParaRPr kumimoji="0" lang="en-AU" sz="1800" b="0" i="0" u="none" strike="noStrike" kern="0" cap="none" spc="0" normalizeH="0" baseline="0" noProof="0" dirty="0">
+                    <a:ln>
+                      <a:noFill/>
+                    </a:ln>
+                    <a:solidFill>
+                      <a:prstClr val="white"/>
+                    </a:solidFill>
+                    <a:effectLst/>
+                    <a:uLnTx/>
+                    <a:uFillTx/>
+                    <a:latin typeface="Calibri" panose="020F0502020204030204"/>
+                    <a:ea typeface="+mn-ea"/>
+                    <a:cs typeface="+mn-cs"/>
+                  </a:endParaRPr>
+                </a:p>
+              </p:txBody>
+            </p:sp>
+            <p:sp>
+              <p:nvSpPr>
+                <p:cNvPr id="127" name="Rectangle 126">
+                  <a:extLst>
+                    <a:ext uri="{FF2B5EF4-FFF2-40B4-BE49-F238E27FC236}">
+                      <a16:creationId xmlns:a16="http://schemas.microsoft.com/office/drawing/2014/main" id="{82C3DE35-4C95-4A1C-97B8-B77D1568C386}"/>
+                    </a:ext>
+                  </a:extLst>
+                </p:cNvPr>
+                <p:cNvSpPr/>
+                <p:nvPr/>
+              </p:nvSpPr>
+              <p:spPr>
+                <a:xfrm rot="16200000">
+                  <a:off x="3325006" y="3192533"/>
+                  <a:ext cx="348258" cy="114300"/>
+                </a:xfrm>
+                <a:prstGeom prst="rect">
+                  <a:avLst/>
+                </a:prstGeom>
+                <a:solidFill>
+                  <a:sysClr val="window" lastClr="FFFFFF"/>
+                </a:solidFill>
+                <a:ln w="12700" cap="flat" cmpd="sng" algn="ctr">
+                  <a:noFill/>
+                  <a:prstDash val="solid"/>
+                  <a:miter lim="800000"/>
+                </a:ln>
+                <a:effectLst/>
+              </p:spPr>
+              <p:txBody>
+                <a:bodyPr rtlCol="0" anchor="ctr"/>
+                <a:lstStyle/>
+                <a:p>
+                  <a:pPr marL="0" marR="0" lvl="0" indent="0" algn="ctr" defTabSz="457200" eaLnBrk="1" fontAlgn="auto" latinLnBrk="0" hangingPunct="1">
+                    <a:lnSpc>
+                      <a:spcPct val="100000"/>
+                    </a:lnSpc>
+                    <a:spcBef>
+                      <a:spcPts val="0"/>
+                    </a:spcBef>
+                    <a:spcAft>
+                      <a:spcPts val="0"/>
+                    </a:spcAft>
+                    <a:buClrTx/>
+                    <a:buSzTx/>
+                    <a:buFontTx/>
+                    <a:buNone/>
+                    <a:tabLst/>
+                    <a:defRPr/>
+                  </a:pPr>
+                  <a:endParaRPr kumimoji="0" lang="en-AU" sz="1800" b="0" i="0" u="none" strike="noStrike" kern="0" cap="none" spc="0" normalizeH="0" baseline="0" noProof="0" dirty="0">
+                    <a:ln>
+                      <a:noFill/>
+                    </a:ln>
+                    <a:solidFill>
+                      <a:prstClr val="white"/>
+                    </a:solidFill>
+                    <a:effectLst/>
+                    <a:uLnTx/>
+                    <a:uFillTx/>
+                    <a:latin typeface="Calibri" panose="020F0502020204030204"/>
+                    <a:ea typeface="+mn-ea"/>
+                    <a:cs typeface="+mn-cs"/>
+                  </a:endParaRPr>
+                </a:p>
+              </p:txBody>
+            </p:sp>
+          </p:grpSp>
+          <p:grpSp>
+            <p:nvGrpSpPr>
+              <p:cNvPr id="113" name="Group 112">
+                <a:extLst>
+                  <a:ext uri="{FF2B5EF4-FFF2-40B4-BE49-F238E27FC236}">
+                    <a16:creationId xmlns:a16="http://schemas.microsoft.com/office/drawing/2014/main" id="{B7F59568-A07F-4D68-B4E7-C0276C526B32}"/>
+                  </a:ext>
+                </a:extLst>
+              </p:cNvPr>
+              <p:cNvGrpSpPr/>
+              <p:nvPr/>
+            </p:nvGrpSpPr>
+            <p:grpSpPr>
+              <a:xfrm>
+                <a:off x="668651" y="2779270"/>
+                <a:ext cx="228600" cy="114300"/>
+                <a:chOff x="3488871" y="2942096"/>
+                <a:chExt cx="228600" cy="114300"/>
+              </a:xfrm>
+              <a:solidFill>
+                <a:sysClr val="window" lastClr="FFFFFF"/>
+              </a:solidFill>
+            </p:grpSpPr>
+            <p:sp>
+              <p:nvSpPr>
+                <p:cNvPr id="122" name="Rectangle 121">
+                  <a:extLst>
+                    <a:ext uri="{FF2B5EF4-FFF2-40B4-BE49-F238E27FC236}">
+                      <a16:creationId xmlns:a16="http://schemas.microsoft.com/office/drawing/2014/main" id="{37B93456-0EE2-4120-8F7D-7A9405C63C24}"/>
+                    </a:ext>
+                  </a:extLst>
+                </p:cNvPr>
+                <p:cNvSpPr/>
+                <p:nvPr/>
+              </p:nvSpPr>
+              <p:spPr>
+                <a:xfrm>
+                  <a:off x="3488871" y="2942096"/>
+                  <a:ext cx="114300" cy="114300"/>
+                </a:xfrm>
+                <a:prstGeom prst="rect">
+                  <a:avLst/>
+                </a:prstGeom>
+                <a:grpFill/>
+                <a:ln w="12700" cap="flat" cmpd="sng" algn="ctr">
+                  <a:noFill/>
+                  <a:prstDash val="solid"/>
+                  <a:miter lim="800000"/>
+                </a:ln>
+                <a:effectLst/>
+              </p:spPr>
+              <p:txBody>
+                <a:bodyPr rtlCol="0" anchor="ctr"/>
+                <a:lstStyle/>
+                <a:p>
+                  <a:pPr marL="0" marR="0" lvl="0" indent="0" algn="ctr" defTabSz="457200" eaLnBrk="1" fontAlgn="auto" latinLnBrk="0" hangingPunct="1">
+                    <a:lnSpc>
+                      <a:spcPct val="100000"/>
+                    </a:lnSpc>
+                    <a:spcBef>
+                      <a:spcPts val="0"/>
+                    </a:spcBef>
+                    <a:spcAft>
+                      <a:spcPts val="0"/>
+                    </a:spcAft>
+                    <a:buClrTx/>
+                    <a:buSzTx/>
+                    <a:buFontTx/>
+                    <a:buNone/>
+                    <a:tabLst/>
+                    <a:defRPr/>
+                  </a:pPr>
+                  <a:endParaRPr kumimoji="0" lang="en-AU" sz="1800" b="0" i="0" u="none" strike="noStrike" kern="0" cap="none" spc="0" normalizeH="0" baseline="0" noProof="0" dirty="0">
+                    <a:ln>
+                      <a:noFill/>
+                    </a:ln>
+                    <a:solidFill>
+                      <a:prstClr val="white"/>
+                    </a:solidFill>
+                    <a:effectLst/>
+                    <a:uLnTx/>
+                    <a:uFillTx/>
+                    <a:latin typeface="Calibri" panose="020F0502020204030204"/>
+                    <a:ea typeface="+mn-ea"/>
+                    <a:cs typeface="+mn-cs"/>
+                  </a:endParaRPr>
+                </a:p>
+              </p:txBody>
+            </p:sp>
+            <p:sp>
+              <p:nvSpPr>
+                <p:cNvPr id="123" name="Rectangle 122">
+                  <a:extLst>
+                    <a:ext uri="{FF2B5EF4-FFF2-40B4-BE49-F238E27FC236}">
+                      <a16:creationId xmlns:a16="http://schemas.microsoft.com/office/drawing/2014/main" id="{6F50E83C-3D2D-434E-8D58-857DD80531BE}"/>
+                    </a:ext>
+                  </a:extLst>
+                </p:cNvPr>
+                <p:cNvSpPr/>
+                <p:nvPr/>
+              </p:nvSpPr>
+              <p:spPr>
+                <a:xfrm>
+                  <a:off x="3603171" y="2942096"/>
+                  <a:ext cx="114300" cy="114300"/>
+                </a:xfrm>
+                <a:prstGeom prst="rect">
+                  <a:avLst/>
+                </a:prstGeom>
+                <a:grpFill/>
+                <a:ln w="12700" cap="flat" cmpd="sng" algn="ctr">
+                  <a:noFill/>
+                  <a:prstDash val="solid"/>
+                  <a:miter lim="800000"/>
+                </a:ln>
+                <a:effectLst/>
+              </p:spPr>
+              <p:txBody>
+                <a:bodyPr rtlCol="0" anchor="ctr"/>
+                <a:lstStyle/>
+                <a:p>
+                  <a:pPr marL="0" marR="0" lvl="0" indent="0" algn="ctr" defTabSz="457200" eaLnBrk="1" fontAlgn="auto" latinLnBrk="0" hangingPunct="1">
+                    <a:lnSpc>
+                      <a:spcPct val="100000"/>
+                    </a:lnSpc>
+                    <a:spcBef>
+                      <a:spcPts val="0"/>
+                    </a:spcBef>
+                    <a:spcAft>
+                      <a:spcPts val="0"/>
+                    </a:spcAft>
+                    <a:buClrTx/>
+                    <a:buSzTx/>
+                    <a:buFontTx/>
+                    <a:buNone/>
+                    <a:tabLst/>
+                    <a:defRPr/>
+                  </a:pPr>
+                  <a:endParaRPr kumimoji="0" lang="en-AU" sz="1800" b="0" i="0" u="none" strike="noStrike" kern="0" cap="none" spc="0" normalizeH="0" baseline="0" noProof="0" dirty="0">
+                    <a:ln>
+                      <a:noFill/>
+                    </a:ln>
+                    <a:solidFill>
+                      <a:prstClr val="white"/>
+                    </a:solidFill>
+                    <a:effectLst/>
+                    <a:uLnTx/>
+                    <a:uFillTx/>
+                    <a:latin typeface="Calibri" panose="020F0502020204030204"/>
+                    <a:ea typeface="+mn-ea"/>
+                    <a:cs typeface="+mn-cs"/>
+                  </a:endParaRPr>
+                </a:p>
+              </p:txBody>
+            </p:sp>
+          </p:grpSp>
+          <p:grpSp>
+            <p:nvGrpSpPr>
+              <p:cNvPr id="114" name="Group 113">
+                <a:extLst>
+                  <a:ext uri="{FF2B5EF4-FFF2-40B4-BE49-F238E27FC236}">
+                    <a16:creationId xmlns:a16="http://schemas.microsoft.com/office/drawing/2014/main" id="{86A4532C-BC67-4585-B3A3-35601D06F458}"/>
+                  </a:ext>
+                </a:extLst>
+              </p:cNvPr>
+              <p:cNvGrpSpPr/>
+              <p:nvPr/>
+            </p:nvGrpSpPr>
+            <p:grpSpPr>
+              <a:xfrm>
+                <a:off x="583390" y="2911377"/>
+                <a:ext cx="228600" cy="114300"/>
+                <a:chOff x="3488871" y="2942096"/>
+                <a:chExt cx="228600" cy="114300"/>
+              </a:xfrm>
+              <a:solidFill>
+                <a:sysClr val="window" lastClr="FFFFFF"/>
+              </a:solidFill>
+            </p:grpSpPr>
+            <p:sp>
+              <p:nvSpPr>
+                <p:cNvPr id="120" name="Rectangle 119">
+                  <a:extLst>
+                    <a:ext uri="{FF2B5EF4-FFF2-40B4-BE49-F238E27FC236}">
+                      <a16:creationId xmlns:a16="http://schemas.microsoft.com/office/drawing/2014/main" id="{C36F687A-2A55-4EBA-8EB7-50A82460EC52}"/>
+                    </a:ext>
+                  </a:extLst>
+                </p:cNvPr>
+                <p:cNvSpPr/>
+                <p:nvPr/>
+              </p:nvSpPr>
+              <p:spPr>
+                <a:xfrm>
+                  <a:off x="3488871" y="2942096"/>
+                  <a:ext cx="114300" cy="114300"/>
+                </a:xfrm>
+                <a:prstGeom prst="rect">
+                  <a:avLst/>
+                </a:prstGeom>
+                <a:grpFill/>
+                <a:ln w="12700" cap="flat" cmpd="sng" algn="ctr">
+                  <a:noFill/>
+                  <a:prstDash val="solid"/>
+                  <a:miter lim="800000"/>
+                </a:ln>
+                <a:effectLst/>
+              </p:spPr>
+              <p:txBody>
+                <a:bodyPr rtlCol="0" anchor="ctr"/>
+                <a:lstStyle/>
+                <a:p>
+                  <a:pPr marL="0" marR="0" lvl="0" indent="0" algn="ctr" defTabSz="457200" eaLnBrk="1" fontAlgn="auto" latinLnBrk="0" hangingPunct="1">
+                    <a:lnSpc>
+                      <a:spcPct val="100000"/>
+                    </a:lnSpc>
+                    <a:spcBef>
+                      <a:spcPts val="0"/>
+                    </a:spcBef>
+                    <a:spcAft>
+                      <a:spcPts val="0"/>
+                    </a:spcAft>
+                    <a:buClrTx/>
+                    <a:buSzTx/>
+                    <a:buFontTx/>
+                    <a:buNone/>
+                    <a:tabLst/>
+                    <a:defRPr/>
+                  </a:pPr>
+                  <a:endParaRPr kumimoji="0" lang="en-AU" sz="1800" b="0" i="0" u="none" strike="noStrike" kern="0" cap="none" spc="0" normalizeH="0" baseline="0" noProof="0" dirty="0">
+                    <a:ln>
+                      <a:noFill/>
+                    </a:ln>
+                    <a:solidFill>
+                      <a:prstClr val="white"/>
+                    </a:solidFill>
+                    <a:effectLst/>
+                    <a:uLnTx/>
+                    <a:uFillTx/>
+                    <a:latin typeface="Calibri" panose="020F0502020204030204"/>
+                    <a:ea typeface="+mn-ea"/>
+                    <a:cs typeface="+mn-cs"/>
+                  </a:endParaRPr>
+                </a:p>
+              </p:txBody>
+            </p:sp>
+            <p:sp>
+              <p:nvSpPr>
+                <p:cNvPr id="121" name="Rectangle 120">
+                  <a:extLst>
+                    <a:ext uri="{FF2B5EF4-FFF2-40B4-BE49-F238E27FC236}">
+                      <a16:creationId xmlns:a16="http://schemas.microsoft.com/office/drawing/2014/main" id="{CBC5256E-40CE-4A57-8297-B3291F7B9475}"/>
+                    </a:ext>
+                  </a:extLst>
+                </p:cNvPr>
+                <p:cNvSpPr/>
+                <p:nvPr/>
+              </p:nvSpPr>
+              <p:spPr>
+                <a:xfrm>
+                  <a:off x="3603171" y="2942096"/>
+                  <a:ext cx="114300" cy="114300"/>
+                </a:xfrm>
+                <a:prstGeom prst="rect">
+                  <a:avLst/>
+                </a:prstGeom>
+                <a:grpFill/>
+                <a:ln w="12700" cap="flat" cmpd="sng" algn="ctr">
+                  <a:noFill/>
+                  <a:prstDash val="solid"/>
+                  <a:miter lim="800000"/>
+                </a:ln>
+                <a:effectLst/>
+              </p:spPr>
+              <p:txBody>
+                <a:bodyPr rtlCol="0" anchor="ctr"/>
+                <a:lstStyle/>
+                <a:p>
+                  <a:pPr marL="0" marR="0" lvl="0" indent="0" algn="ctr" defTabSz="457200" eaLnBrk="1" fontAlgn="auto" latinLnBrk="0" hangingPunct="1">
+                    <a:lnSpc>
+                      <a:spcPct val="100000"/>
+                    </a:lnSpc>
+                    <a:spcBef>
+                      <a:spcPts val="0"/>
+                    </a:spcBef>
+                    <a:spcAft>
+                      <a:spcPts val="0"/>
+                    </a:spcAft>
+                    <a:buClrTx/>
+                    <a:buSzTx/>
+                    <a:buFontTx/>
+                    <a:buNone/>
+                    <a:tabLst/>
+                    <a:defRPr/>
+                  </a:pPr>
+                  <a:endParaRPr kumimoji="0" lang="en-AU" sz="1800" b="0" i="0" u="none" strike="noStrike" kern="0" cap="none" spc="0" normalizeH="0" baseline="0" noProof="0" dirty="0">
+                    <a:ln>
+                      <a:noFill/>
+                    </a:ln>
+                    <a:solidFill>
+                      <a:prstClr val="white"/>
+                    </a:solidFill>
+                    <a:effectLst/>
+                    <a:uLnTx/>
+                    <a:uFillTx/>
+                    <a:latin typeface="Calibri" panose="020F0502020204030204"/>
+                    <a:ea typeface="+mn-ea"/>
+                    <a:cs typeface="+mn-cs"/>
+                  </a:endParaRPr>
+                </a:p>
+              </p:txBody>
+            </p:sp>
+          </p:grpSp>
+          <p:grpSp>
+            <p:nvGrpSpPr>
+              <p:cNvPr id="115" name="Group 114">
+                <a:extLst>
+                  <a:ext uri="{FF2B5EF4-FFF2-40B4-BE49-F238E27FC236}">
+                    <a16:creationId xmlns:a16="http://schemas.microsoft.com/office/drawing/2014/main" id="{097D9415-4B02-4538-999A-F115AFAA9BDE}"/>
+                  </a:ext>
+                </a:extLst>
+              </p:cNvPr>
+              <p:cNvGrpSpPr/>
+              <p:nvPr/>
+            </p:nvGrpSpPr>
+            <p:grpSpPr>
+              <a:xfrm>
+                <a:off x="402867" y="2779270"/>
+                <a:ext cx="760169" cy="246407"/>
+                <a:chOff x="402867" y="2779270"/>
+                <a:chExt cx="760169" cy="246407"/>
+              </a:xfrm>
+            </p:grpSpPr>
+            <p:grpSp>
+              <p:nvGrpSpPr>
+                <p:cNvPr id="116" name="Group 115">
+                  <a:extLst>
+                    <a:ext uri="{FF2B5EF4-FFF2-40B4-BE49-F238E27FC236}">
+                      <a16:creationId xmlns:a16="http://schemas.microsoft.com/office/drawing/2014/main" id="{B10C8C42-4A9B-464B-8454-998A4DAA29D9}"/>
+                    </a:ext>
+                  </a:extLst>
+                </p:cNvPr>
+                <p:cNvGrpSpPr/>
+                <p:nvPr/>
+              </p:nvGrpSpPr>
+              <p:grpSpPr>
+                <a:xfrm>
+                  <a:off x="1064157" y="2791116"/>
+                  <a:ext cx="71734" cy="222714"/>
+                  <a:chOff x="1401698" y="2791116"/>
+                  <a:chExt cx="71734" cy="222714"/>
+                </a:xfrm>
+                <a:solidFill>
+                  <a:sysClr val="window" lastClr="FFFFFF"/>
+                </a:solidFill>
+              </p:grpSpPr>
+              <p:sp>
+                <p:nvSpPr>
+                  <p:cNvPr id="118" name="Rectangle 455">
+                    <a:extLst>
+                      <a:ext uri="{FF2B5EF4-FFF2-40B4-BE49-F238E27FC236}">
+                        <a16:creationId xmlns:a16="http://schemas.microsoft.com/office/drawing/2014/main" id="{90A2A267-7505-48F8-A2B8-62E21D12E6D5}"/>
+                      </a:ext>
+                    </a:extLst>
+                  </p:cNvPr>
+                  <p:cNvSpPr/>
+                  <p:nvPr/>
+                </p:nvSpPr>
+                <p:spPr>
+                  <a:xfrm>
+                    <a:off x="1401698" y="2791116"/>
+                    <a:ext cx="71734" cy="71734"/>
+                  </a:xfrm>
+                  <a:prstGeom prst="roundRect">
+                    <a:avLst/>
+                  </a:prstGeom>
+                  <a:solidFill>
+                    <a:sysClr val="window" lastClr="FFFFFF"/>
+                  </a:solidFill>
+                  <a:ln w="12700" cap="flat" cmpd="sng" algn="ctr">
+                    <a:noFill/>
+                    <a:prstDash val="solid"/>
+                    <a:miter lim="800000"/>
+                  </a:ln>
+                  <a:effectLst/>
+                </p:spPr>
+                <p:txBody>
+                  <a:bodyPr rtlCol="0" anchor="ctr"/>
+                  <a:lstStyle/>
+                  <a:p>
+                    <a:pPr marL="0" marR="0" lvl="0" indent="0" algn="ctr" defTabSz="457200" eaLnBrk="1" fontAlgn="auto" latinLnBrk="0" hangingPunct="1">
+                      <a:lnSpc>
+                        <a:spcPct val="100000"/>
+                      </a:lnSpc>
+                      <a:spcBef>
+                        <a:spcPts val="0"/>
+                      </a:spcBef>
+                      <a:spcAft>
+                        <a:spcPts val="0"/>
+                      </a:spcAft>
+                      <a:buClrTx/>
+                      <a:buSzTx/>
+                      <a:buFontTx/>
+                      <a:buNone/>
+                      <a:tabLst/>
+                      <a:defRPr/>
+                    </a:pPr>
+                    <a:endParaRPr kumimoji="0" lang="en-AU" sz="1800" b="0" i="0" u="none" strike="noStrike" kern="0" cap="none" spc="0" normalizeH="0" baseline="0" noProof="0" dirty="0">
+                      <a:ln>
+                        <a:noFill/>
+                      </a:ln>
+                      <a:solidFill>
+                        <a:srgbClr val="4472C4"/>
+                      </a:solidFill>
+                      <a:effectLst/>
+                      <a:uLnTx/>
+                      <a:uFillTx/>
+                      <a:latin typeface="Calibri" panose="020F0502020204030204"/>
+                      <a:ea typeface="+mn-ea"/>
+                      <a:cs typeface="+mn-cs"/>
+                    </a:endParaRPr>
+                  </a:p>
+                </p:txBody>
+              </p:sp>
+              <p:sp>
+                <p:nvSpPr>
+                  <p:cNvPr id="119" name="Rectangle 100">
+                    <a:extLst>
+                      <a:ext uri="{FF2B5EF4-FFF2-40B4-BE49-F238E27FC236}">
+                        <a16:creationId xmlns:a16="http://schemas.microsoft.com/office/drawing/2014/main" id="{DDE8BC64-D4A0-42D0-B210-E44B0047CE79}"/>
+                      </a:ext>
+                    </a:extLst>
+                  </p:cNvPr>
+                  <p:cNvSpPr/>
+                  <p:nvPr/>
+                </p:nvSpPr>
+                <p:spPr>
+                  <a:xfrm>
+                    <a:off x="1401698" y="2942096"/>
+                    <a:ext cx="71734" cy="71734"/>
+                  </a:xfrm>
+                  <a:prstGeom prst="roundRect">
+                    <a:avLst/>
+                  </a:prstGeom>
+                  <a:solidFill>
+                    <a:sysClr val="window" lastClr="FFFFFF"/>
+                  </a:solidFill>
+                  <a:ln w="12700" cap="flat" cmpd="sng" algn="ctr">
+                    <a:noFill/>
+                    <a:prstDash val="solid"/>
+                    <a:miter lim="800000"/>
+                  </a:ln>
+                  <a:effectLst/>
+                </p:spPr>
+                <p:txBody>
+                  <a:bodyPr rtlCol="0" anchor="ctr"/>
+                  <a:lstStyle/>
+                  <a:p>
+                    <a:pPr marL="0" marR="0" lvl="0" indent="0" algn="ctr" defTabSz="457200" eaLnBrk="1" fontAlgn="auto" latinLnBrk="0" hangingPunct="1">
+                      <a:lnSpc>
+                        <a:spcPct val="100000"/>
+                      </a:lnSpc>
+                      <a:spcBef>
+                        <a:spcPts val="0"/>
+                      </a:spcBef>
+                      <a:spcAft>
+                        <a:spcPts val="0"/>
+                      </a:spcAft>
+                      <a:buClrTx/>
+                      <a:buSzTx/>
+                      <a:buFontTx/>
+                      <a:buNone/>
+                      <a:tabLst/>
+                      <a:defRPr/>
+                    </a:pPr>
+                    <a:endParaRPr kumimoji="0" lang="en-AU" sz="1800" b="0" i="0" u="none" strike="noStrike" kern="0" cap="none" spc="0" normalizeH="0" baseline="0" noProof="0" dirty="0">
+                      <a:ln>
+                        <a:noFill/>
+                      </a:ln>
+                      <a:solidFill>
+                        <a:srgbClr val="4472C4"/>
+                      </a:solidFill>
+                      <a:effectLst/>
+                      <a:uLnTx/>
+                      <a:uFillTx/>
+                      <a:latin typeface="Calibri" panose="020F0502020204030204"/>
+                      <a:ea typeface="+mn-ea"/>
+                      <a:cs typeface="+mn-cs"/>
+                    </a:endParaRPr>
+                  </a:p>
+                </p:txBody>
+              </p:sp>
+            </p:grpSp>
+            <p:sp>
+              <p:nvSpPr>
+                <p:cNvPr id="117" name="TextBox 116">
+                  <a:extLst>
+                    <a:ext uri="{FF2B5EF4-FFF2-40B4-BE49-F238E27FC236}">
+                      <a16:creationId xmlns:a16="http://schemas.microsoft.com/office/drawing/2014/main" id="{46B92C7C-A858-41DA-9785-47B6B84AD5FF}"/>
+                    </a:ext>
+                  </a:extLst>
+                </p:cNvPr>
+                <p:cNvSpPr txBox="1"/>
+                <p:nvPr/>
+              </p:nvSpPr>
+              <p:spPr>
+                <a:xfrm>
+                  <a:off x="402867" y="2779270"/>
+                  <a:ext cx="760169" cy="246407"/>
+                </a:xfrm>
+                <a:prstGeom prst="roundRect">
+                  <a:avLst>
+                    <a:gd name="adj" fmla="val 50000"/>
+                  </a:avLst>
+                </a:prstGeom>
+                <a:solidFill>
+                  <a:sysClr val="window" lastClr="FFFFFF"/>
+                </a:solidFill>
+                <a:ln w="12700" cap="flat" cmpd="sng" algn="ctr">
+                  <a:solidFill>
+                    <a:srgbClr val="4472C4"/>
+                  </a:solidFill>
+                  <a:prstDash val="solid"/>
+                  <a:miter lim="800000"/>
+                </a:ln>
+                <a:effectLst/>
+              </p:spPr>
+              <p:txBody>
+                <a:bodyPr wrap="square" lIns="3600" tIns="3600" rIns="3600" bIns="3600" rtlCol="0" anchor="ctr" anchorCtr="1">
+                  <a:spAutoFit/>
+                </a:bodyPr>
+                <a:lstStyle/>
+                <a:p>
+                  <a:pPr marL="0" marR="0" lvl="0" indent="0" algn="ctr" defTabSz="457200" eaLnBrk="1" fontAlgn="auto" latinLnBrk="0" hangingPunct="1">
+                    <a:lnSpc>
+                      <a:spcPct val="100000"/>
+                    </a:lnSpc>
+                    <a:spcBef>
+                      <a:spcPts val="0"/>
+                    </a:spcBef>
+                    <a:spcAft>
+                      <a:spcPts val="0"/>
+                    </a:spcAft>
+                    <a:buClrTx/>
+                    <a:buSzTx/>
+                    <a:buFontTx/>
+                    <a:buNone/>
+                    <a:tabLst/>
+                    <a:defRPr/>
+                  </a:pPr>
+                  <a:r>
+                    <a:rPr kumimoji="0" lang="en-US" sz="1400" b="0" i="0" u="none" strike="noStrike" kern="0" cap="none" spc="0" normalizeH="0" baseline="0" noProof="0" dirty="0">
+                      <a:ln>
+                        <a:noFill/>
+                      </a:ln>
+                      <a:solidFill>
+                        <a:srgbClr val="4472C4"/>
+                      </a:solidFill>
+                      <a:effectLst/>
+                      <a:uLnTx/>
+                      <a:uFillTx/>
+                      <a:latin typeface="Helvetica Neue"/>
+                      <a:ea typeface="+mn-ea"/>
+                      <a:cs typeface="Helvetica Neue" charset="0"/>
+                    </a:rPr>
+                    <a:t>DMA</a:t>
+                  </a:r>
+                  <a:endParaRPr kumimoji="0" lang="en-AU" sz="1400" b="0" i="0" u="none" strike="noStrike" kern="0" cap="none" spc="0" normalizeH="0" baseline="0" noProof="0" dirty="0">
+                    <a:ln>
+                      <a:noFill/>
+                    </a:ln>
+                    <a:solidFill>
+                      <a:srgbClr val="4472C4"/>
+                    </a:solidFill>
+                    <a:effectLst/>
+                    <a:uLnTx/>
+                    <a:uFillTx/>
+                    <a:latin typeface="Helvetica Neue"/>
+                    <a:ea typeface="+mn-ea"/>
+                    <a:cs typeface="+mn-cs"/>
+                  </a:endParaRPr>
+                </a:p>
+              </p:txBody>
+            </p:sp>
+          </p:grpSp>
+        </p:grpSp>
+        <p:sp>
+          <p:nvSpPr>
+            <p:cNvPr id="52" name="TextBox 51">
+              <a:extLst>
+                <a:ext uri="{FF2B5EF4-FFF2-40B4-BE49-F238E27FC236}">
+                  <a16:creationId xmlns:a16="http://schemas.microsoft.com/office/drawing/2014/main" id="{981FAC1B-9A56-47D5-8D64-5029E1311546}"/>
+                </a:ext>
+              </a:extLst>
+            </p:cNvPr>
+            <p:cNvSpPr txBox="1"/>
+            <p:nvPr/>
+          </p:nvSpPr>
+          <p:spPr>
+            <a:xfrm>
+              <a:off x="137060" y="4861766"/>
+              <a:ext cx="943000" cy="616133"/>
+            </a:xfrm>
+            <a:prstGeom prst="roundRect">
+              <a:avLst>
+                <a:gd name="adj" fmla="val 50000"/>
+              </a:avLst>
+            </a:prstGeom>
+            <a:solidFill>
+              <a:sysClr val="window" lastClr="FFFFFF"/>
+            </a:solidFill>
+            <a:ln w="12700" cap="flat" cmpd="sng" algn="ctr">
+              <a:solidFill>
+                <a:srgbClr val="7030A0"/>
+              </a:solidFill>
+              <a:prstDash val="solid"/>
+              <a:miter lim="800000"/>
+            </a:ln>
+            <a:effectLst/>
+          </p:spPr>
+          <p:txBody>
+            <a:bodyPr wrap="square" lIns="3600" tIns="3600" rIns="3600" bIns="3600" rtlCol="0" anchor="ctr" anchorCtr="1">
+              <a:spAutoFit/>
+            </a:bodyPr>
+            <a:lstStyle/>
+            <a:p>
+              <a:pPr marL="0" marR="0" lvl="0" indent="0" algn="ctr" defTabSz="457200" eaLnBrk="1" fontAlgn="auto" latinLnBrk="0" hangingPunct="1">
+                <a:lnSpc>
+                  <a:spcPct val="100000"/>
+                </a:lnSpc>
+                <a:spcBef>
+                  <a:spcPts val="0"/>
+                </a:spcBef>
+                <a:spcAft>
+                  <a:spcPts val="0"/>
+                </a:spcAft>
+                <a:buClrTx/>
+                <a:buSzTx/>
+                <a:buFontTx/>
+                <a:buNone/>
+                <a:tabLst/>
+                <a:defRPr/>
+              </a:pPr>
+              <a:r>
+                <a:rPr kumimoji="0" lang="en-US" sz="1400" b="0" i="0" u="none" strike="noStrike" kern="0" cap="none" spc="0" normalizeH="0" baseline="0" noProof="0" dirty="0">
+                  <a:ln>
+                    <a:noFill/>
+                  </a:ln>
+                  <a:solidFill>
+                    <a:srgbClr val="7030A0"/>
+                  </a:solidFill>
+                  <a:effectLst/>
+                  <a:uLnTx/>
+                  <a:uFillTx/>
+                  <a:latin typeface="Helvetica Neue"/>
+                  <a:ea typeface="+mn-ea"/>
+                  <a:cs typeface="Helvetica Neue" charset="0"/>
+                </a:rPr>
+                <a:t>PWM Interface</a:t>
+              </a:r>
+              <a:endParaRPr kumimoji="0" lang="en-AU" sz="1400" b="0" i="0" u="none" strike="noStrike" kern="0" cap="none" spc="0" normalizeH="0" baseline="0" noProof="0" dirty="0">
+                <a:ln>
+                  <a:noFill/>
+                </a:ln>
+                <a:solidFill>
+                  <a:srgbClr val="7030A0"/>
+                </a:solidFill>
+                <a:effectLst/>
+                <a:uLnTx/>
+                <a:uFillTx/>
+                <a:latin typeface="Helvetica Neue"/>
+                <a:ea typeface="+mn-ea"/>
+                <a:cs typeface="+mn-cs"/>
+              </a:endParaRPr>
+            </a:p>
+          </p:txBody>
+        </p:sp>
+        <p:sp>
+          <p:nvSpPr>
+            <p:cNvPr id="53" name="TextBox 52">
+              <a:extLst>
+                <a:ext uri="{FF2B5EF4-FFF2-40B4-BE49-F238E27FC236}">
+                  <a16:creationId xmlns:a16="http://schemas.microsoft.com/office/drawing/2014/main" id="{C70D084E-9789-43FF-9279-ED61059C3402}"/>
+                </a:ext>
+              </a:extLst>
+            </p:cNvPr>
+            <p:cNvSpPr txBox="1"/>
+            <p:nvPr/>
+          </p:nvSpPr>
+          <p:spPr>
+            <a:xfrm>
+              <a:off x="435006" y="5811891"/>
+              <a:ext cx="347107" cy="222714"/>
+            </a:xfrm>
+            <a:prstGeom prst="rect">
+              <a:avLst/>
+            </a:prstGeom>
+            <a:solidFill>
+              <a:sysClr val="window" lastClr="FFFFFF"/>
+            </a:solidFill>
+            <a:ln w="12700" cap="flat" cmpd="sng" algn="ctr">
+              <a:solidFill>
+                <a:srgbClr val="7030A0"/>
+              </a:solidFill>
+              <a:prstDash val="solid"/>
+              <a:miter lim="800000"/>
+            </a:ln>
+            <a:effectLst/>
+          </p:spPr>
+          <p:txBody>
+            <a:bodyPr wrap="none" lIns="3600" tIns="3600" rIns="3600" bIns="3600" rtlCol="0" anchor="ctr" anchorCtr="1">
+              <a:spAutoFit/>
+            </a:bodyPr>
+            <a:lstStyle/>
+            <a:p>
+              <a:pPr marL="0" marR="0" lvl="0" indent="0" algn="ctr" defTabSz="457200" eaLnBrk="1" fontAlgn="auto" latinLnBrk="0" hangingPunct="1">
+                <a:lnSpc>
+                  <a:spcPct val="100000"/>
+                </a:lnSpc>
+                <a:spcBef>
+                  <a:spcPts val="0"/>
+                </a:spcBef>
+                <a:spcAft>
+                  <a:spcPts val="0"/>
+                </a:spcAft>
+                <a:buClrTx/>
+                <a:buSzTx/>
+                <a:buFontTx/>
+                <a:buNone/>
+                <a:tabLst/>
+                <a:defRPr/>
+              </a:pPr>
+              <a:r>
+                <a:rPr kumimoji="0" lang="en-US" sz="1400" b="0" i="0" u="none" strike="noStrike" kern="0" cap="none" spc="0" normalizeH="0" baseline="0" noProof="0" dirty="0">
+                  <a:ln>
+                    <a:noFill/>
+                  </a:ln>
+                  <a:solidFill>
+                    <a:srgbClr val="7030A0"/>
+                  </a:solidFill>
+                  <a:effectLst/>
+                  <a:uLnTx/>
+                  <a:uFillTx/>
+                  <a:latin typeface="Helvetica Neue"/>
+                  <a:ea typeface="+mn-ea"/>
+                  <a:cs typeface="Helvetica Neue" charset="0"/>
+                </a:rPr>
+                <a:t>PB4</a:t>
+              </a:r>
+              <a:endParaRPr kumimoji="0" lang="en-AU" sz="1400" b="0" i="0" u="none" strike="noStrike" kern="0" cap="none" spc="0" normalizeH="0" baseline="0" noProof="0" dirty="0">
+                <a:ln>
+                  <a:noFill/>
+                </a:ln>
+                <a:solidFill>
+                  <a:srgbClr val="7030A0"/>
+                </a:solidFill>
+                <a:effectLst/>
+                <a:uLnTx/>
+                <a:uFillTx/>
+                <a:latin typeface="Helvetica Neue"/>
+                <a:ea typeface="+mn-ea"/>
+                <a:cs typeface="+mn-cs"/>
+              </a:endParaRPr>
+            </a:p>
+          </p:txBody>
+        </p:sp>
+        <p:sp>
+          <p:nvSpPr>
+            <p:cNvPr id="54" name="TextBox 53">
+              <a:extLst>
+                <a:ext uri="{FF2B5EF4-FFF2-40B4-BE49-F238E27FC236}">
+                  <a16:creationId xmlns:a16="http://schemas.microsoft.com/office/drawing/2014/main" id="{8903BFCE-9103-4175-8A13-748E61594B1E}"/>
+                </a:ext>
+              </a:extLst>
+            </p:cNvPr>
+            <p:cNvSpPr txBox="1"/>
+            <p:nvPr/>
+          </p:nvSpPr>
+          <p:spPr>
+            <a:xfrm>
+              <a:off x="370886" y="6374446"/>
+              <a:ext cx="475347" cy="222714"/>
+            </a:xfrm>
+            <a:prstGeom prst="rect">
+              <a:avLst/>
+            </a:prstGeom>
+            <a:solidFill>
+              <a:sysClr val="window" lastClr="FFFFFF"/>
+            </a:solidFill>
+            <a:ln w="12700" cap="flat" cmpd="sng" algn="ctr">
+              <a:solidFill>
+                <a:srgbClr val="7030A0"/>
+              </a:solidFill>
+              <a:prstDash val="solid"/>
+              <a:miter lim="800000"/>
+            </a:ln>
+            <a:effectLst/>
+          </p:spPr>
+          <p:txBody>
+            <a:bodyPr wrap="none" lIns="3600" tIns="3600" rIns="3600" bIns="3600" rtlCol="0" anchor="ctr" anchorCtr="1">
+              <a:spAutoFit/>
+            </a:bodyPr>
+            <a:lstStyle/>
+            <a:p>
+              <a:pPr marL="0" marR="0" lvl="0" indent="0" algn="ctr" defTabSz="457200" eaLnBrk="1" fontAlgn="auto" latinLnBrk="0" hangingPunct="1">
+                <a:lnSpc>
+                  <a:spcPct val="100000"/>
+                </a:lnSpc>
+                <a:spcBef>
+                  <a:spcPts val="0"/>
+                </a:spcBef>
+                <a:spcAft>
+                  <a:spcPts val="0"/>
+                </a:spcAft>
+                <a:buClrTx/>
+                <a:buSzTx/>
+                <a:buFontTx/>
+                <a:buNone/>
+                <a:tabLst/>
+                <a:defRPr/>
+              </a:pPr>
+              <a:r>
+                <a:rPr kumimoji="0" lang="en-US" sz="1400" b="0" i="0" u="none" strike="noStrike" kern="0" cap="none" spc="0" normalizeH="0" baseline="0" noProof="0" dirty="0">
+                  <a:ln>
+                    <a:noFill/>
+                  </a:ln>
+                  <a:solidFill>
+                    <a:srgbClr val="7030A0"/>
+                  </a:solidFill>
+                  <a:effectLst/>
+                  <a:uLnTx/>
+                  <a:uFillTx/>
+                  <a:latin typeface="Helvetica Neue"/>
+                  <a:ea typeface="+mn-ea"/>
+                  <a:cs typeface="Helvetica Neue" charset="0"/>
+                </a:rPr>
+                <a:t>Servo</a:t>
+              </a:r>
+              <a:endParaRPr kumimoji="0" lang="en-AU" sz="1400" b="0" i="0" u="none" strike="noStrike" kern="0" cap="none" spc="0" normalizeH="0" baseline="0" noProof="0" dirty="0">
+                <a:ln>
+                  <a:noFill/>
+                </a:ln>
+                <a:solidFill>
+                  <a:srgbClr val="7030A0"/>
+                </a:solidFill>
+                <a:effectLst/>
+                <a:uLnTx/>
+                <a:uFillTx/>
+                <a:latin typeface="Helvetica Neue"/>
+                <a:ea typeface="+mn-ea"/>
+                <a:cs typeface="+mn-cs"/>
+              </a:endParaRPr>
+            </a:p>
+          </p:txBody>
+        </p:sp>
+        <p:sp>
+          <p:nvSpPr>
+            <p:cNvPr id="55" name="TextBox 54">
+              <a:extLst>
+                <a:ext uri="{FF2B5EF4-FFF2-40B4-BE49-F238E27FC236}">
+                  <a16:creationId xmlns:a16="http://schemas.microsoft.com/office/drawing/2014/main" id="{46EC3018-4B94-4923-A7D9-280CE1874A26}"/>
+                </a:ext>
+              </a:extLst>
+            </p:cNvPr>
+            <p:cNvSpPr txBox="1"/>
+            <p:nvPr/>
+          </p:nvSpPr>
+          <p:spPr>
+            <a:xfrm>
+              <a:off x="0" y="3402349"/>
+              <a:ext cx="1217119" cy="961496"/>
+            </a:xfrm>
+            <a:prstGeom prst="roundRect">
+              <a:avLst>
+                <a:gd name="adj" fmla="val 50000"/>
+              </a:avLst>
+            </a:prstGeom>
+            <a:solidFill>
+              <a:sysClr val="window" lastClr="FFFFFF"/>
+            </a:solidFill>
+            <a:ln w="12700" cap="flat" cmpd="sng" algn="ctr">
+              <a:solidFill>
+                <a:sysClr val="windowText" lastClr="000000"/>
+              </a:solidFill>
+              <a:prstDash val="solid"/>
+              <a:miter lim="800000"/>
+            </a:ln>
+            <a:effectLst/>
+          </p:spPr>
+          <p:txBody>
+            <a:bodyPr wrap="square" lIns="3600" tIns="3600" rIns="3600" bIns="3600" rtlCol="0" anchor="ctr" anchorCtr="1">
+              <a:spAutoFit/>
+            </a:bodyPr>
+            <a:lstStyle/>
+            <a:p>
+              <a:pPr marL="0" marR="0" lvl="0" indent="0" algn="ctr" defTabSz="457200" eaLnBrk="1" fontAlgn="auto" latinLnBrk="0" hangingPunct="1">
+                <a:lnSpc>
+                  <a:spcPct val="100000"/>
+                </a:lnSpc>
+                <a:spcBef>
+                  <a:spcPts val="0"/>
+                </a:spcBef>
+                <a:spcAft>
+                  <a:spcPts val="0"/>
+                </a:spcAft>
+                <a:buClrTx/>
+                <a:buSzTx/>
+                <a:buFontTx/>
+                <a:buNone/>
+                <a:tabLst/>
+                <a:defRPr/>
+              </a:pPr>
+              <a:r>
+                <a:rPr kumimoji="0" lang="en-AU" sz="1400" b="0" i="0" u="none" strike="noStrike" kern="0" cap="none" spc="0" normalizeH="0" baseline="0" noProof="0" dirty="0">
+                  <a:ln>
+                    <a:noFill/>
+                  </a:ln>
+                  <a:solidFill>
+                    <a:prstClr val="black"/>
+                  </a:solidFill>
+                  <a:effectLst/>
+                  <a:uLnTx/>
+                  <a:uFillTx/>
+                  <a:latin typeface="Helvetica Neue"/>
+                  <a:ea typeface="+mn-ea"/>
+                  <a:cs typeface="+mn-cs"/>
+                </a:rPr>
+                <a:t>NUCLEO-F303K8 </a:t>
+              </a:r>
+              <a:r>
+                <a:rPr kumimoji="0" lang="en-US" sz="1400" b="0" i="0" u="none" strike="noStrike" kern="0" cap="none" spc="0" normalizeH="0" baseline="0" noProof="0" dirty="0">
+                  <a:ln>
+                    <a:noFill/>
+                  </a:ln>
+                  <a:solidFill>
+                    <a:prstClr val="black"/>
+                  </a:solidFill>
+                  <a:effectLst/>
+                  <a:uLnTx/>
+                  <a:uFillTx/>
+                  <a:latin typeface="Helvetica Neue"/>
+                  <a:ea typeface="+mn-ea"/>
+                  <a:cs typeface="Helvetica Neue" charset="0"/>
+                </a:rPr>
+                <a:t>Controller Software</a:t>
+              </a:r>
+            </a:p>
+          </p:txBody>
+        </p:sp>
+        <p:sp>
+          <p:nvSpPr>
+            <p:cNvPr id="56" name="Rectangle 55">
+              <a:extLst>
+                <a:ext uri="{FF2B5EF4-FFF2-40B4-BE49-F238E27FC236}">
+                  <a16:creationId xmlns:a16="http://schemas.microsoft.com/office/drawing/2014/main" id="{E0BDD56A-06DD-42F5-9259-FA8F045143FE}"/>
+                </a:ext>
+              </a:extLst>
+            </p:cNvPr>
+            <p:cNvSpPr/>
+            <p:nvPr/>
+          </p:nvSpPr>
+          <p:spPr>
+            <a:xfrm>
+              <a:off x="12237" y="7390524"/>
+              <a:ext cx="1786337" cy="265989"/>
+            </a:xfrm>
+            <a:prstGeom prst="rect">
+              <a:avLst/>
+            </a:prstGeom>
+            <a:solidFill>
+              <a:sysClr val="window" lastClr="FFFFFF">
+                <a:lumMod val="85000"/>
+              </a:sysClr>
+            </a:solidFill>
+            <a:ln w="28575" cap="flat" cmpd="sng" algn="ctr">
+              <a:solidFill>
+                <a:sysClr val="windowText" lastClr="000000"/>
+              </a:solidFill>
+              <a:prstDash val="solid"/>
+              <a:miter lim="800000"/>
+            </a:ln>
+            <a:effectLst/>
+          </p:spPr>
+          <p:txBody>
+            <a:bodyPr lIns="3600" tIns="3600" rIns="3600" bIns="3600" rtlCol="0" anchor="ctr" anchorCtr="1"/>
+            <a:lstStyle/>
+            <a:p>
+              <a:pPr marL="0" marR="0" lvl="0" indent="0" defTabSz="457200" eaLnBrk="1" fontAlgn="auto" latinLnBrk="0" hangingPunct="1">
+                <a:lnSpc>
+                  <a:spcPct val="100000"/>
+                </a:lnSpc>
+                <a:spcBef>
+                  <a:spcPts val="0"/>
+                </a:spcBef>
+                <a:spcAft>
+                  <a:spcPts val="0"/>
+                </a:spcAft>
+                <a:buClrTx/>
+                <a:buSzTx/>
+                <a:buFontTx/>
+                <a:buNone/>
+                <a:tabLst/>
+                <a:defRPr/>
+              </a:pPr>
+              <a:r>
+                <a:rPr kumimoji="0" lang="en-US" sz="1200" b="0" i="0" u="none" strike="noStrike" kern="0" cap="none" spc="0" normalizeH="0" baseline="0" noProof="0" dirty="0">
+                  <a:ln>
+                    <a:noFill/>
+                  </a:ln>
+                  <a:solidFill>
+                    <a:prstClr val="black"/>
+                  </a:solidFill>
+                  <a:effectLst/>
+                  <a:uLnTx/>
+                  <a:uFillTx/>
+                  <a:latin typeface="Helvetica Neue"/>
+                  <a:ea typeface="+mn-ea"/>
+                  <a:cs typeface="Helvetica Neue" charset="0"/>
+                </a:rPr>
+                <a:t>P</a:t>
+              </a:r>
+              <a:r>
+                <a:rPr kumimoji="0" lang="en-US" sz="1200" b="1" i="0" u="none" strike="noStrike" kern="0" cap="none" spc="0" normalizeH="0" baseline="0" noProof="0" dirty="0">
+                  <a:ln>
+                    <a:noFill/>
+                  </a:ln>
+                  <a:solidFill>
+                    <a:prstClr val="black"/>
+                  </a:solidFill>
+                  <a:effectLst/>
+                  <a:uLnTx/>
+                  <a:uFillTx/>
+                  <a:latin typeface="Helvetica Neue"/>
+                  <a:ea typeface="+mn-ea"/>
+                  <a:cs typeface="Helvetica Neue" charset="0"/>
+                </a:rPr>
+                <a:t>XY</a:t>
+              </a:r>
+              <a:r>
+                <a:rPr kumimoji="0" lang="en-US" sz="1200" b="0" i="0" u="none" strike="noStrike" kern="0" cap="none" spc="0" normalizeH="0" baseline="0" noProof="0" dirty="0">
+                  <a:ln>
+                    <a:noFill/>
+                  </a:ln>
+                  <a:solidFill>
+                    <a:prstClr val="black"/>
+                  </a:solidFill>
+                  <a:effectLst/>
+                  <a:uLnTx/>
+                  <a:uFillTx/>
+                  <a:latin typeface="Helvetica Neue"/>
+                  <a:ea typeface="+mn-ea"/>
+                  <a:cs typeface="Helvetica Neue" charset="0"/>
+                </a:rPr>
+                <a:t> = GPIO Port </a:t>
+              </a:r>
+              <a:r>
+                <a:rPr kumimoji="0" lang="en-US" sz="1200" b="1" i="0" u="none" strike="noStrike" kern="0" cap="none" spc="0" normalizeH="0" baseline="0" noProof="0" dirty="0">
+                  <a:ln>
+                    <a:noFill/>
+                  </a:ln>
+                  <a:solidFill>
+                    <a:prstClr val="black"/>
+                  </a:solidFill>
+                  <a:effectLst/>
+                  <a:uLnTx/>
+                  <a:uFillTx/>
+                  <a:latin typeface="Helvetica Neue"/>
+                  <a:ea typeface="+mn-ea"/>
+                  <a:cs typeface="Helvetica Neue" charset="0"/>
+                </a:rPr>
+                <a:t>X </a:t>
+              </a:r>
+              <a:r>
+                <a:rPr kumimoji="0" lang="en-US" sz="1200" b="0" i="0" u="none" strike="noStrike" kern="0" cap="none" spc="0" normalizeH="0" baseline="0" noProof="0" dirty="0">
+                  <a:ln>
+                    <a:noFill/>
+                  </a:ln>
+                  <a:solidFill>
+                    <a:prstClr val="black"/>
+                  </a:solidFill>
+                  <a:effectLst/>
+                  <a:uLnTx/>
+                  <a:uFillTx/>
+                  <a:latin typeface="Helvetica Neue"/>
+                  <a:ea typeface="+mn-ea"/>
+                  <a:cs typeface="Helvetica Neue" charset="0"/>
+                </a:rPr>
+                <a:t>Pin </a:t>
+              </a:r>
+              <a:r>
+                <a:rPr kumimoji="0" lang="en-US" sz="1200" b="1" i="0" u="none" strike="noStrike" kern="0" cap="none" spc="0" normalizeH="0" baseline="0" noProof="0" dirty="0">
+                  <a:ln>
+                    <a:noFill/>
+                  </a:ln>
+                  <a:solidFill>
+                    <a:prstClr val="black"/>
+                  </a:solidFill>
+                  <a:effectLst/>
+                  <a:uLnTx/>
+                  <a:uFillTx/>
+                  <a:latin typeface="Helvetica Neue"/>
+                  <a:ea typeface="+mn-ea"/>
+                  <a:cs typeface="Helvetica Neue" charset="0"/>
+                </a:rPr>
+                <a:t>Y</a:t>
+              </a:r>
+            </a:p>
+          </p:txBody>
+        </p:sp>
+        <p:sp>
+          <p:nvSpPr>
+            <p:cNvPr id="57" name="TextBox 56">
+              <a:extLst>
+                <a:ext uri="{FF2B5EF4-FFF2-40B4-BE49-F238E27FC236}">
+                  <a16:creationId xmlns:a16="http://schemas.microsoft.com/office/drawing/2014/main" id="{486E406E-DC35-43F2-8C26-10035BC08F17}"/>
+                </a:ext>
+              </a:extLst>
+            </p:cNvPr>
+            <p:cNvSpPr txBox="1"/>
+            <p:nvPr/>
+          </p:nvSpPr>
+          <p:spPr>
+            <a:xfrm>
+              <a:off x="2041524" y="7218355"/>
+              <a:ext cx="1295401" cy="438158"/>
+            </a:xfrm>
+            <a:prstGeom prst="rect">
+              <a:avLst/>
+            </a:prstGeom>
+            <a:solidFill>
+              <a:sysClr val="window" lastClr="FFFFFF"/>
+            </a:solidFill>
+            <a:ln w="12700" cap="flat" cmpd="sng" algn="ctr">
+              <a:solidFill>
+                <a:srgbClr val="70AD47"/>
+              </a:solidFill>
+              <a:prstDash val="solid"/>
+              <a:miter lim="800000"/>
+            </a:ln>
+            <a:effectLst/>
+          </p:spPr>
+          <p:txBody>
+            <a:bodyPr wrap="square" lIns="3600" tIns="3600" rIns="3600" bIns="3600" rtlCol="0" anchor="ctr" anchorCtr="1">
+              <a:spAutoFit/>
+            </a:bodyPr>
+            <a:lstStyle/>
+            <a:p>
+              <a:pPr marL="0" marR="0" lvl="0" indent="0" algn="ctr" defTabSz="457200" eaLnBrk="1" fontAlgn="auto" latinLnBrk="0" hangingPunct="1">
+                <a:lnSpc>
+                  <a:spcPct val="100000"/>
+                </a:lnSpc>
+                <a:spcBef>
+                  <a:spcPts val="0"/>
+                </a:spcBef>
+                <a:spcAft>
+                  <a:spcPts val="0"/>
+                </a:spcAft>
+                <a:buClrTx/>
+                <a:buSzTx/>
+                <a:buFontTx/>
+                <a:buNone/>
+                <a:tabLst/>
+                <a:defRPr/>
+              </a:pPr>
+              <a:r>
+                <a:rPr kumimoji="0" lang="en-AU" sz="1400" b="0" i="0" u="none" strike="noStrike" kern="0" cap="none" spc="0" normalizeH="0" baseline="0" noProof="0" dirty="0">
+                  <a:ln>
+                    <a:noFill/>
+                  </a:ln>
+                  <a:solidFill>
+                    <a:srgbClr val="70AD47"/>
+                  </a:solidFill>
+                  <a:effectLst/>
+                  <a:uLnTx/>
+                  <a:uFillTx/>
+                  <a:latin typeface="Helvetica Neue"/>
+                  <a:ea typeface="+mn-ea"/>
+                  <a:cs typeface="+mn-cs"/>
+                </a:rPr>
+                <a:t>8x YZC-161B</a:t>
+              </a:r>
+            </a:p>
+            <a:p>
+              <a:pPr marL="0" marR="0" lvl="0" indent="0" algn="ctr" defTabSz="457200" eaLnBrk="1" fontAlgn="auto" latinLnBrk="0" hangingPunct="1">
+                <a:lnSpc>
+                  <a:spcPct val="100000"/>
+                </a:lnSpc>
+                <a:spcBef>
+                  <a:spcPts val="0"/>
+                </a:spcBef>
+                <a:spcAft>
+                  <a:spcPts val="0"/>
+                </a:spcAft>
+                <a:buClrTx/>
+                <a:buSzTx/>
+                <a:buFontTx/>
+                <a:buNone/>
+                <a:tabLst/>
+                <a:defRPr/>
+              </a:pPr>
+              <a:r>
+                <a:rPr kumimoji="0" lang="en-AU" sz="1400" b="0" i="0" u="none" strike="noStrike" kern="0" cap="none" spc="0" normalizeH="0" baseline="0" noProof="0" dirty="0">
+                  <a:ln>
+                    <a:noFill/>
+                  </a:ln>
+                  <a:solidFill>
+                    <a:srgbClr val="70AD47"/>
+                  </a:solidFill>
+                  <a:effectLst/>
+                  <a:uLnTx/>
+                  <a:uFillTx/>
+                  <a:latin typeface="Helvetica Neue"/>
+                  <a:ea typeface="+mn-ea"/>
+                  <a:cs typeface="+mn-cs"/>
+                </a:rPr>
+                <a:t>50kg Load Cell</a:t>
+              </a:r>
+              <a:endParaRPr kumimoji="0" lang="en-US" sz="1400" b="0" i="0" u="none" strike="noStrike" kern="0" cap="none" spc="0" normalizeH="0" baseline="0" noProof="0" dirty="0">
+                <a:ln>
+                  <a:noFill/>
+                </a:ln>
+                <a:solidFill>
+                  <a:srgbClr val="70AD47"/>
+                </a:solidFill>
+                <a:effectLst/>
+                <a:uLnTx/>
+                <a:uFillTx/>
+                <a:latin typeface="Helvetica Neue"/>
+                <a:ea typeface="+mn-ea"/>
+                <a:cs typeface="+mn-cs"/>
+              </a:endParaRPr>
+            </a:p>
+          </p:txBody>
+        </p:sp>
+        <p:grpSp>
+          <p:nvGrpSpPr>
+            <p:cNvPr id="58" name="Group 57">
+              <a:extLst>
+                <a:ext uri="{FF2B5EF4-FFF2-40B4-BE49-F238E27FC236}">
+                  <a16:creationId xmlns:a16="http://schemas.microsoft.com/office/drawing/2014/main" id="{83E73D65-7AD7-4A65-963A-700A2FA78E96}"/>
+                </a:ext>
+              </a:extLst>
+            </p:cNvPr>
+            <p:cNvGrpSpPr/>
+            <p:nvPr/>
+          </p:nvGrpSpPr>
+          <p:grpSpPr>
+            <a:xfrm>
+              <a:off x="2351156" y="3778022"/>
+              <a:ext cx="985769" cy="2683256"/>
+              <a:chOff x="2333866" y="3795238"/>
+              <a:chExt cx="985769" cy="2683256"/>
+            </a:xfrm>
+          </p:grpSpPr>
+          <p:sp>
+            <p:nvSpPr>
+              <p:cNvPr id="107" name="TextBox 106">
+                <a:extLst>
+                  <a:ext uri="{FF2B5EF4-FFF2-40B4-BE49-F238E27FC236}">
+                    <a16:creationId xmlns:a16="http://schemas.microsoft.com/office/drawing/2014/main" id="{A98D3BFF-24BB-4F96-A2A3-36E5B9E1CC02}"/>
+                  </a:ext>
+                </a:extLst>
+              </p:cNvPr>
+              <p:cNvSpPr txBox="1"/>
+              <p:nvPr/>
+            </p:nvSpPr>
+            <p:spPr>
+              <a:xfrm>
+                <a:off x="2381432" y="5812844"/>
+                <a:ext cx="890637" cy="665650"/>
+              </a:xfrm>
+              <a:prstGeom prst="rect">
+                <a:avLst/>
+              </a:prstGeom>
+              <a:solidFill>
+                <a:sysClr val="window" lastClr="FFFFFF"/>
+              </a:solidFill>
+              <a:ln w="12700" cap="flat" cmpd="sng" algn="ctr">
+                <a:solidFill>
+                  <a:srgbClr val="FFC000"/>
+                </a:solidFill>
+                <a:prstDash val="solid"/>
+                <a:miter lim="800000"/>
+              </a:ln>
+              <a:effectLst/>
+            </p:spPr>
+            <p:txBody>
+              <a:bodyPr wrap="square" lIns="3600" tIns="3600" rIns="3600" bIns="3600" rtlCol="0" anchor="ctr" anchorCtr="1">
+                <a:spAutoFit/>
+              </a:bodyPr>
+              <a:lstStyle/>
+              <a:p>
+                <a:pPr marL="0" marR="0" lvl="0" indent="0" algn="ctr" defTabSz="457200" eaLnBrk="1" fontAlgn="auto" latinLnBrk="0" hangingPunct="1">
+                  <a:lnSpc>
+                    <a:spcPct val="100000"/>
+                  </a:lnSpc>
+                  <a:spcBef>
+                    <a:spcPts val="0"/>
+                  </a:spcBef>
+                  <a:spcAft>
+                    <a:spcPts val="0"/>
+                  </a:spcAft>
+                  <a:buClrTx/>
+                  <a:buSzTx/>
+                  <a:buFontTx/>
+                  <a:buNone/>
+                  <a:tabLst/>
+                  <a:defRPr/>
+                </a:pPr>
+                <a:r>
+                  <a:rPr kumimoji="0" lang="en-US" sz="1400" b="0" i="0" u="none" strike="noStrike" kern="0" cap="none" spc="0" normalizeH="0" baseline="0" noProof="0" dirty="0">
+                    <a:ln>
+                      <a:noFill/>
+                    </a:ln>
+                    <a:solidFill>
+                      <a:srgbClr val="FFC000"/>
+                    </a:solidFill>
+                    <a:effectLst/>
+                    <a:uLnTx/>
+                    <a:uFillTx/>
+                    <a:latin typeface="Helvetica Neue"/>
+                    <a:ea typeface="+mn-ea"/>
+                    <a:cs typeface="Helvetica Neue" charset="0"/>
+                  </a:rPr>
+                  <a:t>4x </a:t>
+                </a:r>
+                <a:r>
+                  <a:rPr kumimoji="0" lang="en-US" sz="1400" b="0" i="0" u="none" strike="noStrike" kern="0" cap="none" spc="0" normalizeH="0" baseline="0" noProof="0" dirty="0">
+                    <a:ln>
+                      <a:noFill/>
+                    </a:ln>
+                    <a:solidFill>
+                      <a:srgbClr val="FFC000"/>
+                    </a:solidFill>
+                    <a:effectLst/>
+                    <a:uLnTx/>
+                    <a:uFillTx/>
+                    <a:latin typeface="Helvetica Neue"/>
+                    <a:ea typeface="+mn-ea"/>
+                    <a:cs typeface="+mn-cs"/>
+                  </a:rPr>
+                  <a:t>Vishay TRCT5000  </a:t>
+                </a:r>
+                <a:r>
+                  <a:rPr kumimoji="0" lang="en-US" sz="1400" b="0" i="0" u="none" strike="noStrike" kern="0" cap="none" spc="0" normalizeH="0" baseline="0" noProof="0" dirty="0">
+                    <a:ln>
+                      <a:noFill/>
+                    </a:ln>
+                    <a:solidFill>
+                      <a:srgbClr val="FFC000"/>
+                    </a:solidFill>
+                    <a:effectLst/>
+                    <a:uLnTx/>
+                    <a:uFillTx/>
+                    <a:latin typeface="Helvetica Neue"/>
+                    <a:ea typeface="+mn-ea"/>
+                    <a:cs typeface="Helvetica Neue" charset="0"/>
+                  </a:rPr>
+                  <a:t>IR Sensor</a:t>
+                </a:r>
+                <a:endParaRPr kumimoji="0" lang="en-AU" sz="1400" b="0" i="0" u="none" strike="noStrike" kern="0" cap="none" spc="0" normalizeH="0" baseline="0" noProof="0" dirty="0">
+                  <a:ln>
+                    <a:noFill/>
+                  </a:ln>
+                  <a:solidFill>
+                    <a:srgbClr val="FFC000"/>
+                  </a:solidFill>
+                  <a:effectLst/>
+                  <a:uLnTx/>
+                  <a:uFillTx/>
+                  <a:latin typeface="Helvetica Neue"/>
+                  <a:ea typeface="+mn-ea"/>
+                  <a:cs typeface="+mn-cs"/>
+                </a:endParaRPr>
+              </a:p>
+            </p:txBody>
+          </p:sp>
+          <p:sp>
+            <p:nvSpPr>
+              <p:cNvPr id="108" name="TextBox 107">
+                <a:extLst>
+                  <a:ext uri="{FF2B5EF4-FFF2-40B4-BE49-F238E27FC236}">
+                    <a16:creationId xmlns:a16="http://schemas.microsoft.com/office/drawing/2014/main" id="{DFD36206-C7B8-4206-8F6E-45F548E50413}"/>
+                  </a:ext>
+                </a:extLst>
+              </p:cNvPr>
+              <p:cNvSpPr txBox="1"/>
+              <p:nvPr/>
+            </p:nvSpPr>
+            <p:spPr>
+              <a:xfrm>
+                <a:off x="2446922" y="3795238"/>
+                <a:ext cx="759656" cy="222714"/>
+              </a:xfrm>
+              <a:prstGeom prst="rect">
+                <a:avLst/>
+              </a:prstGeom>
+              <a:solidFill>
+                <a:sysClr val="window" lastClr="FFFFFF"/>
+              </a:solidFill>
+              <a:ln w="12700" cap="flat" cmpd="sng" algn="ctr">
+                <a:solidFill>
+                  <a:srgbClr val="FFC000"/>
+                </a:solidFill>
+                <a:prstDash val="solid"/>
+                <a:miter lim="800000"/>
+              </a:ln>
+              <a:effectLst/>
+            </p:spPr>
+            <p:txBody>
+              <a:bodyPr wrap="none" lIns="3600" tIns="3600" rIns="3600" bIns="3600" rtlCol="0" anchor="ctr" anchorCtr="1">
+                <a:spAutoFit/>
+              </a:bodyPr>
+              <a:lstStyle/>
+              <a:p>
+                <a:pPr marL="0" marR="0" lvl="0" indent="0" algn="ctr" defTabSz="457200" eaLnBrk="1" fontAlgn="auto" latinLnBrk="0" hangingPunct="1">
+                  <a:lnSpc>
+                    <a:spcPct val="100000"/>
+                  </a:lnSpc>
+                  <a:spcBef>
+                    <a:spcPts val="0"/>
+                  </a:spcBef>
+                  <a:spcAft>
+                    <a:spcPts val="0"/>
+                  </a:spcAft>
+                  <a:buClrTx/>
+                  <a:buSzTx/>
+                  <a:buFontTx/>
+                  <a:buNone/>
+                  <a:tabLst/>
+                  <a:defRPr/>
+                </a:pPr>
+                <a:r>
+                  <a:rPr kumimoji="0" lang="en-US" sz="1400" b="0" i="0" u="none" strike="noStrike" kern="0" cap="none" spc="0" normalizeH="0" baseline="0" noProof="0" dirty="0">
+                    <a:ln>
+                      <a:noFill/>
+                    </a:ln>
+                    <a:solidFill>
+                      <a:srgbClr val="FFC000"/>
+                    </a:solidFill>
+                    <a:effectLst/>
+                    <a:uLnTx/>
+                    <a:uFillTx/>
+                    <a:latin typeface="Helvetica Neue"/>
+                    <a:ea typeface="+mn-ea"/>
+                    <a:cs typeface="Helvetica Neue" charset="0"/>
+                  </a:rPr>
+                  <a:t>PA4..PA7</a:t>
+                </a:r>
+                <a:endParaRPr kumimoji="0" lang="en-AU" sz="1400" b="0" i="0" u="none" strike="noStrike" kern="0" cap="none" spc="0" normalizeH="0" baseline="0" noProof="0" dirty="0">
+                  <a:ln>
+                    <a:noFill/>
+                  </a:ln>
+                  <a:solidFill>
+                    <a:srgbClr val="FFC000"/>
+                  </a:solidFill>
+                  <a:effectLst/>
+                  <a:uLnTx/>
+                  <a:uFillTx/>
+                  <a:latin typeface="Helvetica Neue"/>
+                  <a:ea typeface="+mn-ea"/>
+                  <a:cs typeface="+mn-cs"/>
+                </a:endParaRPr>
+              </a:p>
+            </p:txBody>
+          </p:sp>
+          <p:sp>
+            <p:nvSpPr>
+              <p:cNvPr id="109" name="TextBox 108">
+                <a:extLst>
+                  <a:ext uri="{FF2B5EF4-FFF2-40B4-BE49-F238E27FC236}">
+                    <a16:creationId xmlns:a16="http://schemas.microsoft.com/office/drawing/2014/main" id="{01E40DA2-3926-43DB-9597-6676932A3CEA}"/>
+                  </a:ext>
+                </a:extLst>
+              </p:cNvPr>
+              <p:cNvSpPr txBox="1"/>
+              <p:nvPr/>
+            </p:nvSpPr>
+            <p:spPr>
+              <a:xfrm>
+                <a:off x="2347238" y="4703224"/>
+                <a:ext cx="959024" cy="438158"/>
+              </a:xfrm>
+              <a:prstGeom prst="rect">
+                <a:avLst/>
+              </a:prstGeom>
+              <a:solidFill>
+                <a:sysClr val="window" lastClr="FFFFFF"/>
+              </a:solidFill>
+              <a:ln w="12700" cap="flat" cmpd="sng" algn="ctr">
+                <a:solidFill>
+                  <a:srgbClr val="FFC000"/>
+                </a:solidFill>
+                <a:prstDash val="solid"/>
+                <a:miter lim="800000"/>
+              </a:ln>
+              <a:effectLst/>
+            </p:spPr>
+            <p:txBody>
+              <a:bodyPr wrap="square" lIns="3600" tIns="3600" rIns="3600" bIns="3600" rtlCol="0" anchor="ctr" anchorCtr="1">
+                <a:spAutoFit/>
+              </a:bodyPr>
+              <a:lstStyle/>
+              <a:p>
+                <a:pPr marL="0" marR="0" lvl="0" indent="0" algn="ctr" defTabSz="457200" eaLnBrk="1" fontAlgn="auto" latinLnBrk="0" hangingPunct="1">
+                  <a:lnSpc>
+                    <a:spcPct val="100000"/>
+                  </a:lnSpc>
+                  <a:spcBef>
+                    <a:spcPts val="0"/>
+                  </a:spcBef>
+                  <a:spcAft>
+                    <a:spcPts val="0"/>
+                  </a:spcAft>
+                  <a:buClrTx/>
+                  <a:buSzTx/>
+                  <a:buFontTx/>
+                  <a:buNone/>
+                  <a:tabLst/>
+                  <a:defRPr/>
+                </a:pPr>
+                <a:r>
+                  <a:rPr kumimoji="0" lang="en-US" sz="1400" b="0" i="0" u="none" strike="noStrike" kern="0" cap="none" spc="0" normalizeH="0" baseline="0" noProof="0" dirty="0">
+                    <a:ln>
+                      <a:noFill/>
+                    </a:ln>
+                    <a:solidFill>
+                      <a:srgbClr val="FFC000"/>
+                    </a:solidFill>
+                    <a:effectLst/>
+                    <a:uLnTx/>
+                    <a:uFillTx/>
+                    <a:latin typeface="Helvetica Neue"/>
+                    <a:ea typeface="+mn-ea"/>
+                    <a:cs typeface="+mn-cs"/>
+                  </a:rPr>
+                  <a:t>LM358AD Op Amp x2</a:t>
+                </a:r>
+                <a:endParaRPr kumimoji="0" lang="en-AU" sz="1400" b="0" i="0" u="none" strike="noStrike" kern="0" cap="none" spc="0" normalizeH="0" baseline="0" noProof="0" dirty="0">
+                  <a:ln>
+                    <a:noFill/>
+                  </a:ln>
+                  <a:solidFill>
+                    <a:srgbClr val="FFC000"/>
+                  </a:solidFill>
+                  <a:effectLst/>
+                  <a:uLnTx/>
+                  <a:uFillTx/>
+                  <a:latin typeface="Helvetica Neue"/>
+                  <a:ea typeface="+mn-ea"/>
+                  <a:cs typeface="+mn-cs"/>
+                </a:endParaRPr>
+              </a:p>
+            </p:txBody>
+          </p:sp>
+          <p:sp>
+            <p:nvSpPr>
+              <p:cNvPr id="110" name="TextBox 109">
+                <a:extLst>
+                  <a:ext uri="{FF2B5EF4-FFF2-40B4-BE49-F238E27FC236}">
+                    <a16:creationId xmlns:a16="http://schemas.microsoft.com/office/drawing/2014/main" id="{731B6E31-28F5-43DD-8F3F-544895E058B0}"/>
+                  </a:ext>
+                </a:extLst>
+              </p:cNvPr>
+              <p:cNvSpPr txBox="1"/>
+              <p:nvPr/>
+            </p:nvSpPr>
+            <p:spPr>
+              <a:xfrm>
+                <a:off x="2333866" y="4258207"/>
+                <a:ext cx="985769" cy="376602"/>
+              </a:xfrm>
+              <a:prstGeom prst="rect">
+                <a:avLst/>
+              </a:prstGeom>
+              <a:solidFill>
+                <a:sysClr val="window" lastClr="FFFFFF"/>
+              </a:solidFill>
+              <a:ln w="12700" cap="flat" cmpd="sng" algn="ctr">
+                <a:noFill/>
+                <a:prstDash val="solid"/>
+                <a:miter lim="800000"/>
+              </a:ln>
+              <a:effectLst/>
+            </p:spPr>
+            <p:txBody>
+              <a:bodyPr wrap="square" lIns="3600" tIns="3600" rIns="3600" bIns="3600" rtlCol="0" anchor="ctr" anchorCtr="1">
+                <a:spAutoFit/>
+              </a:bodyPr>
+              <a:lstStyle/>
+              <a:p>
+                <a:pPr marL="0" marR="0" lvl="0" indent="0" algn="ctr" defTabSz="457200" eaLnBrk="1" fontAlgn="auto" latinLnBrk="0" hangingPunct="1">
+                  <a:lnSpc>
+                    <a:spcPct val="100000"/>
+                  </a:lnSpc>
+                  <a:spcBef>
+                    <a:spcPts val="0"/>
+                  </a:spcBef>
+                  <a:spcAft>
+                    <a:spcPts val="0"/>
+                  </a:spcAft>
+                  <a:buClrTx/>
+                  <a:buSzTx/>
+                  <a:buFontTx/>
+                  <a:buNone/>
+                  <a:tabLst/>
+                  <a:defRPr/>
+                </a:pPr>
+                <a:r>
+                  <a:rPr kumimoji="0" lang="en-US" sz="1200" b="0" i="1" u="none" strike="noStrike" kern="0" cap="none" spc="0" normalizeH="0" baseline="0" noProof="0" dirty="0">
+                    <a:ln>
+                      <a:noFill/>
+                    </a:ln>
+                    <a:solidFill>
+                      <a:srgbClr val="FFC000"/>
+                    </a:solidFill>
+                    <a:effectLst/>
+                    <a:uLnTx/>
+                    <a:uFillTx/>
+                    <a:latin typeface="Helvetica Neue"/>
+                    <a:ea typeface="+mn-ea"/>
+                    <a:cs typeface="Helvetica Neue" charset="0"/>
+                  </a:rPr>
+                  <a:t>Proximity (P1..P4) </a:t>
+                </a:r>
+                <a:r>
+                  <a:rPr kumimoji="0" lang="en-US" sz="1200" b="0" i="1" u="none" strike="noStrike" kern="0" cap="none" spc="0" normalizeH="0" baseline="0" noProof="0" dirty="0">
+                    <a:ln>
+                      <a:noFill/>
+                    </a:ln>
+                    <a:solidFill>
+                      <a:srgbClr val="FFC000"/>
+                    </a:solidFill>
+                    <a:effectLst/>
+                    <a:uLnTx/>
+                    <a:uFillTx/>
+                    <a:latin typeface="Helvetica Neue"/>
+                    <a:ea typeface="+mn-ea"/>
+                    <a:cs typeface="+mn-cs"/>
+                  </a:rPr>
+                  <a:t>0-5V</a:t>
+                </a:r>
+                <a:endParaRPr kumimoji="0" lang="en-AU" sz="1200" b="0" i="1" u="none" strike="noStrike" kern="0" cap="none" spc="0" normalizeH="0" baseline="0" noProof="0" dirty="0">
+                  <a:ln>
+                    <a:noFill/>
+                  </a:ln>
+                  <a:solidFill>
+                    <a:srgbClr val="FFC000"/>
+                  </a:solidFill>
+                  <a:effectLst/>
+                  <a:uLnTx/>
+                  <a:uFillTx/>
+                  <a:latin typeface="Helvetica Neue"/>
+                  <a:ea typeface="+mn-ea"/>
+                  <a:cs typeface="+mn-cs"/>
+                </a:endParaRPr>
+              </a:p>
+            </p:txBody>
+          </p:sp>
+          <p:sp>
+            <p:nvSpPr>
+              <p:cNvPr id="111" name="TextBox 110">
+                <a:extLst>
+                  <a:ext uri="{FF2B5EF4-FFF2-40B4-BE49-F238E27FC236}">
+                    <a16:creationId xmlns:a16="http://schemas.microsoft.com/office/drawing/2014/main" id="{52B951BA-BF99-4653-81CF-80082EE66954}"/>
+                  </a:ext>
+                </a:extLst>
+              </p:cNvPr>
+              <p:cNvSpPr txBox="1"/>
+              <p:nvPr/>
+            </p:nvSpPr>
+            <p:spPr>
+              <a:xfrm>
+                <a:off x="2360654" y="5380691"/>
+                <a:ext cx="932192" cy="376602"/>
+              </a:xfrm>
+              <a:prstGeom prst="rect">
+                <a:avLst/>
+              </a:prstGeom>
+              <a:solidFill>
+                <a:sysClr val="window" lastClr="FFFFFF"/>
+              </a:solidFill>
+              <a:ln w="12700" cap="flat" cmpd="sng" algn="ctr">
+                <a:noFill/>
+                <a:prstDash val="solid"/>
+                <a:miter lim="800000"/>
+              </a:ln>
+              <a:effectLst/>
+            </p:spPr>
+            <p:txBody>
+              <a:bodyPr wrap="square" lIns="3600" tIns="3600" rIns="3600" bIns="3600" rtlCol="0" anchor="ctr" anchorCtr="1">
+                <a:spAutoFit/>
+              </a:bodyPr>
+              <a:lstStyle/>
+              <a:p>
+                <a:pPr marL="0" marR="0" lvl="0" indent="0" algn="ctr" defTabSz="457200" eaLnBrk="1" fontAlgn="auto" latinLnBrk="0" hangingPunct="1">
+                  <a:lnSpc>
+                    <a:spcPct val="100000"/>
+                  </a:lnSpc>
+                  <a:spcBef>
+                    <a:spcPts val="0"/>
+                  </a:spcBef>
+                  <a:spcAft>
+                    <a:spcPts val="0"/>
+                  </a:spcAft>
+                  <a:buClrTx/>
+                  <a:buSzTx/>
+                  <a:buFontTx/>
+                  <a:buNone/>
+                  <a:tabLst/>
+                  <a:defRPr/>
+                </a:pPr>
+                <a:r>
+                  <a:rPr kumimoji="0" lang="en-US" sz="1200" b="0" i="1" u="none" strike="noStrike" kern="0" cap="none" spc="0" normalizeH="0" baseline="0" noProof="0" dirty="0">
+                    <a:ln>
+                      <a:noFill/>
+                    </a:ln>
+                    <a:solidFill>
+                      <a:srgbClr val="FFC000"/>
+                    </a:solidFill>
+                    <a:effectLst/>
+                    <a:uLnTx/>
+                    <a:uFillTx/>
+                    <a:latin typeface="Helvetica Neue"/>
+                    <a:ea typeface="+mn-ea"/>
+                    <a:cs typeface="Helvetica Neue" charset="0"/>
+                  </a:rPr>
+                  <a:t>Signal (P1..P4) </a:t>
+                </a:r>
+                <a:r>
+                  <a:rPr kumimoji="0" lang="en-US" sz="1200" b="0" i="1" u="none" strike="noStrike" kern="0" cap="none" spc="0" normalizeH="0" baseline="0" noProof="0" dirty="0">
+                    <a:ln>
+                      <a:noFill/>
+                    </a:ln>
+                    <a:solidFill>
+                      <a:srgbClr val="FFC000"/>
+                    </a:solidFill>
+                    <a:effectLst/>
+                    <a:uLnTx/>
+                    <a:uFillTx/>
+                    <a:latin typeface="Helvetica Neue"/>
+                    <a:ea typeface="+mn-ea"/>
+                    <a:cs typeface="+mn-cs"/>
+                  </a:rPr>
+                  <a:t>0-5V</a:t>
+                </a:r>
+                <a:endParaRPr kumimoji="0" lang="en-AU" sz="1200" b="0" i="1" u="none" strike="noStrike" kern="0" cap="none" spc="0" normalizeH="0" baseline="0" noProof="0" dirty="0">
+                  <a:ln>
+                    <a:noFill/>
+                  </a:ln>
+                  <a:solidFill>
+                    <a:srgbClr val="FFC000"/>
+                  </a:solidFill>
+                  <a:effectLst/>
+                  <a:uLnTx/>
+                  <a:uFillTx/>
+                  <a:latin typeface="Helvetica Neue"/>
+                  <a:ea typeface="+mn-ea"/>
+                  <a:cs typeface="+mn-cs"/>
+                </a:endParaRPr>
+              </a:p>
+            </p:txBody>
+          </p:sp>
+        </p:grpSp>
+        <p:sp>
+          <p:nvSpPr>
+            <p:cNvPr id="59" name="TextBox 58">
+              <a:extLst>
+                <a:ext uri="{FF2B5EF4-FFF2-40B4-BE49-F238E27FC236}">
+                  <a16:creationId xmlns:a16="http://schemas.microsoft.com/office/drawing/2014/main" id="{9BD98DAC-6BC2-48A3-AA76-494D2BAAD20F}"/>
+                </a:ext>
+              </a:extLst>
+            </p:cNvPr>
+            <p:cNvSpPr txBox="1"/>
+            <p:nvPr/>
+          </p:nvSpPr>
+          <p:spPr>
+            <a:xfrm>
+              <a:off x="1584608" y="3707132"/>
+              <a:ext cx="680830" cy="376602"/>
+            </a:xfrm>
+            <a:prstGeom prst="rect">
+              <a:avLst/>
+            </a:prstGeom>
+            <a:solidFill>
+              <a:sysClr val="window" lastClr="FFFFFF"/>
+            </a:solidFill>
+            <a:ln w="12700" cap="flat" cmpd="sng" algn="ctr">
+              <a:noFill/>
+              <a:prstDash val="solid"/>
+              <a:miter lim="800000"/>
+            </a:ln>
+            <a:effectLst/>
+          </p:spPr>
+          <p:txBody>
+            <a:bodyPr wrap="square" lIns="3600" tIns="3600" rIns="3600" bIns="3600" rtlCol="0" anchor="ctr" anchorCtr="1">
+              <a:spAutoFit/>
+            </a:bodyPr>
+            <a:lstStyle/>
+            <a:p>
+              <a:pPr marL="0" marR="0" lvl="0" indent="0" algn="ctr" defTabSz="457200" eaLnBrk="1" fontAlgn="auto" latinLnBrk="0" hangingPunct="1">
+                <a:lnSpc>
+                  <a:spcPct val="100000"/>
+                </a:lnSpc>
+                <a:spcBef>
+                  <a:spcPts val="0"/>
+                </a:spcBef>
+                <a:spcAft>
+                  <a:spcPts val="0"/>
+                </a:spcAft>
+                <a:buClrTx/>
+                <a:buSzTx/>
+                <a:buFontTx/>
+                <a:buNone/>
+                <a:tabLst/>
+                <a:defRPr/>
+              </a:pPr>
+              <a:r>
+                <a:rPr kumimoji="0" lang="en-US" sz="1200" b="0" i="1" u="none" strike="noStrike" kern="0" cap="none" spc="0" normalizeH="0" baseline="0" noProof="0" dirty="0">
+                  <a:ln>
+                    <a:noFill/>
+                  </a:ln>
+                  <a:solidFill>
+                    <a:srgbClr val="FFC000"/>
+                  </a:solidFill>
+                  <a:effectLst/>
+                  <a:uLnTx/>
+                  <a:uFillTx/>
+                  <a:latin typeface="Helvetica Neue"/>
+                  <a:ea typeface="+mn-ea"/>
+                  <a:cs typeface="Helvetica Neue" charset="0"/>
+                </a:rPr>
+                <a:t>Proximity</a:t>
+              </a:r>
+            </a:p>
+            <a:p>
+              <a:pPr marL="0" marR="0" lvl="0" indent="0" algn="ctr" defTabSz="457200" eaLnBrk="1" fontAlgn="auto" latinLnBrk="0" hangingPunct="1">
+                <a:lnSpc>
+                  <a:spcPct val="100000"/>
+                </a:lnSpc>
+                <a:spcBef>
+                  <a:spcPts val="0"/>
+                </a:spcBef>
+                <a:spcAft>
+                  <a:spcPts val="0"/>
+                </a:spcAft>
+                <a:buClrTx/>
+                <a:buSzTx/>
+                <a:buFontTx/>
+                <a:buNone/>
+                <a:tabLst/>
+                <a:defRPr/>
+              </a:pPr>
+              <a:r>
+                <a:rPr kumimoji="0" lang="en-US" sz="1200" b="0" i="1" u="none" strike="noStrike" kern="0" cap="none" spc="0" normalizeH="0" baseline="0" noProof="0" dirty="0">
+                  <a:ln>
+                    <a:noFill/>
+                  </a:ln>
+                  <a:solidFill>
+                    <a:srgbClr val="FFC000"/>
+                  </a:solidFill>
+                  <a:effectLst/>
+                  <a:uLnTx/>
+                  <a:uFillTx/>
+                  <a:latin typeface="Helvetica Neue"/>
+                  <a:ea typeface="+mn-ea"/>
+                  <a:cs typeface="Helvetica Neue" charset="0"/>
+                </a:rPr>
+                <a:t>(P1..P4)</a:t>
+              </a:r>
+            </a:p>
+          </p:txBody>
+        </p:sp>
+        <p:sp>
+          <p:nvSpPr>
+            <p:cNvPr id="60" name="TextBox 59">
+              <a:extLst>
+                <a:ext uri="{FF2B5EF4-FFF2-40B4-BE49-F238E27FC236}">
+                  <a16:creationId xmlns:a16="http://schemas.microsoft.com/office/drawing/2014/main" id="{CF7C033E-841B-4634-915D-E1270E254AED}"/>
+                </a:ext>
+              </a:extLst>
+            </p:cNvPr>
+            <p:cNvSpPr txBox="1"/>
+            <p:nvPr/>
+          </p:nvSpPr>
+          <p:spPr>
+            <a:xfrm>
+              <a:off x="1718122" y="1421244"/>
+              <a:ext cx="1572315" cy="222714"/>
+            </a:xfrm>
+            <a:prstGeom prst="rect">
+              <a:avLst/>
+            </a:prstGeom>
+            <a:solidFill>
+              <a:sysClr val="window" lastClr="FFFFFF"/>
+            </a:solidFill>
+            <a:ln w="12700" cap="flat" cmpd="sng" algn="ctr">
+              <a:solidFill>
+                <a:srgbClr val="ED7D31"/>
+              </a:solidFill>
+              <a:prstDash val="solid"/>
+              <a:miter lim="800000"/>
+            </a:ln>
+            <a:effectLst/>
+          </p:spPr>
+          <p:txBody>
+            <a:bodyPr wrap="none" lIns="3600" tIns="3600" rIns="3600" bIns="3600" rtlCol="0" anchor="ctr" anchorCtr="1">
+              <a:spAutoFit/>
+            </a:bodyPr>
+            <a:lstStyle/>
+            <a:p>
+              <a:pPr marL="0" marR="0" lvl="0" indent="0" algn="ctr" defTabSz="457200" eaLnBrk="1" fontAlgn="auto" latinLnBrk="0" hangingPunct="1">
+                <a:lnSpc>
+                  <a:spcPct val="100000"/>
+                </a:lnSpc>
+                <a:spcBef>
+                  <a:spcPts val="0"/>
+                </a:spcBef>
+                <a:spcAft>
+                  <a:spcPts val="0"/>
+                </a:spcAft>
+                <a:buClrTx/>
+                <a:buSzTx/>
+                <a:buFontTx/>
+                <a:buNone/>
+                <a:tabLst/>
+                <a:defRPr/>
+              </a:pPr>
+              <a:r>
+                <a:rPr kumimoji="0" lang="en-US" sz="1400" b="0" i="0" u="none" strike="noStrike" kern="0" cap="none" spc="0" normalizeH="0" baseline="0" noProof="0" dirty="0">
+                  <a:ln>
+                    <a:noFill/>
+                  </a:ln>
+                  <a:solidFill>
+                    <a:srgbClr val="ED7D31"/>
+                  </a:solidFill>
+                  <a:effectLst/>
+                  <a:uLnTx/>
+                  <a:uFillTx/>
+                  <a:latin typeface="Helvetica Neue"/>
+                  <a:ea typeface="+mn-ea"/>
+                  <a:cs typeface="Helvetica Neue" charset="0"/>
+                </a:rPr>
+                <a:t>RX(PA10), TX(PA9)</a:t>
+              </a:r>
+              <a:endParaRPr kumimoji="0" lang="en-AU" sz="1400" b="0" i="0" u="none" strike="noStrike" kern="0" cap="none" spc="0" normalizeH="0" baseline="0" noProof="0" dirty="0">
+                <a:ln>
+                  <a:noFill/>
+                </a:ln>
+                <a:solidFill>
+                  <a:srgbClr val="ED7D31"/>
+                </a:solidFill>
+                <a:effectLst/>
+                <a:uLnTx/>
+                <a:uFillTx/>
+                <a:latin typeface="Helvetica Neue"/>
+                <a:ea typeface="+mn-ea"/>
+                <a:cs typeface="+mn-cs"/>
+              </a:endParaRPr>
+            </a:p>
+          </p:txBody>
+        </p:sp>
+        <p:sp>
+          <p:nvSpPr>
+            <p:cNvPr id="61" name="TextBox 60">
+              <a:extLst>
+                <a:ext uri="{FF2B5EF4-FFF2-40B4-BE49-F238E27FC236}">
+                  <a16:creationId xmlns:a16="http://schemas.microsoft.com/office/drawing/2014/main" id="{C50FE5AB-7960-4782-92B4-2F41FCC9F695}"/>
+                </a:ext>
+              </a:extLst>
+            </p:cNvPr>
+            <p:cNvSpPr txBox="1"/>
+            <p:nvPr/>
+          </p:nvSpPr>
+          <p:spPr>
+            <a:xfrm>
+              <a:off x="46487" y="1421244"/>
+              <a:ext cx="1472928" cy="222714"/>
+            </a:xfrm>
+            <a:prstGeom prst="rect">
+              <a:avLst/>
+            </a:prstGeom>
+            <a:solidFill>
+              <a:sysClr val="window" lastClr="FFFFFF"/>
+            </a:solidFill>
+            <a:ln w="12700" cap="flat" cmpd="sng" algn="ctr">
+              <a:solidFill>
+                <a:srgbClr val="ED7D31"/>
+              </a:solidFill>
+              <a:prstDash val="solid"/>
+              <a:miter lim="800000"/>
+            </a:ln>
+            <a:effectLst/>
+          </p:spPr>
+          <p:txBody>
+            <a:bodyPr wrap="none" lIns="3600" tIns="3600" rIns="3600" bIns="3600" rtlCol="0" anchor="ctr" anchorCtr="1">
+              <a:spAutoFit/>
+            </a:bodyPr>
+            <a:lstStyle/>
+            <a:p>
+              <a:pPr marL="0" marR="0" lvl="0" indent="0" algn="ctr" defTabSz="457200" eaLnBrk="1" fontAlgn="auto" latinLnBrk="0" hangingPunct="1">
+                <a:lnSpc>
+                  <a:spcPct val="100000"/>
+                </a:lnSpc>
+                <a:spcBef>
+                  <a:spcPts val="0"/>
+                </a:spcBef>
+                <a:spcAft>
+                  <a:spcPts val="0"/>
+                </a:spcAft>
+                <a:buClrTx/>
+                <a:buSzTx/>
+                <a:buFontTx/>
+                <a:buNone/>
+                <a:tabLst/>
+                <a:defRPr/>
+              </a:pPr>
+              <a:r>
+                <a:rPr kumimoji="0" lang="en-US" sz="1400" b="0" i="0" u="none" strike="noStrike" kern="0" cap="none" spc="0" normalizeH="0" baseline="0" noProof="0" dirty="0">
+                  <a:ln>
+                    <a:noFill/>
+                  </a:ln>
+                  <a:solidFill>
+                    <a:srgbClr val="ED7D31"/>
+                  </a:solidFill>
+                  <a:effectLst/>
+                  <a:uLnTx/>
+                  <a:uFillTx/>
+                  <a:latin typeface="Helvetica Neue"/>
+                  <a:ea typeface="+mn-ea"/>
+                  <a:cs typeface="Helvetica Neue" charset="0"/>
+                </a:rPr>
+                <a:t>RX(PA3), TX(PA2)</a:t>
+              </a:r>
+              <a:endParaRPr kumimoji="0" lang="en-AU" sz="1400" b="0" i="0" u="none" strike="noStrike" kern="0" cap="none" spc="0" normalizeH="0" baseline="0" noProof="0" dirty="0">
+                <a:ln>
+                  <a:noFill/>
+                </a:ln>
+                <a:solidFill>
+                  <a:srgbClr val="ED7D31"/>
+                </a:solidFill>
+                <a:effectLst/>
+                <a:uLnTx/>
+                <a:uFillTx/>
+                <a:latin typeface="Helvetica Neue"/>
+                <a:ea typeface="+mn-ea"/>
+                <a:cs typeface="+mn-cs"/>
+              </a:endParaRPr>
+            </a:p>
+          </p:txBody>
+        </p:sp>
+        <p:sp>
+          <p:nvSpPr>
+            <p:cNvPr id="62" name="TextBox 61">
+              <a:extLst>
+                <a:ext uri="{FF2B5EF4-FFF2-40B4-BE49-F238E27FC236}">
+                  <a16:creationId xmlns:a16="http://schemas.microsoft.com/office/drawing/2014/main" id="{BBB873D7-738E-4FFA-8468-F5A25F42FA01}"/>
+                </a:ext>
+              </a:extLst>
+            </p:cNvPr>
+            <p:cNvSpPr txBox="1"/>
+            <p:nvPr/>
+          </p:nvSpPr>
+          <p:spPr>
+            <a:xfrm>
+              <a:off x="46487" y="1758405"/>
+              <a:ext cx="1472928" cy="191936"/>
+            </a:xfrm>
+            <a:prstGeom prst="rect">
+              <a:avLst/>
+            </a:prstGeom>
+            <a:solidFill>
+              <a:sysClr val="window" lastClr="FFFFFF"/>
+            </a:solidFill>
+            <a:ln w="19050" cap="flat" cmpd="sng" algn="ctr">
+              <a:noFill/>
+              <a:prstDash val="solid"/>
+              <a:miter lim="800000"/>
+            </a:ln>
+            <a:effectLst/>
+          </p:spPr>
+          <p:txBody>
+            <a:bodyPr wrap="square" lIns="3600" tIns="3600" rIns="3600" bIns="3600" rtlCol="0" anchor="ctr" anchorCtr="1">
+              <a:spAutoFit/>
+            </a:bodyPr>
+            <a:lstStyle/>
+            <a:p>
+              <a:pPr marL="0" marR="0" lvl="0" indent="0" algn="ctr" defTabSz="457200" eaLnBrk="1" fontAlgn="auto" latinLnBrk="0" hangingPunct="1">
+                <a:lnSpc>
+                  <a:spcPct val="100000"/>
+                </a:lnSpc>
+                <a:spcBef>
+                  <a:spcPts val="0"/>
+                </a:spcBef>
+                <a:spcAft>
+                  <a:spcPts val="0"/>
+                </a:spcAft>
+                <a:buClrTx/>
+                <a:buSzTx/>
+                <a:buFontTx/>
+                <a:buNone/>
+                <a:tabLst/>
+                <a:defRPr/>
+              </a:pPr>
+              <a:r>
+                <a:rPr kumimoji="0" lang="en-AU" sz="1200" b="0" i="1" u="none" strike="noStrike" kern="0" cap="none" spc="0" normalizeH="0" baseline="0" noProof="0" dirty="0">
+                  <a:ln>
+                    <a:noFill/>
+                  </a:ln>
+                  <a:solidFill>
+                    <a:srgbClr val="ED7D31"/>
+                  </a:solidFill>
+                  <a:effectLst/>
+                  <a:uLnTx/>
+                  <a:uFillTx/>
+                  <a:latin typeface="Helvetica Neue"/>
+                  <a:ea typeface="+mn-ea"/>
+                  <a:cs typeface="+mn-cs"/>
+                </a:rPr>
+                <a:t>UART [Baud 9600]</a:t>
+              </a:r>
+            </a:p>
+          </p:txBody>
+        </p:sp>
+        <p:sp>
+          <p:nvSpPr>
+            <p:cNvPr id="63" name="TextBox 62">
+              <a:extLst>
+                <a:ext uri="{FF2B5EF4-FFF2-40B4-BE49-F238E27FC236}">
+                  <a16:creationId xmlns:a16="http://schemas.microsoft.com/office/drawing/2014/main" id="{D61CA658-28BE-49AC-B17A-8F39B1F3ADC2}"/>
+                </a:ext>
+              </a:extLst>
+            </p:cNvPr>
+            <p:cNvSpPr txBox="1"/>
+            <p:nvPr/>
+          </p:nvSpPr>
+          <p:spPr>
+            <a:xfrm>
+              <a:off x="1717740" y="1758405"/>
+              <a:ext cx="1572309" cy="191936"/>
+            </a:xfrm>
+            <a:prstGeom prst="rect">
+              <a:avLst/>
+            </a:prstGeom>
+            <a:solidFill>
+              <a:sysClr val="window" lastClr="FFFFFF"/>
+            </a:solidFill>
+            <a:ln w="19050" cap="flat" cmpd="sng" algn="ctr">
+              <a:noFill/>
+              <a:prstDash val="solid"/>
+              <a:miter lim="800000"/>
+            </a:ln>
+            <a:effectLst/>
+          </p:spPr>
+          <p:txBody>
+            <a:bodyPr wrap="square" lIns="3600" tIns="3600" rIns="3600" bIns="3600" rtlCol="0" anchor="ctr" anchorCtr="1">
+              <a:spAutoFit/>
+            </a:bodyPr>
+            <a:lstStyle/>
+            <a:p>
+              <a:pPr marL="0" marR="0" lvl="0" indent="0" algn="ctr" defTabSz="457200" eaLnBrk="1" fontAlgn="auto" latinLnBrk="0" hangingPunct="1">
+                <a:lnSpc>
+                  <a:spcPct val="100000"/>
+                </a:lnSpc>
+                <a:spcBef>
+                  <a:spcPts val="0"/>
+                </a:spcBef>
+                <a:spcAft>
+                  <a:spcPts val="0"/>
+                </a:spcAft>
+                <a:buClrTx/>
+                <a:buSzTx/>
+                <a:buFontTx/>
+                <a:buNone/>
+                <a:tabLst/>
+                <a:defRPr/>
+              </a:pPr>
+              <a:r>
+                <a:rPr kumimoji="0" lang="en-AU" sz="1200" b="0" i="1" u="none" strike="noStrike" kern="0" cap="none" spc="0" normalizeH="0" baseline="0" noProof="0" dirty="0">
+                  <a:ln>
+                    <a:noFill/>
+                  </a:ln>
+                  <a:solidFill>
+                    <a:srgbClr val="ED7D31"/>
+                  </a:solidFill>
+                  <a:effectLst/>
+                  <a:uLnTx/>
+                  <a:uFillTx/>
+                  <a:latin typeface="Helvetica Neue"/>
+                  <a:ea typeface="+mn-ea"/>
+                  <a:cs typeface="+mn-cs"/>
+                </a:rPr>
+                <a:t>UART [Baud 9600]</a:t>
+              </a:r>
+            </a:p>
+          </p:txBody>
+        </p:sp>
+        <p:sp>
+          <p:nvSpPr>
+            <p:cNvPr id="64" name="TextBox 63">
+              <a:extLst>
+                <a:ext uri="{FF2B5EF4-FFF2-40B4-BE49-F238E27FC236}">
+                  <a16:creationId xmlns:a16="http://schemas.microsoft.com/office/drawing/2014/main" id="{7AF3F467-AE9F-4B62-B633-CA1D1D8B13C7}"/>
+                </a:ext>
+              </a:extLst>
+            </p:cNvPr>
+            <p:cNvSpPr txBox="1"/>
+            <p:nvPr/>
+          </p:nvSpPr>
+          <p:spPr>
+            <a:xfrm>
+              <a:off x="153091" y="2369371"/>
+              <a:ext cx="1259721" cy="191936"/>
+            </a:xfrm>
+            <a:prstGeom prst="rect">
+              <a:avLst/>
+            </a:prstGeom>
+            <a:solidFill>
+              <a:sysClr val="window" lastClr="FFFFFF"/>
+            </a:solidFill>
+            <a:ln w="19050" cap="flat" cmpd="sng" algn="ctr">
+              <a:noFill/>
+              <a:prstDash val="solid"/>
+              <a:miter lim="800000"/>
+            </a:ln>
+            <a:effectLst/>
+          </p:spPr>
+          <p:txBody>
+            <a:bodyPr wrap="square" lIns="3600" tIns="3600" rIns="3600" bIns="3600" rtlCol="0" anchor="ctr" anchorCtr="1">
+              <a:spAutoFit/>
+            </a:bodyPr>
+            <a:lstStyle/>
+            <a:p>
+              <a:pPr marL="0" marR="0" lvl="0" indent="0" algn="ctr" defTabSz="457200" eaLnBrk="1" fontAlgn="auto" latinLnBrk="0" hangingPunct="1">
+                <a:lnSpc>
+                  <a:spcPct val="100000"/>
+                </a:lnSpc>
+                <a:spcBef>
+                  <a:spcPts val="0"/>
+                </a:spcBef>
+                <a:spcAft>
+                  <a:spcPts val="0"/>
+                </a:spcAft>
+                <a:buClrTx/>
+                <a:buSzTx/>
+                <a:buFontTx/>
+                <a:buNone/>
+                <a:tabLst/>
+                <a:defRPr/>
+              </a:pPr>
+              <a:r>
+                <a:rPr kumimoji="0" lang="en-AU" sz="1200" b="0" i="1" u="none" strike="noStrike" kern="0" cap="none" spc="0" normalizeH="0" baseline="0" noProof="0" dirty="0">
+                  <a:ln>
+                    <a:noFill/>
+                  </a:ln>
+                  <a:solidFill>
+                    <a:srgbClr val="ED7D31"/>
+                  </a:solidFill>
+                  <a:effectLst/>
+                  <a:uLnTx/>
+                  <a:uFillTx/>
+                  <a:latin typeface="Helvetica Neue"/>
+                  <a:ea typeface="+mn-ea"/>
+                  <a:cs typeface="+mn-cs"/>
+                </a:rPr>
+                <a:t>Messages [ASCII]</a:t>
+              </a:r>
+            </a:p>
+          </p:txBody>
+        </p:sp>
+        <p:sp>
+          <p:nvSpPr>
+            <p:cNvPr id="65" name="TextBox 64">
+              <a:extLst>
+                <a:ext uri="{FF2B5EF4-FFF2-40B4-BE49-F238E27FC236}">
+                  <a16:creationId xmlns:a16="http://schemas.microsoft.com/office/drawing/2014/main" id="{377F2CDD-1254-4A29-922C-55841F0FD9AD}"/>
+                </a:ext>
+              </a:extLst>
+            </p:cNvPr>
+            <p:cNvSpPr txBox="1"/>
+            <p:nvPr/>
+          </p:nvSpPr>
+          <p:spPr>
+            <a:xfrm>
+              <a:off x="160678" y="3098170"/>
+              <a:ext cx="1231847" cy="191936"/>
+            </a:xfrm>
+            <a:prstGeom prst="rect">
+              <a:avLst/>
+            </a:prstGeom>
+            <a:solidFill>
+              <a:sysClr val="window" lastClr="FFFFFF"/>
+            </a:solidFill>
+            <a:ln w="12700" cap="flat" cmpd="sng" algn="ctr">
+              <a:noFill/>
+              <a:prstDash val="solid"/>
+              <a:miter lim="800000"/>
+            </a:ln>
+            <a:effectLst/>
+          </p:spPr>
+          <p:txBody>
+            <a:bodyPr wrap="square" lIns="3600" tIns="3600" rIns="3600" bIns="3600" rtlCol="0" anchor="ctr" anchorCtr="1">
+              <a:spAutoFit/>
+            </a:bodyPr>
+            <a:lstStyle>
+              <a:defPPr>
+                <a:defRPr lang="en-US"/>
+              </a:defPPr>
+              <a:lvl1pPr algn="ctr">
+                <a:defRPr sz="1200" i="1">
+                  <a:solidFill>
+                    <a:schemeClr val="accent2"/>
+                  </a:solidFill>
+                  <a:latin typeface="Helvetica Neue"/>
+                </a:defRPr>
+              </a:lvl1pPr>
+            </a:lstStyle>
+            <a:p>
+              <a:pPr marL="0" marR="0" lvl="0" indent="0" algn="ctr" defTabSz="457200" eaLnBrk="1" fontAlgn="auto" latinLnBrk="0" hangingPunct="1">
+                <a:lnSpc>
+                  <a:spcPct val="100000"/>
+                </a:lnSpc>
+                <a:spcBef>
+                  <a:spcPts val="0"/>
+                </a:spcBef>
+                <a:spcAft>
+                  <a:spcPts val="0"/>
+                </a:spcAft>
+                <a:buClrTx/>
+                <a:buSzTx/>
+                <a:buFontTx/>
+                <a:buNone/>
+                <a:tabLst/>
+                <a:defRPr/>
+              </a:pPr>
+              <a:r>
+                <a:rPr kumimoji="0" lang="en-US" sz="1200" b="0" i="1" u="none" strike="noStrike" kern="0" cap="none" spc="0" normalizeH="0" baseline="0" noProof="0" dirty="0">
+                  <a:ln>
+                    <a:noFill/>
+                  </a:ln>
+                  <a:solidFill>
+                    <a:srgbClr val="4472C4"/>
+                  </a:solidFill>
+                  <a:effectLst/>
+                  <a:uLnTx/>
+                  <a:uFillTx/>
+                  <a:latin typeface="Helvetica Neue"/>
+                  <a:ea typeface="+mn-ea"/>
+                  <a:cs typeface="+mn-cs"/>
+                </a:rPr>
+                <a:t>Control &amp; Status</a:t>
+              </a:r>
+              <a:endParaRPr kumimoji="0" lang="en-AU" sz="1200" b="0" i="1" u="none" strike="noStrike" kern="0" cap="none" spc="0" normalizeH="0" baseline="0" noProof="0" dirty="0">
+                <a:ln>
+                  <a:noFill/>
+                </a:ln>
+                <a:solidFill>
+                  <a:srgbClr val="4472C4"/>
+                </a:solidFill>
+                <a:effectLst/>
+                <a:uLnTx/>
+                <a:uFillTx/>
+                <a:latin typeface="Helvetica Neue"/>
+                <a:ea typeface="+mn-ea"/>
+                <a:cs typeface="+mn-cs"/>
+              </a:endParaRPr>
+            </a:p>
+          </p:txBody>
+        </p:sp>
+        <p:cxnSp>
+          <p:nvCxnSpPr>
+            <p:cNvPr id="66" name="Straight Arrow Connector 65">
+              <a:extLst>
+                <a:ext uri="{FF2B5EF4-FFF2-40B4-BE49-F238E27FC236}">
+                  <a16:creationId xmlns:a16="http://schemas.microsoft.com/office/drawing/2014/main" id="{AB6DB4A8-8BD1-4ED5-A13B-1392CD9D4153}"/>
+                </a:ext>
+              </a:extLst>
+            </p:cNvPr>
+            <p:cNvCxnSpPr>
+              <a:cxnSpLocks/>
+              <a:endCxn id="52" idx="0"/>
+            </p:cNvCxnSpPr>
+            <p:nvPr/>
+          </p:nvCxnSpPr>
+          <p:spPr>
+            <a:xfrm>
+              <a:off x="608560" y="4363845"/>
+              <a:ext cx="0" cy="497921"/>
+            </a:xfrm>
+            <a:prstGeom prst="straightConnector1">
+              <a:avLst/>
+            </a:prstGeom>
+            <a:noFill/>
+            <a:ln w="12700" cap="flat" cmpd="sng" algn="ctr">
+              <a:solidFill>
+                <a:srgbClr val="7030A0"/>
+              </a:solidFill>
+              <a:prstDash val="solid"/>
+              <a:miter lim="800000"/>
+              <a:tailEnd type="triangle"/>
+            </a:ln>
+            <a:effectLst/>
+          </p:spPr>
+        </p:cxnSp>
+        <p:sp>
+          <p:nvSpPr>
+            <p:cNvPr id="67" name="TextBox 66">
+              <a:extLst>
+                <a:ext uri="{FF2B5EF4-FFF2-40B4-BE49-F238E27FC236}">
+                  <a16:creationId xmlns:a16="http://schemas.microsoft.com/office/drawing/2014/main" id="{CF513170-8BC2-4018-9018-374D00288864}"/>
+                </a:ext>
+              </a:extLst>
+            </p:cNvPr>
+            <p:cNvSpPr txBox="1"/>
+            <p:nvPr/>
+          </p:nvSpPr>
+          <p:spPr>
+            <a:xfrm>
+              <a:off x="1052950" y="4410174"/>
+              <a:ext cx="852088" cy="438158"/>
+            </a:xfrm>
+            <a:prstGeom prst="rect">
+              <a:avLst/>
+            </a:prstGeom>
+            <a:solidFill>
+              <a:sysClr val="window" lastClr="FFFFFF"/>
+            </a:solidFill>
+            <a:ln w="12700" cap="flat" cmpd="sng" algn="ctr">
+              <a:solidFill>
+                <a:srgbClr val="7030A0"/>
+              </a:solidFill>
+              <a:prstDash val="solid"/>
+              <a:miter lim="800000"/>
+            </a:ln>
+            <a:effectLst/>
+          </p:spPr>
+          <p:txBody>
+            <a:bodyPr wrap="square" lIns="3600" tIns="3600" rIns="3600" bIns="3600" rtlCol="0" anchor="ctr" anchorCtr="1">
+              <a:spAutoFit/>
+            </a:bodyPr>
+            <a:lstStyle/>
+            <a:p>
+              <a:pPr marL="0" marR="0" lvl="0" indent="0" algn="ctr" defTabSz="457200" eaLnBrk="1" fontAlgn="auto" latinLnBrk="0" hangingPunct="1">
+                <a:lnSpc>
+                  <a:spcPct val="100000"/>
+                </a:lnSpc>
+                <a:spcBef>
+                  <a:spcPts val="0"/>
+                </a:spcBef>
+                <a:spcAft>
+                  <a:spcPts val="0"/>
+                </a:spcAft>
+                <a:buClrTx/>
+                <a:buSzTx/>
+                <a:buFontTx/>
+                <a:buNone/>
+                <a:tabLst/>
+                <a:defRPr/>
+              </a:pPr>
+              <a:r>
+                <a:rPr kumimoji="0" lang="en-US" sz="1400" b="0" i="0" u="none" strike="noStrike" kern="0" cap="none" spc="0" normalizeH="0" baseline="0" noProof="0" dirty="0">
+                  <a:ln>
+                    <a:noFill/>
+                  </a:ln>
+                  <a:solidFill>
+                    <a:srgbClr val="7030A0"/>
+                  </a:solidFill>
+                  <a:effectLst/>
+                  <a:uLnTx/>
+                  <a:uFillTx/>
+                  <a:latin typeface="Helvetica Neue"/>
+                  <a:ea typeface="+mn-ea"/>
+                  <a:cs typeface="Helvetica Neue" charset="0"/>
+                </a:rPr>
+                <a:t>Timer 3 </a:t>
+              </a:r>
+              <a:r>
+                <a:rPr kumimoji="0" lang="en-US" sz="1400" b="0" i="0" u="none" strike="noStrike" kern="0" cap="none" spc="0" normalizeH="0" baseline="0" noProof="0" dirty="0">
+                  <a:ln>
+                    <a:noFill/>
+                  </a:ln>
+                  <a:solidFill>
+                    <a:srgbClr val="7030A0"/>
+                  </a:solidFill>
+                  <a:effectLst/>
+                  <a:uLnTx/>
+                  <a:uFillTx/>
+                  <a:latin typeface="Helvetica Neue"/>
+                  <a:ea typeface="+mn-ea"/>
+                  <a:cs typeface="+mn-cs"/>
+                </a:rPr>
+                <a:t>Channel 1</a:t>
+              </a:r>
+              <a:endParaRPr kumimoji="0" lang="en-AU" sz="1400" b="0" i="0" u="none" strike="noStrike" kern="0" cap="none" spc="0" normalizeH="0" baseline="0" noProof="0" dirty="0">
+                <a:ln>
+                  <a:noFill/>
+                </a:ln>
+                <a:solidFill>
+                  <a:srgbClr val="7030A0"/>
+                </a:solidFill>
+                <a:effectLst/>
+                <a:uLnTx/>
+                <a:uFillTx/>
+                <a:latin typeface="Helvetica Neue"/>
+                <a:ea typeface="+mn-ea"/>
+                <a:cs typeface="+mn-cs"/>
+              </a:endParaRPr>
+            </a:p>
+          </p:txBody>
+        </p:sp>
+        <p:sp>
+          <p:nvSpPr>
+            <p:cNvPr id="68" name="TextBox 67">
+              <a:extLst>
+                <a:ext uri="{FF2B5EF4-FFF2-40B4-BE49-F238E27FC236}">
+                  <a16:creationId xmlns:a16="http://schemas.microsoft.com/office/drawing/2014/main" id="{FDBA9213-4142-4D53-AEBE-C58076872095}"/>
+                </a:ext>
+              </a:extLst>
+            </p:cNvPr>
+            <p:cNvSpPr txBox="1"/>
+            <p:nvPr/>
+          </p:nvSpPr>
+          <p:spPr>
+            <a:xfrm>
+              <a:off x="334974" y="4542730"/>
+              <a:ext cx="500995" cy="191936"/>
+            </a:xfrm>
+            <a:prstGeom prst="rect">
+              <a:avLst/>
+            </a:prstGeom>
+            <a:solidFill>
+              <a:sysClr val="window" lastClr="FFFFFF"/>
+            </a:solidFill>
+            <a:ln w="12700" cap="flat" cmpd="sng" algn="ctr">
+              <a:noFill/>
+              <a:prstDash val="solid"/>
+              <a:miter lim="800000"/>
+            </a:ln>
+            <a:effectLst/>
+          </p:spPr>
+          <p:txBody>
+            <a:bodyPr wrap="none" lIns="3600" tIns="3600" rIns="3600" bIns="3600" rtlCol="0" anchor="ctr" anchorCtr="1">
+              <a:spAutoFit/>
+            </a:bodyPr>
+            <a:lstStyle/>
+            <a:p>
+              <a:pPr marL="0" marR="0" lvl="0" indent="0" algn="ctr" defTabSz="457200" eaLnBrk="1" fontAlgn="auto" latinLnBrk="0" hangingPunct="1">
+                <a:lnSpc>
+                  <a:spcPct val="100000"/>
+                </a:lnSpc>
+                <a:spcBef>
+                  <a:spcPts val="0"/>
+                </a:spcBef>
+                <a:spcAft>
+                  <a:spcPts val="0"/>
+                </a:spcAft>
+                <a:buClrTx/>
+                <a:buSzTx/>
+                <a:buFontTx/>
+                <a:buNone/>
+                <a:tabLst/>
+                <a:defRPr/>
+              </a:pPr>
+              <a:r>
+                <a:rPr kumimoji="0" lang="en-US" sz="1200" b="0" i="1" u="none" strike="noStrike" kern="0" cap="none" spc="0" normalizeH="0" baseline="0" noProof="0" dirty="0">
+                  <a:ln>
+                    <a:noFill/>
+                  </a:ln>
+                  <a:solidFill>
+                    <a:srgbClr val="7030A0"/>
+                  </a:solidFill>
+                  <a:effectLst/>
+                  <a:uLnTx/>
+                  <a:uFillTx/>
+                  <a:latin typeface="Helvetica Neue"/>
+                  <a:ea typeface="+mn-ea"/>
+                  <a:cs typeface="+mn-cs"/>
+                </a:rPr>
+                <a:t>Control</a:t>
+              </a:r>
+              <a:endParaRPr kumimoji="0" lang="en-AU" sz="1200" b="0" i="1" u="none" strike="noStrike" kern="0" cap="none" spc="0" normalizeH="0" baseline="0" noProof="0" dirty="0">
+                <a:ln>
+                  <a:noFill/>
+                </a:ln>
+                <a:solidFill>
+                  <a:srgbClr val="7030A0"/>
+                </a:solidFill>
+                <a:effectLst/>
+                <a:uLnTx/>
+                <a:uFillTx/>
+                <a:latin typeface="Helvetica Neue"/>
+                <a:ea typeface="+mn-ea"/>
+                <a:cs typeface="+mn-cs"/>
+              </a:endParaRPr>
+            </a:p>
+          </p:txBody>
+        </p:sp>
+        <p:cxnSp>
+          <p:nvCxnSpPr>
+            <p:cNvPr id="69" name="Straight Arrow Connector 68">
+              <a:extLst>
+                <a:ext uri="{FF2B5EF4-FFF2-40B4-BE49-F238E27FC236}">
+                  <a16:creationId xmlns:a16="http://schemas.microsoft.com/office/drawing/2014/main" id="{F548192E-C09F-4613-93CF-7F21C0BE947E}"/>
+                </a:ext>
+              </a:extLst>
+            </p:cNvPr>
+            <p:cNvCxnSpPr>
+              <a:cxnSpLocks/>
+              <a:stCxn id="53" idx="2"/>
+              <a:endCxn id="54" idx="0"/>
+            </p:cNvCxnSpPr>
+            <p:nvPr/>
+          </p:nvCxnSpPr>
+          <p:spPr>
+            <a:xfrm>
+              <a:off x="608560" y="6034605"/>
+              <a:ext cx="0" cy="339841"/>
+            </a:xfrm>
+            <a:prstGeom prst="straightConnector1">
+              <a:avLst/>
+            </a:prstGeom>
+            <a:noFill/>
+            <a:ln w="12700" cap="flat" cmpd="sng" algn="ctr">
+              <a:solidFill>
+                <a:srgbClr val="7030A0"/>
+              </a:solidFill>
+              <a:prstDash val="solid"/>
+              <a:miter lim="800000"/>
+              <a:tailEnd type="triangle"/>
+            </a:ln>
+            <a:effectLst/>
+          </p:spPr>
+        </p:cxnSp>
+        <p:cxnSp>
+          <p:nvCxnSpPr>
+            <p:cNvPr id="70" name="Straight Arrow Connector 69">
+              <a:extLst>
+                <a:ext uri="{FF2B5EF4-FFF2-40B4-BE49-F238E27FC236}">
+                  <a16:creationId xmlns:a16="http://schemas.microsoft.com/office/drawing/2014/main" id="{E95E3FE5-B756-4D8F-ABF3-BC1B015C187B}"/>
+                </a:ext>
+              </a:extLst>
+            </p:cNvPr>
+            <p:cNvCxnSpPr>
+              <a:cxnSpLocks/>
+              <a:stCxn id="52" idx="2"/>
+              <a:endCxn id="53" idx="0"/>
+            </p:cNvCxnSpPr>
+            <p:nvPr/>
+          </p:nvCxnSpPr>
+          <p:spPr>
+            <a:xfrm>
+              <a:off x="608560" y="5477899"/>
+              <a:ext cx="0" cy="333992"/>
+            </a:xfrm>
+            <a:prstGeom prst="straightConnector1">
+              <a:avLst/>
+            </a:prstGeom>
+            <a:noFill/>
+            <a:ln w="12700" cap="flat" cmpd="sng" algn="ctr">
+              <a:solidFill>
+                <a:srgbClr val="7030A0"/>
+              </a:solidFill>
+              <a:prstDash val="solid"/>
+              <a:miter lim="800000"/>
+              <a:tailEnd type="triangle"/>
+            </a:ln>
+            <a:effectLst/>
+          </p:spPr>
+        </p:cxnSp>
+        <p:sp>
+          <p:nvSpPr>
+            <p:cNvPr id="71" name="TextBox 70">
+              <a:extLst>
+                <a:ext uri="{FF2B5EF4-FFF2-40B4-BE49-F238E27FC236}">
+                  <a16:creationId xmlns:a16="http://schemas.microsoft.com/office/drawing/2014/main" id="{5CD6597A-3678-402A-B195-7ABB68C9CA1E}"/>
+                </a:ext>
+              </a:extLst>
+            </p:cNvPr>
+            <p:cNvSpPr txBox="1"/>
+            <p:nvPr/>
+          </p:nvSpPr>
+          <p:spPr>
+            <a:xfrm>
+              <a:off x="81086" y="5517933"/>
+              <a:ext cx="1054947" cy="191936"/>
+            </a:xfrm>
+            <a:prstGeom prst="rect">
+              <a:avLst/>
+            </a:prstGeom>
+            <a:solidFill>
+              <a:sysClr val="window" lastClr="FFFFFF"/>
+            </a:solidFill>
+            <a:ln w="12700" cap="flat" cmpd="sng" algn="ctr">
+              <a:noFill/>
+              <a:prstDash val="solid"/>
+              <a:miter lim="800000"/>
+            </a:ln>
+            <a:effectLst/>
+          </p:spPr>
+          <p:txBody>
+            <a:bodyPr wrap="square" lIns="3600" tIns="3600" rIns="3600" bIns="3600" rtlCol="0" anchor="ctr" anchorCtr="1">
+              <a:spAutoFit/>
+            </a:bodyPr>
+            <a:lstStyle/>
+            <a:p>
+              <a:pPr marL="0" marR="0" lvl="0" indent="0" algn="ctr" defTabSz="457200" eaLnBrk="1" fontAlgn="auto" latinLnBrk="0" hangingPunct="1">
+                <a:lnSpc>
+                  <a:spcPct val="100000"/>
+                </a:lnSpc>
+                <a:spcBef>
+                  <a:spcPts val="0"/>
+                </a:spcBef>
+                <a:spcAft>
+                  <a:spcPts val="0"/>
+                </a:spcAft>
+                <a:buClrTx/>
+                <a:buSzTx/>
+                <a:buFontTx/>
+                <a:buNone/>
+                <a:tabLst/>
+                <a:defRPr/>
+              </a:pPr>
+              <a:r>
+                <a:rPr kumimoji="0" lang="en-US" sz="1200" b="0" i="1" u="none" strike="noStrike" kern="0" cap="none" spc="0" normalizeH="0" baseline="0" noProof="0" dirty="0">
+                  <a:ln>
+                    <a:noFill/>
+                  </a:ln>
+                  <a:solidFill>
+                    <a:srgbClr val="7030A0"/>
+                  </a:solidFill>
+                  <a:effectLst/>
+                  <a:uLnTx/>
+                  <a:uFillTx/>
+                  <a:latin typeface="Helvetica Neue"/>
+                  <a:ea typeface="+mn-ea"/>
+                  <a:cs typeface="Helvetica Neue" charset="0"/>
+                </a:rPr>
+                <a:t>Digital </a:t>
+              </a:r>
+              <a:r>
+                <a:rPr kumimoji="0" lang="en-US" sz="1200" b="0" i="1" u="none" strike="noStrike" kern="0" cap="none" spc="0" normalizeH="0" baseline="0" noProof="0" dirty="0">
+                  <a:ln>
+                    <a:noFill/>
+                  </a:ln>
+                  <a:solidFill>
+                    <a:srgbClr val="7030A0"/>
+                  </a:solidFill>
+                  <a:effectLst/>
+                  <a:uLnTx/>
+                  <a:uFillTx/>
+                  <a:latin typeface="Helvetica Neue"/>
+                  <a:ea typeface="+mn-ea"/>
+                  <a:cs typeface="+mn-cs"/>
+                </a:rPr>
+                <a:t>Control</a:t>
+              </a:r>
+              <a:endParaRPr kumimoji="0" lang="en-AU" sz="1200" b="0" i="1" u="none" strike="noStrike" kern="0" cap="none" spc="0" normalizeH="0" baseline="0" noProof="0" dirty="0">
+                <a:ln>
+                  <a:noFill/>
+                </a:ln>
+                <a:solidFill>
+                  <a:srgbClr val="7030A0"/>
+                </a:solidFill>
+                <a:effectLst/>
+                <a:uLnTx/>
+                <a:uFillTx/>
+                <a:latin typeface="Helvetica Neue"/>
+                <a:ea typeface="+mn-ea"/>
+                <a:cs typeface="+mn-cs"/>
+              </a:endParaRPr>
+            </a:p>
+          </p:txBody>
+        </p:sp>
+        <p:sp>
+          <p:nvSpPr>
+            <p:cNvPr id="72" name="TextBox 71">
+              <a:extLst>
+                <a:ext uri="{FF2B5EF4-FFF2-40B4-BE49-F238E27FC236}">
+                  <a16:creationId xmlns:a16="http://schemas.microsoft.com/office/drawing/2014/main" id="{D71FD08B-09D2-4163-AA79-1A391405B925}"/>
+                </a:ext>
+              </a:extLst>
+            </p:cNvPr>
+            <p:cNvSpPr txBox="1"/>
+            <p:nvPr/>
+          </p:nvSpPr>
+          <p:spPr>
+            <a:xfrm>
+              <a:off x="93078" y="6061584"/>
+              <a:ext cx="1030962" cy="191936"/>
+            </a:xfrm>
+            <a:prstGeom prst="rect">
+              <a:avLst/>
+            </a:prstGeom>
+            <a:solidFill>
+              <a:sysClr val="window" lastClr="FFFFFF"/>
+            </a:solidFill>
+            <a:ln w="12700" cap="flat" cmpd="sng" algn="ctr">
+              <a:noFill/>
+              <a:prstDash val="solid"/>
+              <a:miter lim="800000"/>
+            </a:ln>
+            <a:effectLst/>
+          </p:spPr>
+          <p:txBody>
+            <a:bodyPr wrap="square" lIns="3600" tIns="3600" rIns="3600" bIns="3600" rtlCol="0" anchor="ctr" anchorCtr="1">
+              <a:spAutoFit/>
+            </a:bodyPr>
+            <a:lstStyle/>
+            <a:p>
+              <a:pPr marL="0" marR="0" lvl="0" indent="0" algn="ctr" defTabSz="457200" eaLnBrk="1" fontAlgn="auto" latinLnBrk="0" hangingPunct="1">
+                <a:lnSpc>
+                  <a:spcPct val="100000"/>
+                </a:lnSpc>
+                <a:spcBef>
+                  <a:spcPts val="0"/>
+                </a:spcBef>
+                <a:spcAft>
+                  <a:spcPts val="0"/>
+                </a:spcAft>
+                <a:buClrTx/>
+                <a:buSzTx/>
+                <a:buFontTx/>
+                <a:buNone/>
+                <a:tabLst/>
+                <a:defRPr/>
+              </a:pPr>
+              <a:r>
+                <a:rPr kumimoji="0" lang="en-US" sz="1200" b="0" i="1" u="none" strike="noStrike" kern="0" cap="none" spc="0" normalizeH="0" baseline="0" noProof="0" dirty="0">
+                  <a:ln>
+                    <a:noFill/>
+                  </a:ln>
+                  <a:solidFill>
+                    <a:srgbClr val="7030A0"/>
+                  </a:solidFill>
+                  <a:effectLst/>
+                  <a:uLnTx/>
+                  <a:uFillTx/>
+                  <a:latin typeface="Helvetica Neue"/>
+                  <a:ea typeface="+mn-ea"/>
+                  <a:cs typeface="Helvetica Neue" charset="0"/>
+                </a:rPr>
+                <a:t>Voltage </a:t>
+              </a:r>
+              <a:r>
+                <a:rPr kumimoji="0" lang="en-US" sz="1200" b="0" i="1" u="none" strike="noStrike" kern="0" cap="none" spc="0" normalizeH="0" baseline="0" noProof="0" dirty="0">
+                  <a:ln>
+                    <a:noFill/>
+                  </a:ln>
+                  <a:solidFill>
+                    <a:srgbClr val="7030A0"/>
+                  </a:solidFill>
+                  <a:effectLst/>
+                  <a:uLnTx/>
+                  <a:uFillTx/>
+                  <a:latin typeface="Helvetica Neue"/>
+                  <a:ea typeface="+mn-ea"/>
+                  <a:cs typeface="+mn-cs"/>
+                </a:rPr>
+                <a:t>50kHz</a:t>
+              </a:r>
+              <a:endParaRPr kumimoji="0" lang="en-AU" sz="1200" b="0" i="1" u="none" strike="noStrike" kern="0" cap="none" spc="0" normalizeH="0" baseline="0" noProof="0" dirty="0">
+                <a:ln>
+                  <a:noFill/>
+                </a:ln>
+                <a:solidFill>
+                  <a:srgbClr val="7030A0"/>
+                </a:solidFill>
+                <a:effectLst/>
+                <a:uLnTx/>
+                <a:uFillTx/>
+                <a:latin typeface="Helvetica Neue"/>
+                <a:ea typeface="+mn-ea"/>
+                <a:cs typeface="+mn-cs"/>
+              </a:endParaRPr>
+            </a:p>
+          </p:txBody>
+        </p:sp>
+        <p:sp>
+          <p:nvSpPr>
+            <p:cNvPr id="73" name="TextBox 72">
+              <a:extLst>
+                <a:ext uri="{FF2B5EF4-FFF2-40B4-BE49-F238E27FC236}">
+                  <a16:creationId xmlns:a16="http://schemas.microsoft.com/office/drawing/2014/main" id="{B58D8D24-3985-48D8-9EEB-02BF05461010}"/>
+                </a:ext>
+              </a:extLst>
+            </p:cNvPr>
+            <p:cNvSpPr txBox="1"/>
+            <p:nvPr/>
+          </p:nvSpPr>
+          <p:spPr>
+            <a:xfrm>
+              <a:off x="376496" y="6965252"/>
+              <a:ext cx="464127" cy="222714"/>
+            </a:xfrm>
+            <a:prstGeom prst="rect">
+              <a:avLst/>
+            </a:prstGeom>
+            <a:solidFill>
+              <a:sysClr val="window" lastClr="FFFFFF"/>
+            </a:solidFill>
+            <a:ln w="12700" cap="flat" cmpd="sng" algn="ctr">
+              <a:solidFill>
+                <a:srgbClr val="7030A0"/>
+              </a:solidFill>
+              <a:prstDash val="solid"/>
+              <a:miter lim="800000"/>
+            </a:ln>
+            <a:effectLst/>
+          </p:spPr>
+          <p:txBody>
+            <a:bodyPr wrap="none" lIns="3600" tIns="3600" rIns="3600" bIns="3600" rtlCol="0" anchor="ctr" anchorCtr="1">
+              <a:spAutoFit/>
+            </a:bodyPr>
+            <a:lstStyle/>
+            <a:p>
+              <a:pPr marL="0" marR="0" lvl="0" indent="0" algn="ctr" defTabSz="457200" eaLnBrk="1" fontAlgn="auto" latinLnBrk="0" hangingPunct="1">
+                <a:lnSpc>
+                  <a:spcPct val="100000"/>
+                </a:lnSpc>
+                <a:spcBef>
+                  <a:spcPts val="0"/>
+                </a:spcBef>
+                <a:spcAft>
+                  <a:spcPts val="0"/>
+                </a:spcAft>
+                <a:buClrTx/>
+                <a:buSzTx/>
+                <a:buFontTx/>
+                <a:buNone/>
+                <a:tabLst/>
+                <a:defRPr/>
+              </a:pPr>
+              <a:r>
+                <a:rPr kumimoji="0" lang="en-US" sz="1400" b="0" i="0" u="none" strike="noStrike" kern="0" cap="none" spc="0" normalizeH="0" baseline="0" noProof="0" dirty="0">
+                  <a:ln>
+                    <a:noFill/>
+                  </a:ln>
+                  <a:solidFill>
+                    <a:srgbClr val="7030A0"/>
+                  </a:solidFill>
+                  <a:effectLst/>
+                  <a:uLnTx/>
+                  <a:uFillTx/>
+                  <a:latin typeface="Helvetica Neue"/>
+                  <a:ea typeface="+mn-ea"/>
+                  <a:cs typeface="Helvetica Neue" charset="0"/>
+                </a:rPr>
+                <a:t>Motor</a:t>
+              </a:r>
+              <a:endParaRPr kumimoji="0" lang="en-AU" sz="1400" b="0" i="0" u="none" strike="noStrike" kern="0" cap="none" spc="0" normalizeH="0" baseline="0" noProof="0" dirty="0">
+                <a:ln>
+                  <a:noFill/>
+                </a:ln>
+                <a:solidFill>
+                  <a:srgbClr val="7030A0"/>
+                </a:solidFill>
+                <a:effectLst/>
+                <a:uLnTx/>
+                <a:uFillTx/>
+                <a:latin typeface="Helvetica Neue"/>
+                <a:ea typeface="+mn-ea"/>
+                <a:cs typeface="+mn-cs"/>
+              </a:endParaRPr>
+            </a:p>
+          </p:txBody>
+        </p:sp>
+        <p:cxnSp>
+          <p:nvCxnSpPr>
+            <p:cNvPr id="74" name="Straight Arrow Connector 73">
+              <a:extLst>
+                <a:ext uri="{FF2B5EF4-FFF2-40B4-BE49-F238E27FC236}">
+                  <a16:creationId xmlns:a16="http://schemas.microsoft.com/office/drawing/2014/main" id="{1CFCAA75-39C2-4BF4-BEC0-37481E490461}"/>
+                </a:ext>
+              </a:extLst>
+            </p:cNvPr>
+            <p:cNvCxnSpPr>
+              <a:cxnSpLocks/>
+              <a:stCxn id="54" idx="2"/>
+              <a:endCxn id="73" idx="0"/>
+            </p:cNvCxnSpPr>
+            <p:nvPr/>
+          </p:nvCxnSpPr>
+          <p:spPr>
+            <a:xfrm>
+              <a:off x="608560" y="6597160"/>
+              <a:ext cx="0" cy="368092"/>
+            </a:xfrm>
+            <a:prstGeom prst="straightConnector1">
+              <a:avLst/>
+            </a:prstGeom>
+            <a:noFill/>
+            <a:ln w="12700" cap="flat" cmpd="sng" algn="ctr">
+              <a:solidFill>
+                <a:srgbClr val="7030A0"/>
+              </a:solidFill>
+              <a:prstDash val="solid"/>
+              <a:miter lim="800000"/>
+              <a:tailEnd type="triangle"/>
+            </a:ln>
+            <a:effectLst/>
+          </p:spPr>
+        </p:cxnSp>
+        <p:sp>
+          <p:nvSpPr>
+            <p:cNvPr id="75" name="TextBox 74">
+              <a:extLst>
+                <a:ext uri="{FF2B5EF4-FFF2-40B4-BE49-F238E27FC236}">
+                  <a16:creationId xmlns:a16="http://schemas.microsoft.com/office/drawing/2014/main" id="{4311ABE3-98B2-4D9B-A555-09117D17EA28}"/>
+                </a:ext>
+              </a:extLst>
+            </p:cNvPr>
+            <p:cNvSpPr txBox="1"/>
+            <p:nvPr/>
+          </p:nvSpPr>
+          <p:spPr>
+            <a:xfrm>
+              <a:off x="137059" y="6665244"/>
+              <a:ext cx="943000" cy="191936"/>
+            </a:xfrm>
+            <a:prstGeom prst="rect">
+              <a:avLst/>
+            </a:prstGeom>
+            <a:solidFill>
+              <a:sysClr val="window" lastClr="FFFFFF"/>
+            </a:solidFill>
+            <a:ln w="12700" cap="flat" cmpd="sng" algn="ctr">
+              <a:noFill/>
+              <a:prstDash val="solid"/>
+              <a:miter lim="800000"/>
+            </a:ln>
+            <a:effectLst/>
+          </p:spPr>
+          <p:txBody>
+            <a:bodyPr wrap="square" lIns="3600" tIns="3600" rIns="3600" bIns="3600" rtlCol="0" anchor="ctr" anchorCtr="1">
+              <a:spAutoFit/>
+            </a:bodyPr>
+            <a:lstStyle/>
+            <a:p>
+              <a:pPr marL="0" marR="0" lvl="0" indent="0" algn="ctr" defTabSz="457200" eaLnBrk="1" fontAlgn="auto" latinLnBrk="0" hangingPunct="1">
+                <a:lnSpc>
+                  <a:spcPct val="100000"/>
+                </a:lnSpc>
+                <a:spcBef>
+                  <a:spcPts val="0"/>
+                </a:spcBef>
+                <a:spcAft>
+                  <a:spcPts val="0"/>
+                </a:spcAft>
+                <a:buClrTx/>
+                <a:buSzTx/>
+                <a:buFontTx/>
+                <a:buNone/>
+                <a:tabLst/>
+                <a:defRPr/>
+              </a:pPr>
+              <a:r>
+                <a:rPr kumimoji="0" lang="en-US" sz="1200" b="0" i="1" u="none" strike="noStrike" kern="0" cap="none" spc="0" normalizeH="0" baseline="0" noProof="0" dirty="0">
+                  <a:ln>
+                    <a:noFill/>
+                  </a:ln>
+                  <a:solidFill>
+                    <a:srgbClr val="7030A0"/>
+                  </a:solidFill>
+                  <a:effectLst/>
+                  <a:uLnTx/>
+                  <a:uFillTx/>
+                  <a:latin typeface="Helvetica Neue"/>
+                  <a:ea typeface="+mn-ea"/>
+                  <a:cs typeface="Helvetica Neue" charset="0"/>
+                </a:rPr>
+                <a:t>Power </a:t>
+              </a:r>
+              <a:r>
+                <a:rPr kumimoji="0" lang="en-US" sz="1200" b="0" i="1" u="none" strike="noStrike" kern="0" cap="none" spc="0" normalizeH="0" baseline="0" noProof="0" dirty="0">
+                  <a:ln>
+                    <a:noFill/>
+                  </a:ln>
+                  <a:solidFill>
+                    <a:srgbClr val="7030A0"/>
+                  </a:solidFill>
+                  <a:effectLst/>
+                  <a:uLnTx/>
+                  <a:uFillTx/>
+                  <a:latin typeface="Helvetica Neue"/>
+                  <a:ea typeface="+mn-ea"/>
+                  <a:cs typeface="+mn-cs"/>
+                </a:rPr>
+                <a:t>50kHz</a:t>
+              </a:r>
+              <a:endParaRPr kumimoji="0" lang="en-AU" sz="1200" b="0" i="1" u="none" strike="noStrike" kern="0" cap="none" spc="0" normalizeH="0" baseline="0" noProof="0" dirty="0">
+                <a:ln>
+                  <a:noFill/>
+                </a:ln>
+                <a:solidFill>
+                  <a:srgbClr val="7030A0"/>
+                </a:solidFill>
+                <a:effectLst/>
+                <a:uLnTx/>
+                <a:uFillTx/>
+                <a:latin typeface="Helvetica Neue"/>
+                <a:ea typeface="+mn-ea"/>
+                <a:cs typeface="+mn-cs"/>
+              </a:endParaRPr>
+            </a:p>
+          </p:txBody>
+        </p:sp>
+        <p:cxnSp>
+          <p:nvCxnSpPr>
+            <p:cNvPr id="76" name="Connector: Elbow 75">
+              <a:extLst>
+                <a:ext uri="{FF2B5EF4-FFF2-40B4-BE49-F238E27FC236}">
+                  <a16:creationId xmlns:a16="http://schemas.microsoft.com/office/drawing/2014/main" id="{29F53F6C-B641-4D49-BCD3-DDD81ED33C44}"/>
+                </a:ext>
+              </a:extLst>
+            </p:cNvPr>
+            <p:cNvCxnSpPr>
+              <a:cxnSpLocks/>
+              <a:stCxn id="67" idx="2"/>
+              <a:endCxn id="52" idx="3"/>
+            </p:cNvCxnSpPr>
+            <p:nvPr/>
+          </p:nvCxnSpPr>
+          <p:spPr>
+            <a:xfrm rot="5400000">
+              <a:off x="1118777" y="4809615"/>
+              <a:ext cx="321501" cy="398934"/>
+            </a:xfrm>
+            <a:prstGeom prst="bentConnector2">
+              <a:avLst/>
+            </a:prstGeom>
+            <a:noFill/>
+            <a:ln w="12700" cap="flat" cmpd="sng" algn="ctr">
+              <a:solidFill>
+                <a:srgbClr val="7030A0"/>
+              </a:solidFill>
+              <a:prstDash val="solid"/>
+              <a:miter lim="800000"/>
+              <a:tailEnd type="triangle"/>
+            </a:ln>
+            <a:effectLst/>
+          </p:spPr>
+        </p:cxnSp>
+        <p:sp>
+          <p:nvSpPr>
+            <p:cNvPr id="77" name="TextBox 76">
+              <a:extLst>
+                <a:ext uri="{FF2B5EF4-FFF2-40B4-BE49-F238E27FC236}">
+                  <a16:creationId xmlns:a16="http://schemas.microsoft.com/office/drawing/2014/main" id="{5C292416-F25C-4A98-A29D-5C573C935F7E}"/>
+                </a:ext>
+              </a:extLst>
+            </p:cNvPr>
+            <p:cNvSpPr txBox="1"/>
+            <p:nvPr/>
+          </p:nvSpPr>
+          <p:spPr>
+            <a:xfrm>
+              <a:off x="1087410" y="4907353"/>
+              <a:ext cx="441685" cy="191936"/>
+            </a:xfrm>
+            <a:prstGeom prst="rect">
+              <a:avLst/>
+            </a:prstGeom>
+            <a:solidFill>
+              <a:sysClr val="window" lastClr="FFFFFF"/>
+            </a:solidFill>
+            <a:ln w="12700" cap="flat" cmpd="sng" algn="ctr">
+              <a:noFill/>
+              <a:prstDash val="solid"/>
+              <a:miter lim="800000"/>
+            </a:ln>
+            <a:effectLst/>
+          </p:spPr>
+          <p:txBody>
+            <a:bodyPr wrap="none" lIns="3600" tIns="3600" rIns="3600" bIns="3600" rtlCol="0" anchor="ctr" anchorCtr="1">
+              <a:spAutoFit/>
+            </a:bodyPr>
+            <a:lstStyle/>
+            <a:p>
+              <a:pPr marL="0" marR="0" lvl="0" indent="0" algn="ctr" defTabSz="457200" eaLnBrk="1" fontAlgn="auto" latinLnBrk="0" hangingPunct="1">
+                <a:lnSpc>
+                  <a:spcPct val="100000"/>
+                </a:lnSpc>
+                <a:spcBef>
+                  <a:spcPts val="0"/>
+                </a:spcBef>
+                <a:spcAft>
+                  <a:spcPts val="0"/>
+                </a:spcAft>
+                <a:buClrTx/>
+                <a:buSzTx/>
+                <a:buFontTx/>
+                <a:buNone/>
+                <a:tabLst/>
+                <a:defRPr/>
+              </a:pPr>
+              <a:r>
+                <a:rPr kumimoji="0" lang="en-US" sz="1200" b="0" i="1" u="none" strike="noStrike" kern="0" cap="none" spc="0" normalizeH="0" baseline="0" noProof="0" dirty="0">
+                  <a:ln>
+                    <a:noFill/>
+                  </a:ln>
+                  <a:solidFill>
+                    <a:srgbClr val="7030A0"/>
+                  </a:solidFill>
+                  <a:effectLst/>
+                  <a:uLnTx/>
+                  <a:uFillTx/>
+                  <a:latin typeface="Helvetica Neue"/>
+                  <a:ea typeface="+mn-ea"/>
+                  <a:cs typeface="+mn-cs"/>
+                </a:rPr>
+                <a:t>50kHz</a:t>
+              </a:r>
+              <a:endParaRPr kumimoji="0" lang="en-AU" sz="1200" b="0" i="1" u="none" strike="noStrike" kern="0" cap="none" spc="0" normalizeH="0" baseline="0" noProof="0" dirty="0">
+                <a:ln>
+                  <a:noFill/>
+                </a:ln>
+                <a:solidFill>
+                  <a:srgbClr val="7030A0"/>
+                </a:solidFill>
+                <a:effectLst/>
+                <a:uLnTx/>
+                <a:uFillTx/>
+                <a:latin typeface="Helvetica Neue"/>
+                <a:ea typeface="+mn-ea"/>
+                <a:cs typeface="+mn-cs"/>
+              </a:endParaRPr>
+            </a:p>
+          </p:txBody>
+        </p:sp>
+        <p:grpSp>
+          <p:nvGrpSpPr>
+            <p:cNvPr id="78" name="Group 77">
+              <a:extLst>
+                <a:ext uri="{FF2B5EF4-FFF2-40B4-BE49-F238E27FC236}">
+                  <a16:creationId xmlns:a16="http://schemas.microsoft.com/office/drawing/2014/main" id="{1A7CD9C7-FDD4-4992-B82A-1A18D20044AF}"/>
+                </a:ext>
+              </a:extLst>
+            </p:cNvPr>
+            <p:cNvGrpSpPr/>
+            <p:nvPr/>
+          </p:nvGrpSpPr>
+          <p:grpSpPr>
+            <a:xfrm>
+              <a:off x="1071997" y="4227503"/>
+              <a:ext cx="2078175" cy="2990852"/>
+              <a:chOff x="1071997" y="4244719"/>
+              <a:chExt cx="2078175" cy="2990852"/>
+            </a:xfrm>
+          </p:grpSpPr>
+          <p:grpSp>
+            <p:nvGrpSpPr>
+              <p:cNvPr id="102" name="Group 101">
+                <a:extLst>
+                  <a:ext uri="{FF2B5EF4-FFF2-40B4-BE49-F238E27FC236}">
+                    <a16:creationId xmlns:a16="http://schemas.microsoft.com/office/drawing/2014/main" id="{FD6196B8-8E6E-4788-9B31-1A7D85850B83}"/>
+                  </a:ext>
+                </a:extLst>
+              </p:cNvPr>
+              <p:cNvGrpSpPr/>
+              <p:nvPr/>
+            </p:nvGrpSpPr>
+            <p:grpSpPr>
+              <a:xfrm>
+                <a:off x="1071997" y="4244719"/>
+                <a:ext cx="2078175" cy="2990852"/>
+                <a:chOff x="1071997" y="4244719"/>
+                <a:chExt cx="2078175" cy="2990852"/>
+              </a:xfrm>
+            </p:grpSpPr>
+            <p:cxnSp>
+              <p:nvCxnSpPr>
+                <p:cNvPr id="104" name="Straight Arrow Connector 103">
+                  <a:extLst>
+                    <a:ext uri="{FF2B5EF4-FFF2-40B4-BE49-F238E27FC236}">
+                      <a16:creationId xmlns:a16="http://schemas.microsoft.com/office/drawing/2014/main" id="{B58250DE-5CE9-4FDD-BA73-C1B3844C3B28}"/>
+                    </a:ext>
+                  </a:extLst>
+                </p:cNvPr>
+                <p:cNvCxnSpPr>
+                  <a:cxnSpLocks/>
+                  <a:stCxn id="17" idx="0"/>
+                  <a:endCxn id="42" idx="0"/>
+                </p:cNvCxnSpPr>
+                <p:nvPr/>
+              </p:nvCxnSpPr>
+              <p:spPr>
+                <a:xfrm flipH="1">
+                  <a:off x="1071997" y="4244719"/>
+                  <a:ext cx="847080" cy="0"/>
+                </a:xfrm>
+                <a:prstGeom prst="straightConnector1">
+                  <a:avLst/>
+                </a:prstGeom>
+                <a:noFill/>
+                <a:ln w="101600" cap="flat" cmpd="dbl" algn="ctr">
+                  <a:solidFill>
+                    <a:srgbClr val="70AD47"/>
+                  </a:solidFill>
+                  <a:prstDash val="solid"/>
+                  <a:miter lim="800000"/>
+                  <a:tailEnd type="triangle" w="sm" len="sm"/>
+                </a:ln>
+                <a:effectLst/>
+              </p:spPr>
+            </p:cxnSp>
+            <p:cxnSp>
+              <p:nvCxnSpPr>
+                <p:cNvPr id="105" name="Straight Arrow Connector 104">
+                  <a:extLst>
+                    <a:ext uri="{FF2B5EF4-FFF2-40B4-BE49-F238E27FC236}">
+                      <a16:creationId xmlns:a16="http://schemas.microsoft.com/office/drawing/2014/main" id="{BB4DE119-BB59-4F93-B0DE-E61A261DE753}"/>
+                    </a:ext>
+                  </a:extLst>
+                </p:cNvPr>
+                <p:cNvCxnSpPr>
+                  <a:cxnSpLocks/>
+                  <a:stCxn id="40" idx="0"/>
+                  <a:endCxn id="44" idx="2"/>
+                </p:cNvCxnSpPr>
+                <p:nvPr/>
+              </p:nvCxnSpPr>
+              <p:spPr>
+                <a:xfrm flipV="1">
+                  <a:off x="1773574" y="5846257"/>
+                  <a:ext cx="0" cy="672698"/>
+                </a:xfrm>
+                <a:prstGeom prst="straightConnector1">
+                  <a:avLst/>
+                </a:prstGeom>
+                <a:noFill/>
+                <a:ln w="101600" cap="flat" cmpd="dbl" algn="ctr">
+                  <a:solidFill>
+                    <a:srgbClr val="70AD47"/>
+                  </a:solidFill>
+                  <a:prstDash val="solid"/>
+                  <a:miter lim="800000"/>
+                  <a:tailEnd type="triangle" w="sm" len="sm"/>
+                </a:ln>
+                <a:effectLst/>
+              </p:spPr>
+            </p:cxnSp>
+            <p:cxnSp>
+              <p:nvCxnSpPr>
+                <p:cNvPr id="106" name="Connector: Elbow 105">
+                  <a:extLst>
+                    <a:ext uri="{FF2B5EF4-FFF2-40B4-BE49-F238E27FC236}">
+                      <a16:creationId xmlns:a16="http://schemas.microsoft.com/office/drawing/2014/main" id="{59668CE9-91BA-45C1-92B3-4133D671E98D}"/>
+                    </a:ext>
+                  </a:extLst>
+                </p:cNvPr>
+                <p:cNvCxnSpPr>
+                  <a:stCxn id="41" idx="0"/>
+                  <a:endCxn id="45" idx="3"/>
+                </p:cNvCxnSpPr>
+                <p:nvPr/>
+              </p:nvCxnSpPr>
+              <p:spPr>
+                <a:xfrm rot="16200000" flipV="1">
+                  <a:off x="2716965" y="6802364"/>
+                  <a:ext cx="497537" cy="368877"/>
+                </a:xfrm>
+                <a:prstGeom prst="bentConnector2">
+                  <a:avLst/>
+                </a:prstGeom>
+                <a:noFill/>
+                <a:ln w="101600" cap="flat" cmpd="dbl" algn="ctr">
+                  <a:solidFill>
+                    <a:srgbClr val="70AD47"/>
+                  </a:solidFill>
+                  <a:prstDash val="solid"/>
+                  <a:miter lim="800000"/>
+                  <a:tailEnd type="triangle" w="sm" len="sm"/>
+                </a:ln>
+                <a:effectLst/>
+              </p:spPr>
+            </p:cxnSp>
+          </p:grpSp>
+          <p:cxnSp>
+            <p:nvCxnSpPr>
+              <p:cNvPr id="103" name="Connector: Elbow 102">
+                <a:extLst>
+                  <a:ext uri="{FF2B5EF4-FFF2-40B4-BE49-F238E27FC236}">
+                    <a16:creationId xmlns:a16="http://schemas.microsoft.com/office/drawing/2014/main" id="{BF20D53F-5ADF-4B12-9A2E-374B8599E00D}"/>
+                  </a:ext>
+                </a:extLst>
+              </p:cNvPr>
+              <p:cNvCxnSpPr>
+                <a:cxnSpLocks/>
+                <a:stCxn id="44" idx="0"/>
+                <a:endCxn id="17" idx="0"/>
+              </p:cNvCxnSpPr>
+              <p:nvPr/>
+            </p:nvCxnSpPr>
+            <p:spPr>
+              <a:xfrm rot="5400000" flipH="1" flipV="1">
+                <a:off x="1156913" y="4861380"/>
+                <a:ext cx="1378824" cy="145503"/>
+              </a:xfrm>
+              <a:prstGeom prst="bentConnector4">
+                <a:avLst>
+                  <a:gd name="adj1" fmla="val 47157"/>
+                  <a:gd name="adj2" fmla="val 257110"/>
+                </a:avLst>
+              </a:prstGeom>
+              <a:noFill/>
+              <a:ln w="101600" cap="flat" cmpd="dbl" algn="ctr">
+                <a:solidFill>
+                  <a:srgbClr val="70AD47"/>
+                </a:solidFill>
+                <a:prstDash val="solid"/>
+                <a:miter lim="800000"/>
+                <a:headEnd type="none" w="med" len="med"/>
+                <a:tailEnd type="none" w="sm" len="sm"/>
+              </a:ln>
+              <a:effectLst/>
+            </p:spPr>
+          </p:cxnSp>
+        </p:grpSp>
+        <p:sp>
+          <p:nvSpPr>
+            <p:cNvPr id="79" name="TextBox 78">
+              <a:extLst>
+                <a:ext uri="{FF2B5EF4-FFF2-40B4-BE49-F238E27FC236}">
+                  <a16:creationId xmlns:a16="http://schemas.microsoft.com/office/drawing/2014/main" id="{20BED27C-8935-4D34-A812-CBF34E3C910B}"/>
+                </a:ext>
+              </a:extLst>
+            </p:cNvPr>
+            <p:cNvSpPr txBox="1"/>
+            <p:nvPr/>
+          </p:nvSpPr>
+          <p:spPr>
+            <a:xfrm>
+              <a:off x="1217120" y="5190047"/>
+              <a:ext cx="1112910" cy="376602"/>
+            </a:xfrm>
+            <a:prstGeom prst="rect">
+              <a:avLst/>
+            </a:prstGeom>
+            <a:solidFill>
+              <a:sysClr val="window" lastClr="FFFFFF"/>
+            </a:solidFill>
+            <a:ln w="12700" cap="flat" cmpd="sng" algn="ctr">
+              <a:noFill/>
+              <a:prstDash val="solid"/>
+              <a:miter lim="800000"/>
+            </a:ln>
+            <a:effectLst/>
+          </p:spPr>
+          <p:txBody>
+            <a:bodyPr wrap="square" lIns="3600" tIns="3600" rIns="3600" bIns="3600" rtlCol="0" anchor="ctr" anchorCtr="1">
+              <a:spAutoFit/>
+            </a:bodyPr>
+            <a:lstStyle/>
+            <a:p>
+              <a:pPr marL="0" marR="0" lvl="0" indent="0" algn="ctr" defTabSz="457200" eaLnBrk="1" fontAlgn="auto" latinLnBrk="0" hangingPunct="1">
+                <a:lnSpc>
+                  <a:spcPct val="100000"/>
+                </a:lnSpc>
+                <a:spcBef>
+                  <a:spcPts val="0"/>
+                </a:spcBef>
+                <a:spcAft>
+                  <a:spcPts val="0"/>
+                </a:spcAft>
+                <a:buClrTx/>
+                <a:buSzTx/>
+                <a:buFontTx/>
+                <a:buNone/>
+                <a:tabLst/>
+                <a:defRPr/>
+              </a:pPr>
+              <a:r>
+                <a:rPr kumimoji="0" lang="en-US" sz="1200" b="0" i="1" u="none" strike="noStrike" kern="0" cap="none" spc="0" normalizeH="0" baseline="0" noProof="0" dirty="0">
+                  <a:ln>
+                    <a:noFill/>
+                  </a:ln>
+                  <a:solidFill>
+                    <a:srgbClr val="70AD47"/>
+                  </a:solidFill>
+                  <a:effectLst/>
+                  <a:uLnTx/>
+                  <a:uFillTx/>
+                  <a:latin typeface="Helvetica Neue"/>
+                  <a:ea typeface="+mn-ea"/>
+                  <a:cs typeface="+mn-cs"/>
+                </a:rPr>
+                <a:t>Load (Top, Bottom)</a:t>
+              </a:r>
+              <a:endParaRPr kumimoji="0" lang="en-AU" sz="1200" b="0" i="1" u="none" strike="noStrike" kern="0" cap="none" spc="0" normalizeH="0" baseline="0" noProof="0" dirty="0">
+                <a:ln>
+                  <a:noFill/>
+                </a:ln>
+                <a:solidFill>
+                  <a:srgbClr val="70AD47"/>
+                </a:solidFill>
+                <a:effectLst/>
+                <a:uLnTx/>
+                <a:uFillTx/>
+                <a:latin typeface="Helvetica Neue"/>
+                <a:ea typeface="+mn-ea"/>
+                <a:cs typeface="+mn-cs"/>
+              </a:endParaRPr>
+            </a:p>
+          </p:txBody>
+        </p:sp>
+        <p:sp>
+          <p:nvSpPr>
+            <p:cNvPr id="80" name="TextBox 79">
+              <a:extLst>
+                <a:ext uri="{FF2B5EF4-FFF2-40B4-BE49-F238E27FC236}">
+                  <a16:creationId xmlns:a16="http://schemas.microsoft.com/office/drawing/2014/main" id="{40314573-B491-4149-A696-E6E3BDF7E7B9}"/>
+                </a:ext>
+              </a:extLst>
+            </p:cNvPr>
+            <p:cNvSpPr txBox="1"/>
+            <p:nvPr/>
+          </p:nvSpPr>
+          <p:spPr>
+            <a:xfrm>
+              <a:off x="1295149" y="6075264"/>
+              <a:ext cx="956852" cy="376602"/>
+            </a:xfrm>
+            <a:prstGeom prst="rect">
+              <a:avLst/>
+            </a:prstGeom>
+            <a:solidFill>
+              <a:sysClr val="window" lastClr="FFFFFF"/>
+            </a:solidFill>
+            <a:ln w="12700" cap="flat" cmpd="sng" algn="ctr">
+              <a:noFill/>
+              <a:prstDash val="solid"/>
+              <a:miter lim="800000"/>
+            </a:ln>
+            <a:effectLst/>
+          </p:spPr>
+          <p:txBody>
+            <a:bodyPr wrap="square" lIns="3600" tIns="3600" rIns="3600" bIns="3600" rtlCol="0" anchor="ctr" anchorCtr="1">
+              <a:spAutoFit/>
+            </a:bodyPr>
+            <a:lstStyle/>
+            <a:p>
+              <a:pPr marL="0" marR="0" lvl="0" indent="0" algn="ctr" defTabSz="457200" eaLnBrk="1" fontAlgn="auto" latinLnBrk="0" hangingPunct="1">
+                <a:lnSpc>
+                  <a:spcPct val="100000"/>
+                </a:lnSpc>
+                <a:spcBef>
+                  <a:spcPts val="0"/>
+                </a:spcBef>
+                <a:spcAft>
+                  <a:spcPts val="0"/>
+                </a:spcAft>
+                <a:buClrTx/>
+                <a:buSzTx/>
+                <a:buFontTx/>
+                <a:buNone/>
+                <a:tabLst/>
+                <a:defRPr/>
+              </a:pPr>
+              <a:r>
+                <a:rPr kumimoji="0" lang="en-US" sz="1200" b="0" i="1" u="none" strike="noStrike" kern="0" cap="none" spc="0" normalizeH="0" baseline="0" noProof="0" dirty="0">
+                  <a:ln>
+                    <a:noFill/>
+                  </a:ln>
+                  <a:solidFill>
+                    <a:srgbClr val="70AD47"/>
+                  </a:solidFill>
+                  <a:effectLst/>
+                  <a:uLnTx/>
+                  <a:uFillTx/>
+                  <a:latin typeface="Helvetica Neue"/>
+                  <a:ea typeface="+mn-ea"/>
+                  <a:cs typeface="+mn-cs"/>
+                </a:rPr>
+                <a:t>Load (Top, Bottom) 0-5V</a:t>
+              </a:r>
+              <a:endParaRPr kumimoji="0" lang="en-AU" sz="1200" b="0" i="1" u="none" strike="noStrike" kern="0" cap="none" spc="0" normalizeH="0" baseline="0" noProof="0" dirty="0">
+                <a:ln>
+                  <a:noFill/>
+                </a:ln>
+                <a:solidFill>
+                  <a:srgbClr val="70AD47"/>
+                </a:solidFill>
+                <a:effectLst/>
+                <a:uLnTx/>
+                <a:uFillTx/>
+                <a:latin typeface="Helvetica Neue"/>
+                <a:ea typeface="+mn-ea"/>
+                <a:cs typeface="+mn-cs"/>
+              </a:endParaRPr>
+            </a:p>
+          </p:txBody>
+        </p:sp>
+        <p:sp>
+          <p:nvSpPr>
+            <p:cNvPr id="81" name="TextBox 80">
+              <a:extLst>
+                <a:ext uri="{FF2B5EF4-FFF2-40B4-BE49-F238E27FC236}">
+                  <a16:creationId xmlns:a16="http://schemas.microsoft.com/office/drawing/2014/main" id="{1C43A5C0-4688-4F82-9F23-CF3D63203528}"/>
+                </a:ext>
+              </a:extLst>
+            </p:cNvPr>
+            <p:cNvSpPr txBox="1"/>
+            <p:nvPr/>
+          </p:nvSpPr>
+          <p:spPr>
+            <a:xfrm>
+              <a:off x="1798574" y="6985958"/>
+              <a:ext cx="1524978" cy="191936"/>
+            </a:xfrm>
+            <a:prstGeom prst="rect">
+              <a:avLst/>
+            </a:prstGeom>
+            <a:solidFill>
+              <a:sysClr val="window" lastClr="FFFFFF"/>
+            </a:solidFill>
+            <a:ln w="12700" cap="flat" cmpd="sng" algn="ctr">
+              <a:noFill/>
+              <a:prstDash val="solid"/>
+              <a:miter lim="800000"/>
+            </a:ln>
+            <a:effectLst/>
+          </p:spPr>
+          <p:txBody>
+            <a:bodyPr wrap="square" lIns="3600" tIns="3600" rIns="3600" bIns="3600" rtlCol="0" anchor="ctr" anchorCtr="1">
+              <a:spAutoFit/>
+            </a:bodyPr>
+            <a:lstStyle/>
+            <a:p>
+              <a:pPr marL="0" marR="0" lvl="0" indent="0" algn="ctr" defTabSz="457200" eaLnBrk="1" fontAlgn="auto" latinLnBrk="0" hangingPunct="1">
+                <a:lnSpc>
+                  <a:spcPct val="100000"/>
+                </a:lnSpc>
+                <a:spcBef>
+                  <a:spcPts val="0"/>
+                </a:spcBef>
+                <a:spcAft>
+                  <a:spcPts val="0"/>
+                </a:spcAft>
+                <a:buClrTx/>
+                <a:buSzTx/>
+                <a:buFontTx/>
+                <a:buNone/>
+                <a:tabLst/>
+                <a:defRPr/>
+              </a:pPr>
+              <a:r>
+                <a:rPr kumimoji="0" lang="en-US" sz="1200" b="0" i="1" u="none" strike="noStrike" kern="0" cap="none" spc="0" normalizeH="0" baseline="0" noProof="0" dirty="0">
+                  <a:ln>
+                    <a:noFill/>
+                  </a:ln>
+                  <a:solidFill>
+                    <a:srgbClr val="70AD47"/>
+                  </a:solidFill>
+                  <a:effectLst/>
+                  <a:uLnTx/>
+                  <a:uFillTx/>
+                  <a:latin typeface="Helvetica Neue"/>
+                  <a:ea typeface="+mn-ea"/>
+                  <a:cs typeface="Helvetica Neue" charset="0"/>
+                </a:rPr>
+                <a:t>Load (T1..T4, B1..B4)</a:t>
+              </a:r>
+              <a:endParaRPr kumimoji="0" lang="en-AU" sz="1200" b="0" i="1" u="none" strike="noStrike" kern="0" cap="none" spc="0" normalizeH="0" baseline="0" noProof="0" dirty="0">
+                <a:ln>
+                  <a:noFill/>
+                </a:ln>
+                <a:solidFill>
+                  <a:srgbClr val="70AD47"/>
+                </a:solidFill>
+                <a:effectLst/>
+                <a:uLnTx/>
+                <a:uFillTx/>
+                <a:latin typeface="Helvetica Neue"/>
+                <a:ea typeface="+mn-ea"/>
+                <a:cs typeface="+mn-cs"/>
+              </a:endParaRPr>
+            </a:p>
+          </p:txBody>
+        </p:sp>
+        <p:cxnSp>
+          <p:nvCxnSpPr>
+            <p:cNvPr id="82" name="Connector: Elbow 81">
+              <a:extLst>
+                <a:ext uri="{FF2B5EF4-FFF2-40B4-BE49-F238E27FC236}">
+                  <a16:creationId xmlns:a16="http://schemas.microsoft.com/office/drawing/2014/main" id="{C8780DDB-EDAA-43E6-B2FD-F14E7AD1D9C7}"/>
+                </a:ext>
+              </a:extLst>
+            </p:cNvPr>
+            <p:cNvCxnSpPr>
+              <a:cxnSpLocks/>
+              <a:stCxn id="137" idx="2"/>
+              <a:endCxn id="132" idx="2"/>
+            </p:cNvCxnSpPr>
+            <p:nvPr/>
+          </p:nvCxnSpPr>
+          <p:spPr>
+            <a:xfrm flipV="1">
+              <a:off x="1066650" y="3379586"/>
+              <a:ext cx="1853573" cy="148732"/>
+            </a:xfrm>
+            <a:prstGeom prst="bentConnector2">
+              <a:avLst/>
+            </a:prstGeom>
+            <a:noFill/>
+            <a:ln w="12700" cap="flat" cmpd="sng" algn="ctr">
+              <a:solidFill>
+                <a:srgbClr val="4472C4"/>
+              </a:solidFill>
+              <a:prstDash val="solid"/>
+              <a:miter lim="800000"/>
+              <a:headEnd type="triangle" w="med" len="med"/>
+              <a:tailEnd type="none" w="med" len="med"/>
+            </a:ln>
+            <a:effectLst/>
+          </p:spPr>
+        </p:cxnSp>
+        <p:cxnSp>
+          <p:nvCxnSpPr>
+            <p:cNvPr id="83" name="Connector: Elbow 82">
+              <a:extLst>
+                <a:ext uri="{FF2B5EF4-FFF2-40B4-BE49-F238E27FC236}">
+                  <a16:creationId xmlns:a16="http://schemas.microsoft.com/office/drawing/2014/main" id="{A8B8FB62-E3A6-4B30-A480-6BABB7FC113D}"/>
+                </a:ext>
+              </a:extLst>
+            </p:cNvPr>
+            <p:cNvCxnSpPr>
+              <a:cxnSpLocks/>
+              <a:stCxn id="124" idx="2"/>
+              <a:endCxn id="135" idx="2"/>
+            </p:cNvCxnSpPr>
+            <p:nvPr/>
+          </p:nvCxnSpPr>
+          <p:spPr>
+            <a:xfrm>
+              <a:off x="1163036" y="2963194"/>
+              <a:ext cx="1757188" cy="193678"/>
+            </a:xfrm>
+            <a:prstGeom prst="bentConnector2">
+              <a:avLst/>
+            </a:prstGeom>
+            <a:noFill/>
+            <a:ln w="12700" cap="flat" cmpd="sng" algn="ctr">
+              <a:solidFill>
+                <a:srgbClr val="4472C4"/>
+              </a:solidFill>
+              <a:prstDash val="solid"/>
+              <a:miter lim="800000"/>
+              <a:headEnd type="none" w="med" len="med"/>
+              <a:tailEnd type="triangle" w="med" len="med"/>
+            </a:ln>
+            <a:effectLst/>
+          </p:spPr>
+        </p:cxnSp>
+        <p:cxnSp>
+          <p:nvCxnSpPr>
+            <p:cNvPr id="84" name="Connector: Elbow 83">
+              <a:extLst>
+                <a:ext uri="{FF2B5EF4-FFF2-40B4-BE49-F238E27FC236}">
+                  <a16:creationId xmlns:a16="http://schemas.microsoft.com/office/drawing/2014/main" id="{A8A0BC2C-CD46-4BFB-8710-B964F19697B5}"/>
+                </a:ext>
+              </a:extLst>
+            </p:cNvPr>
+            <p:cNvCxnSpPr>
+              <a:cxnSpLocks/>
+              <a:stCxn id="125" idx="2"/>
+              <a:endCxn id="134" idx="2"/>
+            </p:cNvCxnSpPr>
+            <p:nvPr/>
+          </p:nvCxnSpPr>
+          <p:spPr>
+            <a:xfrm>
+              <a:off x="1163036" y="2877176"/>
+              <a:ext cx="1871488" cy="279696"/>
+            </a:xfrm>
+            <a:prstGeom prst="bentConnector2">
+              <a:avLst/>
+            </a:prstGeom>
+            <a:noFill/>
+            <a:ln w="12700" cap="flat" cmpd="sng" algn="ctr">
+              <a:solidFill>
+                <a:srgbClr val="4472C4"/>
+              </a:solidFill>
+              <a:prstDash val="solid"/>
+              <a:miter lim="800000"/>
+              <a:headEnd type="triangle" w="med" len="med"/>
+              <a:tailEnd type="none" w="med" len="med"/>
+            </a:ln>
+            <a:effectLst/>
+          </p:spPr>
+        </p:cxnSp>
+        <p:sp>
+          <p:nvSpPr>
+            <p:cNvPr id="85" name="TextBox 84">
+              <a:extLst>
+                <a:ext uri="{FF2B5EF4-FFF2-40B4-BE49-F238E27FC236}">
+                  <a16:creationId xmlns:a16="http://schemas.microsoft.com/office/drawing/2014/main" id="{7EBFD7BE-0394-43A2-86C3-D884A743B700}"/>
+                </a:ext>
+              </a:extLst>
+            </p:cNvPr>
+            <p:cNvSpPr txBox="1"/>
+            <p:nvPr/>
+          </p:nvSpPr>
+          <p:spPr>
+            <a:xfrm>
+              <a:off x="1514083" y="2829832"/>
+              <a:ext cx="715242" cy="376602"/>
+            </a:xfrm>
+            <a:prstGeom prst="rect">
+              <a:avLst/>
+            </a:prstGeom>
+            <a:solidFill>
+              <a:sysClr val="window" lastClr="FFFFFF"/>
+            </a:solidFill>
+            <a:ln w="19050" cap="flat" cmpd="sng" algn="ctr">
+              <a:noFill/>
+              <a:prstDash val="solid"/>
+              <a:miter lim="800000"/>
+            </a:ln>
+            <a:effectLst/>
+          </p:spPr>
+          <p:txBody>
+            <a:bodyPr wrap="square" lIns="3600" tIns="3600" rIns="3600" bIns="3600" rtlCol="0" anchor="ctr" anchorCtr="1">
+              <a:spAutoFit/>
+            </a:bodyPr>
+            <a:lstStyle/>
+            <a:p>
+              <a:pPr marL="0" marR="0" lvl="0" indent="0" algn="ctr" defTabSz="457200" eaLnBrk="1" fontAlgn="auto" latinLnBrk="0" hangingPunct="1">
+                <a:lnSpc>
+                  <a:spcPct val="100000"/>
+                </a:lnSpc>
+                <a:spcBef>
+                  <a:spcPts val="0"/>
+                </a:spcBef>
+                <a:spcAft>
+                  <a:spcPts val="0"/>
+                </a:spcAft>
+                <a:buClrTx/>
+                <a:buSzTx/>
+                <a:buFontTx/>
+                <a:buNone/>
+                <a:tabLst/>
+                <a:defRPr/>
+              </a:pPr>
+              <a:r>
+                <a:rPr kumimoji="0" lang="en-AU" sz="1200" b="0" i="1" u="none" strike="noStrike" kern="0" cap="none" spc="0" normalizeH="0" baseline="0" noProof="0" dirty="0">
+                  <a:ln>
+                    <a:noFill/>
+                  </a:ln>
+                  <a:solidFill>
+                    <a:srgbClr val="4472C4"/>
+                  </a:solidFill>
+                  <a:effectLst/>
+                  <a:uLnTx/>
+                  <a:uFillTx/>
+                  <a:latin typeface="Helvetica Neue"/>
+                  <a:ea typeface="+mn-ea"/>
+                  <a:cs typeface="+mn-cs"/>
+                </a:rPr>
+                <a:t>Messages [ASCII]</a:t>
+              </a:r>
+            </a:p>
+          </p:txBody>
+        </p:sp>
+        <p:sp>
+          <p:nvSpPr>
+            <p:cNvPr id="86" name="TextBox 85">
+              <a:extLst>
+                <a:ext uri="{FF2B5EF4-FFF2-40B4-BE49-F238E27FC236}">
+                  <a16:creationId xmlns:a16="http://schemas.microsoft.com/office/drawing/2014/main" id="{CCF8B8C7-7C80-4581-951E-18B6538762D9}"/>
+                </a:ext>
+              </a:extLst>
+            </p:cNvPr>
+            <p:cNvSpPr txBox="1"/>
+            <p:nvPr/>
+          </p:nvSpPr>
+          <p:spPr>
+            <a:xfrm>
+              <a:off x="1513941" y="2452231"/>
+              <a:ext cx="714780" cy="376602"/>
+            </a:xfrm>
+            <a:prstGeom prst="rect">
+              <a:avLst/>
+            </a:prstGeom>
+            <a:solidFill>
+              <a:sysClr val="window" lastClr="FFFFFF"/>
+            </a:solidFill>
+            <a:ln w="19050" cap="flat" cmpd="sng" algn="ctr">
+              <a:noFill/>
+              <a:prstDash val="solid"/>
+              <a:miter lim="800000"/>
+            </a:ln>
+            <a:effectLst/>
+          </p:spPr>
+          <p:txBody>
+            <a:bodyPr wrap="square" lIns="3600" tIns="3600" rIns="3600" bIns="3600" rtlCol="0" anchor="ctr" anchorCtr="1">
+              <a:spAutoFit/>
+            </a:bodyPr>
+            <a:lstStyle>
+              <a:defPPr>
+                <a:defRPr lang="en-US"/>
+              </a:defPPr>
+              <a:lvl1pPr algn="ctr">
+                <a:defRPr sz="1200" i="1">
+                  <a:solidFill>
+                    <a:schemeClr val="accent2"/>
+                  </a:solidFill>
+                  <a:latin typeface="Helvetica Neue"/>
+                </a:defRPr>
+              </a:lvl1pPr>
+            </a:lstStyle>
+            <a:p>
+              <a:pPr marL="0" marR="0" lvl="0" indent="0" algn="ctr" defTabSz="457200" eaLnBrk="1" fontAlgn="auto" latinLnBrk="0" hangingPunct="1">
+                <a:lnSpc>
+                  <a:spcPct val="100000"/>
+                </a:lnSpc>
+                <a:spcBef>
+                  <a:spcPts val="0"/>
+                </a:spcBef>
+                <a:spcAft>
+                  <a:spcPts val="0"/>
+                </a:spcAft>
+                <a:buClrTx/>
+                <a:buSzTx/>
+                <a:buFontTx/>
+                <a:buNone/>
+                <a:tabLst/>
+                <a:defRPr/>
+              </a:pPr>
+              <a:r>
+                <a:rPr kumimoji="0" lang="en-AU" sz="1200" b="0" i="1" u="none" strike="noStrike" kern="0" cap="none" spc="0" normalizeH="0" baseline="0" noProof="0" dirty="0">
+                  <a:ln>
+                    <a:noFill/>
+                  </a:ln>
+                  <a:solidFill>
+                    <a:srgbClr val="ED7D31"/>
+                  </a:solidFill>
+                  <a:effectLst/>
+                  <a:uLnTx/>
+                  <a:uFillTx/>
+                  <a:latin typeface="Helvetica Neue"/>
+                  <a:ea typeface="+mn-ea"/>
+                  <a:cs typeface="+mn-cs"/>
+                </a:rPr>
+                <a:t>Messages [ASCII]</a:t>
+              </a:r>
+            </a:p>
+          </p:txBody>
+        </p:sp>
+        <p:cxnSp>
+          <p:nvCxnSpPr>
+            <p:cNvPr id="87" name="Straight Arrow Connector 86">
+              <a:extLst>
+                <a:ext uri="{FF2B5EF4-FFF2-40B4-BE49-F238E27FC236}">
+                  <a16:creationId xmlns:a16="http://schemas.microsoft.com/office/drawing/2014/main" id="{0CD2230E-55DA-4800-BEAF-FC59C2CD94A0}"/>
+                </a:ext>
+              </a:extLst>
+            </p:cNvPr>
+            <p:cNvCxnSpPr>
+              <a:cxnSpLocks/>
+              <a:stCxn id="101" idx="2"/>
+              <a:endCxn id="158" idx="0"/>
+            </p:cNvCxnSpPr>
+            <p:nvPr/>
+          </p:nvCxnSpPr>
+          <p:spPr>
+            <a:xfrm>
+              <a:off x="840101" y="1021463"/>
+              <a:ext cx="0" cy="405950"/>
+            </a:xfrm>
+            <a:prstGeom prst="straightConnector1">
+              <a:avLst/>
+            </a:prstGeom>
+            <a:noFill/>
+            <a:ln w="12700" cap="flat" cmpd="sng" algn="ctr">
+              <a:solidFill>
+                <a:sysClr val="windowText" lastClr="000000"/>
+              </a:solidFill>
+              <a:prstDash val="solid"/>
+              <a:miter lim="800000"/>
+              <a:headEnd type="triangle" w="med" len="med"/>
+              <a:tailEnd type="none" w="med" len="med"/>
+            </a:ln>
+            <a:effectLst/>
+          </p:spPr>
+        </p:cxnSp>
+        <p:cxnSp>
+          <p:nvCxnSpPr>
+            <p:cNvPr id="88" name="Straight Arrow Connector 87">
+              <a:extLst>
+                <a:ext uri="{FF2B5EF4-FFF2-40B4-BE49-F238E27FC236}">
+                  <a16:creationId xmlns:a16="http://schemas.microsoft.com/office/drawing/2014/main" id="{3C5A6D6B-410B-4DE1-BFD3-A6CC2C10613C}"/>
+                </a:ext>
+              </a:extLst>
+            </p:cNvPr>
+            <p:cNvCxnSpPr>
+              <a:cxnSpLocks/>
+              <a:stCxn id="100" idx="2"/>
+              <a:endCxn id="157" idx="0"/>
+            </p:cNvCxnSpPr>
+            <p:nvPr/>
+          </p:nvCxnSpPr>
+          <p:spPr>
+            <a:xfrm>
+              <a:off x="725801" y="1021463"/>
+              <a:ext cx="0" cy="405950"/>
+            </a:xfrm>
+            <a:prstGeom prst="straightConnector1">
+              <a:avLst/>
+            </a:prstGeom>
+            <a:noFill/>
+            <a:ln w="12700" cap="flat" cmpd="sng" algn="ctr">
+              <a:solidFill>
+                <a:sysClr val="windowText" lastClr="000000"/>
+              </a:solidFill>
+              <a:prstDash val="solid"/>
+              <a:miter lim="800000"/>
+              <a:headEnd type="none" w="med" len="med"/>
+              <a:tailEnd type="triangle" w="med" len="med"/>
+            </a:ln>
+            <a:effectLst/>
+          </p:spPr>
+        </p:cxnSp>
+        <p:grpSp>
+          <p:nvGrpSpPr>
+            <p:cNvPr id="89" name="Group 88">
+              <a:extLst>
+                <a:ext uri="{FF2B5EF4-FFF2-40B4-BE49-F238E27FC236}">
+                  <a16:creationId xmlns:a16="http://schemas.microsoft.com/office/drawing/2014/main" id="{5B752510-7031-45D2-B7DB-DB43C2F9F346}"/>
+                </a:ext>
+              </a:extLst>
+            </p:cNvPr>
+            <p:cNvGrpSpPr/>
+            <p:nvPr/>
+          </p:nvGrpSpPr>
+          <p:grpSpPr>
+            <a:xfrm>
+              <a:off x="668651" y="907163"/>
+              <a:ext cx="228600" cy="114300"/>
+              <a:chOff x="3488871" y="2942096"/>
+              <a:chExt cx="228600" cy="114300"/>
+            </a:xfrm>
+            <a:solidFill>
+              <a:sysClr val="window" lastClr="FFFFFF"/>
+            </a:solidFill>
+          </p:grpSpPr>
+          <p:sp>
+            <p:nvSpPr>
+              <p:cNvPr id="100" name="Rectangle 99">
+                <a:extLst>
+                  <a:ext uri="{FF2B5EF4-FFF2-40B4-BE49-F238E27FC236}">
+                    <a16:creationId xmlns:a16="http://schemas.microsoft.com/office/drawing/2014/main" id="{B78CD179-DA66-479C-84EF-9822540B8B77}"/>
+                  </a:ext>
+                </a:extLst>
+              </p:cNvPr>
+              <p:cNvSpPr/>
+              <p:nvPr/>
+            </p:nvSpPr>
+            <p:spPr>
+              <a:xfrm>
+                <a:off x="3488871" y="2942096"/>
+                <a:ext cx="114300" cy="114300"/>
+              </a:xfrm>
+              <a:prstGeom prst="rect">
+                <a:avLst/>
+              </a:prstGeom>
+              <a:grpFill/>
+              <a:ln w="12700" cap="flat" cmpd="sng" algn="ctr">
+                <a:solidFill>
+                  <a:sysClr val="windowText" lastClr="000000"/>
+                </a:solidFill>
+                <a:prstDash val="solid"/>
+                <a:miter lim="800000"/>
+              </a:ln>
+              <a:effectLst/>
+            </p:spPr>
+            <p:txBody>
+              <a:bodyPr rtlCol="0" anchor="ctr"/>
+              <a:lstStyle/>
+              <a:p>
+                <a:pPr marL="0" marR="0" lvl="0" indent="0" algn="ctr" defTabSz="457200" eaLnBrk="1" fontAlgn="auto" latinLnBrk="0" hangingPunct="1">
+                  <a:lnSpc>
+                    <a:spcPct val="100000"/>
+                  </a:lnSpc>
+                  <a:spcBef>
+                    <a:spcPts val="0"/>
+                  </a:spcBef>
+                  <a:spcAft>
+                    <a:spcPts val="0"/>
+                  </a:spcAft>
+                  <a:buClrTx/>
+                  <a:buSzTx/>
+                  <a:buFontTx/>
+                  <a:buNone/>
+                  <a:tabLst/>
+                  <a:defRPr/>
+                </a:pPr>
+                <a:endParaRPr kumimoji="0" lang="en-AU" sz="1800" b="0" i="0" u="none" strike="noStrike" kern="0" cap="none" spc="0" normalizeH="0" baseline="0" noProof="0" dirty="0">
+                  <a:ln>
+                    <a:noFill/>
+                  </a:ln>
+                  <a:solidFill>
+                    <a:prstClr val="white"/>
+                  </a:solidFill>
+                  <a:effectLst/>
+                  <a:uLnTx/>
+                  <a:uFillTx/>
+                  <a:latin typeface="Calibri" panose="020F0502020204030204"/>
+                  <a:ea typeface="+mn-ea"/>
+                  <a:cs typeface="+mn-cs"/>
+                </a:endParaRPr>
+              </a:p>
+            </p:txBody>
+          </p:sp>
+          <p:sp>
+            <p:nvSpPr>
+              <p:cNvPr id="101" name="Rectangle 100">
+                <a:extLst>
+                  <a:ext uri="{FF2B5EF4-FFF2-40B4-BE49-F238E27FC236}">
+                    <a16:creationId xmlns:a16="http://schemas.microsoft.com/office/drawing/2014/main" id="{FF80061F-3105-4583-8990-7873CCFD6272}"/>
+                  </a:ext>
+                </a:extLst>
+              </p:cNvPr>
+              <p:cNvSpPr/>
+              <p:nvPr/>
+            </p:nvSpPr>
+            <p:spPr>
+              <a:xfrm>
+                <a:off x="3603171" y="2942096"/>
+                <a:ext cx="114300" cy="114300"/>
+              </a:xfrm>
+              <a:prstGeom prst="rect">
+                <a:avLst/>
+              </a:prstGeom>
+              <a:grpFill/>
+              <a:ln w="12700" cap="flat" cmpd="sng" algn="ctr">
+                <a:solidFill>
+                  <a:sysClr val="windowText" lastClr="000000"/>
+                </a:solidFill>
+                <a:prstDash val="solid"/>
+                <a:miter lim="800000"/>
+              </a:ln>
+              <a:effectLst/>
+            </p:spPr>
+            <p:txBody>
+              <a:bodyPr rtlCol="0" anchor="ctr"/>
+              <a:lstStyle/>
+              <a:p>
+                <a:pPr marL="0" marR="0" lvl="0" indent="0" algn="ctr" defTabSz="457200" eaLnBrk="1" fontAlgn="auto" latinLnBrk="0" hangingPunct="1">
+                  <a:lnSpc>
+                    <a:spcPct val="100000"/>
+                  </a:lnSpc>
+                  <a:spcBef>
+                    <a:spcPts val="0"/>
+                  </a:spcBef>
+                  <a:spcAft>
+                    <a:spcPts val="0"/>
+                  </a:spcAft>
+                  <a:buClrTx/>
+                  <a:buSzTx/>
+                  <a:buFontTx/>
+                  <a:buNone/>
+                  <a:tabLst/>
+                  <a:defRPr/>
+                </a:pPr>
+                <a:endParaRPr kumimoji="0" lang="en-AU" sz="1800" b="0" i="0" u="none" strike="noStrike" kern="0" cap="none" spc="0" normalizeH="0" baseline="0" noProof="0" dirty="0">
+                  <a:ln>
+                    <a:noFill/>
+                  </a:ln>
+                  <a:solidFill>
+                    <a:prstClr val="white"/>
+                  </a:solidFill>
+                  <a:effectLst/>
+                  <a:uLnTx/>
+                  <a:uFillTx/>
+                  <a:latin typeface="Calibri" panose="020F0502020204030204"/>
+                  <a:ea typeface="+mn-ea"/>
+                  <a:cs typeface="+mn-cs"/>
+                </a:endParaRPr>
+              </a:p>
+            </p:txBody>
+          </p:sp>
+        </p:grpSp>
+        <p:cxnSp>
+          <p:nvCxnSpPr>
+            <p:cNvPr id="90" name="Straight Arrow Connector 89">
+              <a:extLst>
+                <a:ext uri="{FF2B5EF4-FFF2-40B4-BE49-F238E27FC236}">
+                  <a16:creationId xmlns:a16="http://schemas.microsoft.com/office/drawing/2014/main" id="{8E543F20-D4E2-45DE-A609-3B1A3AF75F3B}"/>
+                </a:ext>
+              </a:extLst>
+            </p:cNvPr>
+            <p:cNvCxnSpPr>
+              <a:cxnSpLocks/>
+              <a:stCxn id="99" idx="2"/>
+              <a:endCxn id="156" idx="0"/>
+            </p:cNvCxnSpPr>
+            <p:nvPr/>
+          </p:nvCxnSpPr>
+          <p:spPr>
+            <a:xfrm>
+              <a:off x="2561429" y="1021463"/>
+              <a:ext cx="0" cy="405950"/>
+            </a:xfrm>
+            <a:prstGeom prst="straightConnector1">
+              <a:avLst/>
+            </a:prstGeom>
+            <a:noFill/>
+            <a:ln w="12700" cap="flat" cmpd="sng" algn="ctr">
+              <a:solidFill>
+                <a:sysClr val="windowText" lastClr="000000"/>
+              </a:solidFill>
+              <a:prstDash val="solid"/>
+              <a:miter lim="800000"/>
+              <a:headEnd type="triangle" w="med" len="med"/>
+              <a:tailEnd type="none" w="med" len="med"/>
+            </a:ln>
+            <a:effectLst/>
+          </p:spPr>
+        </p:cxnSp>
+        <p:cxnSp>
+          <p:nvCxnSpPr>
+            <p:cNvPr id="91" name="Straight Arrow Connector 90">
+              <a:extLst>
+                <a:ext uri="{FF2B5EF4-FFF2-40B4-BE49-F238E27FC236}">
+                  <a16:creationId xmlns:a16="http://schemas.microsoft.com/office/drawing/2014/main" id="{8E339A89-4F01-4D98-961F-65AE944990B6}"/>
+                </a:ext>
+              </a:extLst>
+            </p:cNvPr>
+            <p:cNvCxnSpPr>
+              <a:cxnSpLocks/>
+              <a:stCxn id="98" idx="2"/>
+              <a:endCxn id="155" idx="0"/>
+            </p:cNvCxnSpPr>
+            <p:nvPr/>
+          </p:nvCxnSpPr>
+          <p:spPr>
+            <a:xfrm>
+              <a:off x="2447129" y="1021463"/>
+              <a:ext cx="0" cy="405950"/>
+            </a:xfrm>
+            <a:prstGeom prst="straightConnector1">
+              <a:avLst/>
+            </a:prstGeom>
+            <a:noFill/>
+            <a:ln w="12700" cap="flat" cmpd="sng" algn="ctr">
+              <a:solidFill>
+                <a:sysClr val="windowText" lastClr="000000"/>
+              </a:solidFill>
+              <a:prstDash val="solid"/>
+              <a:miter lim="800000"/>
+              <a:headEnd type="none" w="med" len="med"/>
+              <a:tailEnd type="triangle" w="med" len="med"/>
+            </a:ln>
+            <a:effectLst/>
+          </p:spPr>
+        </p:cxnSp>
+        <p:grpSp>
+          <p:nvGrpSpPr>
+            <p:cNvPr id="92" name="Group 91">
+              <a:extLst>
+                <a:ext uri="{FF2B5EF4-FFF2-40B4-BE49-F238E27FC236}">
+                  <a16:creationId xmlns:a16="http://schemas.microsoft.com/office/drawing/2014/main" id="{F009668B-E7E7-4D71-B984-18885B12F37F}"/>
+                </a:ext>
+              </a:extLst>
+            </p:cNvPr>
+            <p:cNvGrpSpPr/>
+            <p:nvPr/>
+          </p:nvGrpSpPr>
+          <p:grpSpPr>
+            <a:xfrm>
+              <a:off x="2389979" y="907163"/>
+              <a:ext cx="228600" cy="114300"/>
+              <a:chOff x="3488871" y="2942096"/>
+              <a:chExt cx="228600" cy="114300"/>
+            </a:xfrm>
+            <a:solidFill>
+              <a:sysClr val="window" lastClr="FFFFFF"/>
+            </a:solidFill>
+          </p:grpSpPr>
+          <p:sp>
+            <p:nvSpPr>
+              <p:cNvPr id="98" name="Rectangle 97">
+                <a:extLst>
+                  <a:ext uri="{FF2B5EF4-FFF2-40B4-BE49-F238E27FC236}">
+                    <a16:creationId xmlns:a16="http://schemas.microsoft.com/office/drawing/2014/main" id="{EFF2B524-1559-46EF-9965-F66302E88A15}"/>
+                  </a:ext>
+                </a:extLst>
+              </p:cNvPr>
+              <p:cNvSpPr/>
+              <p:nvPr/>
+            </p:nvSpPr>
+            <p:spPr>
+              <a:xfrm>
+                <a:off x="3488871" y="2942096"/>
+                <a:ext cx="114300" cy="114300"/>
+              </a:xfrm>
+              <a:prstGeom prst="rect">
+                <a:avLst/>
+              </a:prstGeom>
+              <a:grpFill/>
+              <a:ln w="12700" cap="flat" cmpd="sng" algn="ctr">
+                <a:solidFill>
+                  <a:sysClr val="windowText" lastClr="000000"/>
+                </a:solidFill>
+                <a:prstDash val="solid"/>
+                <a:miter lim="800000"/>
+              </a:ln>
+              <a:effectLst/>
+            </p:spPr>
+            <p:txBody>
+              <a:bodyPr rtlCol="0" anchor="ctr"/>
+              <a:lstStyle/>
+              <a:p>
+                <a:pPr marL="0" marR="0" lvl="0" indent="0" algn="ctr" defTabSz="457200" eaLnBrk="1" fontAlgn="auto" latinLnBrk="0" hangingPunct="1">
+                  <a:lnSpc>
+                    <a:spcPct val="100000"/>
+                  </a:lnSpc>
+                  <a:spcBef>
+                    <a:spcPts val="0"/>
+                  </a:spcBef>
+                  <a:spcAft>
+                    <a:spcPts val="0"/>
+                  </a:spcAft>
+                  <a:buClrTx/>
+                  <a:buSzTx/>
+                  <a:buFontTx/>
+                  <a:buNone/>
+                  <a:tabLst/>
+                  <a:defRPr/>
+                </a:pPr>
+                <a:endParaRPr kumimoji="0" lang="en-AU" sz="1800" b="0" i="0" u="none" strike="noStrike" kern="0" cap="none" spc="0" normalizeH="0" baseline="0" noProof="0" dirty="0">
+                  <a:ln>
+                    <a:noFill/>
+                  </a:ln>
+                  <a:solidFill>
+                    <a:prstClr val="white"/>
+                  </a:solidFill>
+                  <a:effectLst/>
+                  <a:uLnTx/>
+                  <a:uFillTx/>
+                  <a:latin typeface="Calibri" panose="020F0502020204030204"/>
+                  <a:ea typeface="+mn-ea"/>
+                  <a:cs typeface="+mn-cs"/>
+                </a:endParaRPr>
+              </a:p>
+            </p:txBody>
+          </p:sp>
+          <p:sp>
+            <p:nvSpPr>
+              <p:cNvPr id="99" name="Rectangle 98">
+                <a:extLst>
+                  <a:ext uri="{FF2B5EF4-FFF2-40B4-BE49-F238E27FC236}">
+                    <a16:creationId xmlns:a16="http://schemas.microsoft.com/office/drawing/2014/main" id="{6E885247-8DA3-40C9-94D3-6C1B6FDDC7A8}"/>
+                  </a:ext>
+                </a:extLst>
+              </p:cNvPr>
+              <p:cNvSpPr/>
+              <p:nvPr/>
+            </p:nvSpPr>
+            <p:spPr>
+              <a:xfrm>
+                <a:off x="3603171" y="2942096"/>
+                <a:ext cx="114300" cy="114300"/>
+              </a:xfrm>
+              <a:prstGeom prst="rect">
+                <a:avLst/>
+              </a:prstGeom>
+              <a:grpFill/>
+              <a:ln w="12700" cap="flat" cmpd="sng" algn="ctr">
+                <a:solidFill>
+                  <a:sysClr val="windowText" lastClr="000000"/>
+                </a:solidFill>
+                <a:prstDash val="solid"/>
+                <a:miter lim="800000"/>
+              </a:ln>
+              <a:effectLst/>
+            </p:spPr>
+            <p:txBody>
+              <a:bodyPr rtlCol="0" anchor="ctr"/>
+              <a:lstStyle/>
+              <a:p>
+                <a:pPr marL="0" marR="0" lvl="0" indent="0" algn="ctr" defTabSz="457200" eaLnBrk="1" fontAlgn="auto" latinLnBrk="0" hangingPunct="1">
+                  <a:lnSpc>
+                    <a:spcPct val="100000"/>
+                  </a:lnSpc>
+                  <a:spcBef>
+                    <a:spcPts val="0"/>
+                  </a:spcBef>
+                  <a:spcAft>
+                    <a:spcPts val="0"/>
+                  </a:spcAft>
+                  <a:buClrTx/>
+                  <a:buSzTx/>
+                  <a:buFontTx/>
+                  <a:buNone/>
+                  <a:tabLst/>
+                  <a:defRPr/>
+                </a:pPr>
+                <a:endParaRPr kumimoji="0" lang="en-AU" sz="1800" b="0" i="0" u="none" strike="noStrike" kern="0" cap="none" spc="0" normalizeH="0" baseline="0" noProof="0" dirty="0">
+                  <a:ln>
+                    <a:noFill/>
+                  </a:ln>
+                  <a:solidFill>
+                    <a:prstClr val="white"/>
+                  </a:solidFill>
+                  <a:effectLst/>
+                  <a:uLnTx/>
+                  <a:uFillTx/>
+                  <a:latin typeface="Calibri" panose="020F0502020204030204"/>
+                  <a:ea typeface="+mn-ea"/>
+                  <a:cs typeface="+mn-cs"/>
+                </a:endParaRPr>
+              </a:p>
+            </p:txBody>
+          </p:sp>
+        </p:grpSp>
+        <p:sp>
+          <p:nvSpPr>
+            <p:cNvPr id="93" name="TextBox 92">
+              <a:extLst>
+                <a:ext uri="{FF2B5EF4-FFF2-40B4-BE49-F238E27FC236}">
+                  <a16:creationId xmlns:a16="http://schemas.microsoft.com/office/drawing/2014/main" id="{F9E092E6-DEA0-4D40-81EC-BCE10ED48CC3}"/>
+                </a:ext>
+              </a:extLst>
+            </p:cNvPr>
+            <p:cNvSpPr txBox="1"/>
+            <p:nvPr/>
+          </p:nvSpPr>
+          <p:spPr>
+            <a:xfrm>
+              <a:off x="1903525" y="798749"/>
+              <a:ext cx="1201508" cy="222714"/>
+            </a:xfrm>
+            <a:prstGeom prst="rect">
+              <a:avLst/>
+            </a:prstGeom>
+            <a:solidFill>
+              <a:sysClr val="window" lastClr="FFFFFF"/>
+            </a:solidFill>
+            <a:ln w="12700" cap="flat" cmpd="sng" algn="ctr">
+              <a:solidFill>
+                <a:sysClr val="windowText" lastClr="000000"/>
+              </a:solidFill>
+              <a:prstDash val="solid"/>
+              <a:miter lim="800000"/>
+            </a:ln>
+            <a:effectLst/>
+          </p:spPr>
+          <p:txBody>
+            <a:bodyPr wrap="none" lIns="3600" tIns="3600" rIns="3600" bIns="3600" rtlCol="0" anchor="ctr" anchorCtr="1">
+              <a:spAutoFit/>
+            </a:bodyPr>
+            <a:lstStyle/>
+            <a:p>
+              <a:pPr marL="0" marR="0" lvl="0" indent="0" algn="ctr" defTabSz="457200" eaLnBrk="1" fontAlgn="auto" latinLnBrk="0" hangingPunct="1">
+                <a:lnSpc>
+                  <a:spcPct val="100000"/>
+                </a:lnSpc>
+                <a:spcBef>
+                  <a:spcPts val="0"/>
+                </a:spcBef>
+                <a:spcAft>
+                  <a:spcPts val="0"/>
+                </a:spcAft>
+                <a:buClrTx/>
+                <a:buSzTx/>
+                <a:buFontTx/>
+                <a:buNone/>
+                <a:tabLst/>
+                <a:defRPr/>
+              </a:pPr>
+              <a:r>
+                <a:rPr kumimoji="0" lang="en-US" sz="1400" b="0" i="0" u="none" strike="noStrike" kern="0" cap="none" spc="0" normalizeH="0" baseline="0" noProof="0" dirty="0">
+                  <a:ln>
+                    <a:noFill/>
+                  </a:ln>
+                  <a:solidFill>
+                    <a:prstClr val="black"/>
+                  </a:solidFill>
+                  <a:effectLst/>
+                  <a:uLnTx/>
+                  <a:uFillTx/>
+                  <a:latin typeface="Helvetica Neue"/>
+                  <a:ea typeface="+mn-ea"/>
+                  <a:cs typeface="Helvetica Neue" charset="0"/>
+                </a:rPr>
+                <a:t>Next Controller</a:t>
+              </a:r>
+            </a:p>
+          </p:txBody>
+        </p:sp>
+        <p:sp>
+          <p:nvSpPr>
+            <p:cNvPr id="94" name="TextBox 93">
+              <a:extLst>
+                <a:ext uri="{FF2B5EF4-FFF2-40B4-BE49-F238E27FC236}">
+                  <a16:creationId xmlns:a16="http://schemas.microsoft.com/office/drawing/2014/main" id="{E19322F8-0520-4E1E-A01D-E152BB262CD5}"/>
+                </a:ext>
+              </a:extLst>
+            </p:cNvPr>
+            <p:cNvSpPr txBox="1"/>
+            <p:nvPr/>
+          </p:nvSpPr>
+          <p:spPr>
+            <a:xfrm>
+              <a:off x="17889" y="798749"/>
+              <a:ext cx="1530123" cy="222714"/>
+            </a:xfrm>
+            <a:prstGeom prst="rect">
+              <a:avLst/>
+            </a:prstGeom>
+            <a:solidFill>
+              <a:sysClr val="window" lastClr="FFFFFF"/>
+            </a:solidFill>
+            <a:ln w="12700" cap="flat" cmpd="sng" algn="ctr">
+              <a:solidFill>
+                <a:sysClr val="windowText" lastClr="000000"/>
+              </a:solidFill>
+              <a:prstDash val="solid"/>
+              <a:miter lim="800000"/>
+            </a:ln>
+            <a:effectLst/>
+          </p:spPr>
+          <p:txBody>
+            <a:bodyPr wrap="none" lIns="3600" tIns="3600" rIns="3600" bIns="3600" rtlCol="0" anchor="ctr" anchorCtr="1">
+              <a:spAutoFit/>
+            </a:bodyPr>
+            <a:lstStyle/>
+            <a:p>
+              <a:pPr marL="0" marR="0" lvl="0" indent="0" algn="ctr" defTabSz="457200" eaLnBrk="1" fontAlgn="auto" latinLnBrk="0" hangingPunct="1">
+                <a:lnSpc>
+                  <a:spcPct val="100000"/>
+                </a:lnSpc>
+                <a:spcBef>
+                  <a:spcPts val="0"/>
+                </a:spcBef>
+                <a:spcAft>
+                  <a:spcPts val="0"/>
+                </a:spcAft>
+                <a:buClrTx/>
+                <a:buSzTx/>
+                <a:buFontTx/>
+                <a:buNone/>
+                <a:tabLst/>
+                <a:defRPr/>
+              </a:pPr>
+              <a:r>
+                <a:rPr kumimoji="0" lang="en-US" sz="1400" b="0" i="0" u="none" strike="noStrike" kern="0" cap="none" spc="0" normalizeH="0" baseline="0" noProof="0" dirty="0">
+                  <a:ln>
+                    <a:noFill/>
+                  </a:ln>
+                  <a:solidFill>
+                    <a:prstClr val="black"/>
+                  </a:solidFill>
+                  <a:effectLst/>
+                  <a:uLnTx/>
+                  <a:uFillTx/>
+                  <a:latin typeface="Helvetica Neue"/>
+                  <a:ea typeface="+mn-ea"/>
+                  <a:cs typeface="Helvetica Neue" charset="0"/>
+                </a:rPr>
+                <a:t>Previous Controller</a:t>
+              </a:r>
+              <a:endParaRPr kumimoji="0" lang="en-AU" sz="1400" b="0" i="0" u="none" strike="noStrike" kern="0" cap="none" spc="0" normalizeH="0" baseline="0" noProof="0" dirty="0">
+                <a:ln>
+                  <a:noFill/>
+                </a:ln>
+                <a:solidFill>
+                  <a:prstClr val="black"/>
+                </a:solidFill>
+                <a:effectLst/>
+                <a:uLnTx/>
+                <a:uFillTx/>
+                <a:latin typeface="Helvetica Neue"/>
+                <a:ea typeface="+mn-ea"/>
+                <a:cs typeface="+mn-cs"/>
+              </a:endParaRPr>
+            </a:p>
+          </p:txBody>
+        </p:sp>
+        <p:sp>
+          <p:nvSpPr>
+            <p:cNvPr id="95" name="TextBox 94">
+              <a:extLst>
+                <a:ext uri="{FF2B5EF4-FFF2-40B4-BE49-F238E27FC236}">
+                  <a16:creationId xmlns:a16="http://schemas.microsoft.com/office/drawing/2014/main" id="{B28C55BE-5B07-4AED-AC79-6B9170C19A6D}"/>
+                </a:ext>
+              </a:extLst>
+            </p:cNvPr>
+            <p:cNvSpPr txBox="1"/>
+            <p:nvPr/>
+          </p:nvSpPr>
+          <p:spPr>
+            <a:xfrm>
+              <a:off x="46487" y="1135910"/>
+              <a:ext cx="1472928" cy="191936"/>
+            </a:xfrm>
+            <a:prstGeom prst="rect">
+              <a:avLst/>
+            </a:prstGeom>
+            <a:solidFill>
+              <a:sysClr val="window" lastClr="FFFFFF"/>
+            </a:solidFill>
+            <a:ln w="19050" cap="flat" cmpd="sng" algn="ctr">
+              <a:noFill/>
+              <a:prstDash val="solid"/>
+              <a:miter lim="800000"/>
+            </a:ln>
+            <a:effectLst/>
+          </p:spPr>
+          <p:txBody>
+            <a:bodyPr wrap="square" lIns="3600" tIns="3600" rIns="3600" bIns="3600" rtlCol="0" anchor="ctr" anchorCtr="1">
+              <a:spAutoFit/>
+            </a:bodyPr>
+            <a:lstStyle/>
+            <a:p>
+              <a:pPr marL="0" marR="0" lvl="0" indent="0" algn="ctr" defTabSz="457200" eaLnBrk="1" fontAlgn="auto" latinLnBrk="0" hangingPunct="1">
+                <a:lnSpc>
+                  <a:spcPct val="100000"/>
+                </a:lnSpc>
+                <a:spcBef>
+                  <a:spcPts val="0"/>
+                </a:spcBef>
+                <a:spcAft>
+                  <a:spcPts val="0"/>
+                </a:spcAft>
+                <a:buClrTx/>
+                <a:buSzTx/>
+                <a:buFontTx/>
+                <a:buNone/>
+                <a:tabLst/>
+                <a:defRPr/>
+              </a:pPr>
+              <a:r>
+                <a:rPr kumimoji="0" lang="en-AU" sz="1200" b="0" i="1" u="none" strike="noStrike" kern="0" cap="none" spc="0" normalizeH="0" baseline="0" noProof="0" dirty="0">
+                  <a:ln>
+                    <a:noFill/>
+                  </a:ln>
+                  <a:solidFill>
+                    <a:prstClr val="black"/>
+                  </a:solidFill>
+                  <a:effectLst/>
+                  <a:uLnTx/>
+                  <a:uFillTx/>
+                  <a:latin typeface="Helvetica Neue"/>
+                  <a:ea typeface="+mn-ea"/>
+                  <a:cs typeface="+mn-cs"/>
+                </a:rPr>
+                <a:t>UART [Baud 9600]</a:t>
+              </a:r>
+            </a:p>
+          </p:txBody>
+        </p:sp>
+        <p:sp>
+          <p:nvSpPr>
+            <p:cNvPr id="96" name="TextBox 95">
+              <a:extLst>
+                <a:ext uri="{FF2B5EF4-FFF2-40B4-BE49-F238E27FC236}">
+                  <a16:creationId xmlns:a16="http://schemas.microsoft.com/office/drawing/2014/main" id="{24AE4ABB-727A-47D9-B520-007B91519CF0}"/>
+                </a:ext>
+              </a:extLst>
+            </p:cNvPr>
+            <p:cNvSpPr txBox="1"/>
+            <p:nvPr/>
+          </p:nvSpPr>
+          <p:spPr>
+            <a:xfrm>
+              <a:off x="1717740" y="1135910"/>
+              <a:ext cx="1572309" cy="191936"/>
+            </a:xfrm>
+            <a:prstGeom prst="rect">
+              <a:avLst/>
+            </a:prstGeom>
+            <a:solidFill>
+              <a:sysClr val="window" lastClr="FFFFFF"/>
+            </a:solidFill>
+            <a:ln w="19050" cap="flat" cmpd="sng" algn="ctr">
+              <a:noFill/>
+              <a:prstDash val="solid"/>
+              <a:miter lim="800000"/>
+            </a:ln>
+            <a:effectLst/>
+          </p:spPr>
+          <p:txBody>
+            <a:bodyPr wrap="square" lIns="3600" tIns="3600" rIns="3600" bIns="3600" rtlCol="0" anchor="ctr" anchorCtr="1">
+              <a:spAutoFit/>
+            </a:bodyPr>
+            <a:lstStyle/>
+            <a:p>
+              <a:pPr marL="0" marR="0" lvl="0" indent="0" algn="ctr" defTabSz="457200" eaLnBrk="1" fontAlgn="auto" latinLnBrk="0" hangingPunct="1">
+                <a:lnSpc>
+                  <a:spcPct val="100000"/>
+                </a:lnSpc>
+                <a:spcBef>
+                  <a:spcPts val="0"/>
+                </a:spcBef>
+                <a:spcAft>
+                  <a:spcPts val="0"/>
+                </a:spcAft>
+                <a:buClrTx/>
+                <a:buSzTx/>
+                <a:buFontTx/>
+                <a:buNone/>
+                <a:tabLst/>
+                <a:defRPr/>
+              </a:pPr>
+              <a:r>
+                <a:rPr kumimoji="0" lang="en-AU" sz="1200" b="0" i="1" u="none" strike="noStrike" kern="0" cap="none" spc="0" normalizeH="0" baseline="0" noProof="0" dirty="0">
+                  <a:ln>
+                    <a:noFill/>
+                  </a:ln>
+                  <a:solidFill>
+                    <a:prstClr val="black"/>
+                  </a:solidFill>
+                  <a:effectLst/>
+                  <a:uLnTx/>
+                  <a:uFillTx/>
+                  <a:latin typeface="Helvetica Neue"/>
+                  <a:ea typeface="+mn-ea"/>
+                  <a:cs typeface="+mn-cs"/>
+                </a:rPr>
+                <a:t>UART [Baud 9600]</a:t>
+              </a:r>
+            </a:p>
+          </p:txBody>
+        </p:sp>
+        <p:sp>
+          <p:nvSpPr>
+            <p:cNvPr id="97" name="TextBox 96">
+              <a:extLst>
+                <a:ext uri="{FF2B5EF4-FFF2-40B4-BE49-F238E27FC236}">
+                  <a16:creationId xmlns:a16="http://schemas.microsoft.com/office/drawing/2014/main" id="{EDEB6BE1-44D2-452C-8E25-F8F3B88B69E4}"/>
+                </a:ext>
+              </a:extLst>
+            </p:cNvPr>
+            <p:cNvSpPr txBox="1"/>
+            <p:nvPr/>
+          </p:nvSpPr>
+          <p:spPr>
+            <a:xfrm>
+              <a:off x="1514083" y="3330529"/>
+              <a:ext cx="715242" cy="376602"/>
+            </a:xfrm>
+            <a:prstGeom prst="rect">
+              <a:avLst/>
+            </a:prstGeom>
+            <a:solidFill>
+              <a:sysClr val="window" lastClr="FFFFFF"/>
+            </a:solidFill>
+            <a:ln w="19050" cap="flat" cmpd="sng" algn="ctr">
+              <a:noFill/>
+              <a:prstDash val="solid"/>
+              <a:miter lim="800000"/>
+            </a:ln>
+            <a:effectLst/>
+          </p:spPr>
+          <p:txBody>
+            <a:bodyPr wrap="square" lIns="3600" tIns="3600" rIns="3600" bIns="3600" rtlCol="0" anchor="ctr" anchorCtr="1">
+              <a:spAutoFit/>
+            </a:bodyPr>
+            <a:lstStyle/>
+            <a:p>
+              <a:pPr marL="0" marR="0" lvl="0" indent="0" algn="ctr" defTabSz="457200" eaLnBrk="1" fontAlgn="auto" latinLnBrk="0" hangingPunct="1">
+                <a:lnSpc>
+                  <a:spcPct val="100000"/>
+                </a:lnSpc>
+                <a:spcBef>
+                  <a:spcPts val="0"/>
+                </a:spcBef>
+                <a:spcAft>
+                  <a:spcPts val="0"/>
+                </a:spcAft>
+                <a:buClrTx/>
+                <a:buSzTx/>
+                <a:buFontTx/>
+                <a:buNone/>
+                <a:tabLst/>
+                <a:defRPr/>
+              </a:pPr>
+              <a:r>
+                <a:rPr kumimoji="0" lang="en-AU" sz="1200" b="0" i="1" u="none" strike="noStrike" kern="0" cap="none" spc="0" normalizeH="0" baseline="0" noProof="0" dirty="0">
+                  <a:ln>
+                    <a:noFill/>
+                  </a:ln>
+                  <a:solidFill>
+                    <a:srgbClr val="4472C4"/>
+                  </a:solidFill>
+                  <a:effectLst/>
+                  <a:uLnTx/>
+                  <a:uFillTx/>
+                  <a:latin typeface="Helvetica Neue"/>
+                  <a:ea typeface="+mn-ea"/>
+                  <a:cs typeface="+mn-cs"/>
+                </a:rPr>
+                <a:t>Messages [ASCII]</a:t>
+              </a:r>
+            </a:p>
+          </p:txBody>
+        </p:sp>
+      </p:grpSp>
     </p:spTree>
   </p:cSld>
   <p:clrMapOvr>

--- a/Demo Poster/Demo_Poster_SMW43219667.pptx
+++ b/Demo Poster/Demo_Poster_SMW43219667.pptx
@@ -253,7 +253,7 @@
               <a:pPr>
                 <a:defRPr/>
               </a:pPr>
-              <a:t>5/20/2018</a:t>
+              <a:t>5/21/2018</a:t>
             </a:fld>
             <a:endParaRPr lang="en-US" dirty="0"/>
           </a:p>
@@ -853,7 +853,7 @@
               <a:pPr>
                 <a:defRPr/>
               </a:pPr>
-              <a:t>5/20/2018</a:t>
+              <a:t>5/21/2018</a:t>
             </a:fld>
             <a:endParaRPr lang="en-US" dirty="0"/>
           </a:p>
@@ -1879,7 +1879,7 @@
               <a:pPr>
                 <a:defRPr/>
               </a:pPr>
-              <a:t>5/20/2018</a:t>
+              <a:t>5/21/2018</a:t>
             </a:fld>
             <a:endParaRPr lang="en-US" dirty="0"/>
           </a:p>
@@ -2520,12 +2520,6 @@
               </a:rPr>
               <a:t>A wearable machine used to augment the pilot’s physicality.</a:t>
             </a:r>
-            <a:endParaRPr lang="en-AU" dirty="0">
-              <a:latin typeface="Helvetica Neue" charset="0"/>
-              <a:cs typeface="Helvetica Neue" charset="0"/>
-            </a:endParaRPr>
-          </a:p>
-          <a:p>
             <a:endParaRPr lang="en-AU" b="1" dirty="0">
               <a:latin typeface="Helvetica Neue" charset="0"/>
             </a:endParaRPr>
@@ -2551,7 +2545,7 @@
               <a:rPr lang="en-AU" b="1" dirty="0">
                 <a:latin typeface="Helvetica Neue" charset="0"/>
               </a:rPr>
-              <a:t>Control can be accomplished by maintaining a constant offset between the suit and pilot.</a:t>
+              <a:t>Control can be accomplished by maintaining a constant offset between an exoskeleton and pilot.</a:t>
             </a:r>
           </a:p>
           <a:p>
@@ -2583,7 +2577,7 @@
               <a:rPr lang="en-AU" dirty="0">
                 <a:latin typeface="Helvetica Neue" charset="0"/>
               </a:rPr>
-              <a:t>Movement (walking)</a:t>
+              <a:t>Realtime movement (walking)</a:t>
             </a:r>
           </a:p>
           <a:p>
@@ -2603,7 +2597,7 @@
               <a:rPr lang="en-AU" dirty="0">
                 <a:latin typeface="Helvetica Neue" charset="0"/>
               </a:rPr>
-              <a:t>Accomplished by measuring and controlling the:</a:t>
+              <a:t>These actions may be accomplished by measuring and/or controlling the:</a:t>
             </a:r>
           </a:p>
           <a:p>
@@ -2641,8 +2635,6 @@
               </a:rPr>
               <a:t>actuator position and torque.</a:t>
             </a:r>
-          </a:p>
-          <a:p>
             <a:endParaRPr lang="en-AU" b="1" dirty="0">
               <a:latin typeface="Helvetica Neue" charset="0"/>
             </a:endParaRPr>
@@ -2661,7 +2653,7 @@
                 <a:latin typeface="Helvetica Neue" charset="0"/>
                 <a:cs typeface="Helvetica Neue" charset="0"/>
               </a:rPr>
-              <a:t>Creation of a lower extremity exoskeleton to demonstrate functionality. </a:t>
+              <a:t>Scope limited to the creation of the perception and control systems of a lower extremity exoskeleton.</a:t>
             </a:r>
           </a:p>
           <a:p>
@@ -2670,7 +2662,47 @@
                 <a:latin typeface="Helvetica Neue" charset="0"/>
                 <a:cs typeface="Helvetica Neue" charset="0"/>
               </a:rPr>
-              <a:t>Scope limited to perception and control.</a:t>
+              <a:t>Perception systems to measure:</a:t>
+            </a:r>
+          </a:p>
+          <a:p>
+            <a:pPr marL="285750" indent="-285750">
+              <a:buFont typeface="Arial" panose="020B0604020202020204" pitchFamily="34" charset="0"/>
+              <a:buChar char="•"/>
+            </a:pPr>
+            <a:r>
+              <a:rPr lang="en-AU" b="1" dirty="0">
+                <a:latin typeface="Helvetica Neue" charset="0"/>
+                <a:cs typeface="Helvetica Neue" charset="0"/>
+              </a:rPr>
+              <a:t>Force output </a:t>
+            </a:r>
+            <a:r>
+              <a:rPr lang="en-AU" dirty="0">
+                <a:latin typeface="Helvetica Neue" charset="0"/>
+                <a:cs typeface="Helvetica Neue" charset="0"/>
+              </a:rPr>
+              <a:t>of pilot and suit;</a:t>
+            </a:r>
+          </a:p>
+          <a:p>
+            <a:pPr marL="285750" indent="-285750">
+              <a:buFont typeface="Arial" panose="020B0604020202020204" pitchFamily="34" charset="0"/>
+              <a:buChar char="•"/>
+            </a:pPr>
+            <a:r>
+              <a:rPr lang="en-AU" b="1" dirty="0">
+                <a:latin typeface="Helvetica Neue" charset="0"/>
+                <a:cs typeface="Helvetica Neue" charset="0"/>
+              </a:rPr>
+              <a:t>Relative position </a:t>
+            </a:r>
+            <a:r>
+              <a:rPr lang="en-AU" dirty="0">
+                <a:latin typeface="Helvetica Neue" charset="0"/>
+                <a:cs typeface="Helvetica Neue" charset="0"/>
+              </a:rPr>
+              <a:t>of pilot to suit; &amp;,</a:t>
             </a:r>
           </a:p>
           <a:p>
@@ -2679,72 +2711,22 @@
                 <a:latin typeface="Helvetica Neue" charset="0"/>
                 <a:cs typeface="Helvetica Neue" charset="0"/>
               </a:rPr>
-              <a:t>System to measure </a:t>
+              <a:t>Control systems to </a:t>
             </a:r>
             <a:r>
               <a:rPr lang="en-AU" b="1" dirty="0">
                 <a:latin typeface="Helvetica Neue" charset="0"/>
                 <a:cs typeface="Helvetica Neue" charset="0"/>
               </a:rPr>
-              <a:t>suit force</a:t>
+              <a:t>determine torque </a:t>
             </a:r>
             <a:r>
               <a:rPr lang="en-AU" dirty="0">
                 <a:latin typeface="Helvetica Neue" charset="0"/>
                 <a:cs typeface="Helvetica Neue" charset="0"/>
               </a:rPr>
-              <a:t>, and </a:t>
+              <a:t>to maintain concentric offset from pilot.</a:t>
             </a:r>
-            <a:r>
-              <a:rPr lang="en-AU" b="1" dirty="0">
-                <a:latin typeface="Helvetica Neue" charset="0"/>
-                <a:cs typeface="Helvetica Neue" charset="0"/>
-              </a:rPr>
-              <a:t>pilot force</a:t>
-            </a:r>
-            <a:r>
-              <a:rPr lang="en-AU" dirty="0">
-                <a:latin typeface="Helvetica Neue" charset="0"/>
-                <a:cs typeface="Helvetica Neue" charset="0"/>
-              </a:rPr>
-              <a:t> and </a:t>
-            </a:r>
-            <a:r>
-              <a:rPr lang="en-AU" b="1" dirty="0">
-                <a:latin typeface="Helvetica Neue" charset="0"/>
-                <a:cs typeface="Helvetica Neue" charset="0"/>
-              </a:rPr>
-              <a:t>position</a:t>
-            </a:r>
-            <a:r>
-              <a:rPr lang="en-AU" dirty="0">
-                <a:latin typeface="Helvetica Neue" charset="0"/>
-                <a:cs typeface="Helvetica Neue" charset="0"/>
-              </a:rPr>
-              <a:t> </a:t>
-            </a:r>
-            <a:r>
-              <a:rPr lang="en-AU" dirty="0">
-                <a:latin typeface="Helvetica Neue" charset="0"/>
-              </a:rPr>
-              <a:t>to </a:t>
-            </a:r>
-            <a:r>
-              <a:rPr lang="en-AU" b="1" dirty="0">
-                <a:latin typeface="Helvetica Neue" charset="0"/>
-              </a:rPr>
-              <a:t>determine torque</a:t>
-            </a:r>
-            <a:r>
-              <a:rPr lang="en-AU" dirty="0">
-                <a:latin typeface="Helvetica Neue" charset="0"/>
-              </a:rPr>
-              <a:t> required by actuators to maintain offset.</a:t>
-            </a:r>
-            <a:endParaRPr lang="en-AU" dirty="0">
-              <a:latin typeface="Helvetica Neue" charset="0"/>
-              <a:cs typeface="Helvetica Neue" charset="0"/>
-            </a:endParaRPr>
           </a:p>
         </p:txBody>
       </p:sp>
@@ -2860,16 +2842,23 @@
                 </a:r>
               </a:p>
               <a:p>
-                <a:r>
+                <a:endParaRPr lang="en-AU" dirty="0">
+                  <a:latin typeface="Helvetica Neue" charset="0"/>
+                </a:endParaRPr>
+              </a:p>
+              <a:p>
+                <a:endParaRPr lang="en-AU" dirty="0">
+                  <a:latin typeface="Helvetica Neue" charset="0"/>
+                </a:endParaRPr>
+              </a:p>
+              <a:p>
+                <a:br>
                   <a:rPr lang="en-AU" dirty="0">
                     <a:latin typeface="Helvetica Neue" charset="0"/>
                   </a:rPr>
-                  <a:t>IR emitters and receivers measure proximity. Two pairs of sensors per periphery increase emitter signal and compensate for pilot’s variable shape.</a:t>
-                </a:r>
-              </a:p>
-              <a:p>
-                <a:endParaRPr lang="en-US" sz="1800" dirty="0">
-                  <a:latin typeface="Bodoni MT" charset="0"/>
+                </a:br>
+                <a:endParaRPr lang="en-AU" dirty="0">
+                  <a:latin typeface="Helvetica Neue" charset="0"/>
                 </a:endParaRPr>
               </a:p>
               <a:p>
@@ -2897,6 +2886,21 @@
                 </a:endParaRPr>
               </a:p>
               <a:p>
+                <a:endParaRPr lang="en-US" dirty="0">
+                  <a:latin typeface="Helvetica Neue" charset="0"/>
+                </a:endParaRPr>
+              </a:p>
+              <a:p>
+                <a:endParaRPr lang="en-US" b="1" dirty="0">
+                  <a:latin typeface="Helvetica Neue" charset="0"/>
+                </a:endParaRPr>
+              </a:p>
+              <a:p>
+                <a:endParaRPr lang="en-US" b="1" dirty="0">
+                  <a:latin typeface="Helvetica Neue" charset="0"/>
+                </a:endParaRPr>
+              </a:p>
+              <a:p>
                 <a:r>
                   <a:rPr lang="en-US" b="1" dirty="0">
                     <a:latin typeface="Helvetica Neue" charset="0"/>
@@ -2913,7 +2917,7 @@
                 </a:r>
                 <a:r>
                   <a:rPr lang="en-AU" dirty="0"/>
-                  <a:t>vector of applied generalised forces (</a:t>
+                  <a:t>vector of generalised forces (</a:t>
                 </a:r>
                 <a14:m>
                   <m:oMath xmlns:m="http://schemas.openxmlformats.org/officeDocument/2006/math">
@@ -3104,14 +3108,6 @@
                 <a:endParaRPr lang="en-AU" dirty="0">
                   <a:latin typeface="Helvetica Neue" charset="0"/>
                 </a:endParaRPr>
-              </a:p>
-              <a:p>
-                <a:r>
-                  <a:rPr lang="en-AU" dirty="0">
-                    <a:latin typeface="Helvetica Neue" charset="0"/>
-                  </a:rPr>
-                  <a:t>Where:</a:t>
-                </a:r>
               </a:p>
               <a:p>
                 <a:pPr/>
@@ -3564,7 +3560,7 @@
               <a:blipFill>
                 <a:blip r:embed="rId3"/>
                 <a:stretch>
-                  <a:fillRect t="-80" r="-348"/>
+                  <a:fillRect t="-80" r="-348" b="-717"/>
                 </a:stretch>
               </a:blipFill>
               <a:ln/>
@@ -3615,6 +3611,9 @@
           <a:p>
             <a:r>
               <a:rPr lang="en-US" b="1" dirty="0">
+                <a:solidFill>
+                  <a:srgbClr val="FFC000"/>
+                </a:solidFill>
                 <a:latin typeface="Helvetica Neue" charset="0"/>
               </a:rPr>
               <a:t>Position Sensors</a:t>
@@ -3623,47 +3622,18 @@
               <a:rPr lang="en-US" dirty="0">
                 <a:latin typeface="Helvetica Neue" charset="0"/>
               </a:rPr>
-              <a:t>: </a:t>
+              <a:t>: TRCT5000 IR Transceiver selected and implemented. Firmware written, tested, and commissioned. Signal amplified by  LM358AD Op Amp before being read by 12-Bit ADC of </a:t>
             </a:r>
             <a:r>
-              <a:rPr lang="en-US" i="1" dirty="0">
-                <a:latin typeface="Helvetica Neue" charset="0"/>
-              </a:rPr>
-              <a:t>TRCT5000 IR Transceiver s</a:t>
+              <a:rPr lang="en-AU" dirty="0"/>
+              <a:t>NUCLEO-F303K8. </a:t>
             </a:r>
-            <a:r>
-              <a:rPr lang="en-US" dirty="0">
-                <a:latin typeface="Helvetica Neue" charset="0"/>
-              </a:rPr>
-              <a:t>elected and implemented. Firmware written, tested, and commissioned. Signal amplified by  </a:t>
-            </a:r>
-            <a:r>
-              <a:rPr lang="en-US" i="1" dirty="0">
-                <a:latin typeface="Helvetica Neue" charset="0"/>
-              </a:rPr>
-              <a:t>LM358AD Op Amp </a:t>
-            </a:r>
-            <a:r>
-              <a:rPr lang="en-US" dirty="0">
-                <a:latin typeface="Helvetica Neue" charset="0"/>
-              </a:rPr>
-              <a:t>before being read by 12-Bit ADC of </a:t>
-            </a:r>
-            <a:r>
-              <a:rPr lang="en-AU" i="1" dirty="0"/>
-              <a:t>NUCLEO-F303K8.</a:t>
-            </a:r>
-            <a:endParaRPr lang="en-AU" dirty="0"/>
-          </a:p>
-          <a:p>
             <a:r>
               <a:rPr lang="en-AU" dirty="0">
                 <a:latin typeface="Helvetica Neue" charset="0"/>
               </a:rPr>
               <a:t>Position of pilot relative to the suit, and control error (angle) is measurable.</a:t>
             </a:r>
-          </a:p>
-          <a:p>
             <a:endParaRPr lang="en-AU" b="1" dirty="0">
               <a:latin typeface="Helvetica Neue" charset="0"/>
             </a:endParaRPr>
@@ -3671,6 +3641,9 @@
           <a:p>
             <a:r>
               <a:rPr lang="en-AU" b="1" dirty="0">
+                <a:solidFill>
+                  <a:srgbClr val="70AD47"/>
+                </a:solidFill>
                 <a:latin typeface="Helvetica Neue" charset="0"/>
               </a:rPr>
               <a:t>Force Sensors</a:t>
@@ -3679,57 +3652,20 @@
               <a:rPr lang="en-AU" dirty="0">
                 <a:latin typeface="Helvetica Neue" charset="0"/>
               </a:rPr>
-              <a:t>: Load Cells (</a:t>
+              <a:t>: Load Cells (YZC-161B) in Wheatstone bridge configuration amplified by INA125PA Instrumentation Amplified calibrated and </a:t>
             </a:r>
             <a:r>
-              <a:rPr lang="en-AU" i="1" dirty="0">
+              <a:rPr lang="en-US" dirty="0">
                 <a:latin typeface="Helvetica Neue" charset="0"/>
               </a:rPr>
-              <a:t>YZC-161B 50kg</a:t>
+              <a:t>commissioned. Force applied by pilot to the suit and force applied by the suit to the environment measurable. </a:t>
             </a:r>
             <a:r>
               <a:rPr lang="en-AU" dirty="0">
                 <a:latin typeface="Helvetica Neue" charset="0"/>
               </a:rPr>
-              <a:t>) in Wheatstone bridge configuration amplified by </a:t>
+              <a:t>Control error (force) is measurable with NUCLEO.</a:t>
             </a:r>
-            <a:r>
-              <a:rPr lang="en-AU" i="1" dirty="0">
-                <a:latin typeface="Helvetica Neue" charset="0"/>
-              </a:rPr>
-              <a:t>INA125PA Instrumentation Amplified</a:t>
-            </a:r>
-            <a:r>
-              <a:rPr lang="en-AU" dirty="0">
-                <a:latin typeface="Helvetica Neue" charset="0"/>
-              </a:rPr>
-              <a:t> calibrated and </a:t>
-            </a:r>
-            <a:r>
-              <a:rPr lang="en-US" dirty="0">
-                <a:latin typeface="Helvetica Neue" charset="0"/>
-              </a:rPr>
-              <a:t>commissioned.</a:t>
-            </a:r>
-          </a:p>
-          <a:p>
-            <a:r>
-              <a:rPr lang="en-US" dirty="0">
-                <a:latin typeface="Helvetica Neue" charset="0"/>
-              </a:rPr>
-              <a:t>Force applied by pilot to the suit and force applied by the suit to the environment measurable. </a:t>
-            </a:r>
-            <a:r>
-              <a:rPr lang="en-AU" dirty="0">
-                <a:latin typeface="Helvetica Neue" charset="0"/>
-              </a:rPr>
-              <a:t>Control error (force) is measurable</a:t>
-            </a:r>
-            <a:endParaRPr lang="en-US" dirty="0">
-              <a:latin typeface="Helvetica Neue" charset="0"/>
-            </a:endParaRPr>
-          </a:p>
-          <a:p>
             <a:endParaRPr lang="en-US" b="1" dirty="0">
               <a:latin typeface="Helvetica Neue" charset="0"/>
             </a:endParaRPr>
@@ -3747,8 +3683,6 @@
               </a:rPr>
               <a:t>Control variables and parameters (PIDF) found using MATLAB PID Tuner for all three leg segments. General equations of motion and transfer functions found for 3 DOF RRR system (e.g. arms and legs).</a:t>
             </a:r>
-          </a:p>
-          <a:p>
             <a:endParaRPr lang="en-US" b="1" dirty="0">
               <a:latin typeface="Helvetica Neue" charset="0"/>
             </a:endParaRPr>
@@ -3756,9 +3690,18 @@
           <a:p>
             <a:r>
               <a:rPr lang="en-US" b="1" dirty="0">
+                <a:solidFill>
+                  <a:srgbClr val="ED7D31"/>
+                </a:solidFill>
                 <a:latin typeface="Helvetica Neue" charset="0"/>
               </a:rPr>
-              <a:t>Communications:</a:t>
+              <a:t>Communications</a:t>
+            </a:r>
+            <a:r>
+              <a:rPr lang="en-US" b="1" dirty="0">
+                <a:latin typeface="Helvetica Neue" charset="0"/>
+              </a:rPr>
+              <a:t>:</a:t>
             </a:r>
             <a:r>
               <a:rPr lang="en-US" dirty="0">
@@ -3767,16 +3710,25 @@
               <a:t> Two UART channels per </a:t>
             </a:r>
             <a:r>
-              <a:rPr lang="en-AU" i="1" dirty="0"/>
-              <a:t>NUCLEO-F303K8</a:t>
+              <a:rPr lang="en-AU" dirty="0"/>
+              <a:t>NUCLEO used to connect six daisy chained boards. System may be extended to any number of boards (e.g. full body suit).</a:t>
             </a:r>
+          </a:p>
+          <a:p>
             <a:r>
-              <a:rPr lang="en-AU" dirty="0"/>
-              <a:t> used to connect boards. Required boards (six) daisy chained and transmitting along the chain. System may be extended to any number of boards (e.g. full body suit).</a:t>
+              <a:rPr lang="en-AU" sz="1800" dirty="0">
+                <a:latin typeface="Bodoni MT" charset="0"/>
+              </a:rPr>
+              <a:t>Further Works</a:t>
             </a:r>
-            <a:endParaRPr lang="en-US" b="1" dirty="0">
-              <a:latin typeface="Helvetica Neue" charset="0"/>
-            </a:endParaRPr>
+          </a:p>
+          <a:p>
+            <a:r>
+              <a:rPr lang="en-US" dirty="0">
+                <a:latin typeface="Helvetica Neue" charset="0"/>
+              </a:rPr>
+              <a:t>Controls and perception systems are compete. Design and construction of the actuation and structural systems should be completed. Integrated testing to prove concept should be conducted.</a:t>
+            </a:r>
           </a:p>
         </p:txBody>
       </p:sp>
@@ -12501,6 +12453,66 @@
           </p:txBody>
         </p:sp>
       </p:grpSp>
+      <p:pic>
+        <p:nvPicPr>
+          <p:cNvPr id="8" name="Picture 7">
+            <a:extLst>
+              <a:ext uri="{FF2B5EF4-FFF2-40B4-BE49-F238E27FC236}">
+                <a16:creationId xmlns:a16="http://schemas.microsoft.com/office/drawing/2014/main" id="{AF25F65F-8A5F-4E69-8756-9B0CA741C93D}"/>
+              </a:ext>
+            </a:extLst>
+          </p:cNvPr>
+          <p:cNvPicPr>
+            <a:picLocks noChangeAspect="1"/>
+          </p:cNvPicPr>
+          <p:nvPr/>
+        </p:nvPicPr>
+        <p:blipFill>
+          <a:blip r:embed="rId4"/>
+          <a:stretch>
+            <a:fillRect/>
+          </a:stretch>
+        </p:blipFill>
+        <p:spPr>
+          <a:xfrm>
+            <a:off x="3984967" y="2713302"/>
+            <a:ext cx="3109229" cy="1213209"/>
+          </a:xfrm>
+          <a:prstGeom prst="rect">
+            <a:avLst/>
+          </a:prstGeom>
+        </p:spPr>
+      </p:pic>
+      <p:pic>
+        <p:nvPicPr>
+          <p:cNvPr id="9" name="Picture 8">
+            <a:extLst>
+              <a:ext uri="{FF2B5EF4-FFF2-40B4-BE49-F238E27FC236}">
+                <a16:creationId xmlns:a16="http://schemas.microsoft.com/office/drawing/2014/main" id="{5730D1FD-AEF6-452A-9F59-F65DE0E62529}"/>
+              </a:ext>
+            </a:extLst>
+          </p:cNvPr>
+          <p:cNvPicPr>
+            <a:picLocks noChangeAspect="1"/>
+          </p:cNvPicPr>
+          <p:nvPr/>
+        </p:nvPicPr>
+        <p:blipFill>
+          <a:blip r:embed="rId5"/>
+          <a:stretch>
+            <a:fillRect/>
+          </a:stretch>
+        </p:blipFill>
+        <p:spPr>
+          <a:xfrm>
+            <a:off x="3960580" y="5136977"/>
+            <a:ext cx="3158002" cy="993734"/>
+          </a:xfrm>
+          <a:prstGeom prst="rect">
+            <a:avLst/>
+          </a:prstGeom>
+        </p:spPr>
+      </p:pic>
     </p:spTree>
   </p:cSld>
   <p:clrMapOvr>

--- a/Demo Poster/Demo_Poster_SMW43219667.pptx
+++ b/Demo Poster/Demo_Poster_SMW43219667.pptx
@@ -2682,7 +2682,7 @@
                 <a:latin typeface="Helvetica Neue" charset="0"/>
                 <a:cs typeface="Helvetica Neue" charset="0"/>
               </a:rPr>
-              <a:t>of pilot and suit;</a:t>
+              <a:t>of pilot and suit; and,</a:t>
             </a:r>
           </a:p>
           <a:p>
@@ -2702,7 +2702,7 @@
                 <a:latin typeface="Helvetica Neue" charset="0"/>
                 <a:cs typeface="Helvetica Neue" charset="0"/>
               </a:rPr>
-              <a:t>of pilot to suit; &amp;,</a:t>
+              <a:t>of pilot to suit.</a:t>
             </a:r>
           </a:p>
           <a:p>
@@ -2809,7 +2809,7 @@
             </p:nvSpPr>
             <p:spPr>
               <a:xfrm>
-                <a:off x="3789363" y="1270000"/>
+                <a:off x="3825689" y="1270000"/>
                 <a:ext cx="3500437" cy="7656513"/>
               </a:xfrm>
               <a:ln/>
@@ -2838,7 +2838,7 @@
                   <a:rPr lang="en-AU" dirty="0">
                     <a:latin typeface="Helvetica Neue" charset="0"/>
                   </a:rPr>
-                  <a:t>Proximity sensors attached to the periphery of the thigh, shin, and foot measure the position of the user (and desired position of the suit).</a:t>
+                  <a:t>IR Proximity sensors attached to the periphery of the thigh, shin, and foot measure the position of the user (and desired position of the suit).</a:t>
                 </a:r>
               </a:p>
               <a:p>
@@ -3554,7 +3554,7 @@
             </p:nvSpPr>
             <p:spPr>
               <a:xfrm>
-                <a:off x="3789363" y="1270000"/>
+                <a:off x="3825689" y="1270000"/>
                 <a:ext cx="3500437" cy="7656513"/>
               </a:xfrm>
               <a:blipFill>
@@ -3734,10 +3734,10 @@
       </p:sp>
       <p:grpSp>
         <p:nvGrpSpPr>
-          <p:cNvPr id="14" name="Group 13">
+          <p:cNvPr id="159" name="Group 158">
             <a:extLst>
               <a:ext uri="{FF2B5EF4-FFF2-40B4-BE49-F238E27FC236}">
-                <a16:creationId xmlns:a16="http://schemas.microsoft.com/office/drawing/2014/main" id="{FBFDBFB8-12D3-45F1-9107-3C7B181E3496}"/>
+                <a16:creationId xmlns:a16="http://schemas.microsoft.com/office/drawing/2014/main" id="{F82CBC32-1E60-499D-AFC5-FF9203FB0C66}"/>
               </a:ext>
             </a:extLst>
           </p:cNvPr>
@@ -3746,7 +3746,7 @@
         </p:nvGrpSpPr>
         <p:grpSpPr>
           <a:xfrm>
-            <a:off x="7629232" y="2068748"/>
+            <a:off x="7547829" y="2068748"/>
             <a:ext cx="3336925" cy="6857764"/>
             <a:chOff x="0" y="798749"/>
             <a:chExt cx="3336925" cy="6857764"/>
@@ -3754,10 +3754,10 @@
         </p:grpSpPr>
         <p:grpSp>
           <p:nvGrpSpPr>
-            <p:cNvPr id="15" name="Group 14">
+            <p:cNvPr id="160" name="Group 159">
               <a:extLst>
                 <a:ext uri="{FF2B5EF4-FFF2-40B4-BE49-F238E27FC236}">
-                  <a16:creationId xmlns:a16="http://schemas.microsoft.com/office/drawing/2014/main" id="{6A047FED-1F2F-4A20-B674-A29A78AEAF51}"/>
+                  <a16:creationId xmlns:a16="http://schemas.microsoft.com/office/drawing/2014/main" id="{5DAB3834-3414-4E46-9686-DA41C29F132C}"/>
                 </a:ext>
               </a:extLst>
             </p:cNvPr>
@@ -3777,10 +3777,10 @@
           </p:grpSpPr>
           <p:sp>
             <p:nvSpPr>
-              <p:cNvPr id="157" name="Rectangle 156">
+              <p:cNvPr id="302" name="Rectangle 301">
                 <a:extLst>
                   <a:ext uri="{FF2B5EF4-FFF2-40B4-BE49-F238E27FC236}">
-                    <a16:creationId xmlns:a16="http://schemas.microsoft.com/office/drawing/2014/main" id="{26EC5720-F485-4E86-BEDB-92FD0FA3E5EF}"/>
+                    <a16:creationId xmlns:a16="http://schemas.microsoft.com/office/drawing/2014/main" id="{6A12C861-835B-469B-A4C1-D562B045C2AC}"/>
                   </a:ext>
                 </a:extLst>
               </p:cNvPr>
@@ -3843,10 +3843,10 @@
           </p:sp>
           <p:sp>
             <p:nvSpPr>
-              <p:cNvPr id="158" name="Rectangle 157">
+              <p:cNvPr id="303" name="Rectangle 302">
                 <a:extLst>
                   <a:ext uri="{FF2B5EF4-FFF2-40B4-BE49-F238E27FC236}">
-                    <a16:creationId xmlns:a16="http://schemas.microsoft.com/office/drawing/2014/main" id="{8078B03E-E672-4A7B-93AE-C35638219577}"/>
+                    <a16:creationId xmlns:a16="http://schemas.microsoft.com/office/drawing/2014/main" id="{F1E4C866-29E4-4468-843E-766B52CDA27F}"/>
                   </a:ext>
                 </a:extLst>
               </p:cNvPr>
@@ -3910,10 +3910,10 @@
         </p:grpSp>
         <p:grpSp>
           <p:nvGrpSpPr>
-            <p:cNvPr id="16" name="Group 15">
+            <p:cNvPr id="161" name="Group 160">
               <a:extLst>
                 <a:ext uri="{FF2B5EF4-FFF2-40B4-BE49-F238E27FC236}">
-                  <a16:creationId xmlns:a16="http://schemas.microsoft.com/office/drawing/2014/main" id="{85375811-3803-4438-82A8-43A9EFC4E98D}"/>
+                  <a16:creationId xmlns:a16="http://schemas.microsoft.com/office/drawing/2014/main" id="{9F678FA8-4278-44FE-923F-DB38AFD992B5}"/>
                 </a:ext>
               </a:extLst>
             </p:cNvPr>
@@ -3933,10 +3933,10 @@
           </p:grpSpPr>
           <p:sp>
             <p:nvSpPr>
-              <p:cNvPr id="155" name="Rectangle 154">
+              <p:cNvPr id="300" name="Rectangle 299">
                 <a:extLst>
                   <a:ext uri="{FF2B5EF4-FFF2-40B4-BE49-F238E27FC236}">
-                    <a16:creationId xmlns:a16="http://schemas.microsoft.com/office/drawing/2014/main" id="{0DACD136-012C-44E5-834F-2596CC026C7D}"/>
+                    <a16:creationId xmlns:a16="http://schemas.microsoft.com/office/drawing/2014/main" id="{03EA0824-3535-4E21-9259-A2EB7C9AD25F}"/>
                   </a:ext>
                 </a:extLst>
               </p:cNvPr>
@@ -3999,10 +3999,10 @@
           </p:sp>
           <p:sp>
             <p:nvSpPr>
-              <p:cNvPr id="156" name="Rectangle 155">
+              <p:cNvPr id="301" name="Rectangle 300">
                 <a:extLst>
                   <a:ext uri="{FF2B5EF4-FFF2-40B4-BE49-F238E27FC236}">
-                    <a16:creationId xmlns:a16="http://schemas.microsoft.com/office/drawing/2014/main" id="{1FDD4043-400C-49F5-9E20-63B369788833}"/>
+                    <a16:creationId xmlns:a16="http://schemas.microsoft.com/office/drawing/2014/main" id="{9DEEDC54-DF80-4F81-A19A-9A523D35DCB9}"/>
                   </a:ext>
                 </a:extLst>
               </p:cNvPr>
@@ -4066,10 +4066,10 @@
         </p:grpSp>
         <p:sp>
           <p:nvSpPr>
-            <p:cNvPr id="17" name="Rectangle 16">
+            <p:cNvPr id="162" name="Rectangle 161">
               <a:extLst>
                 <a:ext uri="{FF2B5EF4-FFF2-40B4-BE49-F238E27FC236}">
-                  <a16:creationId xmlns:a16="http://schemas.microsoft.com/office/drawing/2014/main" id="{1E4211E5-7F1F-4AFA-A12E-0510029DABE7}"/>
+                  <a16:creationId xmlns:a16="http://schemas.microsoft.com/office/drawing/2014/main" id="{914C9C03-15E4-4715-BD07-6E41F6CD3D28}"/>
                 </a:ext>
               </a:extLst>
             </p:cNvPr>
@@ -4134,10 +4134,10 @@
         </p:sp>
         <p:grpSp>
           <p:nvGrpSpPr>
-            <p:cNvPr id="18" name="Group 17">
+            <p:cNvPr id="163" name="Group 162">
               <a:extLst>
                 <a:ext uri="{FF2B5EF4-FFF2-40B4-BE49-F238E27FC236}">
-                  <a16:creationId xmlns:a16="http://schemas.microsoft.com/office/drawing/2014/main" id="{5B796E65-F759-48B1-9762-7BC9343E944B}"/>
+                  <a16:creationId xmlns:a16="http://schemas.microsoft.com/office/drawing/2014/main" id="{C7D3052F-A39A-4A65-952F-2063BDB0ED13}"/>
                 </a:ext>
               </a:extLst>
             </p:cNvPr>
@@ -4154,16 +4154,16 @@
           </p:grpSpPr>
           <p:cxnSp>
             <p:nvCxnSpPr>
-              <p:cNvPr id="152" name="Straight Arrow Connector 151">
+              <p:cNvPr id="297" name="Straight Arrow Connector 296">
                 <a:extLst>
                   <a:ext uri="{FF2B5EF4-FFF2-40B4-BE49-F238E27FC236}">
-                    <a16:creationId xmlns:a16="http://schemas.microsoft.com/office/drawing/2014/main" id="{9E0DE303-0D80-47B9-AF28-E42E25D773D3}"/>
+                    <a16:creationId xmlns:a16="http://schemas.microsoft.com/office/drawing/2014/main" id="{E52C71EE-8F3F-4B63-9F08-8BD8B94516BE}"/>
                   </a:ext>
                 </a:extLst>
               </p:cNvPr>
               <p:cNvCxnSpPr>
-                <a:stCxn id="109" idx="0"/>
-                <a:endCxn id="108" idx="2"/>
+                <a:stCxn id="254" idx="0"/>
+                <a:endCxn id="253" idx="2"/>
               </p:cNvCxnSpPr>
               <p:nvPr/>
             </p:nvCxnSpPr>
@@ -4189,17 +4189,17 @@
           </p:cxnSp>
           <p:cxnSp>
             <p:nvCxnSpPr>
-              <p:cNvPr id="153" name="Straight Arrow Connector 152">
+              <p:cNvPr id="298" name="Straight Arrow Connector 297">
                 <a:extLst>
                   <a:ext uri="{FF2B5EF4-FFF2-40B4-BE49-F238E27FC236}">
-                    <a16:creationId xmlns:a16="http://schemas.microsoft.com/office/drawing/2014/main" id="{1615F753-A12E-4CD4-838D-05A5DB346A1A}"/>
+                    <a16:creationId xmlns:a16="http://schemas.microsoft.com/office/drawing/2014/main" id="{384793B1-3417-49CD-B077-E8BE652B5B4C}"/>
                   </a:ext>
                 </a:extLst>
               </p:cNvPr>
               <p:cNvCxnSpPr>
                 <a:cxnSpLocks/>
-                <a:stCxn id="107" idx="0"/>
-                <a:endCxn id="109" idx="2"/>
+                <a:stCxn id="252" idx="0"/>
+                <a:endCxn id="254" idx="2"/>
               </p:cNvCxnSpPr>
               <p:nvPr/>
             </p:nvCxnSpPr>
@@ -4225,16 +4225,16 @@
           </p:cxnSp>
           <p:cxnSp>
             <p:nvCxnSpPr>
-              <p:cNvPr id="154" name="Connector: Elbow 153">
+              <p:cNvPr id="299" name="Connector: Elbow 298">
                 <a:extLst>
                   <a:ext uri="{FF2B5EF4-FFF2-40B4-BE49-F238E27FC236}">
-                    <a16:creationId xmlns:a16="http://schemas.microsoft.com/office/drawing/2014/main" id="{76C2D357-530D-43A8-A61C-C535BBD43F4C}"/>
+                    <a16:creationId xmlns:a16="http://schemas.microsoft.com/office/drawing/2014/main" id="{ABEF7B4D-8BF8-412C-AF5A-9F6ACD9254AC}"/>
                   </a:ext>
                 </a:extLst>
               </p:cNvPr>
               <p:cNvCxnSpPr>
                 <a:cxnSpLocks/>
-                <a:stCxn id="108" idx="1"/>
+                <a:stCxn id="253" idx="1"/>
               </p:cNvCxnSpPr>
               <p:nvPr/>
             </p:nvCxnSpPr>
@@ -4263,17 +4263,17 @@
         </p:grpSp>
         <p:cxnSp>
           <p:nvCxnSpPr>
-            <p:cNvPr id="19" name="Connector: Elbow 18">
+            <p:cNvPr id="164" name="Connector: Elbow 163">
               <a:extLst>
                 <a:ext uri="{FF2B5EF4-FFF2-40B4-BE49-F238E27FC236}">
-                  <a16:creationId xmlns:a16="http://schemas.microsoft.com/office/drawing/2014/main" id="{456F627F-2E35-4DAB-BA2C-E0E41117014B}"/>
+                  <a16:creationId xmlns:a16="http://schemas.microsoft.com/office/drawing/2014/main" id="{83D81E05-3EC7-4FB3-A1D7-3CD7C2A9AC60}"/>
                 </a:ext>
               </a:extLst>
             </p:cNvPr>
             <p:cNvCxnSpPr>
               <a:cxnSpLocks/>
-              <a:stCxn id="32" idx="2"/>
-              <a:endCxn id="127" idx="2"/>
+              <a:stCxn id="177" idx="2"/>
+              <a:endCxn id="272" idx="2"/>
             </p:cNvCxnSpPr>
             <p:nvPr/>
           </p:nvCxnSpPr>
@@ -4300,17 +4300,17 @@
         </p:cxnSp>
         <p:cxnSp>
           <p:nvCxnSpPr>
-            <p:cNvPr id="20" name="Connector: Elbow 19">
+            <p:cNvPr id="165" name="Connector: Elbow 164">
               <a:extLst>
                 <a:ext uri="{FF2B5EF4-FFF2-40B4-BE49-F238E27FC236}">
-                  <a16:creationId xmlns:a16="http://schemas.microsoft.com/office/drawing/2014/main" id="{2509A382-6C81-40B1-85A4-837BC4115C48}"/>
+                  <a16:creationId xmlns:a16="http://schemas.microsoft.com/office/drawing/2014/main" id="{C2931DDB-4585-4B76-904D-51E308C3558A}"/>
                 </a:ext>
               </a:extLst>
             </p:cNvPr>
             <p:cNvCxnSpPr>
               <a:cxnSpLocks/>
-              <a:stCxn id="126" idx="2"/>
-              <a:endCxn id="33" idx="2"/>
+              <a:stCxn id="271" idx="2"/>
+              <a:endCxn id="178" idx="2"/>
             </p:cNvCxnSpPr>
             <p:nvPr/>
           </p:nvCxnSpPr>
@@ -4337,10 +4337,10 @@
         </p:cxnSp>
         <p:grpSp>
           <p:nvGrpSpPr>
-            <p:cNvPr id="21" name="Group 20">
+            <p:cNvPr id="166" name="Group 165">
               <a:extLst>
                 <a:ext uri="{FF2B5EF4-FFF2-40B4-BE49-F238E27FC236}">
-                  <a16:creationId xmlns:a16="http://schemas.microsoft.com/office/drawing/2014/main" id="{9B3FD48A-D7B8-42AF-B2B1-754836A9BC9C}"/>
+                  <a16:creationId xmlns:a16="http://schemas.microsoft.com/office/drawing/2014/main" id="{A5DE88F1-205E-4D3B-8411-FDCD8F329F0B}"/>
                 </a:ext>
               </a:extLst>
             </p:cNvPr>
@@ -4360,10 +4360,10 @@
           </p:grpSpPr>
           <p:sp>
             <p:nvSpPr>
-              <p:cNvPr id="150" name="Rectangle 149">
+              <p:cNvPr id="295" name="Rectangle 294">
                 <a:extLst>
                   <a:ext uri="{FF2B5EF4-FFF2-40B4-BE49-F238E27FC236}">
-                    <a16:creationId xmlns:a16="http://schemas.microsoft.com/office/drawing/2014/main" id="{99DD4C58-6726-4FC4-972C-B08739CED20D}"/>
+                    <a16:creationId xmlns:a16="http://schemas.microsoft.com/office/drawing/2014/main" id="{4F17753E-1844-47EE-BCF6-D4AFCD217E7E}"/>
                   </a:ext>
                 </a:extLst>
               </p:cNvPr>
@@ -4426,10 +4426,10 @@
           </p:sp>
           <p:sp>
             <p:nvSpPr>
-              <p:cNvPr id="151" name="Rectangle 150">
+              <p:cNvPr id="296" name="Rectangle 295">
                 <a:extLst>
                   <a:ext uri="{FF2B5EF4-FFF2-40B4-BE49-F238E27FC236}">
-                    <a16:creationId xmlns:a16="http://schemas.microsoft.com/office/drawing/2014/main" id="{1132C47C-DEA0-4642-9F34-999279B774C7}"/>
+                    <a16:creationId xmlns:a16="http://schemas.microsoft.com/office/drawing/2014/main" id="{3EA86F0F-8B76-431D-999C-4779CB58F4F6}"/>
                   </a:ext>
                 </a:extLst>
               </p:cNvPr>
@@ -4493,17 +4493,17 @@
         </p:grpSp>
         <p:cxnSp>
           <p:nvCxnSpPr>
-            <p:cNvPr id="22" name="Straight Arrow Connector 21">
+            <p:cNvPr id="167" name="Straight Arrow Connector 166">
               <a:extLst>
                 <a:ext uri="{FF2B5EF4-FFF2-40B4-BE49-F238E27FC236}">
-                  <a16:creationId xmlns:a16="http://schemas.microsoft.com/office/drawing/2014/main" id="{F84F9D42-1563-4F64-9275-92A30363C36E}"/>
+                  <a16:creationId xmlns:a16="http://schemas.microsoft.com/office/drawing/2014/main" id="{4CF79221-DBF9-4B81-82ED-8334B61F1E8F}"/>
                 </a:ext>
               </a:extLst>
             </p:cNvPr>
             <p:cNvCxnSpPr>
               <a:cxnSpLocks/>
-              <a:stCxn id="149" idx="2"/>
-              <a:endCxn id="151" idx="0"/>
+              <a:stCxn id="294" idx="2"/>
+              <a:endCxn id="296" idx="0"/>
             </p:cNvCxnSpPr>
             <p:nvPr/>
           </p:nvCxnSpPr>
@@ -4530,17 +4530,17 @@
         </p:cxnSp>
         <p:cxnSp>
           <p:nvCxnSpPr>
-            <p:cNvPr id="23" name="Straight Arrow Connector 22">
+            <p:cNvPr id="168" name="Straight Arrow Connector 167">
               <a:extLst>
                 <a:ext uri="{FF2B5EF4-FFF2-40B4-BE49-F238E27FC236}">
-                  <a16:creationId xmlns:a16="http://schemas.microsoft.com/office/drawing/2014/main" id="{557CBE99-A5F2-45D8-B97A-BA007BB1FF93}"/>
+                  <a16:creationId xmlns:a16="http://schemas.microsoft.com/office/drawing/2014/main" id="{1BBCAC99-62B9-4F86-B480-0BFF02FC8B3E}"/>
                 </a:ext>
               </a:extLst>
             </p:cNvPr>
             <p:cNvCxnSpPr>
               <a:cxnSpLocks/>
-              <a:stCxn id="148" idx="2"/>
-              <a:endCxn id="150" idx="0"/>
+              <a:stCxn id="293" idx="2"/>
+              <a:endCxn id="295" idx="0"/>
             </p:cNvCxnSpPr>
             <p:nvPr/>
           </p:nvCxnSpPr>
@@ -4567,10 +4567,10 @@
         </p:cxnSp>
         <p:grpSp>
           <p:nvGrpSpPr>
-            <p:cNvPr id="24" name="Group 23">
+            <p:cNvPr id="169" name="Group 168">
               <a:extLst>
                 <a:ext uri="{FF2B5EF4-FFF2-40B4-BE49-F238E27FC236}">
-                  <a16:creationId xmlns:a16="http://schemas.microsoft.com/office/drawing/2014/main" id="{F8BFE1FC-E24B-4BE0-8232-7AB4E3B3ED2A}"/>
+                  <a16:creationId xmlns:a16="http://schemas.microsoft.com/office/drawing/2014/main" id="{CA6ECB70-081B-4B06-BEDC-2A854E6D9E07}"/>
                 </a:ext>
               </a:extLst>
             </p:cNvPr>
@@ -4590,10 +4590,10 @@
           </p:grpSpPr>
           <p:sp>
             <p:nvSpPr>
-              <p:cNvPr id="148" name="Rectangle 147">
+              <p:cNvPr id="293" name="Rectangle 292">
                 <a:extLst>
                   <a:ext uri="{FF2B5EF4-FFF2-40B4-BE49-F238E27FC236}">
-                    <a16:creationId xmlns:a16="http://schemas.microsoft.com/office/drawing/2014/main" id="{9118D962-56A0-4D1F-ACED-253DE15DF11E}"/>
+                    <a16:creationId xmlns:a16="http://schemas.microsoft.com/office/drawing/2014/main" id="{F9E83429-AA74-4577-AB58-554AF7A676DF}"/>
                   </a:ext>
                 </a:extLst>
               </p:cNvPr>
@@ -4656,10 +4656,10 @@
           </p:sp>
           <p:sp>
             <p:nvSpPr>
-              <p:cNvPr id="149" name="Rectangle 148">
+              <p:cNvPr id="294" name="Rectangle 293">
                 <a:extLst>
                   <a:ext uri="{FF2B5EF4-FFF2-40B4-BE49-F238E27FC236}">
-                    <a16:creationId xmlns:a16="http://schemas.microsoft.com/office/drawing/2014/main" id="{C77ACD5B-023C-4501-B95B-8808C3FF3F21}"/>
+                    <a16:creationId xmlns:a16="http://schemas.microsoft.com/office/drawing/2014/main" id="{0D3A57CA-6A6F-47E4-9414-64DD114AFE40}"/>
                   </a:ext>
                 </a:extLst>
               </p:cNvPr>
@@ -4723,17 +4723,17 @@
         </p:grpSp>
         <p:cxnSp>
           <p:nvCxnSpPr>
-            <p:cNvPr id="25" name="Straight Arrow Connector 24">
+            <p:cNvPr id="170" name="Straight Arrow Connector 169">
               <a:extLst>
                 <a:ext uri="{FF2B5EF4-FFF2-40B4-BE49-F238E27FC236}">
-                  <a16:creationId xmlns:a16="http://schemas.microsoft.com/office/drawing/2014/main" id="{CEE0BC17-B861-4945-8608-C21D0636404F}"/>
+                  <a16:creationId xmlns:a16="http://schemas.microsoft.com/office/drawing/2014/main" id="{AE4413B7-DFCF-40B4-AC5D-85FD83E66219}"/>
                 </a:ext>
               </a:extLst>
             </p:cNvPr>
             <p:cNvCxnSpPr>
               <a:cxnSpLocks/>
-              <a:stCxn id="145" idx="2"/>
-              <a:endCxn id="147" idx="0"/>
+              <a:stCxn id="290" idx="2"/>
+              <a:endCxn id="292" idx="0"/>
             </p:cNvCxnSpPr>
             <p:nvPr/>
           </p:nvCxnSpPr>
@@ -4760,17 +4760,17 @@
         </p:cxnSp>
         <p:cxnSp>
           <p:nvCxnSpPr>
-            <p:cNvPr id="26" name="Straight Arrow Connector 25">
+            <p:cNvPr id="171" name="Straight Arrow Connector 170">
               <a:extLst>
                 <a:ext uri="{FF2B5EF4-FFF2-40B4-BE49-F238E27FC236}">
-                  <a16:creationId xmlns:a16="http://schemas.microsoft.com/office/drawing/2014/main" id="{0B0F20FB-E38A-4D24-8D7A-95DD0E30AC0E}"/>
+                  <a16:creationId xmlns:a16="http://schemas.microsoft.com/office/drawing/2014/main" id="{079CB254-541C-49B7-9C95-F0E8171EE1B8}"/>
                 </a:ext>
               </a:extLst>
             </p:cNvPr>
             <p:cNvCxnSpPr>
               <a:cxnSpLocks/>
-              <a:stCxn id="144" idx="2"/>
-              <a:endCxn id="146" idx="0"/>
+              <a:stCxn id="289" idx="2"/>
+              <a:endCxn id="291" idx="0"/>
             </p:cNvCxnSpPr>
             <p:nvPr/>
           </p:nvCxnSpPr>
@@ -4797,10 +4797,10 @@
         </p:cxnSp>
         <p:grpSp>
           <p:nvGrpSpPr>
-            <p:cNvPr id="27" name="Group 26">
+            <p:cNvPr id="172" name="Group 171">
               <a:extLst>
                 <a:ext uri="{FF2B5EF4-FFF2-40B4-BE49-F238E27FC236}">
-                  <a16:creationId xmlns:a16="http://schemas.microsoft.com/office/drawing/2014/main" id="{31F7DAF4-D6D4-4FBC-9165-ADE9D1D4C7F2}"/>
+                  <a16:creationId xmlns:a16="http://schemas.microsoft.com/office/drawing/2014/main" id="{7DA3E290-A2DC-4F86-9F30-42F79AD4FA05}"/>
                 </a:ext>
               </a:extLst>
             </p:cNvPr>
@@ -4820,10 +4820,10 @@
           </p:grpSpPr>
           <p:sp>
             <p:nvSpPr>
-              <p:cNvPr id="146" name="Rectangle 145">
+              <p:cNvPr id="291" name="Rectangle 290">
                 <a:extLst>
                   <a:ext uri="{FF2B5EF4-FFF2-40B4-BE49-F238E27FC236}">
-                    <a16:creationId xmlns:a16="http://schemas.microsoft.com/office/drawing/2014/main" id="{2BBD98A2-EC9F-4236-AF7D-1D4CC1B5EF37}"/>
+                    <a16:creationId xmlns:a16="http://schemas.microsoft.com/office/drawing/2014/main" id="{3BE21971-5E4A-4D1D-9D29-F613CA3EC654}"/>
                   </a:ext>
                 </a:extLst>
               </p:cNvPr>
@@ -4886,10 +4886,10 @@
           </p:sp>
           <p:sp>
             <p:nvSpPr>
-              <p:cNvPr id="147" name="Rectangle 146">
+              <p:cNvPr id="292" name="Rectangle 291">
                 <a:extLst>
                   <a:ext uri="{FF2B5EF4-FFF2-40B4-BE49-F238E27FC236}">
-                    <a16:creationId xmlns:a16="http://schemas.microsoft.com/office/drawing/2014/main" id="{79ECC156-D211-4A89-A43B-F700BEFC065A}"/>
+                    <a16:creationId xmlns:a16="http://schemas.microsoft.com/office/drawing/2014/main" id="{01515D8E-F5FB-404D-893E-A05100CFD0E5}"/>
                   </a:ext>
                 </a:extLst>
               </p:cNvPr>
@@ -4953,10 +4953,10 @@
         </p:grpSp>
         <p:grpSp>
           <p:nvGrpSpPr>
-            <p:cNvPr id="28" name="Group 27">
+            <p:cNvPr id="173" name="Group 172">
               <a:extLst>
                 <a:ext uri="{FF2B5EF4-FFF2-40B4-BE49-F238E27FC236}">
-                  <a16:creationId xmlns:a16="http://schemas.microsoft.com/office/drawing/2014/main" id="{96D3EEEE-6B0C-4CBD-8834-AB7333FCA728}"/>
+                  <a16:creationId xmlns:a16="http://schemas.microsoft.com/office/drawing/2014/main" id="{FF44EDF1-0943-4B5F-A18E-10B54A998C5B}"/>
                 </a:ext>
               </a:extLst>
             </p:cNvPr>
@@ -4976,10 +4976,10 @@
           </p:grpSpPr>
           <p:sp>
             <p:nvSpPr>
-              <p:cNvPr id="144" name="Rectangle 143">
+              <p:cNvPr id="289" name="Rectangle 288">
                 <a:extLst>
                   <a:ext uri="{FF2B5EF4-FFF2-40B4-BE49-F238E27FC236}">
-                    <a16:creationId xmlns:a16="http://schemas.microsoft.com/office/drawing/2014/main" id="{5D4380D2-4D85-442D-8757-5AFEB88EAA29}"/>
+                    <a16:creationId xmlns:a16="http://schemas.microsoft.com/office/drawing/2014/main" id="{C10F6A7B-B924-449C-828E-EFF6694CDE84}"/>
                   </a:ext>
                 </a:extLst>
               </p:cNvPr>
@@ -5042,10 +5042,10 @@
           </p:sp>
           <p:sp>
             <p:nvSpPr>
-              <p:cNvPr id="145" name="Rectangle 144">
+              <p:cNvPr id="290" name="Rectangle 289">
                 <a:extLst>
                   <a:ext uri="{FF2B5EF4-FFF2-40B4-BE49-F238E27FC236}">
-                    <a16:creationId xmlns:a16="http://schemas.microsoft.com/office/drawing/2014/main" id="{5EA800C3-7B24-4138-AD9C-6B2D92CD2BDD}"/>
+                    <a16:creationId xmlns:a16="http://schemas.microsoft.com/office/drawing/2014/main" id="{CBE1A239-16C4-4FD2-820B-F44531CA07D2}"/>
                   </a:ext>
                 </a:extLst>
               </p:cNvPr>
@@ -5109,17 +5109,17 @@
         </p:grpSp>
         <p:cxnSp>
           <p:nvCxnSpPr>
-            <p:cNvPr id="29" name="Straight Arrow Connector 28">
+            <p:cNvPr id="174" name="Straight Arrow Connector 173">
               <a:extLst>
                 <a:ext uri="{FF2B5EF4-FFF2-40B4-BE49-F238E27FC236}">
-                  <a16:creationId xmlns:a16="http://schemas.microsoft.com/office/drawing/2014/main" id="{A610AD4C-3D01-4411-858B-4902D7E6CD6B}"/>
+                  <a16:creationId xmlns:a16="http://schemas.microsoft.com/office/drawing/2014/main" id="{20DBF846-3C66-4ADD-9DBF-0EC5B19B9CC9}"/>
                 </a:ext>
               </a:extLst>
             </p:cNvPr>
             <p:cNvCxnSpPr>
               <a:cxnSpLocks/>
-              <a:stCxn id="143" idx="2"/>
-              <a:endCxn id="123" idx="0"/>
+              <a:stCxn id="288" idx="2"/>
+              <a:endCxn id="268" idx="0"/>
             </p:cNvCxnSpPr>
             <p:nvPr/>
           </p:nvCxnSpPr>
@@ -5146,17 +5146,17 @@
         </p:cxnSp>
         <p:cxnSp>
           <p:nvCxnSpPr>
-            <p:cNvPr id="30" name="Straight Arrow Connector 29">
+            <p:cNvPr id="175" name="Straight Arrow Connector 174">
               <a:extLst>
                 <a:ext uri="{FF2B5EF4-FFF2-40B4-BE49-F238E27FC236}">
-                  <a16:creationId xmlns:a16="http://schemas.microsoft.com/office/drawing/2014/main" id="{76CAF7EF-2065-4502-BA92-0784611271F6}"/>
+                  <a16:creationId xmlns:a16="http://schemas.microsoft.com/office/drawing/2014/main" id="{810F39D3-00E4-4CF3-A429-D4A7215523B9}"/>
                 </a:ext>
               </a:extLst>
             </p:cNvPr>
             <p:cNvCxnSpPr>
               <a:cxnSpLocks/>
-              <a:stCxn id="142" idx="2"/>
-              <a:endCxn id="122" idx="0"/>
+              <a:stCxn id="287" idx="2"/>
+              <a:endCxn id="267" idx="0"/>
             </p:cNvCxnSpPr>
             <p:nvPr/>
           </p:nvCxnSpPr>
@@ -5183,10 +5183,10 @@
         </p:cxnSp>
         <p:grpSp>
           <p:nvGrpSpPr>
-            <p:cNvPr id="31" name="Group 30">
+            <p:cNvPr id="176" name="Group 175">
               <a:extLst>
                 <a:ext uri="{FF2B5EF4-FFF2-40B4-BE49-F238E27FC236}">
-                  <a16:creationId xmlns:a16="http://schemas.microsoft.com/office/drawing/2014/main" id="{8D6D10B9-4D29-4AF5-AE89-7692C4F72863}"/>
+                  <a16:creationId xmlns:a16="http://schemas.microsoft.com/office/drawing/2014/main" id="{288BA318-6F81-4C7C-A77D-2CF2FA187EB8}"/>
                 </a:ext>
               </a:extLst>
             </p:cNvPr>
@@ -5206,10 +5206,10 @@
           </p:grpSpPr>
           <p:sp>
             <p:nvSpPr>
-              <p:cNvPr id="142" name="Rectangle 141">
+              <p:cNvPr id="287" name="Rectangle 286">
                 <a:extLst>
                   <a:ext uri="{FF2B5EF4-FFF2-40B4-BE49-F238E27FC236}">
-                    <a16:creationId xmlns:a16="http://schemas.microsoft.com/office/drawing/2014/main" id="{660E6396-B5AE-44C3-8E8A-4034C3FA5F23}"/>
+                    <a16:creationId xmlns:a16="http://schemas.microsoft.com/office/drawing/2014/main" id="{D3BF25D5-D3D0-4498-9AA5-DC8BE9A60425}"/>
                   </a:ext>
                 </a:extLst>
               </p:cNvPr>
@@ -5272,10 +5272,10 @@
           </p:sp>
           <p:sp>
             <p:nvSpPr>
-              <p:cNvPr id="143" name="Rectangle 142">
+              <p:cNvPr id="288" name="Rectangle 287">
                 <a:extLst>
                   <a:ext uri="{FF2B5EF4-FFF2-40B4-BE49-F238E27FC236}">
-                    <a16:creationId xmlns:a16="http://schemas.microsoft.com/office/drawing/2014/main" id="{D4FF6936-9C7B-4ABF-9874-A7E5DCD31348}"/>
+                    <a16:creationId xmlns:a16="http://schemas.microsoft.com/office/drawing/2014/main" id="{E820FB11-C98A-45E7-B9DE-9B7E7A9F0124}"/>
                   </a:ext>
                 </a:extLst>
               </p:cNvPr>
@@ -5339,10 +5339,10 @@
         </p:grpSp>
         <p:sp>
           <p:nvSpPr>
-            <p:cNvPr id="32" name="Rectangle 31">
+            <p:cNvPr id="177" name="Rectangle 176">
               <a:extLst>
                 <a:ext uri="{FF2B5EF4-FFF2-40B4-BE49-F238E27FC236}">
-                  <a16:creationId xmlns:a16="http://schemas.microsoft.com/office/drawing/2014/main" id="{08146ED8-A605-4DDE-B03E-7070122E4F19}"/>
+                  <a16:creationId xmlns:a16="http://schemas.microsoft.com/office/drawing/2014/main" id="{4D983A59-0938-4D87-9F8C-DACF1951C64F}"/>
                 </a:ext>
               </a:extLst>
             </p:cNvPr>
@@ -5407,10 +5407,10 @@
         </p:sp>
         <p:sp>
           <p:nvSpPr>
-            <p:cNvPr id="33" name="Rectangle 32">
+            <p:cNvPr id="178" name="Rectangle 177">
               <a:extLst>
                 <a:ext uri="{FF2B5EF4-FFF2-40B4-BE49-F238E27FC236}">
-                  <a16:creationId xmlns:a16="http://schemas.microsoft.com/office/drawing/2014/main" id="{52882822-FE6E-4651-8475-29BBA6BD8A13}"/>
+                  <a16:creationId xmlns:a16="http://schemas.microsoft.com/office/drawing/2014/main" id="{394549EA-08AB-41AC-A129-52288C484EF6}"/>
                 </a:ext>
               </a:extLst>
             </p:cNvPr>
@@ -5475,10 +5475,10 @@
         </p:sp>
         <p:grpSp>
           <p:nvGrpSpPr>
-            <p:cNvPr id="34" name="Group 33">
+            <p:cNvPr id="179" name="Group 178">
               <a:extLst>
                 <a:ext uri="{FF2B5EF4-FFF2-40B4-BE49-F238E27FC236}">
-                  <a16:creationId xmlns:a16="http://schemas.microsoft.com/office/drawing/2014/main" id="{31C6BB33-3DFB-40DF-93A3-F6D2DA94457F}"/>
+                  <a16:creationId xmlns:a16="http://schemas.microsoft.com/office/drawing/2014/main" id="{1633CFB1-44F0-43B3-A246-0ABB645AB7B0}"/>
                 </a:ext>
               </a:extLst>
             </p:cNvPr>
@@ -5498,10 +5498,10 @@
           </p:grpSpPr>
           <p:sp>
             <p:nvSpPr>
-              <p:cNvPr id="140" name="Rectangle 139">
+              <p:cNvPr id="285" name="Rectangle 284">
                 <a:extLst>
                   <a:ext uri="{FF2B5EF4-FFF2-40B4-BE49-F238E27FC236}">
-                    <a16:creationId xmlns:a16="http://schemas.microsoft.com/office/drawing/2014/main" id="{074A39D1-7736-44EE-AD6A-497621B2F7B0}"/>
+                    <a16:creationId xmlns:a16="http://schemas.microsoft.com/office/drawing/2014/main" id="{838151FF-B77C-4708-B9C8-4C3058B8B3CC}"/>
                   </a:ext>
                 </a:extLst>
               </p:cNvPr>
@@ -5564,10 +5564,10 @@
           </p:sp>
           <p:sp>
             <p:nvSpPr>
-              <p:cNvPr id="141" name="Rectangle 140">
+              <p:cNvPr id="286" name="Rectangle 285">
                 <a:extLst>
                   <a:ext uri="{FF2B5EF4-FFF2-40B4-BE49-F238E27FC236}">
-                    <a16:creationId xmlns:a16="http://schemas.microsoft.com/office/drawing/2014/main" id="{57239669-7385-43F6-B750-A9F82ECC8740}"/>
+                    <a16:creationId xmlns:a16="http://schemas.microsoft.com/office/drawing/2014/main" id="{69DB2CCB-86E3-4807-9970-54FE1C3B278E}"/>
                   </a:ext>
                 </a:extLst>
               </p:cNvPr>
@@ -5631,17 +5631,17 @@
         </p:grpSp>
         <p:cxnSp>
           <p:nvCxnSpPr>
-            <p:cNvPr id="35" name="Straight Arrow Connector 34">
+            <p:cNvPr id="180" name="Straight Arrow Connector 179">
               <a:extLst>
                 <a:ext uri="{FF2B5EF4-FFF2-40B4-BE49-F238E27FC236}">
-                  <a16:creationId xmlns:a16="http://schemas.microsoft.com/office/drawing/2014/main" id="{6B9FDD89-224D-4C41-80C2-1F3542152FA9}"/>
+                  <a16:creationId xmlns:a16="http://schemas.microsoft.com/office/drawing/2014/main" id="{8A68C2B6-BE33-4AC0-AB39-95162159B020}"/>
                 </a:ext>
               </a:extLst>
             </p:cNvPr>
             <p:cNvCxnSpPr>
               <a:cxnSpLocks/>
-              <a:stCxn id="121" idx="2"/>
-              <a:endCxn id="141" idx="0"/>
+              <a:stCxn id="266" idx="2"/>
+              <a:endCxn id="286" idx="0"/>
             </p:cNvCxnSpPr>
             <p:nvPr/>
           </p:nvCxnSpPr>
@@ -5668,17 +5668,17 @@
         </p:cxnSp>
         <p:cxnSp>
           <p:nvCxnSpPr>
-            <p:cNvPr id="36" name="Straight Arrow Connector 35">
+            <p:cNvPr id="181" name="Straight Arrow Connector 180">
               <a:extLst>
                 <a:ext uri="{FF2B5EF4-FFF2-40B4-BE49-F238E27FC236}">
-                  <a16:creationId xmlns:a16="http://schemas.microsoft.com/office/drawing/2014/main" id="{FF6DCB75-FBF4-4E63-9C98-8C96F51C5A93}"/>
+                  <a16:creationId xmlns:a16="http://schemas.microsoft.com/office/drawing/2014/main" id="{DE41837A-9647-45C1-8FCF-88D9A74E4E36}"/>
                 </a:ext>
               </a:extLst>
             </p:cNvPr>
             <p:cNvCxnSpPr>
               <a:cxnSpLocks/>
-              <a:stCxn id="120" idx="2"/>
-              <a:endCxn id="140" idx="0"/>
+              <a:stCxn id="265" idx="2"/>
+              <a:endCxn id="285" idx="0"/>
             </p:cNvCxnSpPr>
             <p:nvPr/>
           </p:nvCxnSpPr>
@@ -5705,17 +5705,17 @@
         </p:cxnSp>
         <p:cxnSp>
           <p:nvCxnSpPr>
-            <p:cNvPr id="37" name="Connector: Elbow 36">
+            <p:cNvPr id="182" name="Connector: Elbow 181">
               <a:extLst>
                 <a:ext uri="{FF2B5EF4-FFF2-40B4-BE49-F238E27FC236}">
-                  <a16:creationId xmlns:a16="http://schemas.microsoft.com/office/drawing/2014/main" id="{18816A8E-42E3-4518-AACA-4BCCE37C69F6}"/>
+                  <a16:creationId xmlns:a16="http://schemas.microsoft.com/office/drawing/2014/main" id="{4AEF7212-CF52-425B-9308-900C3BCB6320}"/>
                 </a:ext>
               </a:extLst>
             </p:cNvPr>
             <p:cNvCxnSpPr>
               <a:cxnSpLocks/>
-              <a:stCxn id="136" idx="2"/>
-              <a:endCxn id="133" idx="2"/>
+              <a:stCxn id="281" idx="2"/>
+              <a:endCxn id="278" idx="2"/>
             </p:cNvCxnSpPr>
             <p:nvPr/>
           </p:nvCxnSpPr>
@@ -5742,10 +5742,10 @@
         </p:cxnSp>
         <p:grpSp>
           <p:nvGrpSpPr>
-            <p:cNvPr id="38" name="Group 37">
+            <p:cNvPr id="183" name="Group 182">
               <a:extLst>
                 <a:ext uri="{FF2B5EF4-FFF2-40B4-BE49-F238E27FC236}">
-                  <a16:creationId xmlns:a16="http://schemas.microsoft.com/office/drawing/2014/main" id="{B025FF27-42DC-4170-87E3-E61481CAE4E3}"/>
+                  <a16:creationId xmlns:a16="http://schemas.microsoft.com/office/drawing/2014/main" id="{7A895094-B0C8-4C01-A4BB-B17C2D854DA3}"/>
                 </a:ext>
               </a:extLst>
             </p:cNvPr>
@@ -5765,10 +5765,10 @@
           </p:grpSpPr>
           <p:sp>
             <p:nvSpPr>
-              <p:cNvPr id="138" name="Rectangle 137">
+              <p:cNvPr id="283" name="Rectangle 282">
                 <a:extLst>
                   <a:ext uri="{FF2B5EF4-FFF2-40B4-BE49-F238E27FC236}">
-                    <a16:creationId xmlns:a16="http://schemas.microsoft.com/office/drawing/2014/main" id="{0E9C81A8-CFAD-42EB-A5EC-D72AB60A5009}"/>
+                    <a16:creationId xmlns:a16="http://schemas.microsoft.com/office/drawing/2014/main" id="{645FF571-14D3-49AA-A875-2F8727317F5E}"/>
                   </a:ext>
                 </a:extLst>
               </p:cNvPr>
@@ -5831,10 +5831,10 @@
           </p:sp>
           <p:sp>
             <p:nvSpPr>
-              <p:cNvPr id="139" name="Rectangle 138">
+              <p:cNvPr id="284" name="Rectangle 283">
                 <a:extLst>
                   <a:ext uri="{FF2B5EF4-FFF2-40B4-BE49-F238E27FC236}">
-                    <a16:creationId xmlns:a16="http://schemas.microsoft.com/office/drawing/2014/main" id="{E42C3EDB-322A-4CE2-993E-831B5D4DC78C}"/>
+                    <a16:creationId xmlns:a16="http://schemas.microsoft.com/office/drawing/2014/main" id="{7BD7B113-AC14-4512-AC14-431F4CD48202}"/>
                   </a:ext>
                 </a:extLst>
               </p:cNvPr>
@@ -5898,10 +5898,10 @@
         </p:grpSp>
         <p:grpSp>
           <p:nvGrpSpPr>
-            <p:cNvPr id="39" name="Group 38">
+            <p:cNvPr id="184" name="Group 183">
               <a:extLst>
                 <a:ext uri="{FF2B5EF4-FFF2-40B4-BE49-F238E27FC236}">
-                  <a16:creationId xmlns:a16="http://schemas.microsoft.com/office/drawing/2014/main" id="{E07EDD10-5F31-4303-8442-9A70E4F51B59}"/>
+                  <a16:creationId xmlns:a16="http://schemas.microsoft.com/office/drawing/2014/main" id="{602A0555-FC83-47FD-BDC6-688FE7E88D1A}"/>
                 </a:ext>
               </a:extLst>
             </p:cNvPr>
@@ -5921,10 +5921,10 @@
           </p:grpSpPr>
           <p:sp>
             <p:nvSpPr>
-              <p:cNvPr id="136" name="Rectangle 135">
+              <p:cNvPr id="281" name="Rectangle 280">
                 <a:extLst>
                   <a:ext uri="{FF2B5EF4-FFF2-40B4-BE49-F238E27FC236}">
-                    <a16:creationId xmlns:a16="http://schemas.microsoft.com/office/drawing/2014/main" id="{3C5989FF-8089-48C4-B5E1-BC257E9CF3B4}"/>
+                    <a16:creationId xmlns:a16="http://schemas.microsoft.com/office/drawing/2014/main" id="{18B2424F-B096-4866-9B94-23A3E9A00339}"/>
                   </a:ext>
                 </a:extLst>
               </p:cNvPr>
@@ -5987,10 +5987,10 @@
           </p:sp>
           <p:sp>
             <p:nvSpPr>
-              <p:cNvPr id="137" name="Rectangle 136">
+              <p:cNvPr id="282" name="Rectangle 281">
                 <a:extLst>
                   <a:ext uri="{FF2B5EF4-FFF2-40B4-BE49-F238E27FC236}">
-                    <a16:creationId xmlns:a16="http://schemas.microsoft.com/office/drawing/2014/main" id="{3B96548C-AAD7-4522-8598-73B446CF5F7F}"/>
+                    <a16:creationId xmlns:a16="http://schemas.microsoft.com/office/drawing/2014/main" id="{CC612F49-75D3-4661-B543-5F42BD5A9D2A}"/>
                   </a:ext>
                 </a:extLst>
               </p:cNvPr>
@@ -6054,10 +6054,10 @@
         </p:grpSp>
         <p:sp>
           <p:nvSpPr>
-            <p:cNvPr id="40" name="Rectangle 39">
+            <p:cNvPr id="185" name="Rectangle 184">
               <a:extLst>
                 <a:ext uri="{FF2B5EF4-FFF2-40B4-BE49-F238E27FC236}">
-                  <a16:creationId xmlns:a16="http://schemas.microsoft.com/office/drawing/2014/main" id="{7E652541-7B8B-442E-82BB-1EDDFFE20189}"/>
+                  <a16:creationId xmlns:a16="http://schemas.microsoft.com/office/drawing/2014/main" id="{746D404A-9D6F-431E-B118-4C69B564D523}"/>
                 </a:ext>
               </a:extLst>
             </p:cNvPr>
@@ -6126,10 +6126,10 @@
         </p:sp>
         <p:sp>
           <p:nvSpPr>
-            <p:cNvPr id="41" name="Rectangle 40">
+            <p:cNvPr id="186" name="Rectangle 185">
               <a:extLst>
                 <a:ext uri="{FF2B5EF4-FFF2-40B4-BE49-F238E27FC236}">
-                  <a16:creationId xmlns:a16="http://schemas.microsoft.com/office/drawing/2014/main" id="{3ABA985C-AB17-41C1-BE42-362E51C9D59F}"/>
+                  <a16:creationId xmlns:a16="http://schemas.microsoft.com/office/drawing/2014/main" id="{7D432F45-9909-4678-9E01-36F7468D6737}"/>
                 </a:ext>
               </a:extLst>
             </p:cNvPr>
@@ -6198,10 +6198,10 @@
         </p:sp>
         <p:sp>
           <p:nvSpPr>
-            <p:cNvPr id="42" name="Rectangle 41">
+            <p:cNvPr id="187" name="Rectangle 186">
               <a:extLst>
                 <a:ext uri="{FF2B5EF4-FFF2-40B4-BE49-F238E27FC236}">
-                  <a16:creationId xmlns:a16="http://schemas.microsoft.com/office/drawing/2014/main" id="{350EFCF8-B165-404A-9C56-FFE499E0A805}"/>
+                  <a16:creationId xmlns:a16="http://schemas.microsoft.com/office/drawing/2014/main" id="{E60CD8EA-566E-4BCE-B2E1-C3FC709748C9}"/>
                 </a:ext>
               </a:extLst>
             </p:cNvPr>
@@ -6266,10 +6266,10 @@
         </p:sp>
         <p:sp>
           <p:nvSpPr>
-            <p:cNvPr id="43" name="Rectangle 42">
+            <p:cNvPr id="188" name="Rectangle 187">
               <a:extLst>
                 <a:ext uri="{FF2B5EF4-FFF2-40B4-BE49-F238E27FC236}">
-                  <a16:creationId xmlns:a16="http://schemas.microsoft.com/office/drawing/2014/main" id="{3DA6C35A-8F4E-4D29-A527-30E62C42B600}"/>
+                  <a16:creationId xmlns:a16="http://schemas.microsoft.com/office/drawing/2014/main" id="{B031D38C-F907-44C3-BADC-F1CFF35C1D2A}"/>
                 </a:ext>
               </a:extLst>
             </p:cNvPr>
@@ -6334,10 +6334,10 @@
         </p:sp>
         <p:sp>
           <p:nvSpPr>
-            <p:cNvPr id="44" name="TextBox 43">
+            <p:cNvPr id="189" name="TextBox 188">
               <a:extLst>
                 <a:ext uri="{FF2B5EF4-FFF2-40B4-BE49-F238E27FC236}">
-                  <a16:creationId xmlns:a16="http://schemas.microsoft.com/office/drawing/2014/main" id="{0797BF7B-273F-417F-86DB-B5EF241285C6}"/>
+                  <a16:creationId xmlns:a16="http://schemas.microsoft.com/office/drawing/2014/main" id="{39B23D5E-0CB2-4058-8570-0D4C30CB4BB3}"/>
                 </a:ext>
               </a:extLst>
             </p:cNvPr>
@@ -6440,10 +6440,10 @@
         </p:sp>
         <p:sp>
           <p:nvSpPr>
-            <p:cNvPr id="45" name="TextBox 44">
+            <p:cNvPr id="190" name="TextBox 189">
               <a:extLst>
                 <a:ext uri="{FF2B5EF4-FFF2-40B4-BE49-F238E27FC236}">
-                  <a16:creationId xmlns:a16="http://schemas.microsoft.com/office/drawing/2014/main" id="{B2DD630B-D221-4350-9E97-057E6413FB1A}"/>
+                  <a16:creationId xmlns:a16="http://schemas.microsoft.com/office/drawing/2014/main" id="{1CB53B38-09B5-4D7A-83D2-E75E85D357B8}"/>
                 </a:ext>
               </a:extLst>
             </p:cNvPr>
@@ -6565,10 +6565,10 @@
         </p:sp>
         <p:grpSp>
           <p:nvGrpSpPr>
-            <p:cNvPr id="46" name="Group 45">
+            <p:cNvPr id="191" name="Group 190">
               <a:extLst>
                 <a:ext uri="{FF2B5EF4-FFF2-40B4-BE49-F238E27FC236}">
-                  <a16:creationId xmlns:a16="http://schemas.microsoft.com/office/drawing/2014/main" id="{232D6E5C-8F31-4747-83A2-70AC3FF77367}"/>
+                  <a16:creationId xmlns:a16="http://schemas.microsoft.com/office/drawing/2014/main" id="{5F1C5237-11C8-4D19-8B98-3B61F7CB2001}"/>
                 </a:ext>
               </a:extLst>
             </p:cNvPr>
@@ -6585,10 +6585,10 @@
           </p:grpSpPr>
           <p:sp>
             <p:nvSpPr>
-              <p:cNvPr id="134" name="Rectangle 133">
+              <p:cNvPr id="279" name="Rectangle 278">
                 <a:extLst>
                   <a:ext uri="{FF2B5EF4-FFF2-40B4-BE49-F238E27FC236}">
-                    <a16:creationId xmlns:a16="http://schemas.microsoft.com/office/drawing/2014/main" id="{4C248011-DA4D-4353-AA1C-005586DB0C9A}"/>
+                    <a16:creationId xmlns:a16="http://schemas.microsoft.com/office/drawing/2014/main" id="{AF5B8A81-A31D-475C-9796-19EBCD7CA3E9}"/>
                   </a:ext>
                 </a:extLst>
               </p:cNvPr>
@@ -6657,10 +6657,10 @@
           </p:sp>
           <p:sp>
             <p:nvSpPr>
-              <p:cNvPr id="135" name="Rectangle 134">
+              <p:cNvPr id="280" name="Rectangle 279">
                 <a:extLst>
                   <a:ext uri="{FF2B5EF4-FFF2-40B4-BE49-F238E27FC236}">
-                    <a16:creationId xmlns:a16="http://schemas.microsoft.com/office/drawing/2014/main" id="{8C0CD56E-3DDC-43B7-9AB9-133370F44498}"/>
+                    <a16:creationId xmlns:a16="http://schemas.microsoft.com/office/drawing/2014/main" id="{ACDE9600-EF3B-476E-983B-F0DE02C9725F}"/>
                   </a:ext>
                 </a:extLst>
               </p:cNvPr>
@@ -6730,10 +6730,10 @@
         </p:grpSp>
         <p:grpSp>
           <p:nvGrpSpPr>
-            <p:cNvPr id="47" name="Group 46">
+            <p:cNvPr id="192" name="Group 191">
               <a:extLst>
                 <a:ext uri="{FF2B5EF4-FFF2-40B4-BE49-F238E27FC236}">
-                  <a16:creationId xmlns:a16="http://schemas.microsoft.com/office/drawing/2014/main" id="{13430ADD-CD76-4BA8-882B-B968B4E108CB}"/>
+                  <a16:creationId xmlns:a16="http://schemas.microsoft.com/office/drawing/2014/main" id="{77D880A4-657A-4344-8C33-0F88596E28BB}"/>
                 </a:ext>
               </a:extLst>
             </p:cNvPr>
@@ -6750,10 +6750,10 @@
           </p:grpSpPr>
           <p:sp>
             <p:nvSpPr>
-              <p:cNvPr id="132" name="Rectangle 131">
+              <p:cNvPr id="277" name="Rectangle 276">
                 <a:extLst>
                   <a:ext uri="{FF2B5EF4-FFF2-40B4-BE49-F238E27FC236}">
-                    <a16:creationId xmlns:a16="http://schemas.microsoft.com/office/drawing/2014/main" id="{FC5DF3B8-F375-4A7B-84FD-69209CA79AFA}"/>
+                    <a16:creationId xmlns:a16="http://schemas.microsoft.com/office/drawing/2014/main" id="{B7FE5305-591C-4A66-BF68-B42DB830A351}"/>
                   </a:ext>
                 </a:extLst>
               </p:cNvPr>
@@ -6822,10 +6822,10 @@
           </p:sp>
           <p:sp>
             <p:nvSpPr>
-              <p:cNvPr id="133" name="Rectangle 132">
+              <p:cNvPr id="278" name="Rectangle 277">
                 <a:extLst>
                   <a:ext uri="{FF2B5EF4-FFF2-40B4-BE49-F238E27FC236}">
-                    <a16:creationId xmlns:a16="http://schemas.microsoft.com/office/drawing/2014/main" id="{79749B7D-AA95-4556-90C5-FE769FFC0B5C}"/>
+                    <a16:creationId xmlns:a16="http://schemas.microsoft.com/office/drawing/2014/main" id="{F2F30EA1-2627-44AB-B744-A0B5484CB0BA}"/>
                   </a:ext>
                 </a:extLst>
               </p:cNvPr>
@@ -6895,10 +6895,10 @@
         </p:grpSp>
         <p:grpSp>
           <p:nvGrpSpPr>
-            <p:cNvPr id="48" name="Group 47">
+            <p:cNvPr id="193" name="Group 192">
               <a:extLst>
                 <a:ext uri="{FF2B5EF4-FFF2-40B4-BE49-F238E27FC236}">
-                  <a16:creationId xmlns:a16="http://schemas.microsoft.com/office/drawing/2014/main" id="{AB04E4AE-B1DB-4BC8-877A-3C2E0FA91D66}"/>
+                  <a16:creationId xmlns:a16="http://schemas.microsoft.com/office/drawing/2014/main" id="{0811ACF1-B2C0-4C74-8C62-4603569E3AE2}"/>
                 </a:ext>
               </a:extLst>
             </p:cNvPr>
@@ -6915,10 +6915,10 @@
           </p:grpSpPr>
           <p:grpSp>
             <p:nvGrpSpPr>
-              <p:cNvPr id="128" name="Group 127">
+              <p:cNvPr id="273" name="Group 272">
                 <a:extLst>
                   <a:ext uri="{FF2B5EF4-FFF2-40B4-BE49-F238E27FC236}">
-                    <a16:creationId xmlns:a16="http://schemas.microsoft.com/office/drawing/2014/main" id="{BF79A6E7-8BFA-44A5-A6E4-0F00ACD9E5DE}"/>
+                    <a16:creationId xmlns:a16="http://schemas.microsoft.com/office/drawing/2014/main" id="{53B0C15B-5C6F-41B3-9071-A38EC651EB7F}"/>
                   </a:ext>
                 </a:extLst>
               </p:cNvPr>
@@ -6938,10 +6938,10 @@
             </p:grpSpPr>
             <p:sp>
               <p:nvSpPr>
-                <p:cNvPr id="130" name="Rectangle 129">
+                <p:cNvPr id="275" name="Rectangle 274">
                   <a:extLst>
                     <a:ext uri="{FF2B5EF4-FFF2-40B4-BE49-F238E27FC236}">
-                      <a16:creationId xmlns:a16="http://schemas.microsoft.com/office/drawing/2014/main" id="{8830683B-90C3-4992-93BB-EDEFE4FB0A44}"/>
+                      <a16:creationId xmlns:a16="http://schemas.microsoft.com/office/drawing/2014/main" id="{B1768E85-B82E-4C7E-BF1F-BDAF4980F43D}"/>
                     </a:ext>
                   </a:extLst>
                 </p:cNvPr>
@@ -7006,10 +7006,10 @@
             </p:sp>
             <p:sp>
               <p:nvSpPr>
-                <p:cNvPr id="131" name="Rectangle 130">
+                <p:cNvPr id="276" name="Rectangle 275">
                   <a:extLst>
                     <a:ext uri="{FF2B5EF4-FFF2-40B4-BE49-F238E27FC236}">
-                      <a16:creationId xmlns:a16="http://schemas.microsoft.com/office/drawing/2014/main" id="{FC768797-8FDD-4376-AEC0-FC05FC4A7C34}"/>
+                      <a16:creationId xmlns:a16="http://schemas.microsoft.com/office/drawing/2014/main" id="{2AA36889-B287-49C5-827F-0CE266E8B490}"/>
                     </a:ext>
                   </a:extLst>
                 </p:cNvPr>
@@ -7075,10 +7075,10 @@
           </p:grpSp>
           <p:sp>
             <p:nvSpPr>
-              <p:cNvPr id="129" name="TextBox 128">
+              <p:cNvPr id="274" name="TextBox 273">
                 <a:extLst>
                   <a:ext uri="{FF2B5EF4-FFF2-40B4-BE49-F238E27FC236}">
-                    <a16:creationId xmlns:a16="http://schemas.microsoft.com/office/drawing/2014/main" id="{395F048C-805A-45F8-A64C-DE7752275CF7}"/>
+                    <a16:creationId xmlns:a16="http://schemas.microsoft.com/office/drawing/2014/main" id="{26DB8004-388C-4BB0-8F56-7CAD9B5856F1}"/>
                   </a:ext>
                 </a:extLst>
               </p:cNvPr>
@@ -7165,10 +7165,10 @@
         </p:grpSp>
         <p:sp>
           <p:nvSpPr>
-            <p:cNvPr id="49" name="TextBox 48">
+            <p:cNvPr id="194" name="TextBox 193">
               <a:extLst>
                 <a:ext uri="{FF2B5EF4-FFF2-40B4-BE49-F238E27FC236}">
-                  <a16:creationId xmlns:a16="http://schemas.microsoft.com/office/drawing/2014/main" id="{9BA3F6CD-7504-4637-878C-7947EE480A49}"/>
+                  <a16:creationId xmlns:a16="http://schemas.microsoft.com/office/drawing/2014/main" id="{0F787B76-4C49-411A-BA48-E312BFA3E5C7}"/>
                 </a:ext>
               </a:extLst>
             </p:cNvPr>
@@ -7254,10 +7254,10 @@
         </p:sp>
         <p:sp>
           <p:nvSpPr>
-            <p:cNvPr id="50" name="TextBox 49">
+            <p:cNvPr id="195" name="TextBox 194">
               <a:extLst>
                 <a:ext uri="{FF2B5EF4-FFF2-40B4-BE49-F238E27FC236}">
-                  <a16:creationId xmlns:a16="http://schemas.microsoft.com/office/drawing/2014/main" id="{D0303CD8-344C-4296-A872-1E0890A84836}"/>
+                  <a16:creationId xmlns:a16="http://schemas.microsoft.com/office/drawing/2014/main" id="{727C33C2-FEA7-4958-AE56-8B6C895DDEDB}"/>
                 </a:ext>
               </a:extLst>
             </p:cNvPr>
@@ -7343,10 +7343,10 @@
         </p:sp>
         <p:grpSp>
           <p:nvGrpSpPr>
-            <p:cNvPr id="51" name="Group 50">
+            <p:cNvPr id="196" name="Group 195">
               <a:extLst>
                 <a:ext uri="{FF2B5EF4-FFF2-40B4-BE49-F238E27FC236}">
-                  <a16:creationId xmlns:a16="http://schemas.microsoft.com/office/drawing/2014/main" id="{68553256-1340-45F7-8363-E0929317B5BC}"/>
+                  <a16:creationId xmlns:a16="http://schemas.microsoft.com/office/drawing/2014/main" id="{8601BA90-2224-4151-93EB-52FFFFDBBC6D}"/>
                 </a:ext>
               </a:extLst>
             </p:cNvPr>
@@ -7363,10 +7363,10 @@
           </p:grpSpPr>
           <p:grpSp>
             <p:nvGrpSpPr>
-              <p:cNvPr id="112" name="Group 111">
+              <p:cNvPr id="257" name="Group 256">
                 <a:extLst>
                   <a:ext uri="{FF2B5EF4-FFF2-40B4-BE49-F238E27FC236}">
-                    <a16:creationId xmlns:a16="http://schemas.microsoft.com/office/drawing/2014/main" id="{C07F74F6-7EA5-4ED9-AEA6-654D08B54C05}"/>
+                    <a16:creationId xmlns:a16="http://schemas.microsoft.com/office/drawing/2014/main" id="{77B1589E-1144-4D86-85F1-93088A1C5254}"/>
                   </a:ext>
                 </a:extLst>
               </p:cNvPr>
@@ -7383,10 +7383,10 @@
             </p:grpSpPr>
             <p:sp>
               <p:nvSpPr>
-                <p:cNvPr id="124" name="Rectangle 123">
+                <p:cNvPr id="269" name="Rectangle 268">
                   <a:extLst>
                     <a:ext uri="{FF2B5EF4-FFF2-40B4-BE49-F238E27FC236}">
-                      <a16:creationId xmlns:a16="http://schemas.microsoft.com/office/drawing/2014/main" id="{60D8844C-1830-4BC2-87FF-540886918A05}"/>
+                      <a16:creationId xmlns:a16="http://schemas.microsoft.com/office/drawing/2014/main" id="{AF897BD5-5351-42CD-846B-87EC00624DDA}"/>
                     </a:ext>
                   </a:extLst>
                 </p:cNvPr>
@@ -7451,10 +7451,10 @@
             </p:sp>
             <p:sp>
               <p:nvSpPr>
-                <p:cNvPr id="125" name="Rectangle 124">
+                <p:cNvPr id="270" name="Rectangle 269">
                   <a:extLst>
                     <a:ext uri="{FF2B5EF4-FFF2-40B4-BE49-F238E27FC236}">
-                      <a16:creationId xmlns:a16="http://schemas.microsoft.com/office/drawing/2014/main" id="{A577D422-ECE2-4BE7-9CF5-236EC6971E74}"/>
+                      <a16:creationId xmlns:a16="http://schemas.microsoft.com/office/drawing/2014/main" id="{3E56D2A3-6EEE-4E5E-8659-EB2A6D823509}"/>
                     </a:ext>
                   </a:extLst>
                 </p:cNvPr>
@@ -7519,10 +7519,10 @@
             </p:sp>
             <p:sp>
               <p:nvSpPr>
-                <p:cNvPr id="126" name="Rectangle 125">
+                <p:cNvPr id="271" name="Rectangle 270">
                   <a:extLst>
                     <a:ext uri="{FF2B5EF4-FFF2-40B4-BE49-F238E27FC236}">
-                      <a16:creationId xmlns:a16="http://schemas.microsoft.com/office/drawing/2014/main" id="{6152BC19-69E5-4274-9ABA-325A34D1162F}"/>
+                      <a16:creationId xmlns:a16="http://schemas.microsoft.com/office/drawing/2014/main" id="{36C1887D-DCFF-44B4-9574-244D641962C7}"/>
                     </a:ext>
                   </a:extLst>
                 </p:cNvPr>
@@ -7587,10 +7587,10 @@
             </p:sp>
             <p:sp>
               <p:nvSpPr>
-                <p:cNvPr id="127" name="Rectangle 126">
+                <p:cNvPr id="272" name="Rectangle 271">
                   <a:extLst>
                     <a:ext uri="{FF2B5EF4-FFF2-40B4-BE49-F238E27FC236}">
-                      <a16:creationId xmlns:a16="http://schemas.microsoft.com/office/drawing/2014/main" id="{82C3DE35-4C95-4A1C-97B8-B77D1568C386}"/>
+                      <a16:creationId xmlns:a16="http://schemas.microsoft.com/office/drawing/2014/main" id="{6C3B18DA-4702-40FB-A88A-51B795D37B8C}"/>
                     </a:ext>
                   </a:extLst>
                 </p:cNvPr>
@@ -7656,10 +7656,10 @@
           </p:grpSp>
           <p:grpSp>
             <p:nvGrpSpPr>
-              <p:cNvPr id="113" name="Group 112">
+              <p:cNvPr id="258" name="Group 257">
                 <a:extLst>
                   <a:ext uri="{FF2B5EF4-FFF2-40B4-BE49-F238E27FC236}">
-                    <a16:creationId xmlns:a16="http://schemas.microsoft.com/office/drawing/2014/main" id="{B7F59568-A07F-4D68-B4E7-C0276C526B32}"/>
+                    <a16:creationId xmlns:a16="http://schemas.microsoft.com/office/drawing/2014/main" id="{79FF1CC6-015B-46D3-A493-7B80E0078AAA}"/>
                   </a:ext>
                 </a:extLst>
               </p:cNvPr>
@@ -7679,10 +7679,10 @@
             </p:grpSpPr>
             <p:sp>
               <p:nvSpPr>
-                <p:cNvPr id="122" name="Rectangle 121">
+                <p:cNvPr id="267" name="Rectangle 266">
                   <a:extLst>
                     <a:ext uri="{FF2B5EF4-FFF2-40B4-BE49-F238E27FC236}">
-                      <a16:creationId xmlns:a16="http://schemas.microsoft.com/office/drawing/2014/main" id="{37B93456-0EE2-4120-8F7D-7A9405C63C24}"/>
+                      <a16:creationId xmlns:a16="http://schemas.microsoft.com/office/drawing/2014/main" id="{F9D50F62-2484-45A3-8F81-CA0C775DE0E3}"/>
                     </a:ext>
                   </a:extLst>
                 </p:cNvPr>
@@ -7745,10 +7745,10 @@
             </p:sp>
             <p:sp>
               <p:nvSpPr>
-                <p:cNvPr id="123" name="Rectangle 122">
+                <p:cNvPr id="268" name="Rectangle 267">
                   <a:extLst>
                     <a:ext uri="{FF2B5EF4-FFF2-40B4-BE49-F238E27FC236}">
-                      <a16:creationId xmlns:a16="http://schemas.microsoft.com/office/drawing/2014/main" id="{6F50E83C-3D2D-434E-8D58-857DD80531BE}"/>
+                      <a16:creationId xmlns:a16="http://schemas.microsoft.com/office/drawing/2014/main" id="{C3798189-6D2A-4CEE-BD44-0D112B0EFBD8}"/>
                     </a:ext>
                   </a:extLst>
                 </p:cNvPr>
@@ -7812,10 +7812,10 @@
           </p:grpSp>
           <p:grpSp>
             <p:nvGrpSpPr>
-              <p:cNvPr id="114" name="Group 113">
+              <p:cNvPr id="259" name="Group 258">
                 <a:extLst>
                   <a:ext uri="{FF2B5EF4-FFF2-40B4-BE49-F238E27FC236}">
-                    <a16:creationId xmlns:a16="http://schemas.microsoft.com/office/drawing/2014/main" id="{86A4532C-BC67-4585-B3A3-35601D06F458}"/>
+                    <a16:creationId xmlns:a16="http://schemas.microsoft.com/office/drawing/2014/main" id="{71785C89-BF9A-452F-808E-AB5FEE091E5E}"/>
                   </a:ext>
                 </a:extLst>
               </p:cNvPr>
@@ -7835,10 +7835,10 @@
             </p:grpSpPr>
             <p:sp>
               <p:nvSpPr>
-                <p:cNvPr id="120" name="Rectangle 119">
+                <p:cNvPr id="265" name="Rectangle 264">
                   <a:extLst>
                     <a:ext uri="{FF2B5EF4-FFF2-40B4-BE49-F238E27FC236}">
-                      <a16:creationId xmlns:a16="http://schemas.microsoft.com/office/drawing/2014/main" id="{C36F687A-2A55-4EBA-8EB7-50A82460EC52}"/>
+                      <a16:creationId xmlns:a16="http://schemas.microsoft.com/office/drawing/2014/main" id="{91AE00A6-6188-4471-8374-3F3335DD0BBC}"/>
                     </a:ext>
                   </a:extLst>
                 </p:cNvPr>
@@ -7901,10 +7901,10 @@
             </p:sp>
             <p:sp>
               <p:nvSpPr>
-                <p:cNvPr id="121" name="Rectangle 120">
+                <p:cNvPr id="266" name="Rectangle 265">
                   <a:extLst>
                     <a:ext uri="{FF2B5EF4-FFF2-40B4-BE49-F238E27FC236}">
-                      <a16:creationId xmlns:a16="http://schemas.microsoft.com/office/drawing/2014/main" id="{CBC5256E-40CE-4A57-8297-B3291F7B9475}"/>
+                      <a16:creationId xmlns:a16="http://schemas.microsoft.com/office/drawing/2014/main" id="{8CB92D39-53EB-4276-AEED-7E64987C0B63}"/>
                     </a:ext>
                   </a:extLst>
                 </p:cNvPr>
@@ -7968,10 +7968,10 @@
           </p:grpSp>
           <p:grpSp>
             <p:nvGrpSpPr>
-              <p:cNvPr id="115" name="Group 114">
+              <p:cNvPr id="260" name="Group 259">
                 <a:extLst>
                   <a:ext uri="{FF2B5EF4-FFF2-40B4-BE49-F238E27FC236}">
-                    <a16:creationId xmlns:a16="http://schemas.microsoft.com/office/drawing/2014/main" id="{097D9415-4B02-4538-999A-F115AFAA9BDE}"/>
+                    <a16:creationId xmlns:a16="http://schemas.microsoft.com/office/drawing/2014/main" id="{FD8BA574-DFA7-4FEE-AFB8-F82D6A97C7C2}"/>
                   </a:ext>
                 </a:extLst>
               </p:cNvPr>
@@ -7988,10 +7988,10 @@
             </p:grpSpPr>
             <p:grpSp>
               <p:nvGrpSpPr>
-                <p:cNvPr id="116" name="Group 115">
+                <p:cNvPr id="261" name="Group 260">
                   <a:extLst>
                     <a:ext uri="{FF2B5EF4-FFF2-40B4-BE49-F238E27FC236}">
-                      <a16:creationId xmlns:a16="http://schemas.microsoft.com/office/drawing/2014/main" id="{B10C8C42-4A9B-464B-8454-998A4DAA29D9}"/>
+                      <a16:creationId xmlns:a16="http://schemas.microsoft.com/office/drawing/2014/main" id="{32F037BD-F877-4C09-8AB2-B537B341E47C}"/>
                     </a:ext>
                   </a:extLst>
                 </p:cNvPr>
@@ -8011,10 +8011,10 @@
               </p:grpSpPr>
               <p:sp>
                 <p:nvSpPr>
-                  <p:cNvPr id="118" name="Rectangle 455">
+                  <p:cNvPr id="263" name="Rectangle 455">
                     <a:extLst>
                       <a:ext uri="{FF2B5EF4-FFF2-40B4-BE49-F238E27FC236}">
-                        <a16:creationId xmlns:a16="http://schemas.microsoft.com/office/drawing/2014/main" id="{90A2A267-7505-48F8-A2B8-62E21D12E6D5}"/>
+                        <a16:creationId xmlns:a16="http://schemas.microsoft.com/office/drawing/2014/main" id="{7C38B54A-8A1D-43DC-AE4E-7103E2D8A7C0}"/>
                       </a:ext>
                     </a:extLst>
                   </p:cNvPr>
@@ -8079,10 +8079,10 @@
               </p:sp>
               <p:sp>
                 <p:nvSpPr>
-                  <p:cNvPr id="119" name="Rectangle 100">
+                  <p:cNvPr id="264" name="Rectangle 100">
                     <a:extLst>
                       <a:ext uri="{FF2B5EF4-FFF2-40B4-BE49-F238E27FC236}">
-                        <a16:creationId xmlns:a16="http://schemas.microsoft.com/office/drawing/2014/main" id="{DDE8BC64-D4A0-42D0-B210-E44B0047CE79}"/>
+                        <a16:creationId xmlns:a16="http://schemas.microsoft.com/office/drawing/2014/main" id="{C6527463-332B-43F4-8972-628C06B604B9}"/>
                       </a:ext>
                     </a:extLst>
                   </p:cNvPr>
@@ -8148,10 +8148,10 @@
             </p:grpSp>
             <p:sp>
               <p:nvSpPr>
-                <p:cNvPr id="117" name="TextBox 116">
+                <p:cNvPr id="262" name="TextBox 261">
                   <a:extLst>
                     <a:ext uri="{FF2B5EF4-FFF2-40B4-BE49-F238E27FC236}">
-                      <a16:creationId xmlns:a16="http://schemas.microsoft.com/office/drawing/2014/main" id="{46B92C7C-A858-41DA-9785-47B6B84AD5FF}"/>
+                      <a16:creationId xmlns:a16="http://schemas.microsoft.com/office/drawing/2014/main" id="{90B471D8-C30C-4F5D-B378-52120B329D6F}"/>
                     </a:ext>
                   </a:extLst>
                 </p:cNvPr>
@@ -8241,10 +8241,10 @@
         </p:grpSp>
         <p:sp>
           <p:nvSpPr>
-            <p:cNvPr id="52" name="TextBox 51">
+            <p:cNvPr id="197" name="TextBox 196">
               <a:extLst>
                 <a:ext uri="{FF2B5EF4-FFF2-40B4-BE49-F238E27FC236}">
-                  <a16:creationId xmlns:a16="http://schemas.microsoft.com/office/drawing/2014/main" id="{981FAC1B-9A56-47D5-8D64-5029E1311546}"/>
+                  <a16:creationId xmlns:a16="http://schemas.microsoft.com/office/drawing/2014/main" id="{4937AEE3-4478-4D36-BA5C-F7F7CB931886}"/>
                 </a:ext>
               </a:extLst>
             </p:cNvPr>
@@ -8332,10 +8332,10 @@
         </p:sp>
         <p:sp>
           <p:nvSpPr>
-            <p:cNvPr id="53" name="TextBox 52">
+            <p:cNvPr id="198" name="TextBox 197">
               <a:extLst>
                 <a:ext uri="{FF2B5EF4-FFF2-40B4-BE49-F238E27FC236}">
-                  <a16:creationId xmlns:a16="http://schemas.microsoft.com/office/drawing/2014/main" id="{C70D084E-9789-43FF-9279-ED61059C3402}"/>
+                  <a16:creationId xmlns:a16="http://schemas.microsoft.com/office/drawing/2014/main" id="{1E571213-3F1B-49F2-BCFD-C935B9F4032B}"/>
                 </a:ext>
               </a:extLst>
             </p:cNvPr>
@@ -8421,10 +8421,10 @@
         </p:sp>
         <p:sp>
           <p:nvSpPr>
-            <p:cNvPr id="54" name="TextBox 53">
+            <p:cNvPr id="199" name="TextBox 198">
               <a:extLst>
                 <a:ext uri="{FF2B5EF4-FFF2-40B4-BE49-F238E27FC236}">
-                  <a16:creationId xmlns:a16="http://schemas.microsoft.com/office/drawing/2014/main" id="{8903BFCE-9103-4175-8A13-748E61594B1E}"/>
+                  <a16:creationId xmlns:a16="http://schemas.microsoft.com/office/drawing/2014/main" id="{9BF35F59-4B57-4A75-A9BB-0B7940421CEE}"/>
                 </a:ext>
               </a:extLst>
             </p:cNvPr>
@@ -8510,10 +8510,10 @@
         </p:sp>
         <p:sp>
           <p:nvSpPr>
-            <p:cNvPr id="55" name="TextBox 54">
+            <p:cNvPr id="200" name="TextBox 199">
               <a:extLst>
                 <a:ext uri="{FF2B5EF4-FFF2-40B4-BE49-F238E27FC236}">
-                  <a16:creationId xmlns:a16="http://schemas.microsoft.com/office/drawing/2014/main" id="{46EC3018-4B94-4923-A7D9-280CE1874A26}"/>
+                  <a16:creationId xmlns:a16="http://schemas.microsoft.com/office/drawing/2014/main" id="{D8752283-09D6-490B-9E12-12E08AEFDAAA}"/>
                 </a:ext>
               </a:extLst>
             </p:cNvPr>
@@ -8604,10 +8604,10 @@
         </p:sp>
         <p:sp>
           <p:nvSpPr>
-            <p:cNvPr id="56" name="Rectangle 55">
+            <p:cNvPr id="201" name="Rectangle 200">
               <a:extLst>
                 <a:ext uri="{FF2B5EF4-FFF2-40B4-BE49-F238E27FC236}">
-                  <a16:creationId xmlns:a16="http://schemas.microsoft.com/office/drawing/2014/main" id="{E0BDD56A-06DD-42F5-9259-FA8F045143FE}"/>
+                  <a16:creationId xmlns:a16="http://schemas.microsoft.com/office/drawing/2014/main" id="{CFC22E7E-A7A9-45C9-9C55-25EC0B7260C7}"/>
                 </a:ext>
               </a:extLst>
             </p:cNvPr>
@@ -8764,10 +8764,10 @@
         </p:sp>
         <p:sp>
           <p:nvSpPr>
-            <p:cNvPr id="57" name="TextBox 56">
+            <p:cNvPr id="202" name="TextBox 201">
               <a:extLst>
                 <a:ext uri="{FF2B5EF4-FFF2-40B4-BE49-F238E27FC236}">
-                  <a16:creationId xmlns:a16="http://schemas.microsoft.com/office/drawing/2014/main" id="{486E406E-DC35-43F2-8C26-10035BC08F17}"/>
+                  <a16:creationId xmlns:a16="http://schemas.microsoft.com/office/drawing/2014/main" id="{26A6B60C-8F50-4038-BA83-BA89B1AEE943}"/>
                 </a:ext>
               </a:extLst>
             </p:cNvPr>
@@ -8889,10 +8889,10 @@
         </p:sp>
         <p:grpSp>
           <p:nvGrpSpPr>
-            <p:cNvPr id="58" name="Group 57">
+            <p:cNvPr id="203" name="Group 202">
               <a:extLst>
                 <a:ext uri="{FF2B5EF4-FFF2-40B4-BE49-F238E27FC236}">
-                  <a16:creationId xmlns:a16="http://schemas.microsoft.com/office/drawing/2014/main" id="{83E73D65-7AD7-4A65-963A-700A2FA78E96}"/>
+                  <a16:creationId xmlns:a16="http://schemas.microsoft.com/office/drawing/2014/main" id="{29E6E0B5-360F-4DA6-BC41-B8193B421B1B}"/>
                 </a:ext>
               </a:extLst>
             </p:cNvPr>
@@ -8909,10 +8909,10 @@
           </p:grpSpPr>
           <p:sp>
             <p:nvSpPr>
-              <p:cNvPr id="107" name="TextBox 106">
+              <p:cNvPr id="252" name="TextBox 251">
                 <a:extLst>
                   <a:ext uri="{FF2B5EF4-FFF2-40B4-BE49-F238E27FC236}">
-                    <a16:creationId xmlns:a16="http://schemas.microsoft.com/office/drawing/2014/main" id="{A98D3BFF-24BB-4F96-A2A3-36E5B9E1CC02}"/>
+                    <a16:creationId xmlns:a16="http://schemas.microsoft.com/office/drawing/2014/main" id="{A4AE1AAB-F775-429C-950B-CE1988CD88C7}"/>
                   </a:ext>
                 </a:extLst>
               </p:cNvPr>
@@ -9032,10 +9032,10 @@
           </p:sp>
           <p:sp>
             <p:nvSpPr>
-              <p:cNvPr id="108" name="TextBox 107">
+              <p:cNvPr id="253" name="TextBox 252">
                 <a:extLst>
                   <a:ext uri="{FF2B5EF4-FFF2-40B4-BE49-F238E27FC236}">
-                    <a16:creationId xmlns:a16="http://schemas.microsoft.com/office/drawing/2014/main" id="{DFD36206-C7B8-4206-8F6E-45F548E50413}"/>
+                    <a16:creationId xmlns:a16="http://schemas.microsoft.com/office/drawing/2014/main" id="{476C244B-F9B7-4BD7-9CDE-E05E7B78997C}"/>
                   </a:ext>
                 </a:extLst>
               </p:cNvPr>
@@ -9121,10 +9121,10 @@
           </p:sp>
           <p:sp>
             <p:nvSpPr>
-              <p:cNvPr id="109" name="TextBox 108">
+              <p:cNvPr id="254" name="TextBox 253">
                 <a:extLst>
                   <a:ext uri="{FF2B5EF4-FFF2-40B4-BE49-F238E27FC236}">
-                    <a16:creationId xmlns:a16="http://schemas.microsoft.com/office/drawing/2014/main" id="{01E40DA2-3926-43DB-9597-6676932A3CEA}"/>
+                    <a16:creationId xmlns:a16="http://schemas.microsoft.com/office/drawing/2014/main" id="{1E726A58-C235-4DF1-B681-57C7F53E8DAF}"/>
                   </a:ext>
                 </a:extLst>
               </p:cNvPr>
@@ -9210,10 +9210,10 @@
           </p:sp>
           <p:sp>
             <p:nvSpPr>
-              <p:cNvPr id="110" name="TextBox 109">
+              <p:cNvPr id="255" name="TextBox 254">
                 <a:extLst>
                   <a:ext uri="{FF2B5EF4-FFF2-40B4-BE49-F238E27FC236}">
-                    <a16:creationId xmlns:a16="http://schemas.microsoft.com/office/drawing/2014/main" id="{731B6E31-28F5-43DD-8F3F-544895E058B0}"/>
+                    <a16:creationId xmlns:a16="http://schemas.microsoft.com/office/drawing/2014/main" id="{5669F932-A4B0-4DDE-8BF6-E20FE957C554}"/>
                   </a:ext>
                 </a:extLst>
               </p:cNvPr>
@@ -9314,10 +9314,10 @@
           </p:sp>
           <p:sp>
             <p:nvSpPr>
-              <p:cNvPr id="111" name="TextBox 110">
+              <p:cNvPr id="256" name="TextBox 255">
                 <a:extLst>
                   <a:ext uri="{FF2B5EF4-FFF2-40B4-BE49-F238E27FC236}">
-                    <a16:creationId xmlns:a16="http://schemas.microsoft.com/office/drawing/2014/main" id="{52B951BA-BF99-4653-81CF-80082EE66954}"/>
+                    <a16:creationId xmlns:a16="http://schemas.microsoft.com/office/drawing/2014/main" id="{F8ABFB86-2C89-4304-8240-E39034360D32}"/>
                   </a:ext>
                 </a:extLst>
               </p:cNvPr>
@@ -9419,10 +9419,10 @@
         </p:grpSp>
         <p:sp>
           <p:nvSpPr>
-            <p:cNvPr id="59" name="TextBox 58">
+            <p:cNvPr id="204" name="TextBox 203">
               <a:extLst>
                 <a:ext uri="{FF2B5EF4-FFF2-40B4-BE49-F238E27FC236}">
-                  <a16:creationId xmlns:a16="http://schemas.microsoft.com/office/drawing/2014/main" id="{9BD98DAC-6BC2-48A3-AA76-494D2BAAD20F}"/>
+                  <a16:creationId xmlns:a16="http://schemas.microsoft.com/office/drawing/2014/main" id="{CD865BE0-EB49-41A6-9C93-78CD78B88BF0}"/>
                 </a:ext>
               </a:extLst>
             </p:cNvPr>
@@ -9528,10 +9528,10 @@
         </p:sp>
         <p:sp>
           <p:nvSpPr>
-            <p:cNvPr id="60" name="TextBox 59">
+            <p:cNvPr id="205" name="TextBox 204">
               <a:extLst>
                 <a:ext uri="{FF2B5EF4-FFF2-40B4-BE49-F238E27FC236}">
-                  <a16:creationId xmlns:a16="http://schemas.microsoft.com/office/drawing/2014/main" id="{CF7C033E-841B-4634-915D-E1270E254AED}"/>
+                  <a16:creationId xmlns:a16="http://schemas.microsoft.com/office/drawing/2014/main" id="{F50BB480-25E4-494E-BA59-59479722A561}"/>
                 </a:ext>
               </a:extLst>
             </p:cNvPr>
@@ -9617,10 +9617,10 @@
         </p:sp>
         <p:sp>
           <p:nvSpPr>
-            <p:cNvPr id="61" name="TextBox 60">
+            <p:cNvPr id="206" name="TextBox 205">
               <a:extLst>
                 <a:ext uri="{FF2B5EF4-FFF2-40B4-BE49-F238E27FC236}">
-                  <a16:creationId xmlns:a16="http://schemas.microsoft.com/office/drawing/2014/main" id="{C50FE5AB-7960-4782-92B4-2F41FCC9F695}"/>
+                  <a16:creationId xmlns:a16="http://schemas.microsoft.com/office/drawing/2014/main" id="{224B0F91-F385-488D-9975-5856FB68DF5C}"/>
                 </a:ext>
               </a:extLst>
             </p:cNvPr>
@@ -9706,10 +9706,10 @@
         </p:sp>
         <p:sp>
           <p:nvSpPr>
-            <p:cNvPr id="62" name="TextBox 61">
+            <p:cNvPr id="207" name="TextBox 206">
               <a:extLst>
                 <a:ext uri="{FF2B5EF4-FFF2-40B4-BE49-F238E27FC236}">
-                  <a16:creationId xmlns:a16="http://schemas.microsoft.com/office/drawing/2014/main" id="{BBB873D7-738E-4FFA-8468-F5A25F42FA01}"/>
+                  <a16:creationId xmlns:a16="http://schemas.microsoft.com/office/drawing/2014/main" id="{54D647E2-9386-436C-90E3-6E3166D3BFE9}"/>
                 </a:ext>
               </a:extLst>
             </p:cNvPr>
@@ -9779,10 +9779,10 @@
         </p:sp>
         <p:sp>
           <p:nvSpPr>
-            <p:cNvPr id="63" name="TextBox 62">
+            <p:cNvPr id="208" name="TextBox 207">
               <a:extLst>
                 <a:ext uri="{FF2B5EF4-FFF2-40B4-BE49-F238E27FC236}">
-                  <a16:creationId xmlns:a16="http://schemas.microsoft.com/office/drawing/2014/main" id="{D61CA658-28BE-49AC-B17A-8F39B1F3ADC2}"/>
+                  <a16:creationId xmlns:a16="http://schemas.microsoft.com/office/drawing/2014/main" id="{D6E7DA64-F177-45A4-8063-4F26AA653FDE}"/>
                 </a:ext>
               </a:extLst>
             </p:cNvPr>
@@ -9852,10 +9852,10 @@
         </p:sp>
         <p:sp>
           <p:nvSpPr>
-            <p:cNvPr id="64" name="TextBox 63">
+            <p:cNvPr id="209" name="TextBox 208">
               <a:extLst>
                 <a:ext uri="{FF2B5EF4-FFF2-40B4-BE49-F238E27FC236}">
-                  <a16:creationId xmlns:a16="http://schemas.microsoft.com/office/drawing/2014/main" id="{7AF3F467-AE9F-4B62-B633-CA1D1D8B13C7}"/>
+                  <a16:creationId xmlns:a16="http://schemas.microsoft.com/office/drawing/2014/main" id="{91D5C9A6-4A37-457E-9AC7-8E51674F0A8E}"/>
                 </a:ext>
               </a:extLst>
             </p:cNvPr>
@@ -9925,10 +9925,10 @@
         </p:sp>
         <p:sp>
           <p:nvSpPr>
-            <p:cNvPr id="65" name="TextBox 64">
+            <p:cNvPr id="210" name="TextBox 209">
               <a:extLst>
                 <a:ext uri="{FF2B5EF4-FFF2-40B4-BE49-F238E27FC236}">
-                  <a16:creationId xmlns:a16="http://schemas.microsoft.com/office/drawing/2014/main" id="{377F2CDD-1254-4A29-922C-55841F0FD9AD}"/>
+                  <a16:creationId xmlns:a16="http://schemas.microsoft.com/office/drawing/2014/main" id="{3F26082F-60B8-4FBA-8E6D-A75252179F94}"/>
                 </a:ext>
               </a:extLst>
             </p:cNvPr>
@@ -10024,16 +10024,16 @@
         </p:sp>
         <p:cxnSp>
           <p:nvCxnSpPr>
-            <p:cNvPr id="66" name="Straight Arrow Connector 65">
+            <p:cNvPr id="211" name="Straight Arrow Connector 210">
               <a:extLst>
                 <a:ext uri="{FF2B5EF4-FFF2-40B4-BE49-F238E27FC236}">
-                  <a16:creationId xmlns:a16="http://schemas.microsoft.com/office/drawing/2014/main" id="{AB6DB4A8-8BD1-4ED5-A13B-1392CD9D4153}"/>
+                  <a16:creationId xmlns:a16="http://schemas.microsoft.com/office/drawing/2014/main" id="{421FB327-59AC-485D-96FF-11CAF6D8371C}"/>
                 </a:ext>
               </a:extLst>
             </p:cNvPr>
             <p:cNvCxnSpPr>
               <a:cxnSpLocks/>
-              <a:endCxn id="52" idx="0"/>
+              <a:endCxn id="197" idx="0"/>
             </p:cNvCxnSpPr>
             <p:nvPr/>
           </p:nvCxnSpPr>
@@ -10059,10 +10059,10 @@
         </p:cxnSp>
         <p:sp>
           <p:nvSpPr>
-            <p:cNvPr id="67" name="TextBox 66">
+            <p:cNvPr id="212" name="TextBox 211">
               <a:extLst>
                 <a:ext uri="{FF2B5EF4-FFF2-40B4-BE49-F238E27FC236}">
-                  <a16:creationId xmlns:a16="http://schemas.microsoft.com/office/drawing/2014/main" id="{CF513170-8BC2-4018-9018-374D00288864}"/>
+                  <a16:creationId xmlns:a16="http://schemas.microsoft.com/office/drawing/2014/main" id="{62824DE1-BC8B-42FF-822C-29F31C752F74}"/>
                 </a:ext>
               </a:extLst>
             </p:cNvPr>
@@ -10165,10 +10165,10 @@
         </p:sp>
         <p:sp>
           <p:nvSpPr>
-            <p:cNvPr id="68" name="TextBox 67">
+            <p:cNvPr id="213" name="TextBox 212">
               <a:extLst>
                 <a:ext uri="{FF2B5EF4-FFF2-40B4-BE49-F238E27FC236}">
-                  <a16:creationId xmlns:a16="http://schemas.microsoft.com/office/drawing/2014/main" id="{FDBA9213-4142-4D53-AEBE-C58076872095}"/>
+                  <a16:creationId xmlns:a16="http://schemas.microsoft.com/office/drawing/2014/main" id="{C357D165-487B-4C07-AC1A-B81A0B522A3F}"/>
                 </a:ext>
               </a:extLst>
             </p:cNvPr>
@@ -10252,17 +10252,17 @@
         </p:sp>
         <p:cxnSp>
           <p:nvCxnSpPr>
-            <p:cNvPr id="69" name="Straight Arrow Connector 68">
+            <p:cNvPr id="214" name="Straight Arrow Connector 213">
               <a:extLst>
                 <a:ext uri="{FF2B5EF4-FFF2-40B4-BE49-F238E27FC236}">
-                  <a16:creationId xmlns:a16="http://schemas.microsoft.com/office/drawing/2014/main" id="{F548192E-C09F-4613-93CF-7F21C0BE947E}"/>
+                  <a16:creationId xmlns:a16="http://schemas.microsoft.com/office/drawing/2014/main" id="{6F6CF390-595D-4586-93EC-0A02CD46AC8D}"/>
                 </a:ext>
               </a:extLst>
             </p:cNvPr>
             <p:cNvCxnSpPr>
               <a:cxnSpLocks/>
-              <a:stCxn id="53" idx="2"/>
-              <a:endCxn id="54" idx="0"/>
+              <a:stCxn id="198" idx="2"/>
+              <a:endCxn id="199" idx="0"/>
             </p:cNvCxnSpPr>
             <p:nvPr/>
           </p:nvCxnSpPr>
@@ -10288,17 +10288,17 @@
         </p:cxnSp>
         <p:cxnSp>
           <p:nvCxnSpPr>
-            <p:cNvPr id="70" name="Straight Arrow Connector 69">
+            <p:cNvPr id="215" name="Straight Arrow Connector 214">
               <a:extLst>
                 <a:ext uri="{FF2B5EF4-FFF2-40B4-BE49-F238E27FC236}">
-                  <a16:creationId xmlns:a16="http://schemas.microsoft.com/office/drawing/2014/main" id="{E95E3FE5-B756-4D8F-ABF3-BC1B015C187B}"/>
+                  <a16:creationId xmlns:a16="http://schemas.microsoft.com/office/drawing/2014/main" id="{1E3DFAB5-7813-4DB0-A634-16CFA307ABB5}"/>
                 </a:ext>
               </a:extLst>
             </p:cNvPr>
             <p:cNvCxnSpPr>
               <a:cxnSpLocks/>
-              <a:stCxn id="52" idx="2"/>
-              <a:endCxn id="53" idx="0"/>
+              <a:stCxn id="197" idx="2"/>
+              <a:endCxn id="198" idx="0"/>
             </p:cNvCxnSpPr>
             <p:nvPr/>
           </p:nvCxnSpPr>
@@ -10324,10 +10324,10 @@
         </p:cxnSp>
         <p:sp>
           <p:nvSpPr>
-            <p:cNvPr id="71" name="TextBox 70">
+            <p:cNvPr id="216" name="TextBox 215">
               <a:extLst>
                 <a:ext uri="{FF2B5EF4-FFF2-40B4-BE49-F238E27FC236}">
-                  <a16:creationId xmlns:a16="http://schemas.microsoft.com/office/drawing/2014/main" id="{5CD6597A-3678-402A-B195-7ABB68C9CA1E}"/>
+                  <a16:creationId xmlns:a16="http://schemas.microsoft.com/office/drawing/2014/main" id="{45F24F53-CEE9-4BF2-A629-CA7516B796C7}"/>
                 </a:ext>
               </a:extLst>
             </p:cNvPr>
@@ -10428,10 +10428,10 @@
         </p:sp>
         <p:sp>
           <p:nvSpPr>
-            <p:cNvPr id="72" name="TextBox 71">
+            <p:cNvPr id="217" name="TextBox 216">
               <a:extLst>
                 <a:ext uri="{FF2B5EF4-FFF2-40B4-BE49-F238E27FC236}">
-                  <a16:creationId xmlns:a16="http://schemas.microsoft.com/office/drawing/2014/main" id="{D71FD08B-09D2-4163-AA79-1A391405B925}"/>
+                  <a16:creationId xmlns:a16="http://schemas.microsoft.com/office/drawing/2014/main" id="{D81BC014-843C-4401-9177-7E63FBB6E4FF}"/>
                 </a:ext>
               </a:extLst>
             </p:cNvPr>
@@ -10532,10 +10532,10 @@
         </p:sp>
         <p:sp>
           <p:nvSpPr>
-            <p:cNvPr id="73" name="TextBox 72">
+            <p:cNvPr id="218" name="TextBox 217">
               <a:extLst>
                 <a:ext uri="{FF2B5EF4-FFF2-40B4-BE49-F238E27FC236}">
-                  <a16:creationId xmlns:a16="http://schemas.microsoft.com/office/drawing/2014/main" id="{B58D8D24-3985-48D8-9EEB-02BF05461010}"/>
+                  <a16:creationId xmlns:a16="http://schemas.microsoft.com/office/drawing/2014/main" id="{902CE79B-43CD-4771-B5AE-188F9143280E}"/>
                 </a:ext>
               </a:extLst>
             </p:cNvPr>
@@ -10621,17 +10621,17 @@
         </p:sp>
         <p:cxnSp>
           <p:nvCxnSpPr>
-            <p:cNvPr id="74" name="Straight Arrow Connector 73">
+            <p:cNvPr id="219" name="Straight Arrow Connector 218">
               <a:extLst>
                 <a:ext uri="{FF2B5EF4-FFF2-40B4-BE49-F238E27FC236}">
-                  <a16:creationId xmlns:a16="http://schemas.microsoft.com/office/drawing/2014/main" id="{1CFCAA75-39C2-4BF4-BEC0-37481E490461}"/>
+                  <a16:creationId xmlns:a16="http://schemas.microsoft.com/office/drawing/2014/main" id="{0737D5E3-000E-4D5D-B164-5834E50B958A}"/>
                 </a:ext>
               </a:extLst>
             </p:cNvPr>
             <p:cNvCxnSpPr>
               <a:cxnSpLocks/>
-              <a:stCxn id="54" idx="2"/>
-              <a:endCxn id="73" idx="0"/>
+              <a:stCxn id="199" idx="2"/>
+              <a:endCxn id="218" idx="0"/>
             </p:cNvCxnSpPr>
             <p:nvPr/>
           </p:nvCxnSpPr>
@@ -10657,10 +10657,10 @@
         </p:cxnSp>
         <p:sp>
           <p:nvSpPr>
-            <p:cNvPr id="75" name="TextBox 74">
+            <p:cNvPr id="220" name="TextBox 219">
               <a:extLst>
                 <a:ext uri="{FF2B5EF4-FFF2-40B4-BE49-F238E27FC236}">
-                  <a16:creationId xmlns:a16="http://schemas.microsoft.com/office/drawing/2014/main" id="{4311ABE3-98B2-4D9B-A555-09117D17EA28}"/>
+                  <a16:creationId xmlns:a16="http://schemas.microsoft.com/office/drawing/2014/main" id="{B07E7AEF-E329-473A-8353-0F06867156DB}"/>
                 </a:ext>
               </a:extLst>
             </p:cNvPr>
@@ -10761,17 +10761,17 @@
         </p:sp>
         <p:cxnSp>
           <p:nvCxnSpPr>
-            <p:cNvPr id="76" name="Connector: Elbow 75">
+            <p:cNvPr id="221" name="Connector: Elbow 220">
               <a:extLst>
                 <a:ext uri="{FF2B5EF4-FFF2-40B4-BE49-F238E27FC236}">
-                  <a16:creationId xmlns:a16="http://schemas.microsoft.com/office/drawing/2014/main" id="{29F53F6C-B641-4D49-BCD3-DDD81ED33C44}"/>
+                  <a16:creationId xmlns:a16="http://schemas.microsoft.com/office/drawing/2014/main" id="{53199A3C-95D9-46AF-865E-7302E99579CB}"/>
                 </a:ext>
               </a:extLst>
             </p:cNvPr>
             <p:cNvCxnSpPr>
               <a:cxnSpLocks/>
-              <a:stCxn id="67" idx="2"/>
-              <a:endCxn id="52" idx="3"/>
+              <a:stCxn id="212" idx="2"/>
+              <a:endCxn id="197" idx="3"/>
             </p:cNvCxnSpPr>
             <p:nvPr/>
           </p:nvCxnSpPr>
@@ -10797,10 +10797,10 @@
         </p:cxnSp>
         <p:sp>
           <p:nvSpPr>
-            <p:cNvPr id="77" name="TextBox 76">
+            <p:cNvPr id="222" name="TextBox 221">
               <a:extLst>
                 <a:ext uri="{FF2B5EF4-FFF2-40B4-BE49-F238E27FC236}">
-                  <a16:creationId xmlns:a16="http://schemas.microsoft.com/office/drawing/2014/main" id="{5C292416-F25C-4A98-A29D-5C573C935F7E}"/>
+                  <a16:creationId xmlns:a16="http://schemas.microsoft.com/office/drawing/2014/main" id="{14AFFEA8-68C8-49A0-851A-1C29AFD78598}"/>
                 </a:ext>
               </a:extLst>
             </p:cNvPr>
@@ -10884,10 +10884,10 @@
         </p:sp>
         <p:grpSp>
           <p:nvGrpSpPr>
-            <p:cNvPr id="78" name="Group 77">
+            <p:cNvPr id="223" name="Group 222">
               <a:extLst>
                 <a:ext uri="{FF2B5EF4-FFF2-40B4-BE49-F238E27FC236}">
-                  <a16:creationId xmlns:a16="http://schemas.microsoft.com/office/drawing/2014/main" id="{1A7CD9C7-FDD4-4992-B82A-1A18D20044AF}"/>
+                  <a16:creationId xmlns:a16="http://schemas.microsoft.com/office/drawing/2014/main" id="{56B3DF37-CD23-4CB9-B3A7-618C1A06EA5C}"/>
                 </a:ext>
               </a:extLst>
             </p:cNvPr>
@@ -10904,10 +10904,10 @@
           </p:grpSpPr>
           <p:grpSp>
             <p:nvGrpSpPr>
-              <p:cNvPr id="102" name="Group 101">
+              <p:cNvPr id="247" name="Group 246">
                 <a:extLst>
                   <a:ext uri="{FF2B5EF4-FFF2-40B4-BE49-F238E27FC236}">
-                    <a16:creationId xmlns:a16="http://schemas.microsoft.com/office/drawing/2014/main" id="{FD6196B8-8E6E-4788-9B31-1A7D85850B83}"/>
+                    <a16:creationId xmlns:a16="http://schemas.microsoft.com/office/drawing/2014/main" id="{4D4262E6-47D8-4845-88BC-9D3A87CC427D}"/>
                   </a:ext>
                 </a:extLst>
               </p:cNvPr>
@@ -10924,17 +10924,17 @@
             </p:grpSpPr>
             <p:cxnSp>
               <p:nvCxnSpPr>
-                <p:cNvPr id="104" name="Straight Arrow Connector 103">
+                <p:cNvPr id="249" name="Straight Arrow Connector 248">
                   <a:extLst>
                     <a:ext uri="{FF2B5EF4-FFF2-40B4-BE49-F238E27FC236}">
-                      <a16:creationId xmlns:a16="http://schemas.microsoft.com/office/drawing/2014/main" id="{B58250DE-5CE9-4FDD-BA73-C1B3844C3B28}"/>
+                      <a16:creationId xmlns:a16="http://schemas.microsoft.com/office/drawing/2014/main" id="{26D1D947-FC62-4246-8849-65772D583186}"/>
                     </a:ext>
                   </a:extLst>
                 </p:cNvPr>
                 <p:cNvCxnSpPr>
                   <a:cxnSpLocks/>
-                  <a:stCxn id="17" idx="0"/>
-                  <a:endCxn id="42" idx="0"/>
+                  <a:stCxn id="162" idx="0"/>
+                  <a:endCxn id="187" idx="0"/>
                 </p:cNvCxnSpPr>
                 <p:nvPr/>
               </p:nvCxnSpPr>
@@ -10960,17 +10960,17 @@
             </p:cxnSp>
             <p:cxnSp>
               <p:nvCxnSpPr>
-                <p:cNvPr id="105" name="Straight Arrow Connector 104">
+                <p:cNvPr id="250" name="Straight Arrow Connector 249">
                   <a:extLst>
                     <a:ext uri="{FF2B5EF4-FFF2-40B4-BE49-F238E27FC236}">
-                      <a16:creationId xmlns:a16="http://schemas.microsoft.com/office/drawing/2014/main" id="{BB4DE119-BB59-4F93-B0DE-E61A261DE753}"/>
+                      <a16:creationId xmlns:a16="http://schemas.microsoft.com/office/drawing/2014/main" id="{5093928D-DF2D-4B56-886D-A176833EFA9A}"/>
                     </a:ext>
                   </a:extLst>
                 </p:cNvPr>
                 <p:cNvCxnSpPr>
                   <a:cxnSpLocks/>
-                  <a:stCxn id="40" idx="0"/>
-                  <a:endCxn id="44" idx="2"/>
+                  <a:stCxn id="185" idx="0"/>
+                  <a:endCxn id="189" idx="2"/>
                 </p:cNvCxnSpPr>
                 <p:nvPr/>
               </p:nvCxnSpPr>
@@ -10996,16 +10996,16 @@
             </p:cxnSp>
             <p:cxnSp>
               <p:nvCxnSpPr>
-                <p:cNvPr id="106" name="Connector: Elbow 105">
+                <p:cNvPr id="251" name="Connector: Elbow 250">
                   <a:extLst>
                     <a:ext uri="{FF2B5EF4-FFF2-40B4-BE49-F238E27FC236}">
-                      <a16:creationId xmlns:a16="http://schemas.microsoft.com/office/drawing/2014/main" id="{59668CE9-91BA-45C1-92B3-4133D671E98D}"/>
+                      <a16:creationId xmlns:a16="http://schemas.microsoft.com/office/drawing/2014/main" id="{10F402D8-8D94-41FD-ADF1-F3CFFA633DFF}"/>
                     </a:ext>
                   </a:extLst>
                 </p:cNvPr>
                 <p:cNvCxnSpPr>
-                  <a:stCxn id="41" idx="0"/>
-                  <a:endCxn id="45" idx="3"/>
+                  <a:stCxn id="186" idx="0"/>
+                  <a:endCxn id="190" idx="3"/>
                 </p:cNvCxnSpPr>
                 <p:nvPr/>
               </p:nvCxnSpPr>
@@ -11032,17 +11032,17 @@
           </p:grpSp>
           <p:cxnSp>
             <p:nvCxnSpPr>
-              <p:cNvPr id="103" name="Connector: Elbow 102">
+              <p:cNvPr id="248" name="Connector: Elbow 247">
                 <a:extLst>
                   <a:ext uri="{FF2B5EF4-FFF2-40B4-BE49-F238E27FC236}">
-                    <a16:creationId xmlns:a16="http://schemas.microsoft.com/office/drawing/2014/main" id="{BF20D53F-5ADF-4B12-9A2E-374B8599E00D}"/>
+                    <a16:creationId xmlns:a16="http://schemas.microsoft.com/office/drawing/2014/main" id="{A5E77DAC-ECF0-490F-924D-4918D40CEEC7}"/>
                   </a:ext>
                 </a:extLst>
               </p:cNvPr>
               <p:cNvCxnSpPr>
                 <a:cxnSpLocks/>
-                <a:stCxn id="44" idx="0"/>
-                <a:endCxn id="17" idx="0"/>
+                <a:stCxn id="189" idx="0"/>
+                <a:endCxn id="162" idx="0"/>
               </p:cNvCxnSpPr>
               <p:nvPr/>
             </p:nvCxnSpPr>
@@ -11073,10 +11073,10 @@
         </p:grpSp>
         <p:sp>
           <p:nvSpPr>
-            <p:cNvPr id="79" name="TextBox 78">
+            <p:cNvPr id="224" name="TextBox 223">
               <a:extLst>
                 <a:ext uri="{FF2B5EF4-FFF2-40B4-BE49-F238E27FC236}">
-                  <a16:creationId xmlns:a16="http://schemas.microsoft.com/office/drawing/2014/main" id="{20BED27C-8935-4D34-A812-CBF34E3C910B}"/>
+                  <a16:creationId xmlns:a16="http://schemas.microsoft.com/office/drawing/2014/main" id="{158C5DA1-81DB-40AD-9AC5-882FBB3B9F2D}"/>
                 </a:ext>
               </a:extLst>
             </p:cNvPr>
@@ -11160,10 +11160,10 @@
         </p:sp>
         <p:sp>
           <p:nvSpPr>
-            <p:cNvPr id="80" name="TextBox 79">
+            <p:cNvPr id="225" name="TextBox 224">
               <a:extLst>
                 <a:ext uri="{FF2B5EF4-FFF2-40B4-BE49-F238E27FC236}">
-                  <a16:creationId xmlns:a16="http://schemas.microsoft.com/office/drawing/2014/main" id="{40314573-B491-4149-A696-E6E3BDF7E7B9}"/>
+                  <a16:creationId xmlns:a16="http://schemas.microsoft.com/office/drawing/2014/main" id="{AADAAB74-1FA8-4159-A3E3-DB2ED93B86E3}"/>
                 </a:ext>
               </a:extLst>
             </p:cNvPr>
@@ -11247,10 +11247,10 @@
         </p:sp>
         <p:sp>
           <p:nvSpPr>
-            <p:cNvPr id="81" name="TextBox 80">
+            <p:cNvPr id="226" name="TextBox 225">
               <a:extLst>
                 <a:ext uri="{FF2B5EF4-FFF2-40B4-BE49-F238E27FC236}">
-                  <a16:creationId xmlns:a16="http://schemas.microsoft.com/office/drawing/2014/main" id="{1C43A5C0-4688-4F82-9F23-CF3D63203528}"/>
+                  <a16:creationId xmlns:a16="http://schemas.microsoft.com/office/drawing/2014/main" id="{5509D23D-0204-40E0-85B4-D6A3BD8FEB58}"/>
                 </a:ext>
               </a:extLst>
             </p:cNvPr>
@@ -11334,17 +11334,17 @@
         </p:sp>
         <p:cxnSp>
           <p:nvCxnSpPr>
-            <p:cNvPr id="82" name="Connector: Elbow 81">
+            <p:cNvPr id="227" name="Connector: Elbow 226">
               <a:extLst>
                 <a:ext uri="{FF2B5EF4-FFF2-40B4-BE49-F238E27FC236}">
-                  <a16:creationId xmlns:a16="http://schemas.microsoft.com/office/drawing/2014/main" id="{C8780DDB-EDAA-43E6-B2FD-F14E7AD1D9C7}"/>
+                  <a16:creationId xmlns:a16="http://schemas.microsoft.com/office/drawing/2014/main" id="{6D9CEA41-4DD2-4EDC-89AF-F9C96A443D30}"/>
                 </a:ext>
               </a:extLst>
             </p:cNvPr>
             <p:cNvCxnSpPr>
               <a:cxnSpLocks/>
-              <a:stCxn id="137" idx="2"/>
-              <a:endCxn id="132" idx="2"/>
+              <a:stCxn id="282" idx="2"/>
+              <a:endCxn id="277" idx="2"/>
             </p:cNvCxnSpPr>
             <p:nvPr/>
           </p:nvCxnSpPr>
@@ -11371,17 +11371,17 @@
         </p:cxnSp>
         <p:cxnSp>
           <p:nvCxnSpPr>
-            <p:cNvPr id="83" name="Connector: Elbow 82">
+            <p:cNvPr id="228" name="Connector: Elbow 227">
               <a:extLst>
                 <a:ext uri="{FF2B5EF4-FFF2-40B4-BE49-F238E27FC236}">
-                  <a16:creationId xmlns:a16="http://schemas.microsoft.com/office/drawing/2014/main" id="{A8B8FB62-E3A6-4B30-A480-6BABB7FC113D}"/>
+                  <a16:creationId xmlns:a16="http://schemas.microsoft.com/office/drawing/2014/main" id="{1D7B7775-36F8-4ADD-8DED-E6CE76FF71D4}"/>
                 </a:ext>
               </a:extLst>
             </p:cNvPr>
             <p:cNvCxnSpPr>
               <a:cxnSpLocks/>
-              <a:stCxn id="124" idx="2"/>
-              <a:endCxn id="135" idx="2"/>
+              <a:stCxn id="269" idx="2"/>
+              <a:endCxn id="280" idx="2"/>
             </p:cNvCxnSpPr>
             <p:nvPr/>
           </p:nvCxnSpPr>
@@ -11408,17 +11408,17 @@
         </p:cxnSp>
         <p:cxnSp>
           <p:nvCxnSpPr>
-            <p:cNvPr id="84" name="Connector: Elbow 83">
+            <p:cNvPr id="229" name="Connector: Elbow 228">
               <a:extLst>
                 <a:ext uri="{FF2B5EF4-FFF2-40B4-BE49-F238E27FC236}">
-                  <a16:creationId xmlns:a16="http://schemas.microsoft.com/office/drawing/2014/main" id="{A8A0BC2C-CD46-4BFB-8710-B964F19697B5}"/>
+                  <a16:creationId xmlns:a16="http://schemas.microsoft.com/office/drawing/2014/main" id="{B7A53003-4D8B-49F0-B671-3A95EE3D2B28}"/>
                 </a:ext>
               </a:extLst>
             </p:cNvPr>
             <p:cNvCxnSpPr>
               <a:cxnSpLocks/>
-              <a:stCxn id="125" idx="2"/>
-              <a:endCxn id="134" idx="2"/>
+              <a:stCxn id="270" idx="2"/>
+              <a:endCxn id="279" idx="2"/>
             </p:cNvCxnSpPr>
             <p:nvPr/>
           </p:nvCxnSpPr>
@@ -11445,10 +11445,10 @@
         </p:cxnSp>
         <p:sp>
           <p:nvSpPr>
-            <p:cNvPr id="85" name="TextBox 84">
+            <p:cNvPr id="230" name="TextBox 229">
               <a:extLst>
                 <a:ext uri="{FF2B5EF4-FFF2-40B4-BE49-F238E27FC236}">
-                  <a16:creationId xmlns:a16="http://schemas.microsoft.com/office/drawing/2014/main" id="{7EBFD7BE-0394-43A2-86C3-D884A743B700}"/>
+                  <a16:creationId xmlns:a16="http://schemas.microsoft.com/office/drawing/2014/main" id="{8939296F-B7B8-46F2-8F89-8661A26F6815}"/>
                 </a:ext>
               </a:extLst>
             </p:cNvPr>
@@ -11518,10 +11518,10 @@
         </p:sp>
         <p:sp>
           <p:nvSpPr>
-            <p:cNvPr id="86" name="TextBox 85">
+            <p:cNvPr id="231" name="TextBox 230">
               <a:extLst>
                 <a:ext uri="{FF2B5EF4-FFF2-40B4-BE49-F238E27FC236}">
-                  <a16:creationId xmlns:a16="http://schemas.microsoft.com/office/drawing/2014/main" id="{CCF8B8C7-7C80-4581-951E-18B6538762D9}"/>
+                  <a16:creationId xmlns:a16="http://schemas.microsoft.com/office/drawing/2014/main" id="{2D7C7630-F30B-430B-8D62-4F9BB4FAF823}"/>
                 </a:ext>
               </a:extLst>
             </p:cNvPr>
@@ -11603,17 +11603,17 @@
         </p:sp>
         <p:cxnSp>
           <p:nvCxnSpPr>
-            <p:cNvPr id="87" name="Straight Arrow Connector 86">
+            <p:cNvPr id="232" name="Straight Arrow Connector 231">
               <a:extLst>
                 <a:ext uri="{FF2B5EF4-FFF2-40B4-BE49-F238E27FC236}">
-                  <a16:creationId xmlns:a16="http://schemas.microsoft.com/office/drawing/2014/main" id="{0CD2230E-55DA-4800-BEAF-FC59C2CD94A0}"/>
+                  <a16:creationId xmlns:a16="http://schemas.microsoft.com/office/drawing/2014/main" id="{28F68249-F9F3-42F8-83C5-7C567A6D511B}"/>
                 </a:ext>
               </a:extLst>
             </p:cNvPr>
             <p:cNvCxnSpPr>
               <a:cxnSpLocks/>
-              <a:stCxn id="101" idx="2"/>
-              <a:endCxn id="158" idx="0"/>
+              <a:stCxn id="246" idx="2"/>
+              <a:endCxn id="303" idx="0"/>
             </p:cNvCxnSpPr>
             <p:nvPr/>
           </p:nvCxnSpPr>
@@ -11640,17 +11640,17 @@
         </p:cxnSp>
         <p:cxnSp>
           <p:nvCxnSpPr>
-            <p:cNvPr id="88" name="Straight Arrow Connector 87">
+            <p:cNvPr id="233" name="Straight Arrow Connector 232">
               <a:extLst>
                 <a:ext uri="{FF2B5EF4-FFF2-40B4-BE49-F238E27FC236}">
-                  <a16:creationId xmlns:a16="http://schemas.microsoft.com/office/drawing/2014/main" id="{3C5A6D6B-410B-4DE1-BFD3-A6CC2C10613C}"/>
+                  <a16:creationId xmlns:a16="http://schemas.microsoft.com/office/drawing/2014/main" id="{5DA40C87-EC21-428E-891D-D0FF80F47F55}"/>
                 </a:ext>
               </a:extLst>
             </p:cNvPr>
             <p:cNvCxnSpPr>
               <a:cxnSpLocks/>
-              <a:stCxn id="100" idx="2"/>
-              <a:endCxn id="157" idx="0"/>
+              <a:stCxn id="245" idx="2"/>
+              <a:endCxn id="302" idx="0"/>
             </p:cNvCxnSpPr>
             <p:nvPr/>
           </p:nvCxnSpPr>
@@ -11677,10 +11677,10 @@
         </p:cxnSp>
         <p:grpSp>
           <p:nvGrpSpPr>
-            <p:cNvPr id="89" name="Group 88">
+            <p:cNvPr id="234" name="Group 233">
               <a:extLst>
                 <a:ext uri="{FF2B5EF4-FFF2-40B4-BE49-F238E27FC236}">
-                  <a16:creationId xmlns:a16="http://schemas.microsoft.com/office/drawing/2014/main" id="{5B752510-7031-45D2-B7DB-DB43C2F9F346}"/>
+                  <a16:creationId xmlns:a16="http://schemas.microsoft.com/office/drawing/2014/main" id="{5A6B766E-C7CB-4221-86F7-5B7371257185}"/>
                 </a:ext>
               </a:extLst>
             </p:cNvPr>
@@ -11700,10 +11700,10 @@
           </p:grpSpPr>
           <p:sp>
             <p:nvSpPr>
-              <p:cNvPr id="100" name="Rectangle 99">
+              <p:cNvPr id="245" name="Rectangle 244">
                 <a:extLst>
                   <a:ext uri="{FF2B5EF4-FFF2-40B4-BE49-F238E27FC236}">
-                    <a16:creationId xmlns:a16="http://schemas.microsoft.com/office/drawing/2014/main" id="{B78CD179-DA66-479C-84EF-9822540B8B77}"/>
+                    <a16:creationId xmlns:a16="http://schemas.microsoft.com/office/drawing/2014/main" id="{BB938BE6-F134-4390-99C1-D522CACDD05D}"/>
                   </a:ext>
                 </a:extLst>
               </p:cNvPr>
@@ -11768,10 +11768,10 @@
           </p:sp>
           <p:sp>
             <p:nvSpPr>
-              <p:cNvPr id="101" name="Rectangle 100">
+              <p:cNvPr id="246" name="Rectangle 245">
                 <a:extLst>
                   <a:ext uri="{FF2B5EF4-FFF2-40B4-BE49-F238E27FC236}">
-                    <a16:creationId xmlns:a16="http://schemas.microsoft.com/office/drawing/2014/main" id="{FF80061F-3105-4583-8990-7873CCFD6272}"/>
+                    <a16:creationId xmlns:a16="http://schemas.microsoft.com/office/drawing/2014/main" id="{8A8FF73A-CEF0-4321-BF08-562B46F05047}"/>
                   </a:ext>
                 </a:extLst>
               </p:cNvPr>
@@ -11837,17 +11837,17 @@
         </p:grpSp>
         <p:cxnSp>
           <p:nvCxnSpPr>
-            <p:cNvPr id="90" name="Straight Arrow Connector 89">
+            <p:cNvPr id="235" name="Straight Arrow Connector 234">
               <a:extLst>
                 <a:ext uri="{FF2B5EF4-FFF2-40B4-BE49-F238E27FC236}">
-                  <a16:creationId xmlns:a16="http://schemas.microsoft.com/office/drawing/2014/main" id="{8E543F20-D4E2-45DE-A609-3B1A3AF75F3B}"/>
+                  <a16:creationId xmlns:a16="http://schemas.microsoft.com/office/drawing/2014/main" id="{4E0D027F-C0EB-45A9-A085-A0503D698BC7}"/>
                 </a:ext>
               </a:extLst>
             </p:cNvPr>
             <p:cNvCxnSpPr>
               <a:cxnSpLocks/>
-              <a:stCxn id="99" idx="2"/>
-              <a:endCxn id="156" idx="0"/>
+              <a:stCxn id="244" idx="2"/>
+              <a:endCxn id="301" idx="0"/>
             </p:cNvCxnSpPr>
             <p:nvPr/>
           </p:nvCxnSpPr>
@@ -11874,17 +11874,17 @@
         </p:cxnSp>
         <p:cxnSp>
           <p:nvCxnSpPr>
-            <p:cNvPr id="91" name="Straight Arrow Connector 90">
+            <p:cNvPr id="236" name="Straight Arrow Connector 235">
               <a:extLst>
                 <a:ext uri="{FF2B5EF4-FFF2-40B4-BE49-F238E27FC236}">
-                  <a16:creationId xmlns:a16="http://schemas.microsoft.com/office/drawing/2014/main" id="{8E339A89-4F01-4D98-961F-65AE944990B6}"/>
+                  <a16:creationId xmlns:a16="http://schemas.microsoft.com/office/drawing/2014/main" id="{88118B18-A8B3-411F-811C-D4C0172CDC20}"/>
                 </a:ext>
               </a:extLst>
             </p:cNvPr>
             <p:cNvCxnSpPr>
               <a:cxnSpLocks/>
-              <a:stCxn id="98" idx="2"/>
-              <a:endCxn id="155" idx="0"/>
+              <a:stCxn id="243" idx="2"/>
+              <a:endCxn id="300" idx="0"/>
             </p:cNvCxnSpPr>
             <p:nvPr/>
           </p:nvCxnSpPr>
@@ -11911,10 +11911,10 @@
         </p:cxnSp>
         <p:grpSp>
           <p:nvGrpSpPr>
-            <p:cNvPr id="92" name="Group 91">
+            <p:cNvPr id="237" name="Group 236">
               <a:extLst>
                 <a:ext uri="{FF2B5EF4-FFF2-40B4-BE49-F238E27FC236}">
-                  <a16:creationId xmlns:a16="http://schemas.microsoft.com/office/drawing/2014/main" id="{F009668B-E7E7-4D71-B984-18885B12F37F}"/>
+                  <a16:creationId xmlns:a16="http://schemas.microsoft.com/office/drawing/2014/main" id="{C297B178-ADA8-4315-9014-E5ADC2EE41E4}"/>
                 </a:ext>
               </a:extLst>
             </p:cNvPr>
@@ -11934,10 +11934,10 @@
           </p:grpSpPr>
           <p:sp>
             <p:nvSpPr>
-              <p:cNvPr id="98" name="Rectangle 97">
+              <p:cNvPr id="243" name="Rectangle 242">
                 <a:extLst>
                   <a:ext uri="{FF2B5EF4-FFF2-40B4-BE49-F238E27FC236}">
-                    <a16:creationId xmlns:a16="http://schemas.microsoft.com/office/drawing/2014/main" id="{EFF2B524-1559-46EF-9965-F66302E88A15}"/>
+                    <a16:creationId xmlns:a16="http://schemas.microsoft.com/office/drawing/2014/main" id="{B7AE75DC-1DBD-445E-9533-4F397931C6A2}"/>
                   </a:ext>
                 </a:extLst>
               </p:cNvPr>
@@ -12002,10 +12002,10 @@
           </p:sp>
           <p:sp>
             <p:nvSpPr>
-              <p:cNvPr id="99" name="Rectangle 98">
+              <p:cNvPr id="244" name="Rectangle 243">
                 <a:extLst>
                   <a:ext uri="{FF2B5EF4-FFF2-40B4-BE49-F238E27FC236}">
-                    <a16:creationId xmlns:a16="http://schemas.microsoft.com/office/drawing/2014/main" id="{6E885247-8DA3-40C9-94D3-6C1B6FDDC7A8}"/>
+                    <a16:creationId xmlns:a16="http://schemas.microsoft.com/office/drawing/2014/main" id="{F9183315-E01B-4954-9221-FFD6441B4482}"/>
                   </a:ext>
                 </a:extLst>
               </p:cNvPr>
@@ -12071,10 +12071,10 @@
         </p:grpSp>
         <p:sp>
           <p:nvSpPr>
-            <p:cNvPr id="93" name="TextBox 92">
+            <p:cNvPr id="238" name="TextBox 237">
               <a:extLst>
                 <a:ext uri="{FF2B5EF4-FFF2-40B4-BE49-F238E27FC236}">
-                  <a16:creationId xmlns:a16="http://schemas.microsoft.com/office/drawing/2014/main" id="{F9E092E6-DEA0-4D40-81EC-BCE10ED48CC3}"/>
+                  <a16:creationId xmlns:a16="http://schemas.microsoft.com/office/drawing/2014/main" id="{5C1EE925-A152-478B-BB8B-5668D45E163D}"/>
                 </a:ext>
               </a:extLst>
             </p:cNvPr>
@@ -12146,10 +12146,10 @@
         </p:sp>
         <p:sp>
           <p:nvSpPr>
-            <p:cNvPr id="94" name="TextBox 93">
+            <p:cNvPr id="239" name="TextBox 238">
               <a:extLst>
                 <a:ext uri="{FF2B5EF4-FFF2-40B4-BE49-F238E27FC236}">
-                  <a16:creationId xmlns:a16="http://schemas.microsoft.com/office/drawing/2014/main" id="{E19322F8-0520-4E1E-A01D-E152BB262CD5}"/>
+                  <a16:creationId xmlns:a16="http://schemas.microsoft.com/office/drawing/2014/main" id="{F6912DF3-A56A-44CA-9B55-6CA5184C641A}"/>
                 </a:ext>
               </a:extLst>
             </p:cNvPr>
@@ -12235,10 +12235,10 @@
         </p:sp>
         <p:sp>
           <p:nvSpPr>
-            <p:cNvPr id="95" name="TextBox 94">
+            <p:cNvPr id="240" name="TextBox 239">
               <a:extLst>
                 <a:ext uri="{FF2B5EF4-FFF2-40B4-BE49-F238E27FC236}">
-                  <a16:creationId xmlns:a16="http://schemas.microsoft.com/office/drawing/2014/main" id="{B28C55BE-5B07-4AED-AC79-6B9170C19A6D}"/>
+                  <a16:creationId xmlns:a16="http://schemas.microsoft.com/office/drawing/2014/main" id="{B57C2EEF-25B4-434F-939E-0BC460D7589C}"/>
                 </a:ext>
               </a:extLst>
             </p:cNvPr>
@@ -12308,10 +12308,10 @@
         </p:sp>
         <p:sp>
           <p:nvSpPr>
-            <p:cNvPr id="96" name="TextBox 95">
+            <p:cNvPr id="241" name="TextBox 240">
               <a:extLst>
                 <a:ext uri="{FF2B5EF4-FFF2-40B4-BE49-F238E27FC236}">
-                  <a16:creationId xmlns:a16="http://schemas.microsoft.com/office/drawing/2014/main" id="{24AE4ABB-727A-47D9-B520-007B91519CF0}"/>
+                  <a16:creationId xmlns:a16="http://schemas.microsoft.com/office/drawing/2014/main" id="{F8CB8CA4-45B3-4F2D-8C9C-3810D8E6F0CC}"/>
                 </a:ext>
               </a:extLst>
             </p:cNvPr>
@@ -12381,10 +12381,10 @@
         </p:sp>
         <p:sp>
           <p:nvSpPr>
-            <p:cNvPr id="97" name="TextBox 96">
+            <p:cNvPr id="242" name="TextBox 241">
               <a:extLst>
                 <a:ext uri="{FF2B5EF4-FFF2-40B4-BE49-F238E27FC236}">
-                  <a16:creationId xmlns:a16="http://schemas.microsoft.com/office/drawing/2014/main" id="{EDEB6BE1-44D2-452C-8E25-F8F3B88B69E4}"/>
+                  <a16:creationId xmlns:a16="http://schemas.microsoft.com/office/drawing/2014/main" id="{C0C8B861-0B22-443F-991B-D8F27029E86A}"/>
                 </a:ext>
               </a:extLst>
             </p:cNvPr>
@@ -12453,66 +12453,3147 @@
           </p:txBody>
         </p:sp>
       </p:grpSp>
-      <p:pic>
-        <p:nvPicPr>
-          <p:cNvPr id="8" name="Picture 7">
+      <p:grpSp>
+        <p:nvGrpSpPr>
+          <p:cNvPr id="391" name="Group 390">
             <a:extLst>
               <a:ext uri="{FF2B5EF4-FFF2-40B4-BE49-F238E27FC236}">
-                <a16:creationId xmlns:a16="http://schemas.microsoft.com/office/drawing/2014/main" id="{AF25F65F-8A5F-4E69-8756-9B0CA741C93D}"/>
+                <a16:creationId xmlns:a16="http://schemas.microsoft.com/office/drawing/2014/main" id="{29D9D0D8-6E02-4BE0-BCA4-71D6133F1A20}"/>
               </a:ext>
             </a:extLst>
           </p:cNvPr>
-          <p:cNvPicPr>
-            <a:picLocks noChangeAspect="1"/>
-          </p:cNvPicPr>
+          <p:cNvGrpSpPr/>
           <p:nvPr/>
-        </p:nvPicPr>
-        <p:blipFill>
-          <a:blip r:embed="rId4"/>
-          <a:stretch>
-            <a:fillRect/>
-          </a:stretch>
-        </p:blipFill>
-        <p:spPr>
+        </p:nvGrpSpPr>
+        <p:grpSpPr>
           <a:xfrm>
-            <a:off x="3984967" y="2713302"/>
-            <a:ext cx="3109229" cy="1213209"/>
+            <a:off x="3926564" y="5132173"/>
+            <a:ext cx="3298686" cy="986784"/>
+            <a:chOff x="5849" y="1351048"/>
+            <a:chExt cx="3298686" cy="986784"/>
           </a:xfrm>
-          <a:prstGeom prst="rect">
-            <a:avLst/>
-          </a:prstGeom>
-        </p:spPr>
-      </p:pic>
-      <p:pic>
-        <p:nvPicPr>
-          <p:cNvPr id="9" name="Picture 8">
+        </p:grpSpPr>
+        <p:grpSp>
+          <p:nvGrpSpPr>
+            <p:cNvPr id="392" name="Group 391">
+              <a:extLst>
+                <a:ext uri="{FF2B5EF4-FFF2-40B4-BE49-F238E27FC236}">
+                  <a16:creationId xmlns:a16="http://schemas.microsoft.com/office/drawing/2014/main" id="{E306EDB4-981B-4256-A492-5CF6E8860CE3}"/>
+                </a:ext>
+              </a:extLst>
+            </p:cNvPr>
+            <p:cNvGrpSpPr/>
+            <p:nvPr/>
+          </p:nvGrpSpPr>
+          <p:grpSpPr>
+            <a:xfrm>
+              <a:off x="776937" y="1856456"/>
+              <a:ext cx="1272761" cy="152176"/>
+              <a:chOff x="619066" y="1709531"/>
+              <a:chExt cx="1448273" cy="252739"/>
+            </a:xfrm>
+          </p:grpSpPr>
+          <p:cxnSp>
+            <p:nvCxnSpPr>
+              <p:cNvPr id="416" name="Straight Arrow Connector 415">
+                <a:extLst>
+                  <a:ext uri="{FF2B5EF4-FFF2-40B4-BE49-F238E27FC236}">
+                    <a16:creationId xmlns:a16="http://schemas.microsoft.com/office/drawing/2014/main" id="{C42E7B96-60C5-44FE-8E0A-F51028813FDD}"/>
+                  </a:ext>
+                </a:extLst>
+              </p:cNvPr>
+              <p:cNvCxnSpPr>
+                <a:cxnSpLocks/>
+              </p:cNvCxnSpPr>
+              <p:nvPr/>
+            </p:nvCxnSpPr>
+            <p:spPr>
+              <a:xfrm>
+                <a:off x="619066" y="1709531"/>
+                <a:ext cx="0" cy="252739"/>
+              </a:xfrm>
+              <a:prstGeom prst="straightConnector1">
+                <a:avLst/>
+              </a:prstGeom>
+              <a:noFill/>
+              <a:ln w="19050" cap="flat" cmpd="sng" algn="ctr">
+                <a:solidFill>
+                  <a:srgbClr val="70AD47"/>
+                </a:solidFill>
+                <a:prstDash val="solid"/>
+                <a:miter lim="800000"/>
+                <a:tailEnd type="triangle"/>
+              </a:ln>
+              <a:effectLst/>
+            </p:spPr>
+          </p:cxnSp>
+          <p:cxnSp>
+            <p:nvCxnSpPr>
+              <p:cNvPr id="417" name="Straight Arrow Connector 416">
+                <a:extLst>
+                  <a:ext uri="{FF2B5EF4-FFF2-40B4-BE49-F238E27FC236}">
+                    <a16:creationId xmlns:a16="http://schemas.microsoft.com/office/drawing/2014/main" id="{AC0CE246-9ECD-463C-8558-2283CD4ED136}"/>
+                  </a:ext>
+                </a:extLst>
+              </p:cNvPr>
+              <p:cNvCxnSpPr>
+                <a:cxnSpLocks/>
+              </p:cNvCxnSpPr>
+              <p:nvPr/>
+            </p:nvCxnSpPr>
+            <p:spPr>
+              <a:xfrm>
+                <a:off x="825962" y="1709531"/>
+                <a:ext cx="0" cy="252739"/>
+              </a:xfrm>
+              <a:prstGeom prst="straightConnector1">
+                <a:avLst/>
+              </a:prstGeom>
+              <a:noFill/>
+              <a:ln w="19050" cap="flat" cmpd="sng" algn="ctr">
+                <a:solidFill>
+                  <a:srgbClr val="70AD47"/>
+                </a:solidFill>
+                <a:prstDash val="solid"/>
+                <a:miter lim="800000"/>
+                <a:tailEnd type="triangle"/>
+              </a:ln>
+              <a:effectLst/>
+            </p:spPr>
+          </p:cxnSp>
+          <p:cxnSp>
+            <p:nvCxnSpPr>
+              <p:cNvPr id="418" name="Straight Arrow Connector 417">
+                <a:extLst>
+                  <a:ext uri="{FF2B5EF4-FFF2-40B4-BE49-F238E27FC236}">
+                    <a16:creationId xmlns:a16="http://schemas.microsoft.com/office/drawing/2014/main" id="{77AEEB05-5670-4E9D-8001-E3F338972132}"/>
+                  </a:ext>
+                </a:extLst>
+              </p:cNvPr>
+              <p:cNvCxnSpPr>
+                <a:cxnSpLocks/>
+              </p:cNvCxnSpPr>
+              <p:nvPr/>
+            </p:nvCxnSpPr>
+            <p:spPr>
+              <a:xfrm>
+                <a:off x="1032858" y="1709531"/>
+                <a:ext cx="0" cy="252739"/>
+              </a:xfrm>
+              <a:prstGeom prst="straightConnector1">
+                <a:avLst/>
+              </a:prstGeom>
+              <a:noFill/>
+              <a:ln w="19050" cap="flat" cmpd="sng" algn="ctr">
+                <a:solidFill>
+                  <a:srgbClr val="70AD47"/>
+                </a:solidFill>
+                <a:prstDash val="solid"/>
+                <a:miter lim="800000"/>
+                <a:tailEnd type="triangle"/>
+              </a:ln>
+              <a:effectLst/>
+            </p:spPr>
+          </p:cxnSp>
+          <p:cxnSp>
+            <p:nvCxnSpPr>
+              <p:cNvPr id="419" name="Straight Arrow Connector 418">
+                <a:extLst>
+                  <a:ext uri="{FF2B5EF4-FFF2-40B4-BE49-F238E27FC236}">
+                    <a16:creationId xmlns:a16="http://schemas.microsoft.com/office/drawing/2014/main" id="{BE14A009-77D4-4DCC-A64E-CFAE3EDBECA3}"/>
+                  </a:ext>
+                </a:extLst>
+              </p:cNvPr>
+              <p:cNvCxnSpPr>
+                <a:cxnSpLocks/>
+              </p:cNvCxnSpPr>
+              <p:nvPr/>
+            </p:nvCxnSpPr>
+            <p:spPr>
+              <a:xfrm>
+                <a:off x="1239754" y="1709531"/>
+                <a:ext cx="0" cy="252739"/>
+              </a:xfrm>
+              <a:prstGeom prst="straightConnector1">
+                <a:avLst/>
+              </a:prstGeom>
+              <a:noFill/>
+              <a:ln w="19050" cap="flat" cmpd="sng" algn="ctr">
+                <a:solidFill>
+                  <a:srgbClr val="70AD47"/>
+                </a:solidFill>
+                <a:prstDash val="solid"/>
+                <a:miter lim="800000"/>
+                <a:tailEnd type="triangle"/>
+              </a:ln>
+              <a:effectLst/>
+            </p:spPr>
+          </p:cxnSp>
+          <p:cxnSp>
+            <p:nvCxnSpPr>
+              <p:cNvPr id="420" name="Straight Arrow Connector 419">
+                <a:extLst>
+                  <a:ext uri="{FF2B5EF4-FFF2-40B4-BE49-F238E27FC236}">
+                    <a16:creationId xmlns:a16="http://schemas.microsoft.com/office/drawing/2014/main" id="{F38CE18C-ECA8-4E1A-A8F0-755C5AD0F3A8}"/>
+                  </a:ext>
+                </a:extLst>
+              </p:cNvPr>
+              <p:cNvCxnSpPr>
+                <a:cxnSpLocks/>
+              </p:cNvCxnSpPr>
+              <p:nvPr/>
+            </p:nvCxnSpPr>
+            <p:spPr>
+              <a:xfrm>
+                <a:off x="1446650" y="1709531"/>
+                <a:ext cx="0" cy="252739"/>
+              </a:xfrm>
+              <a:prstGeom prst="straightConnector1">
+                <a:avLst/>
+              </a:prstGeom>
+              <a:noFill/>
+              <a:ln w="19050" cap="flat" cmpd="sng" algn="ctr">
+                <a:solidFill>
+                  <a:srgbClr val="70AD47"/>
+                </a:solidFill>
+                <a:prstDash val="solid"/>
+                <a:miter lim="800000"/>
+                <a:tailEnd type="triangle"/>
+              </a:ln>
+              <a:effectLst/>
+            </p:spPr>
+          </p:cxnSp>
+          <p:cxnSp>
+            <p:nvCxnSpPr>
+              <p:cNvPr id="421" name="Straight Arrow Connector 420">
+                <a:extLst>
+                  <a:ext uri="{FF2B5EF4-FFF2-40B4-BE49-F238E27FC236}">
+                    <a16:creationId xmlns:a16="http://schemas.microsoft.com/office/drawing/2014/main" id="{8277FCDA-8A48-4DB6-8FB1-E2A7423A2055}"/>
+                  </a:ext>
+                </a:extLst>
+              </p:cNvPr>
+              <p:cNvCxnSpPr>
+                <a:cxnSpLocks/>
+              </p:cNvCxnSpPr>
+              <p:nvPr/>
+            </p:nvCxnSpPr>
+            <p:spPr>
+              <a:xfrm>
+                <a:off x="1653546" y="1709531"/>
+                <a:ext cx="0" cy="252739"/>
+              </a:xfrm>
+              <a:prstGeom prst="straightConnector1">
+                <a:avLst/>
+              </a:prstGeom>
+              <a:noFill/>
+              <a:ln w="19050" cap="flat" cmpd="sng" algn="ctr">
+                <a:solidFill>
+                  <a:srgbClr val="70AD47"/>
+                </a:solidFill>
+                <a:prstDash val="solid"/>
+                <a:miter lim="800000"/>
+                <a:tailEnd type="triangle"/>
+              </a:ln>
+              <a:effectLst/>
+            </p:spPr>
+          </p:cxnSp>
+          <p:cxnSp>
+            <p:nvCxnSpPr>
+              <p:cNvPr id="422" name="Straight Arrow Connector 421">
+                <a:extLst>
+                  <a:ext uri="{FF2B5EF4-FFF2-40B4-BE49-F238E27FC236}">
+                    <a16:creationId xmlns:a16="http://schemas.microsoft.com/office/drawing/2014/main" id="{846FE06D-64DA-45D0-9C7F-147EA6BDD1B2}"/>
+                  </a:ext>
+                </a:extLst>
+              </p:cNvPr>
+              <p:cNvCxnSpPr>
+                <a:cxnSpLocks/>
+              </p:cNvCxnSpPr>
+              <p:nvPr/>
+            </p:nvCxnSpPr>
+            <p:spPr>
+              <a:xfrm>
+                <a:off x="1860442" y="1709531"/>
+                <a:ext cx="0" cy="252739"/>
+              </a:xfrm>
+              <a:prstGeom prst="straightConnector1">
+                <a:avLst/>
+              </a:prstGeom>
+              <a:noFill/>
+              <a:ln w="19050" cap="flat" cmpd="sng" algn="ctr">
+                <a:solidFill>
+                  <a:srgbClr val="70AD47"/>
+                </a:solidFill>
+                <a:prstDash val="solid"/>
+                <a:miter lim="800000"/>
+                <a:tailEnd type="triangle"/>
+              </a:ln>
+              <a:effectLst/>
+            </p:spPr>
+          </p:cxnSp>
+          <p:cxnSp>
+            <p:nvCxnSpPr>
+              <p:cNvPr id="423" name="Straight Arrow Connector 422">
+                <a:extLst>
+                  <a:ext uri="{FF2B5EF4-FFF2-40B4-BE49-F238E27FC236}">
+                    <a16:creationId xmlns:a16="http://schemas.microsoft.com/office/drawing/2014/main" id="{0B6D6C82-0183-4CE5-879A-2434098513BD}"/>
+                  </a:ext>
+                </a:extLst>
+              </p:cNvPr>
+              <p:cNvCxnSpPr>
+                <a:cxnSpLocks/>
+              </p:cNvCxnSpPr>
+              <p:nvPr/>
+            </p:nvCxnSpPr>
+            <p:spPr>
+              <a:xfrm>
+                <a:off x="2067339" y="1709531"/>
+                <a:ext cx="0" cy="252739"/>
+              </a:xfrm>
+              <a:prstGeom prst="straightConnector1">
+                <a:avLst/>
+              </a:prstGeom>
+              <a:noFill/>
+              <a:ln w="19050" cap="flat" cmpd="sng" algn="ctr">
+                <a:solidFill>
+                  <a:srgbClr val="70AD47"/>
+                </a:solidFill>
+                <a:prstDash val="solid"/>
+                <a:miter lim="800000"/>
+                <a:tailEnd type="triangle"/>
+              </a:ln>
+              <a:effectLst/>
+            </p:spPr>
+          </p:cxnSp>
+        </p:grpSp>
+        <p:grpSp>
+          <p:nvGrpSpPr>
+            <p:cNvPr id="393" name="Group 392">
+              <a:extLst>
+                <a:ext uri="{FF2B5EF4-FFF2-40B4-BE49-F238E27FC236}">
+                  <a16:creationId xmlns:a16="http://schemas.microsoft.com/office/drawing/2014/main" id="{8DC2B4BE-D10B-478D-B997-58BFDFE72D9C}"/>
+                </a:ext>
+              </a:extLst>
+            </p:cNvPr>
+            <p:cNvGrpSpPr/>
+            <p:nvPr/>
+          </p:nvGrpSpPr>
+          <p:grpSpPr>
+            <a:xfrm rot="10800000">
+              <a:off x="776937" y="2131737"/>
+              <a:ext cx="1272761" cy="152176"/>
+              <a:chOff x="619066" y="1709531"/>
+              <a:chExt cx="1448273" cy="252739"/>
+            </a:xfrm>
+            <a:solidFill>
+              <a:srgbClr val="0070C0"/>
+            </a:solidFill>
+          </p:grpSpPr>
+          <p:cxnSp>
+            <p:nvCxnSpPr>
+              <p:cNvPr id="408" name="Straight Arrow Connector 407">
+                <a:extLst>
+                  <a:ext uri="{FF2B5EF4-FFF2-40B4-BE49-F238E27FC236}">
+                    <a16:creationId xmlns:a16="http://schemas.microsoft.com/office/drawing/2014/main" id="{EE543896-32FF-4113-8738-2ABCAAC126FE}"/>
+                  </a:ext>
+                </a:extLst>
+              </p:cNvPr>
+              <p:cNvCxnSpPr>
+                <a:cxnSpLocks/>
+              </p:cNvCxnSpPr>
+              <p:nvPr/>
+            </p:nvCxnSpPr>
+            <p:spPr>
+              <a:xfrm>
+                <a:off x="619066" y="1709531"/>
+                <a:ext cx="0" cy="252739"/>
+              </a:xfrm>
+              <a:prstGeom prst="straightConnector1">
+                <a:avLst/>
+              </a:prstGeom>
+              <a:grpFill/>
+              <a:ln w="19050" cap="flat" cmpd="sng" algn="ctr">
+                <a:solidFill>
+                  <a:srgbClr val="0070C0"/>
+                </a:solidFill>
+                <a:prstDash val="solid"/>
+                <a:miter lim="800000"/>
+                <a:tailEnd type="triangle"/>
+              </a:ln>
+              <a:effectLst/>
+            </p:spPr>
+          </p:cxnSp>
+          <p:cxnSp>
+            <p:nvCxnSpPr>
+              <p:cNvPr id="409" name="Straight Arrow Connector 408">
+                <a:extLst>
+                  <a:ext uri="{FF2B5EF4-FFF2-40B4-BE49-F238E27FC236}">
+                    <a16:creationId xmlns:a16="http://schemas.microsoft.com/office/drawing/2014/main" id="{8DAC6E95-AD6E-47B6-9251-71C437542829}"/>
+                  </a:ext>
+                </a:extLst>
+              </p:cNvPr>
+              <p:cNvCxnSpPr>
+                <a:cxnSpLocks/>
+              </p:cNvCxnSpPr>
+              <p:nvPr/>
+            </p:nvCxnSpPr>
+            <p:spPr>
+              <a:xfrm>
+                <a:off x="825962" y="1709531"/>
+                <a:ext cx="0" cy="252739"/>
+              </a:xfrm>
+              <a:prstGeom prst="straightConnector1">
+                <a:avLst/>
+              </a:prstGeom>
+              <a:grpFill/>
+              <a:ln w="19050" cap="flat" cmpd="sng" algn="ctr">
+                <a:solidFill>
+                  <a:srgbClr val="0070C0"/>
+                </a:solidFill>
+                <a:prstDash val="solid"/>
+                <a:miter lim="800000"/>
+                <a:tailEnd type="triangle"/>
+              </a:ln>
+              <a:effectLst/>
+            </p:spPr>
+          </p:cxnSp>
+          <p:cxnSp>
+            <p:nvCxnSpPr>
+              <p:cNvPr id="410" name="Straight Arrow Connector 409">
+                <a:extLst>
+                  <a:ext uri="{FF2B5EF4-FFF2-40B4-BE49-F238E27FC236}">
+                    <a16:creationId xmlns:a16="http://schemas.microsoft.com/office/drawing/2014/main" id="{04506E41-0D17-434A-A073-EFB9A2896815}"/>
+                  </a:ext>
+                </a:extLst>
+              </p:cNvPr>
+              <p:cNvCxnSpPr>
+                <a:cxnSpLocks/>
+              </p:cNvCxnSpPr>
+              <p:nvPr/>
+            </p:nvCxnSpPr>
+            <p:spPr>
+              <a:xfrm>
+                <a:off x="1032858" y="1709531"/>
+                <a:ext cx="0" cy="252739"/>
+              </a:xfrm>
+              <a:prstGeom prst="straightConnector1">
+                <a:avLst/>
+              </a:prstGeom>
+              <a:grpFill/>
+              <a:ln w="19050" cap="flat" cmpd="sng" algn="ctr">
+                <a:solidFill>
+                  <a:srgbClr val="0070C0"/>
+                </a:solidFill>
+                <a:prstDash val="solid"/>
+                <a:miter lim="800000"/>
+                <a:tailEnd type="triangle"/>
+              </a:ln>
+              <a:effectLst/>
+            </p:spPr>
+          </p:cxnSp>
+          <p:cxnSp>
+            <p:nvCxnSpPr>
+              <p:cNvPr id="411" name="Straight Arrow Connector 410">
+                <a:extLst>
+                  <a:ext uri="{FF2B5EF4-FFF2-40B4-BE49-F238E27FC236}">
+                    <a16:creationId xmlns:a16="http://schemas.microsoft.com/office/drawing/2014/main" id="{BF26E0D8-837C-4D59-B185-7F9874634174}"/>
+                  </a:ext>
+                </a:extLst>
+              </p:cNvPr>
+              <p:cNvCxnSpPr>
+                <a:cxnSpLocks/>
+              </p:cNvCxnSpPr>
+              <p:nvPr/>
+            </p:nvCxnSpPr>
+            <p:spPr>
+              <a:xfrm>
+                <a:off x="1239754" y="1709531"/>
+                <a:ext cx="0" cy="252739"/>
+              </a:xfrm>
+              <a:prstGeom prst="straightConnector1">
+                <a:avLst/>
+              </a:prstGeom>
+              <a:grpFill/>
+              <a:ln w="19050" cap="flat" cmpd="sng" algn="ctr">
+                <a:solidFill>
+                  <a:srgbClr val="0070C0"/>
+                </a:solidFill>
+                <a:prstDash val="solid"/>
+                <a:miter lim="800000"/>
+                <a:tailEnd type="triangle"/>
+              </a:ln>
+              <a:effectLst/>
+            </p:spPr>
+          </p:cxnSp>
+          <p:cxnSp>
+            <p:nvCxnSpPr>
+              <p:cNvPr id="412" name="Straight Arrow Connector 411">
+                <a:extLst>
+                  <a:ext uri="{FF2B5EF4-FFF2-40B4-BE49-F238E27FC236}">
+                    <a16:creationId xmlns:a16="http://schemas.microsoft.com/office/drawing/2014/main" id="{23C79750-B70F-4018-BD2D-E3DE2783826D}"/>
+                  </a:ext>
+                </a:extLst>
+              </p:cNvPr>
+              <p:cNvCxnSpPr>
+                <a:cxnSpLocks/>
+              </p:cNvCxnSpPr>
+              <p:nvPr/>
+            </p:nvCxnSpPr>
+            <p:spPr>
+              <a:xfrm>
+                <a:off x="1446650" y="1709531"/>
+                <a:ext cx="0" cy="252739"/>
+              </a:xfrm>
+              <a:prstGeom prst="straightConnector1">
+                <a:avLst/>
+              </a:prstGeom>
+              <a:grpFill/>
+              <a:ln w="19050" cap="flat" cmpd="sng" algn="ctr">
+                <a:solidFill>
+                  <a:srgbClr val="0070C0"/>
+                </a:solidFill>
+                <a:prstDash val="solid"/>
+                <a:miter lim="800000"/>
+                <a:tailEnd type="triangle"/>
+              </a:ln>
+              <a:effectLst/>
+            </p:spPr>
+          </p:cxnSp>
+          <p:cxnSp>
+            <p:nvCxnSpPr>
+              <p:cNvPr id="413" name="Straight Arrow Connector 412">
+                <a:extLst>
+                  <a:ext uri="{FF2B5EF4-FFF2-40B4-BE49-F238E27FC236}">
+                    <a16:creationId xmlns:a16="http://schemas.microsoft.com/office/drawing/2014/main" id="{D59E1EA0-FED2-4741-A9E0-54266F2172D0}"/>
+                  </a:ext>
+                </a:extLst>
+              </p:cNvPr>
+              <p:cNvCxnSpPr>
+                <a:cxnSpLocks/>
+              </p:cNvCxnSpPr>
+              <p:nvPr/>
+            </p:nvCxnSpPr>
+            <p:spPr>
+              <a:xfrm>
+                <a:off x="1653546" y="1709531"/>
+                <a:ext cx="0" cy="252739"/>
+              </a:xfrm>
+              <a:prstGeom prst="straightConnector1">
+                <a:avLst/>
+              </a:prstGeom>
+              <a:grpFill/>
+              <a:ln w="19050" cap="flat" cmpd="sng" algn="ctr">
+                <a:solidFill>
+                  <a:srgbClr val="0070C0"/>
+                </a:solidFill>
+                <a:prstDash val="solid"/>
+                <a:miter lim="800000"/>
+                <a:tailEnd type="triangle"/>
+              </a:ln>
+              <a:effectLst/>
+            </p:spPr>
+          </p:cxnSp>
+          <p:cxnSp>
+            <p:nvCxnSpPr>
+              <p:cNvPr id="414" name="Straight Arrow Connector 413">
+                <a:extLst>
+                  <a:ext uri="{FF2B5EF4-FFF2-40B4-BE49-F238E27FC236}">
+                    <a16:creationId xmlns:a16="http://schemas.microsoft.com/office/drawing/2014/main" id="{22AFF414-54CF-4C65-A355-C42B76EFC6AD}"/>
+                  </a:ext>
+                </a:extLst>
+              </p:cNvPr>
+              <p:cNvCxnSpPr>
+                <a:cxnSpLocks/>
+              </p:cNvCxnSpPr>
+              <p:nvPr/>
+            </p:nvCxnSpPr>
+            <p:spPr>
+              <a:xfrm>
+                <a:off x="1860442" y="1709531"/>
+                <a:ext cx="0" cy="252739"/>
+              </a:xfrm>
+              <a:prstGeom prst="straightConnector1">
+                <a:avLst/>
+              </a:prstGeom>
+              <a:grpFill/>
+              <a:ln w="19050" cap="flat" cmpd="sng" algn="ctr">
+                <a:solidFill>
+                  <a:srgbClr val="0070C0"/>
+                </a:solidFill>
+                <a:prstDash val="solid"/>
+                <a:miter lim="800000"/>
+                <a:tailEnd type="triangle"/>
+              </a:ln>
+              <a:effectLst/>
+            </p:spPr>
+          </p:cxnSp>
+          <p:cxnSp>
+            <p:nvCxnSpPr>
+              <p:cNvPr id="415" name="Straight Arrow Connector 414">
+                <a:extLst>
+                  <a:ext uri="{FF2B5EF4-FFF2-40B4-BE49-F238E27FC236}">
+                    <a16:creationId xmlns:a16="http://schemas.microsoft.com/office/drawing/2014/main" id="{A7289D6E-AECB-43AC-853C-A54A445B60B8}"/>
+                  </a:ext>
+                </a:extLst>
+              </p:cNvPr>
+              <p:cNvCxnSpPr>
+                <a:cxnSpLocks/>
+              </p:cNvCxnSpPr>
+              <p:nvPr/>
+            </p:nvCxnSpPr>
+            <p:spPr>
+              <a:xfrm>
+                <a:off x="2067339" y="1709531"/>
+                <a:ext cx="0" cy="252739"/>
+              </a:xfrm>
+              <a:prstGeom prst="straightConnector1">
+                <a:avLst/>
+              </a:prstGeom>
+              <a:grpFill/>
+              <a:ln w="19050" cap="flat" cmpd="sng" algn="ctr">
+                <a:solidFill>
+                  <a:srgbClr val="0070C0"/>
+                </a:solidFill>
+                <a:prstDash val="solid"/>
+                <a:miter lim="800000"/>
+                <a:tailEnd type="triangle"/>
+              </a:ln>
+              <a:effectLst/>
+            </p:spPr>
+          </p:cxnSp>
+        </p:grpSp>
+        <p:sp>
+          <p:nvSpPr>
+            <p:cNvPr id="394" name="Rectangle 393">
+              <a:extLst>
+                <a:ext uri="{FF2B5EF4-FFF2-40B4-BE49-F238E27FC236}">
+                  <a16:creationId xmlns:a16="http://schemas.microsoft.com/office/drawing/2014/main" id="{879BC9DB-8AA8-489E-94CF-11ADE4AF3D85}"/>
+                </a:ext>
+              </a:extLst>
+            </p:cNvPr>
+            <p:cNvSpPr/>
+            <p:nvPr/>
+          </p:nvSpPr>
+          <p:spPr>
+            <a:xfrm>
+              <a:off x="776937" y="2070185"/>
+              <a:ext cx="1272761" cy="61552"/>
+            </a:xfrm>
+            <a:prstGeom prst="rect">
+              <a:avLst/>
+            </a:prstGeom>
+            <a:solidFill>
+              <a:srgbClr val="0070C0"/>
+            </a:solidFill>
+            <a:ln w="12700" cap="flat" cmpd="sng" algn="ctr">
+              <a:solidFill>
+                <a:srgbClr val="0070C0"/>
+              </a:solidFill>
+              <a:prstDash val="solid"/>
+              <a:miter lim="800000"/>
+            </a:ln>
+            <a:effectLst/>
+          </p:spPr>
+          <p:txBody>
+            <a:bodyPr rtlCol="0" anchor="ctr"/>
+            <a:lstStyle/>
+            <a:p>
+              <a:pPr marL="0" marR="0" lvl="0" indent="0" algn="ctr" defTabSz="457200" eaLnBrk="1" fontAlgn="auto" latinLnBrk="0" hangingPunct="1">
+                <a:lnSpc>
+                  <a:spcPct val="100000"/>
+                </a:lnSpc>
+                <a:spcBef>
+                  <a:spcPts val="0"/>
+                </a:spcBef>
+                <a:spcAft>
+                  <a:spcPts val="0"/>
+                </a:spcAft>
+                <a:buClrTx/>
+                <a:buSzTx/>
+                <a:buFontTx/>
+                <a:buNone/>
+                <a:tabLst/>
+                <a:defRPr/>
+              </a:pPr>
+              <a:endParaRPr kumimoji="0" lang="en-AU" sz="1400" b="0" i="0" u="none" strike="noStrike" kern="0" cap="none" spc="0" normalizeH="0" baseline="0" noProof="0">
+                <a:ln>
+                  <a:noFill/>
+                </a:ln>
+                <a:solidFill>
+                  <a:srgbClr val="0070C0"/>
+                </a:solidFill>
+                <a:effectLst/>
+                <a:uLnTx/>
+                <a:uFillTx/>
+                <a:latin typeface="Calibri" panose="020F0502020204030204"/>
+                <a:ea typeface="+mn-ea"/>
+                <a:cs typeface="+mn-cs"/>
+              </a:endParaRPr>
+            </a:p>
+          </p:txBody>
+        </p:sp>
+        <p:sp>
+          <p:nvSpPr>
+            <p:cNvPr id="395" name="Rectangle 394">
+              <a:extLst>
+                <a:ext uri="{FF2B5EF4-FFF2-40B4-BE49-F238E27FC236}">
+                  <a16:creationId xmlns:a16="http://schemas.microsoft.com/office/drawing/2014/main" id="{EE3B2631-8B1A-4A21-83F3-F50B7F54B7ED}"/>
+                </a:ext>
+              </a:extLst>
+            </p:cNvPr>
+            <p:cNvSpPr/>
+            <p:nvPr/>
+          </p:nvSpPr>
+          <p:spPr>
+            <a:xfrm>
+              <a:off x="776937" y="2008632"/>
+              <a:ext cx="1272761" cy="61552"/>
+            </a:xfrm>
+            <a:prstGeom prst="rect">
+              <a:avLst/>
+            </a:prstGeom>
+            <a:solidFill>
+              <a:srgbClr val="70AD47"/>
+            </a:solidFill>
+            <a:ln w="12700" cap="flat" cmpd="sng" algn="ctr">
+              <a:solidFill>
+                <a:srgbClr val="70AD47"/>
+              </a:solidFill>
+              <a:prstDash val="solid"/>
+              <a:miter lim="800000"/>
+            </a:ln>
+            <a:effectLst/>
+          </p:spPr>
+          <p:txBody>
+            <a:bodyPr rtlCol="0" anchor="ctr"/>
+            <a:lstStyle/>
+            <a:p>
+              <a:pPr marL="0" marR="0" lvl="0" indent="0" algn="ctr" defTabSz="457200" eaLnBrk="1" fontAlgn="auto" latinLnBrk="0" hangingPunct="1">
+                <a:lnSpc>
+                  <a:spcPct val="100000"/>
+                </a:lnSpc>
+                <a:spcBef>
+                  <a:spcPts val="0"/>
+                </a:spcBef>
+                <a:spcAft>
+                  <a:spcPts val="0"/>
+                </a:spcAft>
+                <a:buClrTx/>
+                <a:buSzTx/>
+                <a:buFontTx/>
+                <a:buNone/>
+                <a:tabLst/>
+                <a:defRPr/>
+              </a:pPr>
+              <a:endParaRPr kumimoji="0" lang="en-AU" sz="1400" b="0" i="0" u="none" strike="noStrike" kern="0" cap="none" spc="0" normalizeH="0" baseline="0" noProof="0">
+                <a:ln>
+                  <a:noFill/>
+                </a:ln>
+                <a:solidFill>
+                  <a:srgbClr val="70AD47"/>
+                </a:solidFill>
+                <a:effectLst/>
+                <a:uLnTx/>
+                <a:uFillTx/>
+                <a:latin typeface="Calibri" panose="020F0502020204030204"/>
+                <a:ea typeface="+mn-ea"/>
+                <a:cs typeface="+mn-cs"/>
+              </a:endParaRPr>
+            </a:p>
+          </p:txBody>
+        </p:sp>
+        <p:sp>
+          <p:nvSpPr>
+            <p:cNvPr id="396" name="Rectangle 395">
+              <a:extLst>
+                <a:ext uri="{FF2B5EF4-FFF2-40B4-BE49-F238E27FC236}">
+                  <a16:creationId xmlns:a16="http://schemas.microsoft.com/office/drawing/2014/main" id="{520711EC-3364-4509-9D31-7FFE06C807F5}"/>
+                </a:ext>
+              </a:extLst>
+            </p:cNvPr>
+            <p:cNvSpPr/>
+            <p:nvPr/>
+          </p:nvSpPr>
+          <p:spPr>
+            <a:xfrm>
+              <a:off x="2254839" y="1654686"/>
+              <a:ext cx="1049696" cy="307777"/>
+            </a:xfrm>
+            <a:prstGeom prst="rect">
+              <a:avLst/>
+            </a:prstGeom>
+            <a:noFill/>
+            <a:ln w="12700" cap="flat" cmpd="sng" algn="ctr">
+              <a:solidFill>
+                <a:srgbClr val="70AD47"/>
+              </a:solidFill>
+              <a:prstDash val="solid"/>
+              <a:miter lim="800000"/>
+            </a:ln>
+            <a:effectLst/>
+          </p:spPr>
+          <p:txBody>
+            <a:bodyPr wrap="square" anchor="ctr">
+              <a:spAutoFit/>
+            </a:bodyPr>
+            <a:lstStyle/>
+            <a:p>
+              <a:pPr marL="0" marR="0" lvl="0" indent="0" algn="ctr" defTabSz="457200" eaLnBrk="1" fontAlgn="auto" latinLnBrk="0" hangingPunct="1">
+                <a:lnSpc>
+                  <a:spcPct val="100000"/>
+                </a:lnSpc>
+                <a:spcBef>
+                  <a:spcPts val="0"/>
+                </a:spcBef>
+                <a:spcAft>
+                  <a:spcPts val="0"/>
+                </a:spcAft>
+                <a:buClrTx/>
+                <a:buSzTx/>
+                <a:buFontTx/>
+                <a:buNone/>
+                <a:tabLst/>
+                <a:defRPr/>
+              </a:pPr>
+              <a:r>
+                <a:rPr kumimoji="0" lang="en-AU" sz="1400" b="0" i="0" u="none" strike="noStrike" kern="0" cap="none" spc="0" normalizeH="0" baseline="0" noProof="0" dirty="0">
+                  <a:ln>
+                    <a:noFill/>
+                  </a:ln>
+                  <a:solidFill>
+                    <a:srgbClr val="70AD47"/>
+                  </a:solidFill>
+                  <a:effectLst/>
+                  <a:uLnTx/>
+                  <a:uFillTx/>
+                  <a:latin typeface="Helvetica Neue" charset="0"/>
+                  <a:ea typeface="+mn-ea"/>
+                  <a:cs typeface="Helvetica Neue" charset="0"/>
+                </a:rPr>
+                <a:t>Pilot Force</a:t>
+              </a:r>
+            </a:p>
+          </p:txBody>
+        </p:sp>
+        <p:sp>
+          <p:nvSpPr>
+            <p:cNvPr id="397" name="Rectangle 396">
+              <a:extLst>
+                <a:ext uri="{FF2B5EF4-FFF2-40B4-BE49-F238E27FC236}">
+                  <a16:creationId xmlns:a16="http://schemas.microsoft.com/office/drawing/2014/main" id="{C1357F89-43F4-4E31-BC3F-1ED38BC94398}"/>
+                </a:ext>
+              </a:extLst>
+            </p:cNvPr>
+            <p:cNvSpPr/>
+            <p:nvPr/>
+          </p:nvSpPr>
+          <p:spPr>
+            <a:xfrm>
+              <a:off x="2254839" y="2014666"/>
+              <a:ext cx="1049689" cy="307777"/>
+            </a:xfrm>
+            <a:prstGeom prst="rect">
+              <a:avLst/>
+            </a:prstGeom>
+            <a:noFill/>
+            <a:ln w="12700" cap="flat" cmpd="sng" algn="ctr">
+              <a:solidFill>
+                <a:srgbClr val="0070C0"/>
+              </a:solidFill>
+              <a:prstDash val="solid"/>
+              <a:miter lim="800000"/>
+            </a:ln>
+            <a:effectLst/>
+          </p:spPr>
+          <p:txBody>
+            <a:bodyPr wrap="square" anchor="ctr">
+              <a:spAutoFit/>
+            </a:bodyPr>
+            <a:lstStyle/>
+            <a:p>
+              <a:pPr marL="0" marR="0" lvl="0" indent="0" algn="ctr" defTabSz="457200" eaLnBrk="1" fontAlgn="auto" latinLnBrk="0" hangingPunct="1">
+                <a:lnSpc>
+                  <a:spcPct val="100000"/>
+                </a:lnSpc>
+                <a:spcBef>
+                  <a:spcPts val="0"/>
+                </a:spcBef>
+                <a:spcAft>
+                  <a:spcPts val="0"/>
+                </a:spcAft>
+                <a:buClrTx/>
+                <a:buSzTx/>
+                <a:buFontTx/>
+                <a:buNone/>
+                <a:tabLst/>
+                <a:defRPr/>
+              </a:pPr>
+              <a:r>
+                <a:rPr kumimoji="0" lang="en-AU" sz="1400" b="0" i="0" u="none" strike="noStrike" kern="0" cap="none" spc="0" normalizeH="0" baseline="0" noProof="0" dirty="0">
+                  <a:ln>
+                    <a:noFill/>
+                  </a:ln>
+                  <a:solidFill>
+                    <a:srgbClr val="0070C0"/>
+                  </a:solidFill>
+                  <a:effectLst/>
+                  <a:uLnTx/>
+                  <a:uFillTx/>
+                  <a:latin typeface="Helvetica Neue" charset="0"/>
+                  <a:ea typeface="+mn-ea"/>
+                  <a:cs typeface="Helvetica Neue" charset="0"/>
+                </a:rPr>
+                <a:t>Suit Force</a:t>
+              </a:r>
+            </a:p>
+          </p:txBody>
+        </p:sp>
+        <p:cxnSp>
+          <p:nvCxnSpPr>
+            <p:cNvPr id="398" name="Connector: Elbow 397">
+              <a:extLst>
+                <a:ext uri="{FF2B5EF4-FFF2-40B4-BE49-F238E27FC236}">
+                  <a16:creationId xmlns:a16="http://schemas.microsoft.com/office/drawing/2014/main" id="{074DE311-2194-44F4-821A-DDD34A821499}"/>
+                </a:ext>
+              </a:extLst>
+            </p:cNvPr>
+            <p:cNvCxnSpPr>
+              <a:cxnSpLocks/>
+              <a:stCxn id="396" idx="1"/>
+              <a:endCxn id="395" idx="3"/>
+            </p:cNvCxnSpPr>
+            <p:nvPr/>
+          </p:nvCxnSpPr>
+          <p:spPr>
+            <a:xfrm rot="10800000" flipV="1">
+              <a:off x="2049699" y="1808574"/>
+              <a:ext cx="205141" cy="230833"/>
+            </a:xfrm>
+            <a:prstGeom prst="bentConnector3">
+              <a:avLst/>
+            </a:prstGeom>
+            <a:solidFill>
+              <a:srgbClr val="70AD47"/>
+            </a:solidFill>
+            <a:ln w="12700" cap="flat" cmpd="sng" algn="ctr">
+              <a:solidFill>
+                <a:srgbClr val="70AD47"/>
+              </a:solidFill>
+              <a:prstDash val="solid"/>
+              <a:miter lim="800000"/>
+              <a:tailEnd type="triangle"/>
+            </a:ln>
+            <a:effectLst/>
+          </p:spPr>
+        </p:cxnSp>
+        <p:cxnSp>
+          <p:nvCxnSpPr>
+            <p:cNvPr id="399" name="Connector: Elbow 398">
+              <a:extLst>
+                <a:ext uri="{FF2B5EF4-FFF2-40B4-BE49-F238E27FC236}">
+                  <a16:creationId xmlns:a16="http://schemas.microsoft.com/office/drawing/2014/main" id="{7747D014-47CB-4683-BAB0-9F1D3BBB9F7A}"/>
+                </a:ext>
+              </a:extLst>
+            </p:cNvPr>
+            <p:cNvCxnSpPr>
+              <a:cxnSpLocks/>
+              <a:stCxn id="397" idx="1"/>
+              <a:endCxn id="394" idx="3"/>
+            </p:cNvCxnSpPr>
+            <p:nvPr/>
+          </p:nvCxnSpPr>
+          <p:spPr>
+            <a:xfrm rot="10800000">
+              <a:off x="2049699" y="2100961"/>
+              <a:ext cx="205141" cy="67594"/>
+            </a:xfrm>
+            <a:prstGeom prst="bentConnector3">
+              <a:avLst/>
+            </a:prstGeom>
+            <a:solidFill>
+              <a:srgbClr val="4472C4"/>
+            </a:solidFill>
+            <a:ln w="12700" cap="flat" cmpd="sng" algn="ctr">
+              <a:solidFill>
+                <a:srgbClr val="0070C0"/>
+              </a:solidFill>
+              <a:prstDash val="solid"/>
+              <a:miter lim="800000"/>
+              <a:tailEnd type="triangle"/>
+            </a:ln>
+            <a:effectLst/>
+          </p:spPr>
+        </p:cxnSp>
+        <p:cxnSp>
+          <p:nvCxnSpPr>
+            <p:cNvPr id="400" name="Straight Connector 399">
+              <a:extLst>
+                <a:ext uri="{FF2B5EF4-FFF2-40B4-BE49-F238E27FC236}">
+                  <a16:creationId xmlns:a16="http://schemas.microsoft.com/office/drawing/2014/main" id="{188A7469-D4F9-477E-A130-A4F2FBB00B92}"/>
+                </a:ext>
+              </a:extLst>
+            </p:cNvPr>
+            <p:cNvCxnSpPr>
+              <a:cxnSpLocks/>
+            </p:cNvCxnSpPr>
+            <p:nvPr/>
+          </p:nvCxnSpPr>
+          <p:spPr>
+            <a:xfrm flipH="1">
+              <a:off x="54852" y="2307054"/>
+              <a:ext cx="2140857" cy="0"/>
+            </a:xfrm>
+            <a:prstGeom prst="line">
+              <a:avLst/>
+            </a:prstGeom>
+            <a:noFill/>
+            <a:ln w="38100" cap="flat" cmpd="sng" algn="ctr">
+              <a:solidFill>
+                <a:sysClr val="windowText" lastClr="000000"/>
+              </a:solidFill>
+              <a:prstDash val="solid"/>
+              <a:miter lim="800000"/>
+            </a:ln>
+            <a:effectLst/>
+          </p:spPr>
+        </p:cxnSp>
+        <p:sp>
+          <p:nvSpPr>
+            <p:cNvPr id="401" name="Rectangle 400">
+              <a:extLst>
+                <a:ext uri="{FF2B5EF4-FFF2-40B4-BE49-F238E27FC236}">
+                  <a16:creationId xmlns:a16="http://schemas.microsoft.com/office/drawing/2014/main" id="{7ABE9D31-3116-4973-98F5-4DA67726718F}"/>
+                </a:ext>
+              </a:extLst>
+            </p:cNvPr>
+            <p:cNvSpPr/>
+            <p:nvPr/>
+          </p:nvSpPr>
+          <p:spPr>
+            <a:xfrm>
+              <a:off x="5849" y="2030055"/>
+              <a:ext cx="780983" cy="307777"/>
+            </a:xfrm>
+            <a:prstGeom prst="rect">
+              <a:avLst/>
+            </a:prstGeom>
+          </p:spPr>
+          <p:txBody>
+            <a:bodyPr wrap="none">
+              <a:spAutoFit/>
+            </a:bodyPr>
+            <a:lstStyle/>
+            <a:p>
+              <a:pPr marL="0" marR="0" lvl="0" indent="0" algn="ctr" defTabSz="457200" eaLnBrk="1" fontAlgn="auto" latinLnBrk="0" hangingPunct="1">
+                <a:lnSpc>
+                  <a:spcPct val="100000"/>
+                </a:lnSpc>
+                <a:spcBef>
+                  <a:spcPts val="0"/>
+                </a:spcBef>
+                <a:spcAft>
+                  <a:spcPts val="0"/>
+                </a:spcAft>
+                <a:buClrTx/>
+                <a:buSzTx/>
+                <a:buFontTx/>
+                <a:buNone/>
+                <a:tabLst/>
+                <a:defRPr/>
+              </a:pPr>
+              <a:r>
+                <a:rPr kumimoji="0" lang="en-AU" sz="1400" b="0" i="0" u="none" strike="noStrike" kern="0" cap="none" spc="0" normalizeH="0" baseline="0" noProof="0" dirty="0">
+                  <a:ln>
+                    <a:noFill/>
+                  </a:ln>
+                  <a:solidFill>
+                    <a:prstClr val="black"/>
+                  </a:solidFill>
+                  <a:effectLst/>
+                  <a:uLnTx/>
+                  <a:uFillTx/>
+                  <a:latin typeface="Helvetica Neue" charset="0"/>
+                  <a:ea typeface="+mn-ea"/>
+                  <a:cs typeface="Helvetica Neue" charset="0"/>
+                </a:rPr>
+                <a:t>Ground</a:t>
+              </a:r>
+            </a:p>
+          </p:txBody>
+        </p:sp>
+        <mc:AlternateContent xmlns:mc="http://schemas.openxmlformats.org/markup-compatibility/2006">
+          <mc:Choice xmlns:a14="http://schemas.microsoft.com/office/drawing/2010/main" Requires="a14">
+            <p:sp>
+              <p:nvSpPr>
+                <p:cNvPr id="402" name="Rectangle 401">
+                  <a:extLst>
+                    <a:ext uri="{FF2B5EF4-FFF2-40B4-BE49-F238E27FC236}">
+                      <a16:creationId xmlns:a16="http://schemas.microsoft.com/office/drawing/2014/main" id="{5B5410DC-9A4A-4BC9-9214-D11B59E140EA}"/>
+                    </a:ext>
+                  </a:extLst>
+                </p:cNvPr>
+                <p:cNvSpPr/>
+                <p:nvPr/>
+              </p:nvSpPr>
+              <p:spPr>
+                <a:xfrm>
+                  <a:off x="2014066" y="1351048"/>
+                  <a:ext cx="1272761" cy="215444"/>
+                </a:xfrm>
+                <a:prstGeom prst="rect">
+                  <a:avLst/>
+                </a:prstGeom>
+                <a:noFill/>
+                <a:ln w="12700" cap="flat" cmpd="sng" algn="ctr">
+                  <a:noFill/>
+                  <a:prstDash val="solid"/>
+                  <a:miter lim="800000"/>
+                </a:ln>
+                <a:effectLst/>
+              </p:spPr>
+              <p:txBody>
+                <a:bodyPr wrap="square" lIns="0" tIns="0" rIns="0" bIns="0" anchor="ctr">
+                  <a:spAutoFit/>
+                </a:bodyPr>
+                <a:lstStyle/>
+                <a:p>
+                  <a:pPr marL="0" marR="0" lvl="0" indent="0" algn="ctr" defTabSz="457200" eaLnBrk="1" fontAlgn="auto" latinLnBrk="0" hangingPunct="1">
+                    <a:lnSpc>
+                      <a:spcPct val="100000"/>
+                    </a:lnSpc>
+                    <a:spcBef>
+                      <a:spcPts val="0"/>
+                    </a:spcBef>
+                    <a:spcAft>
+                      <a:spcPts val="0"/>
+                    </a:spcAft>
+                    <a:buClrTx/>
+                    <a:buSzTx/>
+                    <a:buFontTx/>
+                    <a:buNone/>
+                    <a:tabLst/>
+                    <a:defRPr/>
+                  </a:pPr>
+                  <a:r>
+                    <a:rPr kumimoji="0" lang="en-AU" sz="1400" b="0" i="0" u="none" strike="noStrike" kern="0" cap="none" spc="0" normalizeH="0" baseline="0" noProof="0" dirty="0">
+                      <a:ln>
+                        <a:noFill/>
+                      </a:ln>
+                      <a:solidFill>
+                        <a:prstClr val="black"/>
+                      </a:solidFill>
+                      <a:effectLst/>
+                      <a:uLnTx/>
+                      <a:uFillTx/>
+                      <a:latin typeface="Helvetica Neue" charset="0"/>
+                      <a:ea typeface="+mn-ea"/>
+                      <a:cs typeface="Helvetica Neue" charset="0"/>
+                    </a:rPr>
+                    <a:t>Maintain </a:t>
+                  </a:r>
+                  <a14:m>
+                    <m:oMath xmlns:m="http://schemas.openxmlformats.org/officeDocument/2006/math">
+                      <m:r>
+                        <a:rPr kumimoji="0" lang="en-AU" sz="1400" b="0" i="1" u="none" strike="noStrike" kern="0" cap="none" spc="0" normalizeH="0" baseline="0" noProof="0" smtClean="0">
+                          <a:ln>
+                            <a:noFill/>
+                          </a:ln>
+                          <a:solidFill>
+                            <a:prstClr val="black"/>
+                          </a:solidFill>
+                          <a:effectLst/>
+                          <a:uLnTx/>
+                          <a:uFillTx/>
+                          <a:latin typeface="Cambria Math" panose="02040503050406030204" pitchFamily="18" charset="0"/>
+                          <a:ea typeface="Cambria Math" panose="02040503050406030204" pitchFamily="18" charset="0"/>
+                          <a:cs typeface="Helvetica Neue" charset="0"/>
+                        </a:rPr>
+                        <m:t>∆</m:t>
+                      </m:r>
+                      <m:r>
+                        <a:rPr kumimoji="0" lang="en-AU" sz="1400" b="0" i="1" u="none" strike="noStrike" kern="0" cap="none" spc="0" normalizeH="0" baseline="0" noProof="0" smtClean="0">
+                          <a:ln>
+                            <a:noFill/>
+                          </a:ln>
+                          <a:solidFill>
+                            <a:prstClr val="black"/>
+                          </a:solidFill>
+                          <a:effectLst/>
+                          <a:uLnTx/>
+                          <a:uFillTx/>
+                          <a:latin typeface="Cambria Math" panose="02040503050406030204" pitchFamily="18" charset="0"/>
+                          <a:ea typeface="Cambria Math" panose="02040503050406030204" pitchFamily="18" charset="0"/>
+                          <a:cs typeface="Helvetica Neue" charset="0"/>
+                        </a:rPr>
+                        <m:t>𝐹</m:t>
+                      </m:r>
+                      <m:r>
+                        <a:rPr kumimoji="0" lang="en-AU" sz="1400" b="0" i="1" u="none" strike="noStrike" kern="0" cap="none" spc="0" normalizeH="0" baseline="0" noProof="0" smtClean="0">
+                          <a:ln>
+                            <a:noFill/>
+                          </a:ln>
+                          <a:solidFill>
+                            <a:prstClr val="black"/>
+                          </a:solidFill>
+                          <a:effectLst/>
+                          <a:uLnTx/>
+                          <a:uFillTx/>
+                          <a:latin typeface="Cambria Math" panose="02040503050406030204" pitchFamily="18" charset="0"/>
+                          <a:ea typeface="Cambria Math" panose="02040503050406030204" pitchFamily="18" charset="0"/>
+                          <a:cs typeface="Helvetica Neue" charset="0"/>
+                        </a:rPr>
+                        <m:t>=0</m:t>
+                      </m:r>
+                    </m:oMath>
+                  </a14:m>
+                  <a:endParaRPr kumimoji="0" lang="en-AU" sz="1400" b="0" i="0" u="none" strike="noStrike" kern="0" cap="none" spc="0" normalizeH="0" baseline="0" noProof="0" dirty="0">
+                    <a:ln>
+                      <a:noFill/>
+                    </a:ln>
+                    <a:solidFill>
+                      <a:prstClr val="black"/>
+                    </a:solidFill>
+                    <a:effectLst/>
+                    <a:uLnTx/>
+                    <a:uFillTx/>
+                    <a:latin typeface="Helvetica Neue" charset="0"/>
+                    <a:ea typeface="+mn-ea"/>
+                    <a:cs typeface="Helvetica Neue" charset="0"/>
+                  </a:endParaRPr>
+                </a:p>
+              </p:txBody>
+            </p:sp>
+          </mc:Choice>
+          <mc:Fallback>
+            <p:sp>
+              <p:nvSpPr>
+                <p:cNvPr id="402" name="Rectangle 401">
+                  <a:extLst>
+                    <a:ext uri="{FF2B5EF4-FFF2-40B4-BE49-F238E27FC236}">
+                      <a16:creationId xmlns:a16="http://schemas.microsoft.com/office/drawing/2014/main" id="{5B5410DC-9A4A-4BC9-9214-D11B59E140EA}"/>
+                    </a:ext>
+                  </a:extLst>
+                </p:cNvPr>
+                <p:cNvSpPr>
+                  <a:spLocks noRot="1" noChangeAspect="1" noMove="1" noResize="1" noEditPoints="1" noAdjustHandles="1" noChangeArrowheads="1" noChangeShapeType="1" noTextEdit="1"/>
+                </p:cNvSpPr>
+                <p:nvPr/>
+              </p:nvSpPr>
+              <p:spPr>
+                <a:xfrm>
+                  <a:off x="2014066" y="1351048"/>
+                  <a:ext cx="1272761" cy="215444"/>
+                </a:xfrm>
+                <a:prstGeom prst="rect">
+                  <a:avLst/>
+                </a:prstGeom>
+                <a:blipFill>
+                  <a:blip r:embed="rId4"/>
+                  <a:stretch>
+                    <a:fillRect l="-8654" t="-25714" r="-4808" b="-51429"/>
+                  </a:stretch>
+                </a:blipFill>
+                <a:ln w="12700" cap="flat" cmpd="sng" algn="ctr">
+                  <a:noFill/>
+                  <a:prstDash val="solid"/>
+                  <a:miter lim="800000"/>
+                </a:ln>
+                <a:effectLst/>
+              </p:spPr>
+              <p:txBody>
+                <a:bodyPr/>
+                <a:lstStyle/>
+                <a:p>
+                  <a:r>
+                    <a:rPr lang="en-AU">
+                      <a:noFill/>
+                    </a:rPr>
+                    <a:t> </a:t>
+                  </a:r>
+                </a:p>
+              </p:txBody>
+            </p:sp>
+          </mc:Fallback>
+        </mc:AlternateContent>
+        <p:grpSp>
+          <p:nvGrpSpPr>
+            <p:cNvPr id="403" name="Group 402">
+              <a:extLst>
+                <a:ext uri="{FF2B5EF4-FFF2-40B4-BE49-F238E27FC236}">
+                  <a16:creationId xmlns:a16="http://schemas.microsoft.com/office/drawing/2014/main" id="{99626B2F-1F2F-44D9-8CD2-C3CB3F833F6A}"/>
+                </a:ext>
+              </a:extLst>
+            </p:cNvPr>
+            <p:cNvGrpSpPr/>
+            <p:nvPr/>
+          </p:nvGrpSpPr>
+          <p:grpSpPr>
+            <a:xfrm>
+              <a:off x="937444" y="1351048"/>
+              <a:ext cx="960275" cy="503152"/>
+              <a:chOff x="3964286" y="795130"/>
+              <a:chExt cx="960275" cy="503152"/>
+            </a:xfrm>
+          </p:grpSpPr>
+          <p:grpSp>
+            <p:nvGrpSpPr>
+              <p:cNvPr id="404" name="Group 403">
+                <a:extLst>
+                  <a:ext uri="{FF2B5EF4-FFF2-40B4-BE49-F238E27FC236}">
+                    <a16:creationId xmlns:a16="http://schemas.microsoft.com/office/drawing/2014/main" id="{0CBE03F3-C1F9-41DA-9B50-5C80BD8452D4}"/>
+                  </a:ext>
+                </a:extLst>
+              </p:cNvPr>
+              <p:cNvGrpSpPr/>
+              <p:nvPr/>
+            </p:nvGrpSpPr>
+            <p:grpSpPr>
+              <a:xfrm>
+                <a:off x="3964294" y="795130"/>
+                <a:ext cx="959837" cy="503152"/>
+                <a:chOff x="4004049" y="795130"/>
+                <a:chExt cx="959837" cy="503152"/>
+              </a:xfrm>
+            </p:grpSpPr>
+            <p:sp>
+              <p:nvSpPr>
+                <p:cNvPr id="406" name="Rectangle 405">
+                  <a:extLst>
+                    <a:ext uri="{FF2B5EF4-FFF2-40B4-BE49-F238E27FC236}">
+                      <a16:creationId xmlns:a16="http://schemas.microsoft.com/office/drawing/2014/main" id="{2E87350E-F5B4-4930-8876-CFD083A717A8}"/>
+                    </a:ext>
+                  </a:extLst>
+                </p:cNvPr>
+                <p:cNvSpPr/>
+                <p:nvPr/>
+              </p:nvSpPr>
+              <p:spPr>
+                <a:xfrm>
+                  <a:off x="4713988" y="795130"/>
+                  <a:ext cx="249898" cy="502755"/>
+                </a:xfrm>
+                <a:prstGeom prst="rect">
+                  <a:avLst/>
+                </a:prstGeom>
+                <a:solidFill>
+                  <a:sysClr val="windowText" lastClr="000000"/>
+                </a:solidFill>
+                <a:ln w="12700" cap="flat" cmpd="sng" algn="ctr">
+                  <a:noFill/>
+                  <a:prstDash val="solid"/>
+                  <a:miter lim="800000"/>
+                </a:ln>
+                <a:effectLst/>
+              </p:spPr>
+              <p:txBody>
+                <a:bodyPr rtlCol="0" anchor="ctr"/>
+                <a:lstStyle/>
+                <a:p>
+                  <a:pPr marL="0" marR="0" lvl="0" indent="0" algn="ctr" defTabSz="457200" eaLnBrk="1" fontAlgn="auto" latinLnBrk="0" hangingPunct="1">
+                    <a:lnSpc>
+                      <a:spcPct val="100000"/>
+                    </a:lnSpc>
+                    <a:spcBef>
+                      <a:spcPts val="0"/>
+                    </a:spcBef>
+                    <a:spcAft>
+                      <a:spcPts val="0"/>
+                    </a:spcAft>
+                    <a:buClrTx/>
+                    <a:buSzTx/>
+                    <a:buFontTx/>
+                    <a:buNone/>
+                    <a:tabLst/>
+                    <a:defRPr/>
+                  </a:pPr>
+                  <a:endParaRPr kumimoji="0" lang="en-AU" sz="1400" b="0" i="0" u="none" strike="noStrike" kern="0" cap="none" spc="0" normalizeH="0" baseline="0" noProof="0">
+                    <a:ln>
+                      <a:noFill/>
+                    </a:ln>
+                    <a:solidFill>
+                      <a:prstClr val="white"/>
+                    </a:solidFill>
+                    <a:effectLst/>
+                    <a:uLnTx/>
+                    <a:uFillTx/>
+                    <a:latin typeface="Calibri" panose="020F0502020204030204"/>
+                    <a:ea typeface="+mn-ea"/>
+                    <a:cs typeface="+mn-cs"/>
+                  </a:endParaRPr>
+                </a:p>
+              </p:txBody>
+            </p:sp>
+            <p:sp>
+              <p:nvSpPr>
+                <p:cNvPr id="407" name="Rectangle 406">
+                  <a:extLst>
+                    <a:ext uri="{FF2B5EF4-FFF2-40B4-BE49-F238E27FC236}">
+                      <a16:creationId xmlns:a16="http://schemas.microsoft.com/office/drawing/2014/main" id="{E826F981-9595-4F1B-9C73-F41BB1F0C9A2}"/>
+                    </a:ext>
+                  </a:extLst>
+                </p:cNvPr>
+                <p:cNvSpPr/>
+                <p:nvPr/>
+              </p:nvSpPr>
+              <p:spPr>
+                <a:xfrm rot="5400000">
+                  <a:off x="4334644" y="674719"/>
+                  <a:ext cx="292968" cy="954157"/>
+                </a:xfrm>
+                <a:prstGeom prst="rect">
+                  <a:avLst/>
+                </a:prstGeom>
+                <a:solidFill>
+                  <a:sysClr val="windowText" lastClr="000000"/>
+                </a:solidFill>
+                <a:ln w="12700" cap="flat" cmpd="sng" algn="ctr">
+                  <a:noFill/>
+                  <a:prstDash val="solid"/>
+                  <a:miter lim="800000"/>
+                </a:ln>
+                <a:effectLst/>
+              </p:spPr>
+              <p:txBody>
+                <a:bodyPr rtlCol="0" anchor="ctr"/>
+                <a:lstStyle/>
+                <a:p>
+                  <a:pPr marL="0" marR="0" lvl="0" indent="0" algn="ctr" defTabSz="457200" eaLnBrk="1" fontAlgn="auto" latinLnBrk="0" hangingPunct="1">
+                    <a:lnSpc>
+                      <a:spcPct val="100000"/>
+                    </a:lnSpc>
+                    <a:spcBef>
+                      <a:spcPts val="0"/>
+                    </a:spcBef>
+                    <a:spcAft>
+                      <a:spcPts val="0"/>
+                    </a:spcAft>
+                    <a:buClrTx/>
+                    <a:buSzTx/>
+                    <a:buFontTx/>
+                    <a:buNone/>
+                    <a:tabLst/>
+                    <a:defRPr/>
+                  </a:pPr>
+                  <a:endParaRPr kumimoji="0" lang="en-AU" sz="1400" b="0" i="0" u="none" strike="noStrike" kern="0" cap="none" spc="0" normalizeH="0" baseline="0" noProof="0">
+                    <a:ln>
+                      <a:noFill/>
+                    </a:ln>
+                    <a:solidFill>
+                      <a:prstClr val="white"/>
+                    </a:solidFill>
+                    <a:effectLst/>
+                    <a:uLnTx/>
+                    <a:uFillTx/>
+                    <a:latin typeface="Calibri" panose="020F0502020204030204"/>
+                    <a:ea typeface="+mn-ea"/>
+                    <a:cs typeface="+mn-cs"/>
+                  </a:endParaRPr>
+                </a:p>
+              </p:txBody>
+            </p:sp>
+          </p:grpSp>
+          <p:sp>
+            <p:nvSpPr>
+              <p:cNvPr id="405" name="Rectangle 404">
+                <a:extLst>
+                  <a:ext uri="{FF2B5EF4-FFF2-40B4-BE49-F238E27FC236}">
+                    <a16:creationId xmlns:a16="http://schemas.microsoft.com/office/drawing/2014/main" id="{42BE5475-0EF7-48AA-B6E7-4C1C883B02F7}"/>
+                  </a:ext>
+                </a:extLst>
+              </p:cNvPr>
+              <p:cNvSpPr/>
+              <p:nvPr/>
+            </p:nvSpPr>
+            <p:spPr>
+              <a:xfrm>
+                <a:off x="3964286" y="983331"/>
+                <a:ext cx="960275" cy="307777"/>
+              </a:xfrm>
+              <a:prstGeom prst="rect">
+                <a:avLst/>
+              </a:prstGeom>
+            </p:spPr>
+            <p:txBody>
+              <a:bodyPr wrap="square" anchor="ctr">
+                <a:spAutoFit/>
+              </a:bodyPr>
+              <a:lstStyle/>
+              <a:p>
+                <a:pPr marL="0" marR="0" lvl="0" indent="0" algn="ctr" defTabSz="457200" eaLnBrk="1" fontAlgn="auto" latinLnBrk="0" hangingPunct="1">
+                  <a:lnSpc>
+                    <a:spcPct val="100000"/>
+                  </a:lnSpc>
+                  <a:spcBef>
+                    <a:spcPts val="0"/>
+                  </a:spcBef>
+                  <a:spcAft>
+                    <a:spcPts val="0"/>
+                  </a:spcAft>
+                  <a:buClrTx/>
+                  <a:buSzTx/>
+                  <a:buFontTx/>
+                  <a:buNone/>
+                  <a:tabLst/>
+                  <a:defRPr/>
+                </a:pPr>
+                <a:r>
+                  <a:rPr kumimoji="0" lang="en-AU" sz="1400" b="0" i="0" u="none" strike="noStrike" kern="0" cap="none" spc="0" normalizeH="0" baseline="0" noProof="0" dirty="0">
+                    <a:ln>
+                      <a:noFill/>
+                    </a:ln>
+                    <a:solidFill>
+                      <a:prstClr val="white"/>
+                    </a:solidFill>
+                    <a:effectLst/>
+                    <a:uLnTx/>
+                    <a:uFillTx/>
+                    <a:latin typeface="Helvetica Neue" charset="0"/>
+                    <a:ea typeface="+mn-ea"/>
+                    <a:cs typeface="Helvetica Neue" charset="0"/>
+                  </a:rPr>
+                  <a:t>Pilot Foot</a:t>
+                </a:r>
+              </a:p>
+            </p:txBody>
+          </p:sp>
+        </p:grpSp>
+      </p:grpSp>
+      <p:grpSp>
+        <p:nvGrpSpPr>
+          <p:cNvPr id="424" name="Group 423">
             <a:extLst>
               <a:ext uri="{FF2B5EF4-FFF2-40B4-BE49-F238E27FC236}">
-                <a16:creationId xmlns:a16="http://schemas.microsoft.com/office/drawing/2014/main" id="{5730D1FD-AEF6-452A-9F59-F65DE0E62529}"/>
+                <a16:creationId xmlns:a16="http://schemas.microsoft.com/office/drawing/2014/main" id="{46E95AE5-4485-4391-9FEA-27A075C88EAF}"/>
               </a:ext>
             </a:extLst>
           </p:cNvPr>
-          <p:cNvPicPr>
-            <a:picLocks noChangeAspect="1"/>
-          </p:cNvPicPr>
+          <p:cNvGrpSpPr/>
           <p:nvPr/>
-        </p:nvPicPr>
-        <p:blipFill>
-          <a:blip r:embed="rId5"/>
-          <a:stretch>
-            <a:fillRect/>
-          </a:stretch>
-        </p:blipFill>
-        <p:spPr>
+        </p:nvGrpSpPr>
+        <p:grpSpPr>
           <a:xfrm>
-            <a:off x="3960580" y="5136977"/>
-            <a:ext cx="3158002" cy="993734"/>
+            <a:off x="3936659" y="2771756"/>
+            <a:ext cx="3278497" cy="1023377"/>
+            <a:chOff x="48329" y="2588633"/>
+            <a:chExt cx="3278497" cy="1023377"/>
           </a:xfrm>
-          <a:prstGeom prst="rect">
-            <a:avLst/>
-          </a:prstGeom>
-        </p:spPr>
-      </p:pic>
+        </p:grpSpPr>
+        <mc:AlternateContent xmlns:mc="http://schemas.openxmlformats.org/markup-compatibility/2006">
+          <mc:Choice xmlns:a14="http://schemas.microsoft.com/office/drawing/2010/main" Requires="a14">
+            <p:sp>
+              <p:nvSpPr>
+                <p:cNvPr id="425" name="Rectangle 424">
+                  <a:extLst>
+                    <a:ext uri="{FF2B5EF4-FFF2-40B4-BE49-F238E27FC236}">
+                      <a16:creationId xmlns:a16="http://schemas.microsoft.com/office/drawing/2014/main" id="{88DF7018-A65D-4399-A6C1-F903B73E9BF6}"/>
+                    </a:ext>
+                  </a:extLst>
+                </p:cNvPr>
+                <p:cNvSpPr/>
+                <p:nvPr/>
+              </p:nvSpPr>
+              <p:spPr>
+                <a:xfrm>
+                  <a:off x="2534561" y="2588633"/>
+                  <a:ext cx="792265" cy="646331"/>
+                </a:xfrm>
+                <a:prstGeom prst="rect">
+                  <a:avLst/>
+                </a:prstGeom>
+                <a:noFill/>
+                <a:ln w="12700" cap="flat" cmpd="sng" algn="ctr">
+                  <a:noFill/>
+                  <a:prstDash val="solid"/>
+                  <a:miter lim="800000"/>
+                </a:ln>
+                <a:effectLst/>
+              </p:spPr>
+              <p:txBody>
+                <a:bodyPr wrap="square" lIns="0" tIns="0" rIns="0" bIns="0" anchor="ctr">
+                  <a:spAutoFit/>
+                </a:bodyPr>
+                <a:lstStyle/>
+                <a:p>
+                  <a:pPr marL="0" marR="0" lvl="0" indent="0" algn="ctr" defTabSz="457200" eaLnBrk="1" fontAlgn="auto" latinLnBrk="0" hangingPunct="1">
+                    <a:lnSpc>
+                      <a:spcPct val="100000"/>
+                    </a:lnSpc>
+                    <a:spcBef>
+                      <a:spcPts val="0"/>
+                    </a:spcBef>
+                    <a:spcAft>
+                      <a:spcPts val="0"/>
+                    </a:spcAft>
+                    <a:buClrTx/>
+                    <a:buSzTx/>
+                    <a:buFontTx/>
+                    <a:buNone/>
+                    <a:tabLst/>
+                    <a:defRPr/>
+                  </a:pPr>
+                  <a:r>
+                    <a:rPr kumimoji="0" lang="en-AU" sz="1400" b="0" i="0" u="none" strike="noStrike" kern="0" cap="none" spc="0" normalizeH="0" baseline="0" noProof="0" dirty="0">
+                      <a:ln>
+                        <a:noFill/>
+                      </a:ln>
+                      <a:solidFill>
+                        <a:prstClr val="black"/>
+                      </a:solidFill>
+                      <a:effectLst/>
+                      <a:uLnTx/>
+                      <a:uFillTx/>
+                      <a:latin typeface="Helvetica Neue" charset="0"/>
+                      <a:ea typeface="+mn-ea"/>
+                      <a:cs typeface="Helvetica Neue" charset="0"/>
+                    </a:rPr>
+                    <a:t>Maintain </a:t>
+                  </a:r>
+                  <a:endParaRPr kumimoji="0" lang="en-AU" sz="1400" b="0" i="1" u="none" strike="noStrike" kern="0" cap="none" spc="0" normalizeH="0" baseline="0" noProof="0" dirty="0">
+                    <a:ln>
+                      <a:noFill/>
+                    </a:ln>
+                    <a:solidFill>
+                      <a:prstClr val="black"/>
+                    </a:solidFill>
+                    <a:effectLst/>
+                    <a:uLnTx/>
+                    <a:uFillTx/>
+                    <a:latin typeface="Cambria Math" panose="02040503050406030204" pitchFamily="18" charset="0"/>
+                    <a:ea typeface="Cambria Math" panose="02040503050406030204" pitchFamily="18" charset="0"/>
+                    <a:cs typeface="Helvetica Neue" charset="0"/>
+                  </a:endParaRPr>
+                </a:p>
+                <a:p>
+                  <a:pPr marL="0" marR="0" lvl="0" indent="0" algn="ctr" defTabSz="457200" eaLnBrk="1" fontAlgn="auto" latinLnBrk="0" hangingPunct="1">
+                    <a:lnSpc>
+                      <a:spcPct val="100000"/>
+                    </a:lnSpc>
+                    <a:spcBef>
+                      <a:spcPts val="0"/>
+                    </a:spcBef>
+                    <a:spcAft>
+                      <a:spcPts val="0"/>
+                    </a:spcAft>
+                    <a:buClrTx/>
+                    <a:buSzTx/>
+                    <a:buFontTx/>
+                    <a:buNone/>
+                    <a:tabLst/>
+                    <a:defRPr/>
+                  </a:pPr>
+                  <a14:m>
+                    <m:oMathPara xmlns:m="http://schemas.openxmlformats.org/officeDocument/2006/math">
+                      <m:oMathParaPr>
+                        <m:jc m:val="centerGroup"/>
+                      </m:oMathParaPr>
+                      <m:oMath xmlns:m="http://schemas.openxmlformats.org/officeDocument/2006/math">
+                        <m:r>
+                          <a:rPr kumimoji="0" lang="en-AU" sz="1400" b="0" i="1" u="none" strike="noStrike" kern="0" cap="none" spc="0" normalizeH="0" baseline="0" noProof="0" smtClean="0">
+                            <a:ln>
+                              <a:noFill/>
+                            </a:ln>
+                            <a:solidFill>
+                              <a:prstClr val="black"/>
+                            </a:solidFill>
+                            <a:effectLst/>
+                            <a:uLnTx/>
+                            <a:uFillTx/>
+                            <a:latin typeface="Cambria Math" panose="02040503050406030204" pitchFamily="18" charset="0"/>
+                            <a:ea typeface="Cambria Math" panose="02040503050406030204" pitchFamily="18" charset="0"/>
+                            <a:cs typeface="Helvetica Neue" charset="0"/>
+                          </a:rPr>
+                          <m:t>∆</m:t>
+                        </m:r>
+                        <m:r>
+                          <a:rPr kumimoji="0" lang="en-AU" sz="1400" b="0" i="1" u="none" strike="noStrike" kern="0" cap="none" spc="0" normalizeH="0" baseline="0" noProof="0" smtClean="0">
+                            <a:ln>
+                              <a:noFill/>
+                            </a:ln>
+                            <a:solidFill>
+                              <a:prstClr val="black"/>
+                            </a:solidFill>
+                            <a:effectLst/>
+                            <a:uLnTx/>
+                            <a:uFillTx/>
+                            <a:latin typeface="Cambria Math" panose="02040503050406030204" pitchFamily="18" charset="0"/>
+                            <a:ea typeface="Cambria Math" panose="02040503050406030204" pitchFamily="18" charset="0"/>
+                            <a:cs typeface="Helvetica Neue" charset="0"/>
+                          </a:rPr>
+                          <m:t>𝑥</m:t>
+                        </m:r>
+                        <m:r>
+                          <a:rPr kumimoji="0" lang="en-AU" sz="1400" b="0" i="1" u="none" strike="noStrike" kern="0" cap="none" spc="0" normalizeH="0" baseline="0" noProof="0" smtClean="0">
+                            <a:ln>
+                              <a:noFill/>
+                            </a:ln>
+                            <a:solidFill>
+                              <a:prstClr val="black"/>
+                            </a:solidFill>
+                            <a:effectLst/>
+                            <a:uLnTx/>
+                            <a:uFillTx/>
+                            <a:latin typeface="Cambria Math" panose="02040503050406030204" pitchFamily="18" charset="0"/>
+                            <a:ea typeface="Cambria Math" panose="02040503050406030204" pitchFamily="18" charset="0"/>
+                            <a:cs typeface="Helvetica Neue" charset="0"/>
+                          </a:rPr>
+                          <m:t>=0</m:t>
+                        </m:r>
+                      </m:oMath>
+                    </m:oMathPara>
+                  </a14:m>
+                  <a:endParaRPr kumimoji="0" lang="en-AU" sz="1400" b="0" i="1" u="none" strike="noStrike" kern="0" cap="none" spc="0" normalizeH="0" baseline="0" noProof="0" dirty="0">
+                    <a:ln>
+                      <a:noFill/>
+                    </a:ln>
+                    <a:solidFill>
+                      <a:prstClr val="black"/>
+                    </a:solidFill>
+                    <a:effectLst/>
+                    <a:uLnTx/>
+                    <a:uFillTx/>
+                    <a:latin typeface="Cambria Math" panose="02040503050406030204" pitchFamily="18" charset="0"/>
+                    <a:ea typeface="Cambria Math" panose="02040503050406030204" pitchFamily="18" charset="0"/>
+                    <a:cs typeface="Helvetica Neue" charset="0"/>
+                  </a:endParaRPr>
+                </a:p>
+                <a:p>
+                  <a:pPr marL="0" marR="0" lvl="0" indent="0" algn="ctr" defTabSz="457200" eaLnBrk="1" fontAlgn="auto" latinLnBrk="0" hangingPunct="1">
+                    <a:lnSpc>
+                      <a:spcPct val="100000"/>
+                    </a:lnSpc>
+                    <a:spcBef>
+                      <a:spcPts val="0"/>
+                    </a:spcBef>
+                    <a:spcAft>
+                      <a:spcPts val="0"/>
+                    </a:spcAft>
+                    <a:buClrTx/>
+                    <a:buSzTx/>
+                    <a:buFontTx/>
+                    <a:buNone/>
+                    <a:tabLst/>
+                    <a:defRPr/>
+                  </a:pPr>
+                  <a14:m>
+                    <m:oMathPara xmlns:m="http://schemas.openxmlformats.org/officeDocument/2006/math">
+                      <m:oMathParaPr>
+                        <m:jc m:val="centerGroup"/>
+                      </m:oMathParaPr>
+                      <m:oMath xmlns:m="http://schemas.openxmlformats.org/officeDocument/2006/math">
+                        <m:r>
+                          <a:rPr kumimoji="0" lang="en-AU" sz="1400" b="0" i="1" u="none" strike="noStrike" kern="0" cap="none" spc="0" normalizeH="0" baseline="0" noProof="0" smtClean="0">
+                            <a:ln>
+                              <a:noFill/>
+                            </a:ln>
+                            <a:solidFill>
+                              <a:prstClr val="black"/>
+                            </a:solidFill>
+                            <a:effectLst/>
+                            <a:uLnTx/>
+                            <a:uFillTx/>
+                            <a:latin typeface="Cambria Math" panose="02040503050406030204" pitchFamily="18" charset="0"/>
+                            <a:ea typeface="Cambria Math" panose="02040503050406030204" pitchFamily="18" charset="0"/>
+                            <a:cs typeface="Helvetica Neue" charset="0"/>
+                          </a:rPr>
+                          <m:t>→∆</m:t>
+                        </m:r>
+                        <m:r>
+                          <a:rPr kumimoji="0" lang="en-AU" sz="1400" b="0" i="1" u="none" strike="noStrike" kern="0" cap="none" spc="0" normalizeH="0" baseline="0" noProof="0" smtClean="0">
+                            <a:ln>
+                              <a:noFill/>
+                            </a:ln>
+                            <a:solidFill>
+                              <a:prstClr val="black"/>
+                            </a:solidFill>
+                            <a:effectLst/>
+                            <a:uLnTx/>
+                            <a:uFillTx/>
+                            <a:latin typeface="Cambria Math" panose="02040503050406030204" pitchFamily="18" charset="0"/>
+                            <a:ea typeface="Cambria Math" panose="02040503050406030204" pitchFamily="18" charset="0"/>
+                            <a:cs typeface="Helvetica Neue" charset="0"/>
+                          </a:rPr>
+                          <m:t>𝜃</m:t>
+                        </m:r>
+                        <m:r>
+                          <a:rPr kumimoji="0" lang="en-AU" sz="1400" b="0" i="1" u="none" strike="noStrike" kern="0" cap="none" spc="0" normalizeH="0" baseline="0" noProof="0" smtClean="0">
+                            <a:ln>
+                              <a:noFill/>
+                            </a:ln>
+                            <a:solidFill>
+                              <a:prstClr val="black"/>
+                            </a:solidFill>
+                            <a:effectLst/>
+                            <a:uLnTx/>
+                            <a:uFillTx/>
+                            <a:latin typeface="Cambria Math" panose="02040503050406030204" pitchFamily="18" charset="0"/>
+                            <a:ea typeface="Cambria Math" panose="02040503050406030204" pitchFamily="18" charset="0"/>
+                            <a:cs typeface="Helvetica Neue" charset="0"/>
+                          </a:rPr>
+                          <m:t>=0</m:t>
+                        </m:r>
+                      </m:oMath>
+                    </m:oMathPara>
+                  </a14:m>
+                  <a:endParaRPr kumimoji="0" lang="en-AU" sz="1400" b="0" i="0" u="none" strike="noStrike" kern="0" cap="none" spc="0" normalizeH="0" baseline="0" noProof="0" dirty="0">
+                    <a:ln>
+                      <a:noFill/>
+                    </a:ln>
+                    <a:solidFill>
+                      <a:prstClr val="black"/>
+                    </a:solidFill>
+                    <a:effectLst/>
+                    <a:uLnTx/>
+                    <a:uFillTx/>
+                    <a:latin typeface="Helvetica Neue" charset="0"/>
+                    <a:ea typeface="+mn-ea"/>
+                    <a:cs typeface="Helvetica Neue" charset="0"/>
+                  </a:endParaRPr>
+                </a:p>
+              </p:txBody>
+            </p:sp>
+          </mc:Choice>
+          <mc:Fallback>
+            <p:sp>
+              <p:nvSpPr>
+                <p:cNvPr id="425" name="Rectangle 424">
+                  <a:extLst>
+                    <a:ext uri="{FF2B5EF4-FFF2-40B4-BE49-F238E27FC236}">
+                      <a16:creationId xmlns:a16="http://schemas.microsoft.com/office/drawing/2014/main" id="{88DF7018-A65D-4399-A6C1-F903B73E9BF6}"/>
+                    </a:ext>
+                  </a:extLst>
+                </p:cNvPr>
+                <p:cNvSpPr>
+                  <a:spLocks noRot="1" noChangeAspect="1" noMove="1" noResize="1" noEditPoints="1" noAdjustHandles="1" noChangeArrowheads="1" noChangeShapeType="1" noTextEdit="1"/>
+                </p:cNvSpPr>
+                <p:nvPr/>
+              </p:nvSpPr>
+              <p:spPr>
+                <a:xfrm>
+                  <a:off x="2534561" y="2588633"/>
+                  <a:ext cx="792265" cy="646331"/>
+                </a:xfrm>
+                <a:prstGeom prst="rect">
+                  <a:avLst/>
+                </a:prstGeom>
+                <a:blipFill>
+                  <a:blip r:embed="rId5"/>
+                  <a:stretch>
+                    <a:fillRect l="-9231" t="-8491" r="-9231" b="-2830"/>
+                  </a:stretch>
+                </a:blipFill>
+                <a:ln w="12700" cap="flat" cmpd="sng" algn="ctr">
+                  <a:noFill/>
+                  <a:prstDash val="solid"/>
+                  <a:miter lim="800000"/>
+                </a:ln>
+                <a:effectLst/>
+              </p:spPr>
+              <p:txBody>
+                <a:bodyPr/>
+                <a:lstStyle/>
+                <a:p>
+                  <a:r>
+                    <a:rPr lang="en-AU">
+                      <a:noFill/>
+                    </a:rPr>
+                    <a:t> </a:t>
+                  </a:r>
+                </a:p>
+              </p:txBody>
+            </p:sp>
+          </mc:Fallback>
+        </mc:AlternateContent>
+        <p:sp>
+          <p:nvSpPr>
+            <p:cNvPr id="426" name="Rectangle 425">
+              <a:extLst>
+                <a:ext uri="{FF2B5EF4-FFF2-40B4-BE49-F238E27FC236}">
+                  <a16:creationId xmlns:a16="http://schemas.microsoft.com/office/drawing/2014/main" id="{11F3DB73-14ED-484B-B95B-63712DD3DC13}"/>
+                </a:ext>
+              </a:extLst>
+            </p:cNvPr>
+            <p:cNvSpPr/>
+            <p:nvPr/>
+          </p:nvSpPr>
+          <p:spPr>
+            <a:xfrm>
+              <a:off x="247047" y="3000681"/>
+              <a:ext cx="1787072" cy="180154"/>
+            </a:xfrm>
+            <a:prstGeom prst="rect">
+              <a:avLst/>
+            </a:prstGeom>
+            <a:solidFill>
+              <a:sysClr val="windowText" lastClr="000000"/>
+            </a:solidFill>
+            <a:ln w="12700" cap="flat" cmpd="sng" algn="ctr">
+              <a:noFill/>
+              <a:prstDash val="solid"/>
+              <a:miter lim="800000"/>
+            </a:ln>
+            <a:effectLst/>
+          </p:spPr>
+          <p:txBody>
+            <a:bodyPr rtlCol="0" anchor="ctr"/>
+            <a:lstStyle/>
+            <a:p>
+              <a:pPr marL="0" marR="0" lvl="0" indent="0" algn="ctr" defTabSz="457200" eaLnBrk="1" fontAlgn="auto" latinLnBrk="0" hangingPunct="1">
+                <a:lnSpc>
+                  <a:spcPct val="100000"/>
+                </a:lnSpc>
+                <a:spcBef>
+                  <a:spcPts val="0"/>
+                </a:spcBef>
+                <a:spcAft>
+                  <a:spcPts val="0"/>
+                </a:spcAft>
+                <a:buClrTx/>
+                <a:buSzTx/>
+                <a:buFontTx/>
+                <a:buNone/>
+                <a:tabLst/>
+                <a:defRPr/>
+              </a:pPr>
+              <a:endParaRPr kumimoji="0" lang="en-AU" sz="1400" b="0" i="0" u="none" strike="noStrike" kern="0" cap="none" spc="0" normalizeH="0" baseline="0" noProof="0">
+                <a:ln>
+                  <a:noFill/>
+                </a:ln>
+                <a:solidFill>
+                  <a:prstClr val="white"/>
+                </a:solidFill>
+                <a:effectLst/>
+                <a:uLnTx/>
+                <a:uFillTx/>
+                <a:latin typeface="Calibri" panose="020F0502020204030204"/>
+                <a:ea typeface="+mn-ea"/>
+                <a:cs typeface="+mn-cs"/>
+              </a:endParaRPr>
+            </a:p>
+          </p:txBody>
+        </p:sp>
+        <p:sp>
+          <p:nvSpPr>
+            <p:cNvPr id="427" name="Oval 426">
+              <a:extLst>
+                <a:ext uri="{FF2B5EF4-FFF2-40B4-BE49-F238E27FC236}">
+                  <a16:creationId xmlns:a16="http://schemas.microsoft.com/office/drawing/2014/main" id="{31E8873E-5C4D-40FB-8546-1BAA879641C9}"/>
+                </a:ext>
+              </a:extLst>
+            </p:cNvPr>
+            <p:cNvSpPr/>
+            <p:nvPr/>
+          </p:nvSpPr>
+          <p:spPr>
+            <a:xfrm>
+              <a:off x="1897720" y="2953626"/>
+              <a:ext cx="244506" cy="244506"/>
+            </a:xfrm>
+            <a:prstGeom prst="ellipse">
+              <a:avLst/>
+            </a:prstGeom>
+            <a:solidFill>
+              <a:sysClr val="windowText" lastClr="000000"/>
+            </a:solidFill>
+            <a:ln w="12700" cap="flat" cmpd="sng" algn="ctr">
+              <a:noFill/>
+              <a:prstDash val="solid"/>
+              <a:miter lim="800000"/>
+            </a:ln>
+            <a:effectLst/>
+          </p:spPr>
+          <p:txBody>
+            <a:bodyPr rtlCol="0" anchor="ctr"/>
+            <a:lstStyle/>
+            <a:p>
+              <a:pPr marL="0" marR="0" lvl="0" indent="0" algn="ctr" defTabSz="457200" eaLnBrk="1" fontAlgn="auto" latinLnBrk="0" hangingPunct="1">
+                <a:lnSpc>
+                  <a:spcPct val="100000"/>
+                </a:lnSpc>
+                <a:spcBef>
+                  <a:spcPts val="0"/>
+                </a:spcBef>
+                <a:spcAft>
+                  <a:spcPts val="0"/>
+                </a:spcAft>
+                <a:buClrTx/>
+                <a:buSzTx/>
+                <a:buFontTx/>
+                <a:buNone/>
+                <a:tabLst/>
+                <a:defRPr/>
+              </a:pPr>
+              <a:endParaRPr kumimoji="0" lang="en-AU" sz="1400" b="0" i="0" u="none" strike="noStrike" kern="0" cap="none" spc="0" normalizeH="0" baseline="0" noProof="0">
+                <a:ln>
+                  <a:noFill/>
+                </a:ln>
+                <a:solidFill>
+                  <a:prstClr val="white"/>
+                </a:solidFill>
+                <a:effectLst/>
+                <a:uLnTx/>
+                <a:uFillTx/>
+                <a:latin typeface="Calibri" panose="020F0502020204030204"/>
+                <a:ea typeface="+mn-ea"/>
+                <a:cs typeface="+mn-cs"/>
+              </a:endParaRPr>
+            </a:p>
+          </p:txBody>
+        </p:sp>
+        <p:sp>
+          <p:nvSpPr>
+            <p:cNvPr id="428" name="Diagonal Stripe 427">
+              <a:extLst>
+                <a:ext uri="{FF2B5EF4-FFF2-40B4-BE49-F238E27FC236}">
+                  <a16:creationId xmlns:a16="http://schemas.microsoft.com/office/drawing/2014/main" id="{FA7E5BB0-4F96-4EAD-8869-C0F7C17A3FA1}"/>
+                </a:ext>
+              </a:extLst>
+            </p:cNvPr>
+            <p:cNvSpPr/>
+            <p:nvPr/>
+          </p:nvSpPr>
+          <p:spPr>
+            <a:xfrm rot="16200000">
+              <a:off x="2249834" y="2753215"/>
+              <a:ext cx="611330" cy="1106260"/>
+            </a:xfrm>
+            <a:prstGeom prst="diagStripe">
+              <a:avLst>
+                <a:gd name="adj" fmla="val 71830"/>
+              </a:avLst>
+            </a:prstGeom>
+            <a:solidFill>
+              <a:sysClr val="windowText" lastClr="000000"/>
+            </a:solidFill>
+            <a:ln w="12700" cap="flat" cmpd="sng" algn="ctr">
+              <a:noFill/>
+              <a:prstDash val="solid"/>
+              <a:miter lim="800000"/>
+            </a:ln>
+            <a:effectLst/>
+          </p:spPr>
+          <p:txBody>
+            <a:bodyPr rtlCol="0" anchor="ctr"/>
+            <a:lstStyle/>
+            <a:p>
+              <a:pPr marL="0" marR="0" lvl="0" indent="0" algn="ctr" defTabSz="457200" eaLnBrk="1" fontAlgn="auto" latinLnBrk="0" hangingPunct="1">
+                <a:lnSpc>
+                  <a:spcPct val="100000"/>
+                </a:lnSpc>
+                <a:spcBef>
+                  <a:spcPts val="0"/>
+                </a:spcBef>
+                <a:spcAft>
+                  <a:spcPts val="0"/>
+                </a:spcAft>
+                <a:buClrTx/>
+                <a:buSzTx/>
+                <a:buFontTx/>
+                <a:buNone/>
+                <a:tabLst/>
+                <a:defRPr/>
+              </a:pPr>
+              <a:endParaRPr kumimoji="0" lang="en-AU" sz="1400" b="0" i="0" u="none" strike="noStrike" kern="0" cap="none" spc="0" normalizeH="0" baseline="0" noProof="0">
+                <a:ln>
+                  <a:noFill/>
+                </a:ln>
+                <a:solidFill>
+                  <a:prstClr val="black"/>
+                </a:solidFill>
+                <a:effectLst/>
+                <a:uLnTx/>
+                <a:uFillTx/>
+                <a:latin typeface="Calibri" panose="020F0502020204030204"/>
+                <a:ea typeface="+mn-ea"/>
+                <a:cs typeface="+mn-cs"/>
+              </a:endParaRPr>
+            </a:p>
+          </p:txBody>
+        </p:sp>
+        <p:sp>
+          <p:nvSpPr>
+            <p:cNvPr id="429" name="Isosceles Triangle 428">
+              <a:extLst>
+                <a:ext uri="{FF2B5EF4-FFF2-40B4-BE49-F238E27FC236}">
+                  <a16:creationId xmlns:a16="http://schemas.microsoft.com/office/drawing/2014/main" id="{AF5CD3B0-B9D3-4954-B389-31F9229F4C9C}"/>
+                </a:ext>
+              </a:extLst>
+            </p:cNvPr>
+            <p:cNvSpPr/>
+            <p:nvPr/>
+          </p:nvSpPr>
+          <p:spPr>
+            <a:xfrm rot="10800000">
+              <a:off x="1695084" y="3211794"/>
+              <a:ext cx="76200" cy="213611"/>
+            </a:xfrm>
+            <a:prstGeom prst="triangle">
+              <a:avLst/>
+            </a:prstGeom>
+            <a:solidFill>
+              <a:srgbClr val="ED7D31"/>
+            </a:solidFill>
+            <a:ln w="12700" cap="flat" cmpd="sng" algn="ctr">
+              <a:solidFill>
+                <a:srgbClr val="ED7D31">
+                  <a:shade val="50000"/>
+                </a:srgbClr>
+              </a:solidFill>
+              <a:prstDash val="solid"/>
+              <a:miter lim="800000"/>
+            </a:ln>
+            <a:effectLst/>
+          </p:spPr>
+          <p:txBody>
+            <a:bodyPr rtlCol="0" anchor="ctr"/>
+            <a:lstStyle/>
+            <a:p>
+              <a:pPr marL="0" marR="0" lvl="0" indent="0" algn="ctr" defTabSz="457200" eaLnBrk="1" fontAlgn="auto" latinLnBrk="0" hangingPunct="1">
+                <a:lnSpc>
+                  <a:spcPct val="100000"/>
+                </a:lnSpc>
+                <a:spcBef>
+                  <a:spcPts val="0"/>
+                </a:spcBef>
+                <a:spcAft>
+                  <a:spcPts val="0"/>
+                </a:spcAft>
+                <a:buClrTx/>
+                <a:buSzTx/>
+                <a:buFontTx/>
+                <a:buNone/>
+                <a:tabLst/>
+                <a:defRPr/>
+              </a:pPr>
+              <a:endParaRPr kumimoji="0" lang="en-AU" sz="1400" b="0" i="0" u="none" strike="noStrike" kern="0" cap="none" spc="0" normalizeH="0" baseline="0" noProof="0">
+                <a:ln>
+                  <a:noFill/>
+                </a:ln>
+                <a:solidFill>
+                  <a:srgbClr val="5B9BD5"/>
+                </a:solidFill>
+                <a:effectLst/>
+                <a:uLnTx/>
+                <a:uFillTx/>
+                <a:latin typeface="Calibri" panose="020F0502020204030204"/>
+                <a:ea typeface="+mn-ea"/>
+                <a:cs typeface="+mn-cs"/>
+              </a:endParaRPr>
+            </a:p>
+          </p:txBody>
+        </p:sp>
+        <p:sp>
+          <p:nvSpPr>
+            <p:cNvPr id="430" name="Isosceles Triangle 429">
+              <a:extLst>
+                <a:ext uri="{FF2B5EF4-FFF2-40B4-BE49-F238E27FC236}">
+                  <a16:creationId xmlns:a16="http://schemas.microsoft.com/office/drawing/2014/main" id="{6ADEE909-310B-4C5A-A23A-BFEBE368C488}"/>
+                </a:ext>
+              </a:extLst>
+            </p:cNvPr>
+            <p:cNvSpPr/>
+            <p:nvPr/>
+          </p:nvSpPr>
+          <p:spPr>
+            <a:xfrm>
+              <a:off x="1695084" y="2756109"/>
+              <a:ext cx="76200" cy="213611"/>
+            </a:xfrm>
+            <a:prstGeom prst="triangle">
+              <a:avLst/>
+            </a:prstGeom>
+            <a:solidFill>
+              <a:srgbClr val="ED7D31"/>
+            </a:solidFill>
+            <a:ln w="12700" cap="flat" cmpd="sng" algn="ctr">
+              <a:solidFill>
+                <a:srgbClr val="ED7D31">
+                  <a:shade val="50000"/>
+                </a:srgbClr>
+              </a:solidFill>
+              <a:prstDash val="solid"/>
+              <a:miter lim="800000"/>
+            </a:ln>
+            <a:effectLst/>
+          </p:spPr>
+          <p:txBody>
+            <a:bodyPr rtlCol="0" anchor="ctr"/>
+            <a:lstStyle/>
+            <a:p>
+              <a:pPr marL="0" marR="0" lvl="0" indent="0" algn="ctr" defTabSz="457200" eaLnBrk="1" fontAlgn="auto" latinLnBrk="0" hangingPunct="1">
+                <a:lnSpc>
+                  <a:spcPct val="100000"/>
+                </a:lnSpc>
+                <a:spcBef>
+                  <a:spcPts val="0"/>
+                </a:spcBef>
+                <a:spcAft>
+                  <a:spcPts val="0"/>
+                </a:spcAft>
+                <a:buClrTx/>
+                <a:buSzTx/>
+                <a:buFontTx/>
+                <a:buNone/>
+                <a:tabLst/>
+                <a:defRPr/>
+              </a:pPr>
+              <a:endParaRPr kumimoji="0" lang="en-AU" sz="1400" b="0" i="0" u="none" strike="noStrike" kern="0" cap="none" spc="0" normalizeH="0" baseline="0" noProof="0">
+                <a:ln>
+                  <a:noFill/>
+                </a:ln>
+                <a:solidFill>
+                  <a:prstClr val="white"/>
+                </a:solidFill>
+                <a:effectLst/>
+                <a:uLnTx/>
+                <a:uFillTx/>
+                <a:latin typeface="Calibri" panose="020F0502020204030204"/>
+                <a:ea typeface="+mn-ea"/>
+                <a:cs typeface="+mn-cs"/>
+              </a:endParaRPr>
+            </a:p>
+          </p:txBody>
+        </p:sp>
+        <p:sp>
+          <p:nvSpPr>
+            <p:cNvPr id="431" name="Rectangle 430">
+              <a:extLst>
+                <a:ext uri="{FF2B5EF4-FFF2-40B4-BE49-F238E27FC236}">
+                  <a16:creationId xmlns:a16="http://schemas.microsoft.com/office/drawing/2014/main" id="{7F9D849B-F28D-4A9D-9E81-7BB6D4CF53E2}"/>
+                </a:ext>
+              </a:extLst>
+            </p:cNvPr>
+            <p:cNvSpPr/>
+            <p:nvPr/>
+          </p:nvSpPr>
+          <p:spPr>
+            <a:xfrm>
+              <a:off x="1682196" y="2630714"/>
+              <a:ext cx="101975" cy="101975"/>
+            </a:xfrm>
+            <a:prstGeom prst="rect">
+              <a:avLst/>
+            </a:prstGeom>
+            <a:solidFill>
+              <a:srgbClr val="70AD47"/>
+            </a:solidFill>
+            <a:ln w="12700" cap="flat" cmpd="sng" algn="ctr">
+              <a:solidFill>
+                <a:srgbClr val="70AD47"/>
+              </a:solidFill>
+              <a:prstDash val="solid"/>
+              <a:miter lim="800000"/>
+            </a:ln>
+            <a:effectLst/>
+          </p:spPr>
+          <p:txBody>
+            <a:bodyPr rtlCol="0" anchor="ctr"/>
+            <a:lstStyle/>
+            <a:p>
+              <a:pPr marL="0" marR="0" lvl="0" indent="0" algn="ctr" defTabSz="457200" eaLnBrk="1" fontAlgn="auto" latinLnBrk="0" hangingPunct="1">
+                <a:lnSpc>
+                  <a:spcPct val="100000"/>
+                </a:lnSpc>
+                <a:spcBef>
+                  <a:spcPts val="0"/>
+                </a:spcBef>
+                <a:spcAft>
+                  <a:spcPts val="0"/>
+                </a:spcAft>
+                <a:buClrTx/>
+                <a:buSzTx/>
+                <a:buFontTx/>
+                <a:buNone/>
+                <a:tabLst/>
+                <a:defRPr/>
+              </a:pPr>
+              <a:endParaRPr kumimoji="0" lang="en-AU" sz="1400" b="0" i="0" u="none" strike="noStrike" kern="0" cap="none" spc="0" normalizeH="0" baseline="0" noProof="0">
+                <a:ln>
+                  <a:noFill/>
+                </a:ln>
+                <a:solidFill>
+                  <a:srgbClr val="70AD47"/>
+                </a:solidFill>
+                <a:effectLst/>
+                <a:uLnTx/>
+                <a:uFillTx/>
+                <a:latin typeface="Calibri" panose="020F0502020204030204"/>
+                <a:ea typeface="+mn-ea"/>
+                <a:cs typeface="+mn-cs"/>
+              </a:endParaRPr>
+            </a:p>
+          </p:txBody>
+        </p:sp>
+        <p:sp>
+          <p:nvSpPr>
+            <p:cNvPr id="432" name="Rectangle 431">
+              <a:extLst>
+                <a:ext uri="{FF2B5EF4-FFF2-40B4-BE49-F238E27FC236}">
+                  <a16:creationId xmlns:a16="http://schemas.microsoft.com/office/drawing/2014/main" id="{6375A5CF-F88B-41AF-B270-87607A3003A7}"/>
+                </a:ext>
+              </a:extLst>
+            </p:cNvPr>
+            <p:cNvSpPr/>
+            <p:nvPr/>
+          </p:nvSpPr>
+          <p:spPr>
+            <a:xfrm>
+              <a:off x="1682196" y="3448827"/>
+              <a:ext cx="101975" cy="101975"/>
+            </a:xfrm>
+            <a:prstGeom prst="rect">
+              <a:avLst/>
+            </a:prstGeom>
+            <a:solidFill>
+              <a:srgbClr val="0070C0"/>
+            </a:solidFill>
+            <a:ln w="19050" cap="flat" cmpd="sng" algn="ctr">
+              <a:solidFill>
+                <a:srgbClr val="0070C0"/>
+              </a:solidFill>
+              <a:prstDash val="solid"/>
+              <a:miter lim="800000"/>
+            </a:ln>
+            <a:effectLst/>
+          </p:spPr>
+          <p:txBody>
+            <a:bodyPr rtlCol="0" anchor="ctr"/>
+            <a:lstStyle/>
+            <a:p>
+              <a:pPr marL="0" marR="0" lvl="0" indent="0" algn="ctr" defTabSz="457200" eaLnBrk="1" fontAlgn="auto" latinLnBrk="0" hangingPunct="1">
+                <a:lnSpc>
+                  <a:spcPct val="100000"/>
+                </a:lnSpc>
+                <a:spcBef>
+                  <a:spcPts val="0"/>
+                </a:spcBef>
+                <a:spcAft>
+                  <a:spcPts val="0"/>
+                </a:spcAft>
+                <a:buClrTx/>
+                <a:buSzTx/>
+                <a:buFontTx/>
+                <a:buNone/>
+                <a:tabLst/>
+                <a:defRPr/>
+              </a:pPr>
+              <a:endParaRPr kumimoji="0" lang="en-AU" sz="1400" b="0" i="0" u="none" strike="noStrike" kern="0" cap="none" spc="0" normalizeH="0" baseline="0" noProof="0">
+                <a:ln>
+                  <a:noFill/>
+                </a:ln>
+                <a:solidFill>
+                  <a:srgbClr val="0070C0"/>
+                </a:solidFill>
+                <a:effectLst/>
+                <a:uLnTx/>
+                <a:uFillTx/>
+                <a:latin typeface="Calibri" panose="020F0502020204030204"/>
+                <a:ea typeface="+mn-ea"/>
+                <a:cs typeface="+mn-cs"/>
+              </a:endParaRPr>
+            </a:p>
+          </p:txBody>
+        </p:sp>
+        <mc:AlternateContent xmlns:mc="http://schemas.openxmlformats.org/markup-compatibility/2006">
+          <mc:Choice xmlns:a14="http://schemas.microsoft.com/office/drawing/2010/main" Requires="a14">
+            <p:sp>
+              <p:nvSpPr>
+                <p:cNvPr id="433" name="Rectangle 432">
+                  <a:extLst>
+                    <a:ext uri="{FF2B5EF4-FFF2-40B4-BE49-F238E27FC236}">
+                      <a16:creationId xmlns:a16="http://schemas.microsoft.com/office/drawing/2014/main" id="{06C1CEE1-AA81-4E15-8E6D-C292F3162B41}"/>
+                    </a:ext>
+                  </a:extLst>
+                </p:cNvPr>
+                <p:cNvSpPr/>
+                <p:nvPr/>
+              </p:nvSpPr>
+              <p:spPr>
+                <a:xfrm>
+                  <a:off x="1858384" y="2732689"/>
+                  <a:ext cx="614464" cy="184666"/>
+                </a:xfrm>
+                <a:prstGeom prst="rect">
+                  <a:avLst/>
+                </a:prstGeom>
+                <a:noFill/>
+                <a:ln w="12700">
+                  <a:noFill/>
+                </a:ln>
+              </p:spPr>
+              <p:txBody>
+                <a:bodyPr wrap="none" lIns="0" tIns="0" rIns="0" bIns="0">
+                  <a:spAutoFit/>
+                </a:bodyPr>
+                <a:lstStyle/>
+                <a:p>
+                  <a:pPr marL="0" marR="0" lvl="0" indent="0" defTabSz="457200" eaLnBrk="1" fontAlgn="auto" latinLnBrk="0" hangingPunct="1">
+                    <a:lnSpc>
+                      <a:spcPct val="100000"/>
+                    </a:lnSpc>
+                    <a:spcBef>
+                      <a:spcPts val="0"/>
+                    </a:spcBef>
+                    <a:spcAft>
+                      <a:spcPts val="0"/>
+                    </a:spcAft>
+                    <a:buClrTx/>
+                    <a:buSzTx/>
+                    <a:buFontTx/>
+                    <a:buNone/>
+                    <a:tabLst/>
+                    <a:defRPr/>
+                  </a:pPr>
+                  <a14:m>
+                    <m:oMathPara xmlns:m="http://schemas.openxmlformats.org/officeDocument/2006/math">
+                      <m:oMathParaPr>
+                        <m:jc m:val="centerGroup"/>
+                      </m:oMathParaPr>
+                      <m:oMath xmlns:m="http://schemas.openxmlformats.org/officeDocument/2006/math">
+                        <m:sSub>
+                          <m:sSubPr>
+                            <m:ctrlPr>
+                              <a:rPr kumimoji="0" lang="en-AU" sz="1200" b="0" i="1" u="none" strike="noStrike" kern="0" cap="none" spc="0" normalizeH="0" baseline="0" noProof="0" smtClean="0">
+                                <a:ln>
+                                  <a:noFill/>
+                                </a:ln>
+                                <a:solidFill>
+                                  <a:srgbClr val="70AD47"/>
+                                </a:solidFill>
+                                <a:effectLst/>
+                                <a:uLnTx/>
+                                <a:uFillTx/>
+                                <a:latin typeface="Cambria Math" panose="02040503050406030204" pitchFamily="18" charset="0"/>
+                                <a:ea typeface="Cambria Math" panose="02040503050406030204" pitchFamily="18" charset="0"/>
+                                <a:cs typeface="Helvetica Neue" charset="0"/>
+                              </a:rPr>
+                            </m:ctrlPr>
+                          </m:sSubPr>
+                          <m:e>
+                            <m:r>
+                              <a:rPr kumimoji="0" lang="en-AU" sz="1200" b="0" i="1" u="none" strike="noStrike" kern="0" cap="none" spc="0" normalizeH="0" baseline="0" noProof="0" smtClean="0">
+                                <a:ln>
+                                  <a:noFill/>
+                                </a:ln>
+                                <a:solidFill>
+                                  <a:srgbClr val="70AD47"/>
+                                </a:solidFill>
+                                <a:effectLst/>
+                                <a:uLnTx/>
+                                <a:uFillTx/>
+                                <a:latin typeface="Cambria Math" panose="02040503050406030204" pitchFamily="18" charset="0"/>
+                                <a:ea typeface="Cambria Math" panose="02040503050406030204" pitchFamily="18" charset="0"/>
+                                <a:cs typeface="Helvetica Neue" charset="0"/>
+                              </a:rPr>
+                              <m:t>𝑥</m:t>
+                            </m:r>
+                          </m:e>
+                          <m:sub>
+                            <m:r>
+                              <a:rPr kumimoji="0" lang="en-AU" sz="1200" b="0" i="1" u="none" strike="noStrike" kern="0" cap="none" spc="0" normalizeH="0" baseline="0" noProof="0" smtClean="0">
+                                <a:ln>
+                                  <a:noFill/>
+                                </a:ln>
+                                <a:solidFill>
+                                  <a:srgbClr val="70AD47"/>
+                                </a:solidFill>
+                                <a:effectLst/>
+                                <a:uLnTx/>
+                                <a:uFillTx/>
+                                <a:latin typeface="Cambria Math" panose="02040503050406030204" pitchFamily="18" charset="0"/>
+                                <a:ea typeface="Cambria Math" panose="02040503050406030204" pitchFamily="18" charset="0"/>
+                                <a:cs typeface="Helvetica Neue" charset="0"/>
+                              </a:rPr>
+                              <m:t>𝐹𝑜𝑟𝑤𝑎𝑟𝑑</m:t>
+                            </m:r>
+                          </m:sub>
+                        </m:sSub>
+                      </m:oMath>
+                    </m:oMathPara>
+                  </a14:m>
+                  <a:endParaRPr kumimoji="0" lang="en-AU" sz="1200" b="0" i="0" u="none" strike="noStrike" kern="0" cap="none" spc="0" normalizeH="0" baseline="0" noProof="0" dirty="0">
+                    <a:ln>
+                      <a:noFill/>
+                    </a:ln>
+                    <a:solidFill>
+                      <a:srgbClr val="70AD47"/>
+                    </a:solidFill>
+                    <a:effectLst/>
+                    <a:uLnTx/>
+                    <a:uFillTx/>
+                    <a:latin typeface="Calibri" panose="020F0502020204030204"/>
+                    <a:ea typeface="+mn-ea"/>
+                  </a:endParaRPr>
+                </a:p>
+              </p:txBody>
+            </p:sp>
+          </mc:Choice>
+          <mc:Fallback>
+            <p:sp>
+              <p:nvSpPr>
+                <p:cNvPr id="433" name="Rectangle 432">
+                  <a:extLst>
+                    <a:ext uri="{FF2B5EF4-FFF2-40B4-BE49-F238E27FC236}">
+                      <a16:creationId xmlns:a16="http://schemas.microsoft.com/office/drawing/2014/main" id="{06C1CEE1-AA81-4E15-8E6D-C292F3162B41}"/>
+                    </a:ext>
+                  </a:extLst>
+                </p:cNvPr>
+                <p:cNvSpPr>
+                  <a:spLocks noRot="1" noChangeAspect="1" noMove="1" noResize="1" noEditPoints="1" noAdjustHandles="1" noChangeArrowheads="1" noChangeShapeType="1" noTextEdit="1"/>
+                </p:cNvSpPr>
+                <p:nvPr/>
+              </p:nvSpPr>
+              <p:spPr>
+                <a:xfrm>
+                  <a:off x="1858384" y="2732689"/>
+                  <a:ext cx="614464" cy="184666"/>
+                </a:xfrm>
+                <a:prstGeom prst="rect">
+                  <a:avLst/>
+                </a:prstGeom>
+                <a:blipFill>
+                  <a:blip r:embed="rId6"/>
+                  <a:stretch>
+                    <a:fillRect l="-3960" r="-990" b="-12903"/>
+                  </a:stretch>
+                </a:blipFill>
+                <a:ln w="12700">
+                  <a:noFill/>
+                </a:ln>
+              </p:spPr>
+              <p:txBody>
+                <a:bodyPr/>
+                <a:lstStyle/>
+                <a:p>
+                  <a:r>
+                    <a:rPr lang="en-AU">
+                      <a:noFill/>
+                    </a:rPr>
+                    <a:t> </a:t>
+                  </a:r>
+                </a:p>
+              </p:txBody>
+            </p:sp>
+          </mc:Fallback>
+        </mc:AlternateContent>
+        <mc:AlternateContent xmlns:mc="http://schemas.openxmlformats.org/markup-compatibility/2006">
+          <mc:Choice xmlns:a14="http://schemas.microsoft.com/office/drawing/2010/main" Requires="a14">
+            <p:sp>
+              <p:nvSpPr>
+                <p:cNvPr id="434" name="Rectangle 433">
+                  <a:extLst>
+                    <a:ext uri="{FF2B5EF4-FFF2-40B4-BE49-F238E27FC236}">
+                      <a16:creationId xmlns:a16="http://schemas.microsoft.com/office/drawing/2014/main" id="{5B5D78F1-476A-425F-9EAB-D3FC46DE27C2}"/>
+                    </a:ext>
+                  </a:extLst>
+                </p:cNvPr>
+                <p:cNvSpPr/>
+                <p:nvPr/>
+              </p:nvSpPr>
+              <p:spPr>
+                <a:xfrm>
+                  <a:off x="1879073" y="3220181"/>
+                  <a:ext cx="380039" cy="184666"/>
+                </a:xfrm>
+                <a:prstGeom prst="rect">
+                  <a:avLst/>
+                </a:prstGeom>
+                <a:noFill/>
+                <a:ln w="19050">
+                  <a:noFill/>
+                </a:ln>
+              </p:spPr>
+              <p:txBody>
+                <a:bodyPr wrap="none" lIns="0" tIns="0" rIns="0" bIns="0">
+                  <a:spAutoFit/>
+                </a:bodyPr>
+                <a:lstStyle/>
+                <a:p>
+                  <a:pPr marL="0" marR="0" lvl="0" indent="0" defTabSz="457200" eaLnBrk="1" fontAlgn="auto" latinLnBrk="0" hangingPunct="1">
+                    <a:lnSpc>
+                      <a:spcPct val="100000"/>
+                    </a:lnSpc>
+                    <a:spcBef>
+                      <a:spcPts val="0"/>
+                    </a:spcBef>
+                    <a:spcAft>
+                      <a:spcPts val="0"/>
+                    </a:spcAft>
+                    <a:buClrTx/>
+                    <a:buSzTx/>
+                    <a:buFontTx/>
+                    <a:buNone/>
+                    <a:tabLst/>
+                    <a:defRPr/>
+                  </a:pPr>
+                  <a14:m>
+                    <m:oMathPara xmlns:m="http://schemas.openxmlformats.org/officeDocument/2006/math">
+                      <m:oMathParaPr>
+                        <m:jc m:val="centerGroup"/>
+                      </m:oMathParaPr>
+                      <m:oMath xmlns:m="http://schemas.openxmlformats.org/officeDocument/2006/math">
+                        <m:sSub>
+                          <m:sSubPr>
+                            <m:ctrlPr>
+                              <a:rPr kumimoji="0" lang="en-AU" sz="1200" b="0" i="1" u="none" strike="noStrike" kern="0" cap="none" spc="0" normalizeH="0" baseline="0" noProof="0" smtClean="0">
+                                <a:ln>
+                                  <a:noFill/>
+                                </a:ln>
+                                <a:solidFill>
+                                  <a:srgbClr val="0070C0"/>
+                                </a:solidFill>
+                                <a:effectLst/>
+                                <a:uLnTx/>
+                                <a:uFillTx/>
+                                <a:latin typeface="Cambria Math" panose="02040503050406030204" pitchFamily="18" charset="0"/>
+                                <a:ea typeface="Cambria Math" panose="02040503050406030204" pitchFamily="18" charset="0"/>
+                                <a:cs typeface="Helvetica Neue" charset="0"/>
+                              </a:rPr>
+                            </m:ctrlPr>
+                          </m:sSubPr>
+                          <m:e>
+                            <m:r>
+                              <a:rPr kumimoji="0" lang="en-AU" sz="1200" b="0" i="1" u="none" strike="noStrike" kern="0" cap="none" spc="0" normalizeH="0" baseline="0" noProof="0" smtClean="0">
+                                <a:ln>
+                                  <a:noFill/>
+                                </a:ln>
+                                <a:solidFill>
+                                  <a:srgbClr val="0070C0"/>
+                                </a:solidFill>
+                                <a:effectLst/>
+                                <a:uLnTx/>
+                                <a:uFillTx/>
+                                <a:latin typeface="Cambria Math" panose="02040503050406030204" pitchFamily="18" charset="0"/>
+                                <a:ea typeface="Cambria Math" panose="02040503050406030204" pitchFamily="18" charset="0"/>
+                                <a:cs typeface="Helvetica Neue" charset="0"/>
+                              </a:rPr>
+                              <m:t>𝑥</m:t>
+                            </m:r>
+                          </m:e>
+                          <m:sub>
+                            <m:r>
+                              <a:rPr kumimoji="0" lang="en-AU" sz="1200" b="0" i="1" u="none" strike="noStrike" kern="0" cap="none" spc="0" normalizeH="0" baseline="0" noProof="0" smtClean="0">
+                                <a:ln>
+                                  <a:noFill/>
+                                </a:ln>
+                                <a:solidFill>
+                                  <a:srgbClr val="0070C0"/>
+                                </a:solidFill>
+                                <a:effectLst/>
+                                <a:uLnTx/>
+                                <a:uFillTx/>
+                                <a:latin typeface="Cambria Math" panose="02040503050406030204" pitchFamily="18" charset="0"/>
+                                <a:ea typeface="Cambria Math" panose="02040503050406030204" pitchFamily="18" charset="0"/>
+                                <a:cs typeface="Helvetica Neue" charset="0"/>
+                              </a:rPr>
+                              <m:t>𝑅𝑒𝑎</m:t>
+                            </m:r>
+                            <m:r>
+                              <m:rPr>
+                                <m:sty m:val="p"/>
+                              </m:rPr>
+                              <a:rPr kumimoji="0" lang="en-AU" sz="1200" b="0" i="0" u="none" strike="noStrike" kern="0" cap="none" spc="0" normalizeH="0" baseline="0" noProof="0" smtClean="0">
+                                <a:ln>
+                                  <a:noFill/>
+                                </a:ln>
+                                <a:solidFill>
+                                  <a:srgbClr val="0070C0"/>
+                                </a:solidFill>
+                                <a:effectLst/>
+                                <a:uLnTx/>
+                                <a:uFillTx/>
+                                <a:latin typeface="Cambria Math" panose="02040503050406030204" pitchFamily="18" charset="0"/>
+                                <a:ea typeface="Cambria Math" panose="02040503050406030204" pitchFamily="18" charset="0"/>
+                                <a:cs typeface="Helvetica Neue" charset="0"/>
+                              </a:rPr>
+                              <m:t>r</m:t>
+                            </m:r>
+                          </m:sub>
+                        </m:sSub>
+                      </m:oMath>
+                    </m:oMathPara>
+                  </a14:m>
+                  <a:endParaRPr kumimoji="0" lang="en-AU" sz="1200" b="0" i="0" u="none" strike="noStrike" kern="0" cap="none" spc="0" normalizeH="0" baseline="0" noProof="0" dirty="0">
+                    <a:ln>
+                      <a:noFill/>
+                    </a:ln>
+                    <a:solidFill>
+                      <a:srgbClr val="0070C0"/>
+                    </a:solidFill>
+                    <a:effectLst/>
+                    <a:uLnTx/>
+                    <a:uFillTx/>
+                    <a:latin typeface="Calibri" panose="020F0502020204030204"/>
+                    <a:ea typeface="+mn-ea"/>
+                  </a:endParaRPr>
+                </a:p>
+              </p:txBody>
+            </p:sp>
+          </mc:Choice>
+          <mc:Fallback>
+            <p:sp>
+              <p:nvSpPr>
+                <p:cNvPr id="434" name="Rectangle 433">
+                  <a:extLst>
+                    <a:ext uri="{FF2B5EF4-FFF2-40B4-BE49-F238E27FC236}">
+                      <a16:creationId xmlns:a16="http://schemas.microsoft.com/office/drawing/2014/main" id="{5B5D78F1-476A-425F-9EAB-D3FC46DE27C2}"/>
+                    </a:ext>
+                  </a:extLst>
+                </p:cNvPr>
+                <p:cNvSpPr>
+                  <a:spLocks noRot="1" noChangeAspect="1" noMove="1" noResize="1" noEditPoints="1" noAdjustHandles="1" noChangeArrowheads="1" noChangeShapeType="1" noTextEdit="1"/>
+                </p:cNvSpPr>
+                <p:nvPr/>
+              </p:nvSpPr>
+              <p:spPr>
+                <a:xfrm>
+                  <a:off x="1879073" y="3220181"/>
+                  <a:ext cx="380039" cy="184666"/>
+                </a:xfrm>
+                <a:prstGeom prst="rect">
+                  <a:avLst/>
+                </a:prstGeom>
+                <a:blipFill>
+                  <a:blip r:embed="rId7"/>
+                  <a:stretch>
+                    <a:fillRect l="-4839" b="-9677"/>
+                  </a:stretch>
+                </a:blipFill>
+                <a:ln w="19050">
+                  <a:noFill/>
+                </a:ln>
+              </p:spPr>
+              <p:txBody>
+                <a:bodyPr/>
+                <a:lstStyle/>
+                <a:p>
+                  <a:r>
+                    <a:rPr lang="en-AU">
+                      <a:noFill/>
+                    </a:rPr>
+                    <a:t> </a:t>
+                  </a:r>
+                </a:p>
+              </p:txBody>
+            </p:sp>
+          </mc:Fallback>
+        </mc:AlternateContent>
+        <p:cxnSp>
+          <p:nvCxnSpPr>
+            <p:cNvPr id="435" name="Straight Arrow Connector 434">
+              <a:extLst>
+                <a:ext uri="{FF2B5EF4-FFF2-40B4-BE49-F238E27FC236}">
+                  <a16:creationId xmlns:a16="http://schemas.microsoft.com/office/drawing/2014/main" id="{BB7FD634-6483-4C1C-886D-7A2C44A1269B}"/>
+                </a:ext>
+              </a:extLst>
+            </p:cNvPr>
+            <p:cNvCxnSpPr>
+              <a:cxnSpLocks/>
+            </p:cNvCxnSpPr>
+            <p:nvPr/>
+          </p:nvCxnSpPr>
+          <p:spPr>
+            <a:xfrm>
+              <a:off x="1840594" y="2714425"/>
+              <a:ext cx="0" cy="286256"/>
+            </a:xfrm>
+            <a:prstGeom prst="straightConnector1">
+              <a:avLst/>
+            </a:prstGeom>
+            <a:noFill/>
+            <a:ln w="12700" cap="flat" cmpd="sng" algn="ctr">
+              <a:solidFill>
+                <a:srgbClr val="70AD47"/>
+              </a:solidFill>
+              <a:prstDash val="solid"/>
+              <a:miter lim="800000"/>
+              <a:headEnd type="triangle"/>
+              <a:tailEnd type="triangle"/>
+            </a:ln>
+            <a:effectLst/>
+          </p:spPr>
+        </p:cxnSp>
+        <p:cxnSp>
+          <p:nvCxnSpPr>
+            <p:cNvPr id="436" name="Straight Arrow Connector 435">
+              <a:extLst>
+                <a:ext uri="{FF2B5EF4-FFF2-40B4-BE49-F238E27FC236}">
+                  <a16:creationId xmlns:a16="http://schemas.microsoft.com/office/drawing/2014/main" id="{FC0A64EB-9077-4A4F-83F3-9D2934D77F88}"/>
+                </a:ext>
+              </a:extLst>
+            </p:cNvPr>
+            <p:cNvCxnSpPr>
+              <a:cxnSpLocks/>
+            </p:cNvCxnSpPr>
+            <p:nvPr/>
+          </p:nvCxnSpPr>
+          <p:spPr>
+            <a:xfrm>
+              <a:off x="1840594" y="3180835"/>
+              <a:ext cx="0" cy="286256"/>
+            </a:xfrm>
+            <a:prstGeom prst="straightConnector1">
+              <a:avLst/>
+            </a:prstGeom>
+            <a:noFill/>
+            <a:ln w="19050" cap="flat" cmpd="sng" algn="ctr">
+              <a:solidFill>
+                <a:srgbClr val="0070C0"/>
+              </a:solidFill>
+              <a:prstDash val="solid"/>
+              <a:miter lim="800000"/>
+              <a:headEnd type="triangle"/>
+              <a:tailEnd type="triangle"/>
+            </a:ln>
+            <a:effectLst/>
+          </p:spPr>
+        </p:cxnSp>
+        <p:sp>
+          <p:nvSpPr>
+            <p:cNvPr id="437" name="Rectangle 436">
+              <a:extLst>
+                <a:ext uri="{FF2B5EF4-FFF2-40B4-BE49-F238E27FC236}">
+                  <a16:creationId xmlns:a16="http://schemas.microsoft.com/office/drawing/2014/main" id="{48044FE4-2BD7-4255-A0F6-7B37A4FFC064}"/>
+                </a:ext>
+              </a:extLst>
+            </p:cNvPr>
+            <p:cNvSpPr/>
+            <p:nvPr/>
+          </p:nvSpPr>
+          <p:spPr>
+            <a:xfrm>
+              <a:off x="560645" y="2966279"/>
+              <a:ext cx="843116" cy="215444"/>
+            </a:xfrm>
+            <a:prstGeom prst="rect">
+              <a:avLst/>
+            </a:prstGeom>
+          </p:spPr>
+          <p:txBody>
+            <a:bodyPr wrap="none" lIns="0" tIns="0" rIns="0" bIns="0">
+              <a:spAutoFit/>
+            </a:bodyPr>
+            <a:lstStyle/>
+            <a:p>
+              <a:pPr marL="0" marR="0" lvl="0" indent="0" algn="ctr" defTabSz="457200" eaLnBrk="1" fontAlgn="auto" latinLnBrk="0" hangingPunct="1">
+                <a:lnSpc>
+                  <a:spcPct val="100000"/>
+                </a:lnSpc>
+                <a:spcBef>
+                  <a:spcPts val="0"/>
+                </a:spcBef>
+                <a:spcAft>
+                  <a:spcPts val="0"/>
+                </a:spcAft>
+                <a:buClrTx/>
+                <a:buSzTx/>
+                <a:buFontTx/>
+                <a:buNone/>
+                <a:tabLst/>
+                <a:defRPr/>
+              </a:pPr>
+              <a:r>
+                <a:rPr kumimoji="0" lang="en-AU" sz="1400" b="0" i="0" u="none" strike="noStrike" kern="0" cap="none" spc="0" normalizeH="0" baseline="0" noProof="0" dirty="0">
+                  <a:ln>
+                    <a:noFill/>
+                  </a:ln>
+                  <a:solidFill>
+                    <a:prstClr val="white"/>
+                  </a:solidFill>
+                  <a:effectLst/>
+                  <a:uLnTx/>
+                  <a:uFillTx/>
+                  <a:latin typeface="Helvetica Neue" charset="0"/>
+                  <a:ea typeface="+mn-ea"/>
+                  <a:cs typeface="Helvetica Neue" charset="0"/>
+                </a:rPr>
+                <a:t>Pilot Thigh</a:t>
+              </a:r>
+            </a:p>
+          </p:txBody>
+        </p:sp>
+        <p:sp>
+          <p:nvSpPr>
+            <p:cNvPr id="438" name="Rectangle 437">
+              <a:extLst>
+                <a:ext uri="{FF2B5EF4-FFF2-40B4-BE49-F238E27FC236}">
+                  <a16:creationId xmlns:a16="http://schemas.microsoft.com/office/drawing/2014/main" id="{BD6631D0-382B-4B75-8BC4-77BC5BC2D287}"/>
+                </a:ext>
+              </a:extLst>
+            </p:cNvPr>
+            <p:cNvSpPr/>
+            <p:nvPr/>
+          </p:nvSpPr>
+          <p:spPr>
+            <a:xfrm rot="1800000">
+              <a:off x="2045877" y="3213387"/>
+              <a:ext cx="942887" cy="307777"/>
+            </a:xfrm>
+            <a:prstGeom prst="rect">
+              <a:avLst/>
+            </a:prstGeom>
+          </p:spPr>
+          <p:txBody>
+            <a:bodyPr wrap="none">
+              <a:spAutoFit/>
+            </a:bodyPr>
+            <a:lstStyle/>
+            <a:p>
+              <a:pPr marL="0" marR="0" lvl="0" indent="0" algn="ctr" defTabSz="457200" eaLnBrk="1" fontAlgn="auto" latinLnBrk="0" hangingPunct="1">
+                <a:lnSpc>
+                  <a:spcPct val="100000"/>
+                </a:lnSpc>
+                <a:spcBef>
+                  <a:spcPts val="0"/>
+                </a:spcBef>
+                <a:spcAft>
+                  <a:spcPts val="0"/>
+                </a:spcAft>
+                <a:buClrTx/>
+                <a:buSzTx/>
+                <a:buFontTx/>
+                <a:buNone/>
+                <a:tabLst/>
+                <a:defRPr/>
+              </a:pPr>
+              <a:r>
+                <a:rPr kumimoji="0" lang="en-AU" sz="1400" b="0" i="0" u="none" strike="noStrike" kern="0" cap="none" spc="0" normalizeH="0" baseline="0" noProof="0" dirty="0">
+                  <a:ln>
+                    <a:noFill/>
+                  </a:ln>
+                  <a:solidFill>
+                    <a:prstClr val="white"/>
+                  </a:solidFill>
+                  <a:effectLst/>
+                  <a:uLnTx/>
+                  <a:uFillTx/>
+                  <a:latin typeface="Helvetica Neue" charset="0"/>
+                  <a:ea typeface="+mn-ea"/>
+                  <a:cs typeface="Helvetica Neue" charset="0"/>
+                </a:rPr>
+                <a:t>Pilot Shin</a:t>
+              </a:r>
+            </a:p>
+          </p:txBody>
+        </p:sp>
+        <p:sp>
+          <p:nvSpPr>
+            <p:cNvPr id="439" name="Rectangle 438">
+              <a:extLst>
+                <a:ext uri="{FF2B5EF4-FFF2-40B4-BE49-F238E27FC236}">
+                  <a16:creationId xmlns:a16="http://schemas.microsoft.com/office/drawing/2014/main" id="{6C0AE153-3C3B-48EE-BCA9-0A8150D714EC}"/>
+                </a:ext>
+              </a:extLst>
+            </p:cNvPr>
+            <p:cNvSpPr/>
+            <p:nvPr/>
+          </p:nvSpPr>
+          <p:spPr>
+            <a:xfrm>
+              <a:off x="48329" y="2615325"/>
+              <a:ext cx="1508071" cy="215444"/>
+            </a:xfrm>
+            <a:prstGeom prst="rect">
+              <a:avLst/>
+            </a:prstGeom>
+            <a:noFill/>
+            <a:ln w="12700" cap="flat" cmpd="sng" algn="ctr">
+              <a:solidFill>
+                <a:srgbClr val="70AD47"/>
+              </a:solidFill>
+              <a:prstDash val="solid"/>
+              <a:miter lim="800000"/>
+            </a:ln>
+            <a:effectLst/>
+          </p:spPr>
+          <p:txBody>
+            <a:bodyPr wrap="square" lIns="0" tIns="0" rIns="0" bIns="0" anchor="ctr">
+              <a:spAutoFit/>
+            </a:bodyPr>
+            <a:lstStyle/>
+            <a:p>
+              <a:pPr marL="0" marR="0" lvl="0" indent="0" algn="ctr" defTabSz="457200" eaLnBrk="1" fontAlgn="auto" latinLnBrk="0" hangingPunct="1">
+                <a:lnSpc>
+                  <a:spcPct val="100000"/>
+                </a:lnSpc>
+                <a:spcBef>
+                  <a:spcPts val="0"/>
+                </a:spcBef>
+                <a:spcAft>
+                  <a:spcPts val="0"/>
+                </a:spcAft>
+                <a:buClrTx/>
+                <a:buSzTx/>
+                <a:buFontTx/>
+                <a:buNone/>
+                <a:tabLst/>
+                <a:defRPr/>
+              </a:pPr>
+              <a:r>
+                <a:rPr kumimoji="0" lang="en-AU" sz="1400" b="0" i="0" u="none" strike="noStrike" kern="0" cap="none" spc="0" normalizeH="0" baseline="0" noProof="0" dirty="0">
+                  <a:ln>
+                    <a:noFill/>
+                  </a:ln>
+                  <a:solidFill>
+                    <a:srgbClr val="70AD47"/>
+                  </a:solidFill>
+                  <a:effectLst/>
+                  <a:uLnTx/>
+                  <a:uFillTx/>
+                  <a:latin typeface="Helvetica Neue" charset="0"/>
+                  <a:ea typeface="+mn-ea"/>
+                  <a:cs typeface="Helvetica Neue" charset="0"/>
+                </a:rPr>
+                <a:t>Forward Proximity</a:t>
+              </a:r>
+            </a:p>
+          </p:txBody>
+        </p:sp>
+        <p:sp>
+          <p:nvSpPr>
+            <p:cNvPr id="440" name="Rectangle 439">
+              <a:extLst>
+                <a:ext uri="{FF2B5EF4-FFF2-40B4-BE49-F238E27FC236}">
+                  <a16:creationId xmlns:a16="http://schemas.microsoft.com/office/drawing/2014/main" id="{E173F2C8-887E-43C7-8575-B0CAF1A07932}"/>
+                </a:ext>
+              </a:extLst>
+            </p:cNvPr>
+            <p:cNvSpPr/>
+            <p:nvPr/>
+          </p:nvSpPr>
+          <p:spPr>
+            <a:xfrm>
+              <a:off x="48329" y="3350747"/>
+              <a:ext cx="1508071" cy="215444"/>
+            </a:xfrm>
+            <a:prstGeom prst="rect">
+              <a:avLst/>
+            </a:prstGeom>
+            <a:noFill/>
+            <a:ln w="19050" cap="flat" cmpd="sng" algn="ctr">
+              <a:solidFill>
+                <a:srgbClr val="0070C0"/>
+              </a:solidFill>
+              <a:prstDash val="solid"/>
+              <a:miter lim="800000"/>
+            </a:ln>
+            <a:effectLst/>
+          </p:spPr>
+          <p:txBody>
+            <a:bodyPr wrap="square" lIns="0" tIns="0" rIns="0" bIns="0" anchor="ctr">
+              <a:spAutoFit/>
+            </a:bodyPr>
+            <a:lstStyle/>
+            <a:p>
+              <a:pPr marL="0" marR="0" lvl="0" indent="0" algn="ctr" defTabSz="457200" eaLnBrk="1" fontAlgn="auto" latinLnBrk="0" hangingPunct="1">
+                <a:lnSpc>
+                  <a:spcPct val="100000"/>
+                </a:lnSpc>
+                <a:spcBef>
+                  <a:spcPts val="0"/>
+                </a:spcBef>
+                <a:spcAft>
+                  <a:spcPts val="0"/>
+                </a:spcAft>
+                <a:buClrTx/>
+                <a:buSzTx/>
+                <a:buFontTx/>
+                <a:buNone/>
+                <a:tabLst/>
+                <a:defRPr/>
+              </a:pPr>
+              <a:r>
+                <a:rPr kumimoji="0" lang="en-AU" sz="1400" b="0" i="0" u="none" strike="noStrike" kern="0" cap="none" spc="0" normalizeH="0" baseline="0" noProof="0" dirty="0">
+                  <a:ln>
+                    <a:noFill/>
+                  </a:ln>
+                  <a:solidFill>
+                    <a:srgbClr val="0070C0"/>
+                  </a:solidFill>
+                  <a:effectLst/>
+                  <a:uLnTx/>
+                  <a:uFillTx/>
+                  <a:latin typeface="Helvetica Neue" charset="0"/>
+                  <a:ea typeface="+mn-ea"/>
+                  <a:cs typeface="Helvetica Neue" charset="0"/>
+                </a:rPr>
+                <a:t>Rear Proximity</a:t>
+              </a:r>
+            </a:p>
+          </p:txBody>
+        </p:sp>
+        <p:cxnSp>
+          <p:nvCxnSpPr>
+            <p:cNvPr id="441" name="Connector: Elbow 440">
+              <a:extLst>
+                <a:ext uri="{FF2B5EF4-FFF2-40B4-BE49-F238E27FC236}">
+                  <a16:creationId xmlns:a16="http://schemas.microsoft.com/office/drawing/2014/main" id="{4E433FE2-8AA5-4385-85F6-56C66A14674F}"/>
+                </a:ext>
+              </a:extLst>
+            </p:cNvPr>
+            <p:cNvCxnSpPr>
+              <a:cxnSpLocks/>
+              <a:stCxn id="439" idx="2"/>
+              <a:endCxn id="430" idx="1"/>
+            </p:cNvCxnSpPr>
+            <p:nvPr/>
+          </p:nvCxnSpPr>
+          <p:spPr>
+            <a:xfrm rot="16200000" flipH="1">
+              <a:off x="1242176" y="2390957"/>
+              <a:ext cx="32146" cy="911769"/>
+            </a:xfrm>
+            <a:prstGeom prst="bentConnector2">
+              <a:avLst/>
+            </a:prstGeom>
+            <a:noFill/>
+            <a:ln w="12700" cap="flat" cmpd="sng" algn="ctr">
+              <a:solidFill>
+                <a:srgbClr val="70AD47"/>
+              </a:solidFill>
+              <a:prstDash val="solid"/>
+              <a:miter lim="800000"/>
+              <a:tailEnd type="triangle"/>
+            </a:ln>
+            <a:effectLst/>
+          </p:spPr>
+        </p:cxnSp>
+        <p:cxnSp>
+          <p:nvCxnSpPr>
+            <p:cNvPr id="442" name="Connector: Elbow 441">
+              <a:extLst>
+                <a:ext uri="{FF2B5EF4-FFF2-40B4-BE49-F238E27FC236}">
+                  <a16:creationId xmlns:a16="http://schemas.microsoft.com/office/drawing/2014/main" id="{6A29170D-C040-47E3-AEB5-3C27AD973E40}"/>
+                </a:ext>
+              </a:extLst>
+            </p:cNvPr>
+            <p:cNvCxnSpPr>
+              <a:cxnSpLocks/>
+              <a:stCxn id="440" idx="0"/>
+              <a:endCxn id="429" idx="5"/>
+            </p:cNvCxnSpPr>
+            <p:nvPr/>
+          </p:nvCxnSpPr>
+          <p:spPr>
+            <a:xfrm rot="5400000" flipH="1" flipV="1">
+              <a:off x="1242175" y="2878789"/>
+              <a:ext cx="32148" cy="911769"/>
+            </a:xfrm>
+            <a:prstGeom prst="bentConnector2">
+              <a:avLst/>
+            </a:prstGeom>
+            <a:noFill/>
+            <a:ln w="19050" cap="flat" cmpd="sng" algn="ctr">
+              <a:solidFill>
+                <a:srgbClr val="0070C0"/>
+              </a:solidFill>
+              <a:prstDash val="solid"/>
+              <a:miter lim="800000"/>
+              <a:tailEnd type="triangle"/>
+            </a:ln>
+            <a:effectLst/>
+          </p:spPr>
+        </p:cxnSp>
+      </p:grpSp>
     </p:spTree>
   </p:cSld>
   <p:clrMapOvr>
